--- a/1phase/ruby-mvc-single-res/HT-MVC.pptx
+++ b/1phase/ruby-mvc-single-res/HT-MVC.pptx
@@ -2213,46 +2213,15 @@
                   <a:schemeClr val="accent3"/>
                 </a:solidFill>
               </a:rPr>
-              <a:t>Author:  Torey Hickman</a:t>
-            </a:r>
-            <a:endParaRPr lang="en-US" dirty="0">
-              <a:solidFill>
-                <a:schemeClr val="accent3"/>
-              </a:solidFill>
-            </a:endParaRPr>
-          </a:p>
-        </p:txBody>
-      </p:sp>
-      <p:sp>
-        <p:nvSpPr>
-          <p:cNvPr id="6" name="TextBox 5"/>
-          <p:cNvSpPr txBox="1"/>
-          <p:nvPr/>
-        </p:nvSpPr>
-        <p:spPr>
-          <a:xfrm>
-            <a:off x="5740410" y="6324603"/>
-            <a:ext cx="2878667" cy="369332"/>
-          </a:xfrm>
-          <a:prstGeom prst="rect">
-            <a:avLst/>
-          </a:prstGeom>
-          <a:noFill/>
-        </p:spPr>
-        <p:txBody>
-          <a:bodyPr wrap="square" rtlCol="0">
-            <a:spAutoFit/>
-          </a:bodyPr>
-          <a:lstStyle/>
-          <a:p>
-            <a:pPr algn="r"/>
+              <a:t>Author:  </a:t>
+            </a:r>
             <a:r>
               <a:rPr lang="en-US" dirty="0" smtClean="0">
                 <a:solidFill>
                   <a:schemeClr val="accent3"/>
                 </a:solidFill>
               </a:rPr>
-              <a:t>Phase 1:  Day 10</a:t>
+              <a:t>Hunter Chapman</a:t>
             </a:r>
             <a:endParaRPr lang="en-US" dirty="0">
               <a:solidFill>
@@ -12580,7 +12549,12 @@
             <p:ph idx="1"/>
           </p:nvPr>
         </p:nvSpPr>
-        <p:spPr/>
+        <p:spPr>
+          <a:xfrm>
+            <a:off x="175179" y="1424690"/>
+            <a:ext cx="8968821" cy="3877733"/>
+          </a:xfrm>
+        </p:spPr>
         <p:txBody>
           <a:bodyPr>
             <a:noAutofit/>
@@ -12634,8 +12608,9 @@
           <a:p>
             <a:r>
               <a:rPr lang="en-US" sz="2300" dirty="0" smtClean="0"/>
-              <a:t>It </a:t>
-            </a:r>
+              <a:t>It interacts with a DB or data store of some kind, crunches the numbers and does the ‘heavy lifting’ in your application.</a:t>
+            </a:r>
+            <a:endParaRPr lang="en-US" sz="2300" dirty="0" smtClean="0"/>
           </a:p>
           <a:p>
             <a:endParaRPr lang="en-US" sz="2300" dirty="0"/>
@@ -12655,8 +12630,37 @@
             </a:r>
             <a:r>
               <a:rPr lang="en-US" sz="2300" dirty="0" smtClean="0"/>
-              <a:t> manages communication between the model and the view</a:t>
-            </a:r>
+              <a:t> manages communication between </a:t>
+            </a:r>
+            <a:r>
+              <a:rPr lang="en-US" sz="2300" dirty="0" smtClean="0">
+                <a:solidFill>
+                  <a:srgbClr val="FF0000"/>
+                </a:solidFill>
+              </a:rPr>
+              <a:t>model</a:t>
+            </a:r>
+            <a:r>
+              <a:rPr lang="en-US" sz="2300" dirty="0" smtClean="0"/>
+              <a:t> </a:t>
+            </a:r>
+            <a:r>
+              <a:rPr lang="en-US" sz="2300" dirty="0" smtClean="0"/>
+              <a:t>and </a:t>
+            </a:r>
+            <a:r>
+              <a:rPr lang="en-US" sz="2300" dirty="0" smtClean="0">
+                <a:solidFill>
+                  <a:srgbClr val="FF0000"/>
+                </a:solidFill>
+              </a:rPr>
+              <a:t>view</a:t>
+            </a:r>
+            <a:endParaRPr lang="en-US" sz="2300" dirty="0" smtClean="0">
+              <a:solidFill>
+                <a:srgbClr val="FF0000"/>
+              </a:solidFill>
+            </a:endParaRPr>
           </a:p>
           <a:p>
             <a:r>
@@ -12750,19 +12754,32 @@
           <a:p>
             <a:r>
               <a:rPr lang="en-US" sz="2500" dirty="0" smtClean="0"/>
-              <a:t>These are all just classes!</a:t>
-            </a:r>
-          </a:p>
-          <a:p>
+              <a:t>MVC is not much different than th</a:t>
+            </a:r>
             <a:r>
               <a:rPr lang="en-US" sz="2500" dirty="0" smtClean="0"/>
-              <a:t>They’re not much different from what you’ve been doing</a:t>
-            </a:r>
+              <a:t>e code you are already writing. </a:t>
+            </a:r>
+            <a:endParaRPr lang="en-US" sz="2500" dirty="0" smtClean="0"/>
           </a:p>
           <a:p>
             <a:r>
               <a:rPr lang="en-US" sz="2500" dirty="0" smtClean="0"/>
-              <a:t>They’re just organized in a different way</a:t>
+              <a:t>These </a:t>
+            </a:r>
+            <a:r>
+              <a:rPr lang="en-US" sz="2500" dirty="0" smtClean="0"/>
+              <a:t>are all just classes!</a:t>
+            </a:r>
+          </a:p>
+          <a:p>
+            <a:r>
+              <a:rPr lang="en-US" sz="2500" smtClean="0"/>
+              <a:t>They’re </a:t>
+            </a:r>
+            <a:r>
+              <a:rPr lang="en-US" sz="2500" dirty="0" smtClean="0"/>
+              <a:t>just organized in a different way</a:t>
             </a:r>
           </a:p>
           <a:p>

--- a/1phase/ruby-mvc-single-res/HT-MVC.pptx
+++ b/1phase/ruby-mvc-single-res/HT-MVC.pptx
@@ -5,10 +5,10 @@
     <p:sldMasterId id="2147483660" r:id="rId1"/>
   </p:sldMasterIdLst>
   <p:notesMasterIdLst>
-    <p:notesMasterId r:id="rId30"/>
+    <p:notesMasterId r:id="rId31"/>
   </p:notesMasterIdLst>
   <p:handoutMasterIdLst>
-    <p:handoutMasterId r:id="rId31"/>
+    <p:handoutMasterId r:id="rId32"/>
   </p:handoutMasterIdLst>
   <p:sldIdLst>
     <p:sldId id="256" r:id="rId2"/>
@@ -20,25 +20,26 @@
     <p:sldId id="257" r:id="rId8"/>
     <p:sldId id="258" r:id="rId9"/>
     <p:sldId id="259" r:id="rId10"/>
-    <p:sldId id="260" r:id="rId11"/>
-    <p:sldId id="264" r:id="rId12"/>
-    <p:sldId id="261" r:id="rId13"/>
-    <p:sldId id="262" r:id="rId14"/>
-    <p:sldId id="263" r:id="rId15"/>
-    <p:sldId id="265" r:id="rId16"/>
-    <p:sldId id="266" r:id="rId17"/>
-    <p:sldId id="267" r:id="rId18"/>
-    <p:sldId id="279" r:id="rId19"/>
-    <p:sldId id="281" r:id="rId20"/>
-    <p:sldId id="282" r:id="rId21"/>
-    <p:sldId id="280" r:id="rId22"/>
-    <p:sldId id="270" r:id="rId23"/>
-    <p:sldId id="272" r:id="rId24"/>
-    <p:sldId id="273" r:id="rId25"/>
-    <p:sldId id="275" r:id="rId26"/>
-    <p:sldId id="276" r:id="rId27"/>
-    <p:sldId id="277" r:id="rId28"/>
-    <p:sldId id="278" r:id="rId29"/>
+    <p:sldId id="289" r:id="rId11"/>
+    <p:sldId id="260" r:id="rId12"/>
+    <p:sldId id="264" r:id="rId13"/>
+    <p:sldId id="261" r:id="rId14"/>
+    <p:sldId id="262" r:id="rId15"/>
+    <p:sldId id="263" r:id="rId16"/>
+    <p:sldId id="265" r:id="rId17"/>
+    <p:sldId id="266" r:id="rId18"/>
+    <p:sldId id="267" r:id="rId19"/>
+    <p:sldId id="279" r:id="rId20"/>
+    <p:sldId id="281" r:id="rId21"/>
+    <p:sldId id="282" r:id="rId22"/>
+    <p:sldId id="280" r:id="rId23"/>
+    <p:sldId id="270" r:id="rId24"/>
+    <p:sldId id="272" r:id="rId25"/>
+    <p:sldId id="273" r:id="rId26"/>
+    <p:sldId id="275" r:id="rId27"/>
+    <p:sldId id="276" r:id="rId28"/>
+    <p:sldId id="277" r:id="rId29"/>
+    <p:sldId id="278" r:id="rId30"/>
   </p:sldIdLst>
   <p:sldSz cx="9144000" cy="6858000" type="screen4x3"/>
   <p:notesSz cx="6858000" cy="9144000"/>
@@ -726,7 +727,7 @@
           <a:p>
             <a:fld id="{B8E85131-72B0-344C-846D-7A83BD8CA0B2}" type="slidenum">
               <a:rPr lang="en-US" smtClean="0"/>
-              <a:t>17</a:t>
+              <a:t>18</a:t>
             </a:fld>
             <a:endParaRPr lang="en-US"/>
           </a:p>
@@ -2254,6 +2255,19 @@
 <file path=ppt/slides/slide10.xml><?xml version="1.0" encoding="utf-8"?>
 <p:sld xmlns:a="http://schemas.openxmlformats.org/drawingml/2006/main" xmlns:r="http://schemas.openxmlformats.org/officeDocument/2006/relationships" xmlns:p="http://schemas.openxmlformats.org/presentationml/2006/main">
   <p:cSld>
+    <p:bg>
+      <p:bgPr>
+        <a:pattFill prst="pct70">
+          <a:fgClr>
+            <a:schemeClr val="bg1"/>
+          </a:fgClr>
+          <a:bgClr>
+            <a:prstClr val="white"/>
+          </a:bgClr>
+        </a:pattFill>
+        <a:effectLst/>
+      </p:bgPr>
+    </p:bg>
     <p:spTree>
       <p:nvGrpSpPr>
         <p:cNvPr id="1" name=""/>
@@ -2270,7 +2284,7 @@
       </p:grpSpPr>
       <p:sp>
         <p:nvSpPr>
-          <p:cNvPr id="2" name="Title 1"/>
+          <p:cNvPr id="5" name="Title 4"/>
           <p:cNvSpPr>
             <a:spLocks noGrp="1"/>
           </p:cNvSpPr>
@@ -2285,7 +2299,7 @@
           <a:p>
             <a:r>
               <a:rPr lang="en-US" dirty="0" smtClean="0"/>
-              <a:t>M-V-C Design Pattern</a:t>
+              <a:t>Model – View – Controller</a:t>
             </a:r>
             <a:endParaRPr lang="en-US" dirty="0"/>
           </a:p>
@@ -2293,7 +2307,7 @@
       </p:sp>
       <p:sp>
         <p:nvSpPr>
-          <p:cNvPr id="3" name="Footer Placeholder 2"/>
+          <p:cNvPr id="4" name="Footer Placeholder 3"/>
           <p:cNvSpPr>
             <a:spLocks noGrp="1"/>
           </p:cNvSpPr>
@@ -2307,269 +2321,41 @@
           <a:lstStyle/>
           <a:p>
             <a:r>
-              <a:rPr lang="en-US" smtClean="0"/>
+              <a:rPr lang="en-US" dirty="0" smtClean="0"/>
               <a:t>Model – View – Controller: A Design Pattern</a:t>
             </a:r>
             <a:endParaRPr lang="en-US" dirty="0"/>
           </a:p>
         </p:txBody>
       </p:sp>
-      <p:sp>
-        <p:nvSpPr>
-          <p:cNvPr id="4" name="Rectangle 3"/>
-          <p:cNvSpPr/>
-          <p:nvPr/>
-        </p:nvSpPr>
-        <p:spPr>
-          <a:xfrm>
-            <a:off x="512064" y="2723877"/>
-            <a:ext cx="2150017" cy="3058909"/>
-          </a:xfrm>
-          <a:prstGeom prst="rect">
-            <a:avLst/>
-          </a:prstGeom>
-          <a:solidFill>
-            <a:srgbClr val="00A9B9"/>
-          </a:solidFill>
-          <a:ln>
-            <a:noFill/>
-          </a:ln>
-          <a:effectLst/>
-        </p:spPr>
-        <p:style>
-          <a:lnRef idx="1">
-            <a:schemeClr val="accent1"/>
-          </a:lnRef>
-          <a:fillRef idx="3">
-            <a:schemeClr val="accent1"/>
-          </a:fillRef>
-          <a:effectRef idx="2">
-            <a:schemeClr val="accent1"/>
-          </a:effectRef>
-          <a:fontRef idx="minor">
-            <a:schemeClr val="lt1"/>
-          </a:fontRef>
-        </p:style>
-        <p:txBody>
-          <a:bodyPr rtlCol="0" anchor="t"/>
-          <a:lstStyle/>
-          <a:p>
-            <a:r>
-              <a:rPr lang="en-US" sz="2200" dirty="0" smtClean="0">
-                <a:solidFill>
-                  <a:srgbClr val="F8F8F8"/>
-                </a:solidFill>
-              </a:rPr>
-              <a:t>  </a:t>
-            </a:r>
-          </a:p>
-          <a:p>
-            <a:r>
-              <a:rPr lang="en-US" sz="2200" dirty="0">
-                <a:solidFill>
-                  <a:srgbClr val="F8F8F8"/>
-                </a:solidFill>
-              </a:rPr>
-              <a:t> </a:t>
-            </a:r>
-          </a:p>
-        </p:txBody>
-      </p:sp>
-      <p:sp>
-        <p:nvSpPr>
-          <p:cNvPr id="5" name="Rectangle 4"/>
-          <p:cNvSpPr/>
-          <p:nvPr/>
-        </p:nvSpPr>
-        <p:spPr>
-          <a:xfrm>
-            <a:off x="3493911" y="2668662"/>
-            <a:ext cx="2150017" cy="3058909"/>
-          </a:xfrm>
-          <a:prstGeom prst="rect">
-            <a:avLst/>
-          </a:prstGeom>
-          <a:solidFill>
-            <a:srgbClr val="EA4A3C"/>
-          </a:solidFill>
-          <a:ln>
-            <a:noFill/>
-          </a:ln>
-          <a:effectLst/>
-        </p:spPr>
-        <p:style>
-          <a:lnRef idx="1">
-            <a:schemeClr val="accent1"/>
-          </a:lnRef>
-          <a:fillRef idx="3">
-            <a:schemeClr val="accent1"/>
-          </a:fillRef>
-          <a:effectRef idx="2">
-            <a:schemeClr val="accent1"/>
-          </a:effectRef>
-          <a:fontRef idx="minor">
-            <a:schemeClr val="lt1"/>
-          </a:fontRef>
-        </p:style>
-        <p:txBody>
-          <a:bodyPr rtlCol="0" anchor="ctr"/>
-          <a:lstStyle/>
-          <a:p>
-            <a:pPr algn="ctr"/>
-            <a:endParaRPr lang="en-US" sz="2200" dirty="0">
-              <a:solidFill>
-                <a:srgbClr val="F8F8F8"/>
-              </a:solidFill>
-            </a:endParaRPr>
-          </a:p>
-        </p:txBody>
-      </p:sp>
-      <p:sp>
-        <p:nvSpPr>
-          <p:cNvPr id="6" name="Rectangle 5"/>
-          <p:cNvSpPr/>
-          <p:nvPr/>
-        </p:nvSpPr>
-        <p:spPr>
-          <a:xfrm>
-            <a:off x="6536783" y="2723877"/>
-            <a:ext cx="2150017" cy="3058909"/>
-          </a:xfrm>
-          <a:prstGeom prst="rect">
-            <a:avLst/>
-          </a:prstGeom>
-          <a:solidFill>
-            <a:schemeClr val="accent6"/>
-          </a:solidFill>
-          <a:ln>
-            <a:noFill/>
-          </a:ln>
-          <a:effectLst/>
-        </p:spPr>
-        <p:style>
-          <a:lnRef idx="1">
-            <a:schemeClr val="accent1"/>
-          </a:lnRef>
-          <a:fillRef idx="3">
-            <a:schemeClr val="accent1"/>
-          </a:fillRef>
-          <a:effectRef idx="2">
-            <a:schemeClr val="accent1"/>
-          </a:effectRef>
-          <a:fontRef idx="minor">
-            <a:schemeClr val="lt1"/>
-          </a:fontRef>
-        </p:style>
-        <p:txBody>
-          <a:bodyPr rtlCol="0" anchor="ctr"/>
-          <a:lstStyle/>
-          <a:p>
-            <a:pPr algn="ctr"/>
-            <a:endParaRPr lang="en-US" sz="2200">
-              <a:solidFill>
-                <a:srgbClr val="F8F8F8"/>
-              </a:solidFill>
-            </a:endParaRPr>
-          </a:p>
-        </p:txBody>
-      </p:sp>
-      <p:sp>
-        <p:nvSpPr>
-          <p:cNvPr id="8" name="TextBox 7"/>
-          <p:cNvSpPr txBox="1"/>
-          <p:nvPr/>
-        </p:nvSpPr>
-        <p:spPr>
-          <a:xfrm>
-            <a:off x="457200" y="1865376"/>
-            <a:ext cx="2204881" cy="584776"/>
-          </a:xfrm>
-          <a:prstGeom prst="rect">
-            <a:avLst/>
-          </a:prstGeom>
-          <a:noFill/>
-        </p:spPr>
-        <p:txBody>
-          <a:bodyPr wrap="square" rtlCol="0">
-            <a:spAutoFit/>
-          </a:bodyPr>
-          <a:lstStyle/>
-          <a:p>
-            <a:pPr algn="ctr"/>
-            <a:r>
-              <a:rPr lang="en-US" sz="3200" dirty="0" smtClean="0"/>
-              <a:t>Model</a:t>
-            </a:r>
-            <a:endParaRPr lang="en-US" sz="3200" dirty="0"/>
-          </a:p>
-        </p:txBody>
-      </p:sp>
-      <p:sp>
-        <p:nvSpPr>
-          <p:cNvPr id="10" name="TextBox 9"/>
-          <p:cNvSpPr txBox="1"/>
-          <p:nvPr/>
-        </p:nvSpPr>
-        <p:spPr>
-          <a:xfrm>
-            <a:off x="3493911" y="1865376"/>
-            <a:ext cx="2204881" cy="584776"/>
-          </a:xfrm>
-          <a:prstGeom prst="rect">
-            <a:avLst/>
-          </a:prstGeom>
-          <a:noFill/>
-        </p:spPr>
-        <p:txBody>
-          <a:bodyPr wrap="square" rtlCol="0">
-            <a:spAutoFit/>
-          </a:bodyPr>
-          <a:lstStyle/>
-          <a:p>
-            <a:pPr algn="ctr"/>
-            <a:r>
-              <a:rPr lang="en-US" sz="3200" dirty="0" smtClean="0"/>
-              <a:t>Controller</a:t>
-            </a:r>
-            <a:endParaRPr lang="en-US" sz="3200" dirty="0"/>
-          </a:p>
-        </p:txBody>
-      </p:sp>
-      <p:sp>
-        <p:nvSpPr>
-          <p:cNvPr id="11" name="TextBox 10"/>
-          <p:cNvSpPr txBox="1"/>
-          <p:nvPr/>
-        </p:nvSpPr>
-        <p:spPr>
-          <a:xfrm>
-            <a:off x="6536783" y="1865376"/>
-            <a:ext cx="2204881" cy="584776"/>
-          </a:xfrm>
-          <a:prstGeom prst="rect">
-            <a:avLst/>
-          </a:prstGeom>
-          <a:noFill/>
-        </p:spPr>
-        <p:txBody>
-          <a:bodyPr wrap="square" rtlCol="0">
-            <a:spAutoFit/>
-          </a:bodyPr>
-          <a:lstStyle/>
-          <a:p>
-            <a:pPr algn="ctr"/>
-            <a:r>
-              <a:rPr lang="en-US" sz="3200" dirty="0" smtClean="0"/>
-              <a:t>View</a:t>
-            </a:r>
-            <a:endParaRPr lang="en-US" sz="3200" dirty="0"/>
-          </a:p>
-        </p:txBody>
-      </p:sp>
+      <p:pic>
+        <p:nvPicPr>
+          <p:cNvPr id="7" name="Picture 6"/>
+          <p:cNvPicPr>
+            <a:picLocks noChangeAspect="1"/>
+          </p:cNvPicPr>
+          <p:nvPr/>
+        </p:nvPicPr>
+        <p:blipFill>
+          <a:blip r:embed="rId2"/>
+          <a:stretch>
+            <a:fillRect/>
+          </a:stretch>
+        </p:blipFill>
+        <p:spPr>
+          <a:xfrm>
+            <a:off x="402016" y="1926482"/>
+            <a:ext cx="8286542" cy="3825620"/>
+          </a:xfrm>
+          <a:prstGeom prst="rect">
+            <a:avLst/>
+          </a:prstGeom>
+        </p:spPr>
+      </p:pic>
     </p:spTree>
     <p:extLst>
       <p:ext uri="{BB962C8B-B14F-4D97-AF65-F5344CB8AC3E}">
-        <p14:creationId xmlns:p14="http://schemas.microsoft.com/office/powerpoint/2010/main" val="4010566210"/>
+        <p14:creationId xmlns:p14="http://schemas.microsoft.com/office/powerpoint/2010/main" val="1107917812"/>
       </p:ext>
     </p:extLst>
   </p:cSld>
@@ -2651,6 +2437,67 @@
       </p:sp>
       <p:sp>
         <p:nvSpPr>
+          <p:cNvPr id="4" name="Rectangle 3"/>
+          <p:cNvSpPr/>
+          <p:nvPr/>
+        </p:nvSpPr>
+        <p:spPr>
+          <a:xfrm>
+            <a:off x="512064" y="2723877"/>
+            <a:ext cx="2150017" cy="3058909"/>
+          </a:xfrm>
+          <a:prstGeom prst="rect">
+            <a:avLst/>
+          </a:prstGeom>
+          <a:solidFill>
+            <a:srgbClr val="00A9B9"/>
+          </a:solidFill>
+          <a:ln>
+            <a:noFill/>
+          </a:ln>
+          <a:effectLst/>
+        </p:spPr>
+        <p:style>
+          <a:lnRef idx="1">
+            <a:schemeClr val="accent1"/>
+          </a:lnRef>
+          <a:fillRef idx="3">
+            <a:schemeClr val="accent1"/>
+          </a:fillRef>
+          <a:effectRef idx="2">
+            <a:schemeClr val="accent1"/>
+          </a:effectRef>
+          <a:fontRef idx="minor">
+            <a:schemeClr val="lt1"/>
+          </a:fontRef>
+        </p:style>
+        <p:txBody>
+          <a:bodyPr rtlCol="0" anchor="t"/>
+          <a:lstStyle/>
+          <a:p>
+            <a:r>
+              <a:rPr lang="en-US" sz="2200" dirty="0" smtClean="0">
+                <a:solidFill>
+                  <a:srgbClr val="F8F8F8"/>
+                </a:solidFill>
+              </a:rPr>
+              <a:t>  </a:t>
+            </a:r>
+          </a:p>
+          <a:p>
+            <a:r>
+              <a:rPr lang="en-US" sz="2200" dirty="0">
+                <a:solidFill>
+                  <a:srgbClr val="F8F8F8"/>
+                </a:solidFill>
+              </a:rPr>
+              <a:t> </a:t>
+            </a:r>
+          </a:p>
+        </p:txBody>
+      </p:sp>
+      <p:sp>
+        <p:nvSpPr>
           <p:cNvPr id="5" name="Rectangle 4"/>
           <p:cNvSpPr/>
           <p:nvPr/>
@@ -2690,7 +2537,11 @@
           <a:lstStyle/>
           <a:p>
             <a:pPr algn="ctr"/>
-            <a:endParaRPr lang="en-US" dirty="0"/>
+            <a:endParaRPr lang="en-US" sz="2200" dirty="0">
+              <a:solidFill>
+                <a:srgbClr val="F8F8F8"/>
+              </a:solidFill>
+            </a:endParaRPr>
           </a:p>
         </p:txBody>
       </p:sp>
@@ -2735,7 +2586,11 @@
           <a:lstStyle/>
           <a:p>
             <a:pPr algn="ctr"/>
-            <a:endParaRPr lang="en-US" sz="2200" dirty="0"/>
+            <a:endParaRPr lang="en-US" sz="2200">
+              <a:solidFill>
+                <a:srgbClr val="F8F8F8"/>
+              </a:solidFill>
+            </a:endParaRPr>
           </a:p>
         </p:txBody>
       </p:sp>
@@ -2832,88 +2687,10 @@
           </a:p>
         </p:txBody>
       </p:sp>
-      <p:sp>
-        <p:nvSpPr>
-          <p:cNvPr id="12" name="Rectangle 11"/>
-          <p:cNvSpPr/>
-          <p:nvPr/>
-        </p:nvSpPr>
-        <p:spPr>
-          <a:xfrm>
-            <a:off x="512064" y="2723877"/>
-            <a:ext cx="2150017" cy="3058909"/>
-          </a:xfrm>
-          <a:prstGeom prst="rect">
-            <a:avLst/>
-          </a:prstGeom>
-          <a:solidFill>
-            <a:srgbClr val="00A9B9"/>
-          </a:solidFill>
-          <a:ln>
-            <a:noFill/>
-          </a:ln>
-          <a:effectLst/>
-        </p:spPr>
-        <p:style>
-          <a:lnRef idx="1">
-            <a:schemeClr val="accent1"/>
-          </a:lnRef>
-          <a:fillRef idx="3">
-            <a:schemeClr val="accent1"/>
-          </a:fillRef>
-          <a:effectRef idx="2">
-            <a:schemeClr val="accent1"/>
-          </a:effectRef>
-          <a:fontRef idx="minor">
-            <a:schemeClr val="lt1"/>
-          </a:fontRef>
-        </p:style>
-        <p:txBody>
-          <a:bodyPr rtlCol="0" anchor="t"/>
-          <a:lstStyle/>
-          <a:p>
-            <a:r>
-              <a:rPr lang="en-US" sz="2200" dirty="0" smtClean="0">
-                <a:solidFill>
-                  <a:schemeClr val="accent1"/>
-                </a:solidFill>
-              </a:rPr>
-              <a:t> </a:t>
-            </a:r>
-            <a:endParaRPr lang="en-US" sz="2200" dirty="0">
-              <a:solidFill>
-                <a:schemeClr val="accent1"/>
-              </a:solidFill>
-            </a:endParaRPr>
-          </a:p>
-          <a:p>
-            <a:pPr marL="111125"/>
-            <a:r>
-              <a:rPr lang="en-US" sz="2200" dirty="0" smtClean="0">
-                <a:solidFill>
-                  <a:schemeClr val="accent1"/>
-                </a:solidFill>
-              </a:rPr>
-              <a:t>Data &amp;</a:t>
-            </a:r>
-          </a:p>
-          <a:p>
-            <a:pPr marL="111125"/>
-            <a:r>
-              <a:rPr lang="en-US" sz="2200" dirty="0" smtClean="0">
-                <a:solidFill>
-                  <a:schemeClr val="accent1"/>
-                </a:solidFill>
-              </a:rPr>
-              <a:t>Business logic</a:t>
-            </a:r>
-          </a:p>
-        </p:txBody>
-      </p:sp>
     </p:spTree>
     <p:extLst>
       <p:ext uri="{BB962C8B-B14F-4D97-AF65-F5344CB8AC3E}">
-        <p14:creationId xmlns:p14="http://schemas.microsoft.com/office/powerpoint/2010/main" val="2582257191"/>
+        <p14:creationId xmlns:p14="http://schemas.microsoft.com/office/powerpoint/2010/main" val="4010566210"/>
       </p:ext>
     </p:extLst>
   </p:cSld>
@@ -3252,62 +3029,12 @@
               <a:t>Business logic</a:t>
             </a:r>
           </a:p>
-          <a:p>
-            <a:pPr marL="111125"/>
-            <a:endParaRPr lang="en-US" sz="2200" dirty="0">
-              <a:solidFill>
-                <a:schemeClr val="accent1"/>
-              </a:solidFill>
-            </a:endParaRPr>
-          </a:p>
-          <a:p>
-            <a:pPr marL="342900" indent="-231775" defTabSz="349250">
-              <a:buFont typeface="Arial"/>
-              <a:buChar char="•"/>
-            </a:pPr>
-            <a:r>
-              <a:rPr lang="en-US" sz="2200" dirty="0" smtClean="0">
-                <a:solidFill>
-                  <a:schemeClr val="accent1"/>
-                </a:solidFill>
-              </a:rPr>
-              <a:t>classes</a:t>
-            </a:r>
-          </a:p>
-          <a:p>
-            <a:pPr marL="342900" indent="-231775" defTabSz="349250">
-              <a:buFont typeface="Arial"/>
-              <a:buChar char="•"/>
-            </a:pPr>
-            <a:r>
-              <a:rPr lang="en-US" sz="2200" dirty="0" smtClean="0">
-                <a:solidFill>
-                  <a:schemeClr val="accent1"/>
-                </a:solidFill>
-              </a:rPr>
-              <a:t>modules</a:t>
-            </a:r>
-          </a:p>
-          <a:p>
-            <a:pPr marL="342900" indent="-231775" defTabSz="349250">
-              <a:buFont typeface="Arial"/>
-              <a:buChar char="•"/>
-            </a:pPr>
-            <a:r>
-              <a:rPr lang="en-US" sz="2200" dirty="0" smtClean="0">
-                <a:solidFill>
-                  <a:schemeClr val="accent1"/>
-                </a:solidFill>
-              </a:rPr>
-              <a:t>databases</a:t>
-            </a:r>
-          </a:p>
         </p:txBody>
       </p:sp>
     </p:spTree>
     <p:extLst>
       <p:ext uri="{BB962C8B-B14F-4D97-AF65-F5344CB8AC3E}">
-        <p14:creationId xmlns:p14="http://schemas.microsoft.com/office/powerpoint/2010/main" val="1826671997"/>
+        <p14:creationId xmlns:p14="http://schemas.microsoft.com/office/powerpoint/2010/main" val="2582257191"/>
       </p:ext>
     </p:extLst>
   </p:cSld>
@@ -3424,14 +3151,11 @@
           </a:fontRef>
         </p:style>
         <p:txBody>
-          <a:bodyPr rtlCol="0" anchor="t"/>
-          <a:lstStyle/>
-          <a:p>
-            <a:endParaRPr lang="en-US" sz="2200" dirty="0">
-              <a:solidFill>
-                <a:srgbClr val="F8F8F8"/>
-              </a:solidFill>
-            </a:endParaRPr>
+          <a:bodyPr rtlCol="0" anchor="ctr"/>
+          <a:lstStyle/>
+          <a:p>
+            <a:pPr algn="ctr"/>
+            <a:endParaRPr lang="en-US" dirty="0"/>
           </a:p>
         </p:txBody>
       </p:sp>
@@ -3472,40 +3196,11 @@
           </a:fontRef>
         </p:style>
         <p:txBody>
-          <a:bodyPr rtlCol="0" anchor="t"/>
-          <a:lstStyle/>
-          <a:p>
-            <a:r>
-              <a:rPr lang="en-US" sz="2200" dirty="0" smtClean="0">
-                <a:solidFill>
-                  <a:srgbClr val="F8F8F8"/>
-                </a:solidFill>
-              </a:rPr>
-              <a:t>  </a:t>
-            </a:r>
-          </a:p>
-          <a:p>
-            <a:r>
-              <a:rPr lang="en-US" sz="2200" dirty="0">
-                <a:solidFill>
-                  <a:srgbClr val="F8F8F8"/>
-                </a:solidFill>
-              </a:rPr>
-              <a:t> </a:t>
-            </a:r>
-            <a:r>
-              <a:rPr lang="en-US" sz="2200" dirty="0" smtClean="0">
-                <a:solidFill>
-                  <a:srgbClr val="F8F8F8"/>
-                </a:solidFill>
-              </a:rPr>
-              <a:t> User interface</a:t>
-            </a:r>
-            <a:endParaRPr lang="en-US" sz="2200" dirty="0">
-              <a:solidFill>
-                <a:srgbClr val="F8F8F8"/>
-              </a:solidFill>
-            </a:endParaRPr>
+          <a:bodyPr rtlCol="0" anchor="ctr"/>
+          <a:lstStyle/>
+          <a:p>
+            <a:pPr algn="ctr"/>
+            <a:endParaRPr lang="en-US" sz="2200" dirty="0"/>
           </a:p>
         </p:txBody>
       </p:sp>
@@ -3604,7 +3299,7 @@
       </p:sp>
       <p:sp>
         <p:nvSpPr>
-          <p:cNvPr id="14" name="Rectangle 13"/>
+          <p:cNvPr id="12" name="Rectangle 11"/>
           <p:cNvSpPr/>
           <p:nvPr/>
         </p:nvSpPr>
@@ -3733,7 +3428,7 @@
     </p:spTree>
     <p:extLst>
       <p:ext uri="{BB962C8B-B14F-4D97-AF65-F5344CB8AC3E}">
-        <p14:creationId xmlns:p14="http://schemas.microsoft.com/office/powerpoint/2010/main" val="410750837"/>
+        <p14:creationId xmlns:p14="http://schemas.microsoft.com/office/powerpoint/2010/main" val="1826671997"/>
       </p:ext>
     </p:extLst>
   </p:cSld>
@@ -3853,7 +3548,7 @@
           <a:bodyPr rtlCol="0" anchor="t"/>
           <a:lstStyle/>
           <a:p>
-            <a:endParaRPr lang="en-US" sz="2200" dirty="0" smtClean="0">
+            <a:endParaRPr lang="en-US" sz="2200" dirty="0">
               <a:solidFill>
                 <a:srgbClr val="F8F8F8"/>
               </a:solidFill>
@@ -3901,73 +3596,38 @@
           <a:bodyPr rtlCol="0" anchor="t"/>
           <a:lstStyle/>
           <a:p>
-            <a:pPr marL="111125"/>
-            <a:endParaRPr lang="en-US" sz="2200" dirty="0" smtClean="0">
-              <a:solidFill>
-                <a:srgbClr val="F8F8F8"/>
-              </a:solidFill>
-            </a:endParaRPr>
-          </a:p>
-          <a:p>
-            <a:pPr marL="111125"/>
             <a:r>
               <a:rPr lang="en-US" sz="2200" dirty="0" smtClean="0">
                 <a:solidFill>
                   <a:srgbClr val="F8F8F8"/>
                 </a:solidFill>
               </a:rPr>
-              <a:t>User interface</a:t>
-            </a:r>
-          </a:p>
-          <a:p>
-            <a:pPr marL="111125"/>
+              <a:t>  </a:t>
+            </a:r>
+          </a:p>
+          <a:p>
+            <a:r>
+              <a:rPr lang="en-US" sz="2200" dirty="0">
+                <a:solidFill>
+                  <a:srgbClr val="F8F8F8"/>
+                </a:solidFill>
+              </a:rPr>
+              <a:t> </a:t>
+            </a:r>
+            <a:r>
+              <a:rPr lang="en-US" sz="2200" dirty="0" smtClean="0">
+                <a:solidFill>
+                  <a:srgbClr val="F8F8F8"/>
+                </a:solidFill>
+              </a:rPr>
+              <a:t> User interface</a:t>
+            </a:r>
             <a:endParaRPr lang="en-US" sz="2200" dirty="0">
               <a:solidFill>
                 <a:srgbClr val="F8F8F8"/>
               </a:solidFill>
             </a:endParaRPr>
           </a:p>
-          <a:p>
-            <a:pPr marL="111125"/>
-            <a:endParaRPr lang="en-US" sz="2200" dirty="0" smtClean="0">
-              <a:solidFill>
-                <a:srgbClr val="F8F8F8"/>
-              </a:solidFill>
-            </a:endParaRPr>
-          </a:p>
-          <a:p>
-            <a:pPr marL="454025" indent="-342900">
-              <a:buFont typeface="Arial"/>
-              <a:buChar char="•"/>
-            </a:pPr>
-            <a:r>
-              <a:rPr lang="en-US" sz="2200" dirty="0" smtClean="0">
-                <a:solidFill>
-                  <a:srgbClr val="F8F8F8"/>
-                </a:solidFill>
-              </a:rPr>
-              <a:t>get input</a:t>
-            </a:r>
-          </a:p>
-          <a:p>
-            <a:pPr marL="454025" indent="-342900">
-              <a:buFont typeface="Arial"/>
-              <a:buChar char="•"/>
-            </a:pPr>
-            <a:r>
-              <a:rPr lang="en-US" sz="2200" dirty="0" smtClean="0">
-                <a:solidFill>
-                  <a:srgbClr val="F8F8F8"/>
-                </a:solidFill>
-              </a:rPr>
-              <a:t>display data from model</a:t>
-            </a:r>
-            <a:endParaRPr lang="en-US" sz="2200" dirty="0">
-              <a:solidFill>
-                <a:srgbClr val="F8F8F8"/>
-              </a:solidFill>
-            </a:endParaRPr>
-          </a:p>
         </p:txBody>
       </p:sp>
       <p:sp>
@@ -4065,7 +3725,7 @@
       </p:sp>
       <p:sp>
         <p:nvSpPr>
-          <p:cNvPr id="12" name="Rectangle 11"/>
+          <p:cNvPr id="14" name="Rectangle 13"/>
           <p:cNvSpPr/>
           <p:nvPr/>
         </p:nvSpPr>
@@ -4194,7 +3854,7 @@
     </p:spTree>
     <p:extLst>
       <p:ext uri="{BB962C8B-B14F-4D97-AF65-F5344CB8AC3E}">
-        <p14:creationId xmlns:p14="http://schemas.microsoft.com/office/powerpoint/2010/main" val="507295854"/>
+        <p14:creationId xmlns:p14="http://schemas.microsoft.com/office/powerpoint/2010/main" val="410750837"/>
       </p:ext>
     </p:extLst>
   </p:cSld>
@@ -4314,23 +3974,11 @@
           <a:bodyPr rtlCol="0" anchor="t"/>
           <a:lstStyle/>
           <a:p>
-            <a:pPr marL="111125"/>
             <a:endParaRPr lang="en-US" sz="2200" dirty="0" smtClean="0">
               <a:solidFill>
                 <a:srgbClr val="F8F8F8"/>
               </a:solidFill>
             </a:endParaRPr>
-          </a:p>
-          <a:p>
-            <a:pPr marL="111125"/>
-            <a:r>
-              <a:rPr lang="en-US" sz="2200" dirty="0" smtClean="0">
-                <a:solidFill>
-                  <a:srgbClr val="F8F8F8"/>
-                </a:solidFill>
-              </a:rPr>
-              <a:t>Communicate</a:t>
-            </a:r>
           </a:p>
         </p:txBody>
       </p:sp>
@@ -4667,7 +4315,7 @@
     </p:spTree>
     <p:extLst>
       <p:ext uri="{BB962C8B-B14F-4D97-AF65-F5344CB8AC3E}">
-        <p14:creationId xmlns:p14="http://schemas.microsoft.com/office/powerpoint/2010/main" val="1876545635"/>
+        <p14:creationId xmlns:p14="http://schemas.microsoft.com/office/powerpoint/2010/main" val="507295854"/>
       </p:ext>
     </p:extLst>
   </p:cSld>
@@ -4805,64 +4453,6 @@
               <a:t>Communicate</a:t>
             </a:r>
           </a:p>
-          <a:p>
-            <a:pPr marL="111125"/>
-            <a:endParaRPr lang="en-US" sz="2200" dirty="0" smtClean="0">
-              <a:solidFill>
-                <a:srgbClr val="F8F8F8"/>
-              </a:solidFill>
-            </a:endParaRPr>
-          </a:p>
-          <a:p>
-            <a:pPr marL="111125"/>
-            <a:endParaRPr lang="en-US" sz="2200" dirty="0">
-              <a:solidFill>
-                <a:srgbClr val="F8F8F8"/>
-              </a:solidFill>
-            </a:endParaRPr>
-          </a:p>
-          <a:p>
-            <a:pPr marL="295275" indent="-184150" defTabSz="349250">
-              <a:buFont typeface="Arial"/>
-              <a:buChar char="•"/>
-            </a:pPr>
-            <a:r>
-              <a:rPr lang="en-US" sz="2200" dirty="0" smtClean="0">
-                <a:solidFill>
-                  <a:srgbClr val="F8F8F8"/>
-                </a:solidFill>
-              </a:rPr>
-              <a:t>handle input</a:t>
-            </a:r>
-          </a:p>
-          <a:p>
-            <a:pPr marL="295275" indent="-184150">
-              <a:buFont typeface="Arial"/>
-              <a:buChar char="•"/>
-            </a:pPr>
-            <a:r>
-              <a:rPr lang="en-US" sz="2200" dirty="0" smtClean="0">
-                <a:solidFill>
-                  <a:srgbClr val="F8F8F8"/>
-                </a:solidFill>
-              </a:rPr>
-              <a:t>update model</a:t>
-            </a:r>
-          </a:p>
-          <a:p>
-            <a:pPr marL="295275" indent="-184150">
-              <a:buFont typeface="Arial"/>
-              <a:buChar char="•"/>
-            </a:pPr>
-            <a:r>
-              <a:rPr lang="en-US" sz="2200" dirty="0" smtClean="0">
-                <a:solidFill>
-                  <a:srgbClr val="F8F8F8"/>
-                </a:solidFill>
-              </a:rPr>
-              <a:t>send data to view</a:t>
-            </a:r>
-          </a:p>
         </p:txBody>
       </p:sp>
       <p:sp>
@@ -5198,7 +4788,7 @@
     </p:spTree>
     <p:extLst>
       <p:ext uri="{BB962C8B-B14F-4D97-AF65-F5344CB8AC3E}">
-        <p14:creationId xmlns:p14="http://schemas.microsoft.com/office/powerpoint/2010/main" val="1909170375"/>
+        <p14:creationId xmlns:p14="http://schemas.microsoft.com/office/powerpoint/2010/main" val="1876545635"/>
       </p:ext>
     </p:extLst>
   </p:cSld>
@@ -5249,30 +4839,7 @@
           <a:p>
             <a:r>
               <a:rPr lang="en-US" dirty="0" smtClean="0"/>
-              <a:t>M-V-C Bernie’s Bistro</a:t>
-            </a:r>
-            <a:endParaRPr lang="en-US" dirty="0"/>
-          </a:p>
-        </p:txBody>
-      </p:sp>
-      <p:sp>
-        <p:nvSpPr>
-          <p:cNvPr id="4" name="Content Placeholder 3"/>
-          <p:cNvSpPr>
-            <a:spLocks noGrp="1"/>
-          </p:cNvSpPr>
-          <p:nvPr>
-            <p:ph idx="1"/>
-          </p:nvPr>
-        </p:nvSpPr>
-        <p:spPr/>
-        <p:txBody>
-          <a:bodyPr/>
-          <a:lstStyle/>
-          <a:p>
-            <a:r>
-              <a:rPr lang="en-US" dirty="0" smtClean="0"/>
-              <a:t>How would Bernie’s Bistro look following the M-V-C pattern?</a:t>
+              <a:t>M-V-C Design Pattern</a:t>
             </a:r>
             <a:endParaRPr lang="en-US" dirty="0"/>
           </a:p>
@@ -5301,10 +4868,458 @@
           </a:p>
         </p:txBody>
       </p:sp>
+      <p:sp>
+        <p:nvSpPr>
+          <p:cNvPr id="5" name="Rectangle 4"/>
+          <p:cNvSpPr/>
+          <p:nvPr/>
+        </p:nvSpPr>
+        <p:spPr>
+          <a:xfrm>
+            <a:off x="3493911" y="2668662"/>
+            <a:ext cx="2150017" cy="3058909"/>
+          </a:xfrm>
+          <a:prstGeom prst="rect">
+            <a:avLst/>
+          </a:prstGeom>
+          <a:solidFill>
+            <a:srgbClr val="EA4A3C"/>
+          </a:solidFill>
+          <a:ln>
+            <a:noFill/>
+          </a:ln>
+          <a:effectLst/>
+        </p:spPr>
+        <p:style>
+          <a:lnRef idx="1">
+            <a:schemeClr val="accent1"/>
+          </a:lnRef>
+          <a:fillRef idx="3">
+            <a:schemeClr val="accent1"/>
+          </a:fillRef>
+          <a:effectRef idx="2">
+            <a:schemeClr val="accent1"/>
+          </a:effectRef>
+          <a:fontRef idx="minor">
+            <a:schemeClr val="lt1"/>
+          </a:fontRef>
+        </p:style>
+        <p:txBody>
+          <a:bodyPr rtlCol="0" anchor="t"/>
+          <a:lstStyle/>
+          <a:p>
+            <a:pPr marL="111125"/>
+            <a:endParaRPr lang="en-US" sz="2200" dirty="0" smtClean="0">
+              <a:solidFill>
+                <a:srgbClr val="F8F8F8"/>
+              </a:solidFill>
+            </a:endParaRPr>
+          </a:p>
+          <a:p>
+            <a:pPr marL="111125"/>
+            <a:r>
+              <a:rPr lang="en-US" sz="2200" dirty="0" smtClean="0">
+                <a:solidFill>
+                  <a:srgbClr val="F8F8F8"/>
+                </a:solidFill>
+              </a:rPr>
+              <a:t>Communicate</a:t>
+            </a:r>
+          </a:p>
+          <a:p>
+            <a:pPr marL="111125"/>
+            <a:endParaRPr lang="en-US" sz="2200" dirty="0" smtClean="0">
+              <a:solidFill>
+                <a:srgbClr val="F8F8F8"/>
+              </a:solidFill>
+            </a:endParaRPr>
+          </a:p>
+          <a:p>
+            <a:pPr marL="111125"/>
+            <a:endParaRPr lang="en-US" sz="2200" dirty="0">
+              <a:solidFill>
+                <a:srgbClr val="F8F8F8"/>
+              </a:solidFill>
+            </a:endParaRPr>
+          </a:p>
+          <a:p>
+            <a:pPr marL="295275" indent="-184150" defTabSz="349250">
+              <a:buFont typeface="Arial"/>
+              <a:buChar char="•"/>
+            </a:pPr>
+            <a:r>
+              <a:rPr lang="en-US" sz="2200" dirty="0" smtClean="0">
+                <a:solidFill>
+                  <a:srgbClr val="F8F8F8"/>
+                </a:solidFill>
+              </a:rPr>
+              <a:t>handle input</a:t>
+            </a:r>
+          </a:p>
+          <a:p>
+            <a:pPr marL="295275" indent="-184150">
+              <a:buFont typeface="Arial"/>
+              <a:buChar char="•"/>
+            </a:pPr>
+            <a:r>
+              <a:rPr lang="en-US" sz="2200" dirty="0" smtClean="0">
+                <a:solidFill>
+                  <a:srgbClr val="F8F8F8"/>
+                </a:solidFill>
+              </a:rPr>
+              <a:t>update model</a:t>
+            </a:r>
+          </a:p>
+          <a:p>
+            <a:pPr marL="295275" indent="-184150">
+              <a:buFont typeface="Arial"/>
+              <a:buChar char="•"/>
+            </a:pPr>
+            <a:r>
+              <a:rPr lang="en-US" sz="2200" dirty="0" smtClean="0">
+                <a:solidFill>
+                  <a:srgbClr val="F8F8F8"/>
+                </a:solidFill>
+              </a:rPr>
+              <a:t>send data to view</a:t>
+            </a:r>
+          </a:p>
+        </p:txBody>
+      </p:sp>
+      <p:sp>
+        <p:nvSpPr>
+          <p:cNvPr id="6" name="Rectangle 5"/>
+          <p:cNvSpPr/>
+          <p:nvPr/>
+        </p:nvSpPr>
+        <p:spPr>
+          <a:xfrm>
+            <a:off x="6536783" y="2723877"/>
+            <a:ext cx="2150017" cy="3058909"/>
+          </a:xfrm>
+          <a:prstGeom prst="rect">
+            <a:avLst/>
+          </a:prstGeom>
+          <a:solidFill>
+            <a:schemeClr val="accent6"/>
+          </a:solidFill>
+          <a:ln>
+            <a:noFill/>
+          </a:ln>
+          <a:effectLst/>
+        </p:spPr>
+        <p:style>
+          <a:lnRef idx="1">
+            <a:schemeClr val="accent1"/>
+          </a:lnRef>
+          <a:fillRef idx="3">
+            <a:schemeClr val="accent1"/>
+          </a:fillRef>
+          <a:effectRef idx="2">
+            <a:schemeClr val="accent1"/>
+          </a:effectRef>
+          <a:fontRef idx="minor">
+            <a:schemeClr val="lt1"/>
+          </a:fontRef>
+        </p:style>
+        <p:txBody>
+          <a:bodyPr rtlCol="0" anchor="t"/>
+          <a:lstStyle/>
+          <a:p>
+            <a:pPr marL="111125"/>
+            <a:endParaRPr lang="en-US" sz="2200" dirty="0" smtClean="0">
+              <a:solidFill>
+                <a:srgbClr val="F8F8F8"/>
+              </a:solidFill>
+            </a:endParaRPr>
+          </a:p>
+          <a:p>
+            <a:pPr marL="111125"/>
+            <a:r>
+              <a:rPr lang="en-US" sz="2200" dirty="0" smtClean="0">
+                <a:solidFill>
+                  <a:srgbClr val="F8F8F8"/>
+                </a:solidFill>
+              </a:rPr>
+              <a:t>User interface</a:t>
+            </a:r>
+          </a:p>
+          <a:p>
+            <a:pPr marL="111125"/>
+            <a:endParaRPr lang="en-US" sz="2200" dirty="0">
+              <a:solidFill>
+                <a:srgbClr val="F8F8F8"/>
+              </a:solidFill>
+            </a:endParaRPr>
+          </a:p>
+          <a:p>
+            <a:pPr marL="111125"/>
+            <a:endParaRPr lang="en-US" sz="2200" dirty="0" smtClean="0">
+              <a:solidFill>
+                <a:srgbClr val="F8F8F8"/>
+              </a:solidFill>
+            </a:endParaRPr>
+          </a:p>
+          <a:p>
+            <a:pPr marL="454025" indent="-342900">
+              <a:buFont typeface="Arial"/>
+              <a:buChar char="•"/>
+            </a:pPr>
+            <a:r>
+              <a:rPr lang="en-US" sz="2200" dirty="0" smtClean="0">
+                <a:solidFill>
+                  <a:srgbClr val="F8F8F8"/>
+                </a:solidFill>
+              </a:rPr>
+              <a:t>get input</a:t>
+            </a:r>
+          </a:p>
+          <a:p>
+            <a:pPr marL="454025" indent="-342900">
+              <a:buFont typeface="Arial"/>
+              <a:buChar char="•"/>
+            </a:pPr>
+            <a:r>
+              <a:rPr lang="en-US" sz="2200" dirty="0" smtClean="0">
+                <a:solidFill>
+                  <a:srgbClr val="F8F8F8"/>
+                </a:solidFill>
+              </a:rPr>
+              <a:t>display data from model</a:t>
+            </a:r>
+            <a:endParaRPr lang="en-US" sz="2200" dirty="0">
+              <a:solidFill>
+                <a:srgbClr val="F8F8F8"/>
+              </a:solidFill>
+            </a:endParaRPr>
+          </a:p>
+        </p:txBody>
+      </p:sp>
+      <p:sp>
+        <p:nvSpPr>
+          <p:cNvPr id="8" name="TextBox 7"/>
+          <p:cNvSpPr txBox="1"/>
+          <p:nvPr/>
+        </p:nvSpPr>
+        <p:spPr>
+          <a:xfrm>
+            <a:off x="457200" y="1865376"/>
+            <a:ext cx="2204881" cy="584776"/>
+          </a:xfrm>
+          <a:prstGeom prst="rect">
+            <a:avLst/>
+          </a:prstGeom>
+          <a:noFill/>
+        </p:spPr>
+        <p:txBody>
+          <a:bodyPr wrap="square" rtlCol="0">
+            <a:spAutoFit/>
+          </a:bodyPr>
+          <a:lstStyle/>
+          <a:p>
+            <a:pPr algn="ctr"/>
+            <a:r>
+              <a:rPr lang="en-US" sz="3200" dirty="0" smtClean="0"/>
+              <a:t>Model</a:t>
+            </a:r>
+            <a:endParaRPr lang="en-US" sz="3200" dirty="0"/>
+          </a:p>
+        </p:txBody>
+      </p:sp>
+      <p:sp>
+        <p:nvSpPr>
+          <p:cNvPr id="10" name="TextBox 9"/>
+          <p:cNvSpPr txBox="1"/>
+          <p:nvPr/>
+        </p:nvSpPr>
+        <p:spPr>
+          <a:xfrm>
+            <a:off x="3493911" y="1865376"/>
+            <a:ext cx="2204881" cy="584776"/>
+          </a:xfrm>
+          <a:prstGeom prst="rect">
+            <a:avLst/>
+          </a:prstGeom>
+          <a:noFill/>
+        </p:spPr>
+        <p:txBody>
+          <a:bodyPr wrap="square" rtlCol="0">
+            <a:spAutoFit/>
+          </a:bodyPr>
+          <a:lstStyle/>
+          <a:p>
+            <a:pPr algn="ctr"/>
+            <a:r>
+              <a:rPr lang="en-US" sz="3200" dirty="0" smtClean="0"/>
+              <a:t>Controller</a:t>
+            </a:r>
+            <a:endParaRPr lang="en-US" sz="3200" dirty="0"/>
+          </a:p>
+        </p:txBody>
+      </p:sp>
+      <p:sp>
+        <p:nvSpPr>
+          <p:cNvPr id="11" name="TextBox 10"/>
+          <p:cNvSpPr txBox="1"/>
+          <p:nvPr/>
+        </p:nvSpPr>
+        <p:spPr>
+          <a:xfrm>
+            <a:off x="6536783" y="1865376"/>
+            <a:ext cx="2204881" cy="584776"/>
+          </a:xfrm>
+          <a:prstGeom prst="rect">
+            <a:avLst/>
+          </a:prstGeom>
+          <a:noFill/>
+        </p:spPr>
+        <p:txBody>
+          <a:bodyPr wrap="square" rtlCol="0">
+            <a:spAutoFit/>
+          </a:bodyPr>
+          <a:lstStyle/>
+          <a:p>
+            <a:pPr algn="ctr"/>
+            <a:r>
+              <a:rPr lang="en-US" sz="3200" dirty="0" smtClean="0"/>
+              <a:t>View</a:t>
+            </a:r>
+            <a:endParaRPr lang="en-US" sz="3200" dirty="0"/>
+          </a:p>
+        </p:txBody>
+      </p:sp>
+      <p:sp>
+        <p:nvSpPr>
+          <p:cNvPr id="12" name="Rectangle 11"/>
+          <p:cNvSpPr/>
+          <p:nvPr/>
+        </p:nvSpPr>
+        <p:spPr>
+          <a:xfrm>
+            <a:off x="512064" y="2723877"/>
+            <a:ext cx="2150017" cy="3058909"/>
+          </a:xfrm>
+          <a:prstGeom prst="rect">
+            <a:avLst/>
+          </a:prstGeom>
+          <a:solidFill>
+            <a:srgbClr val="00A9B9"/>
+          </a:solidFill>
+          <a:ln>
+            <a:noFill/>
+          </a:ln>
+          <a:effectLst/>
+        </p:spPr>
+        <p:style>
+          <a:lnRef idx="1">
+            <a:schemeClr val="accent1"/>
+          </a:lnRef>
+          <a:fillRef idx="3">
+            <a:schemeClr val="accent1"/>
+          </a:fillRef>
+          <a:effectRef idx="2">
+            <a:schemeClr val="accent1"/>
+          </a:effectRef>
+          <a:fontRef idx="minor">
+            <a:schemeClr val="lt1"/>
+          </a:fontRef>
+        </p:style>
+        <p:txBody>
+          <a:bodyPr rtlCol="0" anchor="t"/>
+          <a:lstStyle/>
+          <a:p>
+            <a:r>
+              <a:rPr lang="en-US" sz="2200" dirty="0" smtClean="0">
+                <a:solidFill>
+                  <a:schemeClr val="accent1"/>
+                </a:solidFill>
+              </a:rPr>
+              <a:t> </a:t>
+            </a:r>
+            <a:endParaRPr lang="en-US" sz="2200" dirty="0">
+              <a:solidFill>
+                <a:schemeClr val="accent1"/>
+              </a:solidFill>
+            </a:endParaRPr>
+          </a:p>
+          <a:p>
+            <a:pPr marL="111125"/>
+            <a:r>
+              <a:rPr lang="en-US" sz="2200" dirty="0" smtClean="0">
+                <a:solidFill>
+                  <a:schemeClr val="accent1"/>
+                </a:solidFill>
+              </a:rPr>
+              <a:t>Data &amp;</a:t>
+            </a:r>
+          </a:p>
+          <a:p>
+            <a:pPr marL="111125"/>
+            <a:r>
+              <a:rPr lang="en-US" sz="2200" dirty="0" smtClean="0">
+                <a:solidFill>
+                  <a:schemeClr val="accent1"/>
+                </a:solidFill>
+              </a:rPr>
+              <a:t>Business logic</a:t>
+            </a:r>
+          </a:p>
+          <a:p>
+            <a:pPr marL="111125"/>
+            <a:endParaRPr lang="en-US" sz="2200" dirty="0">
+              <a:solidFill>
+                <a:schemeClr val="accent1"/>
+              </a:solidFill>
+            </a:endParaRPr>
+          </a:p>
+          <a:p>
+            <a:pPr marL="342900" indent="-231775" defTabSz="349250">
+              <a:buFont typeface="Arial"/>
+              <a:buChar char="•"/>
+            </a:pPr>
+            <a:r>
+              <a:rPr lang="en-US" sz="2200" dirty="0" smtClean="0">
+                <a:solidFill>
+                  <a:schemeClr val="accent1"/>
+                </a:solidFill>
+              </a:rPr>
+              <a:t>classes</a:t>
+            </a:r>
+          </a:p>
+          <a:p>
+            <a:pPr marL="342900" indent="-231775" defTabSz="349250">
+              <a:buFont typeface="Arial"/>
+              <a:buChar char="•"/>
+            </a:pPr>
+            <a:r>
+              <a:rPr lang="en-US" sz="2200" dirty="0" smtClean="0">
+                <a:solidFill>
+                  <a:schemeClr val="accent1"/>
+                </a:solidFill>
+              </a:rPr>
+              <a:t>modules</a:t>
+            </a:r>
+          </a:p>
+          <a:p>
+            <a:pPr marL="342900" indent="-231775" defTabSz="349250">
+              <a:buFont typeface="Arial"/>
+              <a:buChar char="•"/>
+            </a:pPr>
+            <a:r>
+              <a:rPr lang="en-US" sz="2200" dirty="0" smtClean="0">
+                <a:solidFill>
+                  <a:schemeClr val="accent1"/>
+                </a:solidFill>
+              </a:rPr>
+              <a:t>databases</a:t>
+            </a:r>
+          </a:p>
+        </p:txBody>
+      </p:sp>
     </p:spTree>
     <p:extLst>
       <p:ext uri="{BB962C8B-B14F-4D97-AF65-F5344CB8AC3E}">
-        <p14:creationId xmlns:p14="http://schemas.microsoft.com/office/powerpoint/2010/main" val="1729405643"/>
+        <p14:creationId xmlns:p14="http://schemas.microsoft.com/office/powerpoint/2010/main" val="1909170375"/>
       </p:ext>
     </p:extLst>
   </p:cSld>
@@ -5354,9 +5369,33 @@
           <a:lstStyle/>
           <a:p>
             <a:r>
-              <a:rPr lang="en-US" dirty="0"/>
+              <a:rPr lang="en-US" dirty="0" smtClean="0"/>
               <a:t>M-V-C Bernie’s Bistro</a:t>
             </a:r>
+            <a:endParaRPr lang="en-US" dirty="0"/>
+          </a:p>
+        </p:txBody>
+      </p:sp>
+      <p:sp>
+        <p:nvSpPr>
+          <p:cNvPr id="4" name="Content Placeholder 3"/>
+          <p:cNvSpPr>
+            <a:spLocks noGrp="1"/>
+          </p:cNvSpPr>
+          <p:nvPr>
+            <p:ph idx="1"/>
+          </p:nvPr>
+        </p:nvSpPr>
+        <p:spPr/>
+        <p:txBody>
+          <a:bodyPr/>
+          <a:lstStyle/>
+          <a:p>
+            <a:r>
+              <a:rPr lang="en-US" dirty="0" smtClean="0"/>
+              <a:t>How would Bernie’s Bistro look following the M-V-C pattern?</a:t>
+            </a:r>
+            <a:endParaRPr lang="en-US" dirty="0"/>
           </a:p>
         </p:txBody>
       </p:sp>
@@ -5383,341 +5422,10 @@
           </a:p>
         </p:txBody>
       </p:sp>
-      <p:sp>
-        <p:nvSpPr>
-          <p:cNvPr id="4" name="Rectangle 3"/>
-          <p:cNvSpPr/>
-          <p:nvPr/>
-        </p:nvSpPr>
-        <p:spPr>
-          <a:xfrm>
-            <a:off x="512064" y="2723877"/>
-            <a:ext cx="2150017" cy="3058909"/>
-          </a:xfrm>
-          <a:prstGeom prst="rect">
-            <a:avLst/>
-          </a:prstGeom>
-          <a:solidFill>
-            <a:srgbClr val="00A9B9"/>
-          </a:solidFill>
-          <a:ln>
-            <a:noFill/>
-          </a:ln>
-          <a:effectLst/>
-        </p:spPr>
-        <p:style>
-          <a:lnRef idx="1">
-            <a:schemeClr val="accent1"/>
-          </a:lnRef>
-          <a:fillRef idx="3">
-            <a:schemeClr val="accent1"/>
-          </a:fillRef>
-          <a:effectRef idx="2">
-            <a:schemeClr val="accent1"/>
-          </a:effectRef>
-          <a:fontRef idx="minor">
-            <a:schemeClr val="lt1"/>
-          </a:fontRef>
-        </p:style>
-        <p:txBody>
-          <a:bodyPr rtlCol="0" anchor="t"/>
-          <a:lstStyle/>
-          <a:p>
-            <a:r>
-              <a:rPr lang="en-US" sz="2200" dirty="0" smtClean="0">
-                <a:solidFill>
-                  <a:schemeClr val="accent1"/>
-                </a:solidFill>
-              </a:rPr>
-              <a:t> </a:t>
-            </a:r>
-            <a:endParaRPr lang="en-US" sz="2200" dirty="0">
-              <a:solidFill>
-                <a:schemeClr val="accent1"/>
-              </a:solidFill>
-            </a:endParaRPr>
-          </a:p>
-          <a:p>
-            <a:pPr marL="111125"/>
-            <a:r>
-              <a:rPr lang="en-US" sz="2200" dirty="0" smtClean="0">
-                <a:solidFill>
-                  <a:schemeClr val="accent1"/>
-                </a:solidFill>
-              </a:rPr>
-              <a:t>Data &amp;</a:t>
-            </a:r>
-          </a:p>
-          <a:p>
-            <a:pPr marL="111125"/>
-            <a:r>
-              <a:rPr lang="en-US" sz="2200" dirty="0" smtClean="0">
-                <a:solidFill>
-                  <a:schemeClr val="accent1"/>
-                </a:solidFill>
-              </a:rPr>
-              <a:t>Business logic</a:t>
-            </a:r>
-          </a:p>
-          <a:p>
-            <a:pPr marL="111125"/>
-            <a:endParaRPr lang="en-US" sz="2200" dirty="0">
-              <a:solidFill>
-                <a:schemeClr val="accent1"/>
-              </a:solidFill>
-            </a:endParaRPr>
-          </a:p>
-        </p:txBody>
-      </p:sp>
-      <p:sp>
-        <p:nvSpPr>
-          <p:cNvPr id="5" name="Rectangle 4"/>
-          <p:cNvSpPr/>
-          <p:nvPr/>
-        </p:nvSpPr>
-        <p:spPr>
-          <a:xfrm>
-            <a:off x="3493911" y="2668662"/>
-            <a:ext cx="2150017" cy="3058909"/>
-          </a:xfrm>
-          <a:prstGeom prst="rect">
-            <a:avLst/>
-          </a:prstGeom>
-          <a:solidFill>
-            <a:srgbClr val="EA4A3C"/>
-          </a:solidFill>
-          <a:ln>
-            <a:noFill/>
-          </a:ln>
-          <a:effectLst/>
-        </p:spPr>
-        <p:style>
-          <a:lnRef idx="1">
-            <a:schemeClr val="accent1"/>
-          </a:lnRef>
-          <a:fillRef idx="3">
-            <a:schemeClr val="accent1"/>
-          </a:fillRef>
-          <a:effectRef idx="2">
-            <a:schemeClr val="accent1"/>
-          </a:effectRef>
-          <a:fontRef idx="minor">
-            <a:schemeClr val="lt1"/>
-          </a:fontRef>
-        </p:style>
-        <p:txBody>
-          <a:bodyPr rtlCol="0" anchor="t"/>
-          <a:lstStyle/>
-          <a:p>
-            <a:pPr marL="111125"/>
-            <a:endParaRPr lang="en-US" sz="2200" dirty="0" smtClean="0">
-              <a:solidFill>
-                <a:srgbClr val="F8F8F8"/>
-              </a:solidFill>
-            </a:endParaRPr>
-          </a:p>
-          <a:p>
-            <a:pPr marL="111125"/>
-            <a:r>
-              <a:rPr lang="en-US" sz="2200" dirty="0" smtClean="0">
-                <a:solidFill>
-                  <a:srgbClr val="F8F8F8"/>
-                </a:solidFill>
-              </a:rPr>
-              <a:t>Communicate</a:t>
-            </a:r>
-          </a:p>
-          <a:p>
-            <a:pPr marL="111125"/>
-            <a:endParaRPr lang="en-US" sz="2200" dirty="0" smtClean="0">
-              <a:solidFill>
-                <a:srgbClr val="F8F8F8"/>
-              </a:solidFill>
-            </a:endParaRPr>
-          </a:p>
-          <a:p>
-            <a:pPr marL="111125"/>
-            <a:endParaRPr lang="en-US" sz="2200" dirty="0">
-              <a:solidFill>
-                <a:srgbClr val="F8F8F8"/>
-              </a:solidFill>
-            </a:endParaRPr>
-          </a:p>
-        </p:txBody>
-      </p:sp>
-      <p:sp>
-        <p:nvSpPr>
-          <p:cNvPr id="6" name="Rectangle 5"/>
-          <p:cNvSpPr/>
-          <p:nvPr/>
-        </p:nvSpPr>
-        <p:spPr>
-          <a:xfrm>
-            <a:off x="6536783" y="2723877"/>
-            <a:ext cx="2150017" cy="3058909"/>
-          </a:xfrm>
-          <a:prstGeom prst="rect">
-            <a:avLst/>
-          </a:prstGeom>
-          <a:solidFill>
-            <a:schemeClr val="accent6"/>
-          </a:solidFill>
-          <a:ln>
-            <a:noFill/>
-          </a:ln>
-          <a:effectLst/>
-        </p:spPr>
-        <p:style>
-          <a:lnRef idx="1">
-            <a:schemeClr val="accent1"/>
-          </a:lnRef>
-          <a:fillRef idx="3">
-            <a:schemeClr val="accent1"/>
-          </a:fillRef>
-          <a:effectRef idx="2">
-            <a:schemeClr val="accent1"/>
-          </a:effectRef>
-          <a:fontRef idx="minor">
-            <a:schemeClr val="lt1"/>
-          </a:fontRef>
-        </p:style>
-        <p:txBody>
-          <a:bodyPr rtlCol="0" anchor="t"/>
-          <a:lstStyle/>
-          <a:p>
-            <a:pPr marL="111125"/>
-            <a:endParaRPr lang="en-US" sz="2200" dirty="0" smtClean="0">
-              <a:solidFill>
-                <a:srgbClr val="F8F8F8"/>
-              </a:solidFill>
-            </a:endParaRPr>
-          </a:p>
-          <a:p>
-            <a:pPr marL="111125"/>
-            <a:r>
-              <a:rPr lang="en-US" sz="2200" dirty="0" smtClean="0">
-                <a:solidFill>
-                  <a:srgbClr val="F8F8F8"/>
-                </a:solidFill>
-              </a:rPr>
-              <a:t>User interface</a:t>
-            </a:r>
-          </a:p>
-          <a:p>
-            <a:pPr marL="111125"/>
-            <a:endParaRPr lang="en-US" sz="2200" dirty="0">
-              <a:solidFill>
-                <a:srgbClr val="F8F8F8"/>
-              </a:solidFill>
-            </a:endParaRPr>
-          </a:p>
-          <a:p>
-            <a:pPr marL="111125"/>
-            <a:endParaRPr lang="en-US" sz="2200" dirty="0" smtClean="0">
-              <a:solidFill>
-                <a:srgbClr val="F8F8F8"/>
-              </a:solidFill>
-            </a:endParaRPr>
-          </a:p>
-        </p:txBody>
-      </p:sp>
-      <p:sp>
-        <p:nvSpPr>
-          <p:cNvPr id="8" name="TextBox 7"/>
-          <p:cNvSpPr txBox="1"/>
-          <p:nvPr/>
-        </p:nvSpPr>
-        <p:spPr>
-          <a:xfrm>
-            <a:off x="457200" y="1865376"/>
-            <a:ext cx="2204881" cy="584776"/>
-          </a:xfrm>
-          <a:prstGeom prst="rect">
-            <a:avLst/>
-          </a:prstGeom>
-          <a:noFill/>
-        </p:spPr>
-        <p:txBody>
-          <a:bodyPr wrap="square" rtlCol="0">
-            <a:spAutoFit/>
-          </a:bodyPr>
-          <a:lstStyle/>
-          <a:p>
-            <a:pPr algn="ctr"/>
-            <a:r>
-              <a:rPr lang="en-US" sz="3200" dirty="0" smtClean="0"/>
-              <a:t>Model</a:t>
-            </a:r>
-            <a:endParaRPr lang="en-US" sz="3200" dirty="0"/>
-          </a:p>
-        </p:txBody>
-      </p:sp>
-      <p:sp>
-        <p:nvSpPr>
-          <p:cNvPr id="10" name="TextBox 9"/>
-          <p:cNvSpPr txBox="1"/>
-          <p:nvPr/>
-        </p:nvSpPr>
-        <p:spPr>
-          <a:xfrm>
-            <a:off x="3493911" y="1865376"/>
-            <a:ext cx="2204881" cy="584776"/>
-          </a:xfrm>
-          <a:prstGeom prst="rect">
-            <a:avLst/>
-          </a:prstGeom>
-          <a:noFill/>
-        </p:spPr>
-        <p:txBody>
-          <a:bodyPr wrap="square" rtlCol="0">
-            <a:spAutoFit/>
-          </a:bodyPr>
-          <a:lstStyle/>
-          <a:p>
-            <a:pPr algn="ctr"/>
-            <a:r>
-              <a:rPr lang="en-US" sz="3200" dirty="0" smtClean="0"/>
-              <a:t>Controller</a:t>
-            </a:r>
-            <a:endParaRPr lang="en-US" sz="3200" dirty="0"/>
-          </a:p>
-        </p:txBody>
-      </p:sp>
-      <p:sp>
-        <p:nvSpPr>
-          <p:cNvPr id="11" name="TextBox 10"/>
-          <p:cNvSpPr txBox="1"/>
-          <p:nvPr/>
-        </p:nvSpPr>
-        <p:spPr>
-          <a:xfrm>
-            <a:off x="6536783" y="1865376"/>
-            <a:ext cx="2204881" cy="584776"/>
-          </a:xfrm>
-          <a:prstGeom prst="rect">
-            <a:avLst/>
-          </a:prstGeom>
-          <a:noFill/>
-        </p:spPr>
-        <p:txBody>
-          <a:bodyPr wrap="square" rtlCol="0">
-            <a:spAutoFit/>
-          </a:bodyPr>
-          <a:lstStyle/>
-          <a:p>
-            <a:pPr algn="ctr"/>
-            <a:r>
-              <a:rPr lang="en-US" sz="3200" dirty="0" smtClean="0"/>
-              <a:t>View</a:t>
-            </a:r>
-            <a:endParaRPr lang="en-US" sz="3200" dirty="0"/>
-          </a:p>
-        </p:txBody>
-      </p:sp>
     </p:spTree>
     <p:extLst>
       <p:ext uri="{BB962C8B-B14F-4D97-AF65-F5344CB8AC3E}">
-        <p14:creationId xmlns:p14="http://schemas.microsoft.com/office/powerpoint/2010/main" val="1504888521"/>
+        <p14:creationId xmlns:p14="http://schemas.microsoft.com/office/powerpoint/2010/main" val="1729405643"/>
       </p:ext>
     </p:extLst>
   </p:cSld>
@@ -5874,53 +5582,6 @@
           </a:p>
           <a:p>
             <a:pPr marL="111125"/>
-            <a:endParaRPr lang="en-US" sz="2200" dirty="0" smtClean="0">
-              <a:solidFill>
-                <a:schemeClr val="accent1"/>
-              </a:solidFill>
-            </a:endParaRPr>
-          </a:p>
-          <a:p>
-            <a:pPr marL="349250" indent="-238125">
-              <a:buFont typeface="Arial"/>
-              <a:buChar char="•"/>
-            </a:pPr>
-            <a:r>
-              <a:rPr lang="en-US" sz="2200" dirty="0" smtClean="0">
-                <a:solidFill>
-                  <a:schemeClr val="accent1"/>
-                </a:solidFill>
-              </a:rPr>
-              <a:t>Bistro</a:t>
-            </a:r>
-          </a:p>
-          <a:p>
-            <a:pPr marL="349250" indent="-238125">
-              <a:buFont typeface="Arial"/>
-              <a:buChar char="•"/>
-            </a:pPr>
-            <a:r>
-              <a:rPr lang="en-US" sz="2200" dirty="0" smtClean="0">
-                <a:solidFill>
-                  <a:schemeClr val="accent1"/>
-                </a:solidFill>
-              </a:rPr>
-              <a:t>Recipe</a:t>
-            </a:r>
-          </a:p>
-          <a:p>
-            <a:pPr marL="349250" indent="-238125">
-              <a:buFont typeface="Arial"/>
-              <a:buChar char="•"/>
-            </a:pPr>
-            <a:r>
-              <a:rPr lang="en-US" sz="2200" dirty="0" err="1" smtClean="0">
-                <a:solidFill>
-                  <a:schemeClr val="accent1"/>
-                </a:solidFill>
-              </a:rPr>
-              <a:t>CSVParsing</a:t>
-            </a:r>
             <a:endParaRPr lang="en-US" sz="2200" dirty="0">
               <a:solidFill>
                 <a:schemeClr val="accent1"/>
@@ -6177,7 +5838,7 @@
     </p:spTree>
     <p:extLst>
       <p:ext uri="{BB962C8B-B14F-4D97-AF65-F5344CB8AC3E}">
-        <p14:creationId xmlns:p14="http://schemas.microsoft.com/office/powerpoint/2010/main" val="3671947589"/>
+        <p14:creationId xmlns:p14="http://schemas.microsoft.com/office/powerpoint/2010/main" val="1504888521"/>
       </p:ext>
     </p:extLst>
   </p:cSld>
@@ -6228,58 +5889,71 @@
           </a:bodyPr>
           <a:lstStyle/>
           <a:p>
-            <a:r>
-              <a:rPr lang="en-US" sz="2500" dirty="0" smtClean="0"/>
-              <a:t>Where do you put it?</a:t>
-            </a:r>
-          </a:p>
-          <a:p>
-            <a:r>
-              <a:rPr lang="en-US" sz="2500" dirty="0" smtClean="0"/>
-              <a:t>Testing methods that end in puts is </a:t>
-            </a:r>
-            <a:r>
-              <a:rPr lang="en-US" sz="2500" dirty="0" err="1" smtClean="0"/>
-              <a:t>nooo</a:t>
-            </a:r>
-            <a:r>
-              <a:rPr lang="en-US" sz="2500" dirty="0" smtClean="0"/>
-              <a:t> good.</a:t>
-            </a:r>
-          </a:p>
-          <a:p>
-            <a:r>
-              <a:rPr lang="en-US" sz="2500" dirty="0" smtClean="0"/>
-              <a:t>Whose business is it talking to users?</a:t>
-            </a:r>
-          </a:p>
-          <a:p>
-            <a:r>
-              <a:rPr lang="en-US" sz="2500" dirty="0" smtClean="0"/>
-              <a:t>What about displaying?</a:t>
-            </a:r>
-          </a:p>
-          <a:p>
-            <a:r>
-              <a:rPr lang="en-US" sz="2500" dirty="0" smtClean="0"/>
-              <a:t>Should your classes all know how to parse user input?</a:t>
-            </a:r>
-          </a:p>
-          <a:p>
-            <a:pPr marL="45720" indent="0">
+            <a:pPr marL="0" indent="0">
               <a:buNone/>
             </a:pPr>
-            <a:endParaRPr lang="en-US" sz="2500" dirty="0"/>
-          </a:p>
-          <a:p>
-            <a:pPr marL="45720" indent="0" algn="ctr">
+            <a:r>
+              <a:rPr lang="en-US" sz="2500" dirty="0" smtClean="0"/>
+              <a:t>Sure, you can write all the codes… But where do you put it?</a:t>
+            </a:r>
+          </a:p>
+          <a:p>
+            <a:pPr marL="0" indent="0">
               <a:buNone/>
             </a:pPr>
+            <a:endParaRPr lang="en-US" sz="2500" dirty="0" smtClean="0"/>
+          </a:p>
+          <a:p>
             <a:r>
               <a:rPr lang="en-US" sz="2500" dirty="0" smtClean="0"/>
-              <a:t>I DON’T THINK SO.</a:t>
-            </a:r>
-            <a:endParaRPr lang="en-US" sz="2500" dirty="0"/>
+              <a:t>Whose </a:t>
+            </a:r>
+            <a:r>
+              <a:rPr lang="en-US" sz="2500" dirty="0" smtClean="0"/>
+              <a:t>business is it </a:t>
+            </a:r>
+            <a:r>
+              <a:rPr lang="en-US" sz="2500" dirty="0" smtClean="0"/>
+              <a:t>to talk </a:t>
+            </a:r>
+            <a:r>
+              <a:rPr lang="en-US" sz="2500" dirty="0" smtClean="0"/>
+              <a:t>to users?</a:t>
+            </a:r>
+          </a:p>
+          <a:p>
+            <a:r>
+              <a:rPr lang="en-US" sz="2500" dirty="0" smtClean="0"/>
+              <a:t>What about </a:t>
+            </a:r>
+            <a:r>
+              <a:rPr lang="en-US" sz="2500" dirty="0" smtClean="0"/>
+              <a:t>displaying output?</a:t>
+            </a:r>
+            <a:endParaRPr lang="en-US" sz="2500" dirty="0" smtClean="0"/>
+          </a:p>
+          <a:p>
+            <a:r>
+              <a:rPr lang="en-US" sz="2500" dirty="0" smtClean="0"/>
+              <a:t>Should your classes all know how to parse user input</a:t>
+            </a:r>
+            <a:r>
+              <a:rPr lang="en-US" sz="2500" dirty="0" smtClean="0"/>
+              <a:t>?</a:t>
+            </a:r>
+          </a:p>
+          <a:p>
+            <a:r>
+              <a:rPr lang="en-US" sz="2500" dirty="0" smtClean="0"/>
+              <a:t>Where do heavy algorithms run?</a:t>
+            </a:r>
+          </a:p>
+          <a:p>
+            <a:r>
+              <a:rPr lang="en-US" sz="2500" dirty="0" smtClean="0"/>
+              <a:t>How do you separate 10,000 lines of code into a manageable structure?</a:t>
+            </a:r>
+            <a:endParaRPr lang="en-US" sz="2500" dirty="0" smtClean="0"/>
           </a:p>
         </p:txBody>
       </p:sp>
@@ -6595,28 +6269,6 @@
               </a:solidFill>
             </a:endParaRPr>
           </a:p>
-          <a:p>
-            <a:pPr marL="349250" indent="-238125">
-              <a:buFont typeface="Arial"/>
-              <a:buChar char="•"/>
-            </a:pPr>
-            <a:r>
-              <a:rPr lang="en-US" sz="2200" dirty="0" smtClean="0">
-                <a:solidFill>
-                  <a:srgbClr val="F8F8F8"/>
-                </a:solidFill>
-              </a:rPr>
-              <a:t>Bistro-Controller</a:t>
-            </a:r>
-          </a:p>
-          <a:p>
-            <a:pPr marL="111125"/>
-            <a:endParaRPr lang="en-US" sz="2200" dirty="0">
-              <a:solidFill>
-                <a:srgbClr val="F8F8F8"/>
-              </a:solidFill>
-            </a:endParaRPr>
-          </a:p>
         </p:txBody>
       </p:sp>
       <p:sp>
@@ -6677,6 +6329,22 @@
               <a:t>User interface</a:t>
             </a:r>
           </a:p>
+          <a:p>
+            <a:pPr marL="111125"/>
+            <a:endParaRPr lang="en-US" sz="2200" dirty="0">
+              <a:solidFill>
+                <a:srgbClr val="F8F8F8"/>
+              </a:solidFill>
+            </a:endParaRPr>
+          </a:p>
+          <a:p>
+            <a:pPr marL="111125"/>
+            <a:endParaRPr lang="en-US" sz="2200" dirty="0" smtClean="0">
+              <a:solidFill>
+                <a:srgbClr val="F8F8F8"/>
+              </a:solidFill>
+            </a:endParaRPr>
+          </a:p>
         </p:txBody>
       </p:sp>
       <p:sp>
@@ -6775,7 +6443,7 @@
     </p:spTree>
     <p:extLst>
       <p:ext uri="{BB962C8B-B14F-4D97-AF65-F5344CB8AC3E}">
-        <p14:creationId xmlns:p14="http://schemas.microsoft.com/office/powerpoint/2010/main" val="2399005532"/>
+        <p14:creationId xmlns:p14="http://schemas.microsoft.com/office/powerpoint/2010/main" val="3671947589"/>
       </p:ext>
     </p:extLst>
   </p:cSld>
@@ -7143,83 +6811,6 @@
               <a:t>User interface</a:t>
             </a:r>
           </a:p>
-          <a:p>
-            <a:pPr marL="111125"/>
-            <a:endParaRPr lang="en-US" sz="2200" dirty="0" smtClean="0">
-              <a:solidFill>
-                <a:srgbClr val="F8F8F8"/>
-              </a:solidFill>
-            </a:endParaRPr>
-          </a:p>
-          <a:p>
-            <a:pPr marL="111125"/>
-            <a:endParaRPr lang="en-US" sz="2200" dirty="0">
-              <a:solidFill>
-                <a:srgbClr val="F8F8F8"/>
-              </a:solidFill>
-            </a:endParaRPr>
-          </a:p>
-          <a:p>
-            <a:pPr marL="349250" indent="-238125">
-              <a:buFont typeface="Arial"/>
-              <a:buChar char="•"/>
-            </a:pPr>
-            <a:r>
-              <a:rPr lang="en-US" sz="2200" dirty="0" smtClean="0">
-                <a:solidFill>
-                  <a:srgbClr val="F8F8F8"/>
-                </a:solidFill>
-              </a:rPr>
-              <a:t>Views</a:t>
-            </a:r>
-          </a:p>
-          <a:p>
-            <a:pPr marL="681038" lvl="1" indent="-331788">
-              <a:buFont typeface="Arial"/>
-              <a:buChar char="•"/>
-            </a:pPr>
-            <a:r>
-              <a:rPr lang="en-US" sz="2200" dirty="0" smtClean="0">
-                <a:solidFill>
-                  <a:srgbClr val="F8F8F8"/>
-                </a:solidFill>
-              </a:rPr>
-              <a:t>Options</a:t>
-            </a:r>
-          </a:p>
-          <a:p>
-            <a:pPr marL="681038" lvl="1" indent="-331788">
-              <a:buFont typeface="Arial"/>
-              <a:buChar char="•"/>
-            </a:pPr>
-            <a:r>
-              <a:rPr lang="en-US" sz="2200" dirty="0" smtClean="0">
-                <a:solidFill>
-                  <a:srgbClr val="F8F8F8"/>
-                </a:solidFill>
-              </a:rPr>
-              <a:t>Recipe</a:t>
-            </a:r>
-          </a:p>
-          <a:p>
-            <a:pPr marL="681038" lvl="1" indent="-331788">
-              <a:buFont typeface="Arial"/>
-              <a:buChar char="•"/>
-            </a:pPr>
-            <a:r>
-              <a:rPr lang="en-US" sz="2200" dirty="0" err="1" smtClean="0">
-                <a:solidFill>
-                  <a:srgbClr val="F8F8F8"/>
-                </a:solidFill>
-              </a:rPr>
-              <a:t>RecipeList</a:t>
-            </a:r>
-            <a:endParaRPr lang="en-US" sz="2200" dirty="0">
-              <a:solidFill>
-                <a:srgbClr val="F8F8F8"/>
-              </a:solidFill>
-            </a:endParaRPr>
-          </a:p>
         </p:txBody>
       </p:sp>
       <p:sp>
@@ -7318,7 +6909,7 @@
     </p:spTree>
     <p:extLst>
       <p:ext uri="{BB962C8B-B14F-4D97-AF65-F5344CB8AC3E}">
-        <p14:creationId xmlns:p14="http://schemas.microsoft.com/office/powerpoint/2010/main" val="127540449"/>
+        <p14:creationId xmlns:p14="http://schemas.microsoft.com/office/powerpoint/2010/main" val="2399005532"/>
       </p:ext>
     </p:extLst>
   </p:cSld>
@@ -7368,10 +6959,9 @@
           <a:lstStyle/>
           <a:p>
             <a:r>
-              <a:rPr lang="en-US" dirty="0" smtClean="0"/>
-              <a:t>Bernie’s Bistro: List</a:t>
-            </a:r>
-            <a:endParaRPr lang="en-US" dirty="0"/>
+              <a:rPr lang="en-US" dirty="0"/>
+              <a:t>M-V-C Bernie’s Bistro</a:t>
+            </a:r>
           </a:p>
         </p:txBody>
       </p:sp>
@@ -7438,6 +7028,14 @@
           <a:bodyPr rtlCol="0" anchor="t"/>
           <a:lstStyle/>
           <a:p>
+            <a:r>
+              <a:rPr lang="en-US" sz="2200" dirty="0" smtClean="0">
+                <a:solidFill>
+                  <a:schemeClr val="accent1"/>
+                </a:solidFill>
+              </a:rPr>
+              <a:t> </a:t>
+            </a:r>
             <a:endParaRPr lang="en-US" sz="2200" dirty="0">
               <a:solidFill>
                 <a:schemeClr val="accent1"/>
@@ -7446,7 +7044,76 @@
           </a:p>
           <a:p>
             <a:pPr marL="111125"/>
+            <a:r>
+              <a:rPr lang="en-US" sz="2200" dirty="0" smtClean="0">
+                <a:solidFill>
+                  <a:schemeClr val="accent1"/>
+                </a:solidFill>
+              </a:rPr>
+              <a:t>Data &amp;</a:t>
+            </a:r>
+          </a:p>
+          <a:p>
+            <a:pPr marL="111125"/>
+            <a:r>
+              <a:rPr lang="en-US" sz="2200" dirty="0" smtClean="0">
+                <a:solidFill>
+                  <a:schemeClr val="accent1"/>
+                </a:solidFill>
+              </a:rPr>
+              <a:t>Business logic</a:t>
+            </a:r>
+          </a:p>
+          <a:p>
+            <a:pPr marL="111125"/>
             <a:endParaRPr lang="en-US" sz="2200" dirty="0" smtClean="0">
+              <a:solidFill>
+                <a:schemeClr val="accent1"/>
+              </a:solidFill>
+            </a:endParaRPr>
+          </a:p>
+          <a:p>
+            <a:pPr marL="349250" indent="-238125">
+              <a:buFont typeface="Arial"/>
+              <a:buChar char="•"/>
+            </a:pPr>
+            <a:r>
+              <a:rPr lang="en-US" sz="2200" dirty="0" smtClean="0">
+                <a:solidFill>
+                  <a:schemeClr val="accent1"/>
+                </a:solidFill>
+              </a:rPr>
+              <a:t>Bistro</a:t>
+            </a:r>
+          </a:p>
+          <a:p>
+            <a:pPr marL="349250" indent="-238125">
+              <a:buFont typeface="Arial"/>
+              <a:buChar char="•"/>
+            </a:pPr>
+            <a:r>
+              <a:rPr lang="en-US" sz="2200" dirty="0" smtClean="0">
+                <a:solidFill>
+                  <a:schemeClr val="accent1"/>
+                </a:solidFill>
+              </a:rPr>
+              <a:t>Recipe</a:t>
+            </a:r>
+          </a:p>
+          <a:p>
+            <a:pPr marL="349250" indent="-238125">
+              <a:buFont typeface="Arial"/>
+              <a:buChar char="•"/>
+            </a:pPr>
+            <a:r>
+              <a:rPr lang="en-US" sz="2200" dirty="0" err="1" smtClean="0">
+                <a:solidFill>
+                  <a:schemeClr val="accent1"/>
+                </a:solidFill>
+              </a:rPr>
+              <a:t>CSVParsing</a:t>
+            </a:r>
+            <a:endParaRPr lang="en-US" sz="2200" dirty="0">
               <a:solidFill>
                 <a:schemeClr val="accent1"/>
               </a:solidFill>
@@ -7503,7 +7170,48 @@
           </a:p>
           <a:p>
             <a:pPr marL="111125"/>
+            <a:r>
+              <a:rPr lang="en-US" sz="2200" dirty="0" smtClean="0">
+                <a:solidFill>
+                  <a:srgbClr val="F8F8F8"/>
+                </a:solidFill>
+              </a:rPr>
+              <a:t>Communicate</a:t>
+            </a:r>
+          </a:p>
+          <a:p>
+            <a:pPr marL="111125"/>
             <a:endParaRPr lang="en-US" sz="2200" dirty="0" smtClean="0">
+              <a:solidFill>
+                <a:srgbClr val="F8F8F8"/>
+              </a:solidFill>
+            </a:endParaRPr>
+          </a:p>
+          <a:p>
+            <a:pPr marL="111125"/>
+            <a:endParaRPr lang="en-US" sz="2200" dirty="0">
+              <a:solidFill>
+                <a:srgbClr val="F8F8F8"/>
+              </a:solidFill>
+            </a:endParaRPr>
+          </a:p>
+          <a:p>
+            <a:pPr marL="349250" indent="-238125">
+              <a:buFont typeface="Arial"/>
+              <a:buChar char="•"/>
+            </a:pPr>
+            <a:r>
+              <a:rPr lang="en-US" sz="2200" dirty="0" smtClean="0">
+                <a:solidFill>
+                  <a:srgbClr val="F8F8F8"/>
+                </a:solidFill>
+              </a:rPr>
+              <a:t>Bistro-Controller</a:t>
+            </a:r>
+          </a:p>
+          <a:p>
+            <a:pPr marL="111125"/>
+            <a:endParaRPr lang="en-US" sz="2200" dirty="0">
               <a:solidFill>
                 <a:srgbClr val="F8F8F8"/>
               </a:solidFill>
@@ -7560,159 +7268,87 @@
           </a:p>
           <a:p>
             <a:pPr marL="111125"/>
+            <a:r>
+              <a:rPr lang="en-US" sz="2200" dirty="0" smtClean="0">
+                <a:solidFill>
+                  <a:srgbClr val="F8F8F8"/>
+                </a:solidFill>
+              </a:rPr>
+              <a:t>User interface</a:t>
+            </a:r>
+          </a:p>
+          <a:p>
+            <a:pPr marL="111125"/>
             <a:endParaRPr lang="en-US" sz="2200" dirty="0" smtClean="0">
               <a:solidFill>
                 <a:srgbClr val="F8F8F8"/>
               </a:solidFill>
             </a:endParaRPr>
           </a:p>
-        </p:txBody>
-      </p:sp>
-      <p:sp>
-        <p:nvSpPr>
-          <p:cNvPr id="8" name="TextBox 7"/>
-          <p:cNvSpPr txBox="1"/>
-          <p:nvPr/>
-        </p:nvSpPr>
-        <p:spPr>
-          <a:xfrm>
-            <a:off x="457200" y="1865376"/>
-            <a:ext cx="2204881" cy="584776"/>
-          </a:xfrm>
-          <a:prstGeom prst="rect">
-            <a:avLst/>
-          </a:prstGeom>
-          <a:noFill/>
-        </p:spPr>
-        <p:txBody>
-          <a:bodyPr wrap="square" rtlCol="0">
-            <a:spAutoFit/>
-          </a:bodyPr>
-          <a:lstStyle/>
-          <a:p>
-            <a:pPr algn="ctr"/>
-            <a:r>
-              <a:rPr lang="en-US" sz="3200" dirty="0" smtClean="0"/>
-              <a:t>Model</a:t>
-            </a:r>
-            <a:endParaRPr lang="en-US" sz="3200" dirty="0"/>
-          </a:p>
-        </p:txBody>
-      </p:sp>
-      <p:sp>
-        <p:nvSpPr>
-          <p:cNvPr id="10" name="TextBox 9"/>
-          <p:cNvSpPr txBox="1"/>
-          <p:nvPr/>
-        </p:nvSpPr>
-        <p:spPr>
-          <a:xfrm>
-            <a:off x="3493911" y="1865376"/>
-            <a:ext cx="2204881" cy="584776"/>
-          </a:xfrm>
-          <a:prstGeom prst="rect">
-            <a:avLst/>
-          </a:prstGeom>
-          <a:noFill/>
-        </p:spPr>
-        <p:txBody>
-          <a:bodyPr wrap="square" rtlCol="0">
-            <a:spAutoFit/>
-          </a:bodyPr>
-          <a:lstStyle/>
-          <a:p>
-            <a:pPr algn="ctr"/>
-            <a:r>
-              <a:rPr lang="en-US" sz="3200" dirty="0" smtClean="0"/>
-              <a:t>Controller</a:t>
-            </a:r>
-            <a:endParaRPr lang="en-US" sz="3200" dirty="0"/>
-          </a:p>
-        </p:txBody>
-      </p:sp>
-      <p:sp>
-        <p:nvSpPr>
-          <p:cNvPr id="11" name="TextBox 10"/>
-          <p:cNvSpPr txBox="1"/>
-          <p:nvPr/>
-        </p:nvSpPr>
-        <p:spPr>
-          <a:xfrm>
-            <a:off x="6536783" y="1865376"/>
-            <a:ext cx="2204881" cy="584776"/>
-          </a:xfrm>
-          <a:prstGeom prst="rect">
-            <a:avLst/>
-          </a:prstGeom>
-          <a:noFill/>
-        </p:spPr>
-        <p:txBody>
-          <a:bodyPr wrap="square" rtlCol="0">
-            <a:spAutoFit/>
-          </a:bodyPr>
-          <a:lstStyle/>
-          <a:p>
-            <a:pPr algn="ctr"/>
-            <a:r>
-              <a:rPr lang="en-US" sz="3200" dirty="0" smtClean="0"/>
-              <a:t>View</a:t>
-            </a:r>
-            <a:endParaRPr lang="en-US" sz="3200" dirty="0"/>
-          </a:p>
-        </p:txBody>
-      </p:sp>
-      <p:sp>
-        <p:nvSpPr>
-          <p:cNvPr id="7" name="Rectangle 6"/>
-          <p:cNvSpPr/>
-          <p:nvPr/>
-        </p:nvSpPr>
-        <p:spPr>
-          <a:xfrm>
-            <a:off x="6755607" y="2934560"/>
-            <a:ext cx="1730320" cy="396667"/>
-          </a:xfrm>
-          <a:prstGeom prst="rect">
-            <a:avLst/>
-          </a:prstGeom>
-          <a:solidFill>
-            <a:schemeClr val="accent6"/>
-          </a:solidFill>
-          <a:ln w="28575" cmpd="sng">
-            <a:solidFill>
-              <a:schemeClr val="accent1"/>
-            </a:solidFill>
-          </a:ln>
-          <a:effectLst/>
-        </p:spPr>
-        <p:style>
-          <a:lnRef idx="1">
-            <a:schemeClr val="accent1"/>
-          </a:lnRef>
-          <a:fillRef idx="3">
-            <a:schemeClr val="accent1"/>
-          </a:fillRef>
-          <a:effectRef idx="2">
-            <a:schemeClr val="accent1"/>
-          </a:effectRef>
-          <a:fontRef idx="minor">
-            <a:schemeClr val="lt1"/>
-          </a:fontRef>
-        </p:style>
-        <p:txBody>
-          <a:bodyPr rtlCol="0" anchor="ctr"/>
-          <a:lstStyle/>
-          <a:p>
-            <a:pPr algn="ctr"/>
-            <a:r>
-              <a:rPr lang="en-US" dirty="0" smtClean="0">
+          <a:p>
+            <a:pPr marL="111125"/>
+            <a:endParaRPr lang="en-US" sz="2200" dirty="0">
+              <a:solidFill>
+                <a:srgbClr val="F8F8F8"/>
+              </a:solidFill>
+            </a:endParaRPr>
+          </a:p>
+          <a:p>
+            <a:pPr marL="349250" indent="-238125">
+              <a:buFont typeface="Arial"/>
+              <a:buChar char="•"/>
+            </a:pPr>
+            <a:r>
+              <a:rPr lang="en-US" sz="2200" dirty="0" smtClean="0">
                 <a:solidFill>
                   <a:srgbClr val="F8F8F8"/>
                 </a:solidFill>
               </a:rPr>
-              <a:t>send input</a:t>
-            </a:r>
-            <a:endParaRPr lang="en-US" dirty="0">
+              <a:t>Views</a:t>
+            </a:r>
+          </a:p>
+          <a:p>
+            <a:pPr marL="681038" lvl="1" indent="-331788">
+              <a:buFont typeface="Arial"/>
+              <a:buChar char="•"/>
+            </a:pPr>
+            <a:r>
+              <a:rPr lang="en-US" sz="2200" dirty="0" smtClean="0">
+                <a:solidFill>
+                  <a:srgbClr val="F8F8F8"/>
+                </a:solidFill>
+              </a:rPr>
+              <a:t>Options</a:t>
+            </a:r>
+          </a:p>
+          <a:p>
+            <a:pPr marL="681038" lvl="1" indent="-331788">
+              <a:buFont typeface="Arial"/>
+              <a:buChar char="•"/>
+            </a:pPr>
+            <a:r>
+              <a:rPr lang="en-US" sz="2200" dirty="0" smtClean="0">
+                <a:solidFill>
+                  <a:srgbClr val="F8F8F8"/>
+                </a:solidFill>
+              </a:rPr>
+              <a:t>Recipe</a:t>
+            </a:r>
+          </a:p>
+          <a:p>
+            <a:pPr marL="681038" lvl="1" indent="-331788">
+              <a:buFont typeface="Arial"/>
+              <a:buChar char="•"/>
+            </a:pPr>
+            <a:r>
+              <a:rPr lang="en-US" sz="2200" dirty="0" err="1" smtClean="0">
+                <a:solidFill>
+                  <a:srgbClr val="F8F8F8"/>
+                </a:solidFill>
+              </a:rPr>
+              <a:t>RecipeList</a:t>
+            </a:r>
+            <a:endParaRPr lang="en-US" sz="2200" dirty="0">
               <a:solidFill>
                 <a:srgbClr val="F8F8F8"/>
               </a:solidFill>
@@ -7720,10 +7356,103 @@
           </a:p>
         </p:txBody>
       </p:sp>
+      <p:sp>
+        <p:nvSpPr>
+          <p:cNvPr id="8" name="TextBox 7"/>
+          <p:cNvSpPr txBox="1"/>
+          <p:nvPr/>
+        </p:nvSpPr>
+        <p:spPr>
+          <a:xfrm>
+            <a:off x="457200" y="1865376"/>
+            <a:ext cx="2204881" cy="584776"/>
+          </a:xfrm>
+          <a:prstGeom prst="rect">
+            <a:avLst/>
+          </a:prstGeom>
+          <a:noFill/>
+        </p:spPr>
+        <p:txBody>
+          <a:bodyPr wrap="square" rtlCol="0">
+            <a:spAutoFit/>
+          </a:bodyPr>
+          <a:lstStyle/>
+          <a:p>
+            <a:pPr algn="ctr"/>
+            <a:r>
+              <a:rPr lang="en-US" sz="3200" dirty="0" smtClean="0"/>
+              <a:t>Model</a:t>
+            </a:r>
+            <a:endParaRPr lang="en-US" sz="3200" dirty="0"/>
+          </a:p>
+        </p:txBody>
+      </p:sp>
+      <p:sp>
+        <p:nvSpPr>
+          <p:cNvPr id="10" name="TextBox 9"/>
+          <p:cNvSpPr txBox="1"/>
+          <p:nvPr/>
+        </p:nvSpPr>
+        <p:spPr>
+          <a:xfrm>
+            <a:off x="3493911" y="1865376"/>
+            <a:ext cx="2204881" cy="584776"/>
+          </a:xfrm>
+          <a:prstGeom prst="rect">
+            <a:avLst/>
+          </a:prstGeom>
+          <a:noFill/>
+        </p:spPr>
+        <p:txBody>
+          <a:bodyPr wrap="square" rtlCol="0">
+            <a:spAutoFit/>
+          </a:bodyPr>
+          <a:lstStyle/>
+          <a:p>
+            <a:pPr algn="ctr"/>
+            <a:r>
+              <a:rPr lang="en-US" sz="3200" dirty="0" smtClean="0"/>
+              <a:t>Controller</a:t>
+            </a:r>
+            <a:endParaRPr lang="en-US" sz="3200" dirty="0"/>
+          </a:p>
+        </p:txBody>
+      </p:sp>
+      <p:sp>
+        <p:nvSpPr>
+          <p:cNvPr id="11" name="TextBox 10"/>
+          <p:cNvSpPr txBox="1"/>
+          <p:nvPr/>
+        </p:nvSpPr>
+        <p:spPr>
+          <a:xfrm>
+            <a:off x="6536783" y="1865376"/>
+            <a:ext cx="2204881" cy="584776"/>
+          </a:xfrm>
+          <a:prstGeom prst="rect">
+            <a:avLst/>
+          </a:prstGeom>
+          <a:noFill/>
+        </p:spPr>
+        <p:txBody>
+          <a:bodyPr wrap="square" rtlCol="0">
+            <a:spAutoFit/>
+          </a:bodyPr>
+          <a:lstStyle/>
+          <a:p>
+            <a:pPr algn="ctr"/>
+            <a:r>
+              <a:rPr lang="en-US" sz="3200" dirty="0" smtClean="0"/>
+              <a:t>View</a:t>
+            </a:r>
+            <a:endParaRPr lang="en-US" sz="3200" dirty="0"/>
+          </a:p>
+        </p:txBody>
+      </p:sp>
     </p:spTree>
     <p:extLst>
       <p:ext uri="{BB962C8B-B14F-4D97-AF65-F5344CB8AC3E}">
-        <p14:creationId xmlns:p14="http://schemas.microsoft.com/office/powerpoint/2010/main" val="2744471277"/>
+        <p14:creationId xmlns:p14="http://schemas.microsoft.com/office/powerpoint/2010/main" val="127540449"/>
       </p:ext>
     </p:extLst>
   </p:cSld>
@@ -8068,103 +7797,6 @@
       </p:sp>
       <p:sp>
         <p:nvSpPr>
-          <p:cNvPr id="15" name="Rectangle 14"/>
-          <p:cNvSpPr/>
-          <p:nvPr/>
-        </p:nvSpPr>
-        <p:spPr>
-          <a:xfrm>
-            <a:off x="3699937" y="2934560"/>
-            <a:ext cx="1730320" cy="396667"/>
-          </a:xfrm>
-          <a:prstGeom prst="rect">
-            <a:avLst/>
-          </a:prstGeom>
-          <a:solidFill>
-            <a:schemeClr val="accent4"/>
-          </a:solidFill>
-          <a:ln w="28575" cmpd="sng">
-            <a:solidFill>
-              <a:schemeClr val="accent1"/>
-            </a:solidFill>
-          </a:ln>
-          <a:effectLst/>
-        </p:spPr>
-        <p:style>
-          <a:lnRef idx="1">
-            <a:schemeClr val="accent1"/>
-          </a:lnRef>
-          <a:fillRef idx="3">
-            <a:schemeClr val="accent1"/>
-          </a:fillRef>
-          <a:effectRef idx="2">
-            <a:schemeClr val="accent1"/>
-          </a:effectRef>
-          <a:fontRef idx="minor">
-            <a:schemeClr val="lt1"/>
-          </a:fontRef>
-        </p:style>
-        <p:txBody>
-          <a:bodyPr rtlCol="0" anchor="ctr"/>
-          <a:lstStyle/>
-          <a:p>
-            <a:pPr algn="ctr"/>
-            <a:r>
-              <a:rPr lang="en-US" dirty="0" smtClean="0">
-                <a:solidFill>
-                  <a:srgbClr val="F8F8F8"/>
-                </a:solidFill>
-              </a:rPr>
-              <a:t>interpret input</a:t>
-            </a:r>
-            <a:endParaRPr lang="en-US" dirty="0">
-              <a:solidFill>
-                <a:srgbClr val="F8F8F8"/>
-              </a:solidFill>
-            </a:endParaRPr>
-          </a:p>
-        </p:txBody>
-      </p:sp>
-      <p:cxnSp>
-        <p:nvCxnSpPr>
-          <p:cNvPr id="16" name="Straight Arrow Connector 15"/>
-          <p:cNvCxnSpPr/>
-          <p:nvPr/>
-        </p:nvCxnSpPr>
-        <p:spPr>
-          <a:xfrm flipH="1">
-            <a:off x="5537200" y="3132894"/>
-            <a:ext cx="1218407" cy="0"/>
-          </a:xfrm>
-          <a:prstGeom prst="straightConnector1">
-            <a:avLst/>
-          </a:prstGeom>
-          <a:ln w="57150" cmpd="sng">
-            <a:solidFill>
-              <a:schemeClr val="accent2"/>
-            </a:solidFill>
-            <a:headEnd type="none"/>
-            <a:tailEnd type="triangle"/>
-          </a:ln>
-          <a:effectLst/>
-        </p:spPr>
-        <p:style>
-          <a:lnRef idx="2">
-            <a:schemeClr val="accent1"/>
-          </a:lnRef>
-          <a:fillRef idx="0">
-            <a:schemeClr val="accent1"/>
-          </a:fillRef>
-          <a:effectRef idx="1">
-            <a:schemeClr val="accent1"/>
-          </a:effectRef>
-          <a:fontRef idx="minor">
-            <a:schemeClr val="tx1"/>
-          </a:fontRef>
-        </p:style>
-      </p:cxnSp>
-      <p:sp>
-        <p:nvSpPr>
           <p:cNvPr id="7" name="Rectangle 6"/>
           <p:cNvSpPr/>
           <p:nvPr/>
@@ -8225,7 +7857,7 @@
     </p:spTree>
     <p:extLst>
       <p:ext uri="{BB962C8B-B14F-4D97-AF65-F5344CB8AC3E}">
-        <p14:creationId xmlns:p14="http://schemas.microsoft.com/office/powerpoint/2010/main" val="2992209754"/>
+        <p14:creationId xmlns:p14="http://schemas.microsoft.com/office/powerpoint/2010/main" val="2744471277"/>
       </p:ext>
     </p:extLst>
   </p:cSld>
@@ -8568,12 +8200,69 @@
           </a:p>
         </p:txBody>
       </p:sp>
+      <p:sp>
+        <p:nvSpPr>
+          <p:cNvPr id="15" name="Rectangle 14"/>
+          <p:cNvSpPr/>
+          <p:nvPr/>
+        </p:nvSpPr>
+        <p:spPr>
+          <a:xfrm>
+            <a:off x="3699937" y="2934560"/>
+            <a:ext cx="1730320" cy="396667"/>
+          </a:xfrm>
+          <a:prstGeom prst="rect">
+            <a:avLst/>
+          </a:prstGeom>
+          <a:solidFill>
+            <a:schemeClr val="accent4"/>
+          </a:solidFill>
+          <a:ln w="28575" cmpd="sng">
+            <a:solidFill>
+              <a:schemeClr val="accent1"/>
+            </a:solidFill>
+          </a:ln>
+          <a:effectLst/>
+        </p:spPr>
+        <p:style>
+          <a:lnRef idx="1">
+            <a:schemeClr val="accent1"/>
+          </a:lnRef>
+          <a:fillRef idx="3">
+            <a:schemeClr val="accent1"/>
+          </a:fillRef>
+          <a:effectRef idx="2">
+            <a:schemeClr val="accent1"/>
+          </a:effectRef>
+          <a:fontRef idx="minor">
+            <a:schemeClr val="lt1"/>
+          </a:fontRef>
+        </p:style>
+        <p:txBody>
+          <a:bodyPr rtlCol="0" anchor="ctr"/>
+          <a:lstStyle/>
+          <a:p>
+            <a:pPr algn="ctr"/>
+            <a:r>
+              <a:rPr lang="en-US" dirty="0" smtClean="0">
+                <a:solidFill>
+                  <a:srgbClr val="F8F8F8"/>
+                </a:solidFill>
+              </a:rPr>
+              <a:t>interpret input</a:t>
+            </a:r>
+            <a:endParaRPr lang="en-US" dirty="0">
+              <a:solidFill>
+                <a:srgbClr val="F8F8F8"/>
+              </a:solidFill>
+            </a:endParaRPr>
+          </a:p>
+        </p:txBody>
+      </p:sp>
       <p:cxnSp>
         <p:nvCxnSpPr>
-          <p:cNvPr id="12" name="Straight Arrow Connector 11"/>
-          <p:cNvCxnSpPr>
-            <a:stCxn id="7" idx="1"/>
-          </p:cNvCxnSpPr>
+          <p:cNvPr id="16" name="Straight Arrow Connector 15"/>
+          <p:cNvCxnSpPr/>
           <p:nvPr/>
         </p:nvCxnSpPr>
         <p:spPr>
@@ -8667,168 +8356,10 @@
           </a:p>
         </p:txBody>
       </p:sp>
-      <p:sp>
-        <p:nvSpPr>
-          <p:cNvPr id="14" name="Rectangle 13"/>
-          <p:cNvSpPr/>
-          <p:nvPr/>
-        </p:nvSpPr>
-        <p:spPr>
-          <a:xfrm>
-            <a:off x="3699937" y="4014227"/>
-            <a:ext cx="1730320" cy="396667"/>
-          </a:xfrm>
-          <a:prstGeom prst="rect">
-            <a:avLst/>
-          </a:prstGeom>
-          <a:solidFill>
-            <a:schemeClr val="accent4"/>
-          </a:solidFill>
-          <a:ln w="28575" cmpd="sng">
-            <a:solidFill>
-              <a:schemeClr val="accent1"/>
-            </a:solidFill>
-          </a:ln>
-          <a:effectLst/>
-        </p:spPr>
-        <p:style>
-          <a:lnRef idx="1">
-            <a:schemeClr val="accent1"/>
-          </a:lnRef>
-          <a:fillRef idx="3">
-            <a:schemeClr val="accent1"/>
-          </a:fillRef>
-          <a:effectRef idx="2">
-            <a:schemeClr val="accent1"/>
-          </a:effectRef>
-          <a:fontRef idx="minor">
-            <a:schemeClr val="lt1"/>
-          </a:fontRef>
-        </p:style>
-        <p:txBody>
-          <a:bodyPr rtlCol="0" anchor="ctr"/>
-          <a:lstStyle/>
-          <a:p>
-            <a:pPr algn="ctr"/>
-            <a:r>
-              <a:rPr lang="en-US" dirty="0" smtClean="0">
-                <a:solidFill>
-                  <a:srgbClr val="F8F8F8"/>
-                </a:solidFill>
-              </a:rPr>
-              <a:t>request data</a:t>
-            </a:r>
-            <a:endParaRPr lang="en-US" dirty="0">
-              <a:solidFill>
-                <a:srgbClr val="F8F8F8"/>
-              </a:solidFill>
-            </a:endParaRPr>
-          </a:p>
-        </p:txBody>
-      </p:sp>
-      <p:cxnSp>
-        <p:nvCxnSpPr>
-          <p:cNvPr id="15" name="Straight Arrow Connector 14"/>
-          <p:cNvCxnSpPr>
-            <a:stCxn id="13" idx="2"/>
-          </p:cNvCxnSpPr>
-          <p:nvPr/>
-        </p:nvCxnSpPr>
-        <p:spPr>
-          <a:xfrm>
-            <a:off x="4565097" y="3331227"/>
-            <a:ext cx="0" cy="614240"/>
-          </a:xfrm>
-          <a:prstGeom prst="straightConnector1">
-            <a:avLst/>
-          </a:prstGeom>
-          <a:ln w="57150" cmpd="sng">
-            <a:solidFill>
-              <a:schemeClr val="accent2"/>
-            </a:solidFill>
-            <a:headEnd type="none"/>
-            <a:tailEnd type="triangle"/>
-          </a:ln>
-          <a:effectLst/>
-        </p:spPr>
-        <p:style>
-          <a:lnRef idx="2">
-            <a:schemeClr val="accent1"/>
-          </a:lnRef>
-          <a:fillRef idx="0">
-            <a:schemeClr val="accent1"/>
-          </a:fillRef>
-          <a:effectRef idx="1">
-            <a:schemeClr val="accent1"/>
-          </a:effectRef>
-          <a:fontRef idx="minor">
-            <a:schemeClr val="tx1"/>
-          </a:fontRef>
-        </p:style>
-      </p:cxnSp>
-      <p:sp>
-        <p:nvSpPr>
-          <p:cNvPr id="13" name="Rectangle 12"/>
-          <p:cNvSpPr/>
-          <p:nvPr/>
-        </p:nvSpPr>
-        <p:spPr>
-          <a:xfrm>
-            <a:off x="3699937" y="2934560"/>
-            <a:ext cx="1730320" cy="396667"/>
-          </a:xfrm>
-          <a:prstGeom prst="rect">
-            <a:avLst/>
-          </a:prstGeom>
-          <a:solidFill>
-            <a:schemeClr val="accent4"/>
-          </a:solidFill>
-          <a:ln w="28575" cmpd="sng">
-            <a:solidFill>
-              <a:schemeClr val="accent1"/>
-            </a:solidFill>
-          </a:ln>
-          <a:effectLst/>
-        </p:spPr>
-        <p:style>
-          <a:lnRef idx="1">
-            <a:schemeClr val="accent1"/>
-          </a:lnRef>
-          <a:fillRef idx="3">
-            <a:schemeClr val="accent1"/>
-          </a:fillRef>
-          <a:effectRef idx="2">
-            <a:schemeClr val="accent1"/>
-          </a:effectRef>
-          <a:fontRef idx="minor">
-            <a:schemeClr val="lt1"/>
-          </a:fontRef>
-        </p:style>
-        <p:txBody>
-          <a:bodyPr rtlCol="0" anchor="ctr"/>
-          <a:lstStyle/>
-          <a:p>
-            <a:pPr algn="ctr"/>
-            <a:r>
-              <a:rPr lang="en-US" dirty="0" smtClean="0">
-                <a:solidFill>
-                  <a:srgbClr val="F8F8F8"/>
-                </a:solidFill>
-              </a:rPr>
-              <a:t>interpret input</a:t>
-            </a:r>
-            <a:endParaRPr lang="en-US" dirty="0">
-              <a:solidFill>
-                <a:srgbClr val="F8F8F8"/>
-              </a:solidFill>
-            </a:endParaRPr>
-          </a:p>
-        </p:txBody>
-      </p:sp>
     </p:spTree>
     <p:extLst>
       <p:ext uri="{BB962C8B-B14F-4D97-AF65-F5344CB8AC3E}">
-        <p14:creationId xmlns:p14="http://schemas.microsoft.com/office/powerpoint/2010/main" val="2922615046"/>
+        <p14:creationId xmlns:p14="http://schemas.microsoft.com/office/powerpoint/2010/main" val="2992209754"/>
       </p:ext>
     </p:extLst>
   </p:cSld>
@@ -9270,55 +8801,15 @@
           </a:p>
         </p:txBody>
       </p:sp>
-      <p:cxnSp>
-        <p:nvCxnSpPr>
-          <p:cNvPr id="15" name="Straight Arrow Connector 14"/>
-          <p:cNvCxnSpPr>
-            <a:stCxn id="13" idx="2"/>
-          </p:cNvCxnSpPr>
-          <p:nvPr/>
-        </p:nvCxnSpPr>
-        <p:spPr>
-          <a:xfrm>
-            <a:off x="4565097" y="3331227"/>
-            <a:ext cx="0" cy="614240"/>
-          </a:xfrm>
-          <a:prstGeom prst="straightConnector1">
-            <a:avLst/>
-          </a:prstGeom>
-          <a:ln w="57150" cmpd="sng">
-            <a:solidFill>
-              <a:schemeClr val="accent2"/>
-            </a:solidFill>
-            <a:headEnd type="none"/>
-            <a:tailEnd type="triangle"/>
-          </a:ln>
-          <a:effectLst/>
-        </p:spPr>
-        <p:style>
-          <a:lnRef idx="2">
-            <a:schemeClr val="accent1"/>
-          </a:lnRef>
-          <a:fillRef idx="0">
-            <a:schemeClr val="accent1"/>
-          </a:fillRef>
-          <a:effectRef idx="1">
-            <a:schemeClr val="accent1"/>
-          </a:effectRef>
-          <a:fontRef idx="minor">
-            <a:schemeClr val="tx1"/>
-          </a:fontRef>
-        </p:style>
-      </p:cxnSp>
-      <p:sp>
-        <p:nvSpPr>
-          <p:cNvPr id="13" name="Rectangle 12"/>
+      <p:sp>
+        <p:nvSpPr>
+          <p:cNvPr id="14" name="Rectangle 13"/>
           <p:cNvSpPr/>
           <p:nvPr/>
         </p:nvSpPr>
         <p:spPr>
           <a:xfrm>
-            <a:off x="3699937" y="2934560"/>
+            <a:off x="3699937" y="4014227"/>
             <a:ext cx="1730320" cy="396667"/>
           </a:xfrm>
           <a:prstGeom prst="rect">
@@ -9359,7 +8850,7 @@
                   <a:srgbClr val="F8F8F8"/>
                 </a:solidFill>
               </a:rPr>
-              <a:t>interpret input</a:t>
+              <a:t>request data</a:t>
             </a:r>
             <a:endParaRPr lang="en-US" dirty="0">
               <a:solidFill>
@@ -9369,75 +8860,18 @@
           </a:p>
         </p:txBody>
       </p:sp>
-      <p:sp>
-        <p:nvSpPr>
-          <p:cNvPr id="16" name="Rectangle 15"/>
-          <p:cNvSpPr/>
-          <p:nvPr/>
-        </p:nvSpPr>
-        <p:spPr>
-          <a:xfrm>
-            <a:off x="702737" y="4014227"/>
-            <a:ext cx="1730320" cy="396667"/>
-          </a:xfrm>
-          <a:prstGeom prst="rect">
-            <a:avLst/>
-          </a:prstGeom>
-          <a:solidFill>
-            <a:schemeClr val="accent5"/>
-          </a:solidFill>
-          <a:ln w="28575" cmpd="sng">
-            <a:solidFill>
-              <a:schemeClr val="accent1"/>
-            </a:solidFill>
-          </a:ln>
-          <a:effectLst/>
-        </p:spPr>
-        <p:style>
-          <a:lnRef idx="1">
-            <a:schemeClr val="accent1"/>
-          </a:lnRef>
-          <a:fillRef idx="3">
-            <a:schemeClr val="accent1"/>
-          </a:fillRef>
-          <a:effectRef idx="2">
-            <a:schemeClr val="accent1"/>
-          </a:effectRef>
-          <a:fontRef idx="minor">
-            <a:schemeClr val="lt1"/>
-          </a:fontRef>
-        </p:style>
-        <p:txBody>
-          <a:bodyPr rtlCol="0" anchor="ctr"/>
-          <a:lstStyle/>
-          <a:p>
-            <a:pPr algn="ctr"/>
-            <a:r>
-              <a:rPr lang="en-US" dirty="0" smtClean="0">
-                <a:solidFill>
-                  <a:srgbClr val="F8F8F8"/>
-                </a:solidFill>
-              </a:rPr>
-              <a:t>gather data</a:t>
-            </a:r>
-            <a:endParaRPr lang="en-US" dirty="0">
-              <a:solidFill>
-                <a:srgbClr val="F8F8F8"/>
-              </a:solidFill>
-            </a:endParaRPr>
-          </a:p>
-        </p:txBody>
-      </p:sp>
       <p:cxnSp>
         <p:nvCxnSpPr>
-          <p:cNvPr id="17" name="Straight Arrow Connector 16"/>
-          <p:cNvCxnSpPr/>
+          <p:cNvPr id="15" name="Straight Arrow Connector 14"/>
+          <p:cNvCxnSpPr>
+            <a:stCxn id="13" idx="2"/>
+          </p:cNvCxnSpPr>
           <p:nvPr/>
         </p:nvCxnSpPr>
         <p:spPr>
-          <a:xfrm flipH="1">
-            <a:off x="2557730" y="4237794"/>
-            <a:ext cx="1218407" cy="0"/>
+          <a:xfrm>
+            <a:off x="4565097" y="3331227"/>
+            <a:ext cx="0" cy="614240"/>
           </a:xfrm>
           <a:prstGeom prst="straightConnector1">
             <a:avLst/>
@@ -9468,13 +8902,13 @@
       </p:cxnSp>
       <p:sp>
         <p:nvSpPr>
-          <p:cNvPr id="14" name="Rectangle 13"/>
+          <p:cNvPr id="13" name="Rectangle 12"/>
           <p:cNvSpPr/>
           <p:nvPr/>
         </p:nvSpPr>
         <p:spPr>
           <a:xfrm>
-            <a:off x="3699937" y="4014227"/>
+            <a:off x="3699937" y="2934560"/>
             <a:ext cx="1730320" cy="396667"/>
           </a:xfrm>
           <a:prstGeom prst="rect">
@@ -9515,7 +8949,7 @@
                   <a:srgbClr val="F8F8F8"/>
                 </a:solidFill>
               </a:rPr>
-              <a:t>request data</a:t>
+              <a:t>interpret input</a:t>
             </a:r>
             <a:endParaRPr lang="en-US" dirty="0">
               <a:solidFill>
@@ -9528,7 +8962,7 @@
     </p:spTree>
     <p:extLst>
       <p:ext uri="{BB962C8B-B14F-4D97-AF65-F5344CB8AC3E}">
-        <p14:creationId xmlns:p14="http://schemas.microsoft.com/office/powerpoint/2010/main" val="200400826"/>
+        <p14:creationId xmlns:p14="http://schemas.microsoft.com/office/powerpoint/2010/main" val="2922615046"/>
       </p:ext>
     </p:extLst>
   </p:cSld>
@@ -10069,6 +9503,65 @@
           </a:p>
         </p:txBody>
       </p:sp>
+      <p:sp>
+        <p:nvSpPr>
+          <p:cNvPr id="16" name="Rectangle 15"/>
+          <p:cNvSpPr/>
+          <p:nvPr/>
+        </p:nvSpPr>
+        <p:spPr>
+          <a:xfrm>
+            <a:off x="702737" y="4014227"/>
+            <a:ext cx="1730320" cy="396667"/>
+          </a:xfrm>
+          <a:prstGeom prst="rect">
+            <a:avLst/>
+          </a:prstGeom>
+          <a:solidFill>
+            <a:schemeClr val="accent5"/>
+          </a:solidFill>
+          <a:ln w="28575" cmpd="sng">
+            <a:solidFill>
+              <a:schemeClr val="accent1"/>
+            </a:solidFill>
+          </a:ln>
+          <a:effectLst/>
+        </p:spPr>
+        <p:style>
+          <a:lnRef idx="1">
+            <a:schemeClr val="accent1"/>
+          </a:lnRef>
+          <a:fillRef idx="3">
+            <a:schemeClr val="accent1"/>
+          </a:fillRef>
+          <a:effectRef idx="2">
+            <a:schemeClr val="accent1"/>
+          </a:effectRef>
+          <a:fontRef idx="minor">
+            <a:schemeClr val="lt1"/>
+          </a:fontRef>
+        </p:style>
+        <p:txBody>
+          <a:bodyPr rtlCol="0" anchor="ctr"/>
+          <a:lstStyle/>
+          <a:p>
+            <a:pPr algn="ctr"/>
+            <a:r>
+              <a:rPr lang="en-US" dirty="0" smtClean="0">
+                <a:solidFill>
+                  <a:srgbClr val="F8F8F8"/>
+                </a:solidFill>
+              </a:rPr>
+              <a:t>gather data</a:t>
+            </a:r>
+            <a:endParaRPr lang="en-US" dirty="0">
+              <a:solidFill>
+                <a:srgbClr val="F8F8F8"/>
+              </a:solidFill>
+            </a:endParaRPr>
+          </a:p>
+        </p:txBody>
+      </p:sp>
       <p:cxnSp>
         <p:nvCxnSpPr>
           <p:cNvPr id="17" name="Straight Arrow Connector 16"/>
@@ -10166,166 +9659,10 @@
           </a:p>
         </p:txBody>
       </p:sp>
-      <p:sp>
-        <p:nvSpPr>
-          <p:cNvPr id="18" name="Rectangle 17"/>
-          <p:cNvSpPr/>
-          <p:nvPr/>
-        </p:nvSpPr>
-        <p:spPr>
-          <a:xfrm>
-            <a:off x="702737" y="5093893"/>
-            <a:ext cx="1730320" cy="396667"/>
-          </a:xfrm>
-          <a:prstGeom prst="rect">
-            <a:avLst/>
-          </a:prstGeom>
-          <a:solidFill>
-            <a:schemeClr val="accent5"/>
-          </a:solidFill>
-          <a:ln w="28575" cmpd="sng">
-            <a:solidFill>
-              <a:schemeClr val="accent1"/>
-            </a:solidFill>
-          </a:ln>
-          <a:effectLst/>
-        </p:spPr>
-        <p:style>
-          <a:lnRef idx="1">
-            <a:schemeClr val="accent1"/>
-          </a:lnRef>
-          <a:fillRef idx="3">
-            <a:schemeClr val="accent1"/>
-          </a:fillRef>
-          <a:effectRef idx="2">
-            <a:schemeClr val="accent1"/>
-          </a:effectRef>
-          <a:fontRef idx="minor">
-            <a:schemeClr val="lt1"/>
-          </a:fontRef>
-        </p:style>
-        <p:txBody>
-          <a:bodyPr rtlCol="0" anchor="ctr"/>
-          <a:lstStyle/>
-          <a:p>
-            <a:pPr algn="ctr"/>
-            <a:r>
-              <a:rPr lang="en-US" dirty="0" smtClean="0">
-                <a:solidFill>
-                  <a:srgbClr val="F8F8F8"/>
-                </a:solidFill>
-              </a:rPr>
-              <a:t>return data</a:t>
-            </a:r>
-            <a:endParaRPr lang="en-US" dirty="0">
-              <a:solidFill>
-                <a:srgbClr val="F8F8F8"/>
-              </a:solidFill>
-            </a:endParaRPr>
-          </a:p>
-        </p:txBody>
-      </p:sp>
-      <p:cxnSp>
-        <p:nvCxnSpPr>
-          <p:cNvPr id="19" name="Straight Arrow Connector 18"/>
-          <p:cNvCxnSpPr/>
-          <p:nvPr/>
-        </p:nvCxnSpPr>
-        <p:spPr>
-          <a:xfrm>
-            <a:off x="1567897" y="4410894"/>
-            <a:ext cx="0" cy="614240"/>
-          </a:xfrm>
-          <a:prstGeom prst="straightConnector1">
-            <a:avLst/>
-          </a:prstGeom>
-          <a:ln w="57150" cmpd="sng">
-            <a:solidFill>
-              <a:schemeClr val="accent2"/>
-            </a:solidFill>
-            <a:headEnd type="none"/>
-            <a:tailEnd type="triangle"/>
-          </a:ln>
-          <a:effectLst/>
-        </p:spPr>
-        <p:style>
-          <a:lnRef idx="2">
-            <a:schemeClr val="accent1"/>
-          </a:lnRef>
-          <a:fillRef idx="0">
-            <a:schemeClr val="accent1"/>
-          </a:fillRef>
-          <a:effectRef idx="1">
-            <a:schemeClr val="accent1"/>
-          </a:effectRef>
-          <a:fontRef idx="minor">
-            <a:schemeClr val="tx1"/>
-          </a:fontRef>
-        </p:style>
-      </p:cxnSp>
-      <p:sp>
-        <p:nvSpPr>
-          <p:cNvPr id="16" name="Rectangle 15"/>
-          <p:cNvSpPr/>
-          <p:nvPr/>
-        </p:nvSpPr>
-        <p:spPr>
-          <a:xfrm>
-            <a:off x="702737" y="4014227"/>
-            <a:ext cx="1730320" cy="396667"/>
-          </a:xfrm>
-          <a:prstGeom prst="rect">
-            <a:avLst/>
-          </a:prstGeom>
-          <a:solidFill>
-            <a:schemeClr val="accent5"/>
-          </a:solidFill>
-          <a:ln w="28575" cmpd="sng">
-            <a:solidFill>
-              <a:schemeClr val="accent1"/>
-            </a:solidFill>
-          </a:ln>
-          <a:effectLst/>
-        </p:spPr>
-        <p:style>
-          <a:lnRef idx="1">
-            <a:schemeClr val="accent1"/>
-          </a:lnRef>
-          <a:fillRef idx="3">
-            <a:schemeClr val="accent1"/>
-          </a:fillRef>
-          <a:effectRef idx="2">
-            <a:schemeClr val="accent1"/>
-          </a:effectRef>
-          <a:fontRef idx="minor">
-            <a:schemeClr val="lt1"/>
-          </a:fontRef>
-        </p:style>
-        <p:txBody>
-          <a:bodyPr rtlCol="0" anchor="ctr"/>
-          <a:lstStyle/>
-          <a:p>
-            <a:pPr algn="ctr"/>
-            <a:r>
-              <a:rPr lang="en-US" dirty="0" smtClean="0">
-                <a:solidFill>
-                  <a:srgbClr val="F8F8F8"/>
-                </a:solidFill>
-              </a:rPr>
-              <a:t>gather data</a:t>
-            </a:r>
-            <a:endParaRPr lang="en-US" dirty="0">
-              <a:solidFill>
-                <a:srgbClr val="F8F8F8"/>
-              </a:solidFill>
-            </a:endParaRPr>
-          </a:p>
-        </p:txBody>
-      </p:sp>
     </p:spTree>
     <p:extLst>
       <p:ext uri="{BB962C8B-B14F-4D97-AF65-F5344CB8AC3E}">
-        <p14:creationId xmlns:p14="http://schemas.microsoft.com/office/powerpoint/2010/main" val="96029311"/>
+        <p14:creationId xmlns:p14="http://schemas.microsoft.com/office/powerpoint/2010/main" val="200400826"/>
       </p:ext>
     </p:extLst>
   </p:cSld>
@@ -10874,6 +10211,803 @@
         </p:nvCxnSpPr>
         <p:spPr>
           <a:xfrm flipH="1">
+            <a:off x="2557730" y="4237794"/>
+            <a:ext cx="1218407" cy="0"/>
+          </a:xfrm>
+          <a:prstGeom prst="straightConnector1">
+            <a:avLst/>
+          </a:prstGeom>
+          <a:ln w="57150" cmpd="sng">
+            <a:solidFill>
+              <a:schemeClr val="accent2"/>
+            </a:solidFill>
+            <a:headEnd type="none"/>
+            <a:tailEnd type="triangle"/>
+          </a:ln>
+          <a:effectLst/>
+        </p:spPr>
+        <p:style>
+          <a:lnRef idx="2">
+            <a:schemeClr val="accent1"/>
+          </a:lnRef>
+          <a:fillRef idx="0">
+            <a:schemeClr val="accent1"/>
+          </a:fillRef>
+          <a:effectRef idx="1">
+            <a:schemeClr val="accent1"/>
+          </a:effectRef>
+          <a:fontRef idx="minor">
+            <a:schemeClr val="tx1"/>
+          </a:fontRef>
+        </p:style>
+      </p:cxnSp>
+      <p:sp>
+        <p:nvSpPr>
+          <p:cNvPr id="14" name="Rectangle 13"/>
+          <p:cNvSpPr/>
+          <p:nvPr/>
+        </p:nvSpPr>
+        <p:spPr>
+          <a:xfrm>
+            <a:off x="3699937" y="4014227"/>
+            <a:ext cx="1730320" cy="396667"/>
+          </a:xfrm>
+          <a:prstGeom prst="rect">
+            <a:avLst/>
+          </a:prstGeom>
+          <a:solidFill>
+            <a:schemeClr val="accent4"/>
+          </a:solidFill>
+          <a:ln w="28575" cmpd="sng">
+            <a:solidFill>
+              <a:schemeClr val="accent1"/>
+            </a:solidFill>
+          </a:ln>
+          <a:effectLst/>
+        </p:spPr>
+        <p:style>
+          <a:lnRef idx="1">
+            <a:schemeClr val="accent1"/>
+          </a:lnRef>
+          <a:fillRef idx="3">
+            <a:schemeClr val="accent1"/>
+          </a:fillRef>
+          <a:effectRef idx="2">
+            <a:schemeClr val="accent1"/>
+          </a:effectRef>
+          <a:fontRef idx="minor">
+            <a:schemeClr val="lt1"/>
+          </a:fontRef>
+        </p:style>
+        <p:txBody>
+          <a:bodyPr rtlCol="0" anchor="ctr"/>
+          <a:lstStyle/>
+          <a:p>
+            <a:pPr algn="ctr"/>
+            <a:r>
+              <a:rPr lang="en-US" dirty="0" smtClean="0">
+                <a:solidFill>
+                  <a:srgbClr val="F8F8F8"/>
+                </a:solidFill>
+              </a:rPr>
+              <a:t>request data</a:t>
+            </a:r>
+            <a:endParaRPr lang="en-US" dirty="0">
+              <a:solidFill>
+                <a:srgbClr val="F8F8F8"/>
+              </a:solidFill>
+            </a:endParaRPr>
+          </a:p>
+        </p:txBody>
+      </p:sp>
+      <p:sp>
+        <p:nvSpPr>
+          <p:cNvPr id="18" name="Rectangle 17"/>
+          <p:cNvSpPr/>
+          <p:nvPr/>
+        </p:nvSpPr>
+        <p:spPr>
+          <a:xfrm>
+            <a:off x="702737" y="5093893"/>
+            <a:ext cx="1730320" cy="396667"/>
+          </a:xfrm>
+          <a:prstGeom prst="rect">
+            <a:avLst/>
+          </a:prstGeom>
+          <a:solidFill>
+            <a:schemeClr val="accent5"/>
+          </a:solidFill>
+          <a:ln w="28575" cmpd="sng">
+            <a:solidFill>
+              <a:schemeClr val="accent1"/>
+            </a:solidFill>
+          </a:ln>
+          <a:effectLst/>
+        </p:spPr>
+        <p:style>
+          <a:lnRef idx="1">
+            <a:schemeClr val="accent1"/>
+          </a:lnRef>
+          <a:fillRef idx="3">
+            <a:schemeClr val="accent1"/>
+          </a:fillRef>
+          <a:effectRef idx="2">
+            <a:schemeClr val="accent1"/>
+          </a:effectRef>
+          <a:fontRef idx="minor">
+            <a:schemeClr val="lt1"/>
+          </a:fontRef>
+        </p:style>
+        <p:txBody>
+          <a:bodyPr rtlCol="0" anchor="ctr"/>
+          <a:lstStyle/>
+          <a:p>
+            <a:pPr algn="ctr"/>
+            <a:r>
+              <a:rPr lang="en-US" dirty="0" smtClean="0">
+                <a:solidFill>
+                  <a:srgbClr val="F8F8F8"/>
+                </a:solidFill>
+              </a:rPr>
+              <a:t>return data</a:t>
+            </a:r>
+            <a:endParaRPr lang="en-US" dirty="0">
+              <a:solidFill>
+                <a:srgbClr val="F8F8F8"/>
+              </a:solidFill>
+            </a:endParaRPr>
+          </a:p>
+        </p:txBody>
+      </p:sp>
+      <p:cxnSp>
+        <p:nvCxnSpPr>
+          <p:cNvPr id="19" name="Straight Arrow Connector 18"/>
+          <p:cNvCxnSpPr/>
+          <p:nvPr/>
+        </p:nvCxnSpPr>
+        <p:spPr>
+          <a:xfrm>
+            <a:off x="1567897" y="4410894"/>
+            <a:ext cx="0" cy="614240"/>
+          </a:xfrm>
+          <a:prstGeom prst="straightConnector1">
+            <a:avLst/>
+          </a:prstGeom>
+          <a:ln w="57150" cmpd="sng">
+            <a:solidFill>
+              <a:schemeClr val="accent2"/>
+            </a:solidFill>
+            <a:headEnd type="none"/>
+            <a:tailEnd type="triangle"/>
+          </a:ln>
+          <a:effectLst/>
+        </p:spPr>
+        <p:style>
+          <a:lnRef idx="2">
+            <a:schemeClr val="accent1"/>
+          </a:lnRef>
+          <a:fillRef idx="0">
+            <a:schemeClr val="accent1"/>
+          </a:fillRef>
+          <a:effectRef idx="1">
+            <a:schemeClr val="accent1"/>
+          </a:effectRef>
+          <a:fontRef idx="minor">
+            <a:schemeClr val="tx1"/>
+          </a:fontRef>
+        </p:style>
+      </p:cxnSp>
+      <p:sp>
+        <p:nvSpPr>
+          <p:cNvPr id="16" name="Rectangle 15"/>
+          <p:cNvSpPr/>
+          <p:nvPr/>
+        </p:nvSpPr>
+        <p:spPr>
+          <a:xfrm>
+            <a:off x="702737" y="4014227"/>
+            <a:ext cx="1730320" cy="396667"/>
+          </a:xfrm>
+          <a:prstGeom prst="rect">
+            <a:avLst/>
+          </a:prstGeom>
+          <a:solidFill>
+            <a:schemeClr val="accent5"/>
+          </a:solidFill>
+          <a:ln w="28575" cmpd="sng">
+            <a:solidFill>
+              <a:schemeClr val="accent1"/>
+            </a:solidFill>
+          </a:ln>
+          <a:effectLst/>
+        </p:spPr>
+        <p:style>
+          <a:lnRef idx="1">
+            <a:schemeClr val="accent1"/>
+          </a:lnRef>
+          <a:fillRef idx="3">
+            <a:schemeClr val="accent1"/>
+          </a:fillRef>
+          <a:effectRef idx="2">
+            <a:schemeClr val="accent1"/>
+          </a:effectRef>
+          <a:fontRef idx="minor">
+            <a:schemeClr val="lt1"/>
+          </a:fontRef>
+        </p:style>
+        <p:txBody>
+          <a:bodyPr rtlCol="0" anchor="ctr"/>
+          <a:lstStyle/>
+          <a:p>
+            <a:pPr algn="ctr"/>
+            <a:r>
+              <a:rPr lang="en-US" dirty="0" smtClean="0">
+                <a:solidFill>
+                  <a:srgbClr val="F8F8F8"/>
+                </a:solidFill>
+              </a:rPr>
+              <a:t>gather data</a:t>
+            </a:r>
+            <a:endParaRPr lang="en-US" dirty="0">
+              <a:solidFill>
+                <a:srgbClr val="F8F8F8"/>
+              </a:solidFill>
+            </a:endParaRPr>
+          </a:p>
+        </p:txBody>
+      </p:sp>
+    </p:spTree>
+    <p:extLst>
+      <p:ext uri="{BB962C8B-B14F-4D97-AF65-F5344CB8AC3E}">
+        <p14:creationId xmlns:p14="http://schemas.microsoft.com/office/powerpoint/2010/main" val="96029311"/>
+      </p:ext>
+    </p:extLst>
+  </p:cSld>
+  <p:clrMapOvr>
+    <a:masterClrMapping/>
+  </p:clrMapOvr>
+  <p:timing>
+    <p:tnLst>
+      <p:par>
+        <p:cTn xmlns:p14="http://schemas.microsoft.com/office/powerpoint/2010/main" id="1" dur="indefinite" restart="never" nodeType="tmRoot"/>
+      </p:par>
+    </p:tnLst>
+  </p:timing>
+</p:sld>
+</file>
+
+<file path=ppt/slides/slide28.xml><?xml version="1.0" encoding="utf-8"?>
+<p:sld xmlns:a="http://schemas.openxmlformats.org/drawingml/2006/main" xmlns:r="http://schemas.openxmlformats.org/officeDocument/2006/relationships" xmlns:p="http://schemas.openxmlformats.org/presentationml/2006/main">
+  <p:cSld>
+    <p:spTree>
+      <p:nvGrpSpPr>
+        <p:cNvPr id="1" name=""/>
+        <p:cNvGrpSpPr/>
+        <p:nvPr/>
+      </p:nvGrpSpPr>
+      <p:grpSpPr>
+        <a:xfrm>
+          <a:off x="0" y="0"/>
+          <a:ext cx="0" cy="0"/>
+          <a:chOff x="0" y="0"/>
+          <a:chExt cx="0" cy="0"/>
+        </a:xfrm>
+      </p:grpSpPr>
+      <p:sp>
+        <p:nvSpPr>
+          <p:cNvPr id="2" name="Title 1"/>
+          <p:cNvSpPr>
+            <a:spLocks noGrp="1"/>
+          </p:cNvSpPr>
+          <p:nvPr>
+            <p:ph type="title"/>
+          </p:nvPr>
+        </p:nvSpPr>
+        <p:spPr/>
+        <p:txBody>
+          <a:bodyPr/>
+          <a:lstStyle/>
+          <a:p>
+            <a:r>
+              <a:rPr lang="en-US" dirty="0" smtClean="0"/>
+              <a:t>Bernie’s Bistro: List</a:t>
+            </a:r>
+            <a:endParaRPr lang="en-US" dirty="0"/>
+          </a:p>
+        </p:txBody>
+      </p:sp>
+      <p:sp>
+        <p:nvSpPr>
+          <p:cNvPr id="3" name="Footer Placeholder 2"/>
+          <p:cNvSpPr>
+            <a:spLocks noGrp="1"/>
+          </p:cNvSpPr>
+          <p:nvPr>
+            <p:ph type="ftr" sz="quarter" idx="3"/>
+          </p:nvPr>
+        </p:nvSpPr>
+        <p:spPr/>
+        <p:txBody>
+          <a:bodyPr/>
+          <a:lstStyle/>
+          <a:p>
+            <a:r>
+              <a:rPr lang="en-US" smtClean="0"/>
+              <a:t>Model – View – Controller: A Design Pattern</a:t>
+            </a:r>
+            <a:endParaRPr lang="en-US" dirty="0"/>
+          </a:p>
+        </p:txBody>
+      </p:sp>
+      <p:sp>
+        <p:nvSpPr>
+          <p:cNvPr id="4" name="Rectangle 3"/>
+          <p:cNvSpPr/>
+          <p:nvPr/>
+        </p:nvSpPr>
+        <p:spPr>
+          <a:xfrm>
+            <a:off x="512064" y="2723877"/>
+            <a:ext cx="2150017" cy="3058909"/>
+          </a:xfrm>
+          <a:prstGeom prst="rect">
+            <a:avLst/>
+          </a:prstGeom>
+          <a:solidFill>
+            <a:srgbClr val="00A9B9"/>
+          </a:solidFill>
+          <a:ln>
+            <a:noFill/>
+          </a:ln>
+          <a:effectLst/>
+        </p:spPr>
+        <p:style>
+          <a:lnRef idx="1">
+            <a:schemeClr val="accent1"/>
+          </a:lnRef>
+          <a:fillRef idx="3">
+            <a:schemeClr val="accent1"/>
+          </a:fillRef>
+          <a:effectRef idx="2">
+            <a:schemeClr val="accent1"/>
+          </a:effectRef>
+          <a:fontRef idx="minor">
+            <a:schemeClr val="lt1"/>
+          </a:fontRef>
+        </p:style>
+        <p:txBody>
+          <a:bodyPr rtlCol="0" anchor="t"/>
+          <a:lstStyle/>
+          <a:p>
+            <a:endParaRPr lang="en-US" sz="2200" dirty="0">
+              <a:solidFill>
+                <a:schemeClr val="accent1"/>
+              </a:solidFill>
+            </a:endParaRPr>
+          </a:p>
+          <a:p>
+            <a:pPr marL="111125"/>
+            <a:endParaRPr lang="en-US" sz="2200" dirty="0" smtClean="0">
+              <a:solidFill>
+                <a:schemeClr val="accent1"/>
+              </a:solidFill>
+            </a:endParaRPr>
+          </a:p>
+        </p:txBody>
+      </p:sp>
+      <p:sp>
+        <p:nvSpPr>
+          <p:cNvPr id="5" name="Rectangle 4"/>
+          <p:cNvSpPr/>
+          <p:nvPr/>
+        </p:nvSpPr>
+        <p:spPr>
+          <a:xfrm>
+            <a:off x="3493911" y="2668662"/>
+            <a:ext cx="2150017" cy="3058909"/>
+          </a:xfrm>
+          <a:prstGeom prst="rect">
+            <a:avLst/>
+          </a:prstGeom>
+          <a:solidFill>
+            <a:srgbClr val="EA4A3C"/>
+          </a:solidFill>
+          <a:ln>
+            <a:noFill/>
+          </a:ln>
+          <a:effectLst/>
+        </p:spPr>
+        <p:style>
+          <a:lnRef idx="1">
+            <a:schemeClr val="accent1"/>
+          </a:lnRef>
+          <a:fillRef idx="3">
+            <a:schemeClr val="accent1"/>
+          </a:fillRef>
+          <a:effectRef idx="2">
+            <a:schemeClr val="accent1"/>
+          </a:effectRef>
+          <a:fontRef idx="minor">
+            <a:schemeClr val="lt1"/>
+          </a:fontRef>
+        </p:style>
+        <p:txBody>
+          <a:bodyPr rtlCol="0" anchor="t"/>
+          <a:lstStyle/>
+          <a:p>
+            <a:pPr marL="111125"/>
+            <a:endParaRPr lang="en-US" sz="2200" dirty="0" smtClean="0">
+              <a:solidFill>
+                <a:srgbClr val="F8F8F8"/>
+              </a:solidFill>
+            </a:endParaRPr>
+          </a:p>
+          <a:p>
+            <a:pPr marL="111125"/>
+            <a:endParaRPr lang="en-US" sz="2200" dirty="0" smtClean="0">
+              <a:solidFill>
+                <a:srgbClr val="F8F8F8"/>
+              </a:solidFill>
+            </a:endParaRPr>
+          </a:p>
+        </p:txBody>
+      </p:sp>
+      <p:sp>
+        <p:nvSpPr>
+          <p:cNvPr id="6" name="Rectangle 5"/>
+          <p:cNvSpPr/>
+          <p:nvPr/>
+        </p:nvSpPr>
+        <p:spPr>
+          <a:xfrm>
+            <a:off x="6536783" y="2723877"/>
+            <a:ext cx="2150017" cy="3058909"/>
+          </a:xfrm>
+          <a:prstGeom prst="rect">
+            <a:avLst/>
+          </a:prstGeom>
+          <a:solidFill>
+            <a:schemeClr val="accent6"/>
+          </a:solidFill>
+          <a:ln>
+            <a:noFill/>
+          </a:ln>
+          <a:effectLst/>
+        </p:spPr>
+        <p:style>
+          <a:lnRef idx="1">
+            <a:schemeClr val="accent1"/>
+          </a:lnRef>
+          <a:fillRef idx="3">
+            <a:schemeClr val="accent1"/>
+          </a:fillRef>
+          <a:effectRef idx="2">
+            <a:schemeClr val="accent1"/>
+          </a:effectRef>
+          <a:fontRef idx="minor">
+            <a:schemeClr val="lt1"/>
+          </a:fontRef>
+        </p:style>
+        <p:txBody>
+          <a:bodyPr rtlCol="0" anchor="t"/>
+          <a:lstStyle/>
+          <a:p>
+            <a:pPr marL="111125"/>
+            <a:endParaRPr lang="en-US" sz="2200" dirty="0" smtClean="0">
+              <a:solidFill>
+                <a:srgbClr val="F8F8F8"/>
+              </a:solidFill>
+            </a:endParaRPr>
+          </a:p>
+          <a:p>
+            <a:pPr marL="111125"/>
+            <a:endParaRPr lang="en-US" sz="2200" dirty="0" smtClean="0">
+              <a:solidFill>
+                <a:srgbClr val="F8F8F8"/>
+              </a:solidFill>
+            </a:endParaRPr>
+          </a:p>
+        </p:txBody>
+      </p:sp>
+      <p:sp>
+        <p:nvSpPr>
+          <p:cNvPr id="8" name="TextBox 7"/>
+          <p:cNvSpPr txBox="1"/>
+          <p:nvPr/>
+        </p:nvSpPr>
+        <p:spPr>
+          <a:xfrm>
+            <a:off x="457200" y="1865376"/>
+            <a:ext cx="2204881" cy="584776"/>
+          </a:xfrm>
+          <a:prstGeom prst="rect">
+            <a:avLst/>
+          </a:prstGeom>
+          <a:noFill/>
+        </p:spPr>
+        <p:txBody>
+          <a:bodyPr wrap="square" rtlCol="0">
+            <a:spAutoFit/>
+          </a:bodyPr>
+          <a:lstStyle/>
+          <a:p>
+            <a:pPr algn="ctr"/>
+            <a:r>
+              <a:rPr lang="en-US" sz="3200" dirty="0" smtClean="0"/>
+              <a:t>Model</a:t>
+            </a:r>
+            <a:endParaRPr lang="en-US" sz="3200" dirty="0"/>
+          </a:p>
+        </p:txBody>
+      </p:sp>
+      <p:sp>
+        <p:nvSpPr>
+          <p:cNvPr id="10" name="TextBox 9"/>
+          <p:cNvSpPr txBox="1"/>
+          <p:nvPr/>
+        </p:nvSpPr>
+        <p:spPr>
+          <a:xfrm>
+            <a:off x="3493911" y="1865376"/>
+            <a:ext cx="2204881" cy="584776"/>
+          </a:xfrm>
+          <a:prstGeom prst="rect">
+            <a:avLst/>
+          </a:prstGeom>
+          <a:noFill/>
+        </p:spPr>
+        <p:txBody>
+          <a:bodyPr wrap="square" rtlCol="0">
+            <a:spAutoFit/>
+          </a:bodyPr>
+          <a:lstStyle/>
+          <a:p>
+            <a:pPr algn="ctr"/>
+            <a:r>
+              <a:rPr lang="en-US" sz="3200" dirty="0" smtClean="0"/>
+              <a:t>Controller</a:t>
+            </a:r>
+            <a:endParaRPr lang="en-US" sz="3200" dirty="0"/>
+          </a:p>
+        </p:txBody>
+      </p:sp>
+      <p:sp>
+        <p:nvSpPr>
+          <p:cNvPr id="11" name="TextBox 10"/>
+          <p:cNvSpPr txBox="1"/>
+          <p:nvPr/>
+        </p:nvSpPr>
+        <p:spPr>
+          <a:xfrm>
+            <a:off x="6536783" y="1865376"/>
+            <a:ext cx="2204881" cy="584776"/>
+          </a:xfrm>
+          <a:prstGeom prst="rect">
+            <a:avLst/>
+          </a:prstGeom>
+          <a:noFill/>
+        </p:spPr>
+        <p:txBody>
+          <a:bodyPr wrap="square" rtlCol="0">
+            <a:spAutoFit/>
+          </a:bodyPr>
+          <a:lstStyle/>
+          <a:p>
+            <a:pPr algn="ctr"/>
+            <a:r>
+              <a:rPr lang="en-US" sz="3200" dirty="0" smtClean="0"/>
+              <a:t>View</a:t>
+            </a:r>
+            <a:endParaRPr lang="en-US" sz="3200" dirty="0"/>
+          </a:p>
+        </p:txBody>
+      </p:sp>
+      <p:cxnSp>
+        <p:nvCxnSpPr>
+          <p:cNvPr id="12" name="Straight Arrow Connector 11"/>
+          <p:cNvCxnSpPr>
+            <a:stCxn id="7" idx="1"/>
+          </p:cNvCxnSpPr>
+          <p:nvPr/>
+        </p:nvCxnSpPr>
+        <p:spPr>
+          <a:xfrm flipH="1">
+            <a:off x="5537200" y="3132894"/>
+            <a:ext cx="1218407" cy="0"/>
+          </a:xfrm>
+          <a:prstGeom prst="straightConnector1">
+            <a:avLst/>
+          </a:prstGeom>
+          <a:ln w="57150" cmpd="sng">
+            <a:solidFill>
+              <a:schemeClr val="accent2"/>
+            </a:solidFill>
+            <a:headEnd type="none"/>
+            <a:tailEnd type="triangle"/>
+          </a:ln>
+          <a:effectLst/>
+        </p:spPr>
+        <p:style>
+          <a:lnRef idx="2">
+            <a:schemeClr val="accent1"/>
+          </a:lnRef>
+          <a:fillRef idx="0">
+            <a:schemeClr val="accent1"/>
+          </a:fillRef>
+          <a:effectRef idx="1">
+            <a:schemeClr val="accent1"/>
+          </a:effectRef>
+          <a:fontRef idx="minor">
+            <a:schemeClr val="tx1"/>
+          </a:fontRef>
+        </p:style>
+      </p:cxnSp>
+      <p:sp>
+        <p:nvSpPr>
+          <p:cNvPr id="7" name="Rectangle 6"/>
+          <p:cNvSpPr/>
+          <p:nvPr/>
+        </p:nvSpPr>
+        <p:spPr>
+          <a:xfrm>
+            <a:off x="6755607" y="2934560"/>
+            <a:ext cx="1730320" cy="396667"/>
+          </a:xfrm>
+          <a:prstGeom prst="rect">
+            <a:avLst/>
+          </a:prstGeom>
+          <a:solidFill>
+            <a:schemeClr val="accent6"/>
+          </a:solidFill>
+          <a:ln w="28575" cmpd="sng">
+            <a:solidFill>
+              <a:schemeClr val="accent1"/>
+            </a:solidFill>
+          </a:ln>
+          <a:effectLst/>
+        </p:spPr>
+        <p:style>
+          <a:lnRef idx="1">
+            <a:schemeClr val="accent1"/>
+          </a:lnRef>
+          <a:fillRef idx="3">
+            <a:schemeClr val="accent1"/>
+          </a:fillRef>
+          <a:effectRef idx="2">
+            <a:schemeClr val="accent1"/>
+          </a:effectRef>
+          <a:fontRef idx="minor">
+            <a:schemeClr val="lt1"/>
+          </a:fontRef>
+        </p:style>
+        <p:txBody>
+          <a:bodyPr rtlCol="0" anchor="ctr"/>
+          <a:lstStyle/>
+          <a:p>
+            <a:pPr algn="ctr"/>
+            <a:r>
+              <a:rPr lang="en-US" dirty="0" smtClean="0">
+                <a:solidFill>
+                  <a:srgbClr val="F8F8F8"/>
+                </a:solidFill>
+              </a:rPr>
+              <a:t>send input</a:t>
+            </a:r>
+            <a:endParaRPr lang="en-US" dirty="0">
+              <a:solidFill>
+                <a:srgbClr val="F8F8F8"/>
+              </a:solidFill>
+            </a:endParaRPr>
+          </a:p>
+        </p:txBody>
+      </p:sp>
+      <p:cxnSp>
+        <p:nvCxnSpPr>
+          <p:cNvPr id="15" name="Straight Arrow Connector 14"/>
+          <p:cNvCxnSpPr>
+            <a:stCxn id="13" idx="2"/>
+          </p:cNvCxnSpPr>
+          <p:nvPr/>
+        </p:nvCxnSpPr>
+        <p:spPr>
+          <a:xfrm>
+            <a:off x="4565097" y="3331227"/>
+            <a:ext cx="0" cy="614240"/>
+          </a:xfrm>
+          <a:prstGeom prst="straightConnector1">
+            <a:avLst/>
+          </a:prstGeom>
+          <a:ln w="57150" cmpd="sng">
+            <a:solidFill>
+              <a:schemeClr val="accent2"/>
+            </a:solidFill>
+            <a:headEnd type="none"/>
+            <a:tailEnd type="triangle"/>
+          </a:ln>
+          <a:effectLst/>
+        </p:spPr>
+        <p:style>
+          <a:lnRef idx="2">
+            <a:schemeClr val="accent1"/>
+          </a:lnRef>
+          <a:fillRef idx="0">
+            <a:schemeClr val="accent1"/>
+          </a:fillRef>
+          <a:effectRef idx="1">
+            <a:schemeClr val="accent1"/>
+          </a:effectRef>
+          <a:fontRef idx="minor">
+            <a:schemeClr val="tx1"/>
+          </a:fontRef>
+        </p:style>
+      </p:cxnSp>
+      <p:sp>
+        <p:nvSpPr>
+          <p:cNvPr id="13" name="Rectangle 12"/>
+          <p:cNvSpPr/>
+          <p:nvPr/>
+        </p:nvSpPr>
+        <p:spPr>
+          <a:xfrm>
+            <a:off x="3699937" y="2934560"/>
+            <a:ext cx="1730320" cy="396667"/>
+          </a:xfrm>
+          <a:prstGeom prst="rect">
+            <a:avLst/>
+          </a:prstGeom>
+          <a:solidFill>
+            <a:schemeClr val="accent4"/>
+          </a:solidFill>
+          <a:ln w="28575" cmpd="sng">
+            <a:solidFill>
+              <a:schemeClr val="accent1"/>
+            </a:solidFill>
+          </a:ln>
+          <a:effectLst/>
+        </p:spPr>
+        <p:style>
+          <a:lnRef idx="1">
+            <a:schemeClr val="accent1"/>
+          </a:lnRef>
+          <a:fillRef idx="3">
+            <a:schemeClr val="accent1"/>
+          </a:fillRef>
+          <a:effectRef idx="2">
+            <a:schemeClr val="accent1"/>
+          </a:effectRef>
+          <a:fontRef idx="minor">
+            <a:schemeClr val="lt1"/>
+          </a:fontRef>
+        </p:style>
+        <p:txBody>
+          <a:bodyPr rtlCol="0" anchor="ctr"/>
+          <a:lstStyle/>
+          <a:p>
+            <a:pPr algn="ctr"/>
+            <a:r>
+              <a:rPr lang="en-US" dirty="0" smtClean="0">
+                <a:solidFill>
+                  <a:srgbClr val="F8F8F8"/>
+                </a:solidFill>
+              </a:rPr>
+              <a:t>interpret input</a:t>
+            </a:r>
+            <a:endParaRPr lang="en-US" dirty="0">
+              <a:solidFill>
+                <a:srgbClr val="F8F8F8"/>
+              </a:solidFill>
+            </a:endParaRPr>
+          </a:p>
+        </p:txBody>
+      </p:sp>
+      <p:cxnSp>
+        <p:nvCxnSpPr>
+          <p:cNvPr id="17" name="Straight Arrow Connector 16"/>
+          <p:cNvCxnSpPr/>
+          <p:nvPr/>
+        </p:nvCxnSpPr>
+        <p:spPr>
+          <a:xfrm flipH="1">
             <a:off x="2545030" y="4237794"/>
             <a:ext cx="1218407" cy="0"/>
           </a:xfrm>
@@ -11236,7 +11370,7 @@
 </p:sld>
 </file>
 
-<file path=ppt/slides/slide28.xml><?xml version="1.0" encoding="utf-8"?>
+<file path=ppt/slides/slide29.xml><?xml version="1.0" encoding="utf-8"?>
 <p:sld xmlns:a="http://schemas.openxmlformats.org/drawingml/2006/main" xmlns:r="http://schemas.openxmlformats.org/officeDocument/2006/relationships" xmlns:p="http://schemas.openxmlformats.org/presentationml/2006/main">
   <p:cSld>
     <p:spTree>
@@ -12749,36 +12883,38 @@
         </p:nvSpPr>
         <p:spPr/>
         <p:txBody>
-          <a:bodyPr/>
-          <a:lstStyle/>
-          <a:p>
-            <a:r>
-              <a:rPr lang="en-US" sz="2500" dirty="0" smtClean="0"/>
+          <a:bodyPr>
+            <a:normAutofit/>
+          </a:bodyPr>
+          <a:lstStyle/>
+          <a:p>
+            <a:r>
+              <a:rPr lang="en-US" sz="3400" dirty="0" smtClean="0"/>
               <a:t>MVC is not much different than th</a:t>
             </a:r>
             <a:r>
-              <a:rPr lang="en-US" sz="2500" dirty="0" smtClean="0"/>
+              <a:rPr lang="en-US" sz="3400" dirty="0" smtClean="0"/>
               <a:t>e code you are already writing. </a:t>
             </a:r>
-            <a:endParaRPr lang="en-US" sz="2500" dirty="0" smtClean="0"/>
-          </a:p>
-          <a:p>
-            <a:r>
-              <a:rPr lang="en-US" sz="2500" dirty="0" smtClean="0"/>
+            <a:endParaRPr lang="en-US" sz="3400" dirty="0" smtClean="0"/>
+          </a:p>
+          <a:p>
+            <a:r>
+              <a:rPr lang="en-US" sz="3400" dirty="0" smtClean="0"/>
               <a:t>These </a:t>
             </a:r>
             <a:r>
-              <a:rPr lang="en-US" sz="2500" dirty="0" smtClean="0"/>
+              <a:rPr lang="en-US" sz="3400" dirty="0" smtClean="0"/>
               <a:t>are all just classes!</a:t>
             </a:r>
           </a:p>
           <a:p>
             <a:r>
-              <a:rPr lang="en-US" sz="2500" smtClean="0"/>
+              <a:rPr lang="en-US" sz="3400" dirty="0" smtClean="0"/>
               <a:t>They’re </a:t>
             </a:r>
             <a:r>
-              <a:rPr lang="en-US" sz="2500" dirty="0" smtClean="0"/>
+              <a:rPr lang="en-US" sz="3400" dirty="0" smtClean="0"/>
               <a:t>just organized in a different way</a:t>
             </a:r>
           </a:p>
@@ -12786,25 +12922,7 @@
             <a:pPr marL="45720" indent="0">
               <a:buNone/>
             </a:pPr>
-            <a:endParaRPr lang="en-US" sz="2500" dirty="0"/>
-          </a:p>
-          <a:p>
-            <a:pPr marL="45720" indent="0">
-              <a:buNone/>
-            </a:pPr>
-            <a:endParaRPr lang="en-US" sz="2500" dirty="0" smtClean="0"/>
-          </a:p>
-          <a:p>
-            <a:pPr marL="45720" indent="0" algn="ctr">
-              <a:buNone/>
-            </a:pPr>
-            <a:r>
-              <a:rPr lang="en-US" sz="2500" dirty="0" smtClean="0"/>
-              <a:t>LET’S TRY IT OUT.</a:t>
-            </a:r>
-          </a:p>
-          <a:p>
-            <a:endParaRPr lang="en-US" dirty="0"/>
+            <a:endParaRPr lang="en-US" sz="3400" dirty="0"/>
           </a:p>
         </p:txBody>
       </p:sp>
@@ -12825,7 +12943,7 @@
           <a:p>
             <a:r>
               <a:rPr lang="en-US" dirty="0" smtClean="0"/>
-              <a:t>GOOD NEWS…</a:t>
+              <a:t>Quick Review	 </a:t>
             </a:r>
             <a:endParaRPr lang="en-US" dirty="0"/>
           </a:p>
@@ -12903,20 +13021,44 @@
         </p:nvSpPr>
         <p:spPr/>
         <p:txBody>
-          <a:bodyPr/>
+          <a:bodyPr>
+            <a:normAutofit/>
+          </a:bodyPr>
           <a:lstStyle/>
           <a:p>
             <a:r>
               <a:rPr lang="en-US" dirty="0" smtClean="0"/>
-              <a:t>What is it?</a:t>
-            </a:r>
-          </a:p>
-          <a:p>
+              <a:t>What is it</a:t>
+            </a:r>
             <a:r>
               <a:rPr lang="en-US" dirty="0" smtClean="0"/>
-              <a:t>What does it look like?</a:t>
-            </a:r>
-            <a:endParaRPr lang="en-US" dirty="0"/>
+              <a:t>?</a:t>
+            </a:r>
+          </a:p>
+          <a:p>
+            <a:r>
+              <a:rPr lang="en-US" dirty="0" smtClean="0"/>
+              <a:t>In short: MVC is a design pattern.</a:t>
+            </a:r>
+          </a:p>
+          <a:p>
+            <a:r>
+              <a:rPr lang="en-US" dirty="0" smtClean="0"/>
+              <a:t>In not so short</a:t>
+            </a:r>
+            <a:r>
+              <a:rPr lang="en-US" dirty="0"/>
+              <a:t>: </a:t>
+            </a:r>
+            <a:r>
+              <a:rPr lang="en-US" sz="2200" dirty="0" smtClean="0"/>
+              <a:t>MVC is </a:t>
+            </a:r>
+            <a:r>
+              <a:rPr lang="en-US" sz="2200" dirty="0"/>
+              <a:t>a software architectural pattern for implementing user interfaces. It divides a given software application into three interconnected parts, so as to separate internal representations of information from the ways that information is presented to or accepted from the user.</a:t>
+            </a:r>
+            <a:endParaRPr lang="en-US" sz="2200" dirty="0" smtClean="0"/>
           </a:p>
         </p:txBody>
       </p:sp>

--- a/1phase/ruby-mvc-single-res/HT-MVC.pptx
+++ b/1phase/ruby-mvc-single-res/HT-MVC.pptx
@@ -704,7 +704,15 @@
           <a:p>
             <a:r>
               <a:rPr lang="en-US" dirty="0" smtClean="0"/>
-              <a:t>Walk through Bernie’s Bistro MVC code.</a:t>
+              <a:t>Walk through </a:t>
+            </a:r>
+            <a:r>
+              <a:rPr lang="en-US" dirty="0" smtClean="0"/>
+              <a:t>TODO's </a:t>
+            </a:r>
+            <a:r>
+              <a:rPr lang="en-US" dirty="0" smtClean="0"/>
+              <a:t>MVC code.</a:t>
             </a:r>
             <a:endParaRPr lang="en-US" dirty="0"/>
           </a:p>
@@ -5370,7 +5378,11 @@
           <a:p>
             <a:r>
               <a:rPr lang="en-US" dirty="0" smtClean="0"/>
-              <a:t>M-V-C Bernie’s Bistro</a:t>
+              <a:t>M-V-C </a:t>
+            </a:r>
+            <a:r>
+              <a:rPr lang="en-US" dirty="0" smtClean="0"/>
+              <a:t>TODO's</a:t>
             </a:r>
             <a:endParaRPr lang="en-US" dirty="0"/>
           </a:p>
@@ -5393,7 +5405,15 @@
           <a:p>
             <a:r>
               <a:rPr lang="en-US" dirty="0" smtClean="0"/>
-              <a:t>How would Bernie’s Bistro look following the M-V-C pattern?</a:t>
+              <a:t>How would </a:t>
+            </a:r>
+            <a:r>
+              <a:rPr lang="en-US" dirty="0" smtClean="0"/>
+              <a:t>TODO's </a:t>
+            </a:r>
+            <a:r>
+              <a:rPr lang="en-US" dirty="0" smtClean="0"/>
+              <a:t>look following the M-V-C pattern?</a:t>
             </a:r>
             <a:endParaRPr lang="en-US" dirty="0"/>
           </a:p>
@@ -5476,8 +5496,13 @@
           <a:p>
             <a:r>
               <a:rPr lang="en-US" dirty="0"/>
-              <a:t>M-V-C Bernie’s Bistro</a:t>
-            </a:r>
+              <a:t>M-V-C </a:t>
+            </a:r>
+            <a:r>
+              <a:rPr lang="en-US" dirty="0" smtClean="0"/>
+              <a:t>TODO's</a:t>
+            </a:r>
+            <a:endParaRPr lang="en-US" dirty="0"/>
           </a:p>
         </p:txBody>
       </p:sp>
@@ -6034,8 +6059,13 @@
           <a:p>
             <a:r>
               <a:rPr lang="en-US" dirty="0"/>
-              <a:t>M-V-C Bernie’s Bistro</a:t>
-            </a:r>
+              <a:t>M-V-C </a:t>
+            </a:r>
+            <a:r>
+              <a:rPr lang="en-US" dirty="0" smtClean="0"/>
+              <a:t>TODO's</a:t>
+            </a:r>
+            <a:endParaRPr lang="en-US" dirty="0"/>
           </a:p>
         </p:txBody>
       </p:sp>
@@ -6494,8 +6524,13 @@
           <a:p>
             <a:r>
               <a:rPr lang="en-US" dirty="0"/>
-              <a:t>M-V-C Bernie’s Bistro</a:t>
-            </a:r>
+              <a:t>M-V-C </a:t>
+            </a:r>
+            <a:r>
+              <a:rPr lang="en-US" dirty="0" smtClean="0"/>
+              <a:t>TODO's</a:t>
+            </a:r>
+            <a:endParaRPr lang="en-US" dirty="0"/>
           </a:p>
         </p:txBody>
       </p:sp>
@@ -6960,8 +6995,13 @@
           <a:p>
             <a:r>
               <a:rPr lang="en-US" dirty="0"/>
-              <a:t>M-V-C Bernie’s Bistro</a:t>
-            </a:r>
+              <a:t>M-V-C </a:t>
+            </a:r>
+            <a:r>
+              <a:rPr lang="en-US" dirty="0" smtClean="0"/>
+              <a:t>TODO's</a:t>
+            </a:r>
+            <a:endParaRPr lang="en-US" dirty="0"/>
           </a:p>
         </p:txBody>
       </p:sp>
@@ -7503,7 +7543,11 @@
           <a:p>
             <a:r>
               <a:rPr lang="en-US" dirty="0" smtClean="0"/>
-              <a:t>Bernie’s Bistro: List</a:t>
+              <a:t>TODO's: </a:t>
+            </a:r>
+            <a:r>
+              <a:rPr lang="en-US" dirty="0" smtClean="0"/>
+              <a:t>List</a:t>
             </a:r>
             <a:endParaRPr lang="en-US" dirty="0"/>
           </a:p>
@@ -7908,7 +7952,11 @@
           <a:p>
             <a:r>
               <a:rPr lang="en-US" dirty="0" smtClean="0"/>
-              <a:t>Bernie’s Bistro: List</a:t>
+              <a:t>TODO's: </a:t>
+            </a:r>
+            <a:r>
+              <a:rPr lang="en-US" dirty="0" smtClean="0"/>
+              <a:t>List</a:t>
             </a:r>
             <a:endParaRPr lang="en-US" dirty="0"/>
           </a:p>
@@ -8410,7 +8458,11 @@
           <a:p>
             <a:r>
               <a:rPr lang="en-US" dirty="0" smtClean="0"/>
-              <a:t>Bernie’s Bistro: List</a:t>
+              <a:t>TODO's: </a:t>
+            </a:r>
+            <a:r>
+              <a:rPr lang="en-US" dirty="0" smtClean="0"/>
+              <a:t>List</a:t>
             </a:r>
             <a:endParaRPr lang="en-US" dirty="0"/>
           </a:p>
@@ -9013,7 +9065,11 @@
           <a:p>
             <a:r>
               <a:rPr lang="en-US" dirty="0" smtClean="0"/>
-              <a:t>Bernie’s Bistro: List</a:t>
+              <a:t>TODO's: </a:t>
+            </a:r>
+            <a:r>
+              <a:rPr lang="en-US" dirty="0" smtClean="0"/>
+              <a:t>List</a:t>
             </a:r>
             <a:endParaRPr lang="en-US" dirty="0"/>
           </a:p>
@@ -9713,7 +9769,11 @@
           <a:p>
             <a:r>
               <a:rPr lang="en-US" dirty="0" smtClean="0"/>
-              <a:t>Bernie’s Bistro: List</a:t>
+              <a:t>TODO's: </a:t>
+            </a:r>
+            <a:r>
+              <a:rPr lang="en-US" dirty="0" smtClean="0"/>
+              <a:t>List</a:t>
             </a:r>
             <a:endParaRPr lang="en-US" dirty="0"/>
           </a:p>
@@ -10510,7 +10570,11 @@
           <a:p>
             <a:r>
               <a:rPr lang="en-US" dirty="0" smtClean="0"/>
-              <a:t>Bernie’s Bistro: List</a:t>
+              <a:t>TODO's: </a:t>
+            </a:r>
+            <a:r>
+              <a:rPr lang="en-US" dirty="0" smtClean="0"/>
+              <a:t>List</a:t>
             </a:r>
             <a:endParaRPr lang="en-US" dirty="0"/>
           </a:p>
@@ -11404,7 +11468,11 @@
           <a:p>
             <a:r>
               <a:rPr lang="en-US" dirty="0" smtClean="0"/>
-              <a:t>Bernie’s Bistro: List</a:t>
+              <a:t>TODO's: </a:t>
+            </a:r>
+            <a:r>
+              <a:rPr lang="en-US" dirty="0" smtClean="0"/>
+              <a:t>List</a:t>
             </a:r>
             <a:endParaRPr lang="en-US" dirty="0"/>
           </a:p>

--- a/1phase/ruby-mvc-single-res/HT-MVC.pptx
+++ b/1phase/ruby-mvc-single-res/HT-MVC.pptx
@@ -5,41 +5,42 @@
     <p:sldMasterId id="2147483660" r:id="rId1"/>
   </p:sldMasterIdLst>
   <p:notesMasterIdLst>
-    <p:notesMasterId r:id="rId31"/>
+    <p:notesMasterId r:id="rId32"/>
   </p:notesMasterIdLst>
   <p:handoutMasterIdLst>
-    <p:handoutMasterId r:id="rId32"/>
+    <p:handoutMasterId r:id="rId33"/>
   </p:handoutMasterIdLst>
   <p:sldIdLst>
     <p:sldId id="256" r:id="rId2"/>
-    <p:sldId id="284" r:id="rId3"/>
-    <p:sldId id="285" r:id="rId4"/>
-    <p:sldId id="286" r:id="rId5"/>
-    <p:sldId id="287" r:id="rId6"/>
-    <p:sldId id="288" r:id="rId7"/>
-    <p:sldId id="257" r:id="rId8"/>
-    <p:sldId id="258" r:id="rId9"/>
-    <p:sldId id="259" r:id="rId10"/>
-    <p:sldId id="289" r:id="rId11"/>
-    <p:sldId id="260" r:id="rId12"/>
-    <p:sldId id="264" r:id="rId13"/>
-    <p:sldId id="261" r:id="rId14"/>
-    <p:sldId id="262" r:id="rId15"/>
-    <p:sldId id="263" r:id="rId16"/>
-    <p:sldId id="265" r:id="rId17"/>
-    <p:sldId id="266" r:id="rId18"/>
-    <p:sldId id="267" r:id="rId19"/>
-    <p:sldId id="279" r:id="rId20"/>
-    <p:sldId id="281" r:id="rId21"/>
-    <p:sldId id="282" r:id="rId22"/>
-    <p:sldId id="280" r:id="rId23"/>
-    <p:sldId id="270" r:id="rId24"/>
-    <p:sldId id="272" r:id="rId25"/>
-    <p:sldId id="273" r:id="rId26"/>
-    <p:sldId id="275" r:id="rId27"/>
-    <p:sldId id="276" r:id="rId28"/>
-    <p:sldId id="277" r:id="rId29"/>
-    <p:sldId id="278" r:id="rId30"/>
+    <p:sldId id="288" r:id="rId3"/>
+    <p:sldId id="290" r:id="rId4"/>
+    <p:sldId id="257" r:id="rId5"/>
+    <p:sldId id="258" r:id="rId6"/>
+    <p:sldId id="284" r:id="rId7"/>
+    <p:sldId id="285" r:id="rId8"/>
+    <p:sldId id="286" r:id="rId9"/>
+    <p:sldId id="287" r:id="rId10"/>
+    <p:sldId id="259" r:id="rId11"/>
+    <p:sldId id="289" r:id="rId12"/>
+    <p:sldId id="260" r:id="rId13"/>
+    <p:sldId id="264" r:id="rId14"/>
+    <p:sldId id="261" r:id="rId15"/>
+    <p:sldId id="262" r:id="rId16"/>
+    <p:sldId id="263" r:id="rId17"/>
+    <p:sldId id="265" r:id="rId18"/>
+    <p:sldId id="266" r:id="rId19"/>
+    <p:sldId id="267" r:id="rId20"/>
+    <p:sldId id="279" r:id="rId21"/>
+    <p:sldId id="281" r:id="rId22"/>
+    <p:sldId id="282" r:id="rId23"/>
+    <p:sldId id="280" r:id="rId24"/>
+    <p:sldId id="270" r:id="rId25"/>
+    <p:sldId id="272" r:id="rId26"/>
+    <p:sldId id="273" r:id="rId27"/>
+    <p:sldId id="275" r:id="rId28"/>
+    <p:sldId id="276" r:id="rId29"/>
+    <p:sldId id="277" r:id="rId30"/>
+    <p:sldId id="278" r:id="rId31"/>
   </p:sldIdLst>
   <p:sldSz cx="9144000" cy="6858000" type="screen4x3"/>
   <p:notesSz cx="6858000" cy="9144000"/>
@@ -735,7 +736,7 @@
           <a:p>
             <a:fld id="{B8E85131-72B0-344C-846D-7A83BD8CA0B2}" type="slidenum">
               <a:rPr lang="en-US" smtClean="0"/>
-              <a:t>18</a:t>
+              <a:t>19</a:t>
             </a:fld>
             <a:endParaRPr lang="en-US"/>
           </a:p>
@@ -2263,6 +2264,123 @@
 <file path=ppt/slides/slide10.xml><?xml version="1.0" encoding="utf-8"?>
 <p:sld xmlns:a="http://schemas.openxmlformats.org/drawingml/2006/main" xmlns:r="http://schemas.openxmlformats.org/officeDocument/2006/relationships" xmlns:p="http://schemas.openxmlformats.org/presentationml/2006/main">
   <p:cSld>
+    <p:spTree>
+      <p:nvGrpSpPr>
+        <p:cNvPr id="1" name=""/>
+        <p:cNvGrpSpPr/>
+        <p:nvPr/>
+      </p:nvGrpSpPr>
+      <p:grpSpPr>
+        <a:xfrm>
+          <a:off x="0" y="0"/>
+          <a:ext cx="0" cy="0"/>
+          <a:chOff x="0" y="0"/>
+          <a:chExt cx="0" cy="0"/>
+        </a:xfrm>
+      </p:grpSpPr>
+      <p:sp>
+        <p:nvSpPr>
+          <p:cNvPr id="2" name="Title 1"/>
+          <p:cNvSpPr>
+            <a:spLocks noGrp="1"/>
+          </p:cNvSpPr>
+          <p:nvPr>
+            <p:ph type="title"/>
+          </p:nvPr>
+        </p:nvSpPr>
+        <p:spPr/>
+        <p:txBody>
+          <a:bodyPr/>
+          <a:lstStyle/>
+          <a:p>
+            <a:r>
+              <a:rPr lang="en-US" dirty="0" smtClean="0"/>
+              <a:t>Recurring Problem for M-V-C</a:t>
+            </a:r>
+            <a:endParaRPr lang="en-US" dirty="0"/>
+          </a:p>
+        </p:txBody>
+      </p:sp>
+      <p:sp>
+        <p:nvSpPr>
+          <p:cNvPr id="3" name="Content Placeholder 2"/>
+          <p:cNvSpPr>
+            <a:spLocks noGrp="1"/>
+          </p:cNvSpPr>
+          <p:nvPr>
+            <p:ph idx="1"/>
+          </p:nvPr>
+        </p:nvSpPr>
+        <p:spPr/>
+        <p:txBody>
+          <a:bodyPr/>
+          <a:lstStyle/>
+          <a:p>
+            <a:r>
+              <a:rPr lang="en-US" dirty="0" smtClean="0"/>
+              <a:t>Data and business logic</a:t>
+            </a:r>
+          </a:p>
+          <a:p>
+            <a:r>
+              <a:rPr lang="en-US" dirty="0" smtClean="0"/>
+              <a:t>User interface</a:t>
+            </a:r>
+          </a:p>
+          <a:p>
+            <a:r>
+              <a:rPr lang="en-US" dirty="0" smtClean="0"/>
+              <a:t>Communication between them</a:t>
+            </a:r>
+          </a:p>
+        </p:txBody>
+      </p:sp>
+      <p:sp>
+        <p:nvSpPr>
+          <p:cNvPr id="4" name="Footer Placeholder 3"/>
+          <p:cNvSpPr>
+            <a:spLocks noGrp="1"/>
+          </p:cNvSpPr>
+          <p:nvPr>
+            <p:ph type="ftr" sz="quarter" idx="3"/>
+          </p:nvPr>
+        </p:nvSpPr>
+        <p:spPr/>
+        <p:txBody>
+          <a:bodyPr/>
+          <a:lstStyle/>
+          <a:p>
+            <a:r>
+              <a:rPr lang="en-US" smtClean="0"/>
+              <a:t>Model – View – Controller: A Design Pattern</a:t>
+            </a:r>
+            <a:endParaRPr lang="en-US" dirty="0"/>
+          </a:p>
+        </p:txBody>
+      </p:sp>
+    </p:spTree>
+    <p:extLst>
+      <p:ext uri="{BB962C8B-B14F-4D97-AF65-F5344CB8AC3E}">
+        <p14:creationId xmlns:p14="http://schemas.microsoft.com/office/powerpoint/2010/main" val="524683195"/>
+      </p:ext>
+    </p:extLst>
+  </p:cSld>
+  <p:clrMapOvr>
+    <a:masterClrMapping/>
+  </p:clrMapOvr>
+  <p:timing>
+    <p:tnLst>
+      <p:par>
+        <p:cTn xmlns:p14="http://schemas.microsoft.com/office/powerpoint/2010/main" id="1" dur="indefinite" restart="never" nodeType="tmRoot"/>
+      </p:par>
+    </p:tnLst>
+  </p:timing>
+</p:sld>
+</file>
+
+<file path=ppt/slides/slide11.xml><?xml version="1.0" encoding="utf-8"?>
+<p:sld xmlns:a="http://schemas.openxmlformats.org/drawingml/2006/main" xmlns:r="http://schemas.openxmlformats.org/officeDocument/2006/relationships" xmlns:p="http://schemas.openxmlformats.org/presentationml/2006/main">
+  <p:cSld>
     <p:bg>
       <p:bgPr>
         <a:pattFill prst="pct70">
@@ -2364,341 +2482,6 @@
     <p:extLst>
       <p:ext uri="{BB962C8B-B14F-4D97-AF65-F5344CB8AC3E}">
         <p14:creationId xmlns:p14="http://schemas.microsoft.com/office/powerpoint/2010/main" val="1107917812"/>
-      </p:ext>
-    </p:extLst>
-  </p:cSld>
-  <p:clrMapOvr>
-    <a:masterClrMapping/>
-  </p:clrMapOvr>
-  <p:timing>
-    <p:tnLst>
-      <p:par>
-        <p:cTn xmlns:p14="http://schemas.microsoft.com/office/powerpoint/2010/main" id="1" dur="indefinite" restart="never" nodeType="tmRoot"/>
-      </p:par>
-    </p:tnLst>
-  </p:timing>
-</p:sld>
-</file>
-
-<file path=ppt/slides/slide11.xml><?xml version="1.0" encoding="utf-8"?>
-<p:sld xmlns:a="http://schemas.openxmlformats.org/drawingml/2006/main" xmlns:r="http://schemas.openxmlformats.org/officeDocument/2006/relationships" xmlns:p="http://schemas.openxmlformats.org/presentationml/2006/main">
-  <p:cSld>
-    <p:spTree>
-      <p:nvGrpSpPr>
-        <p:cNvPr id="1" name=""/>
-        <p:cNvGrpSpPr/>
-        <p:nvPr/>
-      </p:nvGrpSpPr>
-      <p:grpSpPr>
-        <a:xfrm>
-          <a:off x="0" y="0"/>
-          <a:ext cx="0" cy="0"/>
-          <a:chOff x="0" y="0"/>
-          <a:chExt cx="0" cy="0"/>
-        </a:xfrm>
-      </p:grpSpPr>
-      <p:sp>
-        <p:nvSpPr>
-          <p:cNvPr id="2" name="Title 1"/>
-          <p:cNvSpPr>
-            <a:spLocks noGrp="1"/>
-          </p:cNvSpPr>
-          <p:nvPr>
-            <p:ph type="title"/>
-          </p:nvPr>
-        </p:nvSpPr>
-        <p:spPr/>
-        <p:txBody>
-          <a:bodyPr/>
-          <a:lstStyle/>
-          <a:p>
-            <a:r>
-              <a:rPr lang="en-US" dirty="0" smtClean="0"/>
-              <a:t>M-V-C Design Pattern</a:t>
-            </a:r>
-            <a:endParaRPr lang="en-US" dirty="0"/>
-          </a:p>
-        </p:txBody>
-      </p:sp>
-      <p:sp>
-        <p:nvSpPr>
-          <p:cNvPr id="3" name="Footer Placeholder 2"/>
-          <p:cNvSpPr>
-            <a:spLocks noGrp="1"/>
-          </p:cNvSpPr>
-          <p:nvPr>
-            <p:ph type="ftr" sz="quarter" idx="3"/>
-          </p:nvPr>
-        </p:nvSpPr>
-        <p:spPr/>
-        <p:txBody>
-          <a:bodyPr/>
-          <a:lstStyle/>
-          <a:p>
-            <a:r>
-              <a:rPr lang="en-US" smtClean="0"/>
-              <a:t>Model – View – Controller: A Design Pattern</a:t>
-            </a:r>
-            <a:endParaRPr lang="en-US" dirty="0"/>
-          </a:p>
-        </p:txBody>
-      </p:sp>
-      <p:sp>
-        <p:nvSpPr>
-          <p:cNvPr id="4" name="Rectangle 3"/>
-          <p:cNvSpPr/>
-          <p:nvPr/>
-        </p:nvSpPr>
-        <p:spPr>
-          <a:xfrm>
-            <a:off x="512064" y="2723877"/>
-            <a:ext cx="2150017" cy="3058909"/>
-          </a:xfrm>
-          <a:prstGeom prst="rect">
-            <a:avLst/>
-          </a:prstGeom>
-          <a:solidFill>
-            <a:srgbClr val="00A9B9"/>
-          </a:solidFill>
-          <a:ln>
-            <a:noFill/>
-          </a:ln>
-          <a:effectLst/>
-        </p:spPr>
-        <p:style>
-          <a:lnRef idx="1">
-            <a:schemeClr val="accent1"/>
-          </a:lnRef>
-          <a:fillRef idx="3">
-            <a:schemeClr val="accent1"/>
-          </a:fillRef>
-          <a:effectRef idx="2">
-            <a:schemeClr val="accent1"/>
-          </a:effectRef>
-          <a:fontRef idx="minor">
-            <a:schemeClr val="lt1"/>
-          </a:fontRef>
-        </p:style>
-        <p:txBody>
-          <a:bodyPr rtlCol="0" anchor="t"/>
-          <a:lstStyle/>
-          <a:p>
-            <a:r>
-              <a:rPr lang="en-US" sz="2200" dirty="0" smtClean="0">
-                <a:solidFill>
-                  <a:srgbClr val="F8F8F8"/>
-                </a:solidFill>
-              </a:rPr>
-              <a:t>  </a:t>
-            </a:r>
-          </a:p>
-          <a:p>
-            <a:r>
-              <a:rPr lang="en-US" sz="2200" dirty="0">
-                <a:solidFill>
-                  <a:srgbClr val="F8F8F8"/>
-                </a:solidFill>
-              </a:rPr>
-              <a:t> </a:t>
-            </a:r>
-          </a:p>
-        </p:txBody>
-      </p:sp>
-      <p:sp>
-        <p:nvSpPr>
-          <p:cNvPr id="5" name="Rectangle 4"/>
-          <p:cNvSpPr/>
-          <p:nvPr/>
-        </p:nvSpPr>
-        <p:spPr>
-          <a:xfrm>
-            <a:off x="3493911" y="2668662"/>
-            <a:ext cx="2150017" cy="3058909"/>
-          </a:xfrm>
-          <a:prstGeom prst="rect">
-            <a:avLst/>
-          </a:prstGeom>
-          <a:solidFill>
-            <a:srgbClr val="EA4A3C"/>
-          </a:solidFill>
-          <a:ln>
-            <a:noFill/>
-          </a:ln>
-          <a:effectLst/>
-        </p:spPr>
-        <p:style>
-          <a:lnRef idx="1">
-            <a:schemeClr val="accent1"/>
-          </a:lnRef>
-          <a:fillRef idx="3">
-            <a:schemeClr val="accent1"/>
-          </a:fillRef>
-          <a:effectRef idx="2">
-            <a:schemeClr val="accent1"/>
-          </a:effectRef>
-          <a:fontRef idx="minor">
-            <a:schemeClr val="lt1"/>
-          </a:fontRef>
-        </p:style>
-        <p:txBody>
-          <a:bodyPr rtlCol="0" anchor="ctr"/>
-          <a:lstStyle/>
-          <a:p>
-            <a:pPr algn="ctr"/>
-            <a:endParaRPr lang="en-US" sz="2200" dirty="0">
-              <a:solidFill>
-                <a:srgbClr val="F8F8F8"/>
-              </a:solidFill>
-            </a:endParaRPr>
-          </a:p>
-        </p:txBody>
-      </p:sp>
-      <p:sp>
-        <p:nvSpPr>
-          <p:cNvPr id="6" name="Rectangle 5"/>
-          <p:cNvSpPr/>
-          <p:nvPr/>
-        </p:nvSpPr>
-        <p:spPr>
-          <a:xfrm>
-            <a:off x="6536783" y="2723877"/>
-            <a:ext cx="2150017" cy="3058909"/>
-          </a:xfrm>
-          <a:prstGeom prst="rect">
-            <a:avLst/>
-          </a:prstGeom>
-          <a:solidFill>
-            <a:schemeClr val="accent6"/>
-          </a:solidFill>
-          <a:ln>
-            <a:noFill/>
-          </a:ln>
-          <a:effectLst/>
-        </p:spPr>
-        <p:style>
-          <a:lnRef idx="1">
-            <a:schemeClr val="accent1"/>
-          </a:lnRef>
-          <a:fillRef idx="3">
-            <a:schemeClr val="accent1"/>
-          </a:fillRef>
-          <a:effectRef idx="2">
-            <a:schemeClr val="accent1"/>
-          </a:effectRef>
-          <a:fontRef idx="minor">
-            <a:schemeClr val="lt1"/>
-          </a:fontRef>
-        </p:style>
-        <p:txBody>
-          <a:bodyPr rtlCol="0" anchor="ctr"/>
-          <a:lstStyle/>
-          <a:p>
-            <a:pPr algn="ctr"/>
-            <a:endParaRPr lang="en-US" sz="2200">
-              <a:solidFill>
-                <a:srgbClr val="F8F8F8"/>
-              </a:solidFill>
-            </a:endParaRPr>
-          </a:p>
-        </p:txBody>
-      </p:sp>
-      <p:sp>
-        <p:nvSpPr>
-          <p:cNvPr id="8" name="TextBox 7"/>
-          <p:cNvSpPr txBox="1"/>
-          <p:nvPr/>
-        </p:nvSpPr>
-        <p:spPr>
-          <a:xfrm>
-            <a:off x="457200" y="1865376"/>
-            <a:ext cx="2204881" cy="584776"/>
-          </a:xfrm>
-          <a:prstGeom prst="rect">
-            <a:avLst/>
-          </a:prstGeom>
-          <a:noFill/>
-        </p:spPr>
-        <p:txBody>
-          <a:bodyPr wrap="square" rtlCol="0">
-            <a:spAutoFit/>
-          </a:bodyPr>
-          <a:lstStyle/>
-          <a:p>
-            <a:pPr algn="ctr"/>
-            <a:r>
-              <a:rPr lang="en-US" sz="3200" dirty="0" smtClean="0"/>
-              <a:t>Model</a:t>
-            </a:r>
-            <a:endParaRPr lang="en-US" sz="3200" dirty="0"/>
-          </a:p>
-        </p:txBody>
-      </p:sp>
-      <p:sp>
-        <p:nvSpPr>
-          <p:cNvPr id="10" name="TextBox 9"/>
-          <p:cNvSpPr txBox="1"/>
-          <p:nvPr/>
-        </p:nvSpPr>
-        <p:spPr>
-          <a:xfrm>
-            <a:off x="3493911" y="1865376"/>
-            <a:ext cx="2204881" cy="584776"/>
-          </a:xfrm>
-          <a:prstGeom prst="rect">
-            <a:avLst/>
-          </a:prstGeom>
-          <a:noFill/>
-        </p:spPr>
-        <p:txBody>
-          <a:bodyPr wrap="square" rtlCol="0">
-            <a:spAutoFit/>
-          </a:bodyPr>
-          <a:lstStyle/>
-          <a:p>
-            <a:pPr algn="ctr"/>
-            <a:r>
-              <a:rPr lang="en-US" sz="3200" dirty="0" smtClean="0"/>
-              <a:t>Controller</a:t>
-            </a:r>
-            <a:endParaRPr lang="en-US" sz="3200" dirty="0"/>
-          </a:p>
-        </p:txBody>
-      </p:sp>
-      <p:sp>
-        <p:nvSpPr>
-          <p:cNvPr id="11" name="TextBox 10"/>
-          <p:cNvSpPr txBox="1"/>
-          <p:nvPr/>
-        </p:nvSpPr>
-        <p:spPr>
-          <a:xfrm>
-            <a:off x="6536783" y="1865376"/>
-            <a:ext cx="2204881" cy="584776"/>
-          </a:xfrm>
-          <a:prstGeom prst="rect">
-            <a:avLst/>
-          </a:prstGeom>
-          <a:noFill/>
-        </p:spPr>
-        <p:txBody>
-          <a:bodyPr wrap="square" rtlCol="0">
-            <a:spAutoFit/>
-          </a:bodyPr>
-          <a:lstStyle/>
-          <a:p>
-            <a:pPr algn="ctr"/>
-            <a:r>
-              <a:rPr lang="en-US" sz="3200" dirty="0" smtClean="0"/>
-              <a:t>View</a:t>
-            </a:r>
-            <a:endParaRPr lang="en-US" sz="3200" dirty="0"/>
-          </a:p>
-        </p:txBody>
-      </p:sp>
-    </p:spTree>
-    <p:extLst>
-      <p:ext uri="{BB962C8B-B14F-4D97-AF65-F5344CB8AC3E}">
-        <p14:creationId xmlns:p14="http://schemas.microsoft.com/office/powerpoint/2010/main" val="4010566210"/>
       </p:ext>
     </p:extLst>
   </p:cSld>
@@ -2780,6 +2563,67 @@
       </p:sp>
       <p:sp>
         <p:nvSpPr>
+          <p:cNvPr id="4" name="Rectangle 3"/>
+          <p:cNvSpPr/>
+          <p:nvPr/>
+        </p:nvSpPr>
+        <p:spPr>
+          <a:xfrm>
+            <a:off x="512064" y="2723877"/>
+            <a:ext cx="2150017" cy="3058909"/>
+          </a:xfrm>
+          <a:prstGeom prst="rect">
+            <a:avLst/>
+          </a:prstGeom>
+          <a:solidFill>
+            <a:srgbClr val="00A9B9"/>
+          </a:solidFill>
+          <a:ln>
+            <a:noFill/>
+          </a:ln>
+          <a:effectLst/>
+        </p:spPr>
+        <p:style>
+          <a:lnRef idx="1">
+            <a:schemeClr val="accent1"/>
+          </a:lnRef>
+          <a:fillRef idx="3">
+            <a:schemeClr val="accent1"/>
+          </a:fillRef>
+          <a:effectRef idx="2">
+            <a:schemeClr val="accent1"/>
+          </a:effectRef>
+          <a:fontRef idx="minor">
+            <a:schemeClr val="lt1"/>
+          </a:fontRef>
+        </p:style>
+        <p:txBody>
+          <a:bodyPr rtlCol="0" anchor="t"/>
+          <a:lstStyle/>
+          <a:p>
+            <a:r>
+              <a:rPr lang="en-US" sz="2200" dirty="0" smtClean="0">
+                <a:solidFill>
+                  <a:srgbClr val="F8F8F8"/>
+                </a:solidFill>
+              </a:rPr>
+              <a:t>  </a:t>
+            </a:r>
+          </a:p>
+          <a:p>
+            <a:r>
+              <a:rPr lang="en-US" sz="2200" dirty="0">
+                <a:solidFill>
+                  <a:srgbClr val="F8F8F8"/>
+                </a:solidFill>
+              </a:rPr>
+              <a:t> </a:t>
+            </a:r>
+          </a:p>
+        </p:txBody>
+      </p:sp>
+      <p:sp>
+        <p:nvSpPr>
           <p:cNvPr id="5" name="Rectangle 4"/>
           <p:cNvSpPr/>
           <p:nvPr/>
@@ -2819,7 +2663,11 @@
           <a:lstStyle/>
           <a:p>
             <a:pPr algn="ctr"/>
-            <a:endParaRPr lang="en-US" dirty="0"/>
+            <a:endParaRPr lang="en-US" sz="2200" dirty="0">
+              <a:solidFill>
+                <a:srgbClr val="F8F8F8"/>
+              </a:solidFill>
+            </a:endParaRPr>
           </a:p>
         </p:txBody>
       </p:sp>
@@ -2864,7 +2712,11 @@
           <a:lstStyle/>
           <a:p>
             <a:pPr algn="ctr"/>
-            <a:endParaRPr lang="en-US" sz="2200" dirty="0"/>
+            <a:endParaRPr lang="en-US" sz="2200">
+              <a:solidFill>
+                <a:srgbClr val="F8F8F8"/>
+              </a:solidFill>
+            </a:endParaRPr>
           </a:p>
         </p:txBody>
       </p:sp>
@@ -2961,88 +2813,10 @@
           </a:p>
         </p:txBody>
       </p:sp>
-      <p:sp>
-        <p:nvSpPr>
-          <p:cNvPr id="12" name="Rectangle 11"/>
-          <p:cNvSpPr/>
-          <p:nvPr/>
-        </p:nvSpPr>
-        <p:spPr>
-          <a:xfrm>
-            <a:off x="512064" y="2723877"/>
-            <a:ext cx="2150017" cy="3058909"/>
-          </a:xfrm>
-          <a:prstGeom prst="rect">
-            <a:avLst/>
-          </a:prstGeom>
-          <a:solidFill>
-            <a:srgbClr val="00A9B9"/>
-          </a:solidFill>
-          <a:ln>
-            <a:noFill/>
-          </a:ln>
-          <a:effectLst/>
-        </p:spPr>
-        <p:style>
-          <a:lnRef idx="1">
-            <a:schemeClr val="accent1"/>
-          </a:lnRef>
-          <a:fillRef idx="3">
-            <a:schemeClr val="accent1"/>
-          </a:fillRef>
-          <a:effectRef idx="2">
-            <a:schemeClr val="accent1"/>
-          </a:effectRef>
-          <a:fontRef idx="minor">
-            <a:schemeClr val="lt1"/>
-          </a:fontRef>
-        </p:style>
-        <p:txBody>
-          <a:bodyPr rtlCol="0" anchor="t"/>
-          <a:lstStyle/>
-          <a:p>
-            <a:r>
-              <a:rPr lang="en-US" sz="2200" dirty="0" smtClean="0">
-                <a:solidFill>
-                  <a:schemeClr val="accent1"/>
-                </a:solidFill>
-              </a:rPr>
-              <a:t> </a:t>
-            </a:r>
-            <a:endParaRPr lang="en-US" sz="2200" dirty="0">
-              <a:solidFill>
-                <a:schemeClr val="accent1"/>
-              </a:solidFill>
-            </a:endParaRPr>
-          </a:p>
-          <a:p>
-            <a:pPr marL="111125"/>
-            <a:r>
-              <a:rPr lang="en-US" sz="2200" dirty="0" smtClean="0">
-                <a:solidFill>
-                  <a:schemeClr val="accent1"/>
-                </a:solidFill>
-              </a:rPr>
-              <a:t>Data &amp;</a:t>
-            </a:r>
-          </a:p>
-          <a:p>
-            <a:pPr marL="111125"/>
-            <a:r>
-              <a:rPr lang="en-US" sz="2200" dirty="0" smtClean="0">
-                <a:solidFill>
-                  <a:schemeClr val="accent1"/>
-                </a:solidFill>
-              </a:rPr>
-              <a:t>Business logic</a:t>
-            </a:r>
-          </a:p>
-        </p:txBody>
-      </p:sp>
     </p:spTree>
     <p:extLst>
       <p:ext uri="{BB962C8B-B14F-4D97-AF65-F5344CB8AC3E}">
-        <p14:creationId xmlns:p14="http://schemas.microsoft.com/office/powerpoint/2010/main" val="2582257191"/>
+        <p14:creationId xmlns:p14="http://schemas.microsoft.com/office/powerpoint/2010/main" val="4010566210"/>
       </p:ext>
     </p:extLst>
   </p:cSld>
@@ -3381,62 +3155,12 @@
               <a:t>Business logic</a:t>
             </a:r>
           </a:p>
-          <a:p>
-            <a:pPr marL="111125"/>
-            <a:endParaRPr lang="en-US" sz="2200" dirty="0">
-              <a:solidFill>
-                <a:schemeClr val="accent1"/>
-              </a:solidFill>
-            </a:endParaRPr>
-          </a:p>
-          <a:p>
-            <a:pPr marL="342900" indent="-231775" defTabSz="349250">
-              <a:buFont typeface="Arial"/>
-              <a:buChar char="•"/>
-            </a:pPr>
-            <a:r>
-              <a:rPr lang="en-US" sz="2200" dirty="0" smtClean="0">
-                <a:solidFill>
-                  <a:schemeClr val="accent1"/>
-                </a:solidFill>
-              </a:rPr>
-              <a:t>classes</a:t>
-            </a:r>
-          </a:p>
-          <a:p>
-            <a:pPr marL="342900" indent="-231775" defTabSz="349250">
-              <a:buFont typeface="Arial"/>
-              <a:buChar char="•"/>
-            </a:pPr>
-            <a:r>
-              <a:rPr lang="en-US" sz="2200" dirty="0" smtClean="0">
-                <a:solidFill>
-                  <a:schemeClr val="accent1"/>
-                </a:solidFill>
-              </a:rPr>
-              <a:t>modules</a:t>
-            </a:r>
-          </a:p>
-          <a:p>
-            <a:pPr marL="342900" indent="-231775" defTabSz="349250">
-              <a:buFont typeface="Arial"/>
-              <a:buChar char="•"/>
-            </a:pPr>
-            <a:r>
-              <a:rPr lang="en-US" sz="2200" dirty="0" smtClean="0">
-                <a:solidFill>
-                  <a:schemeClr val="accent1"/>
-                </a:solidFill>
-              </a:rPr>
-              <a:t>databases</a:t>
-            </a:r>
-          </a:p>
         </p:txBody>
       </p:sp>
     </p:spTree>
     <p:extLst>
       <p:ext uri="{BB962C8B-B14F-4D97-AF65-F5344CB8AC3E}">
-        <p14:creationId xmlns:p14="http://schemas.microsoft.com/office/powerpoint/2010/main" val="1826671997"/>
+        <p14:creationId xmlns:p14="http://schemas.microsoft.com/office/powerpoint/2010/main" val="2582257191"/>
       </p:ext>
     </p:extLst>
   </p:cSld>
@@ -3553,14 +3277,11 @@
           </a:fontRef>
         </p:style>
         <p:txBody>
-          <a:bodyPr rtlCol="0" anchor="t"/>
-          <a:lstStyle/>
-          <a:p>
-            <a:endParaRPr lang="en-US" sz="2200" dirty="0">
-              <a:solidFill>
-                <a:srgbClr val="F8F8F8"/>
-              </a:solidFill>
-            </a:endParaRPr>
+          <a:bodyPr rtlCol="0" anchor="ctr"/>
+          <a:lstStyle/>
+          <a:p>
+            <a:pPr algn="ctr"/>
+            <a:endParaRPr lang="en-US" dirty="0"/>
           </a:p>
         </p:txBody>
       </p:sp>
@@ -3601,40 +3322,11 @@
           </a:fontRef>
         </p:style>
         <p:txBody>
-          <a:bodyPr rtlCol="0" anchor="t"/>
-          <a:lstStyle/>
-          <a:p>
-            <a:r>
-              <a:rPr lang="en-US" sz="2200" dirty="0" smtClean="0">
-                <a:solidFill>
-                  <a:srgbClr val="F8F8F8"/>
-                </a:solidFill>
-              </a:rPr>
-              <a:t>  </a:t>
-            </a:r>
-          </a:p>
-          <a:p>
-            <a:r>
-              <a:rPr lang="en-US" sz="2200" dirty="0">
-                <a:solidFill>
-                  <a:srgbClr val="F8F8F8"/>
-                </a:solidFill>
-              </a:rPr>
-              <a:t> </a:t>
-            </a:r>
-            <a:r>
-              <a:rPr lang="en-US" sz="2200" dirty="0" smtClean="0">
-                <a:solidFill>
-                  <a:srgbClr val="F8F8F8"/>
-                </a:solidFill>
-              </a:rPr>
-              <a:t> User interface</a:t>
-            </a:r>
-            <a:endParaRPr lang="en-US" sz="2200" dirty="0">
-              <a:solidFill>
-                <a:srgbClr val="F8F8F8"/>
-              </a:solidFill>
-            </a:endParaRPr>
+          <a:bodyPr rtlCol="0" anchor="ctr"/>
+          <a:lstStyle/>
+          <a:p>
+            <a:pPr algn="ctr"/>
+            <a:endParaRPr lang="en-US" sz="2200" dirty="0"/>
           </a:p>
         </p:txBody>
       </p:sp>
@@ -3733,7 +3425,7 @@
       </p:sp>
       <p:sp>
         <p:nvSpPr>
-          <p:cNvPr id="14" name="Rectangle 13"/>
+          <p:cNvPr id="12" name="Rectangle 11"/>
           <p:cNvSpPr/>
           <p:nvPr/>
         </p:nvSpPr>
@@ -3862,7 +3554,7 @@
     </p:spTree>
     <p:extLst>
       <p:ext uri="{BB962C8B-B14F-4D97-AF65-F5344CB8AC3E}">
-        <p14:creationId xmlns:p14="http://schemas.microsoft.com/office/powerpoint/2010/main" val="410750837"/>
+        <p14:creationId xmlns:p14="http://schemas.microsoft.com/office/powerpoint/2010/main" val="1826671997"/>
       </p:ext>
     </p:extLst>
   </p:cSld>
@@ -3982,7 +3674,7 @@
           <a:bodyPr rtlCol="0" anchor="t"/>
           <a:lstStyle/>
           <a:p>
-            <a:endParaRPr lang="en-US" sz="2200" dirty="0" smtClean="0">
+            <a:endParaRPr lang="en-US" sz="2200" dirty="0">
               <a:solidFill>
                 <a:srgbClr val="F8F8F8"/>
               </a:solidFill>
@@ -4030,73 +3722,38 @@
           <a:bodyPr rtlCol="0" anchor="t"/>
           <a:lstStyle/>
           <a:p>
-            <a:pPr marL="111125"/>
-            <a:endParaRPr lang="en-US" sz="2200" dirty="0" smtClean="0">
-              <a:solidFill>
-                <a:srgbClr val="F8F8F8"/>
-              </a:solidFill>
-            </a:endParaRPr>
-          </a:p>
-          <a:p>
-            <a:pPr marL="111125"/>
             <a:r>
               <a:rPr lang="en-US" sz="2200" dirty="0" smtClean="0">
                 <a:solidFill>
                   <a:srgbClr val="F8F8F8"/>
                 </a:solidFill>
               </a:rPr>
-              <a:t>User interface</a:t>
-            </a:r>
-          </a:p>
-          <a:p>
-            <a:pPr marL="111125"/>
+              <a:t>  </a:t>
+            </a:r>
+          </a:p>
+          <a:p>
+            <a:r>
+              <a:rPr lang="en-US" sz="2200" dirty="0">
+                <a:solidFill>
+                  <a:srgbClr val="F8F8F8"/>
+                </a:solidFill>
+              </a:rPr>
+              <a:t> </a:t>
+            </a:r>
+            <a:r>
+              <a:rPr lang="en-US" sz="2200" dirty="0" smtClean="0">
+                <a:solidFill>
+                  <a:srgbClr val="F8F8F8"/>
+                </a:solidFill>
+              </a:rPr>
+              <a:t> User interface</a:t>
+            </a:r>
             <a:endParaRPr lang="en-US" sz="2200" dirty="0">
               <a:solidFill>
                 <a:srgbClr val="F8F8F8"/>
               </a:solidFill>
             </a:endParaRPr>
           </a:p>
-          <a:p>
-            <a:pPr marL="111125"/>
-            <a:endParaRPr lang="en-US" sz="2200" dirty="0" smtClean="0">
-              <a:solidFill>
-                <a:srgbClr val="F8F8F8"/>
-              </a:solidFill>
-            </a:endParaRPr>
-          </a:p>
-          <a:p>
-            <a:pPr marL="454025" indent="-342900">
-              <a:buFont typeface="Arial"/>
-              <a:buChar char="•"/>
-            </a:pPr>
-            <a:r>
-              <a:rPr lang="en-US" sz="2200" dirty="0" smtClean="0">
-                <a:solidFill>
-                  <a:srgbClr val="F8F8F8"/>
-                </a:solidFill>
-              </a:rPr>
-              <a:t>get input</a:t>
-            </a:r>
-          </a:p>
-          <a:p>
-            <a:pPr marL="454025" indent="-342900">
-              <a:buFont typeface="Arial"/>
-              <a:buChar char="•"/>
-            </a:pPr>
-            <a:r>
-              <a:rPr lang="en-US" sz="2200" dirty="0" smtClean="0">
-                <a:solidFill>
-                  <a:srgbClr val="F8F8F8"/>
-                </a:solidFill>
-              </a:rPr>
-              <a:t>display data from model</a:t>
-            </a:r>
-            <a:endParaRPr lang="en-US" sz="2200" dirty="0">
-              <a:solidFill>
-                <a:srgbClr val="F8F8F8"/>
-              </a:solidFill>
-            </a:endParaRPr>
-          </a:p>
         </p:txBody>
       </p:sp>
       <p:sp>
@@ -4194,7 +3851,7 @@
       </p:sp>
       <p:sp>
         <p:nvSpPr>
-          <p:cNvPr id="12" name="Rectangle 11"/>
+          <p:cNvPr id="14" name="Rectangle 13"/>
           <p:cNvSpPr/>
           <p:nvPr/>
         </p:nvSpPr>
@@ -4323,7 +3980,7 @@
     </p:spTree>
     <p:extLst>
       <p:ext uri="{BB962C8B-B14F-4D97-AF65-F5344CB8AC3E}">
-        <p14:creationId xmlns:p14="http://schemas.microsoft.com/office/powerpoint/2010/main" val="507295854"/>
+        <p14:creationId xmlns:p14="http://schemas.microsoft.com/office/powerpoint/2010/main" val="410750837"/>
       </p:ext>
     </p:extLst>
   </p:cSld>
@@ -4443,23 +4100,11 @@
           <a:bodyPr rtlCol="0" anchor="t"/>
           <a:lstStyle/>
           <a:p>
-            <a:pPr marL="111125"/>
             <a:endParaRPr lang="en-US" sz="2200" dirty="0" smtClean="0">
               <a:solidFill>
                 <a:srgbClr val="F8F8F8"/>
               </a:solidFill>
             </a:endParaRPr>
-          </a:p>
-          <a:p>
-            <a:pPr marL="111125"/>
-            <a:r>
-              <a:rPr lang="en-US" sz="2200" dirty="0" smtClean="0">
-                <a:solidFill>
-                  <a:srgbClr val="F8F8F8"/>
-                </a:solidFill>
-              </a:rPr>
-              <a:t>Communicate</a:t>
-            </a:r>
           </a:p>
         </p:txBody>
       </p:sp>
@@ -4796,7 +4441,7 @@
     </p:spTree>
     <p:extLst>
       <p:ext uri="{BB962C8B-B14F-4D97-AF65-F5344CB8AC3E}">
-        <p14:creationId xmlns:p14="http://schemas.microsoft.com/office/powerpoint/2010/main" val="1876545635"/>
+        <p14:creationId xmlns:p14="http://schemas.microsoft.com/office/powerpoint/2010/main" val="507295854"/>
       </p:ext>
     </p:extLst>
   </p:cSld>
@@ -4934,64 +4579,6 @@
               <a:t>Communicate</a:t>
             </a:r>
           </a:p>
-          <a:p>
-            <a:pPr marL="111125"/>
-            <a:endParaRPr lang="en-US" sz="2200" dirty="0" smtClean="0">
-              <a:solidFill>
-                <a:srgbClr val="F8F8F8"/>
-              </a:solidFill>
-            </a:endParaRPr>
-          </a:p>
-          <a:p>
-            <a:pPr marL="111125"/>
-            <a:endParaRPr lang="en-US" sz="2200" dirty="0">
-              <a:solidFill>
-                <a:srgbClr val="F8F8F8"/>
-              </a:solidFill>
-            </a:endParaRPr>
-          </a:p>
-          <a:p>
-            <a:pPr marL="295275" indent="-184150" defTabSz="349250">
-              <a:buFont typeface="Arial"/>
-              <a:buChar char="•"/>
-            </a:pPr>
-            <a:r>
-              <a:rPr lang="en-US" sz="2200" dirty="0" smtClean="0">
-                <a:solidFill>
-                  <a:srgbClr val="F8F8F8"/>
-                </a:solidFill>
-              </a:rPr>
-              <a:t>handle input</a:t>
-            </a:r>
-          </a:p>
-          <a:p>
-            <a:pPr marL="295275" indent="-184150">
-              <a:buFont typeface="Arial"/>
-              <a:buChar char="•"/>
-            </a:pPr>
-            <a:r>
-              <a:rPr lang="en-US" sz="2200" dirty="0" smtClean="0">
-                <a:solidFill>
-                  <a:srgbClr val="F8F8F8"/>
-                </a:solidFill>
-              </a:rPr>
-              <a:t>update model</a:t>
-            </a:r>
-          </a:p>
-          <a:p>
-            <a:pPr marL="295275" indent="-184150">
-              <a:buFont typeface="Arial"/>
-              <a:buChar char="•"/>
-            </a:pPr>
-            <a:r>
-              <a:rPr lang="en-US" sz="2200" dirty="0" smtClean="0">
-                <a:solidFill>
-                  <a:srgbClr val="F8F8F8"/>
-                </a:solidFill>
-              </a:rPr>
-              <a:t>send data to view</a:t>
-            </a:r>
-          </a:p>
         </p:txBody>
       </p:sp>
       <p:sp>
@@ -5327,7 +4914,7 @@
     </p:spTree>
     <p:extLst>
       <p:ext uri="{BB962C8B-B14F-4D97-AF65-F5344CB8AC3E}">
-        <p14:creationId xmlns:p14="http://schemas.microsoft.com/office/powerpoint/2010/main" val="1909170375"/>
+        <p14:creationId xmlns:p14="http://schemas.microsoft.com/office/powerpoint/2010/main" val="1876545635"/>
       </p:ext>
     </p:extLst>
   </p:cSld>
@@ -5378,42 +4965,7 @@
           <a:p>
             <a:r>
               <a:rPr lang="en-US" dirty="0" smtClean="0"/>
-              <a:t>M-V-C </a:t>
-            </a:r>
-            <a:r>
-              <a:rPr lang="en-US" dirty="0" smtClean="0"/>
-              <a:t>TODO's</a:t>
-            </a:r>
-            <a:endParaRPr lang="en-US" dirty="0"/>
-          </a:p>
-        </p:txBody>
-      </p:sp>
-      <p:sp>
-        <p:nvSpPr>
-          <p:cNvPr id="4" name="Content Placeholder 3"/>
-          <p:cNvSpPr>
-            <a:spLocks noGrp="1"/>
-          </p:cNvSpPr>
-          <p:nvPr>
-            <p:ph idx="1"/>
-          </p:nvPr>
-        </p:nvSpPr>
-        <p:spPr/>
-        <p:txBody>
-          <a:bodyPr/>
-          <a:lstStyle/>
-          <a:p>
-            <a:r>
-              <a:rPr lang="en-US" dirty="0" smtClean="0"/>
-              <a:t>How would </a:t>
-            </a:r>
-            <a:r>
-              <a:rPr lang="en-US" dirty="0" smtClean="0"/>
-              <a:t>TODO's </a:t>
-            </a:r>
-            <a:r>
-              <a:rPr lang="en-US" dirty="0" smtClean="0"/>
-              <a:t>look following the M-V-C pattern?</a:t>
+              <a:t>M-V-C Design Pattern</a:t>
             </a:r>
             <a:endParaRPr lang="en-US" dirty="0"/>
           </a:p>
@@ -5442,10 +4994,458 @@
           </a:p>
         </p:txBody>
       </p:sp>
+      <p:sp>
+        <p:nvSpPr>
+          <p:cNvPr id="5" name="Rectangle 4"/>
+          <p:cNvSpPr/>
+          <p:nvPr/>
+        </p:nvSpPr>
+        <p:spPr>
+          <a:xfrm>
+            <a:off x="3493911" y="2668662"/>
+            <a:ext cx="2150017" cy="3058909"/>
+          </a:xfrm>
+          <a:prstGeom prst="rect">
+            <a:avLst/>
+          </a:prstGeom>
+          <a:solidFill>
+            <a:srgbClr val="EA4A3C"/>
+          </a:solidFill>
+          <a:ln>
+            <a:noFill/>
+          </a:ln>
+          <a:effectLst/>
+        </p:spPr>
+        <p:style>
+          <a:lnRef idx="1">
+            <a:schemeClr val="accent1"/>
+          </a:lnRef>
+          <a:fillRef idx="3">
+            <a:schemeClr val="accent1"/>
+          </a:fillRef>
+          <a:effectRef idx="2">
+            <a:schemeClr val="accent1"/>
+          </a:effectRef>
+          <a:fontRef idx="minor">
+            <a:schemeClr val="lt1"/>
+          </a:fontRef>
+        </p:style>
+        <p:txBody>
+          <a:bodyPr rtlCol="0" anchor="t"/>
+          <a:lstStyle/>
+          <a:p>
+            <a:pPr marL="111125"/>
+            <a:endParaRPr lang="en-US" sz="2200" dirty="0" smtClean="0">
+              <a:solidFill>
+                <a:srgbClr val="F8F8F8"/>
+              </a:solidFill>
+            </a:endParaRPr>
+          </a:p>
+          <a:p>
+            <a:pPr marL="111125"/>
+            <a:r>
+              <a:rPr lang="en-US" sz="2200" dirty="0" smtClean="0">
+                <a:solidFill>
+                  <a:srgbClr val="F8F8F8"/>
+                </a:solidFill>
+              </a:rPr>
+              <a:t>Communicate</a:t>
+            </a:r>
+          </a:p>
+          <a:p>
+            <a:pPr marL="111125"/>
+            <a:endParaRPr lang="en-US" sz="2200" dirty="0" smtClean="0">
+              <a:solidFill>
+                <a:srgbClr val="F8F8F8"/>
+              </a:solidFill>
+            </a:endParaRPr>
+          </a:p>
+          <a:p>
+            <a:pPr marL="111125"/>
+            <a:endParaRPr lang="en-US" sz="2200" dirty="0">
+              <a:solidFill>
+                <a:srgbClr val="F8F8F8"/>
+              </a:solidFill>
+            </a:endParaRPr>
+          </a:p>
+          <a:p>
+            <a:pPr marL="295275" indent="-184150" defTabSz="349250">
+              <a:buFont typeface="Arial"/>
+              <a:buChar char="•"/>
+            </a:pPr>
+            <a:r>
+              <a:rPr lang="en-US" sz="2200" dirty="0" smtClean="0">
+                <a:solidFill>
+                  <a:srgbClr val="F8F8F8"/>
+                </a:solidFill>
+              </a:rPr>
+              <a:t>handle input</a:t>
+            </a:r>
+          </a:p>
+          <a:p>
+            <a:pPr marL="295275" indent="-184150">
+              <a:buFont typeface="Arial"/>
+              <a:buChar char="•"/>
+            </a:pPr>
+            <a:r>
+              <a:rPr lang="en-US" sz="2200" dirty="0" smtClean="0">
+                <a:solidFill>
+                  <a:srgbClr val="F8F8F8"/>
+                </a:solidFill>
+              </a:rPr>
+              <a:t>update model</a:t>
+            </a:r>
+          </a:p>
+          <a:p>
+            <a:pPr marL="295275" indent="-184150">
+              <a:buFont typeface="Arial"/>
+              <a:buChar char="•"/>
+            </a:pPr>
+            <a:r>
+              <a:rPr lang="en-US" sz="2200" dirty="0" smtClean="0">
+                <a:solidFill>
+                  <a:srgbClr val="F8F8F8"/>
+                </a:solidFill>
+              </a:rPr>
+              <a:t>send data to view</a:t>
+            </a:r>
+          </a:p>
+        </p:txBody>
+      </p:sp>
+      <p:sp>
+        <p:nvSpPr>
+          <p:cNvPr id="6" name="Rectangle 5"/>
+          <p:cNvSpPr/>
+          <p:nvPr/>
+        </p:nvSpPr>
+        <p:spPr>
+          <a:xfrm>
+            <a:off x="6536783" y="2723877"/>
+            <a:ext cx="2150017" cy="3058909"/>
+          </a:xfrm>
+          <a:prstGeom prst="rect">
+            <a:avLst/>
+          </a:prstGeom>
+          <a:solidFill>
+            <a:schemeClr val="accent6"/>
+          </a:solidFill>
+          <a:ln>
+            <a:noFill/>
+          </a:ln>
+          <a:effectLst/>
+        </p:spPr>
+        <p:style>
+          <a:lnRef idx="1">
+            <a:schemeClr val="accent1"/>
+          </a:lnRef>
+          <a:fillRef idx="3">
+            <a:schemeClr val="accent1"/>
+          </a:fillRef>
+          <a:effectRef idx="2">
+            <a:schemeClr val="accent1"/>
+          </a:effectRef>
+          <a:fontRef idx="minor">
+            <a:schemeClr val="lt1"/>
+          </a:fontRef>
+        </p:style>
+        <p:txBody>
+          <a:bodyPr rtlCol="0" anchor="t"/>
+          <a:lstStyle/>
+          <a:p>
+            <a:pPr marL="111125"/>
+            <a:endParaRPr lang="en-US" sz="2200" dirty="0" smtClean="0">
+              <a:solidFill>
+                <a:srgbClr val="F8F8F8"/>
+              </a:solidFill>
+            </a:endParaRPr>
+          </a:p>
+          <a:p>
+            <a:pPr marL="111125"/>
+            <a:r>
+              <a:rPr lang="en-US" sz="2200" dirty="0" smtClean="0">
+                <a:solidFill>
+                  <a:srgbClr val="F8F8F8"/>
+                </a:solidFill>
+              </a:rPr>
+              <a:t>User interface</a:t>
+            </a:r>
+          </a:p>
+          <a:p>
+            <a:pPr marL="111125"/>
+            <a:endParaRPr lang="en-US" sz="2200" dirty="0">
+              <a:solidFill>
+                <a:srgbClr val="F8F8F8"/>
+              </a:solidFill>
+            </a:endParaRPr>
+          </a:p>
+          <a:p>
+            <a:pPr marL="111125"/>
+            <a:endParaRPr lang="en-US" sz="2200" dirty="0" smtClean="0">
+              <a:solidFill>
+                <a:srgbClr val="F8F8F8"/>
+              </a:solidFill>
+            </a:endParaRPr>
+          </a:p>
+          <a:p>
+            <a:pPr marL="454025" indent="-342900">
+              <a:buFont typeface="Arial"/>
+              <a:buChar char="•"/>
+            </a:pPr>
+            <a:r>
+              <a:rPr lang="en-US" sz="2200" dirty="0" smtClean="0">
+                <a:solidFill>
+                  <a:srgbClr val="F8F8F8"/>
+                </a:solidFill>
+              </a:rPr>
+              <a:t>get input</a:t>
+            </a:r>
+          </a:p>
+          <a:p>
+            <a:pPr marL="454025" indent="-342900">
+              <a:buFont typeface="Arial"/>
+              <a:buChar char="•"/>
+            </a:pPr>
+            <a:r>
+              <a:rPr lang="en-US" sz="2200" dirty="0" smtClean="0">
+                <a:solidFill>
+                  <a:srgbClr val="F8F8F8"/>
+                </a:solidFill>
+              </a:rPr>
+              <a:t>display data from model</a:t>
+            </a:r>
+            <a:endParaRPr lang="en-US" sz="2200" dirty="0">
+              <a:solidFill>
+                <a:srgbClr val="F8F8F8"/>
+              </a:solidFill>
+            </a:endParaRPr>
+          </a:p>
+        </p:txBody>
+      </p:sp>
+      <p:sp>
+        <p:nvSpPr>
+          <p:cNvPr id="8" name="TextBox 7"/>
+          <p:cNvSpPr txBox="1"/>
+          <p:nvPr/>
+        </p:nvSpPr>
+        <p:spPr>
+          <a:xfrm>
+            <a:off x="457200" y="1865376"/>
+            <a:ext cx="2204881" cy="584776"/>
+          </a:xfrm>
+          <a:prstGeom prst="rect">
+            <a:avLst/>
+          </a:prstGeom>
+          <a:noFill/>
+        </p:spPr>
+        <p:txBody>
+          <a:bodyPr wrap="square" rtlCol="0">
+            <a:spAutoFit/>
+          </a:bodyPr>
+          <a:lstStyle/>
+          <a:p>
+            <a:pPr algn="ctr"/>
+            <a:r>
+              <a:rPr lang="en-US" sz="3200" dirty="0" smtClean="0"/>
+              <a:t>Model</a:t>
+            </a:r>
+            <a:endParaRPr lang="en-US" sz="3200" dirty="0"/>
+          </a:p>
+        </p:txBody>
+      </p:sp>
+      <p:sp>
+        <p:nvSpPr>
+          <p:cNvPr id="10" name="TextBox 9"/>
+          <p:cNvSpPr txBox="1"/>
+          <p:nvPr/>
+        </p:nvSpPr>
+        <p:spPr>
+          <a:xfrm>
+            <a:off x="3493911" y="1865376"/>
+            <a:ext cx="2204881" cy="584776"/>
+          </a:xfrm>
+          <a:prstGeom prst="rect">
+            <a:avLst/>
+          </a:prstGeom>
+          <a:noFill/>
+        </p:spPr>
+        <p:txBody>
+          <a:bodyPr wrap="square" rtlCol="0">
+            <a:spAutoFit/>
+          </a:bodyPr>
+          <a:lstStyle/>
+          <a:p>
+            <a:pPr algn="ctr"/>
+            <a:r>
+              <a:rPr lang="en-US" sz="3200" dirty="0" smtClean="0"/>
+              <a:t>Controller</a:t>
+            </a:r>
+            <a:endParaRPr lang="en-US" sz="3200" dirty="0"/>
+          </a:p>
+        </p:txBody>
+      </p:sp>
+      <p:sp>
+        <p:nvSpPr>
+          <p:cNvPr id="11" name="TextBox 10"/>
+          <p:cNvSpPr txBox="1"/>
+          <p:nvPr/>
+        </p:nvSpPr>
+        <p:spPr>
+          <a:xfrm>
+            <a:off x="6536783" y="1865376"/>
+            <a:ext cx="2204881" cy="584776"/>
+          </a:xfrm>
+          <a:prstGeom prst="rect">
+            <a:avLst/>
+          </a:prstGeom>
+          <a:noFill/>
+        </p:spPr>
+        <p:txBody>
+          <a:bodyPr wrap="square" rtlCol="0">
+            <a:spAutoFit/>
+          </a:bodyPr>
+          <a:lstStyle/>
+          <a:p>
+            <a:pPr algn="ctr"/>
+            <a:r>
+              <a:rPr lang="en-US" sz="3200" dirty="0" smtClean="0"/>
+              <a:t>View</a:t>
+            </a:r>
+            <a:endParaRPr lang="en-US" sz="3200" dirty="0"/>
+          </a:p>
+        </p:txBody>
+      </p:sp>
+      <p:sp>
+        <p:nvSpPr>
+          <p:cNvPr id="12" name="Rectangle 11"/>
+          <p:cNvSpPr/>
+          <p:nvPr/>
+        </p:nvSpPr>
+        <p:spPr>
+          <a:xfrm>
+            <a:off x="512064" y="2723877"/>
+            <a:ext cx="2150017" cy="3058909"/>
+          </a:xfrm>
+          <a:prstGeom prst="rect">
+            <a:avLst/>
+          </a:prstGeom>
+          <a:solidFill>
+            <a:srgbClr val="00A9B9"/>
+          </a:solidFill>
+          <a:ln>
+            <a:noFill/>
+          </a:ln>
+          <a:effectLst/>
+        </p:spPr>
+        <p:style>
+          <a:lnRef idx="1">
+            <a:schemeClr val="accent1"/>
+          </a:lnRef>
+          <a:fillRef idx="3">
+            <a:schemeClr val="accent1"/>
+          </a:fillRef>
+          <a:effectRef idx="2">
+            <a:schemeClr val="accent1"/>
+          </a:effectRef>
+          <a:fontRef idx="minor">
+            <a:schemeClr val="lt1"/>
+          </a:fontRef>
+        </p:style>
+        <p:txBody>
+          <a:bodyPr rtlCol="0" anchor="t"/>
+          <a:lstStyle/>
+          <a:p>
+            <a:r>
+              <a:rPr lang="en-US" sz="2200" dirty="0" smtClean="0">
+                <a:solidFill>
+                  <a:schemeClr val="accent1"/>
+                </a:solidFill>
+              </a:rPr>
+              <a:t> </a:t>
+            </a:r>
+            <a:endParaRPr lang="en-US" sz="2200" dirty="0">
+              <a:solidFill>
+                <a:schemeClr val="accent1"/>
+              </a:solidFill>
+            </a:endParaRPr>
+          </a:p>
+          <a:p>
+            <a:pPr marL="111125"/>
+            <a:r>
+              <a:rPr lang="en-US" sz="2200" dirty="0" smtClean="0">
+                <a:solidFill>
+                  <a:schemeClr val="accent1"/>
+                </a:solidFill>
+              </a:rPr>
+              <a:t>Data &amp;</a:t>
+            </a:r>
+          </a:p>
+          <a:p>
+            <a:pPr marL="111125"/>
+            <a:r>
+              <a:rPr lang="en-US" sz="2200" dirty="0" smtClean="0">
+                <a:solidFill>
+                  <a:schemeClr val="accent1"/>
+                </a:solidFill>
+              </a:rPr>
+              <a:t>Business logic</a:t>
+            </a:r>
+          </a:p>
+          <a:p>
+            <a:pPr marL="111125"/>
+            <a:endParaRPr lang="en-US" sz="2200" dirty="0">
+              <a:solidFill>
+                <a:schemeClr val="accent1"/>
+              </a:solidFill>
+            </a:endParaRPr>
+          </a:p>
+          <a:p>
+            <a:pPr marL="342900" indent="-231775" defTabSz="349250">
+              <a:buFont typeface="Arial"/>
+              <a:buChar char="•"/>
+            </a:pPr>
+            <a:r>
+              <a:rPr lang="en-US" sz="2200" dirty="0" smtClean="0">
+                <a:solidFill>
+                  <a:schemeClr val="accent1"/>
+                </a:solidFill>
+              </a:rPr>
+              <a:t>classes</a:t>
+            </a:r>
+          </a:p>
+          <a:p>
+            <a:pPr marL="342900" indent="-231775" defTabSz="349250">
+              <a:buFont typeface="Arial"/>
+              <a:buChar char="•"/>
+            </a:pPr>
+            <a:r>
+              <a:rPr lang="en-US" sz="2200" dirty="0" smtClean="0">
+                <a:solidFill>
+                  <a:schemeClr val="accent1"/>
+                </a:solidFill>
+              </a:rPr>
+              <a:t>modules</a:t>
+            </a:r>
+          </a:p>
+          <a:p>
+            <a:pPr marL="342900" indent="-231775" defTabSz="349250">
+              <a:buFont typeface="Arial"/>
+              <a:buChar char="•"/>
+            </a:pPr>
+            <a:r>
+              <a:rPr lang="en-US" sz="2200" dirty="0" smtClean="0">
+                <a:solidFill>
+                  <a:schemeClr val="accent1"/>
+                </a:solidFill>
+              </a:rPr>
+              <a:t>databases</a:t>
+            </a:r>
+          </a:p>
+        </p:txBody>
+      </p:sp>
     </p:spTree>
     <p:extLst>
       <p:ext uri="{BB962C8B-B14F-4D97-AF65-F5344CB8AC3E}">
-        <p14:creationId xmlns:p14="http://schemas.microsoft.com/office/powerpoint/2010/main" val="1729405643"/>
+        <p14:creationId xmlns:p14="http://schemas.microsoft.com/office/powerpoint/2010/main" val="1909170375"/>
       </p:ext>
     </p:extLst>
   </p:cSld>
@@ -5495,12 +5495,43 @@
           <a:lstStyle/>
           <a:p>
             <a:r>
-              <a:rPr lang="en-US" dirty="0"/>
+              <a:rPr lang="en-US" dirty="0" smtClean="0"/>
               <a:t>M-V-C </a:t>
             </a:r>
             <a:r>
               <a:rPr lang="en-US" dirty="0" smtClean="0"/>
               <a:t>TODO's</a:t>
+            </a:r>
+            <a:endParaRPr lang="en-US" dirty="0"/>
+          </a:p>
+        </p:txBody>
+      </p:sp>
+      <p:sp>
+        <p:nvSpPr>
+          <p:cNvPr id="4" name="Content Placeholder 3"/>
+          <p:cNvSpPr>
+            <a:spLocks noGrp="1"/>
+          </p:cNvSpPr>
+          <p:nvPr>
+            <p:ph idx="1"/>
+          </p:nvPr>
+        </p:nvSpPr>
+        <p:spPr/>
+        <p:txBody>
+          <a:bodyPr/>
+          <a:lstStyle/>
+          <a:p>
+            <a:r>
+              <a:rPr lang="en-US" dirty="0" smtClean="0"/>
+              <a:t>How would </a:t>
+            </a:r>
+            <a:r>
+              <a:rPr lang="en-US" dirty="0" smtClean="0"/>
+              <a:t>TODO's </a:t>
+            </a:r>
+            <a:r>
+              <a:rPr lang="en-US" dirty="0" smtClean="0"/>
+              <a:t>look following the M-V-C pattern?</a:t>
             </a:r>
             <a:endParaRPr lang="en-US" dirty="0"/>
           </a:p>
@@ -5529,341 +5560,10 @@
           </a:p>
         </p:txBody>
       </p:sp>
-      <p:sp>
-        <p:nvSpPr>
-          <p:cNvPr id="4" name="Rectangle 3"/>
-          <p:cNvSpPr/>
-          <p:nvPr/>
-        </p:nvSpPr>
-        <p:spPr>
-          <a:xfrm>
-            <a:off x="512064" y="2723877"/>
-            <a:ext cx="2150017" cy="3058909"/>
-          </a:xfrm>
-          <a:prstGeom prst="rect">
-            <a:avLst/>
-          </a:prstGeom>
-          <a:solidFill>
-            <a:srgbClr val="00A9B9"/>
-          </a:solidFill>
-          <a:ln>
-            <a:noFill/>
-          </a:ln>
-          <a:effectLst/>
-        </p:spPr>
-        <p:style>
-          <a:lnRef idx="1">
-            <a:schemeClr val="accent1"/>
-          </a:lnRef>
-          <a:fillRef idx="3">
-            <a:schemeClr val="accent1"/>
-          </a:fillRef>
-          <a:effectRef idx="2">
-            <a:schemeClr val="accent1"/>
-          </a:effectRef>
-          <a:fontRef idx="minor">
-            <a:schemeClr val="lt1"/>
-          </a:fontRef>
-        </p:style>
-        <p:txBody>
-          <a:bodyPr rtlCol="0" anchor="t"/>
-          <a:lstStyle/>
-          <a:p>
-            <a:r>
-              <a:rPr lang="en-US" sz="2200" dirty="0" smtClean="0">
-                <a:solidFill>
-                  <a:schemeClr val="accent1"/>
-                </a:solidFill>
-              </a:rPr>
-              <a:t> </a:t>
-            </a:r>
-            <a:endParaRPr lang="en-US" sz="2200" dirty="0">
-              <a:solidFill>
-                <a:schemeClr val="accent1"/>
-              </a:solidFill>
-            </a:endParaRPr>
-          </a:p>
-          <a:p>
-            <a:pPr marL="111125"/>
-            <a:r>
-              <a:rPr lang="en-US" sz="2200" dirty="0" smtClean="0">
-                <a:solidFill>
-                  <a:schemeClr val="accent1"/>
-                </a:solidFill>
-              </a:rPr>
-              <a:t>Data &amp;</a:t>
-            </a:r>
-          </a:p>
-          <a:p>
-            <a:pPr marL="111125"/>
-            <a:r>
-              <a:rPr lang="en-US" sz="2200" dirty="0" smtClean="0">
-                <a:solidFill>
-                  <a:schemeClr val="accent1"/>
-                </a:solidFill>
-              </a:rPr>
-              <a:t>Business logic</a:t>
-            </a:r>
-          </a:p>
-          <a:p>
-            <a:pPr marL="111125"/>
-            <a:endParaRPr lang="en-US" sz="2200" dirty="0">
-              <a:solidFill>
-                <a:schemeClr val="accent1"/>
-              </a:solidFill>
-            </a:endParaRPr>
-          </a:p>
-        </p:txBody>
-      </p:sp>
-      <p:sp>
-        <p:nvSpPr>
-          <p:cNvPr id="5" name="Rectangle 4"/>
-          <p:cNvSpPr/>
-          <p:nvPr/>
-        </p:nvSpPr>
-        <p:spPr>
-          <a:xfrm>
-            <a:off x="3493911" y="2668662"/>
-            <a:ext cx="2150017" cy="3058909"/>
-          </a:xfrm>
-          <a:prstGeom prst="rect">
-            <a:avLst/>
-          </a:prstGeom>
-          <a:solidFill>
-            <a:srgbClr val="EA4A3C"/>
-          </a:solidFill>
-          <a:ln>
-            <a:noFill/>
-          </a:ln>
-          <a:effectLst/>
-        </p:spPr>
-        <p:style>
-          <a:lnRef idx="1">
-            <a:schemeClr val="accent1"/>
-          </a:lnRef>
-          <a:fillRef idx="3">
-            <a:schemeClr val="accent1"/>
-          </a:fillRef>
-          <a:effectRef idx="2">
-            <a:schemeClr val="accent1"/>
-          </a:effectRef>
-          <a:fontRef idx="minor">
-            <a:schemeClr val="lt1"/>
-          </a:fontRef>
-        </p:style>
-        <p:txBody>
-          <a:bodyPr rtlCol="0" anchor="t"/>
-          <a:lstStyle/>
-          <a:p>
-            <a:pPr marL="111125"/>
-            <a:endParaRPr lang="en-US" sz="2200" dirty="0" smtClean="0">
-              <a:solidFill>
-                <a:srgbClr val="F8F8F8"/>
-              </a:solidFill>
-            </a:endParaRPr>
-          </a:p>
-          <a:p>
-            <a:pPr marL="111125"/>
-            <a:r>
-              <a:rPr lang="en-US" sz="2200" dirty="0" smtClean="0">
-                <a:solidFill>
-                  <a:srgbClr val="F8F8F8"/>
-                </a:solidFill>
-              </a:rPr>
-              <a:t>Communicate</a:t>
-            </a:r>
-          </a:p>
-          <a:p>
-            <a:pPr marL="111125"/>
-            <a:endParaRPr lang="en-US" sz="2200" dirty="0" smtClean="0">
-              <a:solidFill>
-                <a:srgbClr val="F8F8F8"/>
-              </a:solidFill>
-            </a:endParaRPr>
-          </a:p>
-          <a:p>
-            <a:pPr marL="111125"/>
-            <a:endParaRPr lang="en-US" sz="2200" dirty="0">
-              <a:solidFill>
-                <a:srgbClr val="F8F8F8"/>
-              </a:solidFill>
-            </a:endParaRPr>
-          </a:p>
-        </p:txBody>
-      </p:sp>
-      <p:sp>
-        <p:nvSpPr>
-          <p:cNvPr id="6" name="Rectangle 5"/>
-          <p:cNvSpPr/>
-          <p:nvPr/>
-        </p:nvSpPr>
-        <p:spPr>
-          <a:xfrm>
-            <a:off x="6536783" y="2723877"/>
-            <a:ext cx="2150017" cy="3058909"/>
-          </a:xfrm>
-          <a:prstGeom prst="rect">
-            <a:avLst/>
-          </a:prstGeom>
-          <a:solidFill>
-            <a:schemeClr val="accent6"/>
-          </a:solidFill>
-          <a:ln>
-            <a:noFill/>
-          </a:ln>
-          <a:effectLst/>
-        </p:spPr>
-        <p:style>
-          <a:lnRef idx="1">
-            <a:schemeClr val="accent1"/>
-          </a:lnRef>
-          <a:fillRef idx="3">
-            <a:schemeClr val="accent1"/>
-          </a:fillRef>
-          <a:effectRef idx="2">
-            <a:schemeClr val="accent1"/>
-          </a:effectRef>
-          <a:fontRef idx="minor">
-            <a:schemeClr val="lt1"/>
-          </a:fontRef>
-        </p:style>
-        <p:txBody>
-          <a:bodyPr rtlCol="0" anchor="t"/>
-          <a:lstStyle/>
-          <a:p>
-            <a:pPr marL="111125"/>
-            <a:endParaRPr lang="en-US" sz="2200" dirty="0" smtClean="0">
-              <a:solidFill>
-                <a:srgbClr val="F8F8F8"/>
-              </a:solidFill>
-            </a:endParaRPr>
-          </a:p>
-          <a:p>
-            <a:pPr marL="111125"/>
-            <a:r>
-              <a:rPr lang="en-US" sz="2200" dirty="0" smtClean="0">
-                <a:solidFill>
-                  <a:srgbClr val="F8F8F8"/>
-                </a:solidFill>
-              </a:rPr>
-              <a:t>User interface</a:t>
-            </a:r>
-          </a:p>
-          <a:p>
-            <a:pPr marL="111125"/>
-            <a:endParaRPr lang="en-US" sz="2200" dirty="0">
-              <a:solidFill>
-                <a:srgbClr val="F8F8F8"/>
-              </a:solidFill>
-            </a:endParaRPr>
-          </a:p>
-          <a:p>
-            <a:pPr marL="111125"/>
-            <a:endParaRPr lang="en-US" sz="2200" dirty="0" smtClean="0">
-              <a:solidFill>
-                <a:srgbClr val="F8F8F8"/>
-              </a:solidFill>
-            </a:endParaRPr>
-          </a:p>
-        </p:txBody>
-      </p:sp>
-      <p:sp>
-        <p:nvSpPr>
-          <p:cNvPr id="8" name="TextBox 7"/>
-          <p:cNvSpPr txBox="1"/>
-          <p:nvPr/>
-        </p:nvSpPr>
-        <p:spPr>
-          <a:xfrm>
-            <a:off x="457200" y="1865376"/>
-            <a:ext cx="2204881" cy="584776"/>
-          </a:xfrm>
-          <a:prstGeom prst="rect">
-            <a:avLst/>
-          </a:prstGeom>
-          <a:noFill/>
-        </p:spPr>
-        <p:txBody>
-          <a:bodyPr wrap="square" rtlCol="0">
-            <a:spAutoFit/>
-          </a:bodyPr>
-          <a:lstStyle/>
-          <a:p>
-            <a:pPr algn="ctr"/>
-            <a:r>
-              <a:rPr lang="en-US" sz="3200" dirty="0" smtClean="0"/>
-              <a:t>Model</a:t>
-            </a:r>
-            <a:endParaRPr lang="en-US" sz="3200" dirty="0"/>
-          </a:p>
-        </p:txBody>
-      </p:sp>
-      <p:sp>
-        <p:nvSpPr>
-          <p:cNvPr id="10" name="TextBox 9"/>
-          <p:cNvSpPr txBox="1"/>
-          <p:nvPr/>
-        </p:nvSpPr>
-        <p:spPr>
-          <a:xfrm>
-            <a:off x="3493911" y="1865376"/>
-            <a:ext cx="2204881" cy="584776"/>
-          </a:xfrm>
-          <a:prstGeom prst="rect">
-            <a:avLst/>
-          </a:prstGeom>
-          <a:noFill/>
-        </p:spPr>
-        <p:txBody>
-          <a:bodyPr wrap="square" rtlCol="0">
-            <a:spAutoFit/>
-          </a:bodyPr>
-          <a:lstStyle/>
-          <a:p>
-            <a:pPr algn="ctr"/>
-            <a:r>
-              <a:rPr lang="en-US" sz="3200" dirty="0" smtClean="0"/>
-              <a:t>Controller</a:t>
-            </a:r>
-            <a:endParaRPr lang="en-US" sz="3200" dirty="0"/>
-          </a:p>
-        </p:txBody>
-      </p:sp>
-      <p:sp>
-        <p:nvSpPr>
-          <p:cNvPr id="11" name="TextBox 10"/>
-          <p:cNvSpPr txBox="1"/>
-          <p:nvPr/>
-        </p:nvSpPr>
-        <p:spPr>
-          <a:xfrm>
-            <a:off x="6536783" y="1865376"/>
-            <a:ext cx="2204881" cy="584776"/>
-          </a:xfrm>
-          <a:prstGeom prst="rect">
-            <a:avLst/>
-          </a:prstGeom>
-          <a:noFill/>
-        </p:spPr>
-        <p:txBody>
-          <a:bodyPr wrap="square" rtlCol="0">
-            <a:spAutoFit/>
-          </a:bodyPr>
-          <a:lstStyle/>
-          <a:p>
-            <a:pPr algn="ctr"/>
-            <a:r>
-              <a:rPr lang="en-US" sz="3200" dirty="0" smtClean="0"/>
-              <a:t>View</a:t>
-            </a:r>
-            <a:endParaRPr lang="en-US" sz="3200" dirty="0"/>
-          </a:p>
-        </p:txBody>
-      </p:sp>
     </p:spTree>
     <p:extLst>
       <p:ext uri="{BB962C8B-B14F-4D97-AF65-F5344CB8AC3E}">
-        <p14:creationId xmlns:p14="http://schemas.microsoft.com/office/powerpoint/2010/main" val="1504888521"/>
+        <p14:creationId xmlns:p14="http://schemas.microsoft.com/office/powerpoint/2010/main" val="1729405643"/>
       </p:ext>
     </p:extLst>
   </p:cSld>
@@ -5899,7 +5599,7 @@
       </p:grpSpPr>
       <p:sp>
         <p:nvSpPr>
-          <p:cNvPr id="3" name="Content Placeholder 2"/>
+          <p:cNvPr id="2" name="Content Placeholder 1"/>
           <p:cNvSpPr>
             <a:spLocks noGrp="1"/>
           </p:cNvSpPr>
@@ -5910,81 +5610,41 @@
         <p:spPr/>
         <p:txBody>
           <a:bodyPr>
-            <a:noAutofit/>
+            <a:normAutofit/>
           </a:bodyPr>
           <a:lstStyle/>
           <a:p>
-            <a:pPr marL="0" indent="0">
+            <a:r>
+              <a:rPr lang="en-US" sz="3400" dirty="0" smtClean="0"/>
+              <a:t>MVC gives your code a solid architecture.</a:t>
+            </a:r>
+          </a:p>
+          <a:p>
+            <a:r>
+              <a:rPr lang="en-US" sz="3400" dirty="0" smtClean="0"/>
+              <a:t>MVC code pattern makes it super easy for you to follow other </a:t>
+            </a:r>
+            <a:r>
+              <a:rPr lang="en-US" sz="3400" dirty="0" err="1" smtClean="0"/>
+              <a:t>dev’s</a:t>
+            </a:r>
+            <a:r>
+              <a:rPr lang="en-US" sz="3400" dirty="0" smtClean="0"/>
+              <a:t> code.</a:t>
+            </a:r>
+            <a:endParaRPr lang="en-US" sz="3400" dirty="0" smtClean="0"/>
+          </a:p>
+          <a:p>
+            <a:pPr marL="45720" indent="0">
               <a:buNone/>
             </a:pPr>
-            <a:r>
-              <a:rPr lang="en-US" sz="2500" dirty="0" smtClean="0"/>
-              <a:t>Sure, you can write all the codes… But where do you put it?</a:t>
-            </a:r>
-          </a:p>
-          <a:p>
-            <a:pPr marL="0" indent="0">
-              <a:buNone/>
-            </a:pPr>
-            <a:endParaRPr lang="en-US" sz="2500" dirty="0" smtClean="0"/>
-          </a:p>
-          <a:p>
-            <a:r>
-              <a:rPr lang="en-US" sz="2500" dirty="0" smtClean="0"/>
-              <a:t>Whose </a:t>
-            </a:r>
-            <a:r>
-              <a:rPr lang="en-US" sz="2500" dirty="0" smtClean="0"/>
-              <a:t>business is it </a:t>
-            </a:r>
-            <a:r>
-              <a:rPr lang="en-US" sz="2500" dirty="0" smtClean="0"/>
-              <a:t>to talk </a:t>
-            </a:r>
-            <a:r>
-              <a:rPr lang="en-US" sz="2500" dirty="0" smtClean="0"/>
-              <a:t>to users?</a:t>
-            </a:r>
-          </a:p>
-          <a:p>
-            <a:r>
-              <a:rPr lang="en-US" sz="2500" dirty="0" smtClean="0"/>
-              <a:t>What about </a:t>
-            </a:r>
-            <a:r>
-              <a:rPr lang="en-US" sz="2500" dirty="0" smtClean="0"/>
-              <a:t>displaying output?</a:t>
-            </a:r>
-            <a:endParaRPr lang="en-US" sz="2500" dirty="0" smtClean="0"/>
-          </a:p>
-          <a:p>
-            <a:r>
-              <a:rPr lang="en-US" sz="2500" dirty="0" smtClean="0"/>
-              <a:t>Should your classes all know how to parse user input</a:t>
-            </a:r>
-            <a:r>
-              <a:rPr lang="en-US" sz="2500" dirty="0" smtClean="0"/>
-              <a:t>?</a:t>
-            </a:r>
-          </a:p>
-          <a:p>
-            <a:r>
-              <a:rPr lang="en-US" sz="2500" dirty="0" smtClean="0"/>
-              <a:t>Where do heavy algorithms run?</a:t>
-            </a:r>
-          </a:p>
-          <a:p>
-            <a:r>
-              <a:rPr lang="en-US" sz="2500" dirty="0" smtClean="0"/>
-              <a:t>How do you separate 10,000 lines of code into a manageable structure?</a:t>
-            </a:r>
-            <a:endParaRPr lang="en-US" sz="2500" dirty="0" smtClean="0"/>
-          </a:p>
-        </p:txBody>
-      </p:sp>
-      <p:sp>
-        <p:nvSpPr>
-          <p:cNvPr id="2" name="Title 1"/>
+            <a:endParaRPr lang="en-US" sz="3400" dirty="0"/>
+          </a:p>
+        </p:txBody>
+      </p:sp>
+      <p:sp>
+        <p:nvSpPr>
+          <p:cNvPr id="3" name="Title 2"/>
           <p:cNvSpPr>
             <a:spLocks noGrp="1"/>
           </p:cNvSpPr>
@@ -5999,7 +5659,7 @@
           <a:p>
             <a:r>
               <a:rPr lang="en-US" dirty="0" smtClean="0"/>
-              <a:t>USER INTERACTION IS WEIRD.</a:t>
+              <a:t>Why you care</a:t>
             </a:r>
             <a:endParaRPr lang="en-US" dirty="0"/>
           </a:p>
@@ -6008,7 +5668,7 @@
     </p:spTree>
     <p:extLst>
       <p:ext uri="{BB962C8B-B14F-4D97-AF65-F5344CB8AC3E}">
-        <p14:creationId xmlns:p14="http://schemas.microsoft.com/office/powerpoint/2010/main" val="45111289"/>
+        <p14:creationId xmlns:p14="http://schemas.microsoft.com/office/powerpoint/2010/main" val="1873421378"/>
       </p:ext>
     </p:extLst>
   </p:cSld>
@@ -6170,53 +5830,6 @@
           </a:p>
           <a:p>
             <a:pPr marL="111125"/>
-            <a:endParaRPr lang="en-US" sz="2200" dirty="0" smtClean="0">
-              <a:solidFill>
-                <a:schemeClr val="accent1"/>
-              </a:solidFill>
-            </a:endParaRPr>
-          </a:p>
-          <a:p>
-            <a:pPr marL="349250" indent="-238125">
-              <a:buFont typeface="Arial"/>
-              <a:buChar char="•"/>
-            </a:pPr>
-            <a:r>
-              <a:rPr lang="en-US" sz="2200" dirty="0" smtClean="0">
-                <a:solidFill>
-                  <a:schemeClr val="accent1"/>
-                </a:solidFill>
-              </a:rPr>
-              <a:t>Bistro</a:t>
-            </a:r>
-          </a:p>
-          <a:p>
-            <a:pPr marL="349250" indent="-238125">
-              <a:buFont typeface="Arial"/>
-              <a:buChar char="•"/>
-            </a:pPr>
-            <a:r>
-              <a:rPr lang="en-US" sz="2200" dirty="0" smtClean="0">
-                <a:solidFill>
-                  <a:schemeClr val="accent1"/>
-                </a:solidFill>
-              </a:rPr>
-              <a:t>Recipe</a:t>
-            </a:r>
-          </a:p>
-          <a:p>
-            <a:pPr marL="349250" indent="-238125">
-              <a:buFont typeface="Arial"/>
-              <a:buChar char="•"/>
-            </a:pPr>
-            <a:r>
-              <a:rPr lang="en-US" sz="2200" dirty="0" err="1" smtClean="0">
-                <a:solidFill>
-                  <a:schemeClr val="accent1"/>
-                </a:solidFill>
-              </a:rPr>
-              <a:t>CSVParsing</a:t>
-            </a:r>
             <a:endParaRPr lang="en-US" sz="2200" dirty="0">
               <a:solidFill>
                 <a:schemeClr val="accent1"/>
@@ -6473,7 +6086,7 @@
     </p:spTree>
     <p:extLst>
       <p:ext uri="{BB962C8B-B14F-4D97-AF65-F5344CB8AC3E}">
-        <p14:creationId xmlns:p14="http://schemas.microsoft.com/office/powerpoint/2010/main" val="3671947589"/>
+        <p14:creationId xmlns:p14="http://schemas.microsoft.com/office/powerpoint/2010/main" val="1504888521"/>
       </p:ext>
     </p:extLst>
   </p:cSld>
@@ -6652,8 +6265,13 @@
                   <a:schemeClr val="accent1"/>
                 </a:solidFill>
               </a:rPr>
-              <a:t>Bistro</a:t>
-            </a:r>
+              <a:t>List</a:t>
+            </a:r>
+            <a:endParaRPr lang="en-US" sz="2200" dirty="0" smtClean="0">
+              <a:solidFill>
+                <a:schemeClr val="accent1"/>
+              </a:solidFill>
+            </a:endParaRPr>
           </a:p>
           <a:p>
             <a:pPr marL="349250" indent="-238125">
@@ -6666,8 +6284,13 @@
                   <a:schemeClr val="accent1"/>
                 </a:solidFill>
               </a:rPr>
-              <a:t>Recipe</a:t>
-            </a:r>
+              <a:t>Task</a:t>
+            </a:r>
+            <a:endParaRPr lang="en-US" sz="2200" dirty="0" smtClean="0">
+              <a:solidFill>
+                <a:schemeClr val="accent1"/>
+              </a:solidFill>
+            </a:endParaRPr>
           </a:p>
           <a:p>
             <a:pPr marL="349250" indent="-238125">
@@ -6764,28 +6387,6 @@
               </a:solidFill>
             </a:endParaRPr>
           </a:p>
-          <a:p>
-            <a:pPr marL="349250" indent="-238125">
-              <a:buFont typeface="Arial"/>
-              <a:buChar char="•"/>
-            </a:pPr>
-            <a:r>
-              <a:rPr lang="en-US" sz="2200" dirty="0" smtClean="0">
-                <a:solidFill>
-                  <a:srgbClr val="F8F8F8"/>
-                </a:solidFill>
-              </a:rPr>
-              <a:t>Bistro-Controller</a:t>
-            </a:r>
-          </a:p>
-          <a:p>
-            <a:pPr marL="111125"/>
-            <a:endParaRPr lang="en-US" sz="2200" dirty="0">
-              <a:solidFill>
-                <a:srgbClr val="F8F8F8"/>
-              </a:solidFill>
-            </a:endParaRPr>
-          </a:p>
         </p:txBody>
       </p:sp>
       <p:sp>
@@ -6846,6 +6447,22 @@
               <a:t>User interface</a:t>
             </a:r>
           </a:p>
+          <a:p>
+            <a:pPr marL="111125"/>
+            <a:endParaRPr lang="en-US" sz="2200" dirty="0">
+              <a:solidFill>
+                <a:srgbClr val="F8F8F8"/>
+              </a:solidFill>
+            </a:endParaRPr>
+          </a:p>
+          <a:p>
+            <a:pPr marL="111125"/>
+            <a:endParaRPr lang="en-US" sz="2200" dirty="0" smtClean="0">
+              <a:solidFill>
+                <a:srgbClr val="F8F8F8"/>
+              </a:solidFill>
+            </a:endParaRPr>
+          </a:p>
         </p:txBody>
       </p:sp>
       <p:sp>
@@ -6944,7 +6561,7 @@
     </p:spTree>
     <p:extLst>
       <p:ext uri="{BB962C8B-B14F-4D97-AF65-F5344CB8AC3E}">
-        <p14:creationId xmlns:p14="http://schemas.microsoft.com/office/powerpoint/2010/main" val="2399005532"/>
+        <p14:creationId xmlns:p14="http://schemas.microsoft.com/office/powerpoint/2010/main" val="3671947589"/>
       </p:ext>
     </p:extLst>
   </p:cSld>
@@ -7123,8 +6740,13 @@
                   <a:schemeClr val="accent1"/>
                 </a:solidFill>
               </a:rPr>
-              <a:t>Bistro</a:t>
-            </a:r>
+              <a:t>List</a:t>
+            </a:r>
+            <a:endParaRPr lang="en-US" sz="2200" dirty="0" smtClean="0">
+              <a:solidFill>
+                <a:schemeClr val="accent1"/>
+              </a:solidFill>
+            </a:endParaRPr>
           </a:p>
           <a:p>
             <a:pPr marL="349250" indent="-238125">
@@ -7137,8 +6759,13 @@
                   <a:schemeClr val="accent1"/>
                 </a:solidFill>
               </a:rPr>
-              <a:t>Recipe</a:t>
-            </a:r>
+              <a:t>Task</a:t>
+            </a:r>
+            <a:endParaRPr lang="en-US" sz="2200" dirty="0" smtClean="0">
+              <a:solidFill>
+                <a:schemeClr val="accent1"/>
+              </a:solidFill>
+            </a:endParaRPr>
           </a:p>
           <a:p>
             <a:pPr marL="349250" indent="-238125">
@@ -7246,7 +6873,15 @@
                   <a:srgbClr val="F8F8F8"/>
                 </a:solidFill>
               </a:rPr>
-              <a:t>Bistro-Controller</a:t>
+              <a:t>TODO-</a:t>
+            </a:r>
+            <a:r>
+              <a:rPr lang="en-US" sz="2200" dirty="0" smtClean="0">
+                <a:solidFill>
+                  <a:srgbClr val="F8F8F8"/>
+                </a:solidFill>
+              </a:rPr>
+              <a:t>Controller</a:t>
             </a:r>
           </a:p>
           <a:p>
@@ -7317,83 +6952,6 @@
               <a:t>User interface</a:t>
             </a:r>
           </a:p>
-          <a:p>
-            <a:pPr marL="111125"/>
-            <a:endParaRPr lang="en-US" sz="2200" dirty="0" smtClean="0">
-              <a:solidFill>
-                <a:srgbClr val="F8F8F8"/>
-              </a:solidFill>
-            </a:endParaRPr>
-          </a:p>
-          <a:p>
-            <a:pPr marL="111125"/>
-            <a:endParaRPr lang="en-US" sz="2200" dirty="0">
-              <a:solidFill>
-                <a:srgbClr val="F8F8F8"/>
-              </a:solidFill>
-            </a:endParaRPr>
-          </a:p>
-          <a:p>
-            <a:pPr marL="349250" indent="-238125">
-              <a:buFont typeface="Arial"/>
-              <a:buChar char="•"/>
-            </a:pPr>
-            <a:r>
-              <a:rPr lang="en-US" sz="2200" dirty="0" smtClean="0">
-                <a:solidFill>
-                  <a:srgbClr val="F8F8F8"/>
-                </a:solidFill>
-              </a:rPr>
-              <a:t>Views</a:t>
-            </a:r>
-          </a:p>
-          <a:p>
-            <a:pPr marL="681038" lvl="1" indent="-331788">
-              <a:buFont typeface="Arial"/>
-              <a:buChar char="•"/>
-            </a:pPr>
-            <a:r>
-              <a:rPr lang="en-US" sz="2200" dirty="0" smtClean="0">
-                <a:solidFill>
-                  <a:srgbClr val="F8F8F8"/>
-                </a:solidFill>
-              </a:rPr>
-              <a:t>Options</a:t>
-            </a:r>
-          </a:p>
-          <a:p>
-            <a:pPr marL="681038" lvl="1" indent="-331788">
-              <a:buFont typeface="Arial"/>
-              <a:buChar char="•"/>
-            </a:pPr>
-            <a:r>
-              <a:rPr lang="en-US" sz="2200" dirty="0" smtClean="0">
-                <a:solidFill>
-                  <a:srgbClr val="F8F8F8"/>
-                </a:solidFill>
-              </a:rPr>
-              <a:t>Recipe</a:t>
-            </a:r>
-          </a:p>
-          <a:p>
-            <a:pPr marL="681038" lvl="1" indent="-331788">
-              <a:buFont typeface="Arial"/>
-              <a:buChar char="•"/>
-            </a:pPr>
-            <a:r>
-              <a:rPr lang="en-US" sz="2200" dirty="0" err="1" smtClean="0">
-                <a:solidFill>
-                  <a:srgbClr val="F8F8F8"/>
-                </a:solidFill>
-              </a:rPr>
-              <a:t>RecipeList</a:t>
-            </a:r>
-            <a:endParaRPr lang="en-US" sz="2200" dirty="0">
-              <a:solidFill>
-                <a:srgbClr val="F8F8F8"/>
-              </a:solidFill>
-            </a:endParaRPr>
-          </a:p>
         </p:txBody>
       </p:sp>
       <p:sp>
@@ -7492,7 +7050,7 @@
     </p:spTree>
     <p:extLst>
       <p:ext uri="{BB962C8B-B14F-4D97-AF65-F5344CB8AC3E}">
-        <p14:creationId xmlns:p14="http://schemas.microsoft.com/office/powerpoint/2010/main" val="127540449"/>
+        <p14:creationId xmlns:p14="http://schemas.microsoft.com/office/powerpoint/2010/main" val="2399005532"/>
       </p:ext>
     </p:extLst>
   </p:cSld>
@@ -7542,12 +7100,12 @@
           <a:lstStyle/>
           <a:p>
             <a:r>
+              <a:rPr lang="en-US" dirty="0"/>
+              <a:t>M-V-C </a:t>
+            </a:r>
+            <a:r>
               <a:rPr lang="en-US" dirty="0" smtClean="0"/>
-              <a:t>TODO's: </a:t>
-            </a:r>
-            <a:r>
-              <a:rPr lang="en-US" dirty="0" smtClean="0"/>
-              <a:t>List</a:t>
+              <a:t>TODO's</a:t>
             </a:r>
             <a:endParaRPr lang="en-US" dirty="0"/>
           </a:p>
@@ -7616,6 +7174,14 @@
           <a:bodyPr rtlCol="0" anchor="t"/>
           <a:lstStyle/>
           <a:p>
+            <a:r>
+              <a:rPr lang="en-US" sz="2200" dirty="0" smtClean="0">
+                <a:solidFill>
+                  <a:schemeClr val="accent1"/>
+                </a:solidFill>
+              </a:rPr>
+              <a:t> </a:t>
+            </a:r>
             <a:endParaRPr lang="en-US" sz="2200" dirty="0">
               <a:solidFill>
                 <a:schemeClr val="accent1"/>
@@ -7624,7 +7190,86 @@
           </a:p>
           <a:p>
             <a:pPr marL="111125"/>
+            <a:r>
+              <a:rPr lang="en-US" sz="2200" dirty="0" smtClean="0">
+                <a:solidFill>
+                  <a:schemeClr val="accent1"/>
+                </a:solidFill>
+              </a:rPr>
+              <a:t>Data &amp;</a:t>
+            </a:r>
+          </a:p>
+          <a:p>
+            <a:pPr marL="111125"/>
+            <a:r>
+              <a:rPr lang="en-US" sz="2200" dirty="0" smtClean="0">
+                <a:solidFill>
+                  <a:schemeClr val="accent1"/>
+                </a:solidFill>
+              </a:rPr>
+              <a:t>Business logic</a:t>
+            </a:r>
+          </a:p>
+          <a:p>
+            <a:pPr marL="111125"/>
             <a:endParaRPr lang="en-US" sz="2200" dirty="0" smtClean="0">
+              <a:solidFill>
+                <a:schemeClr val="accent1"/>
+              </a:solidFill>
+            </a:endParaRPr>
+          </a:p>
+          <a:p>
+            <a:pPr marL="349250" indent="-238125">
+              <a:buFont typeface="Arial"/>
+              <a:buChar char="•"/>
+            </a:pPr>
+            <a:r>
+              <a:rPr lang="en-US" sz="2200" dirty="0" smtClean="0">
+                <a:solidFill>
+                  <a:schemeClr val="accent1"/>
+                </a:solidFill>
+              </a:rPr>
+              <a:t>List</a:t>
+            </a:r>
+            <a:endParaRPr lang="en-US" sz="2200" dirty="0" smtClean="0">
+              <a:solidFill>
+                <a:schemeClr val="accent1"/>
+              </a:solidFill>
+            </a:endParaRPr>
+          </a:p>
+          <a:p>
+            <a:pPr marL="349250" indent="-238125">
+              <a:buFont typeface="Arial"/>
+              <a:buChar char="•"/>
+            </a:pPr>
+            <a:r>
+              <a:rPr lang="en-US" sz="2200" dirty="0" smtClean="0">
+                <a:solidFill>
+                  <a:schemeClr val="accent1"/>
+                </a:solidFill>
+              </a:rPr>
+              <a:t>Task</a:t>
+            </a:r>
+            <a:endParaRPr lang="en-US" sz="2200" dirty="0" smtClean="0">
+              <a:solidFill>
+                <a:schemeClr val="accent1"/>
+              </a:solidFill>
+            </a:endParaRPr>
+          </a:p>
+          <a:p>
+            <a:pPr marL="349250" indent="-238125">
+              <a:buFont typeface="Arial"/>
+              <a:buChar char="•"/>
+            </a:pPr>
+            <a:r>
+              <a:rPr lang="en-US" sz="2200" dirty="0" err="1" smtClean="0">
+                <a:solidFill>
+                  <a:schemeClr val="accent1"/>
+                </a:solidFill>
+              </a:rPr>
+              <a:t>CSVParsing</a:t>
+            </a:r>
+            <a:endParaRPr lang="en-US" sz="2200" dirty="0">
               <a:solidFill>
                 <a:schemeClr val="accent1"/>
               </a:solidFill>
@@ -7681,7 +7326,56 @@
           </a:p>
           <a:p>
             <a:pPr marL="111125"/>
+            <a:r>
+              <a:rPr lang="en-US" sz="2200" dirty="0" smtClean="0">
+                <a:solidFill>
+                  <a:srgbClr val="F8F8F8"/>
+                </a:solidFill>
+              </a:rPr>
+              <a:t>Communicate</a:t>
+            </a:r>
+          </a:p>
+          <a:p>
+            <a:pPr marL="111125"/>
             <a:endParaRPr lang="en-US" sz="2200" dirty="0" smtClean="0">
+              <a:solidFill>
+                <a:srgbClr val="F8F8F8"/>
+              </a:solidFill>
+            </a:endParaRPr>
+          </a:p>
+          <a:p>
+            <a:pPr marL="111125"/>
+            <a:endParaRPr lang="en-US" sz="2200" dirty="0">
+              <a:solidFill>
+                <a:srgbClr val="F8F8F8"/>
+              </a:solidFill>
+            </a:endParaRPr>
+          </a:p>
+          <a:p>
+            <a:pPr marL="349250" indent="-238125">
+              <a:buFont typeface="Arial"/>
+              <a:buChar char="•"/>
+            </a:pPr>
+            <a:r>
+              <a:rPr lang="en-US" sz="2200" dirty="0" smtClean="0">
+                <a:solidFill>
+                  <a:srgbClr val="F8F8F8"/>
+                </a:solidFill>
+              </a:rPr>
+              <a:t>TODO-</a:t>
+            </a:r>
+            <a:r>
+              <a:rPr lang="en-US" sz="2200" dirty="0" smtClean="0">
+                <a:solidFill>
+                  <a:srgbClr val="F8F8F8"/>
+                </a:solidFill>
+              </a:rPr>
+              <a:t>Controller</a:t>
+            </a:r>
+          </a:p>
+          <a:p>
+            <a:pPr marL="111125"/>
+            <a:endParaRPr lang="en-US" sz="2200" dirty="0">
               <a:solidFill>
                 <a:srgbClr val="F8F8F8"/>
               </a:solidFill>
@@ -7738,159 +7432,87 @@
           </a:p>
           <a:p>
             <a:pPr marL="111125"/>
+            <a:r>
+              <a:rPr lang="en-US" sz="2200" dirty="0" smtClean="0">
+                <a:solidFill>
+                  <a:srgbClr val="F8F8F8"/>
+                </a:solidFill>
+              </a:rPr>
+              <a:t>User interface</a:t>
+            </a:r>
+          </a:p>
+          <a:p>
+            <a:pPr marL="111125"/>
             <a:endParaRPr lang="en-US" sz="2200" dirty="0" smtClean="0">
               <a:solidFill>
                 <a:srgbClr val="F8F8F8"/>
               </a:solidFill>
             </a:endParaRPr>
           </a:p>
-        </p:txBody>
-      </p:sp>
-      <p:sp>
-        <p:nvSpPr>
-          <p:cNvPr id="8" name="TextBox 7"/>
-          <p:cNvSpPr txBox="1"/>
-          <p:nvPr/>
-        </p:nvSpPr>
-        <p:spPr>
-          <a:xfrm>
-            <a:off x="457200" y="1865376"/>
-            <a:ext cx="2204881" cy="584776"/>
-          </a:xfrm>
-          <a:prstGeom prst="rect">
-            <a:avLst/>
-          </a:prstGeom>
-          <a:noFill/>
-        </p:spPr>
-        <p:txBody>
-          <a:bodyPr wrap="square" rtlCol="0">
-            <a:spAutoFit/>
-          </a:bodyPr>
-          <a:lstStyle/>
-          <a:p>
-            <a:pPr algn="ctr"/>
-            <a:r>
-              <a:rPr lang="en-US" sz="3200" dirty="0" smtClean="0"/>
-              <a:t>Model</a:t>
-            </a:r>
-            <a:endParaRPr lang="en-US" sz="3200" dirty="0"/>
-          </a:p>
-        </p:txBody>
-      </p:sp>
-      <p:sp>
-        <p:nvSpPr>
-          <p:cNvPr id="10" name="TextBox 9"/>
-          <p:cNvSpPr txBox="1"/>
-          <p:nvPr/>
-        </p:nvSpPr>
-        <p:spPr>
-          <a:xfrm>
-            <a:off x="3493911" y="1865376"/>
-            <a:ext cx="2204881" cy="584776"/>
-          </a:xfrm>
-          <a:prstGeom prst="rect">
-            <a:avLst/>
-          </a:prstGeom>
-          <a:noFill/>
-        </p:spPr>
-        <p:txBody>
-          <a:bodyPr wrap="square" rtlCol="0">
-            <a:spAutoFit/>
-          </a:bodyPr>
-          <a:lstStyle/>
-          <a:p>
-            <a:pPr algn="ctr"/>
-            <a:r>
-              <a:rPr lang="en-US" sz="3200" dirty="0" smtClean="0"/>
-              <a:t>Controller</a:t>
-            </a:r>
-            <a:endParaRPr lang="en-US" sz="3200" dirty="0"/>
-          </a:p>
-        </p:txBody>
-      </p:sp>
-      <p:sp>
-        <p:nvSpPr>
-          <p:cNvPr id="11" name="TextBox 10"/>
-          <p:cNvSpPr txBox="1"/>
-          <p:nvPr/>
-        </p:nvSpPr>
-        <p:spPr>
-          <a:xfrm>
-            <a:off x="6536783" y="1865376"/>
-            <a:ext cx="2204881" cy="584776"/>
-          </a:xfrm>
-          <a:prstGeom prst="rect">
-            <a:avLst/>
-          </a:prstGeom>
-          <a:noFill/>
-        </p:spPr>
-        <p:txBody>
-          <a:bodyPr wrap="square" rtlCol="0">
-            <a:spAutoFit/>
-          </a:bodyPr>
-          <a:lstStyle/>
-          <a:p>
-            <a:pPr algn="ctr"/>
-            <a:r>
-              <a:rPr lang="en-US" sz="3200" dirty="0" smtClean="0"/>
-              <a:t>View</a:t>
-            </a:r>
-            <a:endParaRPr lang="en-US" sz="3200" dirty="0"/>
-          </a:p>
-        </p:txBody>
-      </p:sp>
-      <p:sp>
-        <p:nvSpPr>
-          <p:cNvPr id="7" name="Rectangle 6"/>
-          <p:cNvSpPr/>
-          <p:nvPr/>
-        </p:nvSpPr>
-        <p:spPr>
-          <a:xfrm>
-            <a:off x="6755607" y="2934560"/>
-            <a:ext cx="1730320" cy="396667"/>
-          </a:xfrm>
-          <a:prstGeom prst="rect">
-            <a:avLst/>
-          </a:prstGeom>
-          <a:solidFill>
-            <a:schemeClr val="accent6"/>
-          </a:solidFill>
-          <a:ln w="28575" cmpd="sng">
-            <a:solidFill>
-              <a:schemeClr val="accent1"/>
-            </a:solidFill>
-          </a:ln>
-          <a:effectLst/>
-        </p:spPr>
-        <p:style>
-          <a:lnRef idx="1">
-            <a:schemeClr val="accent1"/>
-          </a:lnRef>
-          <a:fillRef idx="3">
-            <a:schemeClr val="accent1"/>
-          </a:fillRef>
-          <a:effectRef idx="2">
-            <a:schemeClr val="accent1"/>
-          </a:effectRef>
-          <a:fontRef idx="minor">
-            <a:schemeClr val="lt1"/>
-          </a:fontRef>
-        </p:style>
-        <p:txBody>
-          <a:bodyPr rtlCol="0" anchor="ctr"/>
-          <a:lstStyle/>
-          <a:p>
-            <a:pPr algn="ctr"/>
-            <a:r>
-              <a:rPr lang="en-US" dirty="0" smtClean="0">
+          <a:p>
+            <a:pPr marL="111125"/>
+            <a:endParaRPr lang="en-US" sz="2200" dirty="0">
+              <a:solidFill>
+                <a:srgbClr val="F8F8F8"/>
+              </a:solidFill>
+            </a:endParaRPr>
+          </a:p>
+          <a:p>
+            <a:pPr marL="349250" indent="-238125">
+              <a:buFont typeface="Arial"/>
+              <a:buChar char="•"/>
+            </a:pPr>
+            <a:r>
+              <a:rPr lang="en-US" sz="2200" dirty="0" smtClean="0">
                 <a:solidFill>
                   <a:srgbClr val="F8F8F8"/>
                 </a:solidFill>
               </a:rPr>
-              <a:t>send input</a:t>
-            </a:r>
-            <a:endParaRPr lang="en-US" dirty="0">
+              <a:t>Views</a:t>
+            </a:r>
+          </a:p>
+          <a:p>
+            <a:pPr marL="681038" lvl="1" indent="-331788">
+              <a:buFont typeface="Arial"/>
+              <a:buChar char="•"/>
+            </a:pPr>
+            <a:r>
+              <a:rPr lang="en-US" sz="2200" dirty="0" smtClean="0">
+                <a:solidFill>
+                  <a:srgbClr val="F8F8F8"/>
+                </a:solidFill>
+              </a:rPr>
+              <a:t>Options</a:t>
+            </a:r>
+          </a:p>
+          <a:p>
+            <a:pPr marL="681038" lvl="1" indent="-331788">
+              <a:buFont typeface="Arial"/>
+              <a:buChar char="•"/>
+            </a:pPr>
+            <a:r>
+              <a:rPr lang="en-US" sz="2200" dirty="0" smtClean="0">
+                <a:solidFill>
+                  <a:srgbClr val="F8F8F8"/>
+                </a:solidFill>
+              </a:rPr>
+              <a:t>Task List</a:t>
+            </a:r>
+          </a:p>
+          <a:p>
+            <a:pPr marL="681038" lvl="1" indent="-331788">
+              <a:buFont typeface="Arial"/>
+              <a:buChar char="•"/>
+            </a:pPr>
+            <a:r>
+              <a:rPr lang="en-US" sz="2200" dirty="0" smtClean="0">
+                <a:solidFill>
+                  <a:srgbClr val="F8F8F8"/>
+                </a:solidFill>
+              </a:rPr>
+              <a:t>Task View</a:t>
+            </a:r>
+            <a:endParaRPr lang="en-US" sz="2200" dirty="0" smtClean="0">
               <a:solidFill>
                 <a:srgbClr val="F8F8F8"/>
               </a:solidFill>
@@ -7898,10 +7520,103 @@
           </a:p>
         </p:txBody>
       </p:sp>
+      <p:sp>
+        <p:nvSpPr>
+          <p:cNvPr id="8" name="TextBox 7"/>
+          <p:cNvSpPr txBox="1"/>
+          <p:nvPr/>
+        </p:nvSpPr>
+        <p:spPr>
+          <a:xfrm>
+            <a:off x="457200" y="1865376"/>
+            <a:ext cx="2204881" cy="584776"/>
+          </a:xfrm>
+          <a:prstGeom prst="rect">
+            <a:avLst/>
+          </a:prstGeom>
+          <a:noFill/>
+        </p:spPr>
+        <p:txBody>
+          <a:bodyPr wrap="square" rtlCol="0">
+            <a:spAutoFit/>
+          </a:bodyPr>
+          <a:lstStyle/>
+          <a:p>
+            <a:pPr algn="ctr"/>
+            <a:r>
+              <a:rPr lang="en-US" sz="3200" dirty="0" smtClean="0"/>
+              <a:t>Model</a:t>
+            </a:r>
+            <a:endParaRPr lang="en-US" sz="3200" dirty="0"/>
+          </a:p>
+        </p:txBody>
+      </p:sp>
+      <p:sp>
+        <p:nvSpPr>
+          <p:cNvPr id="10" name="TextBox 9"/>
+          <p:cNvSpPr txBox="1"/>
+          <p:nvPr/>
+        </p:nvSpPr>
+        <p:spPr>
+          <a:xfrm>
+            <a:off x="3493911" y="1865376"/>
+            <a:ext cx="2204881" cy="584776"/>
+          </a:xfrm>
+          <a:prstGeom prst="rect">
+            <a:avLst/>
+          </a:prstGeom>
+          <a:noFill/>
+        </p:spPr>
+        <p:txBody>
+          <a:bodyPr wrap="square" rtlCol="0">
+            <a:spAutoFit/>
+          </a:bodyPr>
+          <a:lstStyle/>
+          <a:p>
+            <a:pPr algn="ctr"/>
+            <a:r>
+              <a:rPr lang="en-US" sz="3200" dirty="0" smtClean="0"/>
+              <a:t>Controller</a:t>
+            </a:r>
+            <a:endParaRPr lang="en-US" sz="3200" dirty="0"/>
+          </a:p>
+        </p:txBody>
+      </p:sp>
+      <p:sp>
+        <p:nvSpPr>
+          <p:cNvPr id="11" name="TextBox 10"/>
+          <p:cNvSpPr txBox="1"/>
+          <p:nvPr/>
+        </p:nvSpPr>
+        <p:spPr>
+          <a:xfrm>
+            <a:off x="6536783" y="1865376"/>
+            <a:ext cx="2204881" cy="584776"/>
+          </a:xfrm>
+          <a:prstGeom prst="rect">
+            <a:avLst/>
+          </a:prstGeom>
+          <a:noFill/>
+        </p:spPr>
+        <p:txBody>
+          <a:bodyPr wrap="square" rtlCol="0">
+            <a:spAutoFit/>
+          </a:bodyPr>
+          <a:lstStyle/>
+          <a:p>
+            <a:pPr algn="ctr"/>
+            <a:r>
+              <a:rPr lang="en-US" sz="3200" dirty="0" smtClean="0"/>
+              <a:t>View</a:t>
+            </a:r>
+            <a:endParaRPr lang="en-US" sz="3200" dirty="0"/>
+          </a:p>
+        </p:txBody>
+      </p:sp>
     </p:spTree>
     <p:extLst>
       <p:ext uri="{BB962C8B-B14F-4D97-AF65-F5344CB8AC3E}">
-        <p14:creationId xmlns:p14="http://schemas.microsoft.com/office/powerpoint/2010/main" val="2744471277"/>
+        <p14:creationId xmlns:p14="http://schemas.microsoft.com/office/powerpoint/2010/main" val="127540449"/>
       </p:ext>
     </p:extLst>
   </p:cSld>
@@ -8250,103 +7965,6 @@
       </p:sp>
       <p:sp>
         <p:nvSpPr>
-          <p:cNvPr id="15" name="Rectangle 14"/>
-          <p:cNvSpPr/>
-          <p:nvPr/>
-        </p:nvSpPr>
-        <p:spPr>
-          <a:xfrm>
-            <a:off x="3699937" y="2934560"/>
-            <a:ext cx="1730320" cy="396667"/>
-          </a:xfrm>
-          <a:prstGeom prst="rect">
-            <a:avLst/>
-          </a:prstGeom>
-          <a:solidFill>
-            <a:schemeClr val="accent4"/>
-          </a:solidFill>
-          <a:ln w="28575" cmpd="sng">
-            <a:solidFill>
-              <a:schemeClr val="accent1"/>
-            </a:solidFill>
-          </a:ln>
-          <a:effectLst/>
-        </p:spPr>
-        <p:style>
-          <a:lnRef idx="1">
-            <a:schemeClr val="accent1"/>
-          </a:lnRef>
-          <a:fillRef idx="3">
-            <a:schemeClr val="accent1"/>
-          </a:fillRef>
-          <a:effectRef idx="2">
-            <a:schemeClr val="accent1"/>
-          </a:effectRef>
-          <a:fontRef idx="minor">
-            <a:schemeClr val="lt1"/>
-          </a:fontRef>
-        </p:style>
-        <p:txBody>
-          <a:bodyPr rtlCol="0" anchor="ctr"/>
-          <a:lstStyle/>
-          <a:p>
-            <a:pPr algn="ctr"/>
-            <a:r>
-              <a:rPr lang="en-US" dirty="0" smtClean="0">
-                <a:solidFill>
-                  <a:srgbClr val="F8F8F8"/>
-                </a:solidFill>
-              </a:rPr>
-              <a:t>interpret input</a:t>
-            </a:r>
-            <a:endParaRPr lang="en-US" dirty="0">
-              <a:solidFill>
-                <a:srgbClr val="F8F8F8"/>
-              </a:solidFill>
-            </a:endParaRPr>
-          </a:p>
-        </p:txBody>
-      </p:sp>
-      <p:cxnSp>
-        <p:nvCxnSpPr>
-          <p:cNvPr id="16" name="Straight Arrow Connector 15"/>
-          <p:cNvCxnSpPr/>
-          <p:nvPr/>
-        </p:nvCxnSpPr>
-        <p:spPr>
-          <a:xfrm flipH="1">
-            <a:off x="5537200" y="3132894"/>
-            <a:ext cx="1218407" cy="0"/>
-          </a:xfrm>
-          <a:prstGeom prst="straightConnector1">
-            <a:avLst/>
-          </a:prstGeom>
-          <a:ln w="57150" cmpd="sng">
-            <a:solidFill>
-              <a:schemeClr val="accent2"/>
-            </a:solidFill>
-            <a:headEnd type="none"/>
-            <a:tailEnd type="triangle"/>
-          </a:ln>
-          <a:effectLst/>
-        </p:spPr>
-        <p:style>
-          <a:lnRef idx="2">
-            <a:schemeClr val="accent1"/>
-          </a:lnRef>
-          <a:fillRef idx="0">
-            <a:schemeClr val="accent1"/>
-          </a:fillRef>
-          <a:effectRef idx="1">
-            <a:schemeClr val="accent1"/>
-          </a:effectRef>
-          <a:fontRef idx="minor">
-            <a:schemeClr val="tx1"/>
-          </a:fontRef>
-        </p:style>
-      </p:cxnSp>
-      <p:sp>
-        <p:nvSpPr>
           <p:cNvPr id="7" name="Rectangle 6"/>
           <p:cNvSpPr/>
           <p:nvPr/>
@@ -8407,7 +8025,7 @@
     </p:spTree>
     <p:extLst>
       <p:ext uri="{BB962C8B-B14F-4D97-AF65-F5344CB8AC3E}">
-        <p14:creationId xmlns:p14="http://schemas.microsoft.com/office/powerpoint/2010/main" val="2992209754"/>
+        <p14:creationId xmlns:p14="http://schemas.microsoft.com/office/powerpoint/2010/main" val="2744471277"/>
       </p:ext>
     </p:extLst>
   </p:cSld>
@@ -8754,12 +8372,69 @@
           </a:p>
         </p:txBody>
       </p:sp>
+      <p:sp>
+        <p:nvSpPr>
+          <p:cNvPr id="15" name="Rectangle 14"/>
+          <p:cNvSpPr/>
+          <p:nvPr/>
+        </p:nvSpPr>
+        <p:spPr>
+          <a:xfrm>
+            <a:off x="3699937" y="2934560"/>
+            <a:ext cx="1730320" cy="396667"/>
+          </a:xfrm>
+          <a:prstGeom prst="rect">
+            <a:avLst/>
+          </a:prstGeom>
+          <a:solidFill>
+            <a:schemeClr val="accent4"/>
+          </a:solidFill>
+          <a:ln w="28575" cmpd="sng">
+            <a:solidFill>
+              <a:schemeClr val="accent1"/>
+            </a:solidFill>
+          </a:ln>
+          <a:effectLst/>
+        </p:spPr>
+        <p:style>
+          <a:lnRef idx="1">
+            <a:schemeClr val="accent1"/>
+          </a:lnRef>
+          <a:fillRef idx="3">
+            <a:schemeClr val="accent1"/>
+          </a:fillRef>
+          <a:effectRef idx="2">
+            <a:schemeClr val="accent1"/>
+          </a:effectRef>
+          <a:fontRef idx="minor">
+            <a:schemeClr val="lt1"/>
+          </a:fontRef>
+        </p:style>
+        <p:txBody>
+          <a:bodyPr rtlCol="0" anchor="ctr"/>
+          <a:lstStyle/>
+          <a:p>
+            <a:pPr algn="ctr"/>
+            <a:r>
+              <a:rPr lang="en-US" dirty="0" smtClean="0">
+                <a:solidFill>
+                  <a:srgbClr val="F8F8F8"/>
+                </a:solidFill>
+              </a:rPr>
+              <a:t>interpret input</a:t>
+            </a:r>
+            <a:endParaRPr lang="en-US" dirty="0">
+              <a:solidFill>
+                <a:srgbClr val="F8F8F8"/>
+              </a:solidFill>
+            </a:endParaRPr>
+          </a:p>
+        </p:txBody>
+      </p:sp>
       <p:cxnSp>
         <p:nvCxnSpPr>
-          <p:cNvPr id="12" name="Straight Arrow Connector 11"/>
-          <p:cNvCxnSpPr>
-            <a:stCxn id="7" idx="1"/>
-          </p:cNvCxnSpPr>
+          <p:cNvPr id="16" name="Straight Arrow Connector 15"/>
+          <p:cNvCxnSpPr/>
           <p:nvPr/>
         </p:nvCxnSpPr>
         <p:spPr>
@@ -8853,168 +8528,10 @@
           </a:p>
         </p:txBody>
       </p:sp>
-      <p:sp>
-        <p:nvSpPr>
-          <p:cNvPr id="14" name="Rectangle 13"/>
-          <p:cNvSpPr/>
-          <p:nvPr/>
-        </p:nvSpPr>
-        <p:spPr>
-          <a:xfrm>
-            <a:off x="3699937" y="4014227"/>
-            <a:ext cx="1730320" cy="396667"/>
-          </a:xfrm>
-          <a:prstGeom prst="rect">
-            <a:avLst/>
-          </a:prstGeom>
-          <a:solidFill>
-            <a:schemeClr val="accent4"/>
-          </a:solidFill>
-          <a:ln w="28575" cmpd="sng">
-            <a:solidFill>
-              <a:schemeClr val="accent1"/>
-            </a:solidFill>
-          </a:ln>
-          <a:effectLst/>
-        </p:spPr>
-        <p:style>
-          <a:lnRef idx="1">
-            <a:schemeClr val="accent1"/>
-          </a:lnRef>
-          <a:fillRef idx="3">
-            <a:schemeClr val="accent1"/>
-          </a:fillRef>
-          <a:effectRef idx="2">
-            <a:schemeClr val="accent1"/>
-          </a:effectRef>
-          <a:fontRef idx="minor">
-            <a:schemeClr val="lt1"/>
-          </a:fontRef>
-        </p:style>
-        <p:txBody>
-          <a:bodyPr rtlCol="0" anchor="ctr"/>
-          <a:lstStyle/>
-          <a:p>
-            <a:pPr algn="ctr"/>
-            <a:r>
-              <a:rPr lang="en-US" dirty="0" smtClean="0">
-                <a:solidFill>
-                  <a:srgbClr val="F8F8F8"/>
-                </a:solidFill>
-              </a:rPr>
-              <a:t>request data</a:t>
-            </a:r>
-            <a:endParaRPr lang="en-US" dirty="0">
-              <a:solidFill>
-                <a:srgbClr val="F8F8F8"/>
-              </a:solidFill>
-            </a:endParaRPr>
-          </a:p>
-        </p:txBody>
-      </p:sp>
-      <p:cxnSp>
-        <p:nvCxnSpPr>
-          <p:cNvPr id="15" name="Straight Arrow Connector 14"/>
-          <p:cNvCxnSpPr>
-            <a:stCxn id="13" idx="2"/>
-          </p:cNvCxnSpPr>
-          <p:nvPr/>
-        </p:nvCxnSpPr>
-        <p:spPr>
-          <a:xfrm>
-            <a:off x="4565097" y="3331227"/>
-            <a:ext cx="0" cy="614240"/>
-          </a:xfrm>
-          <a:prstGeom prst="straightConnector1">
-            <a:avLst/>
-          </a:prstGeom>
-          <a:ln w="57150" cmpd="sng">
-            <a:solidFill>
-              <a:schemeClr val="accent2"/>
-            </a:solidFill>
-            <a:headEnd type="none"/>
-            <a:tailEnd type="triangle"/>
-          </a:ln>
-          <a:effectLst/>
-        </p:spPr>
-        <p:style>
-          <a:lnRef idx="2">
-            <a:schemeClr val="accent1"/>
-          </a:lnRef>
-          <a:fillRef idx="0">
-            <a:schemeClr val="accent1"/>
-          </a:fillRef>
-          <a:effectRef idx="1">
-            <a:schemeClr val="accent1"/>
-          </a:effectRef>
-          <a:fontRef idx="minor">
-            <a:schemeClr val="tx1"/>
-          </a:fontRef>
-        </p:style>
-      </p:cxnSp>
-      <p:sp>
-        <p:nvSpPr>
-          <p:cNvPr id="13" name="Rectangle 12"/>
-          <p:cNvSpPr/>
-          <p:nvPr/>
-        </p:nvSpPr>
-        <p:spPr>
-          <a:xfrm>
-            <a:off x="3699937" y="2934560"/>
-            <a:ext cx="1730320" cy="396667"/>
-          </a:xfrm>
-          <a:prstGeom prst="rect">
-            <a:avLst/>
-          </a:prstGeom>
-          <a:solidFill>
-            <a:schemeClr val="accent4"/>
-          </a:solidFill>
-          <a:ln w="28575" cmpd="sng">
-            <a:solidFill>
-              <a:schemeClr val="accent1"/>
-            </a:solidFill>
-          </a:ln>
-          <a:effectLst/>
-        </p:spPr>
-        <p:style>
-          <a:lnRef idx="1">
-            <a:schemeClr val="accent1"/>
-          </a:lnRef>
-          <a:fillRef idx="3">
-            <a:schemeClr val="accent1"/>
-          </a:fillRef>
-          <a:effectRef idx="2">
-            <a:schemeClr val="accent1"/>
-          </a:effectRef>
-          <a:fontRef idx="minor">
-            <a:schemeClr val="lt1"/>
-          </a:fontRef>
-        </p:style>
-        <p:txBody>
-          <a:bodyPr rtlCol="0" anchor="ctr"/>
-          <a:lstStyle/>
-          <a:p>
-            <a:pPr algn="ctr"/>
-            <a:r>
-              <a:rPr lang="en-US" dirty="0" smtClean="0">
-                <a:solidFill>
-                  <a:srgbClr val="F8F8F8"/>
-                </a:solidFill>
-              </a:rPr>
-              <a:t>interpret input</a:t>
-            </a:r>
-            <a:endParaRPr lang="en-US" dirty="0">
-              <a:solidFill>
-                <a:srgbClr val="F8F8F8"/>
-              </a:solidFill>
-            </a:endParaRPr>
-          </a:p>
-        </p:txBody>
-      </p:sp>
     </p:spTree>
     <p:extLst>
       <p:ext uri="{BB962C8B-B14F-4D97-AF65-F5344CB8AC3E}">
-        <p14:creationId xmlns:p14="http://schemas.microsoft.com/office/powerpoint/2010/main" val="2922615046"/>
+        <p14:creationId xmlns:p14="http://schemas.microsoft.com/office/powerpoint/2010/main" val="2992209754"/>
       </p:ext>
     </p:extLst>
   </p:cSld>
@@ -9460,55 +8977,15 @@
           </a:p>
         </p:txBody>
       </p:sp>
-      <p:cxnSp>
-        <p:nvCxnSpPr>
-          <p:cNvPr id="15" name="Straight Arrow Connector 14"/>
-          <p:cNvCxnSpPr>
-            <a:stCxn id="13" idx="2"/>
-          </p:cNvCxnSpPr>
-          <p:nvPr/>
-        </p:nvCxnSpPr>
-        <p:spPr>
-          <a:xfrm>
-            <a:off x="4565097" y="3331227"/>
-            <a:ext cx="0" cy="614240"/>
-          </a:xfrm>
-          <a:prstGeom prst="straightConnector1">
-            <a:avLst/>
-          </a:prstGeom>
-          <a:ln w="57150" cmpd="sng">
-            <a:solidFill>
-              <a:schemeClr val="accent2"/>
-            </a:solidFill>
-            <a:headEnd type="none"/>
-            <a:tailEnd type="triangle"/>
-          </a:ln>
-          <a:effectLst/>
-        </p:spPr>
-        <p:style>
-          <a:lnRef idx="2">
-            <a:schemeClr val="accent1"/>
-          </a:lnRef>
-          <a:fillRef idx="0">
-            <a:schemeClr val="accent1"/>
-          </a:fillRef>
-          <a:effectRef idx="1">
-            <a:schemeClr val="accent1"/>
-          </a:effectRef>
-          <a:fontRef idx="minor">
-            <a:schemeClr val="tx1"/>
-          </a:fontRef>
-        </p:style>
-      </p:cxnSp>
-      <p:sp>
-        <p:nvSpPr>
-          <p:cNvPr id="13" name="Rectangle 12"/>
+      <p:sp>
+        <p:nvSpPr>
+          <p:cNvPr id="14" name="Rectangle 13"/>
           <p:cNvSpPr/>
           <p:nvPr/>
         </p:nvSpPr>
         <p:spPr>
           <a:xfrm>
-            <a:off x="3699937" y="2934560"/>
+            <a:off x="3699937" y="4014227"/>
             <a:ext cx="1730320" cy="396667"/>
           </a:xfrm>
           <a:prstGeom prst="rect">
@@ -9549,7 +9026,7 @@
                   <a:srgbClr val="F8F8F8"/>
                 </a:solidFill>
               </a:rPr>
-              <a:t>interpret input</a:t>
+              <a:t>request data</a:t>
             </a:r>
             <a:endParaRPr lang="en-US" dirty="0">
               <a:solidFill>
@@ -9559,75 +9036,18 @@
           </a:p>
         </p:txBody>
       </p:sp>
-      <p:sp>
-        <p:nvSpPr>
-          <p:cNvPr id="16" name="Rectangle 15"/>
-          <p:cNvSpPr/>
-          <p:nvPr/>
-        </p:nvSpPr>
-        <p:spPr>
-          <a:xfrm>
-            <a:off x="702737" y="4014227"/>
-            <a:ext cx="1730320" cy="396667"/>
-          </a:xfrm>
-          <a:prstGeom prst="rect">
-            <a:avLst/>
-          </a:prstGeom>
-          <a:solidFill>
-            <a:schemeClr val="accent5"/>
-          </a:solidFill>
-          <a:ln w="28575" cmpd="sng">
-            <a:solidFill>
-              <a:schemeClr val="accent1"/>
-            </a:solidFill>
-          </a:ln>
-          <a:effectLst/>
-        </p:spPr>
-        <p:style>
-          <a:lnRef idx="1">
-            <a:schemeClr val="accent1"/>
-          </a:lnRef>
-          <a:fillRef idx="3">
-            <a:schemeClr val="accent1"/>
-          </a:fillRef>
-          <a:effectRef idx="2">
-            <a:schemeClr val="accent1"/>
-          </a:effectRef>
-          <a:fontRef idx="minor">
-            <a:schemeClr val="lt1"/>
-          </a:fontRef>
-        </p:style>
-        <p:txBody>
-          <a:bodyPr rtlCol="0" anchor="ctr"/>
-          <a:lstStyle/>
-          <a:p>
-            <a:pPr algn="ctr"/>
-            <a:r>
-              <a:rPr lang="en-US" dirty="0" smtClean="0">
-                <a:solidFill>
-                  <a:srgbClr val="F8F8F8"/>
-                </a:solidFill>
-              </a:rPr>
-              <a:t>gather data</a:t>
-            </a:r>
-            <a:endParaRPr lang="en-US" dirty="0">
-              <a:solidFill>
-                <a:srgbClr val="F8F8F8"/>
-              </a:solidFill>
-            </a:endParaRPr>
-          </a:p>
-        </p:txBody>
-      </p:sp>
       <p:cxnSp>
         <p:nvCxnSpPr>
-          <p:cNvPr id="17" name="Straight Arrow Connector 16"/>
-          <p:cNvCxnSpPr/>
+          <p:cNvPr id="15" name="Straight Arrow Connector 14"/>
+          <p:cNvCxnSpPr>
+            <a:stCxn id="13" idx="2"/>
+          </p:cNvCxnSpPr>
           <p:nvPr/>
         </p:nvCxnSpPr>
         <p:spPr>
-          <a:xfrm flipH="1">
-            <a:off x="2557730" y="4237794"/>
-            <a:ext cx="1218407" cy="0"/>
+          <a:xfrm>
+            <a:off x="4565097" y="3331227"/>
+            <a:ext cx="0" cy="614240"/>
           </a:xfrm>
           <a:prstGeom prst="straightConnector1">
             <a:avLst/>
@@ -9658,13 +9078,13 @@
       </p:cxnSp>
       <p:sp>
         <p:nvSpPr>
-          <p:cNvPr id="14" name="Rectangle 13"/>
+          <p:cNvPr id="13" name="Rectangle 12"/>
           <p:cNvSpPr/>
           <p:nvPr/>
         </p:nvSpPr>
         <p:spPr>
           <a:xfrm>
-            <a:off x="3699937" y="4014227"/>
+            <a:off x="3699937" y="2934560"/>
             <a:ext cx="1730320" cy="396667"/>
           </a:xfrm>
           <a:prstGeom prst="rect">
@@ -9705,7 +9125,7 @@
                   <a:srgbClr val="F8F8F8"/>
                 </a:solidFill>
               </a:rPr>
-              <a:t>request data</a:t>
+              <a:t>interpret input</a:t>
             </a:r>
             <a:endParaRPr lang="en-US" dirty="0">
               <a:solidFill>
@@ -9718,7 +9138,7 @@
     </p:spTree>
     <p:extLst>
       <p:ext uri="{BB962C8B-B14F-4D97-AF65-F5344CB8AC3E}">
-        <p14:creationId xmlns:p14="http://schemas.microsoft.com/office/powerpoint/2010/main" val="200400826"/>
+        <p14:creationId xmlns:p14="http://schemas.microsoft.com/office/powerpoint/2010/main" val="2922615046"/>
       </p:ext>
     </p:extLst>
   </p:cSld>
@@ -10263,6 +9683,65 @@
           </a:p>
         </p:txBody>
       </p:sp>
+      <p:sp>
+        <p:nvSpPr>
+          <p:cNvPr id="16" name="Rectangle 15"/>
+          <p:cNvSpPr/>
+          <p:nvPr/>
+        </p:nvSpPr>
+        <p:spPr>
+          <a:xfrm>
+            <a:off x="702737" y="4014227"/>
+            <a:ext cx="1730320" cy="396667"/>
+          </a:xfrm>
+          <a:prstGeom prst="rect">
+            <a:avLst/>
+          </a:prstGeom>
+          <a:solidFill>
+            <a:schemeClr val="accent5"/>
+          </a:solidFill>
+          <a:ln w="28575" cmpd="sng">
+            <a:solidFill>
+              <a:schemeClr val="accent1"/>
+            </a:solidFill>
+          </a:ln>
+          <a:effectLst/>
+        </p:spPr>
+        <p:style>
+          <a:lnRef idx="1">
+            <a:schemeClr val="accent1"/>
+          </a:lnRef>
+          <a:fillRef idx="3">
+            <a:schemeClr val="accent1"/>
+          </a:fillRef>
+          <a:effectRef idx="2">
+            <a:schemeClr val="accent1"/>
+          </a:effectRef>
+          <a:fontRef idx="minor">
+            <a:schemeClr val="lt1"/>
+          </a:fontRef>
+        </p:style>
+        <p:txBody>
+          <a:bodyPr rtlCol="0" anchor="ctr"/>
+          <a:lstStyle/>
+          <a:p>
+            <a:pPr algn="ctr"/>
+            <a:r>
+              <a:rPr lang="en-US" dirty="0" smtClean="0">
+                <a:solidFill>
+                  <a:srgbClr val="F8F8F8"/>
+                </a:solidFill>
+              </a:rPr>
+              <a:t>gather data</a:t>
+            </a:r>
+            <a:endParaRPr lang="en-US" dirty="0">
+              <a:solidFill>
+                <a:srgbClr val="F8F8F8"/>
+              </a:solidFill>
+            </a:endParaRPr>
+          </a:p>
+        </p:txBody>
+      </p:sp>
       <p:cxnSp>
         <p:nvCxnSpPr>
           <p:cNvPr id="17" name="Straight Arrow Connector 16"/>
@@ -10360,166 +9839,10 @@
           </a:p>
         </p:txBody>
       </p:sp>
-      <p:sp>
-        <p:nvSpPr>
-          <p:cNvPr id="18" name="Rectangle 17"/>
-          <p:cNvSpPr/>
-          <p:nvPr/>
-        </p:nvSpPr>
-        <p:spPr>
-          <a:xfrm>
-            <a:off x="702737" y="5093893"/>
-            <a:ext cx="1730320" cy="396667"/>
-          </a:xfrm>
-          <a:prstGeom prst="rect">
-            <a:avLst/>
-          </a:prstGeom>
-          <a:solidFill>
-            <a:schemeClr val="accent5"/>
-          </a:solidFill>
-          <a:ln w="28575" cmpd="sng">
-            <a:solidFill>
-              <a:schemeClr val="accent1"/>
-            </a:solidFill>
-          </a:ln>
-          <a:effectLst/>
-        </p:spPr>
-        <p:style>
-          <a:lnRef idx="1">
-            <a:schemeClr val="accent1"/>
-          </a:lnRef>
-          <a:fillRef idx="3">
-            <a:schemeClr val="accent1"/>
-          </a:fillRef>
-          <a:effectRef idx="2">
-            <a:schemeClr val="accent1"/>
-          </a:effectRef>
-          <a:fontRef idx="minor">
-            <a:schemeClr val="lt1"/>
-          </a:fontRef>
-        </p:style>
-        <p:txBody>
-          <a:bodyPr rtlCol="0" anchor="ctr"/>
-          <a:lstStyle/>
-          <a:p>
-            <a:pPr algn="ctr"/>
-            <a:r>
-              <a:rPr lang="en-US" dirty="0" smtClean="0">
-                <a:solidFill>
-                  <a:srgbClr val="F8F8F8"/>
-                </a:solidFill>
-              </a:rPr>
-              <a:t>return data</a:t>
-            </a:r>
-            <a:endParaRPr lang="en-US" dirty="0">
-              <a:solidFill>
-                <a:srgbClr val="F8F8F8"/>
-              </a:solidFill>
-            </a:endParaRPr>
-          </a:p>
-        </p:txBody>
-      </p:sp>
-      <p:cxnSp>
-        <p:nvCxnSpPr>
-          <p:cNvPr id="19" name="Straight Arrow Connector 18"/>
-          <p:cNvCxnSpPr/>
-          <p:nvPr/>
-        </p:nvCxnSpPr>
-        <p:spPr>
-          <a:xfrm>
-            <a:off x="1567897" y="4410894"/>
-            <a:ext cx="0" cy="614240"/>
-          </a:xfrm>
-          <a:prstGeom prst="straightConnector1">
-            <a:avLst/>
-          </a:prstGeom>
-          <a:ln w="57150" cmpd="sng">
-            <a:solidFill>
-              <a:schemeClr val="accent2"/>
-            </a:solidFill>
-            <a:headEnd type="none"/>
-            <a:tailEnd type="triangle"/>
-          </a:ln>
-          <a:effectLst/>
-        </p:spPr>
-        <p:style>
-          <a:lnRef idx="2">
-            <a:schemeClr val="accent1"/>
-          </a:lnRef>
-          <a:fillRef idx="0">
-            <a:schemeClr val="accent1"/>
-          </a:fillRef>
-          <a:effectRef idx="1">
-            <a:schemeClr val="accent1"/>
-          </a:effectRef>
-          <a:fontRef idx="minor">
-            <a:schemeClr val="tx1"/>
-          </a:fontRef>
-        </p:style>
-      </p:cxnSp>
-      <p:sp>
-        <p:nvSpPr>
-          <p:cNvPr id="16" name="Rectangle 15"/>
-          <p:cNvSpPr/>
-          <p:nvPr/>
-        </p:nvSpPr>
-        <p:spPr>
-          <a:xfrm>
-            <a:off x="702737" y="4014227"/>
-            <a:ext cx="1730320" cy="396667"/>
-          </a:xfrm>
-          <a:prstGeom prst="rect">
-            <a:avLst/>
-          </a:prstGeom>
-          <a:solidFill>
-            <a:schemeClr val="accent5"/>
-          </a:solidFill>
-          <a:ln w="28575" cmpd="sng">
-            <a:solidFill>
-              <a:schemeClr val="accent1"/>
-            </a:solidFill>
-          </a:ln>
-          <a:effectLst/>
-        </p:spPr>
-        <p:style>
-          <a:lnRef idx="1">
-            <a:schemeClr val="accent1"/>
-          </a:lnRef>
-          <a:fillRef idx="3">
-            <a:schemeClr val="accent1"/>
-          </a:fillRef>
-          <a:effectRef idx="2">
-            <a:schemeClr val="accent1"/>
-          </a:effectRef>
-          <a:fontRef idx="minor">
-            <a:schemeClr val="lt1"/>
-          </a:fontRef>
-        </p:style>
-        <p:txBody>
-          <a:bodyPr rtlCol="0" anchor="ctr"/>
-          <a:lstStyle/>
-          <a:p>
-            <a:pPr algn="ctr"/>
-            <a:r>
-              <a:rPr lang="en-US" dirty="0" smtClean="0">
-                <a:solidFill>
-                  <a:srgbClr val="F8F8F8"/>
-                </a:solidFill>
-              </a:rPr>
-              <a:t>gather data</a:t>
-            </a:r>
-            <a:endParaRPr lang="en-US" dirty="0">
-              <a:solidFill>
-                <a:srgbClr val="F8F8F8"/>
-              </a:solidFill>
-            </a:endParaRPr>
-          </a:p>
-        </p:txBody>
-      </p:sp>
     </p:spTree>
     <p:extLst>
       <p:ext uri="{BB962C8B-B14F-4D97-AF65-F5344CB8AC3E}">
-        <p14:creationId xmlns:p14="http://schemas.microsoft.com/office/powerpoint/2010/main" val="96029311"/>
+        <p14:creationId xmlns:p14="http://schemas.microsoft.com/office/powerpoint/2010/main" val="200400826"/>
       </p:ext>
     </p:extLst>
   </p:cSld>
@@ -11072,7 +10395,7 @@
         </p:nvCxnSpPr>
         <p:spPr>
           <a:xfrm flipH="1">
-            <a:off x="2545030" y="4237794"/>
+            <a:off x="2557730" y="4237794"/>
             <a:ext cx="1218407" cy="0"/>
           </a:xfrm>
           <a:prstGeom prst="straightConnector1">
@@ -11161,53 +10484,15 @@
           </a:p>
         </p:txBody>
       </p:sp>
-      <p:cxnSp>
-        <p:nvCxnSpPr>
-          <p:cNvPr id="19" name="Straight Arrow Connector 18"/>
-          <p:cNvCxnSpPr/>
-          <p:nvPr/>
-        </p:nvCxnSpPr>
-        <p:spPr>
-          <a:xfrm>
-            <a:off x="1567897" y="4410894"/>
-            <a:ext cx="0" cy="614240"/>
-          </a:xfrm>
-          <a:prstGeom prst="straightConnector1">
-            <a:avLst/>
-          </a:prstGeom>
-          <a:ln w="57150" cmpd="sng">
-            <a:solidFill>
-              <a:schemeClr val="accent2"/>
-            </a:solidFill>
-            <a:headEnd type="none"/>
-            <a:tailEnd type="triangle"/>
-          </a:ln>
-          <a:effectLst/>
-        </p:spPr>
-        <p:style>
-          <a:lnRef idx="2">
-            <a:schemeClr val="accent1"/>
-          </a:lnRef>
-          <a:fillRef idx="0">
-            <a:schemeClr val="accent1"/>
-          </a:fillRef>
-          <a:effectRef idx="1">
-            <a:schemeClr val="accent1"/>
-          </a:effectRef>
-          <a:fontRef idx="minor">
-            <a:schemeClr val="tx1"/>
-          </a:fontRef>
-        </p:style>
-      </p:cxnSp>
-      <p:sp>
-        <p:nvSpPr>
-          <p:cNvPr id="16" name="Rectangle 15"/>
+      <p:sp>
+        <p:nvSpPr>
+          <p:cNvPr id="18" name="Rectangle 17"/>
           <p:cNvSpPr/>
           <p:nvPr/>
         </p:nvSpPr>
         <p:spPr>
           <a:xfrm>
-            <a:off x="702737" y="4014227"/>
+            <a:off x="702737" y="5093893"/>
             <a:ext cx="1730320" cy="396667"/>
           </a:xfrm>
           <a:prstGeom prst="rect">
@@ -11248,7 +10533,7 @@
                   <a:srgbClr val="F8F8F8"/>
                 </a:solidFill>
               </a:rPr>
-              <a:t>gather data</a:t>
+              <a:t>return data</a:t>
             </a:r>
             <a:endParaRPr lang="en-US" dirty="0">
               <a:solidFill>
@@ -11258,75 +10543,16 @@
           </a:p>
         </p:txBody>
       </p:sp>
-      <p:sp>
-        <p:nvSpPr>
-          <p:cNvPr id="20" name="Rectangle 19"/>
-          <p:cNvSpPr/>
-          <p:nvPr/>
-        </p:nvSpPr>
-        <p:spPr>
-          <a:xfrm>
-            <a:off x="3699937" y="5093893"/>
-            <a:ext cx="1730320" cy="396667"/>
-          </a:xfrm>
-          <a:prstGeom prst="rect">
-            <a:avLst/>
-          </a:prstGeom>
-          <a:solidFill>
-            <a:schemeClr val="accent4"/>
-          </a:solidFill>
-          <a:ln w="28575" cmpd="sng">
-            <a:solidFill>
-              <a:schemeClr val="accent1"/>
-            </a:solidFill>
-          </a:ln>
-          <a:effectLst/>
-        </p:spPr>
-        <p:style>
-          <a:lnRef idx="1">
-            <a:schemeClr val="accent1"/>
-          </a:lnRef>
-          <a:fillRef idx="3">
-            <a:schemeClr val="accent1"/>
-          </a:fillRef>
-          <a:effectRef idx="2">
-            <a:schemeClr val="accent1"/>
-          </a:effectRef>
-          <a:fontRef idx="minor">
-            <a:schemeClr val="lt1"/>
-          </a:fontRef>
-        </p:style>
-        <p:txBody>
-          <a:bodyPr rtlCol="0" anchor="ctr"/>
-          <a:lstStyle/>
-          <a:p>
-            <a:pPr algn="ctr"/>
-            <a:r>
-              <a:rPr lang="en-US" dirty="0" smtClean="0">
-                <a:solidFill>
-                  <a:srgbClr val="F8F8F8"/>
-                </a:solidFill>
-              </a:rPr>
-              <a:t>forward data</a:t>
-            </a:r>
-            <a:endParaRPr lang="en-US" dirty="0">
-              <a:solidFill>
-                <a:srgbClr val="F8F8F8"/>
-              </a:solidFill>
-            </a:endParaRPr>
-          </a:p>
-        </p:txBody>
-      </p:sp>
       <p:cxnSp>
         <p:nvCxnSpPr>
-          <p:cNvPr id="21" name="Straight Arrow Connector 20"/>
+          <p:cNvPr id="19" name="Straight Arrow Connector 18"/>
           <p:cNvCxnSpPr/>
           <p:nvPr/>
         </p:nvCxnSpPr>
         <p:spPr>
           <a:xfrm>
-            <a:off x="2382257" y="5300588"/>
-            <a:ext cx="1218407" cy="0"/>
+            <a:off x="1567897" y="4410894"/>
+            <a:ext cx="0" cy="614240"/>
           </a:xfrm>
           <a:prstGeom prst="straightConnector1">
             <a:avLst/>
@@ -11357,13 +10583,13 @@
       </p:cxnSp>
       <p:sp>
         <p:nvSpPr>
-          <p:cNvPr id="18" name="Rectangle 17"/>
+          <p:cNvPr id="16" name="Rectangle 15"/>
           <p:cNvSpPr/>
           <p:nvPr/>
         </p:nvSpPr>
         <p:spPr>
           <a:xfrm>
-            <a:off x="702737" y="5093893"/>
+            <a:off x="702737" y="4014227"/>
             <a:ext cx="1730320" cy="396667"/>
           </a:xfrm>
           <a:prstGeom prst="rect">
@@ -11404,7 +10630,7 @@
                   <a:srgbClr val="F8F8F8"/>
                 </a:solidFill>
               </a:rPr>
-              <a:t>return data</a:t>
+              <a:t>gather data</a:t>
             </a:r>
             <a:endParaRPr lang="en-US" dirty="0">
               <a:solidFill>
@@ -11417,7 +10643,7 @@
     </p:spTree>
     <p:extLst>
       <p:ext uri="{BB962C8B-B14F-4D97-AF65-F5344CB8AC3E}">
-        <p14:creationId xmlns:p14="http://schemas.microsoft.com/office/powerpoint/2010/main" val="3441382437"/>
+        <p14:creationId xmlns:p14="http://schemas.microsoft.com/office/powerpoint/2010/main" val="96029311"/>
       </p:ext>
     </p:extLst>
   </p:cSld>
@@ -12156,6 +11382,65 @@
           </a:p>
         </p:txBody>
       </p:sp>
+      <p:sp>
+        <p:nvSpPr>
+          <p:cNvPr id="20" name="Rectangle 19"/>
+          <p:cNvSpPr/>
+          <p:nvPr/>
+        </p:nvSpPr>
+        <p:spPr>
+          <a:xfrm>
+            <a:off x="3699937" y="5093893"/>
+            <a:ext cx="1730320" cy="396667"/>
+          </a:xfrm>
+          <a:prstGeom prst="rect">
+            <a:avLst/>
+          </a:prstGeom>
+          <a:solidFill>
+            <a:schemeClr val="accent4"/>
+          </a:solidFill>
+          <a:ln w="28575" cmpd="sng">
+            <a:solidFill>
+              <a:schemeClr val="accent1"/>
+            </a:solidFill>
+          </a:ln>
+          <a:effectLst/>
+        </p:spPr>
+        <p:style>
+          <a:lnRef idx="1">
+            <a:schemeClr val="accent1"/>
+          </a:lnRef>
+          <a:fillRef idx="3">
+            <a:schemeClr val="accent1"/>
+          </a:fillRef>
+          <a:effectRef idx="2">
+            <a:schemeClr val="accent1"/>
+          </a:effectRef>
+          <a:fontRef idx="minor">
+            <a:schemeClr val="lt1"/>
+          </a:fontRef>
+        </p:style>
+        <p:txBody>
+          <a:bodyPr rtlCol="0" anchor="ctr"/>
+          <a:lstStyle/>
+          <a:p>
+            <a:pPr algn="ctr"/>
+            <a:r>
+              <a:rPr lang="en-US" dirty="0" smtClean="0">
+                <a:solidFill>
+                  <a:srgbClr val="F8F8F8"/>
+                </a:solidFill>
+              </a:rPr>
+              <a:t>forward data</a:t>
+            </a:r>
+            <a:endParaRPr lang="en-US" dirty="0">
+              <a:solidFill>
+                <a:srgbClr val="F8F8F8"/>
+              </a:solidFill>
+            </a:endParaRPr>
+          </a:p>
+        </p:txBody>
+      </p:sp>
       <p:cxnSp>
         <p:nvCxnSpPr>
           <p:cNvPr id="21" name="Straight Arrow Connector 20"/>
@@ -12253,166 +11538,10 @@
           </a:p>
         </p:txBody>
       </p:sp>
-      <p:sp>
-        <p:nvSpPr>
-          <p:cNvPr id="22" name="Rectangle 21"/>
-          <p:cNvSpPr/>
-          <p:nvPr/>
-        </p:nvSpPr>
-        <p:spPr>
-          <a:xfrm>
-            <a:off x="6755607" y="5102254"/>
-            <a:ext cx="1730320" cy="396667"/>
-          </a:xfrm>
-          <a:prstGeom prst="rect">
-            <a:avLst/>
-          </a:prstGeom>
-          <a:solidFill>
-            <a:schemeClr val="accent6"/>
-          </a:solidFill>
-          <a:ln w="28575" cmpd="sng">
-            <a:solidFill>
-              <a:schemeClr val="accent1"/>
-            </a:solidFill>
-          </a:ln>
-          <a:effectLst/>
-        </p:spPr>
-        <p:style>
-          <a:lnRef idx="1">
-            <a:schemeClr val="accent1"/>
-          </a:lnRef>
-          <a:fillRef idx="3">
-            <a:schemeClr val="accent1"/>
-          </a:fillRef>
-          <a:effectRef idx="2">
-            <a:schemeClr val="accent1"/>
-          </a:effectRef>
-          <a:fontRef idx="minor">
-            <a:schemeClr val="lt1"/>
-          </a:fontRef>
-        </p:style>
-        <p:txBody>
-          <a:bodyPr rtlCol="0" anchor="ctr"/>
-          <a:lstStyle/>
-          <a:p>
-            <a:pPr algn="ctr"/>
-            <a:r>
-              <a:rPr lang="en-US" dirty="0" smtClean="0">
-                <a:solidFill>
-                  <a:srgbClr val="F8F8F8"/>
-                </a:solidFill>
-              </a:rPr>
-              <a:t>display data</a:t>
-            </a:r>
-            <a:endParaRPr lang="en-US" dirty="0">
-              <a:solidFill>
-                <a:srgbClr val="F8F8F8"/>
-              </a:solidFill>
-            </a:endParaRPr>
-          </a:p>
-        </p:txBody>
-      </p:sp>
-      <p:cxnSp>
-        <p:nvCxnSpPr>
-          <p:cNvPr id="23" name="Straight Arrow Connector 22"/>
-          <p:cNvCxnSpPr/>
-          <p:nvPr/>
-        </p:nvCxnSpPr>
-        <p:spPr>
-          <a:xfrm>
-            <a:off x="5430257" y="5300588"/>
-            <a:ext cx="1218407" cy="0"/>
-          </a:xfrm>
-          <a:prstGeom prst="straightConnector1">
-            <a:avLst/>
-          </a:prstGeom>
-          <a:ln w="57150" cmpd="sng">
-            <a:solidFill>
-              <a:schemeClr val="accent2"/>
-            </a:solidFill>
-            <a:headEnd type="none"/>
-            <a:tailEnd type="triangle"/>
-          </a:ln>
-          <a:effectLst/>
-        </p:spPr>
-        <p:style>
-          <a:lnRef idx="2">
-            <a:schemeClr val="accent1"/>
-          </a:lnRef>
-          <a:fillRef idx="0">
-            <a:schemeClr val="accent1"/>
-          </a:fillRef>
-          <a:effectRef idx="1">
-            <a:schemeClr val="accent1"/>
-          </a:effectRef>
-          <a:fontRef idx="minor">
-            <a:schemeClr val="tx1"/>
-          </a:fontRef>
-        </p:style>
-      </p:cxnSp>
-      <p:sp>
-        <p:nvSpPr>
-          <p:cNvPr id="20" name="Rectangle 19"/>
-          <p:cNvSpPr/>
-          <p:nvPr/>
-        </p:nvSpPr>
-        <p:spPr>
-          <a:xfrm>
-            <a:off x="3699937" y="5093893"/>
-            <a:ext cx="1730320" cy="396667"/>
-          </a:xfrm>
-          <a:prstGeom prst="rect">
-            <a:avLst/>
-          </a:prstGeom>
-          <a:solidFill>
-            <a:schemeClr val="accent4"/>
-          </a:solidFill>
-          <a:ln w="28575" cmpd="sng">
-            <a:solidFill>
-              <a:schemeClr val="accent1"/>
-            </a:solidFill>
-          </a:ln>
-          <a:effectLst/>
-        </p:spPr>
-        <p:style>
-          <a:lnRef idx="1">
-            <a:schemeClr val="accent1"/>
-          </a:lnRef>
-          <a:fillRef idx="3">
-            <a:schemeClr val="accent1"/>
-          </a:fillRef>
-          <a:effectRef idx="2">
-            <a:schemeClr val="accent1"/>
-          </a:effectRef>
-          <a:fontRef idx="minor">
-            <a:schemeClr val="lt1"/>
-          </a:fontRef>
-        </p:style>
-        <p:txBody>
-          <a:bodyPr rtlCol="0" anchor="ctr"/>
-          <a:lstStyle/>
-          <a:p>
-            <a:pPr algn="ctr"/>
-            <a:r>
-              <a:rPr lang="en-US" dirty="0" smtClean="0">
-                <a:solidFill>
-                  <a:srgbClr val="F8F8F8"/>
-                </a:solidFill>
-              </a:rPr>
-              <a:t>forward data</a:t>
-            </a:r>
-            <a:endParaRPr lang="en-US" dirty="0">
-              <a:solidFill>
-                <a:srgbClr val="F8F8F8"/>
-              </a:solidFill>
-            </a:endParaRPr>
-          </a:p>
-        </p:txBody>
-      </p:sp>
     </p:spTree>
     <p:extLst>
       <p:ext uri="{BB962C8B-B14F-4D97-AF65-F5344CB8AC3E}">
-        <p14:creationId xmlns:p14="http://schemas.microsoft.com/office/powerpoint/2010/main" val="3901540482"/>
+        <p14:creationId xmlns:p14="http://schemas.microsoft.com/office/powerpoint/2010/main" val="3441382437"/>
       </p:ext>
     </p:extLst>
   </p:cSld>
@@ -12464,70 +11593,40 @@
           <a:lstStyle/>
           <a:p>
             <a:r>
-              <a:rPr lang="en-US" sz="2500" dirty="0" smtClean="0"/>
-              <a:t>Does your waiter make your food?</a:t>
-            </a:r>
-          </a:p>
-          <a:p>
-            <a:r>
-              <a:rPr lang="en-US" sz="2500" dirty="0" smtClean="0"/>
-              <a:t>Do they know all the recipes?</a:t>
-            </a:r>
-          </a:p>
-          <a:p>
-            <a:r>
-              <a:rPr lang="en-US" sz="2500" dirty="0" smtClean="0"/>
-              <a:t>Do they run the kitchen?</a:t>
-            </a:r>
-            <a:endParaRPr lang="en-US" sz="2500" dirty="0"/>
-          </a:p>
-          <a:p>
-            <a:r>
-              <a:rPr lang="en-US" sz="2500" dirty="0" smtClean="0"/>
-              <a:t>What </a:t>
-            </a:r>
-            <a:r>
-              <a:rPr lang="en-US" sz="2500" i="1" dirty="0" smtClean="0"/>
-              <a:t>is</a:t>
-            </a:r>
-            <a:r>
-              <a:rPr lang="en-US" sz="2500" dirty="0" smtClean="0"/>
-              <a:t> a waiter responsible for?</a:t>
-            </a:r>
-            <a:endParaRPr lang="en-US" sz="2500" dirty="0"/>
+              <a:rPr lang="en-US" sz="3400" dirty="0" smtClean="0"/>
+              <a:t>MVC is not much different than th</a:t>
+            </a:r>
+            <a:r>
+              <a:rPr lang="en-US" sz="3400" dirty="0" smtClean="0"/>
+              <a:t>e code you are already writing. </a:t>
+            </a:r>
+            <a:endParaRPr lang="en-US" sz="3400" dirty="0" smtClean="0"/>
+          </a:p>
+          <a:p>
+            <a:r>
+              <a:rPr lang="en-US" sz="3400" dirty="0" smtClean="0"/>
+              <a:t>These </a:t>
+            </a:r>
+            <a:r>
+              <a:rPr lang="en-US" sz="3400" dirty="0" smtClean="0"/>
+              <a:t>are all just classes!</a:t>
+            </a:r>
+          </a:p>
+          <a:p>
+            <a:r>
+              <a:rPr lang="en-US" sz="3400" dirty="0" smtClean="0"/>
+              <a:t>They’re </a:t>
+            </a:r>
+            <a:r>
+              <a:rPr lang="en-US" sz="3400" dirty="0" smtClean="0"/>
+              <a:t>just organized in a different way</a:t>
+            </a:r>
           </a:p>
           <a:p>
             <a:pPr marL="45720" indent="0">
               <a:buNone/>
             </a:pPr>
-            <a:endParaRPr lang="en-US" sz="2500" dirty="0" smtClean="0"/>
-          </a:p>
-          <a:p>
-            <a:pPr marL="45720" indent="0" algn="ctr">
-              <a:buNone/>
-            </a:pPr>
-            <a:r>
-              <a:rPr lang="en-US" sz="2500" dirty="0" smtClean="0"/>
-              <a:t>Everyone has their own role.</a:t>
-            </a:r>
-          </a:p>
-          <a:p>
-            <a:pPr marL="45720" indent="0" algn="ctr">
-              <a:buNone/>
-            </a:pPr>
-            <a:r>
-              <a:rPr lang="en-US" sz="2500" dirty="0" smtClean="0"/>
-              <a:t>If you want a well-run restaurant,</a:t>
-            </a:r>
-          </a:p>
-          <a:p>
-            <a:pPr marL="45720" indent="0" algn="ctr">
-              <a:buNone/>
-            </a:pPr>
-            <a:r>
-              <a:rPr lang="en-US" sz="2500" dirty="0" smtClean="0"/>
-              <a:t>you need to divvy up the work.</a:t>
-            </a:r>
+            <a:endParaRPr lang="en-US" sz="3400" dirty="0"/>
           </a:p>
         </p:txBody>
       </p:sp>
@@ -12548,7 +11647,7 @@
           <a:p>
             <a:r>
               <a:rPr lang="en-US" dirty="0" smtClean="0"/>
-              <a:t>Think about a restaurant.</a:t>
+              <a:t>M-V-C Basically: 	 </a:t>
             </a:r>
             <a:endParaRPr lang="en-US" dirty="0"/>
           </a:p>
@@ -12557,7 +11656,1002 @@
     </p:spTree>
     <p:extLst>
       <p:ext uri="{BB962C8B-B14F-4D97-AF65-F5344CB8AC3E}">
-        <p14:creationId xmlns:p14="http://schemas.microsoft.com/office/powerpoint/2010/main" val="3412075118"/>
+        <p14:creationId xmlns:p14="http://schemas.microsoft.com/office/powerpoint/2010/main" val="1609706312"/>
+      </p:ext>
+    </p:extLst>
+  </p:cSld>
+  <p:clrMapOvr>
+    <a:masterClrMapping/>
+  </p:clrMapOvr>
+  <p:timing>
+    <p:tnLst>
+      <p:par>
+        <p:cTn xmlns:p14="http://schemas.microsoft.com/office/powerpoint/2010/main" id="1" dur="indefinite" restart="never" nodeType="tmRoot"/>
+      </p:par>
+    </p:tnLst>
+  </p:timing>
+</p:sld>
+</file>
+
+<file path=ppt/slides/slide30.xml><?xml version="1.0" encoding="utf-8"?>
+<p:sld xmlns:a="http://schemas.openxmlformats.org/drawingml/2006/main" xmlns:r="http://schemas.openxmlformats.org/officeDocument/2006/relationships" xmlns:p="http://schemas.openxmlformats.org/presentationml/2006/main">
+  <p:cSld>
+    <p:spTree>
+      <p:nvGrpSpPr>
+        <p:cNvPr id="1" name=""/>
+        <p:cNvGrpSpPr/>
+        <p:nvPr/>
+      </p:nvGrpSpPr>
+      <p:grpSpPr>
+        <a:xfrm>
+          <a:off x="0" y="0"/>
+          <a:ext cx="0" cy="0"/>
+          <a:chOff x="0" y="0"/>
+          <a:chExt cx="0" cy="0"/>
+        </a:xfrm>
+      </p:grpSpPr>
+      <p:sp>
+        <p:nvSpPr>
+          <p:cNvPr id="2" name="Title 1"/>
+          <p:cNvSpPr>
+            <a:spLocks noGrp="1"/>
+          </p:cNvSpPr>
+          <p:nvPr>
+            <p:ph type="title"/>
+          </p:nvPr>
+        </p:nvSpPr>
+        <p:spPr/>
+        <p:txBody>
+          <a:bodyPr/>
+          <a:lstStyle/>
+          <a:p>
+            <a:r>
+              <a:rPr lang="en-US" dirty="0" smtClean="0"/>
+              <a:t>TODO's: </a:t>
+            </a:r>
+            <a:r>
+              <a:rPr lang="en-US" dirty="0" smtClean="0"/>
+              <a:t>List</a:t>
+            </a:r>
+            <a:endParaRPr lang="en-US" dirty="0"/>
+          </a:p>
+        </p:txBody>
+      </p:sp>
+      <p:sp>
+        <p:nvSpPr>
+          <p:cNvPr id="3" name="Footer Placeholder 2"/>
+          <p:cNvSpPr>
+            <a:spLocks noGrp="1"/>
+          </p:cNvSpPr>
+          <p:nvPr>
+            <p:ph type="ftr" sz="quarter" idx="3"/>
+          </p:nvPr>
+        </p:nvSpPr>
+        <p:spPr/>
+        <p:txBody>
+          <a:bodyPr/>
+          <a:lstStyle/>
+          <a:p>
+            <a:r>
+              <a:rPr lang="en-US" smtClean="0"/>
+              <a:t>Model – View – Controller: A Design Pattern</a:t>
+            </a:r>
+            <a:endParaRPr lang="en-US" dirty="0"/>
+          </a:p>
+        </p:txBody>
+      </p:sp>
+      <p:sp>
+        <p:nvSpPr>
+          <p:cNvPr id="4" name="Rectangle 3"/>
+          <p:cNvSpPr/>
+          <p:nvPr/>
+        </p:nvSpPr>
+        <p:spPr>
+          <a:xfrm>
+            <a:off x="512064" y="2723877"/>
+            <a:ext cx="2150017" cy="3058909"/>
+          </a:xfrm>
+          <a:prstGeom prst="rect">
+            <a:avLst/>
+          </a:prstGeom>
+          <a:solidFill>
+            <a:srgbClr val="00A9B9"/>
+          </a:solidFill>
+          <a:ln>
+            <a:noFill/>
+          </a:ln>
+          <a:effectLst/>
+        </p:spPr>
+        <p:style>
+          <a:lnRef idx="1">
+            <a:schemeClr val="accent1"/>
+          </a:lnRef>
+          <a:fillRef idx="3">
+            <a:schemeClr val="accent1"/>
+          </a:fillRef>
+          <a:effectRef idx="2">
+            <a:schemeClr val="accent1"/>
+          </a:effectRef>
+          <a:fontRef idx="minor">
+            <a:schemeClr val="lt1"/>
+          </a:fontRef>
+        </p:style>
+        <p:txBody>
+          <a:bodyPr rtlCol="0" anchor="t"/>
+          <a:lstStyle/>
+          <a:p>
+            <a:endParaRPr lang="en-US" sz="2200" dirty="0">
+              <a:solidFill>
+                <a:schemeClr val="accent1"/>
+              </a:solidFill>
+            </a:endParaRPr>
+          </a:p>
+          <a:p>
+            <a:pPr marL="111125"/>
+            <a:endParaRPr lang="en-US" sz="2200" dirty="0" smtClean="0">
+              <a:solidFill>
+                <a:schemeClr val="accent1"/>
+              </a:solidFill>
+            </a:endParaRPr>
+          </a:p>
+        </p:txBody>
+      </p:sp>
+      <p:sp>
+        <p:nvSpPr>
+          <p:cNvPr id="5" name="Rectangle 4"/>
+          <p:cNvSpPr/>
+          <p:nvPr/>
+        </p:nvSpPr>
+        <p:spPr>
+          <a:xfrm>
+            <a:off x="3493911" y="2668662"/>
+            <a:ext cx="2150017" cy="3058909"/>
+          </a:xfrm>
+          <a:prstGeom prst="rect">
+            <a:avLst/>
+          </a:prstGeom>
+          <a:solidFill>
+            <a:srgbClr val="EA4A3C"/>
+          </a:solidFill>
+          <a:ln>
+            <a:noFill/>
+          </a:ln>
+          <a:effectLst/>
+        </p:spPr>
+        <p:style>
+          <a:lnRef idx="1">
+            <a:schemeClr val="accent1"/>
+          </a:lnRef>
+          <a:fillRef idx="3">
+            <a:schemeClr val="accent1"/>
+          </a:fillRef>
+          <a:effectRef idx="2">
+            <a:schemeClr val="accent1"/>
+          </a:effectRef>
+          <a:fontRef idx="minor">
+            <a:schemeClr val="lt1"/>
+          </a:fontRef>
+        </p:style>
+        <p:txBody>
+          <a:bodyPr rtlCol="0" anchor="t"/>
+          <a:lstStyle/>
+          <a:p>
+            <a:pPr marL="111125"/>
+            <a:endParaRPr lang="en-US" sz="2200" dirty="0" smtClean="0">
+              <a:solidFill>
+                <a:srgbClr val="F8F8F8"/>
+              </a:solidFill>
+            </a:endParaRPr>
+          </a:p>
+          <a:p>
+            <a:pPr marL="111125"/>
+            <a:endParaRPr lang="en-US" sz="2200" dirty="0" smtClean="0">
+              <a:solidFill>
+                <a:srgbClr val="F8F8F8"/>
+              </a:solidFill>
+            </a:endParaRPr>
+          </a:p>
+        </p:txBody>
+      </p:sp>
+      <p:sp>
+        <p:nvSpPr>
+          <p:cNvPr id="6" name="Rectangle 5"/>
+          <p:cNvSpPr/>
+          <p:nvPr/>
+        </p:nvSpPr>
+        <p:spPr>
+          <a:xfrm>
+            <a:off x="6536783" y="2723877"/>
+            <a:ext cx="2150017" cy="3058909"/>
+          </a:xfrm>
+          <a:prstGeom prst="rect">
+            <a:avLst/>
+          </a:prstGeom>
+          <a:solidFill>
+            <a:schemeClr val="accent6"/>
+          </a:solidFill>
+          <a:ln>
+            <a:noFill/>
+          </a:ln>
+          <a:effectLst/>
+        </p:spPr>
+        <p:style>
+          <a:lnRef idx="1">
+            <a:schemeClr val="accent1"/>
+          </a:lnRef>
+          <a:fillRef idx="3">
+            <a:schemeClr val="accent1"/>
+          </a:fillRef>
+          <a:effectRef idx="2">
+            <a:schemeClr val="accent1"/>
+          </a:effectRef>
+          <a:fontRef idx="minor">
+            <a:schemeClr val="lt1"/>
+          </a:fontRef>
+        </p:style>
+        <p:txBody>
+          <a:bodyPr rtlCol="0" anchor="t"/>
+          <a:lstStyle/>
+          <a:p>
+            <a:pPr marL="111125"/>
+            <a:endParaRPr lang="en-US" sz="2200" dirty="0" smtClean="0">
+              <a:solidFill>
+                <a:srgbClr val="F8F8F8"/>
+              </a:solidFill>
+            </a:endParaRPr>
+          </a:p>
+          <a:p>
+            <a:pPr marL="111125"/>
+            <a:endParaRPr lang="en-US" sz="2200" dirty="0" smtClean="0">
+              <a:solidFill>
+                <a:srgbClr val="F8F8F8"/>
+              </a:solidFill>
+            </a:endParaRPr>
+          </a:p>
+        </p:txBody>
+      </p:sp>
+      <p:sp>
+        <p:nvSpPr>
+          <p:cNvPr id="8" name="TextBox 7"/>
+          <p:cNvSpPr txBox="1"/>
+          <p:nvPr/>
+        </p:nvSpPr>
+        <p:spPr>
+          <a:xfrm>
+            <a:off x="457200" y="1865376"/>
+            <a:ext cx="2204881" cy="584776"/>
+          </a:xfrm>
+          <a:prstGeom prst="rect">
+            <a:avLst/>
+          </a:prstGeom>
+          <a:noFill/>
+        </p:spPr>
+        <p:txBody>
+          <a:bodyPr wrap="square" rtlCol="0">
+            <a:spAutoFit/>
+          </a:bodyPr>
+          <a:lstStyle/>
+          <a:p>
+            <a:pPr algn="ctr"/>
+            <a:r>
+              <a:rPr lang="en-US" sz="3200" dirty="0" smtClean="0"/>
+              <a:t>Model</a:t>
+            </a:r>
+            <a:endParaRPr lang="en-US" sz="3200" dirty="0"/>
+          </a:p>
+        </p:txBody>
+      </p:sp>
+      <p:sp>
+        <p:nvSpPr>
+          <p:cNvPr id="10" name="TextBox 9"/>
+          <p:cNvSpPr txBox="1"/>
+          <p:nvPr/>
+        </p:nvSpPr>
+        <p:spPr>
+          <a:xfrm>
+            <a:off x="3493911" y="1865376"/>
+            <a:ext cx="2204881" cy="584776"/>
+          </a:xfrm>
+          <a:prstGeom prst="rect">
+            <a:avLst/>
+          </a:prstGeom>
+          <a:noFill/>
+        </p:spPr>
+        <p:txBody>
+          <a:bodyPr wrap="square" rtlCol="0">
+            <a:spAutoFit/>
+          </a:bodyPr>
+          <a:lstStyle/>
+          <a:p>
+            <a:pPr algn="ctr"/>
+            <a:r>
+              <a:rPr lang="en-US" sz="3200" dirty="0" smtClean="0"/>
+              <a:t>Controller</a:t>
+            </a:r>
+            <a:endParaRPr lang="en-US" sz="3200" dirty="0"/>
+          </a:p>
+        </p:txBody>
+      </p:sp>
+      <p:sp>
+        <p:nvSpPr>
+          <p:cNvPr id="11" name="TextBox 10"/>
+          <p:cNvSpPr txBox="1"/>
+          <p:nvPr/>
+        </p:nvSpPr>
+        <p:spPr>
+          <a:xfrm>
+            <a:off x="6536783" y="1865376"/>
+            <a:ext cx="2204881" cy="584776"/>
+          </a:xfrm>
+          <a:prstGeom prst="rect">
+            <a:avLst/>
+          </a:prstGeom>
+          <a:noFill/>
+        </p:spPr>
+        <p:txBody>
+          <a:bodyPr wrap="square" rtlCol="0">
+            <a:spAutoFit/>
+          </a:bodyPr>
+          <a:lstStyle/>
+          <a:p>
+            <a:pPr algn="ctr"/>
+            <a:r>
+              <a:rPr lang="en-US" sz="3200" dirty="0" smtClean="0"/>
+              <a:t>View</a:t>
+            </a:r>
+            <a:endParaRPr lang="en-US" sz="3200" dirty="0"/>
+          </a:p>
+        </p:txBody>
+      </p:sp>
+      <p:cxnSp>
+        <p:nvCxnSpPr>
+          <p:cNvPr id="12" name="Straight Arrow Connector 11"/>
+          <p:cNvCxnSpPr>
+            <a:stCxn id="7" idx="1"/>
+          </p:cNvCxnSpPr>
+          <p:nvPr/>
+        </p:nvCxnSpPr>
+        <p:spPr>
+          <a:xfrm flipH="1">
+            <a:off x="5537200" y="3132894"/>
+            <a:ext cx="1218407" cy="0"/>
+          </a:xfrm>
+          <a:prstGeom prst="straightConnector1">
+            <a:avLst/>
+          </a:prstGeom>
+          <a:ln w="57150" cmpd="sng">
+            <a:solidFill>
+              <a:schemeClr val="accent2"/>
+            </a:solidFill>
+            <a:headEnd type="none"/>
+            <a:tailEnd type="triangle"/>
+          </a:ln>
+          <a:effectLst/>
+        </p:spPr>
+        <p:style>
+          <a:lnRef idx="2">
+            <a:schemeClr val="accent1"/>
+          </a:lnRef>
+          <a:fillRef idx="0">
+            <a:schemeClr val="accent1"/>
+          </a:fillRef>
+          <a:effectRef idx="1">
+            <a:schemeClr val="accent1"/>
+          </a:effectRef>
+          <a:fontRef idx="minor">
+            <a:schemeClr val="tx1"/>
+          </a:fontRef>
+        </p:style>
+      </p:cxnSp>
+      <p:sp>
+        <p:nvSpPr>
+          <p:cNvPr id="7" name="Rectangle 6"/>
+          <p:cNvSpPr/>
+          <p:nvPr/>
+        </p:nvSpPr>
+        <p:spPr>
+          <a:xfrm>
+            <a:off x="6755607" y="2934560"/>
+            <a:ext cx="1730320" cy="396667"/>
+          </a:xfrm>
+          <a:prstGeom prst="rect">
+            <a:avLst/>
+          </a:prstGeom>
+          <a:solidFill>
+            <a:schemeClr val="accent6"/>
+          </a:solidFill>
+          <a:ln w="28575" cmpd="sng">
+            <a:solidFill>
+              <a:schemeClr val="accent1"/>
+            </a:solidFill>
+          </a:ln>
+          <a:effectLst/>
+        </p:spPr>
+        <p:style>
+          <a:lnRef idx="1">
+            <a:schemeClr val="accent1"/>
+          </a:lnRef>
+          <a:fillRef idx="3">
+            <a:schemeClr val="accent1"/>
+          </a:fillRef>
+          <a:effectRef idx="2">
+            <a:schemeClr val="accent1"/>
+          </a:effectRef>
+          <a:fontRef idx="minor">
+            <a:schemeClr val="lt1"/>
+          </a:fontRef>
+        </p:style>
+        <p:txBody>
+          <a:bodyPr rtlCol="0" anchor="ctr"/>
+          <a:lstStyle/>
+          <a:p>
+            <a:pPr algn="ctr"/>
+            <a:r>
+              <a:rPr lang="en-US" dirty="0" smtClean="0">
+                <a:solidFill>
+                  <a:srgbClr val="F8F8F8"/>
+                </a:solidFill>
+              </a:rPr>
+              <a:t>send input</a:t>
+            </a:r>
+            <a:endParaRPr lang="en-US" dirty="0">
+              <a:solidFill>
+                <a:srgbClr val="F8F8F8"/>
+              </a:solidFill>
+            </a:endParaRPr>
+          </a:p>
+        </p:txBody>
+      </p:sp>
+      <p:cxnSp>
+        <p:nvCxnSpPr>
+          <p:cNvPr id="15" name="Straight Arrow Connector 14"/>
+          <p:cNvCxnSpPr>
+            <a:stCxn id="13" idx="2"/>
+          </p:cNvCxnSpPr>
+          <p:nvPr/>
+        </p:nvCxnSpPr>
+        <p:spPr>
+          <a:xfrm>
+            <a:off x="4565097" y="3331227"/>
+            <a:ext cx="0" cy="614240"/>
+          </a:xfrm>
+          <a:prstGeom prst="straightConnector1">
+            <a:avLst/>
+          </a:prstGeom>
+          <a:ln w="57150" cmpd="sng">
+            <a:solidFill>
+              <a:schemeClr val="accent2"/>
+            </a:solidFill>
+            <a:headEnd type="none"/>
+            <a:tailEnd type="triangle"/>
+          </a:ln>
+          <a:effectLst/>
+        </p:spPr>
+        <p:style>
+          <a:lnRef idx="2">
+            <a:schemeClr val="accent1"/>
+          </a:lnRef>
+          <a:fillRef idx="0">
+            <a:schemeClr val="accent1"/>
+          </a:fillRef>
+          <a:effectRef idx="1">
+            <a:schemeClr val="accent1"/>
+          </a:effectRef>
+          <a:fontRef idx="minor">
+            <a:schemeClr val="tx1"/>
+          </a:fontRef>
+        </p:style>
+      </p:cxnSp>
+      <p:sp>
+        <p:nvSpPr>
+          <p:cNvPr id="13" name="Rectangle 12"/>
+          <p:cNvSpPr/>
+          <p:nvPr/>
+        </p:nvSpPr>
+        <p:spPr>
+          <a:xfrm>
+            <a:off x="3699937" y="2934560"/>
+            <a:ext cx="1730320" cy="396667"/>
+          </a:xfrm>
+          <a:prstGeom prst="rect">
+            <a:avLst/>
+          </a:prstGeom>
+          <a:solidFill>
+            <a:schemeClr val="accent4"/>
+          </a:solidFill>
+          <a:ln w="28575" cmpd="sng">
+            <a:solidFill>
+              <a:schemeClr val="accent1"/>
+            </a:solidFill>
+          </a:ln>
+          <a:effectLst/>
+        </p:spPr>
+        <p:style>
+          <a:lnRef idx="1">
+            <a:schemeClr val="accent1"/>
+          </a:lnRef>
+          <a:fillRef idx="3">
+            <a:schemeClr val="accent1"/>
+          </a:fillRef>
+          <a:effectRef idx="2">
+            <a:schemeClr val="accent1"/>
+          </a:effectRef>
+          <a:fontRef idx="minor">
+            <a:schemeClr val="lt1"/>
+          </a:fontRef>
+        </p:style>
+        <p:txBody>
+          <a:bodyPr rtlCol="0" anchor="ctr"/>
+          <a:lstStyle/>
+          <a:p>
+            <a:pPr algn="ctr"/>
+            <a:r>
+              <a:rPr lang="en-US" dirty="0" smtClean="0">
+                <a:solidFill>
+                  <a:srgbClr val="F8F8F8"/>
+                </a:solidFill>
+              </a:rPr>
+              <a:t>interpret input</a:t>
+            </a:r>
+            <a:endParaRPr lang="en-US" dirty="0">
+              <a:solidFill>
+                <a:srgbClr val="F8F8F8"/>
+              </a:solidFill>
+            </a:endParaRPr>
+          </a:p>
+        </p:txBody>
+      </p:sp>
+      <p:cxnSp>
+        <p:nvCxnSpPr>
+          <p:cNvPr id="17" name="Straight Arrow Connector 16"/>
+          <p:cNvCxnSpPr/>
+          <p:nvPr/>
+        </p:nvCxnSpPr>
+        <p:spPr>
+          <a:xfrm flipH="1">
+            <a:off x="2545030" y="4237794"/>
+            <a:ext cx="1218407" cy="0"/>
+          </a:xfrm>
+          <a:prstGeom prst="straightConnector1">
+            <a:avLst/>
+          </a:prstGeom>
+          <a:ln w="57150" cmpd="sng">
+            <a:solidFill>
+              <a:schemeClr val="accent2"/>
+            </a:solidFill>
+            <a:headEnd type="none"/>
+            <a:tailEnd type="triangle"/>
+          </a:ln>
+          <a:effectLst/>
+        </p:spPr>
+        <p:style>
+          <a:lnRef idx="2">
+            <a:schemeClr val="accent1"/>
+          </a:lnRef>
+          <a:fillRef idx="0">
+            <a:schemeClr val="accent1"/>
+          </a:fillRef>
+          <a:effectRef idx="1">
+            <a:schemeClr val="accent1"/>
+          </a:effectRef>
+          <a:fontRef idx="minor">
+            <a:schemeClr val="tx1"/>
+          </a:fontRef>
+        </p:style>
+      </p:cxnSp>
+      <p:sp>
+        <p:nvSpPr>
+          <p:cNvPr id="14" name="Rectangle 13"/>
+          <p:cNvSpPr/>
+          <p:nvPr/>
+        </p:nvSpPr>
+        <p:spPr>
+          <a:xfrm>
+            <a:off x="3699937" y="4014227"/>
+            <a:ext cx="1730320" cy="396667"/>
+          </a:xfrm>
+          <a:prstGeom prst="rect">
+            <a:avLst/>
+          </a:prstGeom>
+          <a:solidFill>
+            <a:schemeClr val="accent4"/>
+          </a:solidFill>
+          <a:ln w="28575" cmpd="sng">
+            <a:solidFill>
+              <a:schemeClr val="accent1"/>
+            </a:solidFill>
+          </a:ln>
+          <a:effectLst/>
+        </p:spPr>
+        <p:style>
+          <a:lnRef idx="1">
+            <a:schemeClr val="accent1"/>
+          </a:lnRef>
+          <a:fillRef idx="3">
+            <a:schemeClr val="accent1"/>
+          </a:fillRef>
+          <a:effectRef idx="2">
+            <a:schemeClr val="accent1"/>
+          </a:effectRef>
+          <a:fontRef idx="minor">
+            <a:schemeClr val="lt1"/>
+          </a:fontRef>
+        </p:style>
+        <p:txBody>
+          <a:bodyPr rtlCol="0" anchor="ctr"/>
+          <a:lstStyle/>
+          <a:p>
+            <a:pPr algn="ctr"/>
+            <a:r>
+              <a:rPr lang="en-US" dirty="0" smtClean="0">
+                <a:solidFill>
+                  <a:srgbClr val="F8F8F8"/>
+                </a:solidFill>
+              </a:rPr>
+              <a:t>request data</a:t>
+            </a:r>
+            <a:endParaRPr lang="en-US" dirty="0">
+              <a:solidFill>
+                <a:srgbClr val="F8F8F8"/>
+              </a:solidFill>
+            </a:endParaRPr>
+          </a:p>
+        </p:txBody>
+      </p:sp>
+      <p:cxnSp>
+        <p:nvCxnSpPr>
+          <p:cNvPr id="19" name="Straight Arrow Connector 18"/>
+          <p:cNvCxnSpPr/>
+          <p:nvPr/>
+        </p:nvCxnSpPr>
+        <p:spPr>
+          <a:xfrm>
+            <a:off x="1567897" y="4410894"/>
+            <a:ext cx="0" cy="614240"/>
+          </a:xfrm>
+          <a:prstGeom prst="straightConnector1">
+            <a:avLst/>
+          </a:prstGeom>
+          <a:ln w="57150" cmpd="sng">
+            <a:solidFill>
+              <a:schemeClr val="accent2"/>
+            </a:solidFill>
+            <a:headEnd type="none"/>
+            <a:tailEnd type="triangle"/>
+          </a:ln>
+          <a:effectLst/>
+        </p:spPr>
+        <p:style>
+          <a:lnRef idx="2">
+            <a:schemeClr val="accent1"/>
+          </a:lnRef>
+          <a:fillRef idx="0">
+            <a:schemeClr val="accent1"/>
+          </a:fillRef>
+          <a:effectRef idx="1">
+            <a:schemeClr val="accent1"/>
+          </a:effectRef>
+          <a:fontRef idx="minor">
+            <a:schemeClr val="tx1"/>
+          </a:fontRef>
+        </p:style>
+      </p:cxnSp>
+      <p:sp>
+        <p:nvSpPr>
+          <p:cNvPr id="16" name="Rectangle 15"/>
+          <p:cNvSpPr/>
+          <p:nvPr/>
+        </p:nvSpPr>
+        <p:spPr>
+          <a:xfrm>
+            <a:off x="702737" y="4014227"/>
+            <a:ext cx="1730320" cy="396667"/>
+          </a:xfrm>
+          <a:prstGeom prst="rect">
+            <a:avLst/>
+          </a:prstGeom>
+          <a:solidFill>
+            <a:schemeClr val="accent5"/>
+          </a:solidFill>
+          <a:ln w="28575" cmpd="sng">
+            <a:solidFill>
+              <a:schemeClr val="accent1"/>
+            </a:solidFill>
+          </a:ln>
+          <a:effectLst/>
+        </p:spPr>
+        <p:style>
+          <a:lnRef idx="1">
+            <a:schemeClr val="accent1"/>
+          </a:lnRef>
+          <a:fillRef idx="3">
+            <a:schemeClr val="accent1"/>
+          </a:fillRef>
+          <a:effectRef idx="2">
+            <a:schemeClr val="accent1"/>
+          </a:effectRef>
+          <a:fontRef idx="minor">
+            <a:schemeClr val="lt1"/>
+          </a:fontRef>
+        </p:style>
+        <p:txBody>
+          <a:bodyPr rtlCol="0" anchor="ctr"/>
+          <a:lstStyle/>
+          <a:p>
+            <a:pPr algn="ctr"/>
+            <a:r>
+              <a:rPr lang="en-US" dirty="0" smtClean="0">
+                <a:solidFill>
+                  <a:srgbClr val="F8F8F8"/>
+                </a:solidFill>
+              </a:rPr>
+              <a:t>gather data</a:t>
+            </a:r>
+            <a:endParaRPr lang="en-US" dirty="0">
+              <a:solidFill>
+                <a:srgbClr val="F8F8F8"/>
+              </a:solidFill>
+            </a:endParaRPr>
+          </a:p>
+        </p:txBody>
+      </p:sp>
+      <p:cxnSp>
+        <p:nvCxnSpPr>
+          <p:cNvPr id="21" name="Straight Arrow Connector 20"/>
+          <p:cNvCxnSpPr/>
+          <p:nvPr/>
+        </p:nvCxnSpPr>
+        <p:spPr>
+          <a:xfrm>
+            <a:off x="2382257" y="5300588"/>
+            <a:ext cx="1218407" cy="0"/>
+          </a:xfrm>
+          <a:prstGeom prst="straightConnector1">
+            <a:avLst/>
+          </a:prstGeom>
+          <a:ln w="57150" cmpd="sng">
+            <a:solidFill>
+              <a:schemeClr val="accent2"/>
+            </a:solidFill>
+            <a:headEnd type="none"/>
+            <a:tailEnd type="triangle"/>
+          </a:ln>
+          <a:effectLst/>
+        </p:spPr>
+        <p:style>
+          <a:lnRef idx="2">
+            <a:schemeClr val="accent1"/>
+          </a:lnRef>
+          <a:fillRef idx="0">
+            <a:schemeClr val="accent1"/>
+          </a:fillRef>
+          <a:effectRef idx="1">
+            <a:schemeClr val="accent1"/>
+          </a:effectRef>
+          <a:fontRef idx="minor">
+            <a:schemeClr val="tx1"/>
+          </a:fontRef>
+        </p:style>
+      </p:cxnSp>
+      <p:sp>
+        <p:nvSpPr>
+          <p:cNvPr id="18" name="Rectangle 17"/>
+          <p:cNvSpPr/>
+          <p:nvPr/>
+        </p:nvSpPr>
+        <p:spPr>
+          <a:xfrm>
+            <a:off x="702737" y="5093893"/>
+            <a:ext cx="1730320" cy="396667"/>
+          </a:xfrm>
+          <a:prstGeom prst="rect">
+            <a:avLst/>
+          </a:prstGeom>
+          <a:solidFill>
+            <a:schemeClr val="accent5"/>
+          </a:solidFill>
+          <a:ln w="28575" cmpd="sng">
+            <a:solidFill>
+              <a:schemeClr val="accent1"/>
+            </a:solidFill>
+          </a:ln>
+          <a:effectLst/>
+        </p:spPr>
+        <p:style>
+          <a:lnRef idx="1">
+            <a:schemeClr val="accent1"/>
+          </a:lnRef>
+          <a:fillRef idx="3">
+            <a:schemeClr val="accent1"/>
+          </a:fillRef>
+          <a:effectRef idx="2">
+            <a:schemeClr val="accent1"/>
+          </a:effectRef>
+          <a:fontRef idx="minor">
+            <a:schemeClr val="lt1"/>
+          </a:fontRef>
+        </p:style>
+        <p:txBody>
+          <a:bodyPr rtlCol="0" anchor="ctr"/>
+          <a:lstStyle/>
+          <a:p>
+            <a:pPr algn="ctr"/>
+            <a:r>
+              <a:rPr lang="en-US" dirty="0" smtClean="0">
+                <a:solidFill>
+                  <a:srgbClr val="F8F8F8"/>
+                </a:solidFill>
+              </a:rPr>
+              <a:t>return data</a:t>
+            </a:r>
+            <a:endParaRPr lang="en-US" dirty="0">
+              <a:solidFill>
+                <a:srgbClr val="F8F8F8"/>
+              </a:solidFill>
+            </a:endParaRPr>
+          </a:p>
+        </p:txBody>
+      </p:sp>
+      <p:sp>
+        <p:nvSpPr>
+          <p:cNvPr id="22" name="Rectangle 21"/>
+          <p:cNvSpPr/>
+          <p:nvPr/>
+        </p:nvSpPr>
+        <p:spPr>
+          <a:xfrm>
+            <a:off x="6755607" y="5102254"/>
+            <a:ext cx="1730320" cy="396667"/>
+          </a:xfrm>
+          <a:prstGeom prst="rect">
+            <a:avLst/>
+          </a:prstGeom>
+          <a:solidFill>
+            <a:schemeClr val="accent6"/>
+          </a:solidFill>
+          <a:ln w="28575" cmpd="sng">
+            <a:solidFill>
+              <a:schemeClr val="accent1"/>
+            </a:solidFill>
+          </a:ln>
+          <a:effectLst/>
+        </p:spPr>
+        <p:style>
+          <a:lnRef idx="1">
+            <a:schemeClr val="accent1"/>
+          </a:lnRef>
+          <a:fillRef idx="3">
+            <a:schemeClr val="accent1"/>
+          </a:fillRef>
+          <a:effectRef idx="2">
+            <a:schemeClr val="accent1"/>
+          </a:effectRef>
+          <a:fontRef idx="minor">
+            <a:schemeClr val="lt1"/>
+          </a:fontRef>
+        </p:style>
+        <p:txBody>
+          <a:bodyPr rtlCol="0" anchor="ctr"/>
+          <a:lstStyle/>
+          <a:p>
+            <a:pPr algn="ctr"/>
+            <a:r>
+              <a:rPr lang="en-US" dirty="0" smtClean="0">
+                <a:solidFill>
+                  <a:srgbClr val="F8F8F8"/>
+                </a:solidFill>
+              </a:rPr>
+              <a:t>display data</a:t>
+            </a:r>
+            <a:endParaRPr lang="en-US" dirty="0">
+              <a:solidFill>
+                <a:srgbClr val="F8F8F8"/>
+              </a:solidFill>
+            </a:endParaRPr>
+          </a:p>
+        </p:txBody>
+      </p:sp>
+      <p:cxnSp>
+        <p:nvCxnSpPr>
+          <p:cNvPr id="23" name="Straight Arrow Connector 22"/>
+          <p:cNvCxnSpPr/>
+          <p:nvPr/>
+        </p:nvCxnSpPr>
+        <p:spPr>
+          <a:xfrm>
+            <a:off x="5430257" y="5300588"/>
+            <a:ext cx="1218407" cy="0"/>
+          </a:xfrm>
+          <a:prstGeom prst="straightConnector1">
+            <a:avLst/>
+          </a:prstGeom>
+          <a:ln w="57150" cmpd="sng">
+            <a:solidFill>
+              <a:schemeClr val="accent2"/>
+            </a:solidFill>
+            <a:headEnd type="none"/>
+            <a:tailEnd type="triangle"/>
+          </a:ln>
+          <a:effectLst/>
+        </p:spPr>
+        <p:style>
+          <a:lnRef idx="2">
+            <a:schemeClr val="accent1"/>
+          </a:lnRef>
+          <a:fillRef idx="0">
+            <a:schemeClr val="accent1"/>
+          </a:fillRef>
+          <a:effectRef idx="1">
+            <a:schemeClr val="accent1"/>
+          </a:effectRef>
+          <a:fontRef idx="minor">
+            <a:schemeClr val="tx1"/>
+          </a:fontRef>
+        </p:style>
+      </p:cxnSp>
+      <p:sp>
+        <p:nvSpPr>
+          <p:cNvPr id="20" name="Rectangle 19"/>
+          <p:cNvSpPr/>
+          <p:nvPr/>
+        </p:nvSpPr>
+        <p:spPr>
+          <a:xfrm>
+            <a:off x="3699937" y="5093893"/>
+            <a:ext cx="1730320" cy="396667"/>
+          </a:xfrm>
+          <a:prstGeom prst="rect">
+            <a:avLst/>
+          </a:prstGeom>
+          <a:solidFill>
+            <a:schemeClr val="accent4"/>
+          </a:solidFill>
+          <a:ln w="28575" cmpd="sng">
+            <a:solidFill>
+              <a:schemeClr val="accent1"/>
+            </a:solidFill>
+          </a:ln>
+          <a:effectLst/>
+        </p:spPr>
+        <p:style>
+          <a:lnRef idx="1">
+            <a:schemeClr val="accent1"/>
+          </a:lnRef>
+          <a:fillRef idx="3">
+            <a:schemeClr val="accent1"/>
+          </a:fillRef>
+          <a:effectRef idx="2">
+            <a:schemeClr val="accent1"/>
+          </a:effectRef>
+          <a:fontRef idx="minor">
+            <a:schemeClr val="lt1"/>
+          </a:fontRef>
+        </p:style>
+        <p:txBody>
+          <a:bodyPr rtlCol="0" anchor="ctr"/>
+          <a:lstStyle/>
+          <a:p>
+            <a:pPr algn="ctr"/>
+            <a:r>
+              <a:rPr lang="en-US" dirty="0" smtClean="0">
+                <a:solidFill>
+                  <a:srgbClr val="F8F8F8"/>
+                </a:solidFill>
+              </a:rPr>
+              <a:t>forward data</a:t>
+            </a:r>
+            <a:endParaRPr lang="en-US" dirty="0">
+              <a:solidFill>
+                <a:srgbClr val="F8F8F8"/>
+              </a:solidFill>
+            </a:endParaRPr>
+          </a:p>
+        </p:txBody>
+      </p:sp>
+    </p:spTree>
+    <p:extLst>
+      <p:ext uri="{BB962C8B-B14F-4D97-AF65-F5344CB8AC3E}">
+        <p14:creationId xmlns:p14="http://schemas.microsoft.com/office/powerpoint/2010/main" val="3901540482"/>
       </p:ext>
     </p:extLst>
   </p:cSld>
@@ -12593,7 +12687,30 @@
       </p:grpSpPr>
       <p:sp>
         <p:nvSpPr>
-          <p:cNvPr id="2" name="Content Placeholder 1"/>
+          <p:cNvPr id="5" name="Title 4"/>
+          <p:cNvSpPr>
+            <a:spLocks noGrp="1"/>
+          </p:cNvSpPr>
+          <p:nvPr>
+            <p:ph type="title"/>
+          </p:nvPr>
+        </p:nvSpPr>
+        <p:spPr/>
+        <p:txBody>
+          <a:bodyPr/>
+          <a:lstStyle/>
+          <a:p>
+            <a:r>
+              <a:rPr lang="en-US" dirty="0" smtClean="0"/>
+              <a:t>Model – View – Controller</a:t>
+            </a:r>
+            <a:endParaRPr lang="en-US" dirty="0"/>
+          </a:p>
+        </p:txBody>
+      </p:sp>
+      <p:sp>
+        <p:nvSpPr>
+          <p:cNvPr id="6" name="Content Placeholder 5"/>
           <p:cNvSpPr>
             <a:spLocks noGrp="1"/>
           </p:cNvSpPr>
@@ -12601,12 +12718,7 @@
             <p:ph idx="1"/>
           </p:nvPr>
         </p:nvSpPr>
-        <p:spPr>
-          <a:xfrm>
-            <a:off x="380999" y="1719071"/>
-            <a:ext cx="8407893" cy="4760416"/>
-          </a:xfrm>
-        </p:spPr>
+        <p:spPr/>
         <p:txBody>
           <a:bodyPr>
             <a:normAutofit/>
@@ -12614,81 +12726,49 @@
           <a:lstStyle/>
           <a:p>
             <a:r>
-              <a:rPr lang="en-US" sz="2500" dirty="0" smtClean="0"/>
-              <a:t>The </a:t>
-            </a:r>
-            <a:r>
-              <a:rPr lang="en-US" sz="2500" dirty="0" smtClean="0">
-                <a:solidFill>
-                  <a:srgbClr val="FF0000"/>
-                </a:solidFill>
-              </a:rPr>
-              <a:t>waiters</a:t>
-            </a:r>
-            <a:r>
-              <a:rPr lang="en-US" sz="2500" dirty="0" smtClean="0"/>
-              <a:t> handle customer interaction</a:t>
-            </a:r>
-          </a:p>
-          <a:p>
-            <a:r>
-              <a:rPr lang="en-US" sz="2500" dirty="0" smtClean="0"/>
-              <a:t>They take your order and deliver your food</a:t>
-            </a:r>
-          </a:p>
-          <a:p>
-            <a:endParaRPr lang="en-US" sz="2500" dirty="0" smtClean="0"/>
-          </a:p>
-          <a:p>
-            <a:r>
-              <a:rPr lang="en-US" sz="2500" dirty="0" smtClean="0"/>
-              <a:t>The ingredients make the food</a:t>
-            </a:r>
-          </a:p>
-          <a:p>
-            <a:r>
-              <a:rPr lang="en-US" sz="2500" dirty="0" smtClean="0"/>
-              <a:t>They know the recipes and put everything together</a:t>
-            </a:r>
-          </a:p>
-          <a:p>
-            <a:endParaRPr lang="en-US" sz="2500" dirty="0" smtClean="0"/>
-          </a:p>
-          <a:p>
-            <a:r>
-              <a:rPr lang="en-US" sz="2500" dirty="0" smtClean="0"/>
-              <a:t>The </a:t>
-            </a:r>
-            <a:r>
-              <a:rPr lang="en-US" sz="2500" dirty="0" smtClean="0">
-                <a:solidFill>
-                  <a:srgbClr val="FF0000"/>
-                </a:solidFill>
-              </a:rPr>
-              <a:t>kitchen manager </a:t>
-            </a:r>
-            <a:r>
-              <a:rPr lang="en-US" sz="2500" dirty="0" smtClean="0"/>
-              <a:t>manages the whole shebang</a:t>
-            </a:r>
-          </a:p>
-          <a:p>
-            <a:r>
-              <a:rPr lang="en-US" sz="2500" dirty="0" smtClean="0"/>
-              <a:t>They manage the orders coming in, tell the cooks what they need to make, and make sure everything’s in working order.</a:t>
-            </a:r>
-            <a:endParaRPr lang="en-US" sz="2500" dirty="0"/>
-          </a:p>
-        </p:txBody>
-      </p:sp>
-      <p:sp>
-        <p:nvSpPr>
-          <p:cNvPr id="3" name="Title 2"/>
+              <a:rPr lang="en-US" dirty="0" smtClean="0"/>
+              <a:t>What is it</a:t>
+            </a:r>
+            <a:r>
+              <a:rPr lang="en-US" dirty="0" smtClean="0"/>
+              <a:t>?</a:t>
+            </a:r>
+          </a:p>
+          <a:p>
+            <a:r>
+              <a:rPr lang="en-US" dirty="0" smtClean="0"/>
+              <a:t>In short: MVC is a design pattern.</a:t>
+            </a:r>
+          </a:p>
+          <a:p>
+            <a:r>
+              <a:rPr lang="en-US" dirty="0" smtClean="0"/>
+              <a:t>In not so short</a:t>
+            </a:r>
+            <a:r>
+              <a:rPr lang="en-US" dirty="0"/>
+              <a:t>: </a:t>
+            </a:r>
+            <a:r>
+              <a:rPr lang="en-US" sz="2200" dirty="0" smtClean="0"/>
+              <a:t>MVC is </a:t>
+            </a:r>
+            <a:r>
+              <a:rPr lang="en-US" sz="2200" dirty="0"/>
+              <a:t>a software architectural pattern for implementing user interfaces. It divides a given software application into three interconnected parts, so as to separate internal representations of information from the ways that information is presented to or accepted from the user.</a:t>
+            </a:r>
+            <a:endParaRPr lang="en-US" sz="2200" dirty="0" smtClean="0"/>
+          </a:p>
+        </p:txBody>
+      </p:sp>
+      <p:sp>
+        <p:nvSpPr>
+          <p:cNvPr id="4" name="Footer Placeholder 3"/>
           <p:cNvSpPr>
             <a:spLocks noGrp="1"/>
           </p:cNvSpPr>
           <p:nvPr>
-            <p:ph type="title"/>
+            <p:ph type="ftr" sz="quarter" idx="3"/>
           </p:nvPr>
         </p:nvSpPr>
         <p:spPr/>
@@ -12698,7 +12778,7 @@
           <a:p>
             <a:r>
               <a:rPr lang="en-US" dirty="0" smtClean="0"/>
-              <a:t>WHAT ROLES DO WE NEED?</a:t>
+              <a:t>Model – View – Controller: A Design Pattern</a:t>
             </a:r>
             <a:endParaRPr lang="en-US" dirty="0"/>
           </a:p>
@@ -12707,7 +12787,7 @@
     </p:spTree>
     <p:extLst>
       <p:ext uri="{BB962C8B-B14F-4D97-AF65-F5344CB8AC3E}">
-        <p14:creationId xmlns:p14="http://schemas.microsoft.com/office/powerpoint/2010/main" val="1521072834"/>
+        <p14:creationId xmlns:p14="http://schemas.microsoft.com/office/powerpoint/2010/main" val="1629509482"/>
       </p:ext>
     </p:extLst>
   </p:cSld>
@@ -12743,7 +12823,30 @@
       </p:grpSpPr>
       <p:sp>
         <p:nvSpPr>
-          <p:cNvPr id="2" name="Content Placeholder 1"/>
+          <p:cNvPr id="2" name="Title 1"/>
+          <p:cNvSpPr>
+            <a:spLocks noGrp="1"/>
+          </p:cNvSpPr>
+          <p:nvPr>
+            <p:ph type="title"/>
+          </p:nvPr>
+        </p:nvSpPr>
+        <p:spPr/>
+        <p:txBody>
+          <a:bodyPr/>
+          <a:lstStyle/>
+          <a:p>
+            <a:r>
+              <a:rPr lang="en-US" dirty="0" smtClean="0"/>
+              <a:t>Design Patterns</a:t>
+            </a:r>
+            <a:endParaRPr lang="en-US" dirty="0"/>
+          </a:p>
+        </p:txBody>
+      </p:sp>
+      <p:sp>
+        <p:nvSpPr>
+          <p:cNvPr id="3" name="Content Placeholder 2"/>
           <p:cNvSpPr>
             <a:spLocks noGrp="1"/>
           </p:cNvSpPr>
@@ -12751,142 +12854,34 @@
             <p:ph idx="1"/>
           </p:nvPr>
         </p:nvSpPr>
-        <p:spPr>
-          <a:xfrm>
-            <a:off x="175179" y="1424690"/>
-            <a:ext cx="8968821" cy="3877733"/>
-          </a:xfrm>
-        </p:spPr>
-        <p:txBody>
-          <a:bodyPr>
-            <a:noAutofit/>
-          </a:bodyPr>
-          <a:lstStyle/>
-          <a:p>
-            <a:r>
-              <a:rPr lang="en-US" sz="2300" dirty="0" smtClean="0"/>
-              <a:t>The </a:t>
-            </a:r>
-            <a:r>
-              <a:rPr lang="en-US" sz="2300" dirty="0" smtClean="0">
-                <a:solidFill>
-                  <a:srgbClr val="FF0000"/>
-                </a:solidFill>
-              </a:rPr>
-              <a:t>view </a:t>
-            </a:r>
-            <a:r>
-              <a:rPr lang="en-US" sz="2300" dirty="0" smtClean="0"/>
-              <a:t>handles user interaction</a:t>
-            </a:r>
-          </a:p>
-          <a:p>
-            <a:r>
-              <a:rPr lang="en-US" sz="2300" dirty="0" smtClean="0"/>
-              <a:t>It shows information to the user and gets user input</a:t>
-            </a:r>
-          </a:p>
-          <a:p>
-            <a:endParaRPr lang="en-US" sz="2300" dirty="0"/>
-          </a:p>
-          <a:p>
-            <a:r>
-              <a:rPr lang="en-US" sz="2300" dirty="0" smtClean="0"/>
-              <a:t>The </a:t>
-            </a:r>
-            <a:r>
-              <a:rPr lang="en-US" sz="2300" dirty="0" smtClean="0">
-                <a:solidFill>
-                  <a:srgbClr val="FF0000"/>
-                </a:solidFill>
-              </a:rPr>
-              <a:t>model</a:t>
-            </a:r>
-            <a:r>
-              <a:rPr lang="en-US" sz="2300" dirty="0" smtClean="0"/>
-              <a:t> handles your data</a:t>
-            </a:r>
-          </a:p>
-          <a:p>
-            <a:r>
-              <a:rPr lang="en-US" sz="2300" dirty="0" smtClean="0"/>
-              <a:t>It interacts with a DB or data store of some kind, crunches the numbers and does the ‘heavy lifting’ in your application.</a:t>
-            </a:r>
-            <a:endParaRPr lang="en-US" sz="2300" dirty="0" smtClean="0"/>
-          </a:p>
-          <a:p>
-            <a:endParaRPr lang="en-US" sz="2300" dirty="0"/>
-          </a:p>
-          <a:p>
-            <a:r>
-              <a:rPr lang="en-US" sz="2300" dirty="0" smtClean="0"/>
-              <a:t>The </a:t>
-            </a:r>
-            <a:r>
-              <a:rPr lang="en-US" sz="2300" dirty="0" smtClean="0">
-                <a:solidFill>
-                  <a:srgbClr val="FF0000"/>
-                </a:solidFill>
-              </a:rPr>
-              <a:t>controller</a:t>
-            </a:r>
-            <a:r>
-              <a:rPr lang="en-US" sz="2300" dirty="0" smtClean="0"/>
-              <a:t> manages communication between </a:t>
-            </a:r>
-            <a:r>
-              <a:rPr lang="en-US" sz="2300" dirty="0" smtClean="0">
-                <a:solidFill>
-                  <a:srgbClr val="FF0000"/>
-                </a:solidFill>
-              </a:rPr>
-              <a:t>model</a:t>
-            </a:r>
-            <a:r>
-              <a:rPr lang="en-US" sz="2300" dirty="0" smtClean="0"/>
-              <a:t> </a:t>
-            </a:r>
-            <a:r>
-              <a:rPr lang="en-US" sz="2300" dirty="0" smtClean="0"/>
-              <a:t>and </a:t>
-            </a:r>
-            <a:r>
-              <a:rPr lang="en-US" sz="2300" dirty="0" smtClean="0">
-                <a:solidFill>
-                  <a:srgbClr val="FF0000"/>
-                </a:solidFill>
-              </a:rPr>
-              <a:t>view</a:t>
-            </a:r>
-            <a:endParaRPr lang="en-US" sz="2300" dirty="0" smtClean="0">
-              <a:solidFill>
-                <a:srgbClr val="FF0000"/>
-              </a:solidFill>
-            </a:endParaRPr>
-          </a:p>
-          <a:p>
-            <a:r>
-              <a:rPr lang="en-US" sz="2300" dirty="0" smtClean="0"/>
-              <a:t>It parses user input, gets the information it needs from the model, and passes it back to the view.</a:t>
-            </a:r>
-          </a:p>
-          <a:p>
-            <a:r>
-              <a:rPr lang="en-US" sz="2300" dirty="0" smtClean="0"/>
-              <a:t>It runs everything! Controllers are very... CONTROLLING.</a:t>
-            </a:r>
-            <a:endParaRPr lang="en-US" sz="2300" dirty="0"/>
-          </a:p>
-        </p:txBody>
-      </p:sp>
-      <p:sp>
-        <p:nvSpPr>
-          <p:cNvPr id="3" name="Title 2"/>
+        <p:spPr/>
+        <p:txBody>
+          <a:bodyPr/>
+          <a:lstStyle/>
+          <a:p>
+            <a:r>
+              <a:rPr lang="en-US" dirty="0" smtClean="0"/>
+              <a:t>A </a:t>
+            </a:r>
+            <a:r>
+              <a:rPr lang="en-US" dirty="0"/>
+              <a:t>design pattern is a general reusable solution to a commonly occurring problem within a given context in software design. </a:t>
+            </a:r>
+            <a:endParaRPr lang="en-US" dirty="0" smtClean="0"/>
+          </a:p>
+          <a:p>
+            <a:endParaRPr lang="en-US" dirty="0" smtClean="0"/>
+          </a:p>
+        </p:txBody>
+      </p:sp>
+      <p:sp>
+        <p:nvSpPr>
+          <p:cNvPr id="4" name="Footer Placeholder 3"/>
           <p:cNvSpPr>
             <a:spLocks noGrp="1"/>
           </p:cNvSpPr>
           <p:nvPr>
-            <p:ph type="title"/>
+            <p:ph type="ftr" sz="quarter" idx="3"/>
           </p:nvPr>
         </p:nvSpPr>
         <p:spPr/>
@@ -12895,8 +12890,8 @@
           <a:lstStyle/>
           <a:p>
             <a:r>
-              <a:rPr lang="en-US" dirty="0" smtClean="0"/>
-              <a:t>What about in MVC?</a:t>
+              <a:rPr lang="en-US" smtClean="0"/>
+              <a:t>Model – View – Controller: A Design Pattern</a:t>
             </a:r>
             <a:endParaRPr lang="en-US" dirty="0"/>
           </a:p>
@@ -12905,7 +12900,7 @@
     </p:spTree>
     <p:extLst>
       <p:ext uri="{BB962C8B-B14F-4D97-AF65-F5344CB8AC3E}">
-        <p14:creationId xmlns:p14="http://schemas.microsoft.com/office/powerpoint/2010/main" val="1779732405"/>
+        <p14:creationId xmlns:p14="http://schemas.microsoft.com/office/powerpoint/2010/main" val="1016920212"/>
       </p:ext>
     </p:extLst>
   </p:cSld>
@@ -12941,7 +12936,7 @@
       </p:grpSpPr>
       <p:sp>
         <p:nvSpPr>
-          <p:cNvPr id="2" name="Content Placeholder 1"/>
+          <p:cNvPr id="3" name="Content Placeholder 2"/>
           <p:cNvSpPr>
             <a:spLocks noGrp="1"/>
           </p:cNvSpPr>
@@ -12952,51 +12947,81 @@
         <p:spPr/>
         <p:txBody>
           <a:bodyPr>
-            <a:normAutofit/>
+            <a:noAutofit/>
           </a:bodyPr>
           <a:lstStyle/>
           <a:p>
-            <a:r>
-              <a:rPr lang="en-US" sz="3400" dirty="0" smtClean="0"/>
-              <a:t>MVC is not much different than th</a:t>
-            </a:r>
-            <a:r>
-              <a:rPr lang="en-US" sz="3400" dirty="0" smtClean="0"/>
-              <a:t>e code you are already writing. </a:t>
-            </a:r>
-            <a:endParaRPr lang="en-US" sz="3400" dirty="0" smtClean="0"/>
-          </a:p>
-          <a:p>
-            <a:r>
-              <a:rPr lang="en-US" sz="3400" dirty="0" smtClean="0"/>
-              <a:t>These </a:t>
-            </a:r>
-            <a:r>
-              <a:rPr lang="en-US" sz="3400" dirty="0" smtClean="0"/>
-              <a:t>are all just classes!</a:t>
-            </a:r>
-          </a:p>
-          <a:p>
-            <a:r>
-              <a:rPr lang="en-US" sz="3400" dirty="0" smtClean="0"/>
-              <a:t>They’re </a:t>
-            </a:r>
-            <a:r>
-              <a:rPr lang="en-US" sz="3400" dirty="0" smtClean="0"/>
-              <a:t>just organized in a different way</a:t>
-            </a:r>
-          </a:p>
-          <a:p>
-            <a:pPr marL="45720" indent="0">
+            <a:pPr marL="0" indent="0">
               <a:buNone/>
             </a:pPr>
-            <a:endParaRPr lang="en-US" sz="3400" dirty="0"/>
-          </a:p>
-        </p:txBody>
-      </p:sp>
-      <p:sp>
-        <p:nvSpPr>
-          <p:cNvPr id="3" name="Title 2"/>
+            <a:r>
+              <a:rPr lang="en-US" sz="2500" dirty="0" smtClean="0"/>
+              <a:t>Sure, you can write all the codes… But where do you put it?</a:t>
+            </a:r>
+          </a:p>
+          <a:p>
+            <a:pPr marL="0" indent="0">
+              <a:buNone/>
+            </a:pPr>
+            <a:endParaRPr lang="en-US" sz="2500" dirty="0" smtClean="0"/>
+          </a:p>
+          <a:p>
+            <a:r>
+              <a:rPr lang="en-US" sz="2500" dirty="0" smtClean="0"/>
+              <a:t>Whose </a:t>
+            </a:r>
+            <a:r>
+              <a:rPr lang="en-US" sz="2500" dirty="0" smtClean="0"/>
+              <a:t>business is it </a:t>
+            </a:r>
+            <a:r>
+              <a:rPr lang="en-US" sz="2500" dirty="0" smtClean="0"/>
+              <a:t>to talk </a:t>
+            </a:r>
+            <a:r>
+              <a:rPr lang="en-US" sz="2500" dirty="0" smtClean="0"/>
+              <a:t>to users?</a:t>
+            </a:r>
+          </a:p>
+          <a:p>
+            <a:r>
+              <a:rPr lang="en-US" sz="2500" dirty="0" smtClean="0"/>
+              <a:t>What about </a:t>
+            </a:r>
+            <a:r>
+              <a:rPr lang="en-US" sz="2500" dirty="0" smtClean="0"/>
+              <a:t>displaying output?</a:t>
+            </a:r>
+            <a:endParaRPr lang="en-US" sz="2500" dirty="0" smtClean="0"/>
+          </a:p>
+          <a:p>
+            <a:r>
+              <a:rPr lang="en-US" sz="2500" dirty="0" smtClean="0"/>
+              <a:t>Should your classes all know how to parse user input</a:t>
+            </a:r>
+            <a:r>
+              <a:rPr lang="en-US" sz="2500" dirty="0" smtClean="0"/>
+              <a:t>?</a:t>
+            </a:r>
+          </a:p>
+          <a:p>
+            <a:r>
+              <a:rPr lang="en-US" sz="2500" dirty="0" smtClean="0"/>
+              <a:t>Where do heavy algorithms run?</a:t>
+            </a:r>
+          </a:p>
+          <a:p>
+            <a:r>
+              <a:rPr lang="en-US" sz="2500" dirty="0" smtClean="0"/>
+              <a:t>How do you separate 10,000 lines of code into a manageable structure?</a:t>
+            </a:r>
+            <a:endParaRPr lang="en-US" sz="2500" dirty="0" smtClean="0"/>
+          </a:p>
+        </p:txBody>
+      </p:sp>
+      <p:sp>
+        <p:nvSpPr>
+          <p:cNvPr id="2" name="Title 1"/>
           <p:cNvSpPr>
             <a:spLocks noGrp="1"/>
           </p:cNvSpPr>
@@ -13011,7 +13036,7 @@
           <a:p>
             <a:r>
               <a:rPr lang="en-US" dirty="0" smtClean="0"/>
-              <a:t>Quick Review	 </a:t>
+              <a:t>There’s a lot of data out there…</a:t>
             </a:r>
             <a:endParaRPr lang="en-US" dirty="0"/>
           </a:p>
@@ -13020,7 +13045,7 @@
     </p:spTree>
     <p:extLst>
       <p:ext uri="{BB962C8B-B14F-4D97-AF65-F5344CB8AC3E}">
-        <p14:creationId xmlns:p14="http://schemas.microsoft.com/office/powerpoint/2010/main" val="1873421378"/>
+        <p14:creationId xmlns:p14="http://schemas.microsoft.com/office/powerpoint/2010/main" val="45111289"/>
       </p:ext>
     </p:extLst>
   </p:cSld>
@@ -13056,7 +13081,92 @@
       </p:grpSpPr>
       <p:sp>
         <p:nvSpPr>
-          <p:cNvPr id="5" name="Title 4"/>
+          <p:cNvPr id="2" name="Content Placeholder 1"/>
+          <p:cNvSpPr>
+            <a:spLocks noGrp="1"/>
+          </p:cNvSpPr>
+          <p:nvPr>
+            <p:ph idx="1"/>
+          </p:nvPr>
+        </p:nvSpPr>
+        <p:spPr/>
+        <p:txBody>
+          <a:bodyPr>
+            <a:normAutofit/>
+          </a:bodyPr>
+          <a:lstStyle/>
+          <a:p>
+            <a:r>
+              <a:rPr lang="en-US" sz="2500" dirty="0" smtClean="0"/>
+              <a:t>Does your waiter make your food?</a:t>
+            </a:r>
+          </a:p>
+          <a:p>
+            <a:r>
+              <a:rPr lang="en-US" sz="2500" dirty="0" smtClean="0"/>
+              <a:t>Do they know all the recipes?</a:t>
+            </a:r>
+          </a:p>
+          <a:p>
+            <a:r>
+              <a:rPr lang="en-US" sz="2500" dirty="0" smtClean="0"/>
+              <a:t>Do they run the kitchen?</a:t>
+            </a:r>
+            <a:endParaRPr lang="en-US" sz="2500" dirty="0"/>
+          </a:p>
+          <a:p>
+            <a:r>
+              <a:rPr lang="en-US" sz="2500" dirty="0" smtClean="0"/>
+              <a:t>What </a:t>
+            </a:r>
+            <a:r>
+              <a:rPr lang="en-US" sz="2500" i="1" dirty="0" smtClean="0"/>
+              <a:t>is</a:t>
+            </a:r>
+            <a:r>
+              <a:rPr lang="en-US" sz="2500" dirty="0" smtClean="0"/>
+              <a:t> a waiter responsible for?</a:t>
+            </a:r>
+            <a:endParaRPr lang="en-US" sz="2500" dirty="0"/>
+          </a:p>
+          <a:p>
+            <a:pPr marL="45720" indent="0">
+              <a:buNone/>
+            </a:pPr>
+            <a:endParaRPr lang="en-US" sz="2500" dirty="0" smtClean="0"/>
+          </a:p>
+          <a:p>
+            <a:pPr marL="45720" indent="0" algn="ctr">
+              <a:buNone/>
+            </a:pPr>
+            <a:r>
+              <a:rPr lang="en-US" sz="2500" dirty="0" smtClean="0"/>
+              <a:t>Everyone has their own role.</a:t>
+            </a:r>
+          </a:p>
+          <a:p>
+            <a:pPr marL="45720" indent="0" algn="ctr">
+              <a:buNone/>
+            </a:pPr>
+            <a:r>
+              <a:rPr lang="en-US" sz="2500" dirty="0" smtClean="0"/>
+              <a:t>If you want a well-run restaurant,</a:t>
+            </a:r>
+          </a:p>
+          <a:p>
+            <a:pPr marL="45720" indent="0" algn="ctr">
+              <a:buNone/>
+            </a:pPr>
+            <a:r>
+              <a:rPr lang="en-US" sz="2500" dirty="0" smtClean="0"/>
+              <a:t>you need to divvy up the work.</a:t>
+            </a:r>
+          </a:p>
+        </p:txBody>
+      </p:sp>
+      <p:sp>
+        <p:nvSpPr>
+          <p:cNvPr id="3" name="Title 2"/>
           <p:cNvSpPr>
             <a:spLocks noGrp="1"/>
           </p:cNvSpPr>
@@ -13071,83 +13181,7 @@
           <a:p>
             <a:r>
               <a:rPr lang="en-US" dirty="0" smtClean="0"/>
-              <a:t>Model – View – Controller</a:t>
-            </a:r>
-            <a:endParaRPr lang="en-US" dirty="0"/>
-          </a:p>
-        </p:txBody>
-      </p:sp>
-      <p:sp>
-        <p:nvSpPr>
-          <p:cNvPr id="6" name="Content Placeholder 5"/>
-          <p:cNvSpPr>
-            <a:spLocks noGrp="1"/>
-          </p:cNvSpPr>
-          <p:nvPr>
-            <p:ph idx="1"/>
-          </p:nvPr>
-        </p:nvSpPr>
-        <p:spPr/>
-        <p:txBody>
-          <a:bodyPr>
-            <a:normAutofit/>
-          </a:bodyPr>
-          <a:lstStyle/>
-          <a:p>
-            <a:r>
-              <a:rPr lang="en-US" dirty="0" smtClean="0"/>
-              <a:t>What is it</a:t>
-            </a:r>
-            <a:r>
-              <a:rPr lang="en-US" dirty="0" smtClean="0"/>
-              <a:t>?</a:t>
-            </a:r>
-          </a:p>
-          <a:p>
-            <a:r>
-              <a:rPr lang="en-US" dirty="0" smtClean="0"/>
-              <a:t>In short: MVC is a design pattern.</a:t>
-            </a:r>
-          </a:p>
-          <a:p>
-            <a:r>
-              <a:rPr lang="en-US" dirty="0" smtClean="0"/>
-              <a:t>In not so short</a:t>
-            </a:r>
-            <a:r>
-              <a:rPr lang="en-US" dirty="0"/>
-              <a:t>: </a:t>
-            </a:r>
-            <a:r>
-              <a:rPr lang="en-US" sz="2200" dirty="0" smtClean="0"/>
-              <a:t>MVC is </a:t>
-            </a:r>
-            <a:r>
-              <a:rPr lang="en-US" sz="2200" dirty="0"/>
-              <a:t>a software architectural pattern for implementing user interfaces. It divides a given software application into three interconnected parts, so as to separate internal representations of information from the ways that information is presented to or accepted from the user.</a:t>
-            </a:r>
-            <a:endParaRPr lang="en-US" sz="2200" dirty="0" smtClean="0"/>
-          </a:p>
-        </p:txBody>
-      </p:sp>
-      <p:sp>
-        <p:nvSpPr>
-          <p:cNvPr id="4" name="Footer Placeholder 3"/>
-          <p:cNvSpPr>
-            <a:spLocks noGrp="1"/>
-          </p:cNvSpPr>
-          <p:nvPr>
-            <p:ph type="ftr" sz="quarter" idx="3"/>
-          </p:nvPr>
-        </p:nvSpPr>
-        <p:spPr/>
-        <p:txBody>
-          <a:bodyPr/>
-          <a:lstStyle/>
-          <a:p>
-            <a:r>
-              <a:rPr lang="en-US" dirty="0" smtClean="0"/>
-              <a:t>Model – View – Controller: A Design Pattern</a:t>
+              <a:t>Think about a restaurant.</a:t>
             </a:r>
             <a:endParaRPr lang="en-US" dirty="0"/>
           </a:p>
@@ -13156,7 +13190,7 @@
     </p:spTree>
     <p:extLst>
       <p:ext uri="{BB962C8B-B14F-4D97-AF65-F5344CB8AC3E}">
-        <p14:creationId xmlns:p14="http://schemas.microsoft.com/office/powerpoint/2010/main" val="1629509482"/>
+        <p14:creationId xmlns:p14="http://schemas.microsoft.com/office/powerpoint/2010/main" val="3412075118"/>
       </p:ext>
     </p:extLst>
   </p:cSld>
@@ -13192,7 +13226,113 @@
       </p:grpSpPr>
       <p:sp>
         <p:nvSpPr>
-          <p:cNvPr id="2" name="Title 1"/>
+          <p:cNvPr id="2" name="Content Placeholder 1"/>
+          <p:cNvSpPr>
+            <a:spLocks noGrp="1"/>
+          </p:cNvSpPr>
+          <p:nvPr>
+            <p:ph idx="1"/>
+          </p:nvPr>
+        </p:nvSpPr>
+        <p:spPr>
+          <a:xfrm>
+            <a:off x="380999" y="1719071"/>
+            <a:ext cx="8407893" cy="4760416"/>
+          </a:xfrm>
+        </p:spPr>
+        <p:txBody>
+          <a:bodyPr>
+            <a:normAutofit/>
+          </a:bodyPr>
+          <a:lstStyle/>
+          <a:p>
+            <a:r>
+              <a:rPr lang="en-US" sz="2500" dirty="0" smtClean="0"/>
+              <a:t>The </a:t>
+            </a:r>
+            <a:r>
+              <a:rPr lang="en-US" sz="2500" dirty="0" smtClean="0">
+                <a:solidFill>
+                  <a:srgbClr val="FF0000"/>
+                </a:solidFill>
+              </a:rPr>
+              <a:t>waiters</a:t>
+            </a:r>
+            <a:r>
+              <a:rPr lang="en-US" sz="2500" dirty="0" smtClean="0"/>
+              <a:t> handle customer interaction</a:t>
+            </a:r>
+          </a:p>
+          <a:p>
+            <a:r>
+              <a:rPr lang="en-US" sz="2500" dirty="0" smtClean="0"/>
+              <a:t>They take your order and deliver your food</a:t>
+            </a:r>
+          </a:p>
+          <a:p>
+            <a:endParaRPr lang="en-US" sz="2500" dirty="0" smtClean="0"/>
+          </a:p>
+          <a:p>
+            <a:r>
+              <a:rPr lang="en-US" sz="2500" dirty="0" smtClean="0"/>
+              <a:t>The </a:t>
+            </a:r>
+            <a:r>
+              <a:rPr lang="en-US" sz="2500" dirty="0" smtClean="0">
+                <a:solidFill>
+                  <a:srgbClr val="FF0000"/>
+                </a:solidFill>
+              </a:rPr>
+              <a:t>Chef</a:t>
+            </a:r>
+            <a:r>
+              <a:rPr lang="en-US" sz="2500" dirty="0" smtClean="0"/>
+              <a:t> combines ingredients to make </a:t>
+            </a:r>
+            <a:r>
+              <a:rPr lang="en-US" sz="2500" dirty="0" smtClean="0"/>
+              <a:t>the food</a:t>
+            </a:r>
+          </a:p>
+          <a:p>
+            <a:r>
+              <a:rPr lang="en-US" sz="2500" dirty="0" smtClean="0"/>
+              <a:t>They know the recipes and put everything together</a:t>
+            </a:r>
+          </a:p>
+          <a:p>
+            <a:endParaRPr lang="en-US" sz="2500" dirty="0" smtClean="0"/>
+          </a:p>
+          <a:p>
+            <a:r>
+              <a:rPr lang="en-US" sz="2500" dirty="0" smtClean="0"/>
+              <a:t>The </a:t>
+            </a:r>
+            <a:r>
+              <a:rPr lang="en-US" sz="2500" dirty="0" smtClean="0">
+                <a:solidFill>
+                  <a:srgbClr val="FF0000"/>
+                </a:solidFill>
+              </a:rPr>
+              <a:t>kitchen manager </a:t>
+            </a:r>
+            <a:r>
+              <a:rPr lang="en-US" sz="2500" dirty="0" smtClean="0"/>
+              <a:t>manages the whole shebang</a:t>
+            </a:r>
+          </a:p>
+          <a:p>
+            <a:r>
+              <a:rPr lang="en-US" sz="2500" dirty="0" smtClean="0"/>
+              <a:t>They manage the orders coming in, tell the cooks what they need to make, and make sure everything’s in working order.</a:t>
+            </a:r>
+            <a:endParaRPr lang="en-US" sz="2500" dirty="0"/>
+          </a:p>
+        </p:txBody>
+      </p:sp>
+      <p:sp>
+        <p:nvSpPr>
+          <p:cNvPr id="3" name="Title 2"/>
           <p:cNvSpPr>
             <a:spLocks noGrp="1"/>
           </p:cNvSpPr>
@@ -13207,52 +13347,7 @@
           <a:p>
             <a:r>
               <a:rPr lang="en-US" dirty="0" smtClean="0"/>
-              <a:t>Design Patterns</a:t>
-            </a:r>
-            <a:endParaRPr lang="en-US" dirty="0"/>
-          </a:p>
-        </p:txBody>
-      </p:sp>
-      <p:sp>
-        <p:nvSpPr>
-          <p:cNvPr id="3" name="Content Placeholder 2"/>
-          <p:cNvSpPr>
-            <a:spLocks noGrp="1"/>
-          </p:cNvSpPr>
-          <p:nvPr>
-            <p:ph idx="1"/>
-          </p:nvPr>
-        </p:nvSpPr>
-        <p:spPr/>
-        <p:txBody>
-          <a:bodyPr/>
-          <a:lstStyle/>
-          <a:p>
-            <a:r>
-              <a:rPr lang="en-US" dirty="0" smtClean="0"/>
-              <a:t>Reusable description for how to solve recurring problems</a:t>
-            </a:r>
-          </a:p>
-        </p:txBody>
-      </p:sp>
-      <p:sp>
-        <p:nvSpPr>
-          <p:cNvPr id="4" name="Footer Placeholder 3"/>
-          <p:cNvSpPr>
-            <a:spLocks noGrp="1"/>
-          </p:cNvSpPr>
-          <p:nvPr>
-            <p:ph type="ftr" sz="quarter" idx="3"/>
-          </p:nvPr>
-        </p:nvSpPr>
-        <p:spPr/>
-        <p:txBody>
-          <a:bodyPr/>
-          <a:lstStyle/>
-          <a:p>
-            <a:r>
-              <a:rPr lang="en-US" smtClean="0"/>
-              <a:t>Model – View – Controller: A Design Pattern</a:t>
+              <a:t>WHAT ROLES DO WE NEED?</a:t>
             </a:r>
             <a:endParaRPr lang="en-US" dirty="0"/>
           </a:p>
@@ -13261,7 +13356,7 @@
     </p:spTree>
     <p:extLst>
       <p:ext uri="{BB962C8B-B14F-4D97-AF65-F5344CB8AC3E}">
-        <p14:creationId xmlns:p14="http://schemas.microsoft.com/office/powerpoint/2010/main" val="1016920212"/>
+        <p14:creationId xmlns:p14="http://schemas.microsoft.com/office/powerpoint/2010/main" val="1521072834"/>
       </p:ext>
     </p:extLst>
   </p:cSld>
@@ -13297,7 +13392,177 @@
       </p:grpSpPr>
       <p:sp>
         <p:nvSpPr>
-          <p:cNvPr id="2" name="Title 1"/>
+          <p:cNvPr id="2" name="Content Placeholder 1"/>
+          <p:cNvSpPr>
+            <a:spLocks noGrp="1"/>
+          </p:cNvSpPr>
+          <p:nvPr>
+            <p:ph idx="1"/>
+          </p:nvPr>
+        </p:nvSpPr>
+        <p:spPr>
+          <a:xfrm>
+            <a:off x="175179" y="1424690"/>
+            <a:ext cx="8968821" cy="3877733"/>
+          </a:xfrm>
+        </p:spPr>
+        <p:txBody>
+          <a:bodyPr>
+            <a:noAutofit/>
+          </a:bodyPr>
+          <a:lstStyle/>
+          <a:p>
+            <a:r>
+              <a:rPr lang="en-US" sz="2300" dirty="0" smtClean="0"/>
+              <a:t>The </a:t>
+            </a:r>
+            <a:r>
+              <a:rPr lang="en-US" sz="2300" dirty="0" smtClean="0">
+                <a:solidFill>
+                  <a:srgbClr val="FF0000"/>
+                </a:solidFill>
+              </a:rPr>
+              <a:t>view </a:t>
+            </a:r>
+            <a:r>
+              <a:rPr lang="en-US" sz="2300" dirty="0" smtClean="0">
+                <a:solidFill>
+                  <a:srgbClr val="FF0000"/>
+                </a:solidFill>
+              </a:rPr>
+              <a:t>(waiter) </a:t>
+            </a:r>
+            <a:r>
+              <a:rPr lang="en-US" sz="2300" dirty="0" smtClean="0"/>
+              <a:t>handles </a:t>
+            </a:r>
+            <a:r>
+              <a:rPr lang="en-US" sz="2300" dirty="0" smtClean="0"/>
+              <a:t>user interaction</a:t>
+            </a:r>
+          </a:p>
+          <a:p>
+            <a:r>
+              <a:rPr lang="en-US" sz="2300" dirty="0" smtClean="0"/>
+              <a:t>It shows information to the user and gets user input</a:t>
+            </a:r>
+          </a:p>
+          <a:p>
+            <a:endParaRPr lang="en-US" sz="2300" dirty="0"/>
+          </a:p>
+          <a:p>
+            <a:r>
+              <a:rPr lang="en-US" sz="2300" dirty="0" smtClean="0"/>
+              <a:t>The </a:t>
+            </a:r>
+            <a:r>
+              <a:rPr lang="en-US" sz="2300" dirty="0" smtClean="0">
+                <a:solidFill>
+                  <a:srgbClr val="FF0000"/>
+                </a:solidFill>
+              </a:rPr>
+              <a:t>model (chef)</a:t>
+            </a:r>
+            <a:r>
+              <a:rPr lang="en-US" sz="2300" dirty="0" smtClean="0"/>
+              <a:t> </a:t>
+            </a:r>
+            <a:r>
+              <a:rPr lang="en-US" sz="2300" dirty="0" smtClean="0"/>
+              <a:t>handles your data</a:t>
+            </a:r>
+          </a:p>
+          <a:p>
+            <a:r>
+              <a:rPr lang="en-US" sz="2300" dirty="0" smtClean="0"/>
+              <a:t>It interacts with a DB or data store of some kind, crunches the numbers and does the ‘heavy lifting’ in your application.</a:t>
+            </a:r>
+            <a:endParaRPr lang="en-US" sz="2300" dirty="0" smtClean="0"/>
+          </a:p>
+          <a:p>
+            <a:endParaRPr lang="en-US" sz="2300" dirty="0"/>
+          </a:p>
+          <a:p>
+            <a:r>
+              <a:rPr lang="en-US" sz="2300" dirty="0" smtClean="0"/>
+              <a:t>The </a:t>
+            </a:r>
+            <a:r>
+              <a:rPr lang="en-US" sz="2300" dirty="0" smtClean="0">
+                <a:solidFill>
+                  <a:srgbClr val="FF0000"/>
+                </a:solidFill>
+              </a:rPr>
+              <a:t>controller</a:t>
+            </a:r>
+            <a:r>
+              <a:rPr lang="en-US" sz="2300" dirty="0" smtClean="0"/>
+              <a:t> </a:t>
+            </a:r>
+            <a:r>
+              <a:rPr lang="en-US" sz="2300" dirty="0" smtClean="0">
+                <a:solidFill>
+                  <a:srgbClr val="FF0000"/>
+                </a:solidFill>
+              </a:rPr>
+              <a:t>(manager)</a:t>
+            </a:r>
+            <a:r>
+              <a:rPr lang="en-US" sz="2300" dirty="0" smtClean="0"/>
+              <a:t> manages </a:t>
+            </a:r>
+            <a:r>
+              <a:rPr lang="en-US" sz="2300" dirty="0" smtClean="0"/>
+              <a:t>communication between </a:t>
+            </a:r>
+            <a:r>
+              <a:rPr lang="en-US" sz="2300" dirty="0" smtClean="0">
+                <a:solidFill>
+                  <a:srgbClr val="FF0000"/>
+                </a:solidFill>
+              </a:rPr>
+              <a:t>model</a:t>
+            </a:r>
+            <a:r>
+              <a:rPr lang="en-US" sz="2300" dirty="0" smtClean="0"/>
+              <a:t> </a:t>
+            </a:r>
+            <a:r>
+              <a:rPr lang="en-US" sz="2300" dirty="0" smtClean="0"/>
+              <a:t>and </a:t>
+            </a:r>
+            <a:r>
+              <a:rPr lang="en-US" sz="2300" dirty="0" smtClean="0">
+                <a:solidFill>
+                  <a:srgbClr val="FF0000"/>
+                </a:solidFill>
+              </a:rPr>
+              <a:t>view</a:t>
+            </a:r>
+            <a:endParaRPr lang="en-US" sz="2300" dirty="0" smtClean="0">
+              <a:solidFill>
+                <a:srgbClr val="FF0000"/>
+              </a:solidFill>
+            </a:endParaRPr>
+          </a:p>
+          <a:p>
+            <a:r>
+              <a:rPr lang="en-US" sz="2300" dirty="0" smtClean="0"/>
+              <a:t>It parses user input, gets the information it needs from the model, and passes it back to the view.</a:t>
+            </a:r>
+          </a:p>
+          <a:p>
+            <a:r>
+              <a:rPr lang="en-US" sz="2300" dirty="0" smtClean="0"/>
+              <a:t>It runs everything! Controllers are very... CONTROLLING.</a:t>
+            </a:r>
+            <a:endParaRPr lang="en-US" sz="2300" dirty="0"/>
+          </a:p>
+        </p:txBody>
+      </p:sp>
+      <p:sp>
+        <p:nvSpPr>
+          <p:cNvPr id="3" name="Title 2"/>
           <p:cNvSpPr>
             <a:spLocks noGrp="1"/>
           </p:cNvSpPr>
@@ -13312,64 +13577,7 @@
           <a:p>
             <a:r>
               <a:rPr lang="en-US" dirty="0" smtClean="0"/>
-              <a:t>Recurring Problem for M-V-C</a:t>
-            </a:r>
-            <a:endParaRPr lang="en-US" dirty="0"/>
-          </a:p>
-        </p:txBody>
-      </p:sp>
-      <p:sp>
-        <p:nvSpPr>
-          <p:cNvPr id="3" name="Content Placeholder 2"/>
-          <p:cNvSpPr>
-            <a:spLocks noGrp="1"/>
-          </p:cNvSpPr>
-          <p:nvPr>
-            <p:ph idx="1"/>
-          </p:nvPr>
-        </p:nvSpPr>
-        <p:spPr/>
-        <p:txBody>
-          <a:bodyPr/>
-          <a:lstStyle/>
-          <a:p>
-            <a:r>
-              <a:rPr lang="en-US" dirty="0" smtClean="0"/>
-              <a:t>Data and business logic</a:t>
-            </a:r>
-          </a:p>
-          <a:p>
-            <a:r>
-              <a:rPr lang="en-US" dirty="0" smtClean="0"/>
-              <a:t>User interface</a:t>
-            </a:r>
-          </a:p>
-          <a:p>
-            <a:r>
-              <a:rPr lang="en-US" dirty="0" smtClean="0"/>
-              <a:t>Communication between them</a:t>
-            </a:r>
-          </a:p>
-        </p:txBody>
-      </p:sp>
-      <p:sp>
-        <p:nvSpPr>
-          <p:cNvPr id="4" name="Footer Placeholder 3"/>
-          <p:cNvSpPr>
-            <a:spLocks noGrp="1"/>
-          </p:cNvSpPr>
-          <p:nvPr>
-            <p:ph type="ftr" sz="quarter" idx="3"/>
-          </p:nvPr>
-        </p:nvSpPr>
-        <p:spPr/>
-        <p:txBody>
-          <a:bodyPr/>
-          <a:lstStyle/>
-          <a:p>
-            <a:r>
-              <a:rPr lang="en-US" smtClean="0"/>
-              <a:t>Model – View – Controller: A Design Pattern</a:t>
+              <a:t>M-V-C Bits:</a:t>
             </a:r>
             <a:endParaRPr lang="en-US" dirty="0"/>
           </a:p>
@@ -13378,7 +13586,7 @@
     </p:spTree>
     <p:extLst>
       <p:ext uri="{BB962C8B-B14F-4D97-AF65-F5344CB8AC3E}">
-        <p14:creationId xmlns:p14="http://schemas.microsoft.com/office/powerpoint/2010/main" val="524683195"/>
+        <p14:creationId xmlns:p14="http://schemas.microsoft.com/office/powerpoint/2010/main" val="1779732405"/>
       </p:ext>
     </p:extLst>
   </p:cSld>

--- a/1phase/ruby-mvc-single-res/HT-MVC.pptx
+++ b/1phase/ruby-mvc-single-res/HT-MVC.pptx
@@ -5,10 +5,10 @@
     <p:sldMasterId id="2147483660" r:id="rId1"/>
   </p:sldMasterIdLst>
   <p:notesMasterIdLst>
-    <p:notesMasterId r:id="rId32"/>
+    <p:notesMasterId r:id="rId33"/>
   </p:notesMasterIdLst>
   <p:handoutMasterIdLst>
-    <p:handoutMasterId r:id="rId33"/>
+    <p:handoutMasterId r:id="rId34"/>
   </p:handoutMasterIdLst>
   <p:sldIdLst>
     <p:sldId id="256" r:id="rId2"/>
@@ -34,13 +34,14 @@
     <p:sldId id="281" r:id="rId22"/>
     <p:sldId id="282" r:id="rId23"/>
     <p:sldId id="280" r:id="rId24"/>
-    <p:sldId id="270" r:id="rId25"/>
-    <p:sldId id="272" r:id="rId26"/>
-    <p:sldId id="273" r:id="rId27"/>
-    <p:sldId id="275" r:id="rId28"/>
-    <p:sldId id="276" r:id="rId29"/>
-    <p:sldId id="277" r:id="rId30"/>
-    <p:sldId id="278" r:id="rId31"/>
+    <p:sldId id="291" r:id="rId25"/>
+    <p:sldId id="270" r:id="rId26"/>
+    <p:sldId id="272" r:id="rId27"/>
+    <p:sldId id="273" r:id="rId28"/>
+    <p:sldId id="275" r:id="rId29"/>
+    <p:sldId id="276" r:id="rId30"/>
+    <p:sldId id="277" r:id="rId31"/>
+    <p:sldId id="278" r:id="rId32"/>
   </p:sldIdLst>
   <p:sldSz cx="9144000" cy="6858000" type="screen4x3"/>
   <p:notesSz cx="6858000" cy="9144000"/>
@@ -224,7 +225,7 @@
           <a:p>
             <a:fld id="{CAA47771-BE1A-0F41-A2AB-502D986D5C71}" type="datetimeFigureOut">
               <a:rPr lang="en-US" smtClean="0"/>
-              <a:t>8/6/15</a:t>
+              <a:t>8/28/15</a:t>
             </a:fld>
             <a:endParaRPr lang="en-US"/>
           </a:p>
@@ -390,7 +391,7 @@
           <a:p>
             <a:fld id="{4083CDE4-3FA1-6A4B-862D-E61F193A4941}" type="datetimeFigureOut">
               <a:rPr lang="en-US" smtClean="0"/>
-              <a:t>8/6/15</a:t>
+              <a:t>8/28/15</a:t>
             </a:fld>
             <a:endParaRPr lang="en-US"/>
           </a:p>
@@ -705,15 +706,7 @@
           <a:p>
             <a:r>
               <a:rPr lang="en-US" dirty="0" smtClean="0"/>
-              <a:t>Walk through </a:t>
-            </a:r>
-            <a:r>
-              <a:rPr lang="en-US" dirty="0" smtClean="0"/>
-              <a:t>TODO's </a:t>
-            </a:r>
-            <a:r>
-              <a:rPr lang="en-US" dirty="0" smtClean="0"/>
-              <a:t>MVC code.</a:t>
+              <a:t>Walk through TODO's MVC code.</a:t>
             </a:r>
             <a:endParaRPr lang="en-US" dirty="0"/>
           </a:p>
@@ -2223,15 +2216,7 @@
                   <a:schemeClr val="accent3"/>
                 </a:solidFill>
               </a:rPr>
-              <a:t>Author:  </a:t>
-            </a:r>
-            <a:r>
-              <a:rPr lang="en-US" dirty="0" smtClean="0">
-                <a:solidFill>
-                  <a:schemeClr val="accent3"/>
-                </a:solidFill>
-              </a:rPr>
-              <a:t>Hunter Chapman</a:t>
+              <a:t>Author:  Hunter Chapman</a:t>
             </a:r>
             <a:endParaRPr lang="en-US" dirty="0">
               <a:solidFill>
@@ -5496,11 +5481,7 @@
           <a:p>
             <a:r>
               <a:rPr lang="en-US" dirty="0" smtClean="0"/>
-              <a:t>M-V-C </a:t>
-            </a:r>
-            <a:r>
-              <a:rPr lang="en-US" dirty="0" smtClean="0"/>
-              <a:t>TODO's</a:t>
+              <a:t>M-V-C TODO's</a:t>
             </a:r>
             <a:endParaRPr lang="en-US" dirty="0"/>
           </a:p>
@@ -5523,15 +5504,7 @@
           <a:p>
             <a:r>
               <a:rPr lang="en-US" dirty="0" smtClean="0"/>
-              <a:t>How would </a:t>
-            </a:r>
-            <a:r>
-              <a:rPr lang="en-US" dirty="0" smtClean="0"/>
-              <a:t>TODO's </a:t>
-            </a:r>
-            <a:r>
-              <a:rPr lang="en-US" dirty="0" smtClean="0"/>
-              <a:t>look following the M-V-C pattern?</a:t>
+              <a:t>How would TODO's look following the M-V-C pattern?</a:t>
             </a:r>
             <a:endParaRPr lang="en-US" dirty="0"/>
           </a:p>
@@ -5632,7 +5605,6 @@
               <a:rPr lang="en-US" sz="3400" dirty="0" smtClean="0"/>
               <a:t> code.</a:t>
             </a:r>
-            <a:endParaRPr lang="en-US" sz="3400" dirty="0" smtClean="0"/>
           </a:p>
           <a:p>
             <a:pPr marL="45720" indent="0">
@@ -6267,11 +6239,6 @@
               </a:rPr>
               <a:t>List</a:t>
             </a:r>
-            <a:endParaRPr lang="en-US" sz="2200" dirty="0" smtClean="0">
-              <a:solidFill>
-                <a:schemeClr val="accent1"/>
-              </a:solidFill>
-            </a:endParaRPr>
           </a:p>
           <a:p>
             <a:pPr marL="349250" indent="-238125">
@@ -6286,11 +6253,6 @@
               </a:rPr>
               <a:t>Task</a:t>
             </a:r>
-            <a:endParaRPr lang="en-US" sz="2200" dirty="0" smtClean="0">
-              <a:solidFill>
-                <a:schemeClr val="accent1"/>
-              </a:solidFill>
-            </a:endParaRPr>
           </a:p>
           <a:p>
             <a:pPr marL="349250" indent="-238125">
@@ -6742,11 +6704,6 @@
               </a:rPr>
               <a:t>List</a:t>
             </a:r>
-            <a:endParaRPr lang="en-US" sz="2200" dirty="0" smtClean="0">
-              <a:solidFill>
-                <a:schemeClr val="accent1"/>
-              </a:solidFill>
-            </a:endParaRPr>
           </a:p>
           <a:p>
             <a:pPr marL="349250" indent="-238125">
@@ -6761,11 +6718,6 @@
               </a:rPr>
               <a:t>Task</a:t>
             </a:r>
-            <a:endParaRPr lang="en-US" sz="2200" dirty="0" smtClean="0">
-              <a:solidFill>
-                <a:schemeClr val="accent1"/>
-              </a:solidFill>
-            </a:endParaRPr>
           </a:p>
           <a:p>
             <a:pPr marL="349250" indent="-238125">
@@ -6873,15 +6825,7 @@
                   <a:srgbClr val="F8F8F8"/>
                 </a:solidFill>
               </a:rPr>
-              <a:t>TODO-</a:t>
-            </a:r>
-            <a:r>
-              <a:rPr lang="en-US" sz="2200" dirty="0" smtClean="0">
-                <a:solidFill>
-                  <a:srgbClr val="F8F8F8"/>
-                </a:solidFill>
-              </a:rPr>
-              <a:t>Controller</a:t>
+              <a:t>TODO-Controller</a:t>
             </a:r>
           </a:p>
           <a:p>
@@ -7231,11 +7175,6 @@
               </a:rPr>
               <a:t>List</a:t>
             </a:r>
-            <a:endParaRPr lang="en-US" sz="2200" dirty="0" smtClean="0">
-              <a:solidFill>
-                <a:schemeClr val="accent1"/>
-              </a:solidFill>
-            </a:endParaRPr>
           </a:p>
           <a:p>
             <a:pPr marL="349250" indent="-238125">
@@ -7250,11 +7189,6 @@
               </a:rPr>
               <a:t>Task</a:t>
             </a:r>
-            <a:endParaRPr lang="en-US" sz="2200" dirty="0" smtClean="0">
-              <a:solidFill>
-                <a:schemeClr val="accent1"/>
-              </a:solidFill>
-            </a:endParaRPr>
           </a:p>
           <a:p>
             <a:pPr marL="349250" indent="-238125">
@@ -7362,15 +7296,7 @@
                   <a:srgbClr val="F8F8F8"/>
                 </a:solidFill>
               </a:rPr>
-              <a:t>TODO-</a:t>
-            </a:r>
-            <a:r>
-              <a:rPr lang="en-US" sz="2200" dirty="0" smtClean="0">
-                <a:solidFill>
-                  <a:srgbClr val="F8F8F8"/>
-                </a:solidFill>
-              </a:rPr>
-              <a:t>Controller</a:t>
+              <a:t>TODO-Controller</a:t>
             </a:r>
           </a:p>
           <a:p>
@@ -7512,11 +7438,6 @@
               </a:rPr>
               <a:t>Task View</a:t>
             </a:r>
-            <a:endParaRPr lang="en-US" sz="2200" dirty="0" smtClean="0">
-              <a:solidFill>
-                <a:srgbClr val="F8F8F8"/>
-              </a:solidFill>
-            </a:endParaRPr>
           </a:p>
         </p:txBody>
       </p:sp>
@@ -7667,11 +7588,7 @@
           <a:p>
             <a:r>
               <a:rPr lang="en-US" dirty="0" smtClean="0"/>
-              <a:t>TODO's: </a:t>
-            </a:r>
-            <a:r>
-              <a:rPr lang="en-US" dirty="0" smtClean="0"/>
-              <a:t>List</a:t>
+              <a:t>Message Pattern</a:t>
             </a:r>
             <a:endParaRPr lang="en-US" dirty="0"/>
           </a:p>
@@ -7702,184 +7619,14 @@
       </p:sp>
       <p:sp>
         <p:nvSpPr>
-          <p:cNvPr id="4" name="Rectangle 3"/>
-          <p:cNvSpPr/>
-          <p:nvPr/>
-        </p:nvSpPr>
-        <p:spPr>
-          <a:xfrm>
-            <a:off x="512064" y="2723877"/>
-            <a:ext cx="2150017" cy="3058909"/>
-          </a:xfrm>
-          <a:prstGeom prst="rect">
-            <a:avLst/>
-          </a:prstGeom>
-          <a:solidFill>
-            <a:srgbClr val="00A9B9"/>
-          </a:solidFill>
-          <a:ln>
-            <a:noFill/>
-          </a:ln>
-          <a:effectLst/>
-        </p:spPr>
-        <p:style>
-          <a:lnRef idx="1">
-            <a:schemeClr val="accent1"/>
-          </a:lnRef>
-          <a:fillRef idx="3">
-            <a:schemeClr val="accent1"/>
-          </a:fillRef>
-          <a:effectRef idx="2">
-            <a:schemeClr val="accent1"/>
-          </a:effectRef>
-          <a:fontRef idx="minor">
-            <a:schemeClr val="lt1"/>
-          </a:fontRef>
-        </p:style>
-        <p:txBody>
-          <a:bodyPr rtlCol="0" anchor="t"/>
-          <a:lstStyle/>
-          <a:p>
-            <a:endParaRPr lang="en-US" sz="2200" dirty="0">
-              <a:solidFill>
-                <a:schemeClr val="accent1"/>
-              </a:solidFill>
-            </a:endParaRPr>
-          </a:p>
-          <a:p>
-            <a:pPr marL="111125"/>
-            <a:endParaRPr lang="en-US" sz="2200" dirty="0" smtClean="0">
-              <a:solidFill>
-                <a:schemeClr val="accent1"/>
-              </a:solidFill>
-            </a:endParaRPr>
-          </a:p>
-        </p:txBody>
-      </p:sp>
-      <p:sp>
-        <p:nvSpPr>
-          <p:cNvPr id="5" name="Rectangle 4"/>
-          <p:cNvSpPr/>
-          <p:nvPr/>
-        </p:nvSpPr>
-        <p:spPr>
-          <a:xfrm>
-            <a:off x="3493911" y="2668662"/>
-            <a:ext cx="2150017" cy="3058909"/>
-          </a:xfrm>
-          <a:prstGeom prst="rect">
-            <a:avLst/>
-          </a:prstGeom>
-          <a:solidFill>
-            <a:srgbClr val="EA4A3C"/>
-          </a:solidFill>
-          <a:ln>
-            <a:noFill/>
-          </a:ln>
-          <a:effectLst/>
-        </p:spPr>
-        <p:style>
-          <a:lnRef idx="1">
-            <a:schemeClr val="accent1"/>
-          </a:lnRef>
-          <a:fillRef idx="3">
-            <a:schemeClr val="accent1"/>
-          </a:fillRef>
-          <a:effectRef idx="2">
-            <a:schemeClr val="accent1"/>
-          </a:effectRef>
-          <a:fontRef idx="minor">
-            <a:schemeClr val="lt1"/>
-          </a:fontRef>
-        </p:style>
-        <p:txBody>
-          <a:bodyPr rtlCol="0" anchor="t"/>
-          <a:lstStyle/>
-          <a:p>
-            <a:pPr marL="111125"/>
-            <a:endParaRPr lang="en-US" sz="2200" dirty="0" smtClean="0">
-              <a:solidFill>
-                <a:srgbClr val="F8F8F8"/>
-              </a:solidFill>
-            </a:endParaRPr>
-          </a:p>
-          <a:p>
-            <a:pPr marL="111125"/>
-            <a:endParaRPr lang="en-US" sz="2200" dirty="0" smtClean="0">
-              <a:solidFill>
-                <a:srgbClr val="F8F8F8"/>
-              </a:solidFill>
-            </a:endParaRPr>
-          </a:p>
-        </p:txBody>
-      </p:sp>
-      <p:sp>
-        <p:nvSpPr>
-          <p:cNvPr id="6" name="Rectangle 5"/>
-          <p:cNvSpPr/>
-          <p:nvPr/>
-        </p:nvSpPr>
-        <p:spPr>
-          <a:xfrm>
-            <a:off x="6536783" y="2723877"/>
-            <a:ext cx="2150017" cy="3058909"/>
-          </a:xfrm>
-          <a:prstGeom prst="rect">
-            <a:avLst/>
-          </a:prstGeom>
-          <a:solidFill>
-            <a:schemeClr val="accent6"/>
-          </a:solidFill>
-          <a:ln>
-            <a:noFill/>
-          </a:ln>
-          <a:effectLst/>
-        </p:spPr>
-        <p:style>
-          <a:lnRef idx="1">
-            <a:schemeClr val="accent1"/>
-          </a:lnRef>
-          <a:fillRef idx="3">
-            <a:schemeClr val="accent1"/>
-          </a:fillRef>
-          <a:effectRef idx="2">
-            <a:schemeClr val="accent1"/>
-          </a:effectRef>
-          <a:fontRef idx="minor">
-            <a:schemeClr val="lt1"/>
-          </a:fontRef>
-        </p:style>
-        <p:txBody>
-          <a:bodyPr rtlCol="0" anchor="t"/>
-          <a:lstStyle/>
-          <a:p>
-            <a:pPr marL="111125"/>
-            <a:endParaRPr lang="en-US" sz="2200" dirty="0" smtClean="0">
-              <a:solidFill>
-                <a:srgbClr val="F8F8F8"/>
-              </a:solidFill>
-            </a:endParaRPr>
-          </a:p>
-          <a:p>
-            <a:pPr marL="111125"/>
-            <a:endParaRPr lang="en-US" sz="2200" dirty="0" smtClean="0">
-              <a:solidFill>
-                <a:srgbClr val="F8F8F8"/>
-              </a:solidFill>
-            </a:endParaRPr>
-          </a:p>
-        </p:txBody>
-      </p:sp>
-      <p:sp>
-        <p:nvSpPr>
-          <p:cNvPr id="8" name="TextBox 7"/>
+          <p:cNvPr id="7" name="TextBox 6"/>
           <p:cNvSpPr txBox="1"/>
           <p:nvPr/>
         </p:nvSpPr>
         <p:spPr>
           <a:xfrm>
-            <a:off x="457200" y="1865376"/>
-            <a:ext cx="2204881" cy="584776"/>
+            <a:off x="512064" y="1954842"/>
+            <a:ext cx="8174737" cy="4031873"/>
           </a:xfrm>
           <a:prstGeom prst="rect">
             <a:avLst/>
@@ -7892,140 +7639,61 @@
           </a:bodyPr>
           <a:lstStyle/>
           <a:p>
-            <a:pPr algn="ctr"/>
+            <a:pPr marL="457200" indent="-457200">
+              <a:buFont typeface="Arial"/>
+              <a:buChar char="•"/>
+            </a:pPr>
             <a:r>
               <a:rPr lang="en-US" sz="3200" dirty="0" smtClean="0"/>
-              <a:t>Model</a:t>
+              <a:t>All of programming is essentially passing messages between all the things. </a:t>
+            </a:r>
+          </a:p>
+          <a:p>
+            <a:pPr marL="457200" indent="-457200">
+              <a:buFont typeface="Arial"/>
+              <a:buChar char="•"/>
+            </a:pPr>
+            <a:endParaRPr lang="en-US" sz="3200" dirty="0" smtClean="0"/>
+          </a:p>
+          <a:p>
+            <a:pPr marL="457200" indent="-457200">
+              <a:buFont typeface="Arial"/>
+              <a:buChar char="•"/>
+            </a:pPr>
+            <a:r>
+              <a:rPr lang="en-US" sz="3200" dirty="0" smtClean="0"/>
+              <a:t>Start thinking of your methods/classes as a means of passing a message to </a:t>
+            </a:r>
+            <a:r>
+              <a:rPr lang="en-US" sz="3200" smtClean="0"/>
+              <a:t>a place.</a:t>
+            </a:r>
+            <a:endParaRPr lang="en-US" sz="3200" dirty="0" smtClean="0"/>
+          </a:p>
+          <a:p>
+            <a:pPr marL="457200" indent="-457200">
+              <a:buFont typeface="Arial"/>
+              <a:buChar char="•"/>
+            </a:pPr>
+            <a:endParaRPr lang="en-US" sz="3200" dirty="0" smtClean="0"/>
+          </a:p>
+          <a:p>
+            <a:pPr marL="457200" indent="-457200">
+              <a:buFont typeface="Arial"/>
+              <a:buChar char="•"/>
+            </a:pPr>
+            <a:r>
+              <a:rPr lang="en-US" sz="3200" dirty="0" smtClean="0"/>
+              <a:t>That place does a thing and passes some message back. </a:t>
             </a:r>
             <a:endParaRPr lang="en-US" sz="3200" dirty="0"/>
-          </a:p>
-        </p:txBody>
-      </p:sp>
-      <p:sp>
-        <p:nvSpPr>
-          <p:cNvPr id="10" name="TextBox 9"/>
-          <p:cNvSpPr txBox="1"/>
-          <p:nvPr/>
-        </p:nvSpPr>
-        <p:spPr>
-          <a:xfrm>
-            <a:off x="3493911" y="1865376"/>
-            <a:ext cx="2204881" cy="584776"/>
-          </a:xfrm>
-          <a:prstGeom prst="rect">
-            <a:avLst/>
-          </a:prstGeom>
-          <a:noFill/>
-        </p:spPr>
-        <p:txBody>
-          <a:bodyPr wrap="square" rtlCol="0">
-            <a:spAutoFit/>
-          </a:bodyPr>
-          <a:lstStyle/>
-          <a:p>
-            <a:pPr algn="ctr"/>
-            <a:r>
-              <a:rPr lang="en-US" sz="3200" dirty="0" smtClean="0"/>
-              <a:t>Controller</a:t>
-            </a:r>
-            <a:endParaRPr lang="en-US" sz="3200" dirty="0"/>
-          </a:p>
-        </p:txBody>
-      </p:sp>
-      <p:sp>
-        <p:nvSpPr>
-          <p:cNvPr id="11" name="TextBox 10"/>
-          <p:cNvSpPr txBox="1"/>
-          <p:nvPr/>
-        </p:nvSpPr>
-        <p:spPr>
-          <a:xfrm>
-            <a:off x="6536783" y="1865376"/>
-            <a:ext cx="2204881" cy="584776"/>
-          </a:xfrm>
-          <a:prstGeom prst="rect">
-            <a:avLst/>
-          </a:prstGeom>
-          <a:noFill/>
-        </p:spPr>
-        <p:txBody>
-          <a:bodyPr wrap="square" rtlCol="0">
-            <a:spAutoFit/>
-          </a:bodyPr>
-          <a:lstStyle/>
-          <a:p>
-            <a:pPr algn="ctr"/>
-            <a:r>
-              <a:rPr lang="en-US" sz="3200" dirty="0" smtClean="0"/>
-              <a:t>View</a:t>
-            </a:r>
-            <a:endParaRPr lang="en-US" sz="3200" dirty="0"/>
-          </a:p>
-        </p:txBody>
-      </p:sp>
-      <p:sp>
-        <p:nvSpPr>
-          <p:cNvPr id="7" name="Rectangle 6"/>
-          <p:cNvSpPr/>
-          <p:nvPr/>
-        </p:nvSpPr>
-        <p:spPr>
-          <a:xfrm>
-            <a:off x="6755607" y="2934560"/>
-            <a:ext cx="1730320" cy="396667"/>
-          </a:xfrm>
-          <a:prstGeom prst="rect">
-            <a:avLst/>
-          </a:prstGeom>
-          <a:solidFill>
-            <a:schemeClr val="accent6"/>
-          </a:solidFill>
-          <a:ln w="28575" cmpd="sng">
-            <a:solidFill>
-              <a:schemeClr val="accent1"/>
-            </a:solidFill>
-          </a:ln>
-          <a:effectLst/>
-        </p:spPr>
-        <p:style>
-          <a:lnRef idx="1">
-            <a:schemeClr val="accent1"/>
-          </a:lnRef>
-          <a:fillRef idx="3">
-            <a:schemeClr val="accent1"/>
-          </a:fillRef>
-          <a:effectRef idx="2">
-            <a:schemeClr val="accent1"/>
-          </a:effectRef>
-          <a:fontRef idx="minor">
-            <a:schemeClr val="lt1"/>
-          </a:fontRef>
-        </p:style>
-        <p:txBody>
-          <a:bodyPr rtlCol="0" anchor="ctr"/>
-          <a:lstStyle/>
-          <a:p>
-            <a:pPr algn="ctr"/>
-            <a:r>
-              <a:rPr lang="en-US" dirty="0" smtClean="0">
-                <a:solidFill>
-                  <a:srgbClr val="F8F8F8"/>
-                </a:solidFill>
-              </a:rPr>
-              <a:t>send input</a:t>
-            </a:r>
-            <a:endParaRPr lang="en-US" dirty="0">
-              <a:solidFill>
-                <a:srgbClr val="F8F8F8"/>
-              </a:solidFill>
-            </a:endParaRPr>
           </a:p>
         </p:txBody>
       </p:sp>
     </p:spTree>
     <p:extLst>
       <p:ext uri="{BB962C8B-B14F-4D97-AF65-F5344CB8AC3E}">
-        <p14:creationId xmlns:p14="http://schemas.microsoft.com/office/powerpoint/2010/main" val="2744471277"/>
+        <p14:creationId xmlns:p14="http://schemas.microsoft.com/office/powerpoint/2010/main" val="200250533"/>
       </p:ext>
     </p:extLst>
   </p:cSld>
@@ -8076,11 +7744,7 @@
           <a:p>
             <a:r>
               <a:rPr lang="en-US" dirty="0" smtClean="0"/>
-              <a:t>TODO's: </a:t>
-            </a:r>
-            <a:r>
-              <a:rPr lang="en-US" dirty="0" smtClean="0"/>
-              <a:t>List</a:t>
+              <a:t>TODO's: List</a:t>
             </a:r>
             <a:endParaRPr lang="en-US" dirty="0"/>
           </a:p>
@@ -8372,103 +8036,6 @@
           </a:p>
         </p:txBody>
       </p:sp>
-      <p:sp>
-        <p:nvSpPr>
-          <p:cNvPr id="15" name="Rectangle 14"/>
-          <p:cNvSpPr/>
-          <p:nvPr/>
-        </p:nvSpPr>
-        <p:spPr>
-          <a:xfrm>
-            <a:off x="3699937" y="2934560"/>
-            <a:ext cx="1730320" cy="396667"/>
-          </a:xfrm>
-          <a:prstGeom prst="rect">
-            <a:avLst/>
-          </a:prstGeom>
-          <a:solidFill>
-            <a:schemeClr val="accent4"/>
-          </a:solidFill>
-          <a:ln w="28575" cmpd="sng">
-            <a:solidFill>
-              <a:schemeClr val="accent1"/>
-            </a:solidFill>
-          </a:ln>
-          <a:effectLst/>
-        </p:spPr>
-        <p:style>
-          <a:lnRef idx="1">
-            <a:schemeClr val="accent1"/>
-          </a:lnRef>
-          <a:fillRef idx="3">
-            <a:schemeClr val="accent1"/>
-          </a:fillRef>
-          <a:effectRef idx="2">
-            <a:schemeClr val="accent1"/>
-          </a:effectRef>
-          <a:fontRef idx="minor">
-            <a:schemeClr val="lt1"/>
-          </a:fontRef>
-        </p:style>
-        <p:txBody>
-          <a:bodyPr rtlCol="0" anchor="ctr"/>
-          <a:lstStyle/>
-          <a:p>
-            <a:pPr algn="ctr"/>
-            <a:r>
-              <a:rPr lang="en-US" dirty="0" smtClean="0">
-                <a:solidFill>
-                  <a:srgbClr val="F8F8F8"/>
-                </a:solidFill>
-              </a:rPr>
-              <a:t>interpret input</a:t>
-            </a:r>
-            <a:endParaRPr lang="en-US" dirty="0">
-              <a:solidFill>
-                <a:srgbClr val="F8F8F8"/>
-              </a:solidFill>
-            </a:endParaRPr>
-          </a:p>
-        </p:txBody>
-      </p:sp>
-      <p:cxnSp>
-        <p:nvCxnSpPr>
-          <p:cNvPr id="16" name="Straight Arrow Connector 15"/>
-          <p:cNvCxnSpPr/>
-          <p:nvPr/>
-        </p:nvCxnSpPr>
-        <p:spPr>
-          <a:xfrm flipH="1">
-            <a:off x="5537200" y="3132894"/>
-            <a:ext cx="1218407" cy="0"/>
-          </a:xfrm>
-          <a:prstGeom prst="straightConnector1">
-            <a:avLst/>
-          </a:prstGeom>
-          <a:ln w="57150" cmpd="sng">
-            <a:solidFill>
-              <a:schemeClr val="accent2"/>
-            </a:solidFill>
-            <a:headEnd type="none"/>
-            <a:tailEnd type="triangle"/>
-          </a:ln>
-          <a:effectLst/>
-        </p:spPr>
-        <p:style>
-          <a:lnRef idx="2">
-            <a:schemeClr val="accent1"/>
-          </a:lnRef>
-          <a:fillRef idx="0">
-            <a:schemeClr val="accent1"/>
-          </a:fillRef>
-          <a:effectRef idx="1">
-            <a:schemeClr val="accent1"/>
-          </a:effectRef>
-          <a:fontRef idx="minor">
-            <a:schemeClr val="tx1"/>
-          </a:fontRef>
-        </p:style>
-      </p:cxnSp>
       <p:sp>
         <p:nvSpPr>
           <p:cNvPr id="7" name="Rectangle 6"/>
@@ -8531,7 +8098,7 @@
     </p:spTree>
     <p:extLst>
       <p:ext uri="{BB962C8B-B14F-4D97-AF65-F5344CB8AC3E}">
-        <p14:creationId xmlns:p14="http://schemas.microsoft.com/office/powerpoint/2010/main" val="2992209754"/>
+        <p14:creationId xmlns:p14="http://schemas.microsoft.com/office/powerpoint/2010/main" val="2744471277"/>
       </p:ext>
     </p:extLst>
   </p:cSld>
@@ -8582,11 +8149,7 @@
           <a:p>
             <a:r>
               <a:rPr lang="en-US" dirty="0" smtClean="0"/>
-              <a:t>TODO's: </a:t>
-            </a:r>
-            <a:r>
-              <a:rPr lang="en-US" dirty="0" smtClean="0"/>
-              <a:t>List</a:t>
+              <a:t>TODO's: List</a:t>
             </a:r>
             <a:endParaRPr lang="en-US" dirty="0"/>
           </a:p>
@@ -8878,12 +8441,69 @@
           </a:p>
         </p:txBody>
       </p:sp>
+      <p:sp>
+        <p:nvSpPr>
+          <p:cNvPr id="15" name="Rectangle 14"/>
+          <p:cNvSpPr/>
+          <p:nvPr/>
+        </p:nvSpPr>
+        <p:spPr>
+          <a:xfrm>
+            <a:off x="3699937" y="2934560"/>
+            <a:ext cx="1730320" cy="396667"/>
+          </a:xfrm>
+          <a:prstGeom prst="rect">
+            <a:avLst/>
+          </a:prstGeom>
+          <a:solidFill>
+            <a:schemeClr val="accent4"/>
+          </a:solidFill>
+          <a:ln w="28575" cmpd="sng">
+            <a:solidFill>
+              <a:schemeClr val="accent1"/>
+            </a:solidFill>
+          </a:ln>
+          <a:effectLst/>
+        </p:spPr>
+        <p:style>
+          <a:lnRef idx="1">
+            <a:schemeClr val="accent1"/>
+          </a:lnRef>
+          <a:fillRef idx="3">
+            <a:schemeClr val="accent1"/>
+          </a:fillRef>
+          <a:effectRef idx="2">
+            <a:schemeClr val="accent1"/>
+          </a:effectRef>
+          <a:fontRef idx="minor">
+            <a:schemeClr val="lt1"/>
+          </a:fontRef>
+        </p:style>
+        <p:txBody>
+          <a:bodyPr rtlCol="0" anchor="ctr"/>
+          <a:lstStyle/>
+          <a:p>
+            <a:pPr algn="ctr"/>
+            <a:r>
+              <a:rPr lang="en-US" dirty="0" smtClean="0">
+                <a:solidFill>
+                  <a:srgbClr val="F8F8F8"/>
+                </a:solidFill>
+              </a:rPr>
+              <a:t>interpret input</a:t>
+            </a:r>
+            <a:endParaRPr lang="en-US" dirty="0">
+              <a:solidFill>
+                <a:srgbClr val="F8F8F8"/>
+              </a:solidFill>
+            </a:endParaRPr>
+          </a:p>
+        </p:txBody>
+      </p:sp>
       <p:cxnSp>
         <p:nvCxnSpPr>
-          <p:cNvPr id="12" name="Straight Arrow Connector 11"/>
-          <p:cNvCxnSpPr>
-            <a:stCxn id="7" idx="1"/>
-          </p:cNvCxnSpPr>
+          <p:cNvPr id="16" name="Straight Arrow Connector 15"/>
+          <p:cNvCxnSpPr/>
           <p:nvPr/>
         </p:nvCxnSpPr>
         <p:spPr>
@@ -8977,168 +8597,10 @@
           </a:p>
         </p:txBody>
       </p:sp>
-      <p:sp>
-        <p:nvSpPr>
-          <p:cNvPr id="14" name="Rectangle 13"/>
-          <p:cNvSpPr/>
-          <p:nvPr/>
-        </p:nvSpPr>
-        <p:spPr>
-          <a:xfrm>
-            <a:off x="3699937" y="4014227"/>
-            <a:ext cx="1730320" cy="396667"/>
-          </a:xfrm>
-          <a:prstGeom prst="rect">
-            <a:avLst/>
-          </a:prstGeom>
-          <a:solidFill>
-            <a:schemeClr val="accent4"/>
-          </a:solidFill>
-          <a:ln w="28575" cmpd="sng">
-            <a:solidFill>
-              <a:schemeClr val="accent1"/>
-            </a:solidFill>
-          </a:ln>
-          <a:effectLst/>
-        </p:spPr>
-        <p:style>
-          <a:lnRef idx="1">
-            <a:schemeClr val="accent1"/>
-          </a:lnRef>
-          <a:fillRef idx="3">
-            <a:schemeClr val="accent1"/>
-          </a:fillRef>
-          <a:effectRef idx="2">
-            <a:schemeClr val="accent1"/>
-          </a:effectRef>
-          <a:fontRef idx="minor">
-            <a:schemeClr val="lt1"/>
-          </a:fontRef>
-        </p:style>
-        <p:txBody>
-          <a:bodyPr rtlCol="0" anchor="ctr"/>
-          <a:lstStyle/>
-          <a:p>
-            <a:pPr algn="ctr"/>
-            <a:r>
-              <a:rPr lang="en-US" dirty="0" smtClean="0">
-                <a:solidFill>
-                  <a:srgbClr val="F8F8F8"/>
-                </a:solidFill>
-              </a:rPr>
-              <a:t>request data</a:t>
-            </a:r>
-            <a:endParaRPr lang="en-US" dirty="0">
-              <a:solidFill>
-                <a:srgbClr val="F8F8F8"/>
-              </a:solidFill>
-            </a:endParaRPr>
-          </a:p>
-        </p:txBody>
-      </p:sp>
-      <p:cxnSp>
-        <p:nvCxnSpPr>
-          <p:cNvPr id="15" name="Straight Arrow Connector 14"/>
-          <p:cNvCxnSpPr>
-            <a:stCxn id="13" idx="2"/>
-          </p:cNvCxnSpPr>
-          <p:nvPr/>
-        </p:nvCxnSpPr>
-        <p:spPr>
-          <a:xfrm>
-            <a:off x="4565097" y="3331227"/>
-            <a:ext cx="0" cy="614240"/>
-          </a:xfrm>
-          <a:prstGeom prst="straightConnector1">
-            <a:avLst/>
-          </a:prstGeom>
-          <a:ln w="57150" cmpd="sng">
-            <a:solidFill>
-              <a:schemeClr val="accent2"/>
-            </a:solidFill>
-            <a:headEnd type="none"/>
-            <a:tailEnd type="triangle"/>
-          </a:ln>
-          <a:effectLst/>
-        </p:spPr>
-        <p:style>
-          <a:lnRef idx="2">
-            <a:schemeClr val="accent1"/>
-          </a:lnRef>
-          <a:fillRef idx="0">
-            <a:schemeClr val="accent1"/>
-          </a:fillRef>
-          <a:effectRef idx="1">
-            <a:schemeClr val="accent1"/>
-          </a:effectRef>
-          <a:fontRef idx="minor">
-            <a:schemeClr val="tx1"/>
-          </a:fontRef>
-        </p:style>
-      </p:cxnSp>
-      <p:sp>
-        <p:nvSpPr>
-          <p:cNvPr id="13" name="Rectangle 12"/>
-          <p:cNvSpPr/>
-          <p:nvPr/>
-        </p:nvSpPr>
-        <p:spPr>
-          <a:xfrm>
-            <a:off x="3699937" y="2934560"/>
-            <a:ext cx="1730320" cy="396667"/>
-          </a:xfrm>
-          <a:prstGeom prst="rect">
-            <a:avLst/>
-          </a:prstGeom>
-          <a:solidFill>
-            <a:schemeClr val="accent4"/>
-          </a:solidFill>
-          <a:ln w="28575" cmpd="sng">
-            <a:solidFill>
-              <a:schemeClr val="accent1"/>
-            </a:solidFill>
-          </a:ln>
-          <a:effectLst/>
-        </p:spPr>
-        <p:style>
-          <a:lnRef idx="1">
-            <a:schemeClr val="accent1"/>
-          </a:lnRef>
-          <a:fillRef idx="3">
-            <a:schemeClr val="accent1"/>
-          </a:fillRef>
-          <a:effectRef idx="2">
-            <a:schemeClr val="accent1"/>
-          </a:effectRef>
-          <a:fontRef idx="minor">
-            <a:schemeClr val="lt1"/>
-          </a:fontRef>
-        </p:style>
-        <p:txBody>
-          <a:bodyPr rtlCol="0" anchor="ctr"/>
-          <a:lstStyle/>
-          <a:p>
-            <a:pPr algn="ctr"/>
-            <a:r>
-              <a:rPr lang="en-US" dirty="0" smtClean="0">
-                <a:solidFill>
-                  <a:srgbClr val="F8F8F8"/>
-                </a:solidFill>
-              </a:rPr>
-              <a:t>interpret input</a:t>
-            </a:r>
-            <a:endParaRPr lang="en-US" dirty="0">
-              <a:solidFill>
-                <a:srgbClr val="F8F8F8"/>
-              </a:solidFill>
-            </a:endParaRPr>
-          </a:p>
-        </p:txBody>
-      </p:sp>
     </p:spTree>
     <p:extLst>
       <p:ext uri="{BB962C8B-B14F-4D97-AF65-F5344CB8AC3E}">
-        <p14:creationId xmlns:p14="http://schemas.microsoft.com/office/powerpoint/2010/main" val="2922615046"/>
+        <p14:creationId xmlns:p14="http://schemas.microsoft.com/office/powerpoint/2010/main" val="2992209754"/>
       </p:ext>
     </p:extLst>
   </p:cSld>
@@ -9189,11 +8651,7 @@
           <a:p>
             <a:r>
               <a:rPr lang="en-US" dirty="0" smtClean="0"/>
-              <a:t>TODO's: </a:t>
-            </a:r>
-            <a:r>
-              <a:rPr lang="en-US" dirty="0" smtClean="0"/>
-              <a:t>List</a:t>
+              <a:t>TODO's: List</a:t>
             </a:r>
             <a:endParaRPr lang="en-US" dirty="0"/>
           </a:p>
@@ -9584,55 +9042,15 @@
           </a:p>
         </p:txBody>
       </p:sp>
-      <p:cxnSp>
-        <p:nvCxnSpPr>
-          <p:cNvPr id="15" name="Straight Arrow Connector 14"/>
-          <p:cNvCxnSpPr>
-            <a:stCxn id="13" idx="2"/>
-          </p:cNvCxnSpPr>
-          <p:nvPr/>
-        </p:nvCxnSpPr>
-        <p:spPr>
-          <a:xfrm>
-            <a:off x="4565097" y="3331227"/>
-            <a:ext cx="0" cy="614240"/>
-          </a:xfrm>
-          <a:prstGeom prst="straightConnector1">
-            <a:avLst/>
-          </a:prstGeom>
-          <a:ln w="57150" cmpd="sng">
-            <a:solidFill>
-              <a:schemeClr val="accent2"/>
-            </a:solidFill>
-            <a:headEnd type="none"/>
-            <a:tailEnd type="triangle"/>
-          </a:ln>
-          <a:effectLst/>
-        </p:spPr>
-        <p:style>
-          <a:lnRef idx="2">
-            <a:schemeClr val="accent1"/>
-          </a:lnRef>
-          <a:fillRef idx="0">
-            <a:schemeClr val="accent1"/>
-          </a:fillRef>
-          <a:effectRef idx="1">
-            <a:schemeClr val="accent1"/>
-          </a:effectRef>
-          <a:fontRef idx="minor">
-            <a:schemeClr val="tx1"/>
-          </a:fontRef>
-        </p:style>
-      </p:cxnSp>
-      <p:sp>
-        <p:nvSpPr>
-          <p:cNvPr id="13" name="Rectangle 12"/>
+      <p:sp>
+        <p:nvSpPr>
+          <p:cNvPr id="14" name="Rectangle 13"/>
           <p:cNvSpPr/>
           <p:nvPr/>
         </p:nvSpPr>
         <p:spPr>
           <a:xfrm>
-            <a:off x="3699937" y="2934560"/>
+            <a:off x="3699937" y="4014227"/>
             <a:ext cx="1730320" cy="396667"/>
           </a:xfrm>
           <a:prstGeom prst="rect">
@@ -9673,7 +9091,7 @@
                   <a:srgbClr val="F8F8F8"/>
                 </a:solidFill>
               </a:rPr>
-              <a:t>interpret input</a:t>
+              <a:t>request data</a:t>
             </a:r>
             <a:endParaRPr lang="en-US" dirty="0">
               <a:solidFill>
@@ -9683,75 +9101,18 @@
           </a:p>
         </p:txBody>
       </p:sp>
-      <p:sp>
-        <p:nvSpPr>
-          <p:cNvPr id="16" name="Rectangle 15"/>
-          <p:cNvSpPr/>
-          <p:nvPr/>
-        </p:nvSpPr>
-        <p:spPr>
-          <a:xfrm>
-            <a:off x="702737" y="4014227"/>
-            <a:ext cx="1730320" cy="396667"/>
-          </a:xfrm>
-          <a:prstGeom prst="rect">
-            <a:avLst/>
-          </a:prstGeom>
-          <a:solidFill>
-            <a:schemeClr val="accent5"/>
-          </a:solidFill>
-          <a:ln w="28575" cmpd="sng">
-            <a:solidFill>
-              <a:schemeClr val="accent1"/>
-            </a:solidFill>
-          </a:ln>
-          <a:effectLst/>
-        </p:spPr>
-        <p:style>
-          <a:lnRef idx="1">
-            <a:schemeClr val="accent1"/>
-          </a:lnRef>
-          <a:fillRef idx="3">
-            <a:schemeClr val="accent1"/>
-          </a:fillRef>
-          <a:effectRef idx="2">
-            <a:schemeClr val="accent1"/>
-          </a:effectRef>
-          <a:fontRef idx="minor">
-            <a:schemeClr val="lt1"/>
-          </a:fontRef>
-        </p:style>
-        <p:txBody>
-          <a:bodyPr rtlCol="0" anchor="ctr"/>
-          <a:lstStyle/>
-          <a:p>
-            <a:pPr algn="ctr"/>
-            <a:r>
-              <a:rPr lang="en-US" dirty="0" smtClean="0">
-                <a:solidFill>
-                  <a:srgbClr val="F8F8F8"/>
-                </a:solidFill>
-              </a:rPr>
-              <a:t>gather data</a:t>
-            </a:r>
-            <a:endParaRPr lang="en-US" dirty="0">
-              <a:solidFill>
-                <a:srgbClr val="F8F8F8"/>
-              </a:solidFill>
-            </a:endParaRPr>
-          </a:p>
-        </p:txBody>
-      </p:sp>
       <p:cxnSp>
         <p:nvCxnSpPr>
-          <p:cNvPr id="17" name="Straight Arrow Connector 16"/>
-          <p:cNvCxnSpPr/>
+          <p:cNvPr id="15" name="Straight Arrow Connector 14"/>
+          <p:cNvCxnSpPr>
+            <a:stCxn id="13" idx="2"/>
+          </p:cNvCxnSpPr>
           <p:nvPr/>
         </p:nvCxnSpPr>
         <p:spPr>
-          <a:xfrm flipH="1">
-            <a:off x="2557730" y="4237794"/>
-            <a:ext cx="1218407" cy="0"/>
+          <a:xfrm>
+            <a:off x="4565097" y="3331227"/>
+            <a:ext cx="0" cy="614240"/>
           </a:xfrm>
           <a:prstGeom prst="straightConnector1">
             <a:avLst/>
@@ -9782,13 +9143,13 @@
       </p:cxnSp>
       <p:sp>
         <p:nvSpPr>
-          <p:cNvPr id="14" name="Rectangle 13"/>
+          <p:cNvPr id="13" name="Rectangle 12"/>
           <p:cNvSpPr/>
           <p:nvPr/>
         </p:nvSpPr>
         <p:spPr>
           <a:xfrm>
-            <a:off x="3699937" y="4014227"/>
+            <a:off x="3699937" y="2934560"/>
             <a:ext cx="1730320" cy="396667"/>
           </a:xfrm>
           <a:prstGeom prst="rect">
@@ -9829,7 +9190,7 @@
                   <a:srgbClr val="F8F8F8"/>
                 </a:solidFill>
               </a:rPr>
-              <a:t>request data</a:t>
+              <a:t>interpret input</a:t>
             </a:r>
             <a:endParaRPr lang="en-US" dirty="0">
               <a:solidFill>
@@ -9842,7 +9203,7 @@
     </p:spTree>
     <p:extLst>
       <p:ext uri="{BB962C8B-B14F-4D97-AF65-F5344CB8AC3E}">
-        <p14:creationId xmlns:p14="http://schemas.microsoft.com/office/powerpoint/2010/main" val="200400826"/>
+        <p14:creationId xmlns:p14="http://schemas.microsoft.com/office/powerpoint/2010/main" val="2922615046"/>
       </p:ext>
     </p:extLst>
   </p:cSld>
@@ -9893,11 +9254,7 @@
           <a:p>
             <a:r>
               <a:rPr lang="en-US" dirty="0" smtClean="0"/>
-              <a:t>TODO's: </a:t>
-            </a:r>
-            <a:r>
-              <a:rPr lang="en-US" dirty="0" smtClean="0"/>
-              <a:t>List</a:t>
+              <a:t>TODO's: List</a:t>
             </a:r>
             <a:endParaRPr lang="en-US" dirty="0"/>
           </a:p>
@@ -10387,6 +9744,65 @@
           </a:p>
         </p:txBody>
       </p:sp>
+      <p:sp>
+        <p:nvSpPr>
+          <p:cNvPr id="16" name="Rectangle 15"/>
+          <p:cNvSpPr/>
+          <p:nvPr/>
+        </p:nvSpPr>
+        <p:spPr>
+          <a:xfrm>
+            <a:off x="702737" y="4014227"/>
+            <a:ext cx="1730320" cy="396667"/>
+          </a:xfrm>
+          <a:prstGeom prst="rect">
+            <a:avLst/>
+          </a:prstGeom>
+          <a:solidFill>
+            <a:schemeClr val="accent5"/>
+          </a:solidFill>
+          <a:ln w="28575" cmpd="sng">
+            <a:solidFill>
+              <a:schemeClr val="accent1"/>
+            </a:solidFill>
+          </a:ln>
+          <a:effectLst/>
+        </p:spPr>
+        <p:style>
+          <a:lnRef idx="1">
+            <a:schemeClr val="accent1"/>
+          </a:lnRef>
+          <a:fillRef idx="3">
+            <a:schemeClr val="accent1"/>
+          </a:fillRef>
+          <a:effectRef idx="2">
+            <a:schemeClr val="accent1"/>
+          </a:effectRef>
+          <a:fontRef idx="minor">
+            <a:schemeClr val="lt1"/>
+          </a:fontRef>
+        </p:style>
+        <p:txBody>
+          <a:bodyPr rtlCol="0" anchor="ctr"/>
+          <a:lstStyle/>
+          <a:p>
+            <a:pPr algn="ctr"/>
+            <a:r>
+              <a:rPr lang="en-US" dirty="0" smtClean="0">
+                <a:solidFill>
+                  <a:srgbClr val="F8F8F8"/>
+                </a:solidFill>
+              </a:rPr>
+              <a:t>gather data</a:t>
+            </a:r>
+            <a:endParaRPr lang="en-US" dirty="0">
+              <a:solidFill>
+                <a:srgbClr val="F8F8F8"/>
+              </a:solidFill>
+            </a:endParaRPr>
+          </a:p>
+        </p:txBody>
+      </p:sp>
       <p:cxnSp>
         <p:nvCxnSpPr>
           <p:cNvPr id="17" name="Straight Arrow Connector 16"/>
@@ -10484,166 +9900,10 @@
           </a:p>
         </p:txBody>
       </p:sp>
-      <p:sp>
-        <p:nvSpPr>
-          <p:cNvPr id="18" name="Rectangle 17"/>
-          <p:cNvSpPr/>
-          <p:nvPr/>
-        </p:nvSpPr>
-        <p:spPr>
-          <a:xfrm>
-            <a:off x="702737" y="5093893"/>
-            <a:ext cx="1730320" cy="396667"/>
-          </a:xfrm>
-          <a:prstGeom prst="rect">
-            <a:avLst/>
-          </a:prstGeom>
-          <a:solidFill>
-            <a:schemeClr val="accent5"/>
-          </a:solidFill>
-          <a:ln w="28575" cmpd="sng">
-            <a:solidFill>
-              <a:schemeClr val="accent1"/>
-            </a:solidFill>
-          </a:ln>
-          <a:effectLst/>
-        </p:spPr>
-        <p:style>
-          <a:lnRef idx="1">
-            <a:schemeClr val="accent1"/>
-          </a:lnRef>
-          <a:fillRef idx="3">
-            <a:schemeClr val="accent1"/>
-          </a:fillRef>
-          <a:effectRef idx="2">
-            <a:schemeClr val="accent1"/>
-          </a:effectRef>
-          <a:fontRef idx="minor">
-            <a:schemeClr val="lt1"/>
-          </a:fontRef>
-        </p:style>
-        <p:txBody>
-          <a:bodyPr rtlCol="0" anchor="ctr"/>
-          <a:lstStyle/>
-          <a:p>
-            <a:pPr algn="ctr"/>
-            <a:r>
-              <a:rPr lang="en-US" dirty="0" smtClean="0">
-                <a:solidFill>
-                  <a:srgbClr val="F8F8F8"/>
-                </a:solidFill>
-              </a:rPr>
-              <a:t>return data</a:t>
-            </a:r>
-            <a:endParaRPr lang="en-US" dirty="0">
-              <a:solidFill>
-                <a:srgbClr val="F8F8F8"/>
-              </a:solidFill>
-            </a:endParaRPr>
-          </a:p>
-        </p:txBody>
-      </p:sp>
-      <p:cxnSp>
-        <p:nvCxnSpPr>
-          <p:cNvPr id="19" name="Straight Arrow Connector 18"/>
-          <p:cNvCxnSpPr/>
-          <p:nvPr/>
-        </p:nvCxnSpPr>
-        <p:spPr>
-          <a:xfrm>
-            <a:off x="1567897" y="4410894"/>
-            <a:ext cx="0" cy="614240"/>
-          </a:xfrm>
-          <a:prstGeom prst="straightConnector1">
-            <a:avLst/>
-          </a:prstGeom>
-          <a:ln w="57150" cmpd="sng">
-            <a:solidFill>
-              <a:schemeClr val="accent2"/>
-            </a:solidFill>
-            <a:headEnd type="none"/>
-            <a:tailEnd type="triangle"/>
-          </a:ln>
-          <a:effectLst/>
-        </p:spPr>
-        <p:style>
-          <a:lnRef idx="2">
-            <a:schemeClr val="accent1"/>
-          </a:lnRef>
-          <a:fillRef idx="0">
-            <a:schemeClr val="accent1"/>
-          </a:fillRef>
-          <a:effectRef idx="1">
-            <a:schemeClr val="accent1"/>
-          </a:effectRef>
-          <a:fontRef idx="minor">
-            <a:schemeClr val="tx1"/>
-          </a:fontRef>
-        </p:style>
-      </p:cxnSp>
-      <p:sp>
-        <p:nvSpPr>
-          <p:cNvPr id="16" name="Rectangle 15"/>
-          <p:cNvSpPr/>
-          <p:nvPr/>
-        </p:nvSpPr>
-        <p:spPr>
-          <a:xfrm>
-            <a:off x="702737" y="4014227"/>
-            <a:ext cx="1730320" cy="396667"/>
-          </a:xfrm>
-          <a:prstGeom prst="rect">
-            <a:avLst/>
-          </a:prstGeom>
-          <a:solidFill>
-            <a:schemeClr val="accent5"/>
-          </a:solidFill>
-          <a:ln w="28575" cmpd="sng">
-            <a:solidFill>
-              <a:schemeClr val="accent1"/>
-            </a:solidFill>
-          </a:ln>
-          <a:effectLst/>
-        </p:spPr>
-        <p:style>
-          <a:lnRef idx="1">
-            <a:schemeClr val="accent1"/>
-          </a:lnRef>
-          <a:fillRef idx="3">
-            <a:schemeClr val="accent1"/>
-          </a:fillRef>
-          <a:effectRef idx="2">
-            <a:schemeClr val="accent1"/>
-          </a:effectRef>
-          <a:fontRef idx="minor">
-            <a:schemeClr val="lt1"/>
-          </a:fontRef>
-        </p:style>
-        <p:txBody>
-          <a:bodyPr rtlCol="0" anchor="ctr"/>
-          <a:lstStyle/>
-          <a:p>
-            <a:pPr algn="ctr"/>
-            <a:r>
-              <a:rPr lang="en-US" dirty="0" smtClean="0">
-                <a:solidFill>
-                  <a:srgbClr val="F8F8F8"/>
-                </a:solidFill>
-              </a:rPr>
-              <a:t>gather data</a:t>
-            </a:r>
-            <a:endParaRPr lang="en-US" dirty="0">
-              <a:solidFill>
-                <a:srgbClr val="F8F8F8"/>
-              </a:solidFill>
-            </a:endParaRPr>
-          </a:p>
-        </p:txBody>
-      </p:sp>
     </p:spTree>
     <p:extLst>
       <p:ext uri="{BB962C8B-B14F-4D97-AF65-F5344CB8AC3E}">
-        <p14:creationId xmlns:p14="http://schemas.microsoft.com/office/powerpoint/2010/main" val="96029311"/>
+        <p14:creationId xmlns:p14="http://schemas.microsoft.com/office/powerpoint/2010/main" val="200400826"/>
       </p:ext>
     </p:extLst>
   </p:cSld>
@@ -10694,11 +9954,7 @@
           <a:p>
             <a:r>
               <a:rPr lang="en-US" dirty="0" smtClean="0"/>
-              <a:t>TODO's: </a:t>
-            </a:r>
-            <a:r>
-              <a:rPr lang="en-US" dirty="0" smtClean="0"/>
-              <a:t>List</a:t>
+              <a:t>TODO's: List</a:t>
             </a:r>
             <a:endParaRPr lang="en-US" dirty="0"/>
           </a:p>
@@ -11196,7 +10452,7 @@
         </p:nvCxnSpPr>
         <p:spPr>
           <a:xfrm flipH="1">
-            <a:off x="2545030" y="4237794"/>
+            <a:off x="2557730" y="4237794"/>
             <a:ext cx="1218407" cy="0"/>
           </a:xfrm>
           <a:prstGeom prst="straightConnector1">
@@ -11285,53 +10541,15 @@
           </a:p>
         </p:txBody>
       </p:sp>
-      <p:cxnSp>
-        <p:nvCxnSpPr>
-          <p:cNvPr id="19" name="Straight Arrow Connector 18"/>
-          <p:cNvCxnSpPr/>
-          <p:nvPr/>
-        </p:nvCxnSpPr>
-        <p:spPr>
-          <a:xfrm>
-            <a:off x="1567897" y="4410894"/>
-            <a:ext cx="0" cy="614240"/>
-          </a:xfrm>
-          <a:prstGeom prst="straightConnector1">
-            <a:avLst/>
-          </a:prstGeom>
-          <a:ln w="57150" cmpd="sng">
-            <a:solidFill>
-              <a:schemeClr val="accent2"/>
-            </a:solidFill>
-            <a:headEnd type="none"/>
-            <a:tailEnd type="triangle"/>
-          </a:ln>
-          <a:effectLst/>
-        </p:spPr>
-        <p:style>
-          <a:lnRef idx="2">
-            <a:schemeClr val="accent1"/>
-          </a:lnRef>
-          <a:fillRef idx="0">
-            <a:schemeClr val="accent1"/>
-          </a:fillRef>
-          <a:effectRef idx="1">
-            <a:schemeClr val="accent1"/>
-          </a:effectRef>
-          <a:fontRef idx="minor">
-            <a:schemeClr val="tx1"/>
-          </a:fontRef>
-        </p:style>
-      </p:cxnSp>
-      <p:sp>
-        <p:nvSpPr>
-          <p:cNvPr id="16" name="Rectangle 15"/>
+      <p:sp>
+        <p:nvSpPr>
+          <p:cNvPr id="18" name="Rectangle 17"/>
           <p:cNvSpPr/>
           <p:nvPr/>
         </p:nvSpPr>
         <p:spPr>
           <a:xfrm>
-            <a:off x="702737" y="4014227"/>
+            <a:off x="702737" y="5093893"/>
             <a:ext cx="1730320" cy="396667"/>
           </a:xfrm>
           <a:prstGeom prst="rect">
@@ -11372,7 +10590,7 @@
                   <a:srgbClr val="F8F8F8"/>
                 </a:solidFill>
               </a:rPr>
-              <a:t>gather data</a:t>
+              <a:t>return data</a:t>
             </a:r>
             <a:endParaRPr lang="en-US" dirty="0">
               <a:solidFill>
@@ -11382,75 +10600,16 @@
           </a:p>
         </p:txBody>
       </p:sp>
-      <p:sp>
-        <p:nvSpPr>
-          <p:cNvPr id="20" name="Rectangle 19"/>
-          <p:cNvSpPr/>
-          <p:nvPr/>
-        </p:nvSpPr>
-        <p:spPr>
-          <a:xfrm>
-            <a:off x="3699937" y="5093893"/>
-            <a:ext cx="1730320" cy="396667"/>
-          </a:xfrm>
-          <a:prstGeom prst="rect">
-            <a:avLst/>
-          </a:prstGeom>
-          <a:solidFill>
-            <a:schemeClr val="accent4"/>
-          </a:solidFill>
-          <a:ln w="28575" cmpd="sng">
-            <a:solidFill>
-              <a:schemeClr val="accent1"/>
-            </a:solidFill>
-          </a:ln>
-          <a:effectLst/>
-        </p:spPr>
-        <p:style>
-          <a:lnRef idx="1">
-            <a:schemeClr val="accent1"/>
-          </a:lnRef>
-          <a:fillRef idx="3">
-            <a:schemeClr val="accent1"/>
-          </a:fillRef>
-          <a:effectRef idx="2">
-            <a:schemeClr val="accent1"/>
-          </a:effectRef>
-          <a:fontRef idx="minor">
-            <a:schemeClr val="lt1"/>
-          </a:fontRef>
-        </p:style>
-        <p:txBody>
-          <a:bodyPr rtlCol="0" anchor="ctr"/>
-          <a:lstStyle/>
-          <a:p>
-            <a:pPr algn="ctr"/>
-            <a:r>
-              <a:rPr lang="en-US" dirty="0" smtClean="0">
-                <a:solidFill>
-                  <a:srgbClr val="F8F8F8"/>
-                </a:solidFill>
-              </a:rPr>
-              <a:t>forward data</a:t>
-            </a:r>
-            <a:endParaRPr lang="en-US" dirty="0">
-              <a:solidFill>
-                <a:srgbClr val="F8F8F8"/>
-              </a:solidFill>
-            </a:endParaRPr>
-          </a:p>
-        </p:txBody>
-      </p:sp>
       <p:cxnSp>
         <p:nvCxnSpPr>
-          <p:cNvPr id="21" name="Straight Arrow Connector 20"/>
+          <p:cNvPr id="19" name="Straight Arrow Connector 18"/>
           <p:cNvCxnSpPr/>
           <p:nvPr/>
         </p:nvCxnSpPr>
         <p:spPr>
           <a:xfrm>
-            <a:off x="2382257" y="5300588"/>
-            <a:ext cx="1218407" cy="0"/>
+            <a:off x="1567897" y="4410894"/>
+            <a:ext cx="0" cy="614240"/>
           </a:xfrm>
           <a:prstGeom prst="straightConnector1">
             <a:avLst/>
@@ -11481,13 +10640,13 @@
       </p:cxnSp>
       <p:sp>
         <p:nvSpPr>
-          <p:cNvPr id="18" name="Rectangle 17"/>
+          <p:cNvPr id="16" name="Rectangle 15"/>
           <p:cNvSpPr/>
           <p:nvPr/>
         </p:nvSpPr>
         <p:spPr>
           <a:xfrm>
-            <a:off x="702737" y="5093893"/>
+            <a:off x="702737" y="4014227"/>
             <a:ext cx="1730320" cy="396667"/>
           </a:xfrm>
           <a:prstGeom prst="rect">
@@ -11528,7 +10687,7 @@
                   <a:srgbClr val="F8F8F8"/>
                 </a:solidFill>
               </a:rPr>
-              <a:t>return data</a:t>
+              <a:t>gather data</a:t>
             </a:r>
             <a:endParaRPr lang="en-US" dirty="0">
               <a:solidFill>
@@ -11541,7 +10700,7 @@
     </p:spTree>
     <p:extLst>
       <p:ext uri="{BB962C8B-B14F-4D97-AF65-F5344CB8AC3E}">
-        <p14:creationId xmlns:p14="http://schemas.microsoft.com/office/powerpoint/2010/main" val="3441382437"/>
+        <p14:creationId xmlns:p14="http://schemas.microsoft.com/office/powerpoint/2010/main" val="96029311"/>
       </p:ext>
     </p:extLst>
   </p:cSld>
@@ -11594,32 +10753,19 @@
           <a:p>
             <a:r>
               <a:rPr lang="en-US" sz="3400" dirty="0" smtClean="0"/>
-              <a:t>MVC is not much different than th</a:t>
-            </a:r>
+              <a:t>MVC is not much different than the code you are already writing. </a:t>
+            </a:r>
+          </a:p>
+          <a:p>
             <a:r>
               <a:rPr lang="en-US" sz="3400" dirty="0" smtClean="0"/>
-              <a:t>e code you are already writing. </a:t>
-            </a:r>
-            <a:endParaRPr lang="en-US" sz="3400" dirty="0" smtClean="0"/>
+              <a:t>These are all just classes!</a:t>
+            </a:r>
           </a:p>
           <a:p>
             <a:r>
               <a:rPr lang="en-US" sz="3400" dirty="0" smtClean="0"/>
-              <a:t>These </a:t>
-            </a:r>
-            <a:r>
-              <a:rPr lang="en-US" sz="3400" dirty="0" smtClean="0"/>
-              <a:t>are all just classes!</a:t>
-            </a:r>
-          </a:p>
-          <a:p>
-            <a:r>
-              <a:rPr lang="en-US" sz="3400" dirty="0" smtClean="0"/>
-              <a:t>They’re </a:t>
-            </a:r>
-            <a:r>
-              <a:rPr lang="en-US" sz="3400" dirty="0" smtClean="0"/>
-              <a:t>just organized in a different way</a:t>
+              <a:t>They’re just organized in a different way</a:t>
             </a:r>
           </a:p>
           <a:p>
@@ -11707,11 +10853,901 @@
           <a:p>
             <a:r>
               <a:rPr lang="en-US" dirty="0" smtClean="0"/>
-              <a:t>TODO's: </a:t>
-            </a:r>
+              <a:t>TODO's: List</a:t>
+            </a:r>
+            <a:endParaRPr lang="en-US" dirty="0"/>
+          </a:p>
+        </p:txBody>
+      </p:sp>
+      <p:sp>
+        <p:nvSpPr>
+          <p:cNvPr id="3" name="Footer Placeholder 2"/>
+          <p:cNvSpPr>
+            <a:spLocks noGrp="1"/>
+          </p:cNvSpPr>
+          <p:nvPr>
+            <p:ph type="ftr" sz="quarter" idx="3"/>
+          </p:nvPr>
+        </p:nvSpPr>
+        <p:spPr/>
+        <p:txBody>
+          <a:bodyPr/>
+          <a:lstStyle/>
+          <a:p>
+            <a:r>
+              <a:rPr lang="en-US" smtClean="0"/>
+              <a:t>Model – View – Controller: A Design Pattern</a:t>
+            </a:r>
+            <a:endParaRPr lang="en-US" dirty="0"/>
+          </a:p>
+        </p:txBody>
+      </p:sp>
+      <p:sp>
+        <p:nvSpPr>
+          <p:cNvPr id="4" name="Rectangle 3"/>
+          <p:cNvSpPr/>
+          <p:nvPr/>
+        </p:nvSpPr>
+        <p:spPr>
+          <a:xfrm>
+            <a:off x="512064" y="2723877"/>
+            <a:ext cx="2150017" cy="3058909"/>
+          </a:xfrm>
+          <a:prstGeom prst="rect">
+            <a:avLst/>
+          </a:prstGeom>
+          <a:solidFill>
+            <a:srgbClr val="00A9B9"/>
+          </a:solidFill>
+          <a:ln>
+            <a:noFill/>
+          </a:ln>
+          <a:effectLst/>
+        </p:spPr>
+        <p:style>
+          <a:lnRef idx="1">
+            <a:schemeClr val="accent1"/>
+          </a:lnRef>
+          <a:fillRef idx="3">
+            <a:schemeClr val="accent1"/>
+          </a:fillRef>
+          <a:effectRef idx="2">
+            <a:schemeClr val="accent1"/>
+          </a:effectRef>
+          <a:fontRef idx="minor">
+            <a:schemeClr val="lt1"/>
+          </a:fontRef>
+        </p:style>
+        <p:txBody>
+          <a:bodyPr rtlCol="0" anchor="t"/>
+          <a:lstStyle/>
+          <a:p>
+            <a:endParaRPr lang="en-US" sz="2200" dirty="0">
+              <a:solidFill>
+                <a:schemeClr val="accent1"/>
+              </a:solidFill>
+            </a:endParaRPr>
+          </a:p>
+          <a:p>
+            <a:pPr marL="111125"/>
+            <a:endParaRPr lang="en-US" sz="2200" dirty="0" smtClean="0">
+              <a:solidFill>
+                <a:schemeClr val="accent1"/>
+              </a:solidFill>
+            </a:endParaRPr>
+          </a:p>
+        </p:txBody>
+      </p:sp>
+      <p:sp>
+        <p:nvSpPr>
+          <p:cNvPr id="5" name="Rectangle 4"/>
+          <p:cNvSpPr/>
+          <p:nvPr/>
+        </p:nvSpPr>
+        <p:spPr>
+          <a:xfrm>
+            <a:off x="3493911" y="2668662"/>
+            <a:ext cx="2150017" cy="3058909"/>
+          </a:xfrm>
+          <a:prstGeom prst="rect">
+            <a:avLst/>
+          </a:prstGeom>
+          <a:solidFill>
+            <a:srgbClr val="EA4A3C"/>
+          </a:solidFill>
+          <a:ln>
+            <a:noFill/>
+          </a:ln>
+          <a:effectLst/>
+        </p:spPr>
+        <p:style>
+          <a:lnRef idx="1">
+            <a:schemeClr val="accent1"/>
+          </a:lnRef>
+          <a:fillRef idx="3">
+            <a:schemeClr val="accent1"/>
+          </a:fillRef>
+          <a:effectRef idx="2">
+            <a:schemeClr val="accent1"/>
+          </a:effectRef>
+          <a:fontRef idx="minor">
+            <a:schemeClr val="lt1"/>
+          </a:fontRef>
+        </p:style>
+        <p:txBody>
+          <a:bodyPr rtlCol="0" anchor="t"/>
+          <a:lstStyle/>
+          <a:p>
+            <a:pPr marL="111125"/>
+            <a:endParaRPr lang="en-US" sz="2200" dirty="0" smtClean="0">
+              <a:solidFill>
+                <a:srgbClr val="F8F8F8"/>
+              </a:solidFill>
+            </a:endParaRPr>
+          </a:p>
+          <a:p>
+            <a:pPr marL="111125"/>
+            <a:endParaRPr lang="en-US" sz="2200" dirty="0" smtClean="0">
+              <a:solidFill>
+                <a:srgbClr val="F8F8F8"/>
+              </a:solidFill>
+            </a:endParaRPr>
+          </a:p>
+        </p:txBody>
+      </p:sp>
+      <p:sp>
+        <p:nvSpPr>
+          <p:cNvPr id="6" name="Rectangle 5"/>
+          <p:cNvSpPr/>
+          <p:nvPr/>
+        </p:nvSpPr>
+        <p:spPr>
+          <a:xfrm>
+            <a:off x="6536783" y="2723877"/>
+            <a:ext cx="2150017" cy="3058909"/>
+          </a:xfrm>
+          <a:prstGeom prst="rect">
+            <a:avLst/>
+          </a:prstGeom>
+          <a:solidFill>
+            <a:schemeClr val="accent6"/>
+          </a:solidFill>
+          <a:ln>
+            <a:noFill/>
+          </a:ln>
+          <a:effectLst/>
+        </p:spPr>
+        <p:style>
+          <a:lnRef idx="1">
+            <a:schemeClr val="accent1"/>
+          </a:lnRef>
+          <a:fillRef idx="3">
+            <a:schemeClr val="accent1"/>
+          </a:fillRef>
+          <a:effectRef idx="2">
+            <a:schemeClr val="accent1"/>
+          </a:effectRef>
+          <a:fontRef idx="minor">
+            <a:schemeClr val="lt1"/>
+          </a:fontRef>
+        </p:style>
+        <p:txBody>
+          <a:bodyPr rtlCol="0" anchor="t"/>
+          <a:lstStyle/>
+          <a:p>
+            <a:pPr marL="111125"/>
+            <a:endParaRPr lang="en-US" sz="2200" dirty="0" smtClean="0">
+              <a:solidFill>
+                <a:srgbClr val="F8F8F8"/>
+              </a:solidFill>
+            </a:endParaRPr>
+          </a:p>
+          <a:p>
+            <a:pPr marL="111125"/>
+            <a:endParaRPr lang="en-US" sz="2200" dirty="0" smtClean="0">
+              <a:solidFill>
+                <a:srgbClr val="F8F8F8"/>
+              </a:solidFill>
+            </a:endParaRPr>
+          </a:p>
+        </p:txBody>
+      </p:sp>
+      <p:sp>
+        <p:nvSpPr>
+          <p:cNvPr id="8" name="TextBox 7"/>
+          <p:cNvSpPr txBox="1"/>
+          <p:nvPr/>
+        </p:nvSpPr>
+        <p:spPr>
+          <a:xfrm>
+            <a:off x="457200" y="1865376"/>
+            <a:ext cx="2204881" cy="584776"/>
+          </a:xfrm>
+          <a:prstGeom prst="rect">
+            <a:avLst/>
+          </a:prstGeom>
+          <a:noFill/>
+        </p:spPr>
+        <p:txBody>
+          <a:bodyPr wrap="square" rtlCol="0">
+            <a:spAutoFit/>
+          </a:bodyPr>
+          <a:lstStyle/>
+          <a:p>
+            <a:pPr algn="ctr"/>
+            <a:r>
+              <a:rPr lang="en-US" sz="3200" dirty="0" smtClean="0"/>
+              <a:t>Model</a:t>
+            </a:r>
+            <a:endParaRPr lang="en-US" sz="3200" dirty="0"/>
+          </a:p>
+        </p:txBody>
+      </p:sp>
+      <p:sp>
+        <p:nvSpPr>
+          <p:cNvPr id="10" name="TextBox 9"/>
+          <p:cNvSpPr txBox="1"/>
+          <p:nvPr/>
+        </p:nvSpPr>
+        <p:spPr>
+          <a:xfrm>
+            <a:off x="3493911" y="1865376"/>
+            <a:ext cx="2204881" cy="584776"/>
+          </a:xfrm>
+          <a:prstGeom prst="rect">
+            <a:avLst/>
+          </a:prstGeom>
+          <a:noFill/>
+        </p:spPr>
+        <p:txBody>
+          <a:bodyPr wrap="square" rtlCol="0">
+            <a:spAutoFit/>
+          </a:bodyPr>
+          <a:lstStyle/>
+          <a:p>
+            <a:pPr algn="ctr"/>
+            <a:r>
+              <a:rPr lang="en-US" sz="3200" dirty="0" smtClean="0"/>
+              <a:t>Controller</a:t>
+            </a:r>
+            <a:endParaRPr lang="en-US" sz="3200" dirty="0"/>
+          </a:p>
+        </p:txBody>
+      </p:sp>
+      <p:sp>
+        <p:nvSpPr>
+          <p:cNvPr id="11" name="TextBox 10"/>
+          <p:cNvSpPr txBox="1"/>
+          <p:nvPr/>
+        </p:nvSpPr>
+        <p:spPr>
+          <a:xfrm>
+            <a:off x="6536783" y="1865376"/>
+            <a:ext cx="2204881" cy="584776"/>
+          </a:xfrm>
+          <a:prstGeom prst="rect">
+            <a:avLst/>
+          </a:prstGeom>
+          <a:noFill/>
+        </p:spPr>
+        <p:txBody>
+          <a:bodyPr wrap="square" rtlCol="0">
+            <a:spAutoFit/>
+          </a:bodyPr>
+          <a:lstStyle/>
+          <a:p>
+            <a:pPr algn="ctr"/>
+            <a:r>
+              <a:rPr lang="en-US" sz="3200" dirty="0" smtClean="0"/>
+              <a:t>View</a:t>
+            </a:r>
+            <a:endParaRPr lang="en-US" sz="3200" dirty="0"/>
+          </a:p>
+        </p:txBody>
+      </p:sp>
+      <p:cxnSp>
+        <p:nvCxnSpPr>
+          <p:cNvPr id="12" name="Straight Arrow Connector 11"/>
+          <p:cNvCxnSpPr>
+            <a:stCxn id="7" idx="1"/>
+          </p:cNvCxnSpPr>
+          <p:nvPr/>
+        </p:nvCxnSpPr>
+        <p:spPr>
+          <a:xfrm flipH="1">
+            <a:off x="5537200" y="3132894"/>
+            <a:ext cx="1218407" cy="0"/>
+          </a:xfrm>
+          <a:prstGeom prst="straightConnector1">
+            <a:avLst/>
+          </a:prstGeom>
+          <a:ln w="57150" cmpd="sng">
+            <a:solidFill>
+              <a:schemeClr val="accent2"/>
+            </a:solidFill>
+            <a:headEnd type="none"/>
+            <a:tailEnd type="triangle"/>
+          </a:ln>
+          <a:effectLst/>
+        </p:spPr>
+        <p:style>
+          <a:lnRef idx="2">
+            <a:schemeClr val="accent1"/>
+          </a:lnRef>
+          <a:fillRef idx="0">
+            <a:schemeClr val="accent1"/>
+          </a:fillRef>
+          <a:effectRef idx="1">
+            <a:schemeClr val="accent1"/>
+          </a:effectRef>
+          <a:fontRef idx="minor">
+            <a:schemeClr val="tx1"/>
+          </a:fontRef>
+        </p:style>
+      </p:cxnSp>
+      <p:sp>
+        <p:nvSpPr>
+          <p:cNvPr id="7" name="Rectangle 6"/>
+          <p:cNvSpPr/>
+          <p:nvPr/>
+        </p:nvSpPr>
+        <p:spPr>
+          <a:xfrm>
+            <a:off x="6755607" y="2934560"/>
+            <a:ext cx="1730320" cy="396667"/>
+          </a:xfrm>
+          <a:prstGeom prst="rect">
+            <a:avLst/>
+          </a:prstGeom>
+          <a:solidFill>
+            <a:schemeClr val="accent6"/>
+          </a:solidFill>
+          <a:ln w="28575" cmpd="sng">
+            <a:solidFill>
+              <a:schemeClr val="accent1"/>
+            </a:solidFill>
+          </a:ln>
+          <a:effectLst/>
+        </p:spPr>
+        <p:style>
+          <a:lnRef idx="1">
+            <a:schemeClr val="accent1"/>
+          </a:lnRef>
+          <a:fillRef idx="3">
+            <a:schemeClr val="accent1"/>
+          </a:fillRef>
+          <a:effectRef idx="2">
+            <a:schemeClr val="accent1"/>
+          </a:effectRef>
+          <a:fontRef idx="minor">
+            <a:schemeClr val="lt1"/>
+          </a:fontRef>
+        </p:style>
+        <p:txBody>
+          <a:bodyPr rtlCol="0" anchor="ctr"/>
+          <a:lstStyle/>
+          <a:p>
+            <a:pPr algn="ctr"/>
+            <a:r>
+              <a:rPr lang="en-US" dirty="0" smtClean="0">
+                <a:solidFill>
+                  <a:srgbClr val="F8F8F8"/>
+                </a:solidFill>
+              </a:rPr>
+              <a:t>send input</a:t>
+            </a:r>
+            <a:endParaRPr lang="en-US" dirty="0">
+              <a:solidFill>
+                <a:srgbClr val="F8F8F8"/>
+              </a:solidFill>
+            </a:endParaRPr>
+          </a:p>
+        </p:txBody>
+      </p:sp>
+      <p:cxnSp>
+        <p:nvCxnSpPr>
+          <p:cNvPr id="15" name="Straight Arrow Connector 14"/>
+          <p:cNvCxnSpPr>
+            <a:stCxn id="13" idx="2"/>
+          </p:cNvCxnSpPr>
+          <p:nvPr/>
+        </p:nvCxnSpPr>
+        <p:spPr>
+          <a:xfrm>
+            <a:off x="4565097" y="3331227"/>
+            <a:ext cx="0" cy="614240"/>
+          </a:xfrm>
+          <a:prstGeom prst="straightConnector1">
+            <a:avLst/>
+          </a:prstGeom>
+          <a:ln w="57150" cmpd="sng">
+            <a:solidFill>
+              <a:schemeClr val="accent2"/>
+            </a:solidFill>
+            <a:headEnd type="none"/>
+            <a:tailEnd type="triangle"/>
+          </a:ln>
+          <a:effectLst/>
+        </p:spPr>
+        <p:style>
+          <a:lnRef idx="2">
+            <a:schemeClr val="accent1"/>
+          </a:lnRef>
+          <a:fillRef idx="0">
+            <a:schemeClr val="accent1"/>
+          </a:fillRef>
+          <a:effectRef idx="1">
+            <a:schemeClr val="accent1"/>
+          </a:effectRef>
+          <a:fontRef idx="minor">
+            <a:schemeClr val="tx1"/>
+          </a:fontRef>
+        </p:style>
+      </p:cxnSp>
+      <p:sp>
+        <p:nvSpPr>
+          <p:cNvPr id="13" name="Rectangle 12"/>
+          <p:cNvSpPr/>
+          <p:nvPr/>
+        </p:nvSpPr>
+        <p:spPr>
+          <a:xfrm>
+            <a:off x="3699937" y="2934560"/>
+            <a:ext cx="1730320" cy="396667"/>
+          </a:xfrm>
+          <a:prstGeom prst="rect">
+            <a:avLst/>
+          </a:prstGeom>
+          <a:solidFill>
+            <a:schemeClr val="accent4"/>
+          </a:solidFill>
+          <a:ln w="28575" cmpd="sng">
+            <a:solidFill>
+              <a:schemeClr val="accent1"/>
+            </a:solidFill>
+          </a:ln>
+          <a:effectLst/>
+        </p:spPr>
+        <p:style>
+          <a:lnRef idx="1">
+            <a:schemeClr val="accent1"/>
+          </a:lnRef>
+          <a:fillRef idx="3">
+            <a:schemeClr val="accent1"/>
+          </a:fillRef>
+          <a:effectRef idx="2">
+            <a:schemeClr val="accent1"/>
+          </a:effectRef>
+          <a:fontRef idx="minor">
+            <a:schemeClr val="lt1"/>
+          </a:fontRef>
+        </p:style>
+        <p:txBody>
+          <a:bodyPr rtlCol="0" anchor="ctr"/>
+          <a:lstStyle/>
+          <a:p>
+            <a:pPr algn="ctr"/>
+            <a:r>
+              <a:rPr lang="en-US" dirty="0" smtClean="0">
+                <a:solidFill>
+                  <a:srgbClr val="F8F8F8"/>
+                </a:solidFill>
+              </a:rPr>
+              <a:t>interpret input</a:t>
+            </a:r>
+            <a:endParaRPr lang="en-US" dirty="0">
+              <a:solidFill>
+                <a:srgbClr val="F8F8F8"/>
+              </a:solidFill>
+            </a:endParaRPr>
+          </a:p>
+        </p:txBody>
+      </p:sp>
+      <p:cxnSp>
+        <p:nvCxnSpPr>
+          <p:cNvPr id="17" name="Straight Arrow Connector 16"/>
+          <p:cNvCxnSpPr/>
+          <p:nvPr/>
+        </p:nvCxnSpPr>
+        <p:spPr>
+          <a:xfrm flipH="1">
+            <a:off x="2545030" y="4237794"/>
+            <a:ext cx="1218407" cy="0"/>
+          </a:xfrm>
+          <a:prstGeom prst="straightConnector1">
+            <a:avLst/>
+          </a:prstGeom>
+          <a:ln w="57150" cmpd="sng">
+            <a:solidFill>
+              <a:schemeClr val="accent2"/>
+            </a:solidFill>
+            <a:headEnd type="none"/>
+            <a:tailEnd type="triangle"/>
+          </a:ln>
+          <a:effectLst/>
+        </p:spPr>
+        <p:style>
+          <a:lnRef idx="2">
+            <a:schemeClr val="accent1"/>
+          </a:lnRef>
+          <a:fillRef idx="0">
+            <a:schemeClr val="accent1"/>
+          </a:fillRef>
+          <a:effectRef idx="1">
+            <a:schemeClr val="accent1"/>
+          </a:effectRef>
+          <a:fontRef idx="minor">
+            <a:schemeClr val="tx1"/>
+          </a:fontRef>
+        </p:style>
+      </p:cxnSp>
+      <p:sp>
+        <p:nvSpPr>
+          <p:cNvPr id="14" name="Rectangle 13"/>
+          <p:cNvSpPr/>
+          <p:nvPr/>
+        </p:nvSpPr>
+        <p:spPr>
+          <a:xfrm>
+            <a:off x="3699937" y="4014227"/>
+            <a:ext cx="1730320" cy="396667"/>
+          </a:xfrm>
+          <a:prstGeom prst="rect">
+            <a:avLst/>
+          </a:prstGeom>
+          <a:solidFill>
+            <a:schemeClr val="accent4"/>
+          </a:solidFill>
+          <a:ln w="28575" cmpd="sng">
+            <a:solidFill>
+              <a:schemeClr val="accent1"/>
+            </a:solidFill>
+          </a:ln>
+          <a:effectLst/>
+        </p:spPr>
+        <p:style>
+          <a:lnRef idx="1">
+            <a:schemeClr val="accent1"/>
+          </a:lnRef>
+          <a:fillRef idx="3">
+            <a:schemeClr val="accent1"/>
+          </a:fillRef>
+          <a:effectRef idx="2">
+            <a:schemeClr val="accent1"/>
+          </a:effectRef>
+          <a:fontRef idx="minor">
+            <a:schemeClr val="lt1"/>
+          </a:fontRef>
+        </p:style>
+        <p:txBody>
+          <a:bodyPr rtlCol="0" anchor="ctr"/>
+          <a:lstStyle/>
+          <a:p>
+            <a:pPr algn="ctr"/>
+            <a:r>
+              <a:rPr lang="en-US" dirty="0" smtClean="0">
+                <a:solidFill>
+                  <a:srgbClr val="F8F8F8"/>
+                </a:solidFill>
+              </a:rPr>
+              <a:t>request data</a:t>
+            </a:r>
+            <a:endParaRPr lang="en-US" dirty="0">
+              <a:solidFill>
+                <a:srgbClr val="F8F8F8"/>
+              </a:solidFill>
+            </a:endParaRPr>
+          </a:p>
+        </p:txBody>
+      </p:sp>
+      <p:cxnSp>
+        <p:nvCxnSpPr>
+          <p:cNvPr id="19" name="Straight Arrow Connector 18"/>
+          <p:cNvCxnSpPr/>
+          <p:nvPr/>
+        </p:nvCxnSpPr>
+        <p:spPr>
+          <a:xfrm>
+            <a:off x="1567897" y="4410894"/>
+            <a:ext cx="0" cy="614240"/>
+          </a:xfrm>
+          <a:prstGeom prst="straightConnector1">
+            <a:avLst/>
+          </a:prstGeom>
+          <a:ln w="57150" cmpd="sng">
+            <a:solidFill>
+              <a:schemeClr val="accent2"/>
+            </a:solidFill>
+            <a:headEnd type="none"/>
+            <a:tailEnd type="triangle"/>
+          </a:ln>
+          <a:effectLst/>
+        </p:spPr>
+        <p:style>
+          <a:lnRef idx="2">
+            <a:schemeClr val="accent1"/>
+          </a:lnRef>
+          <a:fillRef idx="0">
+            <a:schemeClr val="accent1"/>
+          </a:fillRef>
+          <a:effectRef idx="1">
+            <a:schemeClr val="accent1"/>
+          </a:effectRef>
+          <a:fontRef idx="minor">
+            <a:schemeClr val="tx1"/>
+          </a:fontRef>
+        </p:style>
+      </p:cxnSp>
+      <p:sp>
+        <p:nvSpPr>
+          <p:cNvPr id="16" name="Rectangle 15"/>
+          <p:cNvSpPr/>
+          <p:nvPr/>
+        </p:nvSpPr>
+        <p:spPr>
+          <a:xfrm>
+            <a:off x="702737" y="4014227"/>
+            <a:ext cx="1730320" cy="396667"/>
+          </a:xfrm>
+          <a:prstGeom prst="rect">
+            <a:avLst/>
+          </a:prstGeom>
+          <a:solidFill>
+            <a:schemeClr val="accent5"/>
+          </a:solidFill>
+          <a:ln w="28575" cmpd="sng">
+            <a:solidFill>
+              <a:schemeClr val="accent1"/>
+            </a:solidFill>
+          </a:ln>
+          <a:effectLst/>
+        </p:spPr>
+        <p:style>
+          <a:lnRef idx="1">
+            <a:schemeClr val="accent1"/>
+          </a:lnRef>
+          <a:fillRef idx="3">
+            <a:schemeClr val="accent1"/>
+          </a:fillRef>
+          <a:effectRef idx="2">
+            <a:schemeClr val="accent1"/>
+          </a:effectRef>
+          <a:fontRef idx="minor">
+            <a:schemeClr val="lt1"/>
+          </a:fontRef>
+        </p:style>
+        <p:txBody>
+          <a:bodyPr rtlCol="0" anchor="ctr"/>
+          <a:lstStyle/>
+          <a:p>
+            <a:pPr algn="ctr"/>
+            <a:r>
+              <a:rPr lang="en-US" dirty="0" smtClean="0">
+                <a:solidFill>
+                  <a:srgbClr val="F8F8F8"/>
+                </a:solidFill>
+              </a:rPr>
+              <a:t>gather data</a:t>
+            </a:r>
+            <a:endParaRPr lang="en-US" dirty="0">
+              <a:solidFill>
+                <a:srgbClr val="F8F8F8"/>
+              </a:solidFill>
+            </a:endParaRPr>
+          </a:p>
+        </p:txBody>
+      </p:sp>
+      <p:sp>
+        <p:nvSpPr>
+          <p:cNvPr id="20" name="Rectangle 19"/>
+          <p:cNvSpPr/>
+          <p:nvPr/>
+        </p:nvSpPr>
+        <p:spPr>
+          <a:xfrm>
+            <a:off x="3699937" y="5093893"/>
+            <a:ext cx="1730320" cy="396667"/>
+          </a:xfrm>
+          <a:prstGeom prst="rect">
+            <a:avLst/>
+          </a:prstGeom>
+          <a:solidFill>
+            <a:schemeClr val="accent4"/>
+          </a:solidFill>
+          <a:ln w="28575" cmpd="sng">
+            <a:solidFill>
+              <a:schemeClr val="accent1"/>
+            </a:solidFill>
+          </a:ln>
+          <a:effectLst/>
+        </p:spPr>
+        <p:style>
+          <a:lnRef idx="1">
+            <a:schemeClr val="accent1"/>
+          </a:lnRef>
+          <a:fillRef idx="3">
+            <a:schemeClr val="accent1"/>
+          </a:fillRef>
+          <a:effectRef idx="2">
+            <a:schemeClr val="accent1"/>
+          </a:effectRef>
+          <a:fontRef idx="minor">
+            <a:schemeClr val="lt1"/>
+          </a:fontRef>
+        </p:style>
+        <p:txBody>
+          <a:bodyPr rtlCol="0" anchor="ctr"/>
+          <a:lstStyle/>
+          <a:p>
+            <a:pPr algn="ctr"/>
+            <a:r>
+              <a:rPr lang="en-US" dirty="0" smtClean="0">
+                <a:solidFill>
+                  <a:srgbClr val="F8F8F8"/>
+                </a:solidFill>
+              </a:rPr>
+              <a:t>forward data</a:t>
+            </a:r>
+            <a:endParaRPr lang="en-US" dirty="0">
+              <a:solidFill>
+                <a:srgbClr val="F8F8F8"/>
+              </a:solidFill>
+            </a:endParaRPr>
+          </a:p>
+        </p:txBody>
+      </p:sp>
+      <p:cxnSp>
+        <p:nvCxnSpPr>
+          <p:cNvPr id="21" name="Straight Arrow Connector 20"/>
+          <p:cNvCxnSpPr/>
+          <p:nvPr/>
+        </p:nvCxnSpPr>
+        <p:spPr>
+          <a:xfrm>
+            <a:off x="2382257" y="5300588"/>
+            <a:ext cx="1218407" cy="0"/>
+          </a:xfrm>
+          <a:prstGeom prst="straightConnector1">
+            <a:avLst/>
+          </a:prstGeom>
+          <a:ln w="57150" cmpd="sng">
+            <a:solidFill>
+              <a:schemeClr val="accent2"/>
+            </a:solidFill>
+            <a:headEnd type="none"/>
+            <a:tailEnd type="triangle"/>
+          </a:ln>
+          <a:effectLst/>
+        </p:spPr>
+        <p:style>
+          <a:lnRef idx="2">
+            <a:schemeClr val="accent1"/>
+          </a:lnRef>
+          <a:fillRef idx="0">
+            <a:schemeClr val="accent1"/>
+          </a:fillRef>
+          <a:effectRef idx="1">
+            <a:schemeClr val="accent1"/>
+          </a:effectRef>
+          <a:fontRef idx="minor">
+            <a:schemeClr val="tx1"/>
+          </a:fontRef>
+        </p:style>
+      </p:cxnSp>
+      <p:sp>
+        <p:nvSpPr>
+          <p:cNvPr id="18" name="Rectangle 17"/>
+          <p:cNvSpPr/>
+          <p:nvPr/>
+        </p:nvSpPr>
+        <p:spPr>
+          <a:xfrm>
+            <a:off x="702737" y="5093893"/>
+            <a:ext cx="1730320" cy="396667"/>
+          </a:xfrm>
+          <a:prstGeom prst="rect">
+            <a:avLst/>
+          </a:prstGeom>
+          <a:solidFill>
+            <a:schemeClr val="accent5"/>
+          </a:solidFill>
+          <a:ln w="28575" cmpd="sng">
+            <a:solidFill>
+              <a:schemeClr val="accent1"/>
+            </a:solidFill>
+          </a:ln>
+          <a:effectLst/>
+        </p:spPr>
+        <p:style>
+          <a:lnRef idx="1">
+            <a:schemeClr val="accent1"/>
+          </a:lnRef>
+          <a:fillRef idx="3">
+            <a:schemeClr val="accent1"/>
+          </a:fillRef>
+          <a:effectRef idx="2">
+            <a:schemeClr val="accent1"/>
+          </a:effectRef>
+          <a:fontRef idx="minor">
+            <a:schemeClr val="lt1"/>
+          </a:fontRef>
+        </p:style>
+        <p:txBody>
+          <a:bodyPr rtlCol="0" anchor="ctr"/>
+          <a:lstStyle/>
+          <a:p>
+            <a:pPr algn="ctr"/>
+            <a:r>
+              <a:rPr lang="en-US" dirty="0" smtClean="0">
+                <a:solidFill>
+                  <a:srgbClr val="F8F8F8"/>
+                </a:solidFill>
+              </a:rPr>
+              <a:t>return data</a:t>
+            </a:r>
+            <a:endParaRPr lang="en-US" dirty="0">
+              <a:solidFill>
+                <a:srgbClr val="F8F8F8"/>
+              </a:solidFill>
+            </a:endParaRPr>
+          </a:p>
+        </p:txBody>
+      </p:sp>
+    </p:spTree>
+    <p:extLst>
+      <p:ext uri="{BB962C8B-B14F-4D97-AF65-F5344CB8AC3E}">
+        <p14:creationId xmlns:p14="http://schemas.microsoft.com/office/powerpoint/2010/main" val="3441382437"/>
+      </p:ext>
+    </p:extLst>
+  </p:cSld>
+  <p:clrMapOvr>
+    <a:masterClrMapping/>
+  </p:clrMapOvr>
+  <p:timing>
+    <p:tnLst>
+      <p:par>
+        <p:cTn xmlns:p14="http://schemas.microsoft.com/office/powerpoint/2010/main" id="1" dur="indefinite" restart="never" nodeType="tmRoot"/>
+      </p:par>
+    </p:tnLst>
+  </p:timing>
+</p:sld>
+</file>
+
+<file path=ppt/slides/slide31.xml><?xml version="1.0" encoding="utf-8"?>
+<p:sld xmlns:a="http://schemas.openxmlformats.org/drawingml/2006/main" xmlns:r="http://schemas.openxmlformats.org/officeDocument/2006/relationships" xmlns:p="http://schemas.openxmlformats.org/presentationml/2006/main">
+  <p:cSld>
+    <p:spTree>
+      <p:nvGrpSpPr>
+        <p:cNvPr id="1" name=""/>
+        <p:cNvGrpSpPr/>
+        <p:nvPr/>
+      </p:nvGrpSpPr>
+      <p:grpSpPr>
+        <a:xfrm>
+          <a:off x="0" y="0"/>
+          <a:ext cx="0" cy="0"/>
+          <a:chOff x="0" y="0"/>
+          <a:chExt cx="0" cy="0"/>
+        </a:xfrm>
+      </p:grpSpPr>
+      <p:sp>
+        <p:nvSpPr>
+          <p:cNvPr id="2" name="Title 1"/>
+          <p:cNvSpPr>
+            <a:spLocks noGrp="1"/>
+          </p:cNvSpPr>
+          <p:nvPr>
+            <p:ph type="title"/>
+          </p:nvPr>
+        </p:nvSpPr>
+        <p:spPr/>
+        <p:txBody>
+          <a:bodyPr/>
+          <a:lstStyle/>
+          <a:p>
             <a:r>
               <a:rPr lang="en-US" dirty="0" smtClean="0"/>
-              <a:t>List</a:t>
+              <a:t>TODO's: List</a:t>
             </a:r>
             <a:endParaRPr lang="en-US" dirty="0"/>
           </a:p>
@@ -12727,11 +12763,7 @@
           <a:p>
             <a:r>
               <a:rPr lang="en-US" dirty="0" smtClean="0"/>
-              <a:t>What is it</a:t>
-            </a:r>
-            <a:r>
-              <a:rPr lang="en-US" dirty="0" smtClean="0"/>
-              <a:t>?</a:t>
+              <a:t>What is it?</a:t>
             </a:r>
           </a:p>
           <a:p>
@@ -12968,40 +13000,19 @@
           <a:p>
             <a:r>
               <a:rPr lang="en-US" sz="2500" dirty="0" smtClean="0"/>
-              <a:t>Whose </a:t>
-            </a:r>
+              <a:t>Whose business is it to talk to users?</a:t>
+            </a:r>
+          </a:p>
+          <a:p>
             <a:r>
               <a:rPr lang="en-US" sz="2500" dirty="0" smtClean="0"/>
-              <a:t>business is it </a:t>
-            </a:r>
+              <a:t>What about displaying output?</a:t>
+            </a:r>
+          </a:p>
+          <a:p>
             <a:r>
               <a:rPr lang="en-US" sz="2500" dirty="0" smtClean="0"/>
-              <a:t>to talk </a:t>
-            </a:r>
-            <a:r>
-              <a:rPr lang="en-US" sz="2500" dirty="0" smtClean="0"/>
-              <a:t>to users?</a:t>
-            </a:r>
-          </a:p>
-          <a:p>
-            <a:r>
-              <a:rPr lang="en-US" sz="2500" dirty="0" smtClean="0"/>
-              <a:t>What about </a:t>
-            </a:r>
-            <a:r>
-              <a:rPr lang="en-US" sz="2500" dirty="0" smtClean="0"/>
-              <a:t>displaying output?</a:t>
-            </a:r>
-            <a:endParaRPr lang="en-US" sz="2500" dirty="0" smtClean="0"/>
-          </a:p>
-          <a:p>
-            <a:r>
-              <a:rPr lang="en-US" sz="2500" dirty="0" smtClean="0"/>
-              <a:t>Should your classes all know how to parse user input</a:t>
-            </a:r>
-            <a:r>
-              <a:rPr lang="en-US" sz="2500" dirty="0" smtClean="0"/>
-              <a:t>?</a:t>
+              <a:t>Should your classes all know how to parse user input?</a:t>
             </a:r>
           </a:p>
           <a:p>
@@ -13015,7 +13026,6 @@
               <a:rPr lang="en-US" sz="2500" dirty="0" smtClean="0"/>
               <a:t>How do you separate 10,000 lines of code into a manageable structure?</a:t>
             </a:r>
-            <a:endParaRPr lang="en-US" sz="2500" dirty="0" smtClean="0"/>
           </a:p>
         </p:txBody>
       </p:sp>
@@ -13287,11 +13297,7 @@
             </a:r>
             <a:r>
               <a:rPr lang="en-US" sz="2500" dirty="0" smtClean="0"/>
-              <a:t> combines ingredients to make </a:t>
-            </a:r>
-            <a:r>
-              <a:rPr lang="en-US" sz="2500" dirty="0" smtClean="0"/>
-              <a:t>the food</a:t>
+              <a:t> combines ingredients to make the food</a:t>
             </a:r>
           </a:p>
           <a:p>
@@ -13324,7 +13330,15 @@
           <a:p>
             <a:r>
               <a:rPr lang="en-US" sz="2500" dirty="0" smtClean="0"/>
-              <a:t>They manage the orders coming in, tell the cooks what they need to make, and make sure everything’s in working order.</a:t>
+              <a:t>They manage the orders coming in, tell the cooks what they need to make, </a:t>
+            </a:r>
+            <a:r>
+              <a:rPr lang="en-US" sz="2500" dirty="0" smtClean="0"/>
+              <a:t>and ensure the orders go to the servers for delivery</a:t>
+            </a:r>
+            <a:r>
+              <a:rPr lang="en-US" sz="2500" dirty="0" smtClean="0"/>
+              <a:t>. </a:t>
             </a:r>
             <a:endParaRPr lang="en-US" sz="2500" dirty="0"/>
           </a:p>
@@ -13402,7 +13416,7 @@
         </p:nvSpPr>
         <p:spPr>
           <a:xfrm>
-            <a:off x="175179" y="1424690"/>
+            <a:off x="175179" y="1310538"/>
             <a:ext cx="8968821" cy="3877733"/>
           </a:xfrm>
         </p:spPr>
@@ -13422,23 +13436,11 @@
                   <a:srgbClr val="FF0000"/>
                 </a:solidFill>
               </a:rPr>
-              <a:t>view </a:t>
-            </a:r>
-            <a:r>
-              <a:rPr lang="en-US" sz="2300" dirty="0" smtClean="0">
-                <a:solidFill>
-                  <a:srgbClr val="FF0000"/>
-                </a:solidFill>
-              </a:rPr>
-              <a:t>(waiter) </a:t>
+              <a:t>view (waiter) </a:t>
             </a:r>
             <a:r>
               <a:rPr lang="en-US" sz="2300" dirty="0" smtClean="0"/>
-              <a:t>handles </a:t>
-            </a:r>
-            <a:r>
-              <a:rPr lang="en-US" sz="2300" dirty="0" smtClean="0"/>
-              <a:t>user interaction</a:t>
+              <a:t>handles user interaction</a:t>
             </a:r>
           </a:p>
           <a:p>
@@ -13465,11 +13467,7 @@
             </a:r>
             <a:r>
               <a:rPr lang="en-US" sz="2300" dirty="0" smtClean="0"/>
-              <a:t> </a:t>
-            </a:r>
-            <a:r>
-              <a:rPr lang="en-US" sz="2300" dirty="0" smtClean="0"/>
-              <a:t>handles your data</a:t>
+              <a:t> handles your data</a:t>
             </a:r>
           </a:p>
           <a:p>
@@ -13477,7 +13475,6 @@
               <a:rPr lang="en-US" sz="2300" dirty="0" smtClean="0"/>
               <a:t>It interacts with a DB or data store of some kind, crunches the numbers and does the ‘heavy lifting’ in your application.</a:t>
             </a:r>
-            <a:endParaRPr lang="en-US" sz="2300" dirty="0" smtClean="0"/>
           </a:p>
           <a:p>
             <a:endParaRPr lang="en-US" sz="2300" dirty="0"/>
@@ -13509,11 +13506,7 @@
             </a:r>
             <a:r>
               <a:rPr lang="en-US" sz="2300" dirty="0" smtClean="0"/>
-              <a:t> manages </a:t>
-            </a:r>
-            <a:r>
-              <a:rPr lang="en-US" sz="2300" dirty="0" smtClean="0"/>
-              <a:t>communication between </a:t>
+              <a:t> manages communication between </a:t>
             </a:r>
             <a:r>
               <a:rPr lang="en-US" sz="2300" dirty="0" smtClean="0">
@@ -13525,11 +13518,7 @@
             </a:r>
             <a:r>
               <a:rPr lang="en-US" sz="2300" dirty="0" smtClean="0"/>
-              <a:t> </a:t>
-            </a:r>
-            <a:r>
-              <a:rPr lang="en-US" sz="2300" dirty="0" smtClean="0"/>
-              <a:t>and </a:t>
+              <a:t> and </a:t>
             </a:r>
             <a:r>
               <a:rPr lang="en-US" sz="2300" dirty="0" smtClean="0">
@@ -13539,11 +13528,6 @@
               </a:rPr>
               <a:t>view</a:t>
             </a:r>
-            <a:endParaRPr lang="en-US" sz="2300" dirty="0" smtClean="0">
-              <a:solidFill>
-                <a:srgbClr val="FF0000"/>
-              </a:solidFill>
-            </a:endParaRPr>
           </a:p>
           <a:p>
             <a:r>

--- a/1phase/ruby-mvc-single-res/HT-MVC.pptx
+++ b/1phase/ruby-mvc-single-res/HT-MVC.pptx
@@ -5589,8 +5589,15 @@
           <a:p>
             <a:r>
               <a:rPr lang="en-US" sz="3400" dirty="0" smtClean="0"/>
-              <a:t>MVC gives your code a solid architecture.</a:t>
-            </a:r>
+              <a:t>MVC gives your code a solid architecture</a:t>
+            </a:r>
+            <a:r>
+              <a:rPr lang="en-US" sz="3400" dirty="0" smtClean="0"/>
+              <a:t>.</a:t>
+            </a:r>
+          </a:p>
+          <a:p>
+            <a:endParaRPr lang="en-US" sz="3400" dirty="0" smtClean="0"/>
           </a:p>
           <a:p>
             <a:r>
@@ -7662,13 +7669,8 @@
             </a:pPr>
             <a:r>
               <a:rPr lang="en-US" sz="3200" dirty="0" smtClean="0"/>
-              <a:t>Start thinking of your methods/classes as a means of passing a message to </a:t>
-            </a:r>
-            <a:r>
-              <a:rPr lang="en-US" sz="3200" smtClean="0"/>
-              <a:t>a place.</a:t>
-            </a:r>
-            <a:endParaRPr lang="en-US" sz="3200" dirty="0" smtClean="0"/>
+              <a:t>Start thinking of your methods/classes as a means of passing a message to a place.</a:t>
+            </a:r>
           </a:p>
           <a:p>
             <a:pPr marL="457200" indent="-457200">
@@ -10755,12 +10757,23 @@
               <a:rPr lang="en-US" sz="3400" dirty="0" smtClean="0"/>
               <a:t>MVC is not much different than the code you are already writing. </a:t>
             </a:r>
-          </a:p>
-          <a:p>
+            <a:endParaRPr lang="en-US" sz="3400" dirty="0" smtClean="0"/>
+          </a:p>
+          <a:p>
+            <a:endParaRPr lang="en-US" sz="3400" dirty="0" smtClean="0"/>
+          </a:p>
+          <a:p>
+            <a:r>
+              <a:rPr lang="en-US" sz="3400" dirty="0"/>
+              <a:t>J</a:t>
+            </a:r>
             <a:r>
               <a:rPr lang="en-US" sz="3400" dirty="0" smtClean="0"/>
-              <a:t>These are all just classes!</a:t>
-            </a:r>
+              <a:t>ust a bunch of classes and modules!</a:t>
+            </a:r>
+          </a:p>
+          <a:p>
+            <a:endParaRPr lang="en-US" sz="3400" dirty="0" smtClean="0"/>
           </a:p>
           <a:p>
             <a:r>
@@ -12888,7 +12901,9 @@
         </p:nvSpPr>
         <p:spPr/>
         <p:txBody>
-          <a:bodyPr/>
+          <a:bodyPr>
+            <a:normAutofit fontScale="92500" lnSpcReduction="20000"/>
+          </a:bodyPr>
           <a:lstStyle/>
           <a:p>
             <a:r>
@@ -12898,6 +12913,16 @@
             <a:r>
               <a:rPr lang="en-US" dirty="0"/>
               <a:t>design pattern is a general reusable solution to a commonly occurring problem within a given context in software design. </a:t>
+            </a:r>
+            <a:endParaRPr lang="en-US" dirty="0" smtClean="0"/>
+          </a:p>
+          <a:p>
+            <a:endParaRPr lang="en-US" dirty="0"/>
+          </a:p>
+          <a:p>
+            <a:r>
+              <a:rPr lang="en-US" dirty="0" smtClean="0"/>
+              <a:t>Get used to this term. Start thinking of everything you do as implementing some pattern. You’re just following a blueprint, filling in the gaps as needed with as little distinction from the standard pattern as possible.</a:t>
             </a:r>
             <a:endParaRPr lang="en-US" dirty="0" smtClean="0"/>
           </a:p>

--- a/1phase/ruby-mvc-single-res/HT-MVC.pptx
+++ b/1phase/ruby-mvc-single-res/HT-MVC.pptx
@@ -5,43 +5,45 @@
     <p:sldMasterId id="2147483660" r:id="rId1"/>
   </p:sldMasterIdLst>
   <p:notesMasterIdLst>
-    <p:notesMasterId r:id="rId33"/>
+    <p:notesMasterId r:id="rId35"/>
   </p:notesMasterIdLst>
   <p:handoutMasterIdLst>
-    <p:handoutMasterId r:id="rId34"/>
+    <p:handoutMasterId r:id="rId36"/>
   </p:handoutMasterIdLst>
   <p:sldIdLst>
     <p:sldId id="256" r:id="rId2"/>
     <p:sldId id="288" r:id="rId3"/>
     <p:sldId id="290" r:id="rId4"/>
-    <p:sldId id="257" r:id="rId5"/>
-    <p:sldId id="258" r:id="rId6"/>
-    <p:sldId id="284" r:id="rId7"/>
-    <p:sldId id="285" r:id="rId8"/>
-    <p:sldId id="286" r:id="rId9"/>
-    <p:sldId id="287" r:id="rId10"/>
-    <p:sldId id="259" r:id="rId11"/>
-    <p:sldId id="289" r:id="rId12"/>
-    <p:sldId id="260" r:id="rId13"/>
-    <p:sldId id="264" r:id="rId14"/>
-    <p:sldId id="261" r:id="rId15"/>
-    <p:sldId id="262" r:id="rId16"/>
-    <p:sldId id="263" r:id="rId17"/>
-    <p:sldId id="265" r:id="rId18"/>
-    <p:sldId id="266" r:id="rId19"/>
-    <p:sldId id="267" r:id="rId20"/>
-    <p:sldId id="279" r:id="rId21"/>
-    <p:sldId id="281" r:id="rId22"/>
-    <p:sldId id="282" r:id="rId23"/>
-    <p:sldId id="280" r:id="rId24"/>
-    <p:sldId id="291" r:id="rId25"/>
-    <p:sldId id="270" r:id="rId26"/>
-    <p:sldId id="272" r:id="rId27"/>
-    <p:sldId id="273" r:id="rId28"/>
-    <p:sldId id="275" r:id="rId29"/>
-    <p:sldId id="276" r:id="rId30"/>
-    <p:sldId id="277" r:id="rId31"/>
-    <p:sldId id="278" r:id="rId32"/>
+    <p:sldId id="293" r:id="rId5"/>
+    <p:sldId id="257" r:id="rId6"/>
+    <p:sldId id="258" r:id="rId7"/>
+    <p:sldId id="284" r:id="rId8"/>
+    <p:sldId id="285" r:id="rId9"/>
+    <p:sldId id="286" r:id="rId10"/>
+    <p:sldId id="287" r:id="rId11"/>
+    <p:sldId id="259" r:id="rId12"/>
+    <p:sldId id="289" r:id="rId13"/>
+    <p:sldId id="260" r:id="rId14"/>
+    <p:sldId id="264" r:id="rId15"/>
+    <p:sldId id="261" r:id="rId16"/>
+    <p:sldId id="262" r:id="rId17"/>
+    <p:sldId id="263" r:id="rId18"/>
+    <p:sldId id="265" r:id="rId19"/>
+    <p:sldId id="266" r:id="rId20"/>
+    <p:sldId id="267" r:id="rId21"/>
+    <p:sldId id="279" r:id="rId22"/>
+    <p:sldId id="281" r:id="rId23"/>
+    <p:sldId id="282" r:id="rId24"/>
+    <p:sldId id="280" r:id="rId25"/>
+    <p:sldId id="291" r:id="rId26"/>
+    <p:sldId id="270" r:id="rId27"/>
+    <p:sldId id="272" r:id="rId28"/>
+    <p:sldId id="273" r:id="rId29"/>
+    <p:sldId id="275" r:id="rId30"/>
+    <p:sldId id="276" r:id="rId31"/>
+    <p:sldId id="277" r:id="rId32"/>
+    <p:sldId id="278" r:id="rId33"/>
+    <p:sldId id="292" r:id="rId34"/>
   </p:sldIdLst>
   <p:sldSz cx="9144000" cy="6858000" type="screen4x3"/>
   <p:notesSz cx="6858000" cy="9144000"/>
@@ -225,7 +227,7 @@
           <a:p>
             <a:fld id="{CAA47771-BE1A-0F41-A2AB-502D986D5C71}" type="datetimeFigureOut">
               <a:rPr lang="en-US" smtClean="0"/>
-              <a:t>8/28/15</a:t>
+              <a:t>9/18/15</a:t>
             </a:fld>
             <a:endParaRPr lang="en-US"/>
           </a:p>
@@ -391,7 +393,7 @@
           <a:p>
             <a:fld id="{4083CDE4-3FA1-6A4B-862D-E61F193A4941}" type="datetimeFigureOut">
               <a:rPr lang="en-US" smtClean="0"/>
-              <a:t>8/28/15</a:t>
+              <a:t>9/18/15</a:t>
             </a:fld>
             <a:endParaRPr lang="en-US"/>
           </a:p>
@@ -729,7 +731,7 @@
           <a:p>
             <a:fld id="{B8E85131-72B0-344C-846D-7A83BD8CA0B2}" type="slidenum">
               <a:rPr lang="en-US" smtClean="0"/>
-              <a:t>19</a:t>
+              <a:t>20</a:t>
             </a:fld>
             <a:endParaRPr lang="en-US"/>
           </a:p>
@@ -2265,6 +2267,206 @@
       </p:grpSpPr>
       <p:sp>
         <p:nvSpPr>
+          <p:cNvPr id="2" name="Content Placeholder 1"/>
+          <p:cNvSpPr>
+            <a:spLocks noGrp="1"/>
+          </p:cNvSpPr>
+          <p:nvPr>
+            <p:ph idx="1"/>
+          </p:nvPr>
+        </p:nvSpPr>
+        <p:spPr>
+          <a:xfrm>
+            <a:off x="175179" y="1310538"/>
+            <a:ext cx="8968821" cy="3877733"/>
+          </a:xfrm>
+        </p:spPr>
+        <p:txBody>
+          <a:bodyPr>
+            <a:noAutofit/>
+          </a:bodyPr>
+          <a:lstStyle/>
+          <a:p>
+            <a:r>
+              <a:rPr lang="en-US" sz="2300" dirty="0" smtClean="0"/>
+              <a:t>The </a:t>
+            </a:r>
+            <a:r>
+              <a:rPr lang="en-US" sz="2300" dirty="0" smtClean="0">
+                <a:solidFill>
+                  <a:srgbClr val="FF0000"/>
+                </a:solidFill>
+              </a:rPr>
+              <a:t>view (waiter) </a:t>
+            </a:r>
+            <a:r>
+              <a:rPr lang="en-US" sz="2300" dirty="0" smtClean="0"/>
+              <a:t>handles user interaction</a:t>
+            </a:r>
+          </a:p>
+          <a:p>
+            <a:r>
+              <a:rPr lang="en-US" sz="2300" dirty="0" smtClean="0"/>
+              <a:t>It shows information to the user and gets user input</a:t>
+            </a:r>
+          </a:p>
+          <a:p>
+            <a:endParaRPr lang="en-US" sz="2300" dirty="0"/>
+          </a:p>
+          <a:p>
+            <a:r>
+              <a:rPr lang="en-US" sz="2300" dirty="0" smtClean="0"/>
+              <a:t>The </a:t>
+            </a:r>
+            <a:r>
+              <a:rPr lang="en-US" sz="2300" dirty="0" smtClean="0">
+                <a:solidFill>
+                  <a:srgbClr val="FF0000"/>
+                </a:solidFill>
+              </a:rPr>
+              <a:t>model (chef)</a:t>
+            </a:r>
+            <a:r>
+              <a:rPr lang="en-US" sz="2300" dirty="0" smtClean="0"/>
+              <a:t> handles your data</a:t>
+            </a:r>
+          </a:p>
+          <a:p>
+            <a:r>
+              <a:rPr lang="en-US" sz="2300" dirty="0" smtClean="0"/>
+              <a:t>It interacts with a DB or data store of some kind, crunches the numbers and does the ‘heavy lifting’ in your application.</a:t>
+            </a:r>
+          </a:p>
+          <a:p>
+            <a:endParaRPr lang="en-US" sz="2300" dirty="0"/>
+          </a:p>
+          <a:p>
+            <a:r>
+              <a:rPr lang="en-US" sz="2300" dirty="0" smtClean="0"/>
+              <a:t>The </a:t>
+            </a:r>
+            <a:r>
+              <a:rPr lang="en-US" sz="2300" dirty="0" smtClean="0">
+                <a:solidFill>
+                  <a:srgbClr val="FF0000"/>
+                </a:solidFill>
+              </a:rPr>
+              <a:t>controller</a:t>
+            </a:r>
+            <a:r>
+              <a:rPr lang="en-US" sz="2300" dirty="0" smtClean="0"/>
+              <a:t> </a:t>
+            </a:r>
+            <a:r>
+              <a:rPr lang="en-US" sz="2300" dirty="0" smtClean="0">
+                <a:solidFill>
+                  <a:srgbClr val="FF0000"/>
+                </a:solidFill>
+              </a:rPr>
+              <a:t>(manager)</a:t>
+            </a:r>
+            <a:r>
+              <a:rPr lang="en-US" sz="2300" dirty="0" smtClean="0"/>
+              <a:t> manages communication between </a:t>
+            </a:r>
+            <a:r>
+              <a:rPr lang="en-US" sz="2300" dirty="0" smtClean="0">
+                <a:solidFill>
+                  <a:srgbClr val="FF0000"/>
+                </a:solidFill>
+              </a:rPr>
+              <a:t>model</a:t>
+            </a:r>
+            <a:r>
+              <a:rPr lang="en-US" sz="2300" dirty="0" smtClean="0"/>
+              <a:t> and </a:t>
+            </a:r>
+            <a:r>
+              <a:rPr lang="en-US" sz="2300" dirty="0" smtClean="0">
+                <a:solidFill>
+                  <a:srgbClr val="FF0000"/>
+                </a:solidFill>
+              </a:rPr>
+              <a:t>view</a:t>
+            </a:r>
+          </a:p>
+          <a:p>
+            <a:r>
+              <a:rPr lang="en-US" sz="2300" dirty="0" smtClean="0"/>
+              <a:t>It parses user input, gets the information it needs from the model, and passes it back to the view.</a:t>
+            </a:r>
+          </a:p>
+          <a:p>
+            <a:r>
+              <a:rPr lang="en-US" sz="2300" dirty="0" smtClean="0"/>
+              <a:t>It runs everything! Controllers are very... CONTROLLING.</a:t>
+            </a:r>
+            <a:endParaRPr lang="en-US" sz="2300" dirty="0"/>
+          </a:p>
+        </p:txBody>
+      </p:sp>
+      <p:sp>
+        <p:nvSpPr>
+          <p:cNvPr id="3" name="Title 2"/>
+          <p:cNvSpPr>
+            <a:spLocks noGrp="1"/>
+          </p:cNvSpPr>
+          <p:nvPr>
+            <p:ph type="title"/>
+          </p:nvPr>
+        </p:nvSpPr>
+        <p:spPr/>
+        <p:txBody>
+          <a:bodyPr/>
+          <a:lstStyle/>
+          <a:p>
+            <a:r>
+              <a:rPr lang="en-US" dirty="0" smtClean="0"/>
+              <a:t>M-V-C Bits:</a:t>
+            </a:r>
+            <a:endParaRPr lang="en-US" dirty="0"/>
+          </a:p>
+        </p:txBody>
+      </p:sp>
+    </p:spTree>
+    <p:extLst>
+      <p:ext uri="{BB962C8B-B14F-4D97-AF65-F5344CB8AC3E}">
+        <p14:creationId xmlns:p14="http://schemas.microsoft.com/office/powerpoint/2010/main" val="1779732405"/>
+      </p:ext>
+    </p:extLst>
+  </p:cSld>
+  <p:clrMapOvr>
+    <a:masterClrMapping/>
+  </p:clrMapOvr>
+  <p:timing>
+    <p:tnLst>
+      <p:par>
+        <p:cTn xmlns:p14="http://schemas.microsoft.com/office/powerpoint/2010/main" id="1" dur="indefinite" restart="never" nodeType="tmRoot"/>
+      </p:par>
+    </p:tnLst>
+  </p:timing>
+</p:sld>
+</file>
+
+<file path=ppt/slides/slide11.xml><?xml version="1.0" encoding="utf-8"?>
+<p:sld xmlns:a="http://schemas.openxmlformats.org/drawingml/2006/main" xmlns:r="http://schemas.openxmlformats.org/officeDocument/2006/relationships" xmlns:p="http://schemas.openxmlformats.org/presentationml/2006/main">
+  <p:cSld>
+    <p:spTree>
+      <p:nvGrpSpPr>
+        <p:cNvPr id="1" name=""/>
+        <p:cNvGrpSpPr/>
+        <p:nvPr/>
+      </p:nvGrpSpPr>
+      <p:grpSpPr>
+        <a:xfrm>
+          <a:off x="0" y="0"/>
+          <a:ext cx="0" cy="0"/>
+          <a:chOff x="0" y="0"/>
+          <a:chExt cx="0" cy="0"/>
+        </a:xfrm>
+      </p:grpSpPr>
+      <p:sp>
+        <p:nvSpPr>
           <p:cNvPr id="2" name="Title 1"/>
           <p:cNvSpPr>
             <a:spLocks noGrp="1"/>
@@ -2363,7 +2565,7 @@
 </p:sld>
 </file>
 
-<file path=ppt/slides/slide11.xml><?xml version="1.0" encoding="utf-8"?>
+<file path=ppt/slides/slide12.xml><?xml version="1.0" encoding="utf-8"?>
 <p:sld xmlns:a="http://schemas.openxmlformats.org/drawingml/2006/main" xmlns:r="http://schemas.openxmlformats.org/officeDocument/2006/relationships" xmlns:p="http://schemas.openxmlformats.org/presentationml/2006/main">
   <p:cSld>
     <p:bg>
@@ -2467,341 +2669,6 @@
     <p:extLst>
       <p:ext uri="{BB962C8B-B14F-4D97-AF65-F5344CB8AC3E}">
         <p14:creationId xmlns:p14="http://schemas.microsoft.com/office/powerpoint/2010/main" val="1107917812"/>
-      </p:ext>
-    </p:extLst>
-  </p:cSld>
-  <p:clrMapOvr>
-    <a:masterClrMapping/>
-  </p:clrMapOvr>
-  <p:timing>
-    <p:tnLst>
-      <p:par>
-        <p:cTn xmlns:p14="http://schemas.microsoft.com/office/powerpoint/2010/main" id="1" dur="indefinite" restart="never" nodeType="tmRoot"/>
-      </p:par>
-    </p:tnLst>
-  </p:timing>
-</p:sld>
-</file>
-
-<file path=ppt/slides/slide12.xml><?xml version="1.0" encoding="utf-8"?>
-<p:sld xmlns:a="http://schemas.openxmlformats.org/drawingml/2006/main" xmlns:r="http://schemas.openxmlformats.org/officeDocument/2006/relationships" xmlns:p="http://schemas.openxmlformats.org/presentationml/2006/main">
-  <p:cSld>
-    <p:spTree>
-      <p:nvGrpSpPr>
-        <p:cNvPr id="1" name=""/>
-        <p:cNvGrpSpPr/>
-        <p:nvPr/>
-      </p:nvGrpSpPr>
-      <p:grpSpPr>
-        <a:xfrm>
-          <a:off x="0" y="0"/>
-          <a:ext cx="0" cy="0"/>
-          <a:chOff x="0" y="0"/>
-          <a:chExt cx="0" cy="0"/>
-        </a:xfrm>
-      </p:grpSpPr>
-      <p:sp>
-        <p:nvSpPr>
-          <p:cNvPr id="2" name="Title 1"/>
-          <p:cNvSpPr>
-            <a:spLocks noGrp="1"/>
-          </p:cNvSpPr>
-          <p:nvPr>
-            <p:ph type="title"/>
-          </p:nvPr>
-        </p:nvSpPr>
-        <p:spPr/>
-        <p:txBody>
-          <a:bodyPr/>
-          <a:lstStyle/>
-          <a:p>
-            <a:r>
-              <a:rPr lang="en-US" dirty="0" smtClean="0"/>
-              <a:t>M-V-C Design Pattern</a:t>
-            </a:r>
-            <a:endParaRPr lang="en-US" dirty="0"/>
-          </a:p>
-        </p:txBody>
-      </p:sp>
-      <p:sp>
-        <p:nvSpPr>
-          <p:cNvPr id="3" name="Footer Placeholder 2"/>
-          <p:cNvSpPr>
-            <a:spLocks noGrp="1"/>
-          </p:cNvSpPr>
-          <p:nvPr>
-            <p:ph type="ftr" sz="quarter" idx="3"/>
-          </p:nvPr>
-        </p:nvSpPr>
-        <p:spPr/>
-        <p:txBody>
-          <a:bodyPr/>
-          <a:lstStyle/>
-          <a:p>
-            <a:r>
-              <a:rPr lang="en-US" smtClean="0"/>
-              <a:t>Model – View – Controller: A Design Pattern</a:t>
-            </a:r>
-            <a:endParaRPr lang="en-US" dirty="0"/>
-          </a:p>
-        </p:txBody>
-      </p:sp>
-      <p:sp>
-        <p:nvSpPr>
-          <p:cNvPr id="4" name="Rectangle 3"/>
-          <p:cNvSpPr/>
-          <p:nvPr/>
-        </p:nvSpPr>
-        <p:spPr>
-          <a:xfrm>
-            <a:off x="512064" y="2723877"/>
-            <a:ext cx="2150017" cy="3058909"/>
-          </a:xfrm>
-          <a:prstGeom prst="rect">
-            <a:avLst/>
-          </a:prstGeom>
-          <a:solidFill>
-            <a:srgbClr val="00A9B9"/>
-          </a:solidFill>
-          <a:ln>
-            <a:noFill/>
-          </a:ln>
-          <a:effectLst/>
-        </p:spPr>
-        <p:style>
-          <a:lnRef idx="1">
-            <a:schemeClr val="accent1"/>
-          </a:lnRef>
-          <a:fillRef idx="3">
-            <a:schemeClr val="accent1"/>
-          </a:fillRef>
-          <a:effectRef idx="2">
-            <a:schemeClr val="accent1"/>
-          </a:effectRef>
-          <a:fontRef idx="minor">
-            <a:schemeClr val="lt1"/>
-          </a:fontRef>
-        </p:style>
-        <p:txBody>
-          <a:bodyPr rtlCol="0" anchor="t"/>
-          <a:lstStyle/>
-          <a:p>
-            <a:r>
-              <a:rPr lang="en-US" sz="2200" dirty="0" smtClean="0">
-                <a:solidFill>
-                  <a:srgbClr val="F8F8F8"/>
-                </a:solidFill>
-              </a:rPr>
-              <a:t>  </a:t>
-            </a:r>
-          </a:p>
-          <a:p>
-            <a:r>
-              <a:rPr lang="en-US" sz="2200" dirty="0">
-                <a:solidFill>
-                  <a:srgbClr val="F8F8F8"/>
-                </a:solidFill>
-              </a:rPr>
-              <a:t> </a:t>
-            </a:r>
-          </a:p>
-        </p:txBody>
-      </p:sp>
-      <p:sp>
-        <p:nvSpPr>
-          <p:cNvPr id="5" name="Rectangle 4"/>
-          <p:cNvSpPr/>
-          <p:nvPr/>
-        </p:nvSpPr>
-        <p:spPr>
-          <a:xfrm>
-            <a:off x="3493911" y="2668662"/>
-            <a:ext cx="2150017" cy="3058909"/>
-          </a:xfrm>
-          <a:prstGeom prst="rect">
-            <a:avLst/>
-          </a:prstGeom>
-          <a:solidFill>
-            <a:srgbClr val="EA4A3C"/>
-          </a:solidFill>
-          <a:ln>
-            <a:noFill/>
-          </a:ln>
-          <a:effectLst/>
-        </p:spPr>
-        <p:style>
-          <a:lnRef idx="1">
-            <a:schemeClr val="accent1"/>
-          </a:lnRef>
-          <a:fillRef idx="3">
-            <a:schemeClr val="accent1"/>
-          </a:fillRef>
-          <a:effectRef idx="2">
-            <a:schemeClr val="accent1"/>
-          </a:effectRef>
-          <a:fontRef idx="minor">
-            <a:schemeClr val="lt1"/>
-          </a:fontRef>
-        </p:style>
-        <p:txBody>
-          <a:bodyPr rtlCol="0" anchor="ctr"/>
-          <a:lstStyle/>
-          <a:p>
-            <a:pPr algn="ctr"/>
-            <a:endParaRPr lang="en-US" sz="2200" dirty="0">
-              <a:solidFill>
-                <a:srgbClr val="F8F8F8"/>
-              </a:solidFill>
-            </a:endParaRPr>
-          </a:p>
-        </p:txBody>
-      </p:sp>
-      <p:sp>
-        <p:nvSpPr>
-          <p:cNvPr id="6" name="Rectangle 5"/>
-          <p:cNvSpPr/>
-          <p:nvPr/>
-        </p:nvSpPr>
-        <p:spPr>
-          <a:xfrm>
-            <a:off x="6536783" y="2723877"/>
-            <a:ext cx="2150017" cy="3058909"/>
-          </a:xfrm>
-          <a:prstGeom prst="rect">
-            <a:avLst/>
-          </a:prstGeom>
-          <a:solidFill>
-            <a:schemeClr val="accent6"/>
-          </a:solidFill>
-          <a:ln>
-            <a:noFill/>
-          </a:ln>
-          <a:effectLst/>
-        </p:spPr>
-        <p:style>
-          <a:lnRef idx="1">
-            <a:schemeClr val="accent1"/>
-          </a:lnRef>
-          <a:fillRef idx="3">
-            <a:schemeClr val="accent1"/>
-          </a:fillRef>
-          <a:effectRef idx="2">
-            <a:schemeClr val="accent1"/>
-          </a:effectRef>
-          <a:fontRef idx="minor">
-            <a:schemeClr val="lt1"/>
-          </a:fontRef>
-        </p:style>
-        <p:txBody>
-          <a:bodyPr rtlCol="0" anchor="ctr"/>
-          <a:lstStyle/>
-          <a:p>
-            <a:pPr algn="ctr"/>
-            <a:endParaRPr lang="en-US" sz="2200">
-              <a:solidFill>
-                <a:srgbClr val="F8F8F8"/>
-              </a:solidFill>
-            </a:endParaRPr>
-          </a:p>
-        </p:txBody>
-      </p:sp>
-      <p:sp>
-        <p:nvSpPr>
-          <p:cNvPr id="8" name="TextBox 7"/>
-          <p:cNvSpPr txBox="1"/>
-          <p:nvPr/>
-        </p:nvSpPr>
-        <p:spPr>
-          <a:xfrm>
-            <a:off x="457200" y="1865376"/>
-            <a:ext cx="2204881" cy="584776"/>
-          </a:xfrm>
-          <a:prstGeom prst="rect">
-            <a:avLst/>
-          </a:prstGeom>
-          <a:noFill/>
-        </p:spPr>
-        <p:txBody>
-          <a:bodyPr wrap="square" rtlCol="0">
-            <a:spAutoFit/>
-          </a:bodyPr>
-          <a:lstStyle/>
-          <a:p>
-            <a:pPr algn="ctr"/>
-            <a:r>
-              <a:rPr lang="en-US" sz="3200" dirty="0" smtClean="0"/>
-              <a:t>Model</a:t>
-            </a:r>
-            <a:endParaRPr lang="en-US" sz="3200" dirty="0"/>
-          </a:p>
-        </p:txBody>
-      </p:sp>
-      <p:sp>
-        <p:nvSpPr>
-          <p:cNvPr id="10" name="TextBox 9"/>
-          <p:cNvSpPr txBox="1"/>
-          <p:nvPr/>
-        </p:nvSpPr>
-        <p:spPr>
-          <a:xfrm>
-            <a:off x="3493911" y="1865376"/>
-            <a:ext cx="2204881" cy="584776"/>
-          </a:xfrm>
-          <a:prstGeom prst="rect">
-            <a:avLst/>
-          </a:prstGeom>
-          <a:noFill/>
-        </p:spPr>
-        <p:txBody>
-          <a:bodyPr wrap="square" rtlCol="0">
-            <a:spAutoFit/>
-          </a:bodyPr>
-          <a:lstStyle/>
-          <a:p>
-            <a:pPr algn="ctr"/>
-            <a:r>
-              <a:rPr lang="en-US" sz="3200" dirty="0" smtClean="0"/>
-              <a:t>Controller</a:t>
-            </a:r>
-            <a:endParaRPr lang="en-US" sz="3200" dirty="0"/>
-          </a:p>
-        </p:txBody>
-      </p:sp>
-      <p:sp>
-        <p:nvSpPr>
-          <p:cNvPr id="11" name="TextBox 10"/>
-          <p:cNvSpPr txBox="1"/>
-          <p:nvPr/>
-        </p:nvSpPr>
-        <p:spPr>
-          <a:xfrm>
-            <a:off x="6536783" y="1865376"/>
-            <a:ext cx="2204881" cy="584776"/>
-          </a:xfrm>
-          <a:prstGeom prst="rect">
-            <a:avLst/>
-          </a:prstGeom>
-          <a:noFill/>
-        </p:spPr>
-        <p:txBody>
-          <a:bodyPr wrap="square" rtlCol="0">
-            <a:spAutoFit/>
-          </a:bodyPr>
-          <a:lstStyle/>
-          <a:p>
-            <a:pPr algn="ctr"/>
-            <a:r>
-              <a:rPr lang="en-US" sz="3200" dirty="0" smtClean="0"/>
-              <a:t>View</a:t>
-            </a:r>
-            <a:endParaRPr lang="en-US" sz="3200" dirty="0"/>
-          </a:p>
-        </p:txBody>
-      </p:sp>
-    </p:spTree>
-    <p:extLst>
-      <p:ext uri="{BB962C8B-B14F-4D97-AF65-F5344CB8AC3E}">
-        <p14:creationId xmlns:p14="http://schemas.microsoft.com/office/powerpoint/2010/main" val="4010566210"/>
       </p:ext>
     </p:extLst>
   </p:cSld>
@@ -2883,6 +2750,67 @@
       </p:sp>
       <p:sp>
         <p:nvSpPr>
+          <p:cNvPr id="4" name="Rectangle 3"/>
+          <p:cNvSpPr/>
+          <p:nvPr/>
+        </p:nvSpPr>
+        <p:spPr>
+          <a:xfrm>
+            <a:off x="512064" y="2723877"/>
+            <a:ext cx="2150017" cy="3058909"/>
+          </a:xfrm>
+          <a:prstGeom prst="rect">
+            <a:avLst/>
+          </a:prstGeom>
+          <a:solidFill>
+            <a:srgbClr val="00A9B9"/>
+          </a:solidFill>
+          <a:ln>
+            <a:noFill/>
+          </a:ln>
+          <a:effectLst/>
+        </p:spPr>
+        <p:style>
+          <a:lnRef idx="1">
+            <a:schemeClr val="accent1"/>
+          </a:lnRef>
+          <a:fillRef idx="3">
+            <a:schemeClr val="accent1"/>
+          </a:fillRef>
+          <a:effectRef idx="2">
+            <a:schemeClr val="accent1"/>
+          </a:effectRef>
+          <a:fontRef idx="minor">
+            <a:schemeClr val="lt1"/>
+          </a:fontRef>
+        </p:style>
+        <p:txBody>
+          <a:bodyPr rtlCol="0" anchor="t"/>
+          <a:lstStyle/>
+          <a:p>
+            <a:r>
+              <a:rPr lang="en-US" sz="2200" dirty="0" smtClean="0">
+                <a:solidFill>
+                  <a:srgbClr val="F8F8F8"/>
+                </a:solidFill>
+              </a:rPr>
+              <a:t>  </a:t>
+            </a:r>
+          </a:p>
+          <a:p>
+            <a:r>
+              <a:rPr lang="en-US" sz="2200" dirty="0">
+                <a:solidFill>
+                  <a:srgbClr val="F8F8F8"/>
+                </a:solidFill>
+              </a:rPr>
+              <a:t> </a:t>
+            </a:r>
+          </a:p>
+        </p:txBody>
+      </p:sp>
+      <p:sp>
+        <p:nvSpPr>
           <p:cNvPr id="5" name="Rectangle 4"/>
           <p:cNvSpPr/>
           <p:nvPr/>
@@ -2922,7 +2850,11 @@
           <a:lstStyle/>
           <a:p>
             <a:pPr algn="ctr"/>
-            <a:endParaRPr lang="en-US" dirty="0"/>
+            <a:endParaRPr lang="en-US" sz="2200" dirty="0">
+              <a:solidFill>
+                <a:srgbClr val="F8F8F8"/>
+              </a:solidFill>
+            </a:endParaRPr>
           </a:p>
         </p:txBody>
       </p:sp>
@@ -2967,7 +2899,11 @@
           <a:lstStyle/>
           <a:p>
             <a:pPr algn="ctr"/>
-            <a:endParaRPr lang="en-US" sz="2200" dirty="0"/>
+            <a:endParaRPr lang="en-US" sz="2200">
+              <a:solidFill>
+                <a:srgbClr val="F8F8F8"/>
+              </a:solidFill>
+            </a:endParaRPr>
           </a:p>
         </p:txBody>
       </p:sp>
@@ -3064,88 +3000,10 @@
           </a:p>
         </p:txBody>
       </p:sp>
-      <p:sp>
-        <p:nvSpPr>
-          <p:cNvPr id="12" name="Rectangle 11"/>
-          <p:cNvSpPr/>
-          <p:nvPr/>
-        </p:nvSpPr>
-        <p:spPr>
-          <a:xfrm>
-            <a:off x="512064" y="2723877"/>
-            <a:ext cx="2150017" cy="3058909"/>
-          </a:xfrm>
-          <a:prstGeom prst="rect">
-            <a:avLst/>
-          </a:prstGeom>
-          <a:solidFill>
-            <a:srgbClr val="00A9B9"/>
-          </a:solidFill>
-          <a:ln>
-            <a:noFill/>
-          </a:ln>
-          <a:effectLst/>
-        </p:spPr>
-        <p:style>
-          <a:lnRef idx="1">
-            <a:schemeClr val="accent1"/>
-          </a:lnRef>
-          <a:fillRef idx="3">
-            <a:schemeClr val="accent1"/>
-          </a:fillRef>
-          <a:effectRef idx="2">
-            <a:schemeClr val="accent1"/>
-          </a:effectRef>
-          <a:fontRef idx="minor">
-            <a:schemeClr val="lt1"/>
-          </a:fontRef>
-        </p:style>
-        <p:txBody>
-          <a:bodyPr rtlCol="0" anchor="t"/>
-          <a:lstStyle/>
-          <a:p>
-            <a:r>
-              <a:rPr lang="en-US" sz="2200" dirty="0" smtClean="0">
-                <a:solidFill>
-                  <a:schemeClr val="accent1"/>
-                </a:solidFill>
-              </a:rPr>
-              <a:t> </a:t>
-            </a:r>
-            <a:endParaRPr lang="en-US" sz="2200" dirty="0">
-              <a:solidFill>
-                <a:schemeClr val="accent1"/>
-              </a:solidFill>
-            </a:endParaRPr>
-          </a:p>
-          <a:p>
-            <a:pPr marL="111125"/>
-            <a:r>
-              <a:rPr lang="en-US" sz="2200" dirty="0" smtClean="0">
-                <a:solidFill>
-                  <a:schemeClr val="accent1"/>
-                </a:solidFill>
-              </a:rPr>
-              <a:t>Data &amp;</a:t>
-            </a:r>
-          </a:p>
-          <a:p>
-            <a:pPr marL="111125"/>
-            <a:r>
-              <a:rPr lang="en-US" sz="2200" dirty="0" smtClean="0">
-                <a:solidFill>
-                  <a:schemeClr val="accent1"/>
-                </a:solidFill>
-              </a:rPr>
-              <a:t>Business logic</a:t>
-            </a:r>
-          </a:p>
-        </p:txBody>
-      </p:sp>
     </p:spTree>
     <p:extLst>
       <p:ext uri="{BB962C8B-B14F-4D97-AF65-F5344CB8AC3E}">
-        <p14:creationId xmlns:p14="http://schemas.microsoft.com/office/powerpoint/2010/main" val="2582257191"/>
+        <p14:creationId xmlns:p14="http://schemas.microsoft.com/office/powerpoint/2010/main" val="4010566210"/>
       </p:ext>
     </p:extLst>
   </p:cSld>
@@ -3484,62 +3342,12 @@
               <a:t>Business logic</a:t>
             </a:r>
           </a:p>
-          <a:p>
-            <a:pPr marL="111125"/>
-            <a:endParaRPr lang="en-US" sz="2200" dirty="0">
-              <a:solidFill>
-                <a:schemeClr val="accent1"/>
-              </a:solidFill>
-            </a:endParaRPr>
-          </a:p>
-          <a:p>
-            <a:pPr marL="342900" indent="-231775" defTabSz="349250">
-              <a:buFont typeface="Arial"/>
-              <a:buChar char="•"/>
-            </a:pPr>
-            <a:r>
-              <a:rPr lang="en-US" sz="2200" dirty="0" smtClean="0">
-                <a:solidFill>
-                  <a:schemeClr val="accent1"/>
-                </a:solidFill>
-              </a:rPr>
-              <a:t>classes</a:t>
-            </a:r>
-          </a:p>
-          <a:p>
-            <a:pPr marL="342900" indent="-231775" defTabSz="349250">
-              <a:buFont typeface="Arial"/>
-              <a:buChar char="•"/>
-            </a:pPr>
-            <a:r>
-              <a:rPr lang="en-US" sz="2200" dirty="0" smtClean="0">
-                <a:solidFill>
-                  <a:schemeClr val="accent1"/>
-                </a:solidFill>
-              </a:rPr>
-              <a:t>modules</a:t>
-            </a:r>
-          </a:p>
-          <a:p>
-            <a:pPr marL="342900" indent="-231775" defTabSz="349250">
-              <a:buFont typeface="Arial"/>
-              <a:buChar char="•"/>
-            </a:pPr>
-            <a:r>
-              <a:rPr lang="en-US" sz="2200" dirty="0" smtClean="0">
-                <a:solidFill>
-                  <a:schemeClr val="accent1"/>
-                </a:solidFill>
-              </a:rPr>
-              <a:t>databases</a:t>
-            </a:r>
-          </a:p>
         </p:txBody>
       </p:sp>
     </p:spTree>
     <p:extLst>
       <p:ext uri="{BB962C8B-B14F-4D97-AF65-F5344CB8AC3E}">
-        <p14:creationId xmlns:p14="http://schemas.microsoft.com/office/powerpoint/2010/main" val="1826671997"/>
+        <p14:creationId xmlns:p14="http://schemas.microsoft.com/office/powerpoint/2010/main" val="2582257191"/>
       </p:ext>
     </p:extLst>
   </p:cSld>
@@ -3656,14 +3464,11 @@
           </a:fontRef>
         </p:style>
         <p:txBody>
-          <a:bodyPr rtlCol="0" anchor="t"/>
-          <a:lstStyle/>
-          <a:p>
-            <a:endParaRPr lang="en-US" sz="2200" dirty="0">
-              <a:solidFill>
-                <a:srgbClr val="F8F8F8"/>
-              </a:solidFill>
-            </a:endParaRPr>
+          <a:bodyPr rtlCol="0" anchor="ctr"/>
+          <a:lstStyle/>
+          <a:p>
+            <a:pPr algn="ctr"/>
+            <a:endParaRPr lang="en-US" dirty="0"/>
           </a:p>
         </p:txBody>
       </p:sp>
@@ -3704,40 +3509,11 @@
           </a:fontRef>
         </p:style>
         <p:txBody>
-          <a:bodyPr rtlCol="0" anchor="t"/>
-          <a:lstStyle/>
-          <a:p>
-            <a:r>
-              <a:rPr lang="en-US" sz="2200" dirty="0" smtClean="0">
-                <a:solidFill>
-                  <a:srgbClr val="F8F8F8"/>
-                </a:solidFill>
-              </a:rPr>
-              <a:t>  </a:t>
-            </a:r>
-          </a:p>
-          <a:p>
-            <a:r>
-              <a:rPr lang="en-US" sz="2200" dirty="0">
-                <a:solidFill>
-                  <a:srgbClr val="F8F8F8"/>
-                </a:solidFill>
-              </a:rPr>
-              <a:t> </a:t>
-            </a:r>
-            <a:r>
-              <a:rPr lang="en-US" sz="2200" dirty="0" smtClean="0">
-                <a:solidFill>
-                  <a:srgbClr val="F8F8F8"/>
-                </a:solidFill>
-              </a:rPr>
-              <a:t> User interface</a:t>
-            </a:r>
-            <a:endParaRPr lang="en-US" sz="2200" dirty="0">
-              <a:solidFill>
-                <a:srgbClr val="F8F8F8"/>
-              </a:solidFill>
-            </a:endParaRPr>
+          <a:bodyPr rtlCol="0" anchor="ctr"/>
+          <a:lstStyle/>
+          <a:p>
+            <a:pPr algn="ctr"/>
+            <a:endParaRPr lang="en-US" sz="2200" dirty="0"/>
           </a:p>
         </p:txBody>
       </p:sp>
@@ -3836,7 +3612,7 @@
       </p:sp>
       <p:sp>
         <p:nvSpPr>
-          <p:cNvPr id="14" name="Rectangle 13"/>
+          <p:cNvPr id="12" name="Rectangle 11"/>
           <p:cNvSpPr/>
           <p:nvPr/>
         </p:nvSpPr>
@@ -3965,7 +3741,7 @@
     </p:spTree>
     <p:extLst>
       <p:ext uri="{BB962C8B-B14F-4D97-AF65-F5344CB8AC3E}">
-        <p14:creationId xmlns:p14="http://schemas.microsoft.com/office/powerpoint/2010/main" val="410750837"/>
+        <p14:creationId xmlns:p14="http://schemas.microsoft.com/office/powerpoint/2010/main" val="1826671997"/>
       </p:ext>
     </p:extLst>
   </p:cSld>
@@ -4085,7 +3861,7 @@
           <a:bodyPr rtlCol="0" anchor="t"/>
           <a:lstStyle/>
           <a:p>
-            <a:endParaRPr lang="en-US" sz="2200" dirty="0" smtClean="0">
+            <a:endParaRPr lang="en-US" sz="2200" dirty="0">
               <a:solidFill>
                 <a:srgbClr val="F8F8F8"/>
               </a:solidFill>
@@ -4133,73 +3909,38 @@
           <a:bodyPr rtlCol="0" anchor="t"/>
           <a:lstStyle/>
           <a:p>
-            <a:pPr marL="111125"/>
-            <a:endParaRPr lang="en-US" sz="2200" dirty="0" smtClean="0">
-              <a:solidFill>
-                <a:srgbClr val="F8F8F8"/>
-              </a:solidFill>
-            </a:endParaRPr>
-          </a:p>
-          <a:p>
-            <a:pPr marL="111125"/>
             <a:r>
               <a:rPr lang="en-US" sz="2200" dirty="0" smtClean="0">
                 <a:solidFill>
                   <a:srgbClr val="F8F8F8"/>
                 </a:solidFill>
               </a:rPr>
-              <a:t>User interface</a:t>
-            </a:r>
-          </a:p>
-          <a:p>
-            <a:pPr marL="111125"/>
+              <a:t>  </a:t>
+            </a:r>
+          </a:p>
+          <a:p>
+            <a:r>
+              <a:rPr lang="en-US" sz="2200" dirty="0">
+                <a:solidFill>
+                  <a:srgbClr val="F8F8F8"/>
+                </a:solidFill>
+              </a:rPr>
+              <a:t> </a:t>
+            </a:r>
+            <a:r>
+              <a:rPr lang="en-US" sz="2200" dirty="0" smtClean="0">
+                <a:solidFill>
+                  <a:srgbClr val="F8F8F8"/>
+                </a:solidFill>
+              </a:rPr>
+              <a:t> User interface</a:t>
+            </a:r>
             <a:endParaRPr lang="en-US" sz="2200" dirty="0">
               <a:solidFill>
                 <a:srgbClr val="F8F8F8"/>
               </a:solidFill>
             </a:endParaRPr>
           </a:p>
-          <a:p>
-            <a:pPr marL="111125"/>
-            <a:endParaRPr lang="en-US" sz="2200" dirty="0" smtClean="0">
-              <a:solidFill>
-                <a:srgbClr val="F8F8F8"/>
-              </a:solidFill>
-            </a:endParaRPr>
-          </a:p>
-          <a:p>
-            <a:pPr marL="454025" indent="-342900">
-              <a:buFont typeface="Arial"/>
-              <a:buChar char="•"/>
-            </a:pPr>
-            <a:r>
-              <a:rPr lang="en-US" sz="2200" dirty="0" smtClean="0">
-                <a:solidFill>
-                  <a:srgbClr val="F8F8F8"/>
-                </a:solidFill>
-              </a:rPr>
-              <a:t>get input</a:t>
-            </a:r>
-          </a:p>
-          <a:p>
-            <a:pPr marL="454025" indent="-342900">
-              <a:buFont typeface="Arial"/>
-              <a:buChar char="•"/>
-            </a:pPr>
-            <a:r>
-              <a:rPr lang="en-US" sz="2200" dirty="0" smtClean="0">
-                <a:solidFill>
-                  <a:srgbClr val="F8F8F8"/>
-                </a:solidFill>
-              </a:rPr>
-              <a:t>display data from model</a:t>
-            </a:r>
-            <a:endParaRPr lang="en-US" sz="2200" dirty="0">
-              <a:solidFill>
-                <a:srgbClr val="F8F8F8"/>
-              </a:solidFill>
-            </a:endParaRPr>
-          </a:p>
         </p:txBody>
       </p:sp>
       <p:sp>
@@ -4297,7 +4038,7 @@
       </p:sp>
       <p:sp>
         <p:nvSpPr>
-          <p:cNvPr id="12" name="Rectangle 11"/>
+          <p:cNvPr id="14" name="Rectangle 13"/>
           <p:cNvSpPr/>
           <p:nvPr/>
         </p:nvSpPr>
@@ -4426,7 +4167,7 @@
     </p:spTree>
     <p:extLst>
       <p:ext uri="{BB962C8B-B14F-4D97-AF65-F5344CB8AC3E}">
-        <p14:creationId xmlns:p14="http://schemas.microsoft.com/office/powerpoint/2010/main" val="507295854"/>
+        <p14:creationId xmlns:p14="http://schemas.microsoft.com/office/powerpoint/2010/main" val="410750837"/>
       </p:ext>
     </p:extLst>
   </p:cSld>
@@ -4546,23 +4287,11 @@
           <a:bodyPr rtlCol="0" anchor="t"/>
           <a:lstStyle/>
           <a:p>
-            <a:pPr marL="111125"/>
             <a:endParaRPr lang="en-US" sz="2200" dirty="0" smtClean="0">
               <a:solidFill>
                 <a:srgbClr val="F8F8F8"/>
               </a:solidFill>
             </a:endParaRPr>
-          </a:p>
-          <a:p>
-            <a:pPr marL="111125"/>
-            <a:r>
-              <a:rPr lang="en-US" sz="2200" dirty="0" smtClean="0">
-                <a:solidFill>
-                  <a:srgbClr val="F8F8F8"/>
-                </a:solidFill>
-              </a:rPr>
-              <a:t>Communicate</a:t>
-            </a:r>
           </a:p>
         </p:txBody>
       </p:sp>
@@ -4899,7 +4628,7 @@
     </p:spTree>
     <p:extLst>
       <p:ext uri="{BB962C8B-B14F-4D97-AF65-F5344CB8AC3E}">
-        <p14:creationId xmlns:p14="http://schemas.microsoft.com/office/powerpoint/2010/main" val="1876545635"/>
+        <p14:creationId xmlns:p14="http://schemas.microsoft.com/office/powerpoint/2010/main" val="507295854"/>
       </p:ext>
     </p:extLst>
   </p:cSld>
@@ -5037,64 +4766,6 @@
               <a:t>Communicate</a:t>
             </a:r>
           </a:p>
-          <a:p>
-            <a:pPr marL="111125"/>
-            <a:endParaRPr lang="en-US" sz="2200" dirty="0" smtClean="0">
-              <a:solidFill>
-                <a:srgbClr val="F8F8F8"/>
-              </a:solidFill>
-            </a:endParaRPr>
-          </a:p>
-          <a:p>
-            <a:pPr marL="111125"/>
-            <a:endParaRPr lang="en-US" sz="2200" dirty="0">
-              <a:solidFill>
-                <a:srgbClr val="F8F8F8"/>
-              </a:solidFill>
-            </a:endParaRPr>
-          </a:p>
-          <a:p>
-            <a:pPr marL="295275" indent="-184150" defTabSz="349250">
-              <a:buFont typeface="Arial"/>
-              <a:buChar char="•"/>
-            </a:pPr>
-            <a:r>
-              <a:rPr lang="en-US" sz="2200" dirty="0" smtClean="0">
-                <a:solidFill>
-                  <a:srgbClr val="F8F8F8"/>
-                </a:solidFill>
-              </a:rPr>
-              <a:t>handle input</a:t>
-            </a:r>
-          </a:p>
-          <a:p>
-            <a:pPr marL="295275" indent="-184150">
-              <a:buFont typeface="Arial"/>
-              <a:buChar char="•"/>
-            </a:pPr>
-            <a:r>
-              <a:rPr lang="en-US" sz="2200" dirty="0" smtClean="0">
-                <a:solidFill>
-                  <a:srgbClr val="F8F8F8"/>
-                </a:solidFill>
-              </a:rPr>
-              <a:t>update model</a:t>
-            </a:r>
-          </a:p>
-          <a:p>
-            <a:pPr marL="295275" indent="-184150">
-              <a:buFont typeface="Arial"/>
-              <a:buChar char="•"/>
-            </a:pPr>
-            <a:r>
-              <a:rPr lang="en-US" sz="2200" dirty="0" smtClean="0">
-                <a:solidFill>
-                  <a:srgbClr val="F8F8F8"/>
-                </a:solidFill>
-              </a:rPr>
-              <a:t>send data to view</a:t>
-            </a:r>
-          </a:p>
         </p:txBody>
       </p:sp>
       <p:sp>
@@ -5430,7 +5101,7 @@
     </p:spTree>
     <p:extLst>
       <p:ext uri="{BB962C8B-B14F-4D97-AF65-F5344CB8AC3E}">
-        <p14:creationId xmlns:p14="http://schemas.microsoft.com/office/powerpoint/2010/main" val="1909170375"/>
+        <p14:creationId xmlns:p14="http://schemas.microsoft.com/office/powerpoint/2010/main" val="1876545635"/>
       </p:ext>
     </p:extLst>
   </p:cSld>
@@ -5481,30 +5152,7 @@
           <a:p>
             <a:r>
               <a:rPr lang="en-US" dirty="0" smtClean="0"/>
-              <a:t>M-V-C TODO's</a:t>
-            </a:r>
-            <a:endParaRPr lang="en-US" dirty="0"/>
-          </a:p>
-        </p:txBody>
-      </p:sp>
-      <p:sp>
-        <p:nvSpPr>
-          <p:cNvPr id="4" name="Content Placeholder 3"/>
-          <p:cNvSpPr>
-            <a:spLocks noGrp="1"/>
-          </p:cNvSpPr>
-          <p:nvPr>
-            <p:ph idx="1"/>
-          </p:nvPr>
-        </p:nvSpPr>
-        <p:spPr/>
-        <p:txBody>
-          <a:bodyPr/>
-          <a:lstStyle/>
-          <a:p>
-            <a:r>
-              <a:rPr lang="en-US" dirty="0" smtClean="0"/>
-              <a:t>How would TODO's look following the M-V-C pattern?</a:t>
+              <a:t>M-V-C Design Pattern</a:t>
             </a:r>
             <a:endParaRPr lang="en-US" dirty="0"/>
           </a:p>
@@ -5533,10 +5181,458 @@
           </a:p>
         </p:txBody>
       </p:sp>
+      <p:sp>
+        <p:nvSpPr>
+          <p:cNvPr id="5" name="Rectangle 4"/>
+          <p:cNvSpPr/>
+          <p:nvPr/>
+        </p:nvSpPr>
+        <p:spPr>
+          <a:xfrm>
+            <a:off x="3493911" y="2668662"/>
+            <a:ext cx="2150017" cy="3058909"/>
+          </a:xfrm>
+          <a:prstGeom prst="rect">
+            <a:avLst/>
+          </a:prstGeom>
+          <a:solidFill>
+            <a:srgbClr val="EA4A3C"/>
+          </a:solidFill>
+          <a:ln>
+            <a:noFill/>
+          </a:ln>
+          <a:effectLst/>
+        </p:spPr>
+        <p:style>
+          <a:lnRef idx="1">
+            <a:schemeClr val="accent1"/>
+          </a:lnRef>
+          <a:fillRef idx="3">
+            <a:schemeClr val="accent1"/>
+          </a:fillRef>
+          <a:effectRef idx="2">
+            <a:schemeClr val="accent1"/>
+          </a:effectRef>
+          <a:fontRef idx="minor">
+            <a:schemeClr val="lt1"/>
+          </a:fontRef>
+        </p:style>
+        <p:txBody>
+          <a:bodyPr rtlCol="0" anchor="t"/>
+          <a:lstStyle/>
+          <a:p>
+            <a:pPr marL="111125"/>
+            <a:endParaRPr lang="en-US" sz="2200" dirty="0" smtClean="0">
+              <a:solidFill>
+                <a:srgbClr val="F8F8F8"/>
+              </a:solidFill>
+            </a:endParaRPr>
+          </a:p>
+          <a:p>
+            <a:pPr marL="111125"/>
+            <a:r>
+              <a:rPr lang="en-US" sz="2200" dirty="0" smtClean="0">
+                <a:solidFill>
+                  <a:srgbClr val="F8F8F8"/>
+                </a:solidFill>
+              </a:rPr>
+              <a:t>Communicate</a:t>
+            </a:r>
+          </a:p>
+          <a:p>
+            <a:pPr marL="111125"/>
+            <a:endParaRPr lang="en-US" sz="2200" dirty="0" smtClean="0">
+              <a:solidFill>
+                <a:srgbClr val="F8F8F8"/>
+              </a:solidFill>
+            </a:endParaRPr>
+          </a:p>
+          <a:p>
+            <a:pPr marL="111125"/>
+            <a:endParaRPr lang="en-US" sz="2200" dirty="0">
+              <a:solidFill>
+                <a:srgbClr val="F8F8F8"/>
+              </a:solidFill>
+            </a:endParaRPr>
+          </a:p>
+          <a:p>
+            <a:pPr marL="295275" indent="-184150" defTabSz="349250">
+              <a:buFont typeface="Arial"/>
+              <a:buChar char="•"/>
+            </a:pPr>
+            <a:r>
+              <a:rPr lang="en-US" sz="2200" dirty="0" smtClean="0">
+                <a:solidFill>
+                  <a:srgbClr val="F8F8F8"/>
+                </a:solidFill>
+              </a:rPr>
+              <a:t>handle input</a:t>
+            </a:r>
+          </a:p>
+          <a:p>
+            <a:pPr marL="295275" indent="-184150">
+              <a:buFont typeface="Arial"/>
+              <a:buChar char="•"/>
+            </a:pPr>
+            <a:r>
+              <a:rPr lang="en-US" sz="2200" dirty="0" smtClean="0">
+                <a:solidFill>
+                  <a:srgbClr val="F8F8F8"/>
+                </a:solidFill>
+              </a:rPr>
+              <a:t>update model</a:t>
+            </a:r>
+          </a:p>
+          <a:p>
+            <a:pPr marL="295275" indent="-184150">
+              <a:buFont typeface="Arial"/>
+              <a:buChar char="•"/>
+            </a:pPr>
+            <a:r>
+              <a:rPr lang="en-US" sz="2200" dirty="0" smtClean="0">
+                <a:solidFill>
+                  <a:srgbClr val="F8F8F8"/>
+                </a:solidFill>
+              </a:rPr>
+              <a:t>send data to view</a:t>
+            </a:r>
+          </a:p>
+        </p:txBody>
+      </p:sp>
+      <p:sp>
+        <p:nvSpPr>
+          <p:cNvPr id="6" name="Rectangle 5"/>
+          <p:cNvSpPr/>
+          <p:nvPr/>
+        </p:nvSpPr>
+        <p:spPr>
+          <a:xfrm>
+            <a:off x="6536783" y="2723877"/>
+            <a:ext cx="2150017" cy="3058909"/>
+          </a:xfrm>
+          <a:prstGeom prst="rect">
+            <a:avLst/>
+          </a:prstGeom>
+          <a:solidFill>
+            <a:schemeClr val="accent6"/>
+          </a:solidFill>
+          <a:ln>
+            <a:noFill/>
+          </a:ln>
+          <a:effectLst/>
+        </p:spPr>
+        <p:style>
+          <a:lnRef idx="1">
+            <a:schemeClr val="accent1"/>
+          </a:lnRef>
+          <a:fillRef idx="3">
+            <a:schemeClr val="accent1"/>
+          </a:fillRef>
+          <a:effectRef idx="2">
+            <a:schemeClr val="accent1"/>
+          </a:effectRef>
+          <a:fontRef idx="minor">
+            <a:schemeClr val="lt1"/>
+          </a:fontRef>
+        </p:style>
+        <p:txBody>
+          <a:bodyPr rtlCol="0" anchor="t"/>
+          <a:lstStyle/>
+          <a:p>
+            <a:pPr marL="111125"/>
+            <a:endParaRPr lang="en-US" sz="2200" dirty="0" smtClean="0">
+              <a:solidFill>
+                <a:srgbClr val="F8F8F8"/>
+              </a:solidFill>
+            </a:endParaRPr>
+          </a:p>
+          <a:p>
+            <a:pPr marL="111125"/>
+            <a:r>
+              <a:rPr lang="en-US" sz="2200" dirty="0" smtClean="0">
+                <a:solidFill>
+                  <a:srgbClr val="F8F8F8"/>
+                </a:solidFill>
+              </a:rPr>
+              <a:t>User interface</a:t>
+            </a:r>
+          </a:p>
+          <a:p>
+            <a:pPr marL="111125"/>
+            <a:endParaRPr lang="en-US" sz="2200" dirty="0">
+              <a:solidFill>
+                <a:srgbClr val="F8F8F8"/>
+              </a:solidFill>
+            </a:endParaRPr>
+          </a:p>
+          <a:p>
+            <a:pPr marL="111125"/>
+            <a:endParaRPr lang="en-US" sz="2200" dirty="0" smtClean="0">
+              <a:solidFill>
+                <a:srgbClr val="F8F8F8"/>
+              </a:solidFill>
+            </a:endParaRPr>
+          </a:p>
+          <a:p>
+            <a:pPr marL="454025" indent="-342900">
+              <a:buFont typeface="Arial"/>
+              <a:buChar char="•"/>
+            </a:pPr>
+            <a:r>
+              <a:rPr lang="en-US" sz="2200" dirty="0" smtClean="0">
+                <a:solidFill>
+                  <a:srgbClr val="F8F8F8"/>
+                </a:solidFill>
+              </a:rPr>
+              <a:t>get input</a:t>
+            </a:r>
+          </a:p>
+          <a:p>
+            <a:pPr marL="454025" indent="-342900">
+              <a:buFont typeface="Arial"/>
+              <a:buChar char="•"/>
+            </a:pPr>
+            <a:r>
+              <a:rPr lang="en-US" sz="2200" dirty="0" smtClean="0">
+                <a:solidFill>
+                  <a:srgbClr val="F8F8F8"/>
+                </a:solidFill>
+              </a:rPr>
+              <a:t>display data from model</a:t>
+            </a:r>
+            <a:endParaRPr lang="en-US" sz="2200" dirty="0">
+              <a:solidFill>
+                <a:srgbClr val="F8F8F8"/>
+              </a:solidFill>
+            </a:endParaRPr>
+          </a:p>
+        </p:txBody>
+      </p:sp>
+      <p:sp>
+        <p:nvSpPr>
+          <p:cNvPr id="8" name="TextBox 7"/>
+          <p:cNvSpPr txBox="1"/>
+          <p:nvPr/>
+        </p:nvSpPr>
+        <p:spPr>
+          <a:xfrm>
+            <a:off x="457200" y="1865376"/>
+            <a:ext cx="2204881" cy="584776"/>
+          </a:xfrm>
+          <a:prstGeom prst="rect">
+            <a:avLst/>
+          </a:prstGeom>
+          <a:noFill/>
+        </p:spPr>
+        <p:txBody>
+          <a:bodyPr wrap="square" rtlCol="0">
+            <a:spAutoFit/>
+          </a:bodyPr>
+          <a:lstStyle/>
+          <a:p>
+            <a:pPr algn="ctr"/>
+            <a:r>
+              <a:rPr lang="en-US" sz="3200" dirty="0" smtClean="0"/>
+              <a:t>Model</a:t>
+            </a:r>
+            <a:endParaRPr lang="en-US" sz="3200" dirty="0"/>
+          </a:p>
+        </p:txBody>
+      </p:sp>
+      <p:sp>
+        <p:nvSpPr>
+          <p:cNvPr id="10" name="TextBox 9"/>
+          <p:cNvSpPr txBox="1"/>
+          <p:nvPr/>
+        </p:nvSpPr>
+        <p:spPr>
+          <a:xfrm>
+            <a:off x="3493911" y="1865376"/>
+            <a:ext cx="2204881" cy="584776"/>
+          </a:xfrm>
+          <a:prstGeom prst="rect">
+            <a:avLst/>
+          </a:prstGeom>
+          <a:noFill/>
+        </p:spPr>
+        <p:txBody>
+          <a:bodyPr wrap="square" rtlCol="0">
+            <a:spAutoFit/>
+          </a:bodyPr>
+          <a:lstStyle/>
+          <a:p>
+            <a:pPr algn="ctr"/>
+            <a:r>
+              <a:rPr lang="en-US" sz="3200" dirty="0" smtClean="0"/>
+              <a:t>Controller</a:t>
+            </a:r>
+            <a:endParaRPr lang="en-US" sz="3200" dirty="0"/>
+          </a:p>
+        </p:txBody>
+      </p:sp>
+      <p:sp>
+        <p:nvSpPr>
+          <p:cNvPr id="11" name="TextBox 10"/>
+          <p:cNvSpPr txBox="1"/>
+          <p:nvPr/>
+        </p:nvSpPr>
+        <p:spPr>
+          <a:xfrm>
+            <a:off x="6536783" y="1865376"/>
+            <a:ext cx="2204881" cy="584776"/>
+          </a:xfrm>
+          <a:prstGeom prst="rect">
+            <a:avLst/>
+          </a:prstGeom>
+          <a:noFill/>
+        </p:spPr>
+        <p:txBody>
+          <a:bodyPr wrap="square" rtlCol="0">
+            <a:spAutoFit/>
+          </a:bodyPr>
+          <a:lstStyle/>
+          <a:p>
+            <a:pPr algn="ctr"/>
+            <a:r>
+              <a:rPr lang="en-US" sz="3200" dirty="0" smtClean="0"/>
+              <a:t>View</a:t>
+            </a:r>
+            <a:endParaRPr lang="en-US" sz="3200" dirty="0"/>
+          </a:p>
+        </p:txBody>
+      </p:sp>
+      <p:sp>
+        <p:nvSpPr>
+          <p:cNvPr id="12" name="Rectangle 11"/>
+          <p:cNvSpPr/>
+          <p:nvPr/>
+        </p:nvSpPr>
+        <p:spPr>
+          <a:xfrm>
+            <a:off x="512064" y="2723877"/>
+            <a:ext cx="2150017" cy="3058909"/>
+          </a:xfrm>
+          <a:prstGeom prst="rect">
+            <a:avLst/>
+          </a:prstGeom>
+          <a:solidFill>
+            <a:srgbClr val="00A9B9"/>
+          </a:solidFill>
+          <a:ln>
+            <a:noFill/>
+          </a:ln>
+          <a:effectLst/>
+        </p:spPr>
+        <p:style>
+          <a:lnRef idx="1">
+            <a:schemeClr val="accent1"/>
+          </a:lnRef>
+          <a:fillRef idx="3">
+            <a:schemeClr val="accent1"/>
+          </a:fillRef>
+          <a:effectRef idx="2">
+            <a:schemeClr val="accent1"/>
+          </a:effectRef>
+          <a:fontRef idx="minor">
+            <a:schemeClr val="lt1"/>
+          </a:fontRef>
+        </p:style>
+        <p:txBody>
+          <a:bodyPr rtlCol="0" anchor="t"/>
+          <a:lstStyle/>
+          <a:p>
+            <a:r>
+              <a:rPr lang="en-US" sz="2200" dirty="0" smtClean="0">
+                <a:solidFill>
+                  <a:schemeClr val="accent1"/>
+                </a:solidFill>
+              </a:rPr>
+              <a:t> </a:t>
+            </a:r>
+            <a:endParaRPr lang="en-US" sz="2200" dirty="0">
+              <a:solidFill>
+                <a:schemeClr val="accent1"/>
+              </a:solidFill>
+            </a:endParaRPr>
+          </a:p>
+          <a:p>
+            <a:pPr marL="111125"/>
+            <a:r>
+              <a:rPr lang="en-US" sz="2200" dirty="0" smtClean="0">
+                <a:solidFill>
+                  <a:schemeClr val="accent1"/>
+                </a:solidFill>
+              </a:rPr>
+              <a:t>Data &amp;</a:t>
+            </a:r>
+          </a:p>
+          <a:p>
+            <a:pPr marL="111125"/>
+            <a:r>
+              <a:rPr lang="en-US" sz="2200" dirty="0" smtClean="0">
+                <a:solidFill>
+                  <a:schemeClr val="accent1"/>
+                </a:solidFill>
+              </a:rPr>
+              <a:t>Business logic</a:t>
+            </a:r>
+          </a:p>
+          <a:p>
+            <a:pPr marL="111125"/>
+            <a:endParaRPr lang="en-US" sz="2200" dirty="0">
+              <a:solidFill>
+                <a:schemeClr val="accent1"/>
+              </a:solidFill>
+            </a:endParaRPr>
+          </a:p>
+          <a:p>
+            <a:pPr marL="342900" indent="-231775" defTabSz="349250">
+              <a:buFont typeface="Arial"/>
+              <a:buChar char="•"/>
+            </a:pPr>
+            <a:r>
+              <a:rPr lang="en-US" sz="2200" dirty="0" smtClean="0">
+                <a:solidFill>
+                  <a:schemeClr val="accent1"/>
+                </a:solidFill>
+              </a:rPr>
+              <a:t>classes</a:t>
+            </a:r>
+          </a:p>
+          <a:p>
+            <a:pPr marL="342900" indent="-231775" defTabSz="349250">
+              <a:buFont typeface="Arial"/>
+              <a:buChar char="•"/>
+            </a:pPr>
+            <a:r>
+              <a:rPr lang="en-US" sz="2200" dirty="0" smtClean="0">
+                <a:solidFill>
+                  <a:schemeClr val="accent1"/>
+                </a:solidFill>
+              </a:rPr>
+              <a:t>modules</a:t>
+            </a:r>
+          </a:p>
+          <a:p>
+            <a:pPr marL="342900" indent="-231775" defTabSz="349250">
+              <a:buFont typeface="Arial"/>
+              <a:buChar char="•"/>
+            </a:pPr>
+            <a:r>
+              <a:rPr lang="en-US" sz="2200" dirty="0" smtClean="0">
+                <a:solidFill>
+                  <a:schemeClr val="accent1"/>
+                </a:solidFill>
+              </a:rPr>
+              <a:t>databases</a:t>
+            </a:r>
+          </a:p>
+        </p:txBody>
+      </p:sp>
     </p:spTree>
     <p:extLst>
       <p:ext uri="{BB962C8B-B14F-4D97-AF65-F5344CB8AC3E}">
-        <p14:creationId xmlns:p14="http://schemas.microsoft.com/office/powerpoint/2010/main" val="1729405643"/>
+        <p14:creationId xmlns:p14="http://schemas.microsoft.com/office/powerpoint/2010/main" val="1909170375"/>
       </p:ext>
     </p:extLst>
   </p:cSld>
@@ -5589,11 +5685,7 @@
           <a:p>
             <a:r>
               <a:rPr lang="en-US" sz="3400" dirty="0" smtClean="0"/>
-              <a:t>MVC gives your code a solid architecture</a:t>
-            </a:r>
-            <a:r>
-              <a:rPr lang="en-US" sz="3400" dirty="0" smtClean="0"/>
-              <a:t>.</a:t>
+              <a:t>MVC gives your code a solid architecture.</a:t>
             </a:r>
           </a:p>
           <a:p>
@@ -5605,12 +5697,20 @@
               <a:t>MVC code pattern makes it super easy for you to follow other </a:t>
             </a:r>
             <a:r>
+              <a:rPr lang="en-US" sz="3400" dirty="0" err="1"/>
+              <a:t>D</a:t>
+            </a:r>
+            <a:r>
               <a:rPr lang="en-US" sz="3400" dirty="0" err="1" smtClean="0"/>
-              <a:t>dev’s</a:t>
+              <a:t>ev’s</a:t>
             </a:r>
             <a:r>
               <a:rPr lang="en-US" sz="3400" dirty="0" smtClean="0"/>
-              <a:t> code.</a:t>
+              <a:t> </a:t>
+            </a:r>
+            <a:r>
+              <a:rPr lang="en-US" sz="3400" dirty="0" smtClean="0"/>
+              <a:t>code.</a:t>
             </a:r>
           </a:p>
           <a:p>
@@ -5697,12 +5797,31 @@
           <a:lstStyle/>
           <a:p>
             <a:r>
-              <a:rPr lang="en-US" dirty="0"/>
-              <a:t>M-V-C </a:t>
-            </a:r>
-            <a:r>
               <a:rPr lang="en-US" dirty="0" smtClean="0"/>
-              <a:t>TODO's</a:t>
+              <a:t>M-V-C TODO's</a:t>
+            </a:r>
+            <a:endParaRPr lang="en-US" dirty="0"/>
+          </a:p>
+        </p:txBody>
+      </p:sp>
+      <p:sp>
+        <p:nvSpPr>
+          <p:cNvPr id="4" name="Content Placeholder 3"/>
+          <p:cNvSpPr>
+            <a:spLocks noGrp="1"/>
+          </p:cNvSpPr>
+          <p:nvPr>
+            <p:ph idx="1"/>
+          </p:nvPr>
+        </p:nvSpPr>
+        <p:spPr/>
+        <p:txBody>
+          <a:bodyPr/>
+          <a:lstStyle/>
+          <a:p>
+            <a:r>
+              <a:rPr lang="en-US" dirty="0" smtClean="0"/>
+              <a:t>How would TODO's look following the M-V-C pattern?</a:t>
             </a:r>
             <a:endParaRPr lang="en-US" dirty="0"/>
           </a:p>
@@ -5731,341 +5850,10 @@
           </a:p>
         </p:txBody>
       </p:sp>
-      <p:sp>
-        <p:nvSpPr>
-          <p:cNvPr id="4" name="Rectangle 3"/>
-          <p:cNvSpPr/>
-          <p:nvPr/>
-        </p:nvSpPr>
-        <p:spPr>
-          <a:xfrm>
-            <a:off x="512064" y="2723877"/>
-            <a:ext cx="2150017" cy="3058909"/>
-          </a:xfrm>
-          <a:prstGeom prst="rect">
-            <a:avLst/>
-          </a:prstGeom>
-          <a:solidFill>
-            <a:srgbClr val="00A9B9"/>
-          </a:solidFill>
-          <a:ln>
-            <a:noFill/>
-          </a:ln>
-          <a:effectLst/>
-        </p:spPr>
-        <p:style>
-          <a:lnRef idx="1">
-            <a:schemeClr val="accent1"/>
-          </a:lnRef>
-          <a:fillRef idx="3">
-            <a:schemeClr val="accent1"/>
-          </a:fillRef>
-          <a:effectRef idx="2">
-            <a:schemeClr val="accent1"/>
-          </a:effectRef>
-          <a:fontRef idx="minor">
-            <a:schemeClr val="lt1"/>
-          </a:fontRef>
-        </p:style>
-        <p:txBody>
-          <a:bodyPr rtlCol="0" anchor="t"/>
-          <a:lstStyle/>
-          <a:p>
-            <a:r>
-              <a:rPr lang="en-US" sz="2200" dirty="0" smtClean="0">
-                <a:solidFill>
-                  <a:schemeClr val="accent1"/>
-                </a:solidFill>
-              </a:rPr>
-              <a:t> </a:t>
-            </a:r>
-            <a:endParaRPr lang="en-US" sz="2200" dirty="0">
-              <a:solidFill>
-                <a:schemeClr val="accent1"/>
-              </a:solidFill>
-            </a:endParaRPr>
-          </a:p>
-          <a:p>
-            <a:pPr marL="111125"/>
-            <a:r>
-              <a:rPr lang="en-US" sz="2200" dirty="0" smtClean="0">
-                <a:solidFill>
-                  <a:schemeClr val="accent1"/>
-                </a:solidFill>
-              </a:rPr>
-              <a:t>Data &amp;</a:t>
-            </a:r>
-          </a:p>
-          <a:p>
-            <a:pPr marL="111125"/>
-            <a:r>
-              <a:rPr lang="en-US" sz="2200" dirty="0" smtClean="0">
-                <a:solidFill>
-                  <a:schemeClr val="accent1"/>
-                </a:solidFill>
-              </a:rPr>
-              <a:t>Business logic</a:t>
-            </a:r>
-          </a:p>
-          <a:p>
-            <a:pPr marL="111125"/>
-            <a:endParaRPr lang="en-US" sz="2200" dirty="0">
-              <a:solidFill>
-                <a:schemeClr val="accent1"/>
-              </a:solidFill>
-            </a:endParaRPr>
-          </a:p>
-        </p:txBody>
-      </p:sp>
-      <p:sp>
-        <p:nvSpPr>
-          <p:cNvPr id="5" name="Rectangle 4"/>
-          <p:cNvSpPr/>
-          <p:nvPr/>
-        </p:nvSpPr>
-        <p:spPr>
-          <a:xfrm>
-            <a:off x="3493911" y="2668662"/>
-            <a:ext cx="2150017" cy="3058909"/>
-          </a:xfrm>
-          <a:prstGeom prst="rect">
-            <a:avLst/>
-          </a:prstGeom>
-          <a:solidFill>
-            <a:srgbClr val="EA4A3C"/>
-          </a:solidFill>
-          <a:ln>
-            <a:noFill/>
-          </a:ln>
-          <a:effectLst/>
-        </p:spPr>
-        <p:style>
-          <a:lnRef idx="1">
-            <a:schemeClr val="accent1"/>
-          </a:lnRef>
-          <a:fillRef idx="3">
-            <a:schemeClr val="accent1"/>
-          </a:fillRef>
-          <a:effectRef idx="2">
-            <a:schemeClr val="accent1"/>
-          </a:effectRef>
-          <a:fontRef idx="minor">
-            <a:schemeClr val="lt1"/>
-          </a:fontRef>
-        </p:style>
-        <p:txBody>
-          <a:bodyPr rtlCol="0" anchor="t"/>
-          <a:lstStyle/>
-          <a:p>
-            <a:pPr marL="111125"/>
-            <a:endParaRPr lang="en-US" sz="2200" dirty="0" smtClean="0">
-              <a:solidFill>
-                <a:srgbClr val="F8F8F8"/>
-              </a:solidFill>
-            </a:endParaRPr>
-          </a:p>
-          <a:p>
-            <a:pPr marL="111125"/>
-            <a:r>
-              <a:rPr lang="en-US" sz="2200" dirty="0" smtClean="0">
-                <a:solidFill>
-                  <a:srgbClr val="F8F8F8"/>
-                </a:solidFill>
-              </a:rPr>
-              <a:t>Communicate</a:t>
-            </a:r>
-          </a:p>
-          <a:p>
-            <a:pPr marL="111125"/>
-            <a:endParaRPr lang="en-US" sz="2200" dirty="0" smtClean="0">
-              <a:solidFill>
-                <a:srgbClr val="F8F8F8"/>
-              </a:solidFill>
-            </a:endParaRPr>
-          </a:p>
-          <a:p>
-            <a:pPr marL="111125"/>
-            <a:endParaRPr lang="en-US" sz="2200" dirty="0">
-              <a:solidFill>
-                <a:srgbClr val="F8F8F8"/>
-              </a:solidFill>
-            </a:endParaRPr>
-          </a:p>
-        </p:txBody>
-      </p:sp>
-      <p:sp>
-        <p:nvSpPr>
-          <p:cNvPr id="6" name="Rectangle 5"/>
-          <p:cNvSpPr/>
-          <p:nvPr/>
-        </p:nvSpPr>
-        <p:spPr>
-          <a:xfrm>
-            <a:off x="6536783" y="2723877"/>
-            <a:ext cx="2150017" cy="3058909"/>
-          </a:xfrm>
-          <a:prstGeom prst="rect">
-            <a:avLst/>
-          </a:prstGeom>
-          <a:solidFill>
-            <a:schemeClr val="accent6"/>
-          </a:solidFill>
-          <a:ln>
-            <a:noFill/>
-          </a:ln>
-          <a:effectLst/>
-        </p:spPr>
-        <p:style>
-          <a:lnRef idx="1">
-            <a:schemeClr val="accent1"/>
-          </a:lnRef>
-          <a:fillRef idx="3">
-            <a:schemeClr val="accent1"/>
-          </a:fillRef>
-          <a:effectRef idx="2">
-            <a:schemeClr val="accent1"/>
-          </a:effectRef>
-          <a:fontRef idx="minor">
-            <a:schemeClr val="lt1"/>
-          </a:fontRef>
-        </p:style>
-        <p:txBody>
-          <a:bodyPr rtlCol="0" anchor="t"/>
-          <a:lstStyle/>
-          <a:p>
-            <a:pPr marL="111125"/>
-            <a:endParaRPr lang="en-US" sz="2200" dirty="0" smtClean="0">
-              <a:solidFill>
-                <a:srgbClr val="F8F8F8"/>
-              </a:solidFill>
-            </a:endParaRPr>
-          </a:p>
-          <a:p>
-            <a:pPr marL="111125"/>
-            <a:r>
-              <a:rPr lang="en-US" sz="2200" dirty="0" smtClean="0">
-                <a:solidFill>
-                  <a:srgbClr val="F8F8F8"/>
-                </a:solidFill>
-              </a:rPr>
-              <a:t>User interface</a:t>
-            </a:r>
-          </a:p>
-          <a:p>
-            <a:pPr marL="111125"/>
-            <a:endParaRPr lang="en-US" sz="2200" dirty="0">
-              <a:solidFill>
-                <a:srgbClr val="F8F8F8"/>
-              </a:solidFill>
-            </a:endParaRPr>
-          </a:p>
-          <a:p>
-            <a:pPr marL="111125"/>
-            <a:endParaRPr lang="en-US" sz="2200" dirty="0" smtClean="0">
-              <a:solidFill>
-                <a:srgbClr val="F8F8F8"/>
-              </a:solidFill>
-            </a:endParaRPr>
-          </a:p>
-        </p:txBody>
-      </p:sp>
-      <p:sp>
-        <p:nvSpPr>
-          <p:cNvPr id="8" name="TextBox 7"/>
-          <p:cNvSpPr txBox="1"/>
-          <p:nvPr/>
-        </p:nvSpPr>
-        <p:spPr>
-          <a:xfrm>
-            <a:off x="457200" y="1865376"/>
-            <a:ext cx="2204881" cy="584776"/>
-          </a:xfrm>
-          <a:prstGeom prst="rect">
-            <a:avLst/>
-          </a:prstGeom>
-          <a:noFill/>
-        </p:spPr>
-        <p:txBody>
-          <a:bodyPr wrap="square" rtlCol="0">
-            <a:spAutoFit/>
-          </a:bodyPr>
-          <a:lstStyle/>
-          <a:p>
-            <a:pPr algn="ctr"/>
-            <a:r>
-              <a:rPr lang="en-US" sz="3200" dirty="0" smtClean="0"/>
-              <a:t>Model</a:t>
-            </a:r>
-            <a:endParaRPr lang="en-US" sz="3200" dirty="0"/>
-          </a:p>
-        </p:txBody>
-      </p:sp>
-      <p:sp>
-        <p:nvSpPr>
-          <p:cNvPr id="10" name="TextBox 9"/>
-          <p:cNvSpPr txBox="1"/>
-          <p:nvPr/>
-        </p:nvSpPr>
-        <p:spPr>
-          <a:xfrm>
-            <a:off x="3493911" y="1865376"/>
-            <a:ext cx="2204881" cy="584776"/>
-          </a:xfrm>
-          <a:prstGeom prst="rect">
-            <a:avLst/>
-          </a:prstGeom>
-          <a:noFill/>
-        </p:spPr>
-        <p:txBody>
-          <a:bodyPr wrap="square" rtlCol="0">
-            <a:spAutoFit/>
-          </a:bodyPr>
-          <a:lstStyle/>
-          <a:p>
-            <a:pPr algn="ctr"/>
-            <a:r>
-              <a:rPr lang="en-US" sz="3200" dirty="0" smtClean="0"/>
-              <a:t>Controller</a:t>
-            </a:r>
-            <a:endParaRPr lang="en-US" sz="3200" dirty="0"/>
-          </a:p>
-        </p:txBody>
-      </p:sp>
-      <p:sp>
-        <p:nvSpPr>
-          <p:cNvPr id="11" name="TextBox 10"/>
-          <p:cNvSpPr txBox="1"/>
-          <p:nvPr/>
-        </p:nvSpPr>
-        <p:spPr>
-          <a:xfrm>
-            <a:off x="6536783" y="1865376"/>
-            <a:ext cx="2204881" cy="584776"/>
-          </a:xfrm>
-          <a:prstGeom prst="rect">
-            <a:avLst/>
-          </a:prstGeom>
-          <a:noFill/>
-        </p:spPr>
-        <p:txBody>
-          <a:bodyPr wrap="square" rtlCol="0">
-            <a:spAutoFit/>
-          </a:bodyPr>
-          <a:lstStyle/>
-          <a:p>
-            <a:pPr algn="ctr"/>
-            <a:r>
-              <a:rPr lang="en-US" sz="3200" dirty="0" smtClean="0"/>
-              <a:t>View</a:t>
-            </a:r>
-            <a:endParaRPr lang="en-US" sz="3200" dirty="0"/>
-          </a:p>
-        </p:txBody>
-      </p:sp>
     </p:spTree>
     <p:extLst>
       <p:ext uri="{BB962C8B-B14F-4D97-AF65-F5344CB8AC3E}">
-        <p14:creationId xmlns:p14="http://schemas.microsoft.com/office/powerpoint/2010/main" val="1504888521"/>
+        <p14:creationId xmlns:p14="http://schemas.microsoft.com/office/powerpoint/2010/main" val="1729405643"/>
       </p:ext>
     </p:extLst>
   </p:cSld>
@@ -6227,53 +6015,6 @@
           </a:p>
           <a:p>
             <a:pPr marL="111125"/>
-            <a:endParaRPr lang="en-US" sz="2200" dirty="0" smtClean="0">
-              <a:solidFill>
-                <a:schemeClr val="accent1"/>
-              </a:solidFill>
-            </a:endParaRPr>
-          </a:p>
-          <a:p>
-            <a:pPr marL="349250" indent="-238125">
-              <a:buFont typeface="Arial"/>
-              <a:buChar char="•"/>
-            </a:pPr>
-            <a:r>
-              <a:rPr lang="en-US" sz="2200" dirty="0" smtClean="0">
-                <a:solidFill>
-                  <a:schemeClr val="accent1"/>
-                </a:solidFill>
-              </a:rPr>
-              <a:t>List</a:t>
-            </a:r>
-          </a:p>
-          <a:p>
-            <a:pPr marL="349250" indent="-238125">
-              <a:buFont typeface="Arial"/>
-              <a:buChar char="•"/>
-            </a:pPr>
-            <a:r>
-              <a:rPr lang="en-US" sz="2200" dirty="0" smtClean="0">
-                <a:solidFill>
-                  <a:schemeClr val="accent1"/>
-                </a:solidFill>
-              </a:rPr>
-              <a:t>Task</a:t>
-            </a:r>
-          </a:p>
-          <a:p>
-            <a:pPr marL="349250" indent="-238125">
-              <a:buFont typeface="Arial"/>
-              <a:buChar char="•"/>
-            </a:pPr>
-            <a:r>
-              <a:rPr lang="en-US" sz="2200" dirty="0" err="1" smtClean="0">
-                <a:solidFill>
-                  <a:schemeClr val="accent1"/>
-                </a:solidFill>
-              </a:rPr>
-              <a:t>CSVParsing</a:t>
-            </a:r>
             <a:endParaRPr lang="en-US" sz="2200" dirty="0">
               <a:solidFill>
                 <a:schemeClr val="accent1"/>
@@ -6530,7 +6271,7 @@
     </p:spTree>
     <p:extLst>
       <p:ext uri="{BB962C8B-B14F-4D97-AF65-F5344CB8AC3E}">
-        <p14:creationId xmlns:p14="http://schemas.microsoft.com/office/powerpoint/2010/main" val="3671947589"/>
+        <p14:creationId xmlns:p14="http://schemas.microsoft.com/office/powerpoint/2010/main" val="1504888521"/>
       </p:ext>
     </p:extLst>
   </p:cSld>
@@ -6821,28 +6562,6 @@
               </a:solidFill>
             </a:endParaRPr>
           </a:p>
-          <a:p>
-            <a:pPr marL="349250" indent="-238125">
-              <a:buFont typeface="Arial"/>
-              <a:buChar char="•"/>
-            </a:pPr>
-            <a:r>
-              <a:rPr lang="en-US" sz="2200" dirty="0" smtClean="0">
-                <a:solidFill>
-                  <a:srgbClr val="F8F8F8"/>
-                </a:solidFill>
-              </a:rPr>
-              <a:t>TODO-Controller</a:t>
-            </a:r>
-          </a:p>
-          <a:p>
-            <a:pPr marL="111125"/>
-            <a:endParaRPr lang="en-US" sz="2200" dirty="0">
-              <a:solidFill>
-                <a:srgbClr val="F8F8F8"/>
-              </a:solidFill>
-            </a:endParaRPr>
-          </a:p>
         </p:txBody>
       </p:sp>
       <p:sp>
@@ -6903,6 +6622,22 @@
               <a:t>User interface</a:t>
             </a:r>
           </a:p>
+          <a:p>
+            <a:pPr marL="111125"/>
+            <a:endParaRPr lang="en-US" sz="2200" dirty="0">
+              <a:solidFill>
+                <a:srgbClr val="F8F8F8"/>
+              </a:solidFill>
+            </a:endParaRPr>
+          </a:p>
+          <a:p>
+            <a:pPr marL="111125"/>
+            <a:endParaRPr lang="en-US" sz="2200" dirty="0" smtClean="0">
+              <a:solidFill>
+                <a:srgbClr val="F8F8F8"/>
+              </a:solidFill>
+            </a:endParaRPr>
+          </a:p>
         </p:txBody>
       </p:sp>
       <p:sp>
@@ -7001,7 +6736,7 @@
     </p:spTree>
     <p:extLst>
       <p:ext uri="{BB962C8B-B14F-4D97-AF65-F5344CB8AC3E}">
-        <p14:creationId xmlns:p14="http://schemas.microsoft.com/office/powerpoint/2010/main" val="2399005532"/>
+        <p14:creationId xmlns:p14="http://schemas.microsoft.com/office/powerpoint/2010/main" val="3671947589"/>
       </p:ext>
     </p:extLst>
   </p:cSld>
@@ -7374,78 +7109,6 @@
               <a:t>User interface</a:t>
             </a:r>
           </a:p>
-          <a:p>
-            <a:pPr marL="111125"/>
-            <a:endParaRPr lang="en-US" sz="2200" dirty="0" smtClean="0">
-              <a:solidFill>
-                <a:srgbClr val="F8F8F8"/>
-              </a:solidFill>
-            </a:endParaRPr>
-          </a:p>
-          <a:p>
-            <a:pPr marL="111125"/>
-            <a:endParaRPr lang="en-US" sz="2200" dirty="0">
-              <a:solidFill>
-                <a:srgbClr val="F8F8F8"/>
-              </a:solidFill>
-            </a:endParaRPr>
-          </a:p>
-          <a:p>
-            <a:pPr marL="349250" indent="-238125">
-              <a:buFont typeface="Arial"/>
-              <a:buChar char="•"/>
-            </a:pPr>
-            <a:r>
-              <a:rPr lang="en-US" sz="2200" dirty="0" smtClean="0">
-                <a:solidFill>
-                  <a:srgbClr val="F8F8F8"/>
-                </a:solidFill>
-              </a:rPr>
-              <a:t>Views</a:t>
-            </a:r>
-          </a:p>
-          <a:p>
-            <a:pPr marL="681038" lvl="1" indent="-331788">
-              <a:buFont typeface="Arial"/>
-              <a:buChar char="•"/>
-            </a:pPr>
-            <a:r>
-              <a:rPr lang="en-US" sz="2200" dirty="0" smtClean="0">
-                <a:solidFill>
-                  <a:srgbClr val="F8F8F8"/>
-                </a:solidFill>
-              </a:rPr>
-              <a:t>Options</a:t>
-            </a:r>
-          </a:p>
-          <a:p>
-            <a:pPr marL="681038" lvl="1" indent="-331788">
-              <a:buFont typeface="Arial"/>
-              <a:buChar char="•"/>
-            </a:pPr>
-            <a:r>
-              <a:rPr lang="en-US" sz="2200" dirty="0" smtClean="0">
-                <a:solidFill>
-                  <a:srgbClr val="F8F8F8"/>
-                </a:solidFill>
-              </a:rPr>
-              <a:t>Task List</a:t>
-            </a:r>
-          </a:p>
-          <a:p>
-            <a:pPr marL="681038" lvl="1" indent="-331788">
-              <a:buFont typeface="Arial"/>
-              <a:buChar char="•"/>
-            </a:pPr>
-            <a:r>
-              <a:rPr lang="en-US" sz="2200" dirty="0" smtClean="0">
-                <a:solidFill>
-                  <a:srgbClr val="F8F8F8"/>
-                </a:solidFill>
-              </a:rPr>
-              <a:t>Task View</a:t>
-            </a:r>
-          </a:p>
         </p:txBody>
       </p:sp>
       <p:sp>
@@ -7544,7 +7207,7 @@
     </p:spTree>
     <p:extLst>
       <p:ext uri="{BB962C8B-B14F-4D97-AF65-F5344CB8AC3E}">
-        <p14:creationId xmlns:p14="http://schemas.microsoft.com/office/powerpoint/2010/main" val="127540449"/>
+        <p14:creationId xmlns:p14="http://schemas.microsoft.com/office/powerpoint/2010/main" val="2399005532"/>
       </p:ext>
     </p:extLst>
   </p:cSld>
@@ -7594,8 +7257,12 @@
           <a:lstStyle/>
           <a:p>
             <a:r>
+              <a:rPr lang="en-US" dirty="0"/>
+              <a:t>M-V-C </a:t>
+            </a:r>
+            <a:r>
               <a:rPr lang="en-US" dirty="0" smtClean="0"/>
-              <a:t>Message Pattern</a:t>
+              <a:t>TODO's</a:t>
             </a:r>
             <a:endParaRPr lang="en-US" dirty="0"/>
           </a:p>
@@ -7626,14 +7293,412 @@
       </p:sp>
       <p:sp>
         <p:nvSpPr>
-          <p:cNvPr id="7" name="TextBox 6"/>
+          <p:cNvPr id="4" name="Rectangle 3"/>
+          <p:cNvSpPr/>
+          <p:nvPr/>
+        </p:nvSpPr>
+        <p:spPr>
+          <a:xfrm>
+            <a:off x="512064" y="2723877"/>
+            <a:ext cx="2150017" cy="3058909"/>
+          </a:xfrm>
+          <a:prstGeom prst="rect">
+            <a:avLst/>
+          </a:prstGeom>
+          <a:solidFill>
+            <a:srgbClr val="00A9B9"/>
+          </a:solidFill>
+          <a:ln>
+            <a:noFill/>
+          </a:ln>
+          <a:effectLst/>
+        </p:spPr>
+        <p:style>
+          <a:lnRef idx="1">
+            <a:schemeClr val="accent1"/>
+          </a:lnRef>
+          <a:fillRef idx="3">
+            <a:schemeClr val="accent1"/>
+          </a:fillRef>
+          <a:effectRef idx="2">
+            <a:schemeClr val="accent1"/>
+          </a:effectRef>
+          <a:fontRef idx="minor">
+            <a:schemeClr val="lt1"/>
+          </a:fontRef>
+        </p:style>
+        <p:txBody>
+          <a:bodyPr rtlCol="0" anchor="t"/>
+          <a:lstStyle/>
+          <a:p>
+            <a:r>
+              <a:rPr lang="en-US" sz="2200" dirty="0" smtClean="0">
+                <a:solidFill>
+                  <a:schemeClr val="accent1"/>
+                </a:solidFill>
+              </a:rPr>
+              <a:t> </a:t>
+            </a:r>
+            <a:endParaRPr lang="en-US" sz="2200" dirty="0">
+              <a:solidFill>
+                <a:schemeClr val="accent1"/>
+              </a:solidFill>
+            </a:endParaRPr>
+          </a:p>
+          <a:p>
+            <a:pPr marL="111125"/>
+            <a:r>
+              <a:rPr lang="en-US" sz="2200" dirty="0" smtClean="0">
+                <a:solidFill>
+                  <a:schemeClr val="accent1"/>
+                </a:solidFill>
+              </a:rPr>
+              <a:t>Data &amp;</a:t>
+            </a:r>
+          </a:p>
+          <a:p>
+            <a:pPr marL="111125"/>
+            <a:r>
+              <a:rPr lang="en-US" sz="2200" dirty="0" smtClean="0">
+                <a:solidFill>
+                  <a:schemeClr val="accent1"/>
+                </a:solidFill>
+              </a:rPr>
+              <a:t>Business logic</a:t>
+            </a:r>
+          </a:p>
+          <a:p>
+            <a:pPr marL="111125"/>
+            <a:endParaRPr lang="en-US" sz="2200" dirty="0" smtClean="0">
+              <a:solidFill>
+                <a:schemeClr val="accent1"/>
+              </a:solidFill>
+            </a:endParaRPr>
+          </a:p>
+          <a:p>
+            <a:pPr marL="349250" indent="-238125">
+              <a:buFont typeface="Arial"/>
+              <a:buChar char="•"/>
+            </a:pPr>
+            <a:r>
+              <a:rPr lang="en-US" sz="2200" dirty="0" smtClean="0">
+                <a:solidFill>
+                  <a:schemeClr val="accent1"/>
+                </a:solidFill>
+              </a:rPr>
+              <a:t>List</a:t>
+            </a:r>
+          </a:p>
+          <a:p>
+            <a:pPr marL="349250" indent="-238125">
+              <a:buFont typeface="Arial"/>
+              <a:buChar char="•"/>
+            </a:pPr>
+            <a:r>
+              <a:rPr lang="en-US" sz="2200" dirty="0" smtClean="0">
+                <a:solidFill>
+                  <a:schemeClr val="accent1"/>
+                </a:solidFill>
+              </a:rPr>
+              <a:t>Task</a:t>
+            </a:r>
+          </a:p>
+          <a:p>
+            <a:pPr marL="349250" indent="-238125">
+              <a:buFont typeface="Arial"/>
+              <a:buChar char="•"/>
+            </a:pPr>
+            <a:r>
+              <a:rPr lang="en-US" sz="2200" dirty="0" err="1" smtClean="0">
+                <a:solidFill>
+                  <a:schemeClr val="accent1"/>
+                </a:solidFill>
+              </a:rPr>
+              <a:t>CSVParsing</a:t>
+            </a:r>
+            <a:endParaRPr lang="en-US" sz="2200" dirty="0">
+              <a:solidFill>
+                <a:schemeClr val="accent1"/>
+              </a:solidFill>
+            </a:endParaRPr>
+          </a:p>
+        </p:txBody>
+      </p:sp>
+      <p:sp>
+        <p:nvSpPr>
+          <p:cNvPr id="5" name="Rectangle 4"/>
+          <p:cNvSpPr/>
+          <p:nvPr/>
+        </p:nvSpPr>
+        <p:spPr>
+          <a:xfrm>
+            <a:off x="3493911" y="2668662"/>
+            <a:ext cx="2150017" cy="3058909"/>
+          </a:xfrm>
+          <a:prstGeom prst="rect">
+            <a:avLst/>
+          </a:prstGeom>
+          <a:solidFill>
+            <a:srgbClr val="EA4A3C"/>
+          </a:solidFill>
+          <a:ln>
+            <a:noFill/>
+          </a:ln>
+          <a:effectLst/>
+        </p:spPr>
+        <p:style>
+          <a:lnRef idx="1">
+            <a:schemeClr val="accent1"/>
+          </a:lnRef>
+          <a:fillRef idx="3">
+            <a:schemeClr val="accent1"/>
+          </a:fillRef>
+          <a:effectRef idx="2">
+            <a:schemeClr val="accent1"/>
+          </a:effectRef>
+          <a:fontRef idx="minor">
+            <a:schemeClr val="lt1"/>
+          </a:fontRef>
+        </p:style>
+        <p:txBody>
+          <a:bodyPr rtlCol="0" anchor="t"/>
+          <a:lstStyle/>
+          <a:p>
+            <a:pPr marL="111125"/>
+            <a:endParaRPr lang="en-US" sz="2200" dirty="0" smtClean="0">
+              <a:solidFill>
+                <a:srgbClr val="F8F8F8"/>
+              </a:solidFill>
+            </a:endParaRPr>
+          </a:p>
+          <a:p>
+            <a:pPr marL="111125"/>
+            <a:r>
+              <a:rPr lang="en-US" sz="2200" dirty="0" smtClean="0">
+                <a:solidFill>
+                  <a:srgbClr val="F8F8F8"/>
+                </a:solidFill>
+              </a:rPr>
+              <a:t>Communicate</a:t>
+            </a:r>
+          </a:p>
+          <a:p>
+            <a:pPr marL="111125"/>
+            <a:endParaRPr lang="en-US" sz="2200" dirty="0" smtClean="0">
+              <a:solidFill>
+                <a:srgbClr val="F8F8F8"/>
+              </a:solidFill>
+            </a:endParaRPr>
+          </a:p>
+          <a:p>
+            <a:pPr marL="111125"/>
+            <a:endParaRPr lang="en-US" sz="2200" dirty="0">
+              <a:solidFill>
+                <a:srgbClr val="F8F8F8"/>
+              </a:solidFill>
+            </a:endParaRPr>
+          </a:p>
+          <a:p>
+            <a:pPr marL="349250" indent="-238125">
+              <a:buFont typeface="Arial"/>
+              <a:buChar char="•"/>
+            </a:pPr>
+            <a:r>
+              <a:rPr lang="en-US" sz="2200" dirty="0" smtClean="0">
+                <a:solidFill>
+                  <a:srgbClr val="F8F8F8"/>
+                </a:solidFill>
+              </a:rPr>
+              <a:t>TODO-</a:t>
+            </a:r>
+            <a:r>
+              <a:rPr lang="en-US" sz="2200" dirty="0" smtClean="0">
+                <a:solidFill>
+                  <a:srgbClr val="F8F8F8"/>
+                </a:solidFill>
+              </a:rPr>
+              <a:t>Controller</a:t>
+            </a:r>
+          </a:p>
+          <a:p>
+            <a:pPr marL="349250" indent="-238125">
+              <a:buFont typeface="Arial"/>
+              <a:buChar char="•"/>
+            </a:pPr>
+            <a:r>
+              <a:rPr lang="en-US" sz="2200" dirty="0" err="1" smtClean="0">
+                <a:solidFill>
+                  <a:srgbClr val="F8F8F8"/>
+                </a:solidFill>
+              </a:rPr>
+              <a:t>r</a:t>
+            </a:r>
+            <a:r>
+              <a:rPr lang="en-US" sz="2200" dirty="0" err="1" smtClean="0">
+                <a:solidFill>
+                  <a:srgbClr val="F8F8F8"/>
+                </a:solidFill>
+              </a:rPr>
+              <a:t>unner.rb</a:t>
+            </a:r>
+            <a:endParaRPr lang="en-US" sz="2200" dirty="0" smtClean="0">
+              <a:solidFill>
+                <a:srgbClr val="F8F8F8"/>
+              </a:solidFill>
+            </a:endParaRPr>
+          </a:p>
+          <a:p>
+            <a:pPr marL="111125"/>
+            <a:endParaRPr lang="en-US" sz="2200" dirty="0">
+              <a:solidFill>
+                <a:srgbClr val="F8F8F8"/>
+              </a:solidFill>
+            </a:endParaRPr>
+          </a:p>
+        </p:txBody>
+      </p:sp>
+      <p:sp>
+        <p:nvSpPr>
+          <p:cNvPr id="6" name="Rectangle 5"/>
+          <p:cNvSpPr/>
+          <p:nvPr/>
+        </p:nvSpPr>
+        <p:spPr>
+          <a:xfrm>
+            <a:off x="6536783" y="2723877"/>
+            <a:ext cx="2150017" cy="3058909"/>
+          </a:xfrm>
+          <a:prstGeom prst="rect">
+            <a:avLst/>
+          </a:prstGeom>
+          <a:solidFill>
+            <a:schemeClr val="accent6"/>
+          </a:solidFill>
+          <a:ln>
+            <a:noFill/>
+          </a:ln>
+          <a:effectLst/>
+        </p:spPr>
+        <p:style>
+          <a:lnRef idx="1">
+            <a:schemeClr val="accent1"/>
+          </a:lnRef>
+          <a:fillRef idx="3">
+            <a:schemeClr val="accent1"/>
+          </a:fillRef>
+          <a:effectRef idx="2">
+            <a:schemeClr val="accent1"/>
+          </a:effectRef>
+          <a:fontRef idx="minor">
+            <a:schemeClr val="lt1"/>
+          </a:fontRef>
+        </p:style>
+        <p:txBody>
+          <a:bodyPr rtlCol="0" anchor="t"/>
+          <a:lstStyle/>
+          <a:p>
+            <a:pPr marL="111125"/>
+            <a:endParaRPr lang="en-US" sz="2200" dirty="0" smtClean="0">
+              <a:solidFill>
+                <a:srgbClr val="F8F8F8"/>
+              </a:solidFill>
+            </a:endParaRPr>
+          </a:p>
+          <a:p>
+            <a:pPr marL="111125"/>
+            <a:r>
+              <a:rPr lang="en-US" sz="2200" dirty="0" smtClean="0">
+                <a:solidFill>
+                  <a:srgbClr val="F8F8F8"/>
+                </a:solidFill>
+              </a:rPr>
+              <a:t>User interface</a:t>
+            </a:r>
+          </a:p>
+          <a:p>
+            <a:pPr marL="111125"/>
+            <a:endParaRPr lang="en-US" sz="2200" dirty="0" smtClean="0">
+              <a:solidFill>
+                <a:srgbClr val="F8F8F8"/>
+              </a:solidFill>
+            </a:endParaRPr>
+          </a:p>
+          <a:p>
+            <a:pPr marL="111125"/>
+            <a:endParaRPr lang="en-US" sz="2200" dirty="0">
+              <a:solidFill>
+                <a:srgbClr val="F8F8F8"/>
+              </a:solidFill>
+            </a:endParaRPr>
+          </a:p>
+          <a:p>
+            <a:pPr marL="349250" indent="-238125">
+              <a:buFont typeface="Arial"/>
+              <a:buChar char="•"/>
+            </a:pPr>
+            <a:r>
+              <a:rPr lang="en-US" sz="2200" dirty="0" smtClean="0">
+                <a:solidFill>
+                  <a:srgbClr val="F8F8F8"/>
+                </a:solidFill>
+              </a:rPr>
+              <a:t>Views</a:t>
+            </a:r>
+          </a:p>
+          <a:p>
+            <a:pPr marL="681038" lvl="1" indent="-331788">
+              <a:buFont typeface="Arial"/>
+              <a:buChar char="•"/>
+            </a:pPr>
+            <a:r>
+              <a:rPr lang="en-US" sz="2200" dirty="0" smtClean="0">
+                <a:solidFill>
+                  <a:srgbClr val="F8F8F8"/>
+                </a:solidFill>
+              </a:rPr>
+              <a:t>Options</a:t>
+            </a:r>
+          </a:p>
+          <a:p>
+            <a:pPr marL="681038" lvl="1" indent="-331788">
+              <a:buFont typeface="Arial"/>
+              <a:buChar char="•"/>
+            </a:pPr>
+            <a:r>
+              <a:rPr lang="en-US" sz="2200" dirty="0" smtClean="0">
+                <a:solidFill>
+                  <a:srgbClr val="F8F8F8"/>
+                </a:solidFill>
+              </a:rPr>
+              <a:t>Task List</a:t>
+            </a:r>
+          </a:p>
+          <a:p>
+            <a:pPr marL="681038" lvl="1" indent="-331788">
+              <a:buFont typeface="Arial"/>
+              <a:buChar char="•"/>
+            </a:pPr>
+            <a:r>
+              <a:rPr lang="en-US" sz="2200" dirty="0" smtClean="0">
+                <a:solidFill>
+                  <a:srgbClr val="F8F8F8"/>
+                </a:solidFill>
+              </a:rPr>
+              <a:t>Task View</a:t>
+            </a:r>
+          </a:p>
+        </p:txBody>
+      </p:sp>
+      <p:sp>
+        <p:nvSpPr>
+          <p:cNvPr id="8" name="TextBox 7"/>
           <p:cNvSpPr txBox="1"/>
           <p:nvPr/>
         </p:nvSpPr>
         <p:spPr>
           <a:xfrm>
-            <a:off x="512064" y="1954842"/>
-            <a:ext cx="8174737" cy="4031873"/>
+            <a:off x="457200" y="1865376"/>
+            <a:ext cx="2204881" cy="584776"/>
           </a:xfrm>
           <a:prstGeom prst="rect">
             <a:avLst/>
@@ -7646,47 +7711,72 @@
           </a:bodyPr>
           <a:lstStyle/>
           <a:p>
-            <a:pPr marL="457200" indent="-457200">
-              <a:buFont typeface="Arial"/>
-              <a:buChar char="•"/>
-            </a:pPr>
+            <a:pPr algn="ctr"/>
             <a:r>
               <a:rPr lang="en-US" sz="3200" dirty="0" smtClean="0"/>
-              <a:t>All of programming is essentially passing messages between all the things. </a:t>
-            </a:r>
-          </a:p>
-          <a:p>
-            <a:pPr marL="457200" indent="-457200">
-              <a:buFont typeface="Arial"/>
-              <a:buChar char="•"/>
-            </a:pPr>
-            <a:endParaRPr lang="en-US" sz="3200" dirty="0" smtClean="0"/>
-          </a:p>
-          <a:p>
-            <a:pPr marL="457200" indent="-457200">
-              <a:buFont typeface="Arial"/>
-              <a:buChar char="•"/>
-            </a:pPr>
+              <a:t>Model</a:t>
+            </a:r>
+            <a:endParaRPr lang="en-US" sz="3200" dirty="0"/>
+          </a:p>
+        </p:txBody>
+      </p:sp>
+      <p:sp>
+        <p:nvSpPr>
+          <p:cNvPr id="10" name="TextBox 9"/>
+          <p:cNvSpPr txBox="1"/>
+          <p:nvPr/>
+        </p:nvSpPr>
+        <p:spPr>
+          <a:xfrm>
+            <a:off x="3493911" y="1865376"/>
+            <a:ext cx="2204881" cy="584776"/>
+          </a:xfrm>
+          <a:prstGeom prst="rect">
+            <a:avLst/>
+          </a:prstGeom>
+          <a:noFill/>
+        </p:spPr>
+        <p:txBody>
+          <a:bodyPr wrap="square" rtlCol="0">
+            <a:spAutoFit/>
+          </a:bodyPr>
+          <a:lstStyle/>
+          <a:p>
+            <a:pPr algn="ctr"/>
             <a:r>
               <a:rPr lang="en-US" sz="3200" dirty="0" smtClean="0"/>
-              <a:t>Start thinking of your methods/classes as a means of passing a message to a place.</a:t>
-            </a:r>
-          </a:p>
-          <a:p>
-            <a:pPr marL="457200" indent="-457200">
-              <a:buFont typeface="Arial"/>
-              <a:buChar char="•"/>
-            </a:pPr>
-            <a:endParaRPr lang="en-US" sz="3200" dirty="0" smtClean="0"/>
-          </a:p>
-          <a:p>
-            <a:pPr marL="457200" indent="-457200">
-              <a:buFont typeface="Arial"/>
-              <a:buChar char="•"/>
-            </a:pPr>
+              <a:t>Controller</a:t>
+            </a:r>
+            <a:endParaRPr lang="en-US" sz="3200" dirty="0"/>
+          </a:p>
+        </p:txBody>
+      </p:sp>
+      <p:sp>
+        <p:nvSpPr>
+          <p:cNvPr id="11" name="TextBox 10"/>
+          <p:cNvSpPr txBox="1"/>
+          <p:nvPr/>
+        </p:nvSpPr>
+        <p:spPr>
+          <a:xfrm>
+            <a:off x="6536783" y="1865376"/>
+            <a:ext cx="2204881" cy="584776"/>
+          </a:xfrm>
+          <a:prstGeom prst="rect">
+            <a:avLst/>
+          </a:prstGeom>
+          <a:noFill/>
+        </p:spPr>
+        <p:txBody>
+          <a:bodyPr wrap="square" rtlCol="0">
+            <a:spAutoFit/>
+          </a:bodyPr>
+          <a:lstStyle/>
+          <a:p>
+            <a:pPr algn="ctr"/>
             <a:r>
               <a:rPr lang="en-US" sz="3200" dirty="0" smtClean="0"/>
-              <a:t>That place does a thing and passes some message back. </a:t>
+              <a:t>View</a:t>
             </a:r>
             <a:endParaRPr lang="en-US" sz="3200" dirty="0"/>
           </a:p>
@@ -7695,7 +7785,7 @@
     </p:spTree>
     <p:extLst>
       <p:ext uri="{BB962C8B-B14F-4D97-AF65-F5344CB8AC3E}">
-        <p14:creationId xmlns:p14="http://schemas.microsoft.com/office/powerpoint/2010/main" val="200250533"/>
+        <p14:creationId xmlns:p14="http://schemas.microsoft.com/office/powerpoint/2010/main" val="127540449"/>
       </p:ext>
     </p:extLst>
   </p:cSld>
@@ -7746,7 +7836,7 @@
           <a:p>
             <a:r>
               <a:rPr lang="en-US" dirty="0" smtClean="0"/>
-              <a:t>TODO's: List</a:t>
+              <a:t>Message Pattern</a:t>
             </a:r>
             <a:endParaRPr lang="en-US" dirty="0"/>
           </a:p>
@@ -7777,184 +7867,14 @@
       </p:sp>
       <p:sp>
         <p:nvSpPr>
-          <p:cNvPr id="4" name="Rectangle 3"/>
-          <p:cNvSpPr/>
-          <p:nvPr/>
-        </p:nvSpPr>
-        <p:spPr>
-          <a:xfrm>
-            <a:off x="512064" y="2723877"/>
-            <a:ext cx="2150017" cy="3058909"/>
-          </a:xfrm>
-          <a:prstGeom prst="rect">
-            <a:avLst/>
-          </a:prstGeom>
-          <a:solidFill>
-            <a:srgbClr val="00A9B9"/>
-          </a:solidFill>
-          <a:ln>
-            <a:noFill/>
-          </a:ln>
-          <a:effectLst/>
-        </p:spPr>
-        <p:style>
-          <a:lnRef idx="1">
-            <a:schemeClr val="accent1"/>
-          </a:lnRef>
-          <a:fillRef idx="3">
-            <a:schemeClr val="accent1"/>
-          </a:fillRef>
-          <a:effectRef idx="2">
-            <a:schemeClr val="accent1"/>
-          </a:effectRef>
-          <a:fontRef idx="minor">
-            <a:schemeClr val="lt1"/>
-          </a:fontRef>
-        </p:style>
-        <p:txBody>
-          <a:bodyPr rtlCol="0" anchor="t"/>
-          <a:lstStyle/>
-          <a:p>
-            <a:endParaRPr lang="en-US" sz="2200" dirty="0">
-              <a:solidFill>
-                <a:schemeClr val="accent1"/>
-              </a:solidFill>
-            </a:endParaRPr>
-          </a:p>
-          <a:p>
-            <a:pPr marL="111125"/>
-            <a:endParaRPr lang="en-US" sz="2200" dirty="0" smtClean="0">
-              <a:solidFill>
-                <a:schemeClr val="accent1"/>
-              </a:solidFill>
-            </a:endParaRPr>
-          </a:p>
-        </p:txBody>
-      </p:sp>
-      <p:sp>
-        <p:nvSpPr>
-          <p:cNvPr id="5" name="Rectangle 4"/>
-          <p:cNvSpPr/>
-          <p:nvPr/>
-        </p:nvSpPr>
-        <p:spPr>
-          <a:xfrm>
-            <a:off x="3493911" y="2668662"/>
-            <a:ext cx="2150017" cy="3058909"/>
-          </a:xfrm>
-          <a:prstGeom prst="rect">
-            <a:avLst/>
-          </a:prstGeom>
-          <a:solidFill>
-            <a:srgbClr val="EA4A3C"/>
-          </a:solidFill>
-          <a:ln>
-            <a:noFill/>
-          </a:ln>
-          <a:effectLst/>
-        </p:spPr>
-        <p:style>
-          <a:lnRef idx="1">
-            <a:schemeClr val="accent1"/>
-          </a:lnRef>
-          <a:fillRef idx="3">
-            <a:schemeClr val="accent1"/>
-          </a:fillRef>
-          <a:effectRef idx="2">
-            <a:schemeClr val="accent1"/>
-          </a:effectRef>
-          <a:fontRef idx="minor">
-            <a:schemeClr val="lt1"/>
-          </a:fontRef>
-        </p:style>
-        <p:txBody>
-          <a:bodyPr rtlCol="0" anchor="t"/>
-          <a:lstStyle/>
-          <a:p>
-            <a:pPr marL="111125"/>
-            <a:endParaRPr lang="en-US" sz="2200" dirty="0" smtClean="0">
-              <a:solidFill>
-                <a:srgbClr val="F8F8F8"/>
-              </a:solidFill>
-            </a:endParaRPr>
-          </a:p>
-          <a:p>
-            <a:pPr marL="111125"/>
-            <a:endParaRPr lang="en-US" sz="2200" dirty="0" smtClean="0">
-              <a:solidFill>
-                <a:srgbClr val="F8F8F8"/>
-              </a:solidFill>
-            </a:endParaRPr>
-          </a:p>
-        </p:txBody>
-      </p:sp>
-      <p:sp>
-        <p:nvSpPr>
-          <p:cNvPr id="6" name="Rectangle 5"/>
-          <p:cNvSpPr/>
-          <p:nvPr/>
-        </p:nvSpPr>
-        <p:spPr>
-          <a:xfrm>
-            <a:off x="6536783" y="2723877"/>
-            <a:ext cx="2150017" cy="3058909"/>
-          </a:xfrm>
-          <a:prstGeom prst="rect">
-            <a:avLst/>
-          </a:prstGeom>
-          <a:solidFill>
-            <a:schemeClr val="accent6"/>
-          </a:solidFill>
-          <a:ln>
-            <a:noFill/>
-          </a:ln>
-          <a:effectLst/>
-        </p:spPr>
-        <p:style>
-          <a:lnRef idx="1">
-            <a:schemeClr val="accent1"/>
-          </a:lnRef>
-          <a:fillRef idx="3">
-            <a:schemeClr val="accent1"/>
-          </a:fillRef>
-          <a:effectRef idx="2">
-            <a:schemeClr val="accent1"/>
-          </a:effectRef>
-          <a:fontRef idx="minor">
-            <a:schemeClr val="lt1"/>
-          </a:fontRef>
-        </p:style>
-        <p:txBody>
-          <a:bodyPr rtlCol="0" anchor="t"/>
-          <a:lstStyle/>
-          <a:p>
-            <a:pPr marL="111125"/>
-            <a:endParaRPr lang="en-US" sz="2200" dirty="0" smtClean="0">
-              <a:solidFill>
-                <a:srgbClr val="F8F8F8"/>
-              </a:solidFill>
-            </a:endParaRPr>
-          </a:p>
-          <a:p>
-            <a:pPr marL="111125"/>
-            <a:endParaRPr lang="en-US" sz="2200" dirty="0" smtClean="0">
-              <a:solidFill>
-                <a:srgbClr val="F8F8F8"/>
-              </a:solidFill>
-            </a:endParaRPr>
-          </a:p>
-        </p:txBody>
-      </p:sp>
-      <p:sp>
-        <p:nvSpPr>
-          <p:cNvPr id="8" name="TextBox 7"/>
+          <p:cNvPr id="7" name="TextBox 6"/>
           <p:cNvSpPr txBox="1"/>
           <p:nvPr/>
         </p:nvSpPr>
         <p:spPr>
           <a:xfrm>
-            <a:off x="457200" y="1865376"/>
-            <a:ext cx="2204881" cy="584776"/>
+            <a:off x="512064" y="1954842"/>
+            <a:ext cx="8174737" cy="4031873"/>
           </a:xfrm>
           <a:prstGeom prst="rect">
             <a:avLst/>
@@ -7967,140 +7887,56 @@
           </a:bodyPr>
           <a:lstStyle/>
           <a:p>
-            <a:pPr algn="ctr"/>
+            <a:pPr marL="457200" indent="-457200">
+              <a:buFont typeface="Arial"/>
+              <a:buChar char="•"/>
+            </a:pPr>
             <a:r>
               <a:rPr lang="en-US" sz="3200" dirty="0" smtClean="0"/>
-              <a:t>Model</a:t>
+              <a:t>All of programming is essentially passing messages between all the things. </a:t>
+            </a:r>
+          </a:p>
+          <a:p>
+            <a:pPr marL="457200" indent="-457200">
+              <a:buFont typeface="Arial"/>
+              <a:buChar char="•"/>
+            </a:pPr>
+            <a:endParaRPr lang="en-US" sz="3200" dirty="0" smtClean="0"/>
+          </a:p>
+          <a:p>
+            <a:pPr marL="457200" indent="-457200">
+              <a:buFont typeface="Arial"/>
+              <a:buChar char="•"/>
+            </a:pPr>
+            <a:r>
+              <a:rPr lang="en-US" sz="3200" dirty="0" smtClean="0"/>
+              <a:t>Start thinking of your methods/classes as a means of passing a message to a place.</a:t>
+            </a:r>
+          </a:p>
+          <a:p>
+            <a:pPr marL="457200" indent="-457200">
+              <a:buFont typeface="Arial"/>
+              <a:buChar char="•"/>
+            </a:pPr>
+            <a:endParaRPr lang="en-US" sz="3200" dirty="0" smtClean="0"/>
+          </a:p>
+          <a:p>
+            <a:pPr marL="457200" indent="-457200">
+              <a:buFont typeface="Arial"/>
+              <a:buChar char="•"/>
+            </a:pPr>
+            <a:r>
+              <a:rPr lang="en-US" sz="3200" dirty="0" smtClean="0"/>
+              <a:t>That place does a thing and passes some message back. </a:t>
             </a:r>
             <a:endParaRPr lang="en-US" sz="3200" dirty="0"/>
-          </a:p>
-        </p:txBody>
-      </p:sp>
-      <p:sp>
-        <p:nvSpPr>
-          <p:cNvPr id="10" name="TextBox 9"/>
-          <p:cNvSpPr txBox="1"/>
-          <p:nvPr/>
-        </p:nvSpPr>
-        <p:spPr>
-          <a:xfrm>
-            <a:off x="3493911" y="1865376"/>
-            <a:ext cx="2204881" cy="584776"/>
-          </a:xfrm>
-          <a:prstGeom prst="rect">
-            <a:avLst/>
-          </a:prstGeom>
-          <a:noFill/>
-        </p:spPr>
-        <p:txBody>
-          <a:bodyPr wrap="square" rtlCol="0">
-            <a:spAutoFit/>
-          </a:bodyPr>
-          <a:lstStyle/>
-          <a:p>
-            <a:pPr algn="ctr"/>
-            <a:r>
-              <a:rPr lang="en-US" sz="3200" dirty="0" smtClean="0"/>
-              <a:t>Controller</a:t>
-            </a:r>
-            <a:endParaRPr lang="en-US" sz="3200" dirty="0"/>
-          </a:p>
-        </p:txBody>
-      </p:sp>
-      <p:sp>
-        <p:nvSpPr>
-          <p:cNvPr id="11" name="TextBox 10"/>
-          <p:cNvSpPr txBox="1"/>
-          <p:nvPr/>
-        </p:nvSpPr>
-        <p:spPr>
-          <a:xfrm>
-            <a:off x="6536783" y="1865376"/>
-            <a:ext cx="2204881" cy="584776"/>
-          </a:xfrm>
-          <a:prstGeom prst="rect">
-            <a:avLst/>
-          </a:prstGeom>
-          <a:noFill/>
-        </p:spPr>
-        <p:txBody>
-          <a:bodyPr wrap="square" rtlCol="0">
-            <a:spAutoFit/>
-          </a:bodyPr>
-          <a:lstStyle/>
-          <a:p>
-            <a:pPr algn="ctr"/>
-            <a:r>
-              <a:rPr lang="en-US" sz="3200" dirty="0" smtClean="0"/>
-              <a:t>View</a:t>
-            </a:r>
-            <a:endParaRPr lang="en-US" sz="3200" dirty="0"/>
-          </a:p>
-        </p:txBody>
-      </p:sp>
-      <p:sp>
-        <p:nvSpPr>
-          <p:cNvPr id="7" name="Rectangle 6"/>
-          <p:cNvSpPr/>
-          <p:nvPr/>
-        </p:nvSpPr>
-        <p:spPr>
-          <a:xfrm>
-            <a:off x="6755607" y="2934560"/>
-            <a:ext cx="1730320" cy="396667"/>
-          </a:xfrm>
-          <a:prstGeom prst="rect">
-            <a:avLst/>
-          </a:prstGeom>
-          <a:solidFill>
-            <a:schemeClr val="accent6"/>
-          </a:solidFill>
-          <a:ln w="28575" cmpd="sng">
-            <a:solidFill>
-              <a:schemeClr val="accent1"/>
-            </a:solidFill>
-          </a:ln>
-          <a:effectLst/>
-        </p:spPr>
-        <p:style>
-          <a:lnRef idx="1">
-            <a:schemeClr val="accent1"/>
-          </a:lnRef>
-          <a:fillRef idx="3">
-            <a:schemeClr val="accent1"/>
-          </a:fillRef>
-          <a:effectRef idx="2">
-            <a:schemeClr val="accent1"/>
-          </a:effectRef>
-          <a:fontRef idx="minor">
-            <a:schemeClr val="lt1"/>
-          </a:fontRef>
-        </p:style>
-        <p:txBody>
-          <a:bodyPr rtlCol="0" anchor="ctr"/>
-          <a:lstStyle/>
-          <a:p>
-            <a:pPr algn="ctr"/>
-            <a:r>
-              <a:rPr lang="en-US" dirty="0" smtClean="0">
-                <a:solidFill>
-                  <a:srgbClr val="F8F8F8"/>
-                </a:solidFill>
-              </a:rPr>
-              <a:t>send input</a:t>
-            </a:r>
-            <a:endParaRPr lang="en-US" dirty="0">
-              <a:solidFill>
-                <a:srgbClr val="F8F8F8"/>
-              </a:solidFill>
-            </a:endParaRPr>
           </a:p>
         </p:txBody>
       </p:sp>
     </p:spTree>
     <p:extLst>
       <p:ext uri="{BB962C8B-B14F-4D97-AF65-F5344CB8AC3E}">
-        <p14:creationId xmlns:p14="http://schemas.microsoft.com/office/powerpoint/2010/main" val="2744471277"/>
+        <p14:creationId xmlns:p14="http://schemas.microsoft.com/office/powerpoint/2010/main" val="200250533"/>
       </p:ext>
     </p:extLst>
   </p:cSld>
@@ -8445,103 +8281,6 @@
       </p:sp>
       <p:sp>
         <p:nvSpPr>
-          <p:cNvPr id="15" name="Rectangle 14"/>
-          <p:cNvSpPr/>
-          <p:nvPr/>
-        </p:nvSpPr>
-        <p:spPr>
-          <a:xfrm>
-            <a:off x="3699937" y="2934560"/>
-            <a:ext cx="1730320" cy="396667"/>
-          </a:xfrm>
-          <a:prstGeom prst="rect">
-            <a:avLst/>
-          </a:prstGeom>
-          <a:solidFill>
-            <a:schemeClr val="accent4"/>
-          </a:solidFill>
-          <a:ln w="28575" cmpd="sng">
-            <a:solidFill>
-              <a:schemeClr val="accent1"/>
-            </a:solidFill>
-          </a:ln>
-          <a:effectLst/>
-        </p:spPr>
-        <p:style>
-          <a:lnRef idx="1">
-            <a:schemeClr val="accent1"/>
-          </a:lnRef>
-          <a:fillRef idx="3">
-            <a:schemeClr val="accent1"/>
-          </a:fillRef>
-          <a:effectRef idx="2">
-            <a:schemeClr val="accent1"/>
-          </a:effectRef>
-          <a:fontRef idx="minor">
-            <a:schemeClr val="lt1"/>
-          </a:fontRef>
-        </p:style>
-        <p:txBody>
-          <a:bodyPr rtlCol="0" anchor="ctr"/>
-          <a:lstStyle/>
-          <a:p>
-            <a:pPr algn="ctr"/>
-            <a:r>
-              <a:rPr lang="en-US" dirty="0" smtClean="0">
-                <a:solidFill>
-                  <a:srgbClr val="F8F8F8"/>
-                </a:solidFill>
-              </a:rPr>
-              <a:t>interpret input</a:t>
-            </a:r>
-            <a:endParaRPr lang="en-US" dirty="0">
-              <a:solidFill>
-                <a:srgbClr val="F8F8F8"/>
-              </a:solidFill>
-            </a:endParaRPr>
-          </a:p>
-        </p:txBody>
-      </p:sp>
-      <p:cxnSp>
-        <p:nvCxnSpPr>
-          <p:cNvPr id="16" name="Straight Arrow Connector 15"/>
-          <p:cNvCxnSpPr/>
-          <p:nvPr/>
-        </p:nvCxnSpPr>
-        <p:spPr>
-          <a:xfrm flipH="1">
-            <a:off x="5537200" y="3132894"/>
-            <a:ext cx="1218407" cy="0"/>
-          </a:xfrm>
-          <a:prstGeom prst="straightConnector1">
-            <a:avLst/>
-          </a:prstGeom>
-          <a:ln w="57150" cmpd="sng">
-            <a:solidFill>
-              <a:schemeClr val="accent2"/>
-            </a:solidFill>
-            <a:headEnd type="none"/>
-            <a:tailEnd type="triangle"/>
-          </a:ln>
-          <a:effectLst/>
-        </p:spPr>
-        <p:style>
-          <a:lnRef idx="2">
-            <a:schemeClr val="accent1"/>
-          </a:lnRef>
-          <a:fillRef idx="0">
-            <a:schemeClr val="accent1"/>
-          </a:fillRef>
-          <a:effectRef idx="1">
-            <a:schemeClr val="accent1"/>
-          </a:effectRef>
-          <a:fontRef idx="minor">
-            <a:schemeClr val="tx1"/>
-          </a:fontRef>
-        </p:style>
-      </p:cxnSp>
-      <p:sp>
-        <p:nvSpPr>
           <p:cNvPr id="7" name="Rectangle 6"/>
           <p:cNvSpPr/>
           <p:nvPr/>
@@ -8602,7 +8341,7 @@
     </p:spTree>
     <p:extLst>
       <p:ext uri="{BB962C8B-B14F-4D97-AF65-F5344CB8AC3E}">
-        <p14:creationId xmlns:p14="http://schemas.microsoft.com/office/powerpoint/2010/main" val="2992209754"/>
+        <p14:creationId xmlns:p14="http://schemas.microsoft.com/office/powerpoint/2010/main" val="2744471277"/>
       </p:ext>
     </p:extLst>
   </p:cSld>
@@ -8945,12 +8684,69 @@
           </a:p>
         </p:txBody>
       </p:sp>
+      <p:sp>
+        <p:nvSpPr>
+          <p:cNvPr id="15" name="Rectangle 14"/>
+          <p:cNvSpPr/>
+          <p:nvPr/>
+        </p:nvSpPr>
+        <p:spPr>
+          <a:xfrm>
+            <a:off x="3699937" y="2934560"/>
+            <a:ext cx="1730320" cy="396667"/>
+          </a:xfrm>
+          <a:prstGeom prst="rect">
+            <a:avLst/>
+          </a:prstGeom>
+          <a:solidFill>
+            <a:schemeClr val="accent4"/>
+          </a:solidFill>
+          <a:ln w="28575" cmpd="sng">
+            <a:solidFill>
+              <a:schemeClr val="accent1"/>
+            </a:solidFill>
+          </a:ln>
+          <a:effectLst/>
+        </p:spPr>
+        <p:style>
+          <a:lnRef idx="1">
+            <a:schemeClr val="accent1"/>
+          </a:lnRef>
+          <a:fillRef idx="3">
+            <a:schemeClr val="accent1"/>
+          </a:fillRef>
+          <a:effectRef idx="2">
+            <a:schemeClr val="accent1"/>
+          </a:effectRef>
+          <a:fontRef idx="minor">
+            <a:schemeClr val="lt1"/>
+          </a:fontRef>
+        </p:style>
+        <p:txBody>
+          <a:bodyPr rtlCol="0" anchor="ctr"/>
+          <a:lstStyle/>
+          <a:p>
+            <a:pPr algn="ctr"/>
+            <a:r>
+              <a:rPr lang="en-US" dirty="0" smtClean="0">
+                <a:solidFill>
+                  <a:srgbClr val="F8F8F8"/>
+                </a:solidFill>
+              </a:rPr>
+              <a:t>interpret input</a:t>
+            </a:r>
+            <a:endParaRPr lang="en-US" dirty="0">
+              <a:solidFill>
+                <a:srgbClr val="F8F8F8"/>
+              </a:solidFill>
+            </a:endParaRPr>
+          </a:p>
+        </p:txBody>
+      </p:sp>
       <p:cxnSp>
         <p:nvCxnSpPr>
-          <p:cNvPr id="12" name="Straight Arrow Connector 11"/>
-          <p:cNvCxnSpPr>
-            <a:stCxn id="7" idx="1"/>
-          </p:cNvCxnSpPr>
+          <p:cNvPr id="16" name="Straight Arrow Connector 15"/>
+          <p:cNvCxnSpPr/>
           <p:nvPr/>
         </p:nvCxnSpPr>
         <p:spPr>
@@ -9044,168 +8840,10 @@
           </a:p>
         </p:txBody>
       </p:sp>
-      <p:sp>
-        <p:nvSpPr>
-          <p:cNvPr id="14" name="Rectangle 13"/>
-          <p:cNvSpPr/>
-          <p:nvPr/>
-        </p:nvSpPr>
-        <p:spPr>
-          <a:xfrm>
-            <a:off x="3699937" y="4014227"/>
-            <a:ext cx="1730320" cy="396667"/>
-          </a:xfrm>
-          <a:prstGeom prst="rect">
-            <a:avLst/>
-          </a:prstGeom>
-          <a:solidFill>
-            <a:schemeClr val="accent4"/>
-          </a:solidFill>
-          <a:ln w="28575" cmpd="sng">
-            <a:solidFill>
-              <a:schemeClr val="accent1"/>
-            </a:solidFill>
-          </a:ln>
-          <a:effectLst/>
-        </p:spPr>
-        <p:style>
-          <a:lnRef idx="1">
-            <a:schemeClr val="accent1"/>
-          </a:lnRef>
-          <a:fillRef idx="3">
-            <a:schemeClr val="accent1"/>
-          </a:fillRef>
-          <a:effectRef idx="2">
-            <a:schemeClr val="accent1"/>
-          </a:effectRef>
-          <a:fontRef idx="minor">
-            <a:schemeClr val="lt1"/>
-          </a:fontRef>
-        </p:style>
-        <p:txBody>
-          <a:bodyPr rtlCol="0" anchor="ctr"/>
-          <a:lstStyle/>
-          <a:p>
-            <a:pPr algn="ctr"/>
-            <a:r>
-              <a:rPr lang="en-US" dirty="0" smtClean="0">
-                <a:solidFill>
-                  <a:srgbClr val="F8F8F8"/>
-                </a:solidFill>
-              </a:rPr>
-              <a:t>request data</a:t>
-            </a:r>
-            <a:endParaRPr lang="en-US" dirty="0">
-              <a:solidFill>
-                <a:srgbClr val="F8F8F8"/>
-              </a:solidFill>
-            </a:endParaRPr>
-          </a:p>
-        </p:txBody>
-      </p:sp>
-      <p:cxnSp>
-        <p:nvCxnSpPr>
-          <p:cNvPr id="15" name="Straight Arrow Connector 14"/>
-          <p:cNvCxnSpPr>
-            <a:stCxn id="13" idx="2"/>
-          </p:cNvCxnSpPr>
-          <p:nvPr/>
-        </p:nvCxnSpPr>
-        <p:spPr>
-          <a:xfrm>
-            <a:off x="4565097" y="3331227"/>
-            <a:ext cx="0" cy="614240"/>
-          </a:xfrm>
-          <a:prstGeom prst="straightConnector1">
-            <a:avLst/>
-          </a:prstGeom>
-          <a:ln w="57150" cmpd="sng">
-            <a:solidFill>
-              <a:schemeClr val="accent2"/>
-            </a:solidFill>
-            <a:headEnd type="none"/>
-            <a:tailEnd type="triangle"/>
-          </a:ln>
-          <a:effectLst/>
-        </p:spPr>
-        <p:style>
-          <a:lnRef idx="2">
-            <a:schemeClr val="accent1"/>
-          </a:lnRef>
-          <a:fillRef idx="0">
-            <a:schemeClr val="accent1"/>
-          </a:fillRef>
-          <a:effectRef idx="1">
-            <a:schemeClr val="accent1"/>
-          </a:effectRef>
-          <a:fontRef idx="minor">
-            <a:schemeClr val="tx1"/>
-          </a:fontRef>
-        </p:style>
-      </p:cxnSp>
-      <p:sp>
-        <p:nvSpPr>
-          <p:cNvPr id="13" name="Rectangle 12"/>
-          <p:cNvSpPr/>
-          <p:nvPr/>
-        </p:nvSpPr>
-        <p:spPr>
-          <a:xfrm>
-            <a:off x="3699937" y="2934560"/>
-            <a:ext cx="1730320" cy="396667"/>
-          </a:xfrm>
-          <a:prstGeom prst="rect">
-            <a:avLst/>
-          </a:prstGeom>
-          <a:solidFill>
-            <a:schemeClr val="accent4"/>
-          </a:solidFill>
-          <a:ln w="28575" cmpd="sng">
-            <a:solidFill>
-              <a:schemeClr val="accent1"/>
-            </a:solidFill>
-          </a:ln>
-          <a:effectLst/>
-        </p:spPr>
-        <p:style>
-          <a:lnRef idx="1">
-            <a:schemeClr val="accent1"/>
-          </a:lnRef>
-          <a:fillRef idx="3">
-            <a:schemeClr val="accent1"/>
-          </a:fillRef>
-          <a:effectRef idx="2">
-            <a:schemeClr val="accent1"/>
-          </a:effectRef>
-          <a:fontRef idx="minor">
-            <a:schemeClr val="lt1"/>
-          </a:fontRef>
-        </p:style>
-        <p:txBody>
-          <a:bodyPr rtlCol="0" anchor="ctr"/>
-          <a:lstStyle/>
-          <a:p>
-            <a:pPr algn="ctr"/>
-            <a:r>
-              <a:rPr lang="en-US" dirty="0" smtClean="0">
-                <a:solidFill>
-                  <a:srgbClr val="F8F8F8"/>
-                </a:solidFill>
-              </a:rPr>
-              <a:t>interpret input</a:t>
-            </a:r>
-            <a:endParaRPr lang="en-US" dirty="0">
-              <a:solidFill>
-                <a:srgbClr val="F8F8F8"/>
-              </a:solidFill>
-            </a:endParaRPr>
-          </a:p>
-        </p:txBody>
-      </p:sp>
     </p:spTree>
     <p:extLst>
       <p:ext uri="{BB962C8B-B14F-4D97-AF65-F5344CB8AC3E}">
-        <p14:creationId xmlns:p14="http://schemas.microsoft.com/office/powerpoint/2010/main" val="2922615046"/>
+        <p14:creationId xmlns:p14="http://schemas.microsoft.com/office/powerpoint/2010/main" val="2992209754"/>
       </p:ext>
     </p:extLst>
   </p:cSld>
@@ -9647,55 +9285,15 @@
           </a:p>
         </p:txBody>
       </p:sp>
-      <p:cxnSp>
-        <p:nvCxnSpPr>
-          <p:cNvPr id="15" name="Straight Arrow Connector 14"/>
-          <p:cNvCxnSpPr>
-            <a:stCxn id="13" idx="2"/>
-          </p:cNvCxnSpPr>
-          <p:nvPr/>
-        </p:nvCxnSpPr>
-        <p:spPr>
-          <a:xfrm>
-            <a:off x="4565097" y="3331227"/>
-            <a:ext cx="0" cy="614240"/>
-          </a:xfrm>
-          <a:prstGeom prst="straightConnector1">
-            <a:avLst/>
-          </a:prstGeom>
-          <a:ln w="57150" cmpd="sng">
-            <a:solidFill>
-              <a:schemeClr val="accent2"/>
-            </a:solidFill>
-            <a:headEnd type="none"/>
-            <a:tailEnd type="triangle"/>
-          </a:ln>
-          <a:effectLst/>
-        </p:spPr>
-        <p:style>
-          <a:lnRef idx="2">
-            <a:schemeClr val="accent1"/>
-          </a:lnRef>
-          <a:fillRef idx="0">
-            <a:schemeClr val="accent1"/>
-          </a:fillRef>
-          <a:effectRef idx="1">
-            <a:schemeClr val="accent1"/>
-          </a:effectRef>
-          <a:fontRef idx="minor">
-            <a:schemeClr val="tx1"/>
-          </a:fontRef>
-        </p:style>
-      </p:cxnSp>
-      <p:sp>
-        <p:nvSpPr>
-          <p:cNvPr id="13" name="Rectangle 12"/>
+      <p:sp>
+        <p:nvSpPr>
+          <p:cNvPr id="14" name="Rectangle 13"/>
           <p:cNvSpPr/>
           <p:nvPr/>
         </p:nvSpPr>
         <p:spPr>
           <a:xfrm>
-            <a:off x="3699937" y="2934560"/>
+            <a:off x="3699937" y="4014227"/>
             <a:ext cx="1730320" cy="396667"/>
           </a:xfrm>
           <a:prstGeom prst="rect">
@@ -9736,7 +9334,7 @@
                   <a:srgbClr val="F8F8F8"/>
                 </a:solidFill>
               </a:rPr>
-              <a:t>interpret input</a:t>
+              <a:t>request data</a:t>
             </a:r>
             <a:endParaRPr lang="en-US" dirty="0">
               <a:solidFill>
@@ -9746,75 +9344,18 @@
           </a:p>
         </p:txBody>
       </p:sp>
-      <p:sp>
-        <p:nvSpPr>
-          <p:cNvPr id="16" name="Rectangle 15"/>
-          <p:cNvSpPr/>
-          <p:nvPr/>
-        </p:nvSpPr>
-        <p:spPr>
-          <a:xfrm>
-            <a:off x="702737" y="4014227"/>
-            <a:ext cx="1730320" cy="396667"/>
-          </a:xfrm>
-          <a:prstGeom prst="rect">
-            <a:avLst/>
-          </a:prstGeom>
-          <a:solidFill>
-            <a:schemeClr val="accent5"/>
-          </a:solidFill>
-          <a:ln w="28575" cmpd="sng">
-            <a:solidFill>
-              <a:schemeClr val="accent1"/>
-            </a:solidFill>
-          </a:ln>
-          <a:effectLst/>
-        </p:spPr>
-        <p:style>
-          <a:lnRef idx="1">
-            <a:schemeClr val="accent1"/>
-          </a:lnRef>
-          <a:fillRef idx="3">
-            <a:schemeClr val="accent1"/>
-          </a:fillRef>
-          <a:effectRef idx="2">
-            <a:schemeClr val="accent1"/>
-          </a:effectRef>
-          <a:fontRef idx="minor">
-            <a:schemeClr val="lt1"/>
-          </a:fontRef>
-        </p:style>
-        <p:txBody>
-          <a:bodyPr rtlCol="0" anchor="ctr"/>
-          <a:lstStyle/>
-          <a:p>
-            <a:pPr algn="ctr"/>
-            <a:r>
-              <a:rPr lang="en-US" dirty="0" smtClean="0">
-                <a:solidFill>
-                  <a:srgbClr val="F8F8F8"/>
-                </a:solidFill>
-              </a:rPr>
-              <a:t>gather data</a:t>
-            </a:r>
-            <a:endParaRPr lang="en-US" dirty="0">
-              <a:solidFill>
-                <a:srgbClr val="F8F8F8"/>
-              </a:solidFill>
-            </a:endParaRPr>
-          </a:p>
-        </p:txBody>
-      </p:sp>
       <p:cxnSp>
         <p:nvCxnSpPr>
-          <p:cNvPr id="17" name="Straight Arrow Connector 16"/>
-          <p:cNvCxnSpPr/>
+          <p:cNvPr id="15" name="Straight Arrow Connector 14"/>
+          <p:cNvCxnSpPr>
+            <a:stCxn id="13" idx="2"/>
+          </p:cNvCxnSpPr>
           <p:nvPr/>
         </p:nvCxnSpPr>
         <p:spPr>
-          <a:xfrm flipH="1">
-            <a:off x="2557730" y="4237794"/>
-            <a:ext cx="1218407" cy="0"/>
+          <a:xfrm>
+            <a:off x="4565097" y="3331227"/>
+            <a:ext cx="0" cy="614240"/>
           </a:xfrm>
           <a:prstGeom prst="straightConnector1">
             <a:avLst/>
@@ -9845,13 +9386,13 @@
       </p:cxnSp>
       <p:sp>
         <p:nvSpPr>
-          <p:cNvPr id="14" name="Rectangle 13"/>
+          <p:cNvPr id="13" name="Rectangle 12"/>
           <p:cNvSpPr/>
           <p:nvPr/>
         </p:nvSpPr>
         <p:spPr>
           <a:xfrm>
-            <a:off x="3699937" y="4014227"/>
+            <a:off x="3699937" y="2934560"/>
             <a:ext cx="1730320" cy="396667"/>
           </a:xfrm>
           <a:prstGeom prst="rect">
@@ -9892,7 +9433,7 @@
                   <a:srgbClr val="F8F8F8"/>
                 </a:solidFill>
               </a:rPr>
-              <a:t>request data</a:t>
+              <a:t>interpret input</a:t>
             </a:r>
             <a:endParaRPr lang="en-US" dirty="0">
               <a:solidFill>
@@ -9905,7 +9446,7 @@
     </p:spTree>
     <p:extLst>
       <p:ext uri="{BB962C8B-B14F-4D97-AF65-F5344CB8AC3E}">
-        <p14:creationId xmlns:p14="http://schemas.microsoft.com/office/powerpoint/2010/main" val="200400826"/>
+        <p14:creationId xmlns:p14="http://schemas.microsoft.com/office/powerpoint/2010/main" val="2922615046"/>
       </p:ext>
     </p:extLst>
   </p:cSld>
@@ -10446,6 +9987,65 @@
           </a:p>
         </p:txBody>
       </p:sp>
+      <p:sp>
+        <p:nvSpPr>
+          <p:cNvPr id="16" name="Rectangle 15"/>
+          <p:cNvSpPr/>
+          <p:nvPr/>
+        </p:nvSpPr>
+        <p:spPr>
+          <a:xfrm>
+            <a:off x="702737" y="4014227"/>
+            <a:ext cx="1730320" cy="396667"/>
+          </a:xfrm>
+          <a:prstGeom prst="rect">
+            <a:avLst/>
+          </a:prstGeom>
+          <a:solidFill>
+            <a:schemeClr val="accent5"/>
+          </a:solidFill>
+          <a:ln w="28575" cmpd="sng">
+            <a:solidFill>
+              <a:schemeClr val="accent1"/>
+            </a:solidFill>
+          </a:ln>
+          <a:effectLst/>
+        </p:spPr>
+        <p:style>
+          <a:lnRef idx="1">
+            <a:schemeClr val="accent1"/>
+          </a:lnRef>
+          <a:fillRef idx="3">
+            <a:schemeClr val="accent1"/>
+          </a:fillRef>
+          <a:effectRef idx="2">
+            <a:schemeClr val="accent1"/>
+          </a:effectRef>
+          <a:fontRef idx="minor">
+            <a:schemeClr val="lt1"/>
+          </a:fontRef>
+        </p:style>
+        <p:txBody>
+          <a:bodyPr rtlCol="0" anchor="ctr"/>
+          <a:lstStyle/>
+          <a:p>
+            <a:pPr algn="ctr"/>
+            <a:r>
+              <a:rPr lang="en-US" dirty="0" smtClean="0">
+                <a:solidFill>
+                  <a:srgbClr val="F8F8F8"/>
+                </a:solidFill>
+              </a:rPr>
+              <a:t>gather data</a:t>
+            </a:r>
+            <a:endParaRPr lang="en-US" dirty="0">
+              <a:solidFill>
+                <a:srgbClr val="F8F8F8"/>
+              </a:solidFill>
+            </a:endParaRPr>
+          </a:p>
+        </p:txBody>
+      </p:sp>
       <p:cxnSp>
         <p:nvCxnSpPr>
           <p:cNvPr id="17" name="Straight Arrow Connector 16"/>
@@ -10543,166 +10143,10 @@
           </a:p>
         </p:txBody>
       </p:sp>
-      <p:sp>
-        <p:nvSpPr>
-          <p:cNvPr id="18" name="Rectangle 17"/>
-          <p:cNvSpPr/>
-          <p:nvPr/>
-        </p:nvSpPr>
-        <p:spPr>
-          <a:xfrm>
-            <a:off x="702737" y="5093893"/>
-            <a:ext cx="1730320" cy="396667"/>
-          </a:xfrm>
-          <a:prstGeom prst="rect">
-            <a:avLst/>
-          </a:prstGeom>
-          <a:solidFill>
-            <a:schemeClr val="accent5"/>
-          </a:solidFill>
-          <a:ln w="28575" cmpd="sng">
-            <a:solidFill>
-              <a:schemeClr val="accent1"/>
-            </a:solidFill>
-          </a:ln>
-          <a:effectLst/>
-        </p:spPr>
-        <p:style>
-          <a:lnRef idx="1">
-            <a:schemeClr val="accent1"/>
-          </a:lnRef>
-          <a:fillRef idx="3">
-            <a:schemeClr val="accent1"/>
-          </a:fillRef>
-          <a:effectRef idx="2">
-            <a:schemeClr val="accent1"/>
-          </a:effectRef>
-          <a:fontRef idx="minor">
-            <a:schemeClr val="lt1"/>
-          </a:fontRef>
-        </p:style>
-        <p:txBody>
-          <a:bodyPr rtlCol="0" anchor="ctr"/>
-          <a:lstStyle/>
-          <a:p>
-            <a:pPr algn="ctr"/>
-            <a:r>
-              <a:rPr lang="en-US" dirty="0" smtClean="0">
-                <a:solidFill>
-                  <a:srgbClr val="F8F8F8"/>
-                </a:solidFill>
-              </a:rPr>
-              <a:t>return data</a:t>
-            </a:r>
-            <a:endParaRPr lang="en-US" dirty="0">
-              <a:solidFill>
-                <a:srgbClr val="F8F8F8"/>
-              </a:solidFill>
-            </a:endParaRPr>
-          </a:p>
-        </p:txBody>
-      </p:sp>
-      <p:cxnSp>
-        <p:nvCxnSpPr>
-          <p:cNvPr id="19" name="Straight Arrow Connector 18"/>
-          <p:cNvCxnSpPr/>
-          <p:nvPr/>
-        </p:nvCxnSpPr>
-        <p:spPr>
-          <a:xfrm>
-            <a:off x="1567897" y="4410894"/>
-            <a:ext cx="0" cy="614240"/>
-          </a:xfrm>
-          <a:prstGeom prst="straightConnector1">
-            <a:avLst/>
-          </a:prstGeom>
-          <a:ln w="57150" cmpd="sng">
-            <a:solidFill>
-              <a:schemeClr val="accent2"/>
-            </a:solidFill>
-            <a:headEnd type="none"/>
-            <a:tailEnd type="triangle"/>
-          </a:ln>
-          <a:effectLst/>
-        </p:spPr>
-        <p:style>
-          <a:lnRef idx="2">
-            <a:schemeClr val="accent1"/>
-          </a:lnRef>
-          <a:fillRef idx="0">
-            <a:schemeClr val="accent1"/>
-          </a:fillRef>
-          <a:effectRef idx="1">
-            <a:schemeClr val="accent1"/>
-          </a:effectRef>
-          <a:fontRef idx="minor">
-            <a:schemeClr val="tx1"/>
-          </a:fontRef>
-        </p:style>
-      </p:cxnSp>
-      <p:sp>
-        <p:nvSpPr>
-          <p:cNvPr id="16" name="Rectangle 15"/>
-          <p:cNvSpPr/>
-          <p:nvPr/>
-        </p:nvSpPr>
-        <p:spPr>
-          <a:xfrm>
-            <a:off x="702737" y="4014227"/>
-            <a:ext cx="1730320" cy="396667"/>
-          </a:xfrm>
-          <a:prstGeom prst="rect">
-            <a:avLst/>
-          </a:prstGeom>
-          <a:solidFill>
-            <a:schemeClr val="accent5"/>
-          </a:solidFill>
-          <a:ln w="28575" cmpd="sng">
-            <a:solidFill>
-              <a:schemeClr val="accent1"/>
-            </a:solidFill>
-          </a:ln>
-          <a:effectLst/>
-        </p:spPr>
-        <p:style>
-          <a:lnRef idx="1">
-            <a:schemeClr val="accent1"/>
-          </a:lnRef>
-          <a:fillRef idx="3">
-            <a:schemeClr val="accent1"/>
-          </a:fillRef>
-          <a:effectRef idx="2">
-            <a:schemeClr val="accent1"/>
-          </a:effectRef>
-          <a:fontRef idx="minor">
-            <a:schemeClr val="lt1"/>
-          </a:fontRef>
-        </p:style>
-        <p:txBody>
-          <a:bodyPr rtlCol="0" anchor="ctr"/>
-          <a:lstStyle/>
-          <a:p>
-            <a:pPr algn="ctr"/>
-            <a:r>
-              <a:rPr lang="en-US" dirty="0" smtClean="0">
-                <a:solidFill>
-                  <a:srgbClr val="F8F8F8"/>
-                </a:solidFill>
-              </a:rPr>
-              <a:t>gather data</a:t>
-            </a:r>
-            <a:endParaRPr lang="en-US" dirty="0">
-              <a:solidFill>
-                <a:srgbClr val="F8F8F8"/>
-              </a:solidFill>
-            </a:endParaRPr>
-          </a:p>
-        </p:txBody>
-      </p:sp>
     </p:spTree>
     <p:extLst>
       <p:ext uri="{BB962C8B-B14F-4D97-AF65-F5344CB8AC3E}">
-        <p14:creationId xmlns:p14="http://schemas.microsoft.com/office/powerpoint/2010/main" val="96029311"/>
+        <p14:creationId xmlns:p14="http://schemas.microsoft.com/office/powerpoint/2010/main" val="200400826"/>
       </p:ext>
     </p:extLst>
   </p:cSld>
@@ -10757,7 +10201,6 @@
               <a:rPr lang="en-US" sz="3400" dirty="0" smtClean="0"/>
               <a:t>MVC is not much different than the code you are already writing. </a:t>
             </a:r>
-            <a:endParaRPr lang="en-US" sz="3400" dirty="0" smtClean="0"/>
           </a:p>
           <a:p>
             <a:endParaRPr lang="en-US" sz="3400" dirty="0" smtClean="0"/>
@@ -11364,7 +10807,7 @@
         </p:nvCxnSpPr>
         <p:spPr>
           <a:xfrm flipH="1">
-            <a:off x="2545030" y="4237794"/>
+            <a:off x="2557730" y="4237794"/>
             <a:ext cx="1218407" cy="0"/>
           </a:xfrm>
           <a:prstGeom prst="straightConnector1">
@@ -11453,53 +10896,15 @@
           </a:p>
         </p:txBody>
       </p:sp>
-      <p:cxnSp>
-        <p:nvCxnSpPr>
-          <p:cNvPr id="19" name="Straight Arrow Connector 18"/>
-          <p:cNvCxnSpPr/>
-          <p:nvPr/>
-        </p:nvCxnSpPr>
-        <p:spPr>
-          <a:xfrm>
-            <a:off x="1567897" y="4410894"/>
-            <a:ext cx="0" cy="614240"/>
-          </a:xfrm>
-          <a:prstGeom prst="straightConnector1">
-            <a:avLst/>
-          </a:prstGeom>
-          <a:ln w="57150" cmpd="sng">
-            <a:solidFill>
-              <a:schemeClr val="accent2"/>
-            </a:solidFill>
-            <a:headEnd type="none"/>
-            <a:tailEnd type="triangle"/>
-          </a:ln>
-          <a:effectLst/>
-        </p:spPr>
-        <p:style>
-          <a:lnRef idx="2">
-            <a:schemeClr val="accent1"/>
-          </a:lnRef>
-          <a:fillRef idx="0">
-            <a:schemeClr val="accent1"/>
-          </a:fillRef>
-          <a:effectRef idx="1">
-            <a:schemeClr val="accent1"/>
-          </a:effectRef>
-          <a:fontRef idx="minor">
-            <a:schemeClr val="tx1"/>
-          </a:fontRef>
-        </p:style>
-      </p:cxnSp>
-      <p:sp>
-        <p:nvSpPr>
-          <p:cNvPr id="16" name="Rectangle 15"/>
+      <p:sp>
+        <p:nvSpPr>
+          <p:cNvPr id="18" name="Rectangle 17"/>
           <p:cNvSpPr/>
           <p:nvPr/>
         </p:nvSpPr>
         <p:spPr>
           <a:xfrm>
-            <a:off x="702737" y="4014227"/>
+            <a:off x="702737" y="5093893"/>
             <a:ext cx="1730320" cy="396667"/>
           </a:xfrm>
           <a:prstGeom prst="rect">
@@ -11540,7 +10945,7 @@
                   <a:srgbClr val="F8F8F8"/>
                 </a:solidFill>
               </a:rPr>
-              <a:t>gather data</a:t>
+              <a:t>return data</a:t>
             </a:r>
             <a:endParaRPr lang="en-US" dirty="0">
               <a:solidFill>
@@ -11550,75 +10955,16 @@
           </a:p>
         </p:txBody>
       </p:sp>
-      <p:sp>
-        <p:nvSpPr>
-          <p:cNvPr id="20" name="Rectangle 19"/>
-          <p:cNvSpPr/>
-          <p:nvPr/>
-        </p:nvSpPr>
-        <p:spPr>
-          <a:xfrm>
-            <a:off x="3699937" y="5093893"/>
-            <a:ext cx="1730320" cy="396667"/>
-          </a:xfrm>
-          <a:prstGeom prst="rect">
-            <a:avLst/>
-          </a:prstGeom>
-          <a:solidFill>
-            <a:schemeClr val="accent4"/>
-          </a:solidFill>
-          <a:ln w="28575" cmpd="sng">
-            <a:solidFill>
-              <a:schemeClr val="accent1"/>
-            </a:solidFill>
-          </a:ln>
-          <a:effectLst/>
-        </p:spPr>
-        <p:style>
-          <a:lnRef idx="1">
-            <a:schemeClr val="accent1"/>
-          </a:lnRef>
-          <a:fillRef idx="3">
-            <a:schemeClr val="accent1"/>
-          </a:fillRef>
-          <a:effectRef idx="2">
-            <a:schemeClr val="accent1"/>
-          </a:effectRef>
-          <a:fontRef idx="minor">
-            <a:schemeClr val="lt1"/>
-          </a:fontRef>
-        </p:style>
-        <p:txBody>
-          <a:bodyPr rtlCol="0" anchor="ctr"/>
-          <a:lstStyle/>
-          <a:p>
-            <a:pPr algn="ctr"/>
-            <a:r>
-              <a:rPr lang="en-US" dirty="0" smtClean="0">
-                <a:solidFill>
-                  <a:srgbClr val="F8F8F8"/>
-                </a:solidFill>
-              </a:rPr>
-              <a:t>forward data</a:t>
-            </a:r>
-            <a:endParaRPr lang="en-US" dirty="0">
-              <a:solidFill>
-                <a:srgbClr val="F8F8F8"/>
-              </a:solidFill>
-            </a:endParaRPr>
-          </a:p>
-        </p:txBody>
-      </p:sp>
       <p:cxnSp>
         <p:nvCxnSpPr>
-          <p:cNvPr id="21" name="Straight Arrow Connector 20"/>
+          <p:cNvPr id="19" name="Straight Arrow Connector 18"/>
           <p:cNvCxnSpPr/>
           <p:nvPr/>
         </p:nvCxnSpPr>
         <p:spPr>
           <a:xfrm>
-            <a:off x="2382257" y="5300588"/>
-            <a:ext cx="1218407" cy="0"/>
+            <a:off x="1567897" y="4410894"/>
+            <a:ext cx="0" cy="614240"/>
           </a:xfrm>
           <a:prstGeom prst="straightConnector1">
             <a:avLst/>
@@ -11649,13 +10995,13 @@
       </p:cxnSp>
       <p:sp>
         <p:nvSpPr>
-          <p:cNvPr id="18" name="Rectangle 17"/>
+          <p:cNvPr id="16" name="Rectangle 15"/>
           <p:cNvSpPr/>
           <p:nvPr/>
         </p:nvSpPr>
         <p:spPr>
           <a:xfrm>
-            <a:off x="702737" y="5093893"/>
+            <a:off x="702737" y="4014227"/>
             <a:ext cx="1730320" cy="396667"/>
           </a:xfrm>
           <a:prstGeom prst="rect">
@@ -11696,7 +11042,7 @@
                   <a:srgbClr val="F8F8F8"/>
                 </a:solidFill>
               </a:rPr>
-              <a:t>return data</a:t>
+              <a:t>gather data</a:t>
             </a:r>
             <a:endParaRPr lang="en-US" dirty="0">
               <a:solidFill>
@@ -11709,7 +11055,7 @@
     </p:spTree>
     <p:extLst>
       <p:ext uri="{BB962C8B-B14F-4D97-AF65-F5344CB8AC3E}">
-        <p14:creationId xmlns:p14="http://schemas.microsoft.com/office/powerpoint/2010/main" val="3441382437"/>
+        <p14:creationId xmlns:p14="http://schemas.microsoft.com/office/powerpoint/2010/main" val="96029311"/>
       </p:ext>
     </p:extLst>
   </p:cSld>
@@ -12444,6 +11790,65 @@
           </a:p>
         </p:txBody>
       </p:sp>
+      <p:sp>
+        <p:nvSpPr>
+          <p:cNvPr id="20" name="Rectangle 19"/>
+          <p:cNvSpPr/>
+          <p:nvPr/>
+        </p:nvSpPr>
+        <p:spPr>
+          <a:xfrm>
+            <a:off x="3699937" y="5093893"/>
+            <a:ext cx="1730320" cy="396667"/>
+          </a:xfrm>
+          <a:prstGeom prst="rect">
+            <a:avLst/>
+          </a:prstGeom>
+          <a:solidFill>
+            <a:schemeClr val="accent4"/>
+          </a:solidFill>
+          <a:ln w="28575" cmpd="sng">
+            <a:solidFill>
+              <a:schemeClr val="accent1"/>
+            </a:solidFill>
+          </a:ln>
+          <a:effectLst/>
+        </p:spPr>
+        <p:style>
+          <a:lnRef idx="1">
+            <a:schemeClr val="accent1"/>
+          </a:lnRef>
+          <a:fillRef idx="3">
+            <a:schemeClr val="accent1"/>
+          </a:fillRef>
+          <a:effectRef idx="2">
+            <a:schemeClr val="accent1"/>
+          </a:effectRef>
+          <a:fontRef idx="minor">
+            <a:schemeClr val="lt1"/>
+          </a:fontRef>
+        </p:style>
+        <p:txBody>
+          <a:bodyPr rtlCol="0" anchor="ctr"/>
+          <a:lstStyle/>
+          <a:p>
+            <a:pPr algn="ctr"/>
+            <a:r>
+              <a:rPr lang="en-US" dirty="0" smtClean="0">
+                <a:solidFill>
+                  <a:srgbClr val="F8F8F8"/>
+                </a:solidFill>
+              </a:rPr>
+              <a:t>forward data</a:t>
+            </a:r>
+            <a:endParaRPr lang="en-US" dirty="0">
+              <a:solidFill>
+                <a:srgbClr val="F8F8F8"/>
+              </a:solidFill>
+            </a:endParaRPr>
+          </a:p>
+        </p:txBody>
+      </p:sp>
       <p:cxnSp>
         <p:nvCxnSpPr>
           <p:cNvPr id="21" name="Straight Arrow Connector 20"/>
@@ -12541,15 +11946,420 @@
           </a:p>
         </p:txBody>
       </p:sp>
-      <p:sp>
-        <p:nvSpPr>
-          <p:cNvPr id="22" name="Rectangle 21"/>
+    </p:spTree>
+    <p:extLst>
+      <p:ext uri="{BB962C8B-B14F-4D97-AF65-F5344CB8AC3E}">
+        <p14:creationId xmlns:p14="http://schemas.microsoft.com/office/powerpoint/2010/main" val="3441382437"/>
+      </p:ext>
+    </p:extLst>
+  </p:cSld>
+  <p:clrMapOvr>
+    <a:masterClrMapping/>
+  </p:clrMapOvr>
+  <p:timing>
+    <p:tnLst>
+      <p:par>
+        <p:cTn xmlns:p14="http://schemas.microsoft.com/office/powerpoint/2010/main" id="1" dur="indefinite" restart="never" nodeType="tmRoot"/>
+      </p:par>
+    </p:tnLst>
+  </p:timing>
+</p:sld>
+</file>
+
+<file path=ppt/slides/slide32.xml><?xml version="1.0" encoding="utf-8"?>
+<p:sld xmlns:a="http://schemas.openxmlformats.org/drawingml/2006/main" xmlns:r="http://schemas.openxmlformats.org/officeDocument/2006/relationships" xmlns:p="http://schemas.openxmlformats.org/presentationml/2006/main">
+  <p:cSld>
+    <p:spTree>
+      <p:nvGrpSpPr>
+        <p:cNvPr id="1" name=""/>
+        <p:cNvGrpSpPr/>
+        <p:nvPr/>
+      </p:nvGrpSpPr>
+      <p:grpSpPr>
+        <a:xfrm>
+          <a:off x="0" y="0"/>
+          <a:ext cx="0" cy="0"/>
+          <a:chOff x="0" y="0"/>
+          <a:chExt cx="0" cy="0"/>
+        </a:xfrm>
+      </p:grpSpPr>
+      <p:sp>
+        <p:nvSpPr>
+          <p:cNvPr id="2" name="Title 1"/>
+          <p:cNvSpPr>
+            <a:spLocks noGrp="1"/>
+          </p:cNvSpPr>
+          <p:nvPr>
+            <p:ph type="title"/>
+          </p:nvPr>
+        </p:nvSpPr>
+        <p:spPr>
+          <a:xfrm>
+            <a:off x="285416" y="105308"/>
+            <a:ext cx="8648090" cy="1143000"/>
+          </a:xfrm>
+        </p:spPr>
+        <p:txBody>
+          <a:bodyPr>
+            <a:normAutofit/>
+          </a:bodyPr>
+          <a:lstStyle/>
+          <a:p>
+            <a:r>
+              <a:rPr lang="en-US" sz="3300" dirty="0"/>
+              <a:t>Everything you need to </a:t>
+            </a:r>
+            <a:r>
+              <a:rPr lang="en-US" sz="3300" dirty="0" smtClean="0"/>
+              <a:t>visualize </a:t>
+            </a:r>
+            <a:r>
+              <a:rPr lang="en-US" sz="3300" dirty="0"/>
+              <a:t>the MVC pattern summed up in 1 </a:t>
+            </a:r>
+            <a:r>
+              <a:rPr lang="en-US" sz="3300" dirty="0" smtClean="0"/>
+              <a:t>slide</a:t>
+            </a:r>
+            <a:endParaRPr lang="en-US" dirty="0"/>
+          </a:p>
+        </p:txBody>
+      </p:sp>
+      <p:sp>
+        <p:nvSpPr>
+          <p:cNvPr id="3" name="Footer Placeholder 2"/>
+          <p:cNvSpPr>
+            <a:spLocks noGrp="1"/>
+          </p:cNvSpPr>
+          <p:nvPr>
+            <p:ph type="ftr" sz="quarter" idx="3"/>
+          </p:nvPr>
+        </p:nvSpPr>
+        <p:spPr/>
+        <p:txBody>
+          <a:bodyPr/>
+          <a:lstStyle/>
+          <a:p>
+            <a:r>
+              <a:rPr lang="en-US" smtClean="0"/>
+              <a:t>Model – View – Controller: A Design Pattern</a:t>
+            </a:r>
+            <a:endParaRPr lang="en-US" dirty="0"/>
+          </a:p>
+        </p:txBody>
+      </p:sp>
+      <p:sp>
+        <p:nvSpPr>
+          <p:cNvPr id="4" name="Rectangle 3"/>
           <p:cNvSpPr/>
           <p:nvPr/>
         </p:nvSpPr>
         <p:spPr>
           <a:xfrm>
-            <a:off x="6755607" y="5102254"/>
+            <a:off x="512064" y="2723877"/>
+            <a:ext cx="2150017" cy="3058909"/>
+          </a:xfrm>
+          <a:prstGeom prst="rect">
+            <a:avLst/>
+          </a:prstGeom>
+          <a:solidFill>
+            <a:srgbClr val="00A9B9"/>
+          </a:solidFill>
+          <a:ln>
+            <a:noFill/>
+          </a:ln>
+          <a:effectLst/>
+        </p:spPr>
+        <p:style>
+          <a:lnRef idx="1">
+            <a:schemeClr val="accent1"/>
+          </a:lnRef>
+          <a:fillRef idx="3">
+            <a:schemeClr val="accent1"/>
+          </a:fillRef>
+          <a:effectRef idx="2">
+            <a:schemeClr val="accent1"/>
+          </a:effectRef>
+          <a:fontRef idx="minor">
+            <a:schemeClr val="lt1"/>
+          </a:fontRef>
+        </p:style>
+        <p:txBody>
+          <a:bodyPr rtlCol="0" anchor="t"/>
+          <a:lstStyle/>
+          <a:p>
+            <a:endParaRPr lang="en-US" sz="2200" dirty="0">
+              <a:solidFill>
+                <a:schemeClr val="accent1"/>
+              </a:solidFill>
+            </a:endParaRPr>
+          </a:p>
+          <a:p>
+            <a:pPr marL="111125"/>
+            <a:endParaRPr lang="en-US" sz="2200" dirty="0" smtClean="0">
+              <a:solidFill>
+                <a:schemeClr val="accent1"/>
+              </a:solidFill>
+            </a:endParaRPr>
+          </a:p>
+        </p:txBody>
+      </p:sp>
+      <p:sp>
+        <p:nvSpPr>
+          <p:cNvPr id="5" name="Rectangle 4"/>
+          <p:cNvSpPr/>
+          <p:nvPr/>
+        </p:nvSpPr>
+        <p:spPr>
+          <a:xfrm>
+            <a:off x="3493911" y="2668662"/>
+            <a:ext cx="2150017" cy="3058909"/>
+          </a:xfrm>
+          <a:prstGeom prst="rect">
+            <a:avLst/>
+          </a:prstGeom>
+          <a:solidFill>
+            <a:srgbClr val="EA4A3C"/>
+          </a:solidFill>
+          <a:ln>
+            <a:noFill/>
+          </a:ln>
+          <a:effectLst/>
+        </p:spPr>
+        <p:style>
+          <a:lnRef idx="1">
+            <a:schemeClr val="accent1"/>
+          </a:lnRef>
+          <a:fillRef idx="3">
+            <a:schemeClr val="accent1"/>
+          </a:fillRef>
+          <a:effectRef idx="2">
+            <a:schemeClr val="accent1"/>
+          </a:effectRef>
+          <a:fontRef idx="minor">
+            <a:schemeClr val="lt1"/>
+          </a:fontRef>
+        </p:style>
+        <p:txBody>
+          <a:bodyPr rtlCol="0" anchor="t"/>
+          <a:lstStyle/>
+          <a:p>
+            <a:pPr marL="111125"/>
+            <a:endParaRPr lang="en-US" sz="2200" dirty="0" smtClean="0">
+              <a:solidFill>
+                <a:srgbClr val="F8F8F8"/>
+              </a:solidFill>
+            </a:endParaRPr>
+          </a:p>
+          <a:p>
+            <a:pPr marL="111125"/>
+            <a:endParaRPr lang="en-US" sz="2200" dirty="0" smtClean="0">
+              <a:solidFill>
+                <a:srgbClr val="F8F8F8"/>
+              </a:solidFill>
+            </a:endParaRPr>
+          </a:p>
+        </p:txBody>
+      </p:sp>
+      <p:sp>
+        <p:nvSpPr>
+          <p:cNvPr id="6" name="Rectangle 5"/>
+          <p:cNvSpPr/>
+          <p:nvPr/>
+        </p:nvSpPr>
+        <p:spPr>
+          <a:xfrm>
+            <a:off x="6536783" y="2723877"/>
+            <a:ext cx="2150017" cy="3058909"/>
+          </a:xfrm>
+          <a:prstGeom prst="rect">
+            <a:avLst/>
+          </a:prstGeom>
+          <a:solidFill>
+            <a:schemeClr val="accent6"/>
+          </a:solidFill>
+          <a:ln>
+            <a:noFill/>
+          </a:ln>
+          <a:effectLst/>
+        </p:spPr>
+        <p:style>
+          <a:lnRef idx="1">
+            <a:schemeClr val="accent1"/>
+          </a:lnRef>
+          <a:fillRef idx="3">
+            <a:schemeClr val="accent1"/>
+          </a:fillRef>
+          <a:effectRef idx="2">
+            <a:schemeClr val="accent1"/>
+          </a:effectRef>
+          <a:fontRef idx="minor">
+            <a:schemeClr val="lt1"/>
+          </a:fontRef>
+        </p:style>
+        <p:txBody>
+          <a:bodyPr rtlCol="0" anchor="t"/>
+          <a:lstStyle/>
+          <a:p>
+            <a:pPr marL="111125"/>
+            <a:endParaRPr lang="en-US" sz="2200" dirty="0" smtClean="0">
+              <a:solidFill>
+                <a:srgbClr val="F8F8F8"/>
+              </a:solidFill>
+            </a:endParaRPr>
+          </a:p>
+          <a:p>
+            <a:pPr marL="111125"/>
+            <a:endParaRPr lang="en-US" sz="2200" dirty="0" smtClean="0">
+              <a:solidFill>
+                <a:srgbClr val="F8F8F8"/>
+              </a:solidFill>
+            </a:endParaRPr>
+          </a:p>
+        </p:txBody>
+      </p:sp>
+      <p:sp>
+        <p:nvSpPr>
+          <p:cNvPr id="8" name="TextBox 7"/>
+          <p:cNvSpPr txBox="1"/>
+          <p:nvPr/>
+        </p:nvSpPr>
+        <p:spPr>
+          <a:xfrm>
+            <a:off x="457200" y="1865376"/>
+            <a:ext cx="2204881" cy="584776"/>
+          </a:xfrm>
+          <a:prstGeom prst="rect">
+            <a:avLst/>
+          </a:prstGeom>
+          <a:noFill/>
+        </p:spPr>
+        <p:txBody>
+          <a:bodyPr wrap="square" rtlCol="0">
+            <a:spAutoFit/>
+          </a:bodyPr>
+          <a:lstStyle/>
+          <a:p>
+            <a:pPr algn="ctr"/>
+            <a:r>
+              <a:rPr lang="en-US" sz="3200" dirty="0" smtClean="0"/>
+              <a:t>Model</a:t>
+            </a:r>
+            <a:endParaRPr lang="en-US" sz="3200" dirty="0"/>
+          </a:p>
+        </p:txBody>
+      </p:sp>
+      <p:sp>
+        <p:nvSpPr>
+          <p:cNvPr id="10" name="TextBox 9"/>
+          <p:cNvSpPr txBox="1"/>
+          <p:nvPr/>
+        </p:nvSpPr>
+        <p:spPr>
+          <a:xfrm>
+            <a:off x="3493911" y="1865376"/>
+            <a:ext cx="2204881" cy="584776"/>
+          </a:xfrm>
+          <a:prstGeom prst="rect">
+            <a:avLst/>
+          </a:prstGeom>
+          <a:noFill/>
+        </p:spPr>
+        <p:txBody>
+          <a:bodyPr wrap="square" rtlCol="0">
+            <a:spAutoFit/>
+          </a:bodyPr>
+          <a:lstStyle/>
+          <a:p>
+            <a:pPr algn="ctr"/>
+            <a:r>
+              <a:rPr lang="en-US" sz="3200" dirty="0" smtClean="0"/>
+              <a:t>Controller</a:t>
+            </a:r>
+            <a:endParaRPr lang="en-US" sz="3200" dirty="0"/>
+          </a:p>
+        </p:txBody>
+      </p:sp>
+      <p:sp>
+        <p:nvSpPr>
+          <p:cNvPr id="11" name="TextBox 10"/>
+          <p:cNvSpPr txBox="1"/>
+          <p:nvPr/>
+        </p:nvSpPr>
+        <p:spPr>
+          <a:xfrm>
+            <a:off x="6536783" y="1865376"/>
+            <a:ext cx="2204881" cy="584776"/>
+          </a:xfrm>
+          <a:prstGeom prst="rect">
+            <a:avLst/>
+          </a:prstGeom>
+          <a:noFill/>
+        </p:spPr>
+        <p:txBody>
+          <a:bodyPr wrap="square" rtlCol="0">
+            <a:spAutoFit/>
+          </a:bodyPr>
+          <a:lstStyle/>
+          <a:p>
+            <a:pPr algn="ctr"/>
+            <a:r>
+              <a:rPr lang="en-US" sz="3200" dirty="0" smtClean="0"/>
+              <a:t>View</a:t>
+            </a:r>
+            <a:endParaRPr lang="en-US" sz="3200" dirty="0"/>
+          </a:p>
+        </p:txBody>
+      </p:sp>
+      <p:cxnSp>
+        <p:nvCxnSpPr>
+          <p:cNvPr id="12" name="Straight Arrow Connector 11"/>
+          <p:cNvCxnSpPr>
+            <a:stCxn id="7" idx="1"/>
+          </p:cNvCxnSpPr>
+          <p:nvPr/>
+        </p:nvCxnSpPr>
+        <p:spPr>
+          <a:xfrm flipH="1">
+            <a:off x="5537200" y="3132894"/>
+            <a:ext cx="1218407" cy="0"/>
+          </a:xfrm>
+          <a:prstGeom prst="straightConnector1">
+            <a:avLst/>
+          </a:prstGeom>
+          <a:ln w="57150" cmpd="sng">
+            <a:solidFill>
+              <a:schemeClr val="accent2"/>
+            </a:solidFill>
+            <a:headEnd type="none"/>
+            <a:tailEnd type="triangle"/>
+          </a:ln>
+          <a:effectLst/>
+        </p:spPr>
+        <p:style>
+          <a:lnRef idx="2">
+            <a:schemeClr val="accent1"/>
+          </a:lnRef>
+          <a:fillRef idx="0">
+            <a:schemeClr val="accent1"/>
+          </a:fillRef>
+          <a:effectRef idx="1">
+            <a:schemeClr val="accent1"/>
+          </a:effectRef>
+          <a:fontRef idx="minor">
+            <a:schemeClr val="tx1"/>
+          </a:fontRef>
+        </p:style>
+      </p:cxnSp>
+      <p:sp>
+        <p:nvSpPr>
+          <p:cNvPr id="7" name="Rectangle 6"/>
+          <p:cNvSpPr/>
+          <p:nvPr/>
+        </p:nvSpPr>
+        <p:spPr>
+          <a:xfrm>
+            <a:off x="6755607" y="2934560"/>
             <a:ext cx="1730320" cy="396667"/>
           </a:xfrm>
           <a:prstGeom prst="rect">
@@ -12590,7 +12400,7 @@
                   <a:srgbClr val="F8F8F8"/>
                 </a:solidFill>
               </a:rPr>
-              <a:t>display data</a:t>
+              <a:t>send input</a:t>
             </a:r>
             <a:endParaRPr lang="en-US" dirty="0">
               <a:solidFill>
@@ -12602,14 +12412,16 @@
       </p:sp>
       <p:cxnSp>
         <p:nvCxnSpPr>
-          <p:cNvPr id="23" name="Straight Arrow Connector 22"/>
-          <p:cNvCxnSpPr/>
+          <p:cNvPr id="15" name="Straight Arrow Connector 14"/>
+          <p:cNvCxnSpPr>
+            <a:stCxn id="13" idx="2"/>
+          </p:cNvCxnSpPr>
           <p:nvPr/>
         </p:nvCxnSpPr>
         <p:spPr>
           <a:xfrm>
-            <a:off x="5430257" y="5300588"/>
-            <a:ext cx="1218407" cy="0"/>
+            <a:off x="4565097" y="3331227"/>
+            <a:ext cx="0" cy="614240"/>
           </a:xfrm>
           <a:prstGeom prst="straightConnector1">
             <a:avLst/>
@@ -12640,13 +12452,13 @@
       </p:cxnSp>
       <p:sp>
         <p:nvSpPr>
-          <p:cNvPr id="20" name="Rectangle 19"/>
+          <p:cNvPr id="13" name="Rectangle 12"/>
           <p:cNvSpPr/>
           <p:nvPr/>
         </p:nvSpPr>
         <p:spPr>
           <a:xfrm>
-            <a:off x="3699937" y="5093893"/>
+            <a:off x="3699937" y="2934560"/>
             <a:ext cx="1730320" cy="396667"/>
           </a:xfrm>
           <a:prstGeom prst="rect">
@@ -12687,7 +12499,7 @@
                   <a:srgbClr val="F8F8F8"/>
                 </a:solidFill>
               </a:rPr>
-              <a:t>forward data</a:t>
+              <a:t>interpret input</a:t>
             </a:r>
             <a:endParaRPr lang="en-US" dirty="0">
               <a:solidFill>
@@ -12697,10 +12509,1467 @@
           </a:p>
         </p:txBody>
       </p:sp>
+      <p:cxnSp>
+        <p:nvCxnSpPr>
+          <p:cNvPr id="17" name="Straight Arrow Connector 16"/>
+          <p:cNvCxnSpPr/>
+          <p:nvPr/>
+        </p:nvCxnSpPr>
+        <p:spPr>
+          <a:xfrm flipH="1">
+            <a:off x="2545030" y="4237794"/>
+            <a:ext cx="1218407" cy="0"/>
+          </a:xfrm>
+          <a:prstGeom prst="straightConnector1">
+            <a:avLst/>
+          </a:prstGeom>
+          <a:ln w="57150" cmpd="sng">
+            <a:solidFill>
+              <a:schemeClr val="accent2"/>
+            </a:solidFill>
+            <a:headEnd type="none"/>
+            <a:tailEnd type="triangle"/>
+          </a:ln>
+          <a:effectLst/>
+        </p:spPr>
+        <p:style>
+          <a:lnRef idx="2">
+            <a:schemeClr val="accent1"/>
+          </a:lnRef>
+          <a:fillRef idx="0">
+            <a:schemeClr val="accent1"/>
+          </a:fillRef>
+          <a:effectRef idx="1">
+            <a:schemeClr val="accent1"/>
+          </a:effectRef>
+          <a:fontRef idx="minor">
+            <a:schemeClr val="tx1"/>
+          </a:fontRef>
+        </p:style>
+      </p:cxnSp>
+      <p:sp>
+        <p:nvSpPr>
+          <p:cNvPr id="14" name="Rectangle 13"/>
+          <p:cNvSpPr/>
+          <p:nvPr/>
+        </p:nvSpPr>
+        <p:spPr>
+          <a:xfrm>
+            <a:off x="3699937" y="4014227"/>
+            <a:ext cx="1730320" cy="396667"/>
+          </a:xfrm>
+          <a:prstGeom prst="rect">
+            <a:avLst/>
+          </a:prstGeom>
+          <a:solidFill>
+            <a:schemeClr val="accent4"/>
+          </a:solidFill>
+          <a:ln w="28575" cmpd="sng">
+            <a:solidFill>
+              <a:schemeClr val="accent1"/>
+            </a:solidFill>
+          </a:ln>
+          <a:effectLst/>
+        </p:spPr>
+        <p:style>
+          <a:lnRef idx="1">
+            <a:schemeClr val="accent1"/>
+          </a:lnRef>
+          <a:fillRef idx="3">
+            <a:schemeClr val="accent1"/>
+          </a:fillRef>
+          <a:effectRef idx="2">
+            <a:schemeClr val="accent1"/>
+          </a:effectRef>
+          <a:fontRef idx="minor">
+            <a:schemeClr val="lt1"/>
+          </a:fontRef>
+        </p:style>
+        <p:txBody>
+          <a:bodyPr rtlCol="0" anchor="ctr"/>
+          <a:lstStyle/>
+          <a:p>
+            <a:pPr algn="ctr"/>
+            <a:r>
+              <a:rPr lang="en-US" dirty="0" smtClean="0">
+                <a:solidFill>
+                  <a:srgbClr val="F8F8F8"/>
+                </a:solidFill>
+              </a:rPr>
+              <a:t>request data</a:t>
+            </a:r>
+            <a:endParaRPr lang="en-US" dirty="0">
+              <a:solidFill>
+                <a:srgbClr val="F8F8F8"/>
+              </a:solidFill>
+            </a:endParaRPr>
+          </a:p>
+        </p:txBody>
+      </p:sp>
+      <p:cxnSp>
+        <p:nvCxnSpPr>
+          <p:cNvPr id="19" name="Straight Arrow Connector 18"/>
+          <p:cNvCxnSpPr/>
+          <p:nvPr/>
+        </p:nvCxnSpPr>
+        <p:spPr>
+          <a:xfrm>
+            <a:off x="1567897" y="4410894"/>
+            <a:ext cx="0" cy="614240"/>
+          </a:xfrm>
+          <a:prstGeom prst="straightConnector1">
+            <a:avLst/>
+          </a:prstGeom>
+          <a:ln w="57150" cmpd="sng">
+            <a:solidFill>
+              <a:schemeClr val="accent2"/>
+            </a:solidFill>
+            <a:headEnd type="none"/>
+            <a:tailEnd type="triangle"/>
+          </a:ln>
+          <a:effectLst/>
+        </p:spPr>
+        <p:style>
+          <a:lnRef idx="2">
+            <a:schemeClr val="accent1"/>
+          </a:lnRef>
+          <a:fillRef idx="0">
+            <a:schemeClr val="accent1"/>
+          </a:fillRef>
+          <a:effectRef idx="1">
+            <a:schemeClr val="accent1"/>
+          </a:effectRef>
+          <a:fontRef idx="minor">
+            <a:schemeClr val="tx1"/>
+          </a:fontRef>
+        </p:style>
+      </p:cxnSp>
+      <p:sp>
+        <p:nvSpPr>
+          <p:cNvPr id="16" name="Rectangle 15"/>
+          <p:cNvSpPr/>
+          <p:nvPr/>
+        </p:nvSpPr>
+        <p:spPr>
+          <a:xfrm>
+            <a:off x="702737" y="4014227"/>
+            <a:ext cx="1730320" cy="396667"/>
+          </a:xfrm>
+          <a:prstGeom prst="rect">
+            <a:avLst/>
+          </a:prstGeom>
+          <a:solidFill>
+            <a:schemeClr val="accent5"/>
+          </a:solidFill>
+          <a:ln w="28575" cmpd="sng">
+            <a:solidFill>
+              <a:schemeClr val="accent1"/>
+            </a:solidFill>
+          </a:ln>
+          <a:effectLst/>
+        </p:spPr>
+        <p:style>
+          <a:lnRef idx="1">
+            <a:schemeClr val="accent1"/>
+          </a:lnRef>
+          <a:fillRef idx="3">
+            <a:schemeClr val="accent1"/>
+          </a:fillRef>
+          <a:effectRef idx="2">
+            <a:schemeClr val="accent1"/>
+          </a:effectRef>
+          <a:fontRef idx="minor">
+            <a:schemeClr val="lt1"/>
+          </a:fontRef>
+        </p:style>
+        <p:txBody>
+          <a:bodyPr rtlCol="0" anchor="ctr"/>
+          <a:lstStyle/>
+          <a:p>
+            <a:pPr algn="ctr"/>
+            <a:r>
+              <a:rPr lang="en-US" dirty="0" smtClean="0">
+                <a:solidFill>
+                  <a:srgbClr val="F8F8F8"/>
+                </a:solidFill>
+              </a:rPr>
+              <a:t>gather data</a:t>
+            </a:r>
+            <a:endParaRPr lang="en-US" dirty="0">
+              <a:solidFill>
+                <a:srgbClr val="F8F8F8"/>
+              </a:solidFill>
+            </a:endParaRPr>
+          </a:p>
+        </p:txBody>
+      </p:sp>
+      <p:cxnSp>
+        <p:nvCxnSpPr>
+          <p:cNvPr id="21" name="Straight Arrow Connector 20"/>
+          <p:cNvCxnSpPr/>
+          <p:nvPr/>
+        </p:nvCxnSpPr>
+        <p:spPr>
+          <a:xfrm>
+            <a:off x="2382257" y="5300588"/>
+            <a:ext cx="1218407" cy="0"/>
+          </a:xfrm>
+          <a:prstGeom prst="straightConnector1">
+            <a:avLst/>
+          </a:prstGeom>
+          <a:ln w="57150" cmpd="sng">
+            <a:solidFill>
+              <a:schemeClr val="accent2"/>
+            </a:solidFill>
+            <a:headEnd type="none"/>
+            <a:tailEnd type="triangle"/>
+          </a:ln>
+          <a:effectLst/>
+        </p:spPr>
+        <p:style>
+          <a:lnRef idx="2">
+            <a:schemeClr val="accent1"/>
+          </a:lnRef>
+          <a:fillRef idx="0">
+            <a:schemeClr val="accent1"/>
+          </a:fillRef>
+          <a:effectRef idx="1">
+            <a:schemeClr val="accent1"/>
+          </a:effectRef>
+          <a:fontRef idx="minor">
+            <a:schemeClr val="tx1"/>
+          </a:fontRef>
+        </p:style>
+      </p:cxnSp>
+      <p:sp>
+        <p:nvSpPr>
+          <p:cNvPr id="18" name="Rectangle 17"/>
+          <p:cNvSpPr/>
+          <p:nvPr/>
+        </p:nvSpPr>
+        <p:spPr>
+          <a:xfrm>
+            <a:off x="702737" y="5093893"/>
+            <a:ext cx="1730320" cy="396667"/>
+          </a:xfrm>
+          <a:prstGeom prst="rect">
+            <a:avLst/>
+          </a:prstGeom>
+          <a:solidFill>
+            <a:schemeClr val="accent5"/>
+          </a:solidFill>
+          <a:ln w="28575" cmpd="sng">
+            <a:solidFill>
+              <a:schemeClr val="accent1"/>
+            </a:solidFill>
+          </a:ln>
+          <a:effectLst/>
+        </p:spPr>
+        <p:style>
+          <a:lnRef idx="1">
+            <a:schemeClr val="accent1"/>
+          </a:lnRef>
+          <a:fillRef idx="3">
+            <a:schemeClr val="accent1"/>
+          </a:fillRef>
+          <a:effectRef idx="2">
+            <a:schemeClr val="accent1"/>
+          </a:effectRef>
+          <a:fontRef idx="minor">
+            <a:schemeClr val="lt1"/>
+          </a:fontRef>
+        </p:style>
+        <p:txBody>
+          <a:bodyPr rtlCol="0" anchor="ctr"/>
+          <a:lstStyle/>
+          <a:p>
+            <a:pPr algn="ctr"/>
+            <a:r>
+              <a:rPr lang="en-US" dirty="0" smtClean="0">
+                <a:solidFill>
+                  <a:srgbClr val="F8F8F8"/>
+                </a:solidFill>
+              </a:rPr>
+              <a:t>return data</a:t>
+            </a:r>
+            <a:endParaRPr lang="en-US" dirty="0">
+              <a:solidFill>
+                <a:srgbClr val="F8F8F8"/>
+              </a:solidFill>
+            </a:endParaRPr>
+          </a:p>
+        </p:txBody>
+      </p:sp>
+      <p:sp>
+        <p:nvSpPr>
+          <p:cNvPr id="22" name="Rectangle 21"/>
+          <p:cNvSpPr/>
+          <p:nvPr/>
+        </p:nvSpPr>
+        <p:spPr>
+          <a:xfrm>
+            <a:off x="6755607" y="5102254"/>
+            <a:ext cx="1730320" cy="396667"/>
+          </a:xfrm>
+          <a:prstGeom prst="rect">
+            <a:avLst/>
+          </a:prstGeom>
+          <a:solidFill>
+            <a:schemeClr val="accent6"/>
+          </a:solidFill>
+          <a:ln w="28575" cmpd="sng">
+            <a:solidFill>
+              <a:schemeClr val="accent1"/>
+            </a:solidFill>
+          </a:ln>
+          <a:effectLst/>
+        </p:spPr>
+        <p:style>
+          <a:lnRef idx="1">
+            <a:schemeClr val="accent1"/>
+          </a:lnRef>
+          <a:fillRef idx="3">
+            <a:schemeClr val="accent1"/>
+          </a:fillRef>
+          <a:effectRef idx="2">
+            <a:schemeClr val="accent1"/>
+          </a:effectRef>
+          <a:fontRef idx="minor">
+            <a:schemeClr val="lt1"/>
+          </a:fontRef>
+        </p:style>
+        <p:txBody>
+          <a:bodyPr rtlCol="0" anchor="ctr"/>
+          <a:lstStyle/>
+          <a:p>
+            <a:pPr algn="ctr"/>
+            <a:r>
+              <a:rPr lang="en-US" dirty="0" smtClean="0">
+                <a:solidFill>
+                  <a:srgbClr val="F8F8F8"/>
+                </a:solidFill>
+              </a:rPr>
+              <a:t>display data</a:t>
+            </a:r>
+            <a:endParaRPr lang="en-US" dirty="0">
+              <a:solidFill>
+                <a:srgbClr val="F8F8F8"/>
+              </a:solidFill>
+            </a:endParaRPr>
+          </a:p>
+        </p:txBody>
+      </p:sp>
+      <p:cxnSp>
+        <p:nvCxnSpPr>
+          <p:cNvPr id="23" name="Straight Arrow Connector 22"/>
+          <p:cNvCxnSpPr/>
+          <p:nvPr/>
+        </p:nvCxnSpPr>
+        <p:spPr>
+          <a:xfrm>
+            <a:off x="5430257" y="5300588"/>
+            <a:ext cx="1218407" cy="0"/>
+          </a:xfrm>
+          <a:prstGeom prst="straightConnector1">
+            <a:avLst/>
+          </a:prstGeom>
+          <a:ln w="57150" cmpd="sng">
+            <a:solidFill>
+              <a:schemeClr val="accent2"/>
+            </a:solidFill>
+            <a:headEnd type="none"/>
+            <a:tailEnd type="triangle"/>
+          </a:ln>
+          <a:effectLst/>
+        </p:spPr>
+        <p:style>
+          <a:lnRef idx="2">
+            <a:schemeClr val="accent1"/>
+          </a:lnRef>
+          <a:fillRef idx="0">
+            <a:schemeClr val="accent1"/>
+          </a:fillRef>
+          <a:effectRef idx="1">
+            <a:schemeClr val="accent1"/>
+          </a:effectRef>
+          <a:fontRef idx="minor">
+            <a:schemeClr val="tx1"/>
+          </a:fontRef>
+        </p:style>
+      </p:cxnSp>
+      <p:sp>
+        <p:nvSpPr>
+          <p:cNvPr id="20" name="Rectangle 19"/>
+          <p:cNvSpPr/>
+          <p:nvPr/>
+        </p:nvSpPr>
+        <p:spPr>
+          <a:xfrm>
+            <a:off x="3699937" y="5093893"/>
+            <a:ext cx="1730320" cy="396667"/>
+          </a:xfrm>
+          <a:prstGeom prst="rect">
+            <a:avLst/>
+          </a:prstGeom>
+          <a:solidFill>
+            <a:schemeClr val="accent4"/>
+          </a:solidFill>
+          <a:ln w="28575" cmpd="sng">
+            <a:solidFill>
+              <a:schemeClr val="accent1"/>
+            </a:solidFill>
+          </a:ln>
+          <a:effectLst/>
+        </p:spPr>
+        <p:style>
+          <a:lnRef idx="1">
+            <a:schemeClr val="accent1"/>
+          </a:lnRef>
+          <a:fillRef idx="3">
+            <a:schemeClr val="accent1"/>
+          </a:fillRef>
+          <a:effectRef idx="2">
+            <a:schemeClr val="accent1"/>
+          </a:effectRef>
+          <a:fontRef idx="minor">
+            <a:schemeClr val="lt1"/>
+          </a:fontRef>
+        </p:style>
+        <p:txBody>
+          <a:bodyPr rtlCol="0" anchor="ctr"/>
+          <a:lstStyle/>
+          <a:p>
+            <a:pPr algn="ctr"/>
+            <a:r>
+              <a:rPr lang="en-US" dirty="0" smtClean="0">
+                <a:solidFill>
+                  <a:srgbClr val="F8F8F8"/>
+                </a:solidFill>
+              </a:rPr>
+              <a:t>forward data</a:t>
+            </a:r>
+            <a:endParaRPr lang="en-US" dirty="0">
+              <a:solidFill>
+                <a:srgbClr val="F8F8F8"/>
+              </a:solidFill>
+            </a:endParaRPr>
+          </a:p>
+        </p:txBody>
+      </p:sp>
     </p:spTree>
     <p:extLst>
       <p:ext uri="{BB962C8B-B14F-4D97-AF65-F5344CB8AC3E}">
         <p14:creationId xmlns:p14="http://schemas.microsoft.com/office/powerpoint/2010/main" val="3901540482"/>
+      </p:ext>
+    </p:extLst>
+  </p:cSld>
+  <p:clrMapOvr>
+    <a:masterClrMapping/>
+  </p:clrMapOvr>
+  <p:timing>
+    <p:tnLst>
+      <p:par>
+        <p:cTn xmlns:p14="http://schemas.microsoft.com/office/powerpoint/2010/main" id="1" dur="indefinite" restart="never" nodeType="tmRoot"/>
+      </p:par>
+    </p:tnLst>
+  </p:timing>
+</p:sld>
+</file>
+
+<file path=ppt/slides/slide33.xml><?xml version="1.0" encoding="utf-8"?>
+<p:sld xmlns:a="http://schemas.openxmlformats.org/drawingml/2006/main" xmlns:r="http://schemas.openxmlformats.org/officeDocument/2006/relationships" xmlns:p="http://schemas.openxmlformats.org/presentationml/2006/main">
+  <p:cSld>
+    <p:spTree>
+      <p:nvGrpSpPr>
+        <p:cNvPr id="1" name=""/>
+        <p:cNvGrpSpPr/>
+        <p:nvPr/>
+      </p:nvGrpSpPr>
+      <p:grpSpPr>
+        <a:xfrm>
+          <a:off x="0" y="0"/>
+          <a:ext cx="0" cy="0"/>
+          <a:chOff x="0" y="0"/>
+          <a:chExt cx="0" cy="0"/>
+        </a:xfrm>
+      </p:grpSpPr>
+      <p:sp>
+        <p:nvSpPr>
+          <p:cNvPr id="2" name="Title 1"/>
+          <p:cNvSpPr>
+            <a:spLocks noGrp="1"/>
+          </p:cNvSpPr>
+          <p:nvPr>
+            <p:ph type="title"/>
+          </p:nvPr>
+        </p:nvSpPr>
+        <p:spPr>
+          <a:xfrm>
+            <a:off x="285416" y="105308"/>
+            <a:ext cx="8648090" cy="1143000"/>
+          </a:xfrm>
+        </p:spPr>
+        <p:txBody>
+          <a:bodyPr>
+            <a:normAutofit/>
+          </a:bodyPr>
+          <a:lstStyle/>
+          <a:p>
+            <a:r>
+              <a:rPr lang="en-US" sz="3300" dirty="0"/>
+              <a:t>Everything you need to </a:t>
+            </a:r>
+            <a:r>
+              <a:rPr lang="en-US" sz="3300" dirty="0" smtClean="0"/>
+              <a:t>visualize </a:t>
+            </a:r>
+            <a:r>
+              <a:rPr lang="en-US" sz="3300" dirty="0"/>
+              <a:t>the MVC pattern summed up in 1 </a:t>
+            </a:r>
+            <a:r>
+              <a:rPr lang="en-US" sz="3300" dirty="0" smtClean="0"/>
+              <a:t>slide</a:t>
+            </a:r>
+            <a:endParaRPr lang="en-US" dirty="0"/>
+          </a:p>
+        </p:txBody>
+      </p:sp>
+      <p:sp>
+        <p:nvSpPr>
+          <p:cNvPr id="3" name="Footer Placeholder 2"/>
+          <p:cNvSpPr>
+            <a:spLocks noGrp="1"/>
+          </p:cNvSpPr>
+          <p:nvPr>
+            <p:ph type="ftr" sz="quarter" idx="3"/>
+          </p:nvPr>
+        </p:nvSpPr>
+        <p:spPr/>
+        <p:txBody>
+          <a:bodyPr/>
+          <a:lstStyle/>
+          <a:p>
+            <a:r>
+              <a:rPr lang="en-US" smtClean="0"/>
+              <a:t>Model – View – Controller: A Design Pattern</a:t>
+            </a:r>
+            <a:endParaRPr lang="en-US" dirty="0"/>
+          </a:p>
+        </p:txBody>
+      </p:sp>
+      <p:sp>
+        <p:nvSpPr>
+          <p:cNvPr id="4" name="Rectangle 3"/>
+          <p:cNvSpPr/>
+          <p:nvPr/>
+        </p:nvSpPr>
+        <p:spPr>
+          <a:xfrm>
+            <a:off x="512064" y="2723877"/>
+            <a:ext cx="2150017" cy="3058909"/>
+          </a:xfrm>
+          <a:prstGeom prst="rect">
+            <a:avLst/>
+          </a:prstGeom>
+          <a:solidFill>
+            <a:srgbClr val="00A9B9"/>
+          </a:solidFill>
+          <a:ln>
+            <a:noFill/>
+          </a:ln>
+          <a:effectLst/>
+        </p:spPr>
+        <p:style>
+          <a:lnRef idx="1">
+            <a:schemeClr val="accent1"/>
+          </a:lnRef>
+          <a:fillRef idx="3">
+            <a:schemeClr val="accent1"/>
+          </a:fillRef>
+          <a:effectRef idx="2">
+            <a:schemeClr val="accent1"/>
+          </a:effectRef>
+          <a:fontRef idx="minor">
+            <a:schemeClr val="lt1"/>
+          </a:fontRef>
+        </p:style>
+        <p:txBody>
+          <a:bodyPr rtlCol="0" anchor="t"/>
+          <a:lstStyle/>
+          <a:p>
+            <a:endParaRPr lang="en-US" sz="2200" dirty="0">
+              <a:solidFill>
+                <a:schemeClr val="accent1"/>
+              </a:solidFill>
+            </a:endParaRPr>
+          </a:p>
+          <a:p>
+            <a:pPr marL="111125"/>
+            <a:endParaRPr lang="en-US" sz="2200" dirty="0" smtClean="0">
+              <a:solidFill>
+                <a:schemeClr val="accent1"/>
+              </a:solidFill>
+            </a:endParaRPr>
+          </a:p>
+        </p:txBody>
+      </p:sp>
+      <p:sp>
+        <p:nvSpPr>
+          <p:cNvPr id="5" name="Rectangle 4"/>
+          <p:cNvSpPr/>
+          <p:nvPr/>
+        </p:nvSpPr>
+        <p:spPr>
+          <a:xfrm>
+            <a:off x="3493911" y="2668662"/>
+            <a:ext cx="2150017" cy="3058909"/>
+          </a:xfrm>
+          <a:prstGeom prst="rect">
+            <a:avLst/>
+          </a:prstGeom>
+          <a:solidFill>
+            <a:srgbClr val="EA4A3C"/>
+          </a:solidFill>
+          <a:ln>
+            <a:noFill/>
+          </a:ln>
+          <a:effectLst/>
+        </p:spPr>
+        <p:style>
+          <a:lnRef idx="1">
+            <a:schemeClr val="accent1"/>
+          </a:lnRef>
+          <a:fillRef idx="3">
+            <a:schemeClr val="accent1"/>
+          </a:fillRef>
+          <a:effectRef idx="2">
+            <a:schemeClr val="accent1"/>
+          </a:effectRef>
+          <a:fontRef idx="minor">
+            <a:schemeClr val="lt1"/>
+          </a:fontRef>
+        </p:style>
+        <p:txBody>
+          <a:bodyPr rtlCol="0" anchor="t"/>
+          <a:lstStyle/>
+          <a:p>
+            <a:pPr marL="111125"/>
+            <a:endParaRPr lang="en-US" sz="2200" dirty="0" smtClean="0">
+              <a:solidFill>
+                <a:srgbClr val="F8F8F8"/>
+              </a:solidFill>
+            </a:endParaRPr>
+          </a:p>
+          <a:p>
+            <a:pPr marL="111125"/>
+            <a:endParaRPr lang="en-US" sz="2200" dirty="0" smtClean="0">
+              <a:solidFill>
+                <a:srgbClr val="F8F8F8"/>
+              </a:solidFill>
+            </a:endParaRPr>
+          </a:p>
+        </p:txBody>
+      </p:sp>
+      <p:sp>
+        <p:nvSpPr>
+          <p:cNvPr id="6" name="Rectangle 5"/>
+          <p:cNvSpPr/>
+          <p:nvPr/>
+        </p:nvSpPr>
+        <p:spPr>
+          <a:xfrm>
+            <a:off x="6536783" y="2723877"/>
+            <a:ext cx="2150017" cy="3058909"/>
+          </a:xfrm>
+          <a:prstGeom prst="rect">
+            <a:avLst/>
+          </a:prstGeom>
+          <a:solidFill>
+            <a:schemeClr val="accent6"/>
+          </a:solidFill>
+          <a:ln>
+            <a:noFill/>
+          </a:ln>
+          <a:effectLst/>
+        </p:spPr>
+        <p:style>
+          <a:lnRef idx="1">
+            <a:schemeClr val="accent1"/>
+          </a:lnRef>
+          <a:fillRef idx="3">
+            <a:schemeClr val="accent1"/>
+          </a:fillRef>
+          <a:effectRef idx="2">
+            <a:schemeClr val="accent1"/>
+          </a:effectRef>
+          <a:fontRef idx="minor">
+            <a:schemeClr val="lt1"/>
+          </a:fontRef>
+        </p:style>
+        <p:txBody>
+          <a:bodyPr rtlCol="0" anchor="t"/>
+          <a:lstStyle/>
+          <a:p>
+            <a:pPr marL="111125"/>
+            <a:endParaRPr lang="en-US" sz="2200" dirty="0" smtClean="0">
+              <a:solidFill>
+                <a:srgbClr val="F8F8F8"/>
+              </a:solidFill>
+            </a:endParaRPr>
+          </a:p>
+          <a:p>
+            <a:pPr marL="111125"/>
+            <a:endParaRPr lang="en-US" sz="2200" dirty="0" smtClean="0">
+              <a:solidFill>
+                <a:srgbClr val="F8F8F8"/>
+              </a:solidFill>
+            </a:endParaRPr>
+          </a:p>
+        </p:txBody>
+      </p:sp>
+      <p:sp>
+        <p:nvSpPr>
+          <p:cNvPr id="8" name="TextBox 7"/>
+          <p:cNvSpPr txBox="1"/>
+          <p:nvPr/>
+        </p:nvSpPr>
+        <p:spPr>
+          <a:xfrm>
+            <a:off x="457200" y="1865376"/>
+            <a:ext cx="2204881" cy="584776"/>
+          </a:xfrm>
+          <a:prstGeom prst="rect">
+            <a:avLst/>
+          </a:prstGeom>
+          <a:noFill/>
+        </p:spPr>
+        <p:txBody>
+          <a:bodyPr wrap="square" rtlCol="0">
+            <a:spAutoFit/>
+          </a:bodyPr>
+          <a:lstStyle/>
+          <a:p>
+            <a:pPr algn="ctr"/>
+            <a:r>
+              <a:rPr lang="en-US" sz="3200" dirty="0" smtClean="0"/>
+              <a:t>Model</a:t>
+            </a:r>
+            <a:endParaRPr lang="en-US" sz="3200" dirty="0"/>
+          </a:p>
+        </p:txBody>
+      </p:sp>
+      <p:sp>
+        <p:nvSpPr>
+          <p:cNvPr id="10" name="TextBox 9"/>
+          <p:cNvSpPr txBox="1"/>
+          <p:nvPr/>
+        </p:nvSpPr>
+        <p:spPr>
+          <a:xfrm>
+            <a:off x="3493911" y="1865376"/>
+            <a:ext cx="2204881" cy="584776"/>
+          </a:xfrm>
+          <a:prstGeom prst="rect">
+            <a:avLst/>
+          </a:prstGeom>
+          <a:noFill/>
+        </p:spPr>
+        <p:txBody>
+          <a:bodyPr wrap="square" rtlCol="0">
+            <a:spAutoFit/>
+          </a:bodyPr>
+          <a:lstStyle/>
+          <a:p>
+            <a:pPr algn="ctr"/>
+            <a:r>
+              <a:rPr lang="en-US" sz="3200" dirty="0" smtClean="0"/>
+              <a:t>Controller</a:t>
+            </a:r>
+            <a:endParaRPr lang="en-US" sz="3200" dirty="0"/>
+          </a:p>
+        </p:txBody>
+      </p:sp>
+      <p:sp>
+        <p:nvSpPr>
+          <p:cNvPr id="11" name="TextBox 10"/>
+          <p:cNvSpPr txBox="1"/>
+          <p:nvPr/>
+        </p:nvSpPr>
+        <p:spPr>
+          <a:xfrm>
+            <a:off x="6536783" y="1865376"/>
+            <a:ext cx="2204881" cy="584776"/>
+          </a:xfrm>
+          <a:prstGeom prst="rect">
+            <a:avLst/>
+          </a:prstGeom>
+          <a:noFill/>
+        </p:spPr>
+        <p:txBody>
+          <a:bodyPr wrap="square" rtlCol="0">
+            <a:spAutoFit/>
+          </a:bodyPr>
+          <a:lstStyle/>
+          <a:p>
+            <a:pPr algn="ctr"/>
+            <a:r>
+              <a:rPr lang="en-US" sz="3200" dirty="0" smtClean="0"/>
+              <a:t>View</a:t>
+            </a:r>
+            <a:endParaRPr lang="en-US" sz="3200" dirty="0"/>
+          </a:p>
+        </p:txBody>
+      </p:sp>
+      <p:cxnSp>
+        <p:nvCxnSpPr>
+          <p:cNvPr id="12" name="Straight Arrow Connector 11"/>
+          <p:cNvCxnSpPr>
+            <a:stCxn id="7" idx="1"/>
+          </p:cNvCxnSpPr>
+          <p:nvPr/>
+        </p:nvCxnSpPr>
+        <p:spPr>
+          <a:xfrm flipH="1">
+            <a:off x="5537200" y="3132894"/>
+            <a:ext cx="1218407" cy="0"/>
+          </a:xfrm>
+          <a:prstGeom prst="straightConnector1">
+            <a:avLst/>
+          </a:prstGeom>
+          <a:ln w="57150" cmpd="sng">
+            <a:solidFill>
+              <a:schemeClr val="accent2"/>
+            </a:solidFill>
+            <a:headEnd type="none"/>
+            <a:tailEnd type="triangle"/>
+          </a:ln>
+          <a:effectLst/>
+        </p:spPr>
+        <p:style>
+          <a:lnRef idx="2">
+            <a:schemeClr val="accent1"/>
+          </a:lnRef>
+          <a:fillRef idx="0">
+            <a:schemeClr val="accent1"/>
+          </a:fillRef>
+          <a:effectRef idx="1">
+            <a:schemeClr val="accent1"/>
+          </a:effectRef>
+          <a:fontRef idx="minor">
+            <a:schemeClr val="tx1"/>
+          </a:fontRef>
+        </p:style>
+      </p:cxnSp>
+      <p:sp>
+        <p:nvSpPr>
+          <p:cNvPr id="7" name="Rectangle 6"/>
+          <p:cNvSpPr/>
+          <p:nvPr/>
+        </p:nvSpPr>
+        <p:spPr>
+          <a:xfrm>
+            <a:off x="6755607" y="2934560"/>
+            <a:ext cx="1730320" cy="396667"/>
+          </a:xfrm>
+          <a:prstGeom prst="rect">
+            <a:avLst/>
+          </a:prstGeom>
+          <a:solidFill>
+            <a:schemeClr val="accent6"/>
+          </a:solidFill>
+          <a:ln w="28575" cmpd="sng">
+            <a:solidFill>
+              <a:schemeClr val="accent1"/>
+            </a:solidFill>
+          </a:ln>
+          <a:effectLst/>
+        </p:spPr>
+        <p:style>
+          <a:lnRef idx="1">
+            <a:schemeClr val="accent1"/>
+          </a:lnRef>
+          <a:fillRef idx="3">
+            <a:schemeClr val="accent1"/>
+          </a:fillRef>
+          <a:effectRef idx="2">
+            <a:schemeClr val="accent1"/>
+          </a:effectRef>
+          <a:fontRef idx="minor">
+            <a:schemeClr val="lt1"/>
+          </a:fontRef>
+        </p:style>
+        <p:txBody>
+          <a:bodyPr rtlCol="0" anchor="ctr"/>
+          <a:lstStyle/>
+          <a:p>
+            <a:pPr algn="ctr"/>
+            <a:r>
+              <a:rPr lang="en-US" dirty="0" smtClean="0">
+                <a:solidFill>
+                  <a:srgbClr val="F8F8F8"/>
+                </a:solidFill>
+              </a:rPr>
+              <a:t>send input</a:t>
+            </a:r>
+            <a:endParaRPr lang="en-US" dirty="0">
+              <a:solidFill>
+                <a:srgbClr val="F8F8F8"/>
+              </a:solidFill>
+            </a:endParaRPr>
+          </a:p>
+        </p:txBody>
+      </p:sp>
+      <p:cxnSp>
+        <p:nvCxnSpPr>
+          <p:cNvPr id="15" name="Straight Arrow Connector 14"/>
+          <p:cNvCxnSpPr>
+            <a:stCxn id="13" idx="2"/>
+          </p:cNvCxnSpPr>
+          <p:nvPr/>
+        </p:nvCxnSpPr>
+        <p:spPr>
+          <a:xfrm>
+            <a:off x="4565097" y="3331227"/>
+            <a:ext cx="0" cy="614240"/>
+          </a:xfrm>
+          <a:prstGeom prst="straightConnector1">
+            <a:avLst/>
+          </a:prstGeom>
+          <a:ln w="57150" cmpd="sng">
+            <a:solidFill>
+              <a:schemeClr val="accent2"/>
+            </a:solidFill>
+            <a:headEnd type="none"/>
+            <a:tailEnd type="triangle"/>
+          </a:ln>
+          <a:effectLst/>
+        </p:spPr>
+        <p:style>
+          <a:lnRef idx="2">
+            <a:schemeClr val="accent1"/>
+          </a:lnRef>
+          <a:fillRef idx="0">
+            <a:schemeClr val="accent1"/>
+          </a:fillRef>
+          <a:effectRef idx="1">
+            <a:schemeClr val="accent1"/>
+          </a:effectRef>
+          <a:fontRef idx="minor">
+            <a:schemeClr val="tx1"/>
+          </a:fontRef>
+        </p:style>
+      </p:cxnSp>
+      <p:sp>
+        <p:nvSpPr>
+          <p:cNvPr id="13" name="Rectangle 12"/>
+          <p:cNvSpPr/>
+          <p:nvPr/>
+        </p:nvSpPr>
+        <p:spPr>
+          <a:xfrm>
+            <a:off x="3699937" y="2934560"/>
+            <a:ext cx="1730320" cy="396667"/>
+          </a:xfrm>
+          <a:prstGeom prst="rect">
+            <a:avLst/>
+          </a:prstGeom>
+          <a:solidFill>
+            <a:schemeClr val="accent4"/>
+          </a:solidFill>
+          <a:ln w="28575" cmpd="sng">
+            <a:solidFill>
+              <a:schemeClr val="accent1"/>
+            </a:solidFill>
+          </a:ln>
+          <a:effectLst/>
+        </p:spPr>
+        <p:style>
+          <a:lnRef idx="1">
+            <a:schemeClr val="accent1"/>
+          </a:lnRef>
+          <a:fillRef idx="3">
+            <a:schemeClr val="accent1"/>
+          </a:fillRef>
+          <a:effectRef idx="2">
+            <a:schemeClr val="accent1"/>
+          </a:effectRef>
+          <a:fontRef idx="minor">
+            <a:schemeClr val="lt1"/>
+          </a:fontRef>
+        </p:style>
+        <p:txBody>
+          <a:bodyPr rtlCol="0" anchor="ctr"/>
+          <a:lstStyle/>
+          <a:p>
+            <a:pPr algn="ctr"/>
+            <a:r>
+              <a:rPr lang="en-US" dirty="0" smtClean="0">
+                <a:solidFill>
+                  <a:srgbClr val="F8F8F8"/>
+                </a:solidFill>
+              </a:rPr>
+              <a:t>interpret input</a:t>
+            </a:r>
+            <a:endParaRPr lang="en-US" dirty="0">
+              <a:solidFill>
+                <a:srgbClr val="F8F8F8"/>
+              </a:solidFill>
+            </a:endParaRPr>
+          </a:p>
+        </p:txBody>
+      </p:sp>
+      <p:cxnSp>
+        <p:nvCxnSpPr>
+          <p:cNvPr id="17" name="Straight Arrow Connector 16"/>
+          <p:cNvCxnSpPr/>
+          <p:nvPr/>
+        </p:nvCxnSpPr>
+        <p:spPr>
+          <a:xfrm flipH="1">
+            <a:off x="2545030" y="4237794"/>
+            <a:ext cx="1218407" cy="0"/>
+          </a:xfrm>
+          <a:prstGeom prst="straightConnector1">
+            <a:avLst/>
+          </a:prstGeom>
+          <a:ln w="57150" cmpd="sng">
+            <a:solidFill>
+              <a:schemeClr val="accent2"/>
+            </a:solidFill>
+            <a:headEnd type="none"/>
+            <a:tailEnd type="triangle"/>
+          </a:ln>
+          <a:effectLst/>
+        </p:spPr>
+        <p:style>
+          <a:lnRef idx="2">
+            <a:schemeClr val="accent1"/>
+          </a:lnRef>
+          <a:fillRef idx="0">
+            <a:schemeClr val="accent1"/>
+          </a:fillRef>
+          <a:effectRef idx="1">
+            <a:schemeClr val="accent1"/>
+          </a:effectRef>
+          <a:fontRef idx="minor">
+            <a:schemeClr val="tx1"/>
+          </a:fontRef>
+        </p:style>
+      </p:cxnSp>
+      <p:sp>
+        <p:nvSpPr>
+          <p:cNvPr id="14" name="Rectangle 13"/>
+          <p:cNvSpPr/>
+          <p:nvPr/>
+        </p:nvSpPr>
+        <p:spPr>
+          <a:xfrm>
+            <a:off x="3699937" y="4014227"/>
+            <a:ext cx="1730320" cy="396667"/>
+          </a:xfrm>
+          <a:prstGeom prst="rect">
+            <a:avLst/>
+          </a:prstGeom>
+          <a:solidFill>
+            <a:schemeClr val="accent4"/>
+          </a:solidFill>
+          <a:ln w="28575" cmpd="sng">
+            <a:solidFill>
+              <a:schemeClr val="accent1"/>
+            </a:solidFill>
+          </a:ln>
+          <a:effectLst/>
+        </p:spPr>
+        <p:style>
+          <a:lnRef idx="1">
+            <a:schemeClr val="accent1"/>
+          </a:lnRef>
+          <a:fillRef idx="3">
+            <a:schemeClr val="accent1"/>
+          </a:fillRef>
+          <a:effectRef idx="2">
+            <a:schemeClr val="accent1"/>
+          </a:effectRef>
+          <a:fontRef idx="minor">
+            <a:schemeClr val="lt1"/>
+          </a:fontRef>
+        </p:style>
+        <p:txBody>
+          <a:bodyPr rtlCol="0" anchor="ctr"/>
+          <a:lstStyle/>
+          <a:p>
+            <a:pPr algn="ctr"/>
+            <a:r>
+              <a:rPr lang="en-US" dirty="0" smtClean="0">
+                <a:solidFill>
+                  <a:srgbClr val="F8F8F8"/>
+                </a:solidFill>
+              </a:rPr>
+              <a:t>request data</a:t>
+            </a:r>
+            <a:endParaRPr lang="en-US" dirty="0">
+              <a:solidFill>
+                <a:srgbClr val="F8F8F8"/>
+              </a:solidFill>
+            </a:endParaRPr>
+          </a:p>
+        </p:txBody>
+      </p:sp>
+      <p:cxnSp>
+        <p:nvCxnSpPr>
+          <p:cNvPr id="19" name="Straight Arrow Connector 18"/>
+          <p:cNvCxnSpPr/>
+          <p:nvPr/>
+        </p:nvCxnSpPr>
+        <p:spPr>
+          <a:xfrm>
+            <a:off x="1567897" y="4410894"/>
+            <a:ext cx="0" cy="614240"/>
+          </a:xfrm>
+          <a:prstGeom prst="straightConnector1">
+            <a:avLst/>
+          </a:prstGeom>
+          <a:ln w="57150" cmpd="sng">
+            <a:solidFill>
+              <a:schemeClr val="accent2"/>
+            </a:solidFill>
+            <a:headEnd type="none"/>
+            <a:tailEnd type="triangle"/>
+          </a:ln>
+          <a:effectLst/>
+        </p:spPr>
+        <p:style>
+          <a:lnRef idx="2">
+            <a:schemeClr val="accent1"/>
+          </a:lnRef>
+          <a:fillRef idx="0">
+            <a:schemeClr val="accent1"/>
+          </a:fillRef>
+          <a:effectRef idx="1">
+            <a:schemeClr val="accent1"/>
+          </a:effectRef>
+          <a:fontRef idx="minor">
+            <a:schemeClr val="tx1"/>
+          </a:fontRef>
+        </p:style>
+      </p:cxnSp>
+      <p:sp>
+        <p:nvSpPr>
+          <p:cNvPr id="16" name="Rectangle 15"/>
+          <p:cNvSpPr/>
+          <p:nvPr/>
+        </p:nvSpPr>
+        <p:spPr>
+          <a:xfrm>
+            <a:off x="702737" y="4014227"/>
+            <a:ext cx="1730320" cy="396667"/>
+          </a:xfrm>
+          <a:prstGeom prst="rect">
+            <a:avLst/>
+          </a:prstGeom>
+          <a:solidFill>
+            <a:schemeClr val="accent5"/>
+          </a:solidFill>
+          <a:ln w="28575" cmpd="sng">
+            <a:solidFill>
+              <a:schemeClr val="accent1"/>
+            </a:solidFill>
+          </a:ln>
+          <a:effectLst/>
+        </p:spPr>
+        <p:style>
+          <a:lnRef idx="1">
+            <a:schemeClr val="accent1"/>
+          </a:lnRef>
+          <a:fillRef idx="3">
+            <a:schemeClr val="accent1"/>
+          </a:fillRef>
+          <a:effectRef idx="2">
+            <a:schemeClr val="accent1"/>
+          </a:effectRef>
+          <a:fontRef idx="minor">
+            <a:schemeClr val="lt1"/>
+          </a:fontRef>
+        </p:style>
+        <p:txBody>
+          <a:bodyPr rtlCol="0" anchor="ctr"/>
+          <a:lstStyle/>
+          <a:p>
+            <a:pPr algn="ctr"/>
+            <a:r>
+              <a:rPr lang="en-US" dirty="0" smtClean="0">
+                <a:solidFill>
+                  <a:srgbClr val="F8F8F8"/>
+                </a:solidFill>
+              </a:rPr>
+              <a:t>gather data</a:t>
+            </a:r>
+            <a:endParaRPr lang="en-US" dirty="0">
+              <a:solidFill>
+                <a:srgbClr val="F8F8F8"/>
+              </a:solidFill>
+            </a:endParaRPr>
+          </a:p>
+        </p:txBody>
+      </p:sp>
+      <p:cxnSp>
+        <p:nvCxnSpPr>
+          <p:cNvPr id="21" name="Straight Arrow Connector 20"/>
+          <p:cNvCxnSpPr/>
+          <p:nvPr/>
+        </p:nvCxnSpPr>
+        <p:spPr>
+          <a:xfrm>
+            <a:off x="2382257" y="5300588"/>
+            <a:ext cx="1218407" cy="0"/>
+          </a:xfrm>
+          <a:prstGeom prst="straightConnector1">
+            <a:avLst/>
+          </a:prstGeom>
+          <a:ln w="57150" cmpd="sng">
+            <a:solidFill>
+              <a:schemeClr val="accent2"/>
+            </a:solidFill>
+            <a:headEnd type="none"/>
+            <a:tailEnd type="triangle"/>
+          </a:ln>
+          <a:effectLst/>
+        </p:spPr>
+        <p:style>
+          <a:lnRef idx="2">
+            <a:schemeClr val="accent1"/>
+          </a:lnRef>
+          <a:fillRef idx="0">
+            <a:schemeClr val="accent1"/>
+          </a:fillRef>
+          <a:effectRef idx="1">
+            <a:schemeClr val="accent1"/>
+          </a:effectRef>
+          <a:fontRef idx="minor">
+            <a:schemeClr val="tx1"/>
+          </a:fontRef>
+        </p:style>
+      </p:cxnSp>
+      <p:sp>
+        <p:nvSpPr>
+          <p:cNvPr id="18" name="Rectangle 17"/>
+          <p:cNvSpPr/>
+          <p:nvPr/>
+        </p:nvSpPr>
+        <p:spPr>
+          <a:xfrm>
+            <a:off x="702737" y="5093893"/>
+            <a:ext cx="1730320" cy="396667"/>
+          </a:xfrm>
+          <a:prstGeom prst="rect">
+            <a:avLst/>
+          </a:prstGeom>
+          <a:solidFill>
+            <a:schemeClr val="accent5"/>
+          </a:solidFill>
+          <a:ln w="28575" cmpd="sng">
+            <a:solidFill>
+              <a:schemeClr val="accent1"/>
+            </a:solidFill>
+          </a:ln>
+          <a:effectLst/>
+        </p:spPr>
+        <p:style>
+          <a:lnRef idx="1">
+            <a:schemeClr val="accent1"/>
+          </a:lnRef>
+          <a:fillRef idx="3">
+            <a:schemeClr val="accent1"/>
+          </a:fillRef>
+          <a:effectRef idx="2">
+            <a:schemeClr val="accent1"/>
+          </a:effectRef>
+          <a:fontRef idx="minor">
+            <a:schemeClr val="lt1"/>
+          </a:fontRef>
+        </p:style>
+        <p:txBody>
+          <a:bodyPr rtlCol="0" anchor="ctr"/>
+          <a:lstStyle/>
+          <a:p>
+            <a:pPr algn="ctr"/>
+            <a:r>
+              <a:rPr lang="en-US" dirty="0" smtClean="0">
+                <a:solidFill>
+                  <a:srgbClr val="F8F8F8"/>
+                </a:solidFill>
+              </a:rPr>
+              <a:t>return data</a:t>
+            </a:r>
+            <a:endParaRPr lang="en-US" dirty="0">
+              <a:solidFill>
+                <a:srgbClr val="F8F8F8"/>
+              </a:solidFill>
+            </a:endParaRPr>
+          </a:p>
+        </p:txBody>
+      </p:sp>
+      <p:sp>
+        <p:nvSpPr>
+          <p:cNvPr id="22" name="Rectangle 21"/>
+          <p:cNvSpPr/>
+          <p:nvPr/>
+        </p:nvSpPr>
+        <p:spPr>
+          <a:xfrm>
+            <a:off x="6755607" y="5102254"/>
+            <a:ext cx="1730320" cy="396667"/>
+          </a:xfrm>
+          <a:prstGeom prst="rect">
+            <a:avLst/>
+          </a:prstGeom>
+          <a:solidFill>
+            <a:schemeClr val="accent6"/>
+          </a:solidFill>
+          <a:ln w="28575" cmpd="sng">
+            <a:solidFill>
+              <a:schemeClr val="accent1"/>
+            </a:solidFill>
+          </a:ln>
+          <a:effectLst/>
+        </p:spPr>
+        <p:style>
+          <a:lnRef idx="1">
+            <a:schemeClr val="accent1"/>
+          </a:lnRef>
+          <a:fillRef idx="3">
+            <a:schemeClr val="accent1"/>
+          </a:fillRef>
+          <a:effectRef idx="2">
+            <a:schemeClr val="accent1"/>
+          </a:effectRef>
+          <a:fontRef idx="minor">
+            <a:schemeClr val="lt1"/>
+          </a:fontRef>
+        </p:style>
+        <p:txBody>
+          <a:bodyPr rtlCol="0" anchor="ctr"/>
+          <a:lstStyle/>
+          <a:p>
+            <a:pPr algn="ctr"/>
+            <a:r>
+              <a:rPr lang="en-US" dirty="0" smtClean="0">
+                <a:solidFill>
+                  <a:srgbClr val="F8F8F8"/>
+                </a:solidFill>
+              </a:rPr>
+              <a:t>display data</a:t>
+            </a:r>
+            <a:endParaRPr lang="en-US" dirty="0">
+              <a:solidFill>
+                <a:srgbClr val="F8F8F8"/>
+              </a:solidFill>
+            </a:endParaRPr>
+          </a:p>
+        </p:txBody>
+      </p:sp>
+      <p:cxnSp>
+        <p:nvCxnSpPr>
+          <p:cNvPr id="23" name="Straight Arrow Connector 22"/>
+          <p:cNvCxnSpPr/>
+          <p:nvPr/>
+        </p:nvCxnSpPr>
+        <p:spPr>
+          <a:xfrm>
+            <a:off x="5430257" y="5300588"/>
+            <a:ext cx="1218407" cy="0"/>
+          </a:xfrm>
+          <a:prstGeom prst="straightConnector1">
+            <a:avLst/>
+          </a:prstGeom>
+          <a:ln w="57150" cmpd="sng">
+            <a:solidFill>
+              <a:schemeClr val="accent2"/>
+            </a:solidFill>
+            <a:headEnd type="none"/>
+            <a:tailEnd type="triangle"/>
+          </a:ln>
+          <a:effectLst/>
+        </p:spPr>
+        <p:style>
+          <a:lnRef idx="2">
+            <a:schemeClr val="accent1"/>
+          </a:lnRef>
+          <a:fillRef idx="0">
+            <a:schemeClr val="accent1"/>
+          </a:fillRef>
+          <a:effectRef idx="1">
+            <a:schemeClr val="accent1"/>
+          </a:effectRef>
+          <a:fontRef idx="minor">
+            <a:schemeClr val="tx1"/>
+          </a:fontRef>
+        </p:style>
+      </p:cxnSp>
+      <p:sp>
+        <p:nvSpPr>
+          <p:cNvPr id="20" name="Rectangle 19"/>
+          <p:cNvSpPr/>
+          <p:nvPr/>
+        </p:nvSpPr>
+        <p:spPr>
+          <a:xfrm>
+            <a:off x="3699937" y="5093893"/>
+            <a:ext cx="1730320" cy="396667"/>
+          </a:xfrm>
+          <a:prstGeom prst="rect">
+            <a:avLst/>
+          </a:prstGeom>
+          <a:solidFill>
+            <a:schemeClr val="accent4"/>
+          </a:solidFill>
+          <a:ln w="28575" cmpd="sng">
+            <a:solidFill>
+              <a:schemeClr val="accent1"/>
+            </a:solidFill>
+          </a:ln>
+          <a:effectLst/>
+        </p:spPr>
+        <p:style>
+          <a:lnRef idx="1">
+            <a:schemeClr val="accent1"/>
+          </a:lnRef>
+          <a:fillRef idx="3">
+            <a:schemeClr val="accent1"/>
+          </a:fillRef>
+          <a:effectRef idx="2">
+            <a:schemeClr val="accent1"/>
+          </a:effectRef>
+          <a:fontRef idx="minor">
+            <a:schemeClr val="lt1"/>
+          </a:fontRef>
+        </p:style>
+        <p:txBody>
+          <a:bodyPr rtlCol="0" anchor="ctr"/>
+          <a:lstStyle/>
+          <a:p>
+            <a:pPr algn="ctr"/>
+            <a:r>
+              <a:rPr lang="en-US" dirty="0" smtClean="0">
+                <a:solidFill>
+                  <a:srgbClr val="F8F8F8"/>
+                </a:solidFill>
+              </a:rPr>
+              <a:t>forward data</a:t>
+            </a:r>
+            <a:endParaRPr lang="en-US" dirty="0">
+              <a:solidFill>
+                <a:srgbClr val="F8F8F8"/>
+              </a:solidFill>
+            </a:endParaRPr>
+          </a:p>
+        </p:txBody>
+      </p:sp>
+    </p:spTree>
+    <p:extLst>
+      <p:ext uri="{BB962C8B-B14F-4D97-AF65-F5344CB8AC3E}">
+        <p14:creationId xmlns:p14="http://schemas.microsoft.com/office/powerpoint/2010/main" val="2332603335"/>
       </p:ext>
     </p:extLst>
   </p:cSld>
@@ -12736,7 +14005,7 @@
       </p:grpSpPr>
       <p:sp>
         <p:nvSpPr>
-          <p:cNvPr id="5" name="Title 4"/>
+          <p:cNvPr id="3" name="Title 2"/>
           <p:cNvSpPr>
             <a:spLocks noGrp="1"/>
           </p:cNvSpPr>
@@ -12751,88 +14020,49 @@
           <a:p>
             <a:r>
               <a:rPr lang="en-US" dirty="0" smtClean="0"/>
-              <a:t>Model – View – Controller</a:t>
+              <a:t>M-V-C </a:t>
+            </a:r>
+            <a:r>
+              <a:rPr lang="en-US" dirty="0" smtClean="0"/>
+              <a:t>Summation: </a:t>
+            </a:r>
+            <a:r>
+              <a:rPr lang="en-US" dirty="0" smtClean="0"/>
+              <a:t>	 </a:t>
             </a:r>
             <a:endParaRPr lang="en-US" dirty="0"/>
           </a:p>
         </p:txBody>
       </p:sp>
-      <p:sp>
-        <p:nvSpPr>
-          <p:cNvPr id="6" name="Content Placeholder 5"/>
-          <p:cNvSpPr>
-            <a:spLocks noGrp="1"/>
-          </p:cNvSpPr>
+      <p:pic>
+        <p:nvPicPr>
+          <p:cNvPr id="5" name="Content Placeholder 4" descr="MVC.jpg"/>
+          <p:cNvPicPr>
+            <a:picLocks noGrp="1" noChangeAspect="1"/>
+          </p:cNvPicPr>
           <p:nvPr>
             <p:ph idx="1"/>
           </p:nvPr>
-        </p:nvSpPr>
+        </p:nvPicPr>
+        <p:blipFill>
+          <a:blip r:embed="rId2">
+            <a:extLst>
+              <a:ext uri="{28A0092B-C50C-407E-A947-70E740481C1C}">
+                <a14:useLocalDpi xmlns:a14="http://schemas.microsoft.com/office/drawing/2010/main" val="0"/>
+              </a:ext>
+            </a:extLst>
+          </a:blip>
+          <a:srcRect t="3798" b="3798"/>
+          <a:stretch>
+            <a:fillRect/>
+          </a:stretch>
+        </p:blipFill>
         <p:spPr/>
-        <p:txBody>
-          <a:bodyPr>
-            <a:normAutofit/>
-          </a:bodyPr>
-          <a:lstStyle/>
-          <a:p>
-            <a:r>
-              <a:rPr lang="en-US" dirty="0" smtClean="0"/>
-              <a:t>What is it?</a:t>
-            </a:r>
-          </a:p>
-          <a:p>
-            <a:r>
-              <a:rPr lang="en-US" dirty="0" smtClean="0"/>
-              <a:t>In short: MVC is a design pattern.</a:t>
-            </a:r>
-          </a:p>
-          <a:p>
-            <a:r>
-              <a:rPr lang="en-US" dirty="0" smtClean="0"/>
-              <a:t>In not so short</a:t>
-            </a:r>
-            <a:r>
-              <a:rPr lang="en-US" dirty="0"/>
-              <a:t>: </a:t>
-            </a:r>
-            <a:r>
-              <a:rPr lang="en-US" sz="2200" dirty="0" smtClean="0"/>
-              <a:t>MVC is </a:t>
-            </a:r>
-            <a:r>
-              <a:rPr lang="en-US" sz="2200" dirty="0"/>
-              <a:t>a software architectural pattern for implementing user interfaces. It divides a given software application into three interconnected parts, so as to separate internal representations of information from the ways that information is presented to or accepted from the user.</a:t>
-            </a:r>
-            <a:endParaRPr lang="en-US" sz="2200" dirty="0" smtClean="0"/>
-          </a:p>
-        </p:txBody>
-      </p:sp>
-      <p:sp>
-        <p:nvSpPr>
-          <p:cNvPr id="4" name="Footer Placeholder 3"/>
-          <p:cNvSpPr>
-            <a:spLocks noGrp="1"/>
-          </p:cNvSpPr>
-          <p:nvPr>
-            <p:ph type="ftr" sz="quarter" idx="3"/>
-          </p:nvPr>
-        </p:nvSpPr>
-        <p:spPr/>
-        <p:txBody>
-          <a:bodyPr/>
-          <a:lstStyle/>
-          <a:p>
-            <a:r>
-              <a:rPr lang="en-US" dirty="0" smtClean="0"/>
-              <a:t>Model – View – Controller: A Design Pattern</a:t>
-            </a:r>
-            <a:endParaRPr lang="en-US" dirty="0"/>
-          </a:p>
-        </p:txBody>
-      </p:sp>
+      </p:pic>
     </p:spTree>
     <p:extLst>
       <p:ext uri="{BB962C8B-B14F-4D97-AF65-F5344CB8AC3E}">
-        <p14:creationId xmlns:p14="http://schemas.microsoft.com/office/powerpoint/2010/main" val="1629509482"/>
+        <p14:creationId xmlns:p14="http://schemas.microsoft.com/office/powerpoint/2010/main" val="2268475127"/>
       </p:ext>
     </p:extLst>
   </p:cSld>
@@ -12868,7 +14098,7 @@
       </p:grpSpPr>
       <p:sp>
         <p:nvSpPr>
-          <p:cNvPr id="2" name="Title 1"/>
+          <p:cNvPr id="5" name="Title 4"/>
           <p:cNvSpPr>
             <a:spLocks noGrp="1"/>
           </p:cNvSpPr>
@@ -12883,7 +14113,7 @@
           <a:p>
             <a:r>
               <a:rPr lang="en-US" dirty="0" smtClean="0"/>
-              <a:t>Design Patterns</a:t>
+              <a:t>Model – View – Controller</a:t>
             </a:r>
             <a:endParaRPr lang="en-US" dirty="0"/>
           </a:p>
@@ -12891,7 +14121,7 @@
       </p:sp>
       <p:sp>
         <p:nvSpPr>
-          <p:cNvPr id="3" name="Content Placeholder 2"/>
+          <p:cNvPr id="6" name="Content Placeholder 5"/>
           <p:cNvSpPr>
             <a:spLocks noGrp="1"/>
           </p:cNvSpPr>
@@ -12902,32 +14132,39 @@
         <p:spPr/>
         <p:txBody>
           <a:bodyPr>
-            <a:normAutofit fontScale="92500" lnSpcReduction="20000"/>
+            <a:normAutofit/>
           </a:bodyPr>
           <a:lstStyle/>
           <a:p>
             <a:r>
               <a:rPr lang="en-US" dirty="0" smtClean="0"/>
-              <a:t>A </a:t>
+              <a:t>What is it?</a:t>
+            </a:r>
+          </a:p>
+          <a:p>
+            <a:r>
+              <a:rPr lang="en-US" dirty="0" smtClean="0"/>
+              <a:t>In short: MVC is a design pattern.</a:t>
+            </a:r>
+          </a:p>
+          <a:p>
+            <a:r>
+              <a:rPr lang="en-US" dirty="0" smtClean="0"/>
+              <a:t>In not so short</a:t>
             </a:r>
             <a:r>
               <a:rPr lang="en-US" dirty="0"/>
-              <a:t>design pattern is a general reusable solution to a commonly occurring problem within a given context in software design. </a:t>
-            </a:r>
-            <a:endParaRPr lang="en-US" dirty="0" smtClean="0"/>
-          </a:p>
-          <a:p>
-            <a:endParaRPr lang="en-US" dirty="0"/>
-          </a:p>
-          <a:p>
-            <a:r>
-              <a:rPr lang="en-US" dirty="0" smtClean="0"/>
-              <a:t>Get used to this term. Start thinking of everything you do as implementing some pattern. You’re just following a blueprint, filling in the gaps as needed with as little distinction from the standard pattern as possible.</a:t>
-            </a:r>
-            <a:endParaRPr lang="en-US" dirty="0" smtClean="0"/>
-          </a:p>
-          <a:p>
-            <a:endParaRPr lang="en-US" dirty="0" smtClean="0"/>
+              <a:t>: </a:t>
+            </a:r>
+            <a:r>
+              <a:rPr lang="en-US" sz="2200" dirty="0" smtClean="0"/>
+              <a:t>MVC is </a:t>
+            </a:r>
+            <a:r>
+              <a:rPr lang="en-US" sz="2200" dirty="0"/>
+              <a:t>a software architectural pattern for implementing user interfaces. It divides a given software application into three interconnected parts, so as to separate internal representations of information from the ways that information is presented to or accepted from the user.</a:t>
+            </a:r>
+            <a:endParaRPr lang="en-US" sz="2200" dirty="0" smtClean="0"/>
           </a:p>
         </p:txBody>
       </p:sp>
@@ -12947,7 +14184,7 @@
           <a:lstStyle/>
           <a:p>
             <a:r>
-              <a:rPr lang="en-US" smtClean="0"/>
+              <a:rPr lang="en-US" dirty="0" smtClean="0"/>
               <a:t>Model – View – Controller: A Design Pattern</a:t>
             </a:r>
             <a:endParaRPr lang="en-US" dirty="0"/>
@@ -12957,7 +14194,7 @@
     </p:spTree>
     <p:extLst>
       <p:ext uri="{BB962C8B-B14F-4D97-AF65-F5344CB8AC3E}">
-        <p14:creationId xmlns:p14="http://schemas.microsoft.com/office/powerpoint/2010/main" val="1016920212"/>
+        <p14:creationId xmlns:p14="http://schemas.microsoft.com/office/powerpoint/2010/main" val="1629509482"/>
       </p:ext>
     </p:extLst>
   </p:cSld>
@@ -12993,6 +14230,29 @@
       </p:grpSpPr>
       <p:sp>
         <p:nvSpPr>
+          <p:cNvPr id="2" name="Title 1"/>
+          <p:cNvSpPr>
+            <a:spLocks noGrp="1"/>
+          </p:cNvSpPr>
+          <p:nvPr>
+            <p:ph type="title"/>
+          </p:nvPr>
+        </p:nvSpPr>
+        <p:spPr/>
+        <p:txBody>
+          <a:bodyPr/>
+          <a:lstStyle/>
+          <a:p>
+            <a:r>
+              <a:rPr lang="en-US" dirty="0" smtClean="0"/>
+              <a:t>Design Patterns</a:t>
+            </a:r>
+            <a:endParaRPr lang="en-US" dirty="0"/>
+          </a:p>
+        </p:txBody>
+      </p:sp>
+      <p:sp>
+        <p:nvSpPr>
           <p:cNvPr id="3" name="Content Placeholder 2"/>
           <p:cNvSpPr>
             <a:spLocks noGrp="1"/>
@@ -13004,64 +14264,42 @@
         <p:spPr/>
         <p:txBody>
           <a:bodyPr>
-            <a:noAutofit/>
+            <a:normAutofit fontScale="92500" lnSpcReduction="20000"/>
           </a:bodyPr>
           <a:lstStyle/>
           <a:p>
-            <a:pPr marL="0" indent="0">
-              <a:buNone/>
-            </a:pPr>
-            <a:r>
-              <a:rPr lang="en-US" sz="2500" dirty="0" smtClean="0"/>
-              <a:t>Sure, you can write all the codes… But where do you put it?</a:t>
-            </a:r>
-          </a:p>
-          <a:p>
-            <a:pPr marL="0" indent="0">
-              <a:buNone/>
-            </a:pPr>
-            <a:endParaRPr lang="en-US" sz="2500" dirty="0" smtClean="0"/>
-          </a:p>
-          <a:p>
-            <a:r>
-              <a:rPr lang="en-US" sz="2500" dirty="0" smtClean="0"/>
-              <a:t>Whose business is it to talk to users?</a:t>
-            </a:r>
-          </a:p>
-          <a:p>
-            <a:r>
-              <a:rPr lang="en-US" sz="2500" dirty="0" smtClean="0"/>
-              <a:t>What about displaying output?</a:t>
-            </a:r>
-          </a:p>
-          <a:p>
-            <a:r>
-              <a:rPr lang="en-US" sz="2500" dirty="0" smtClean="0"/>
-              <a:t>Should your classes all know how to parse user input?</a:t>
-            </a:r>
-          </a:p>
-          <a:p>
-            <a:r>
-              <a:rPr lang="en-US" sz="2500" dirty="0" smtClean="0"/>
-              <a:t>Where do heavy algorithms run?</a:t>
-            </a:r>
-          </a:p>
-          <a:p>
-            <a:r>
-              <a:rPr lang="en-US" sz="2500" dirty="0" smtClean="0"/>
-              <a:t>How do you separate 10,000 lines of code into a manageable structure?</a:t>
-            </a:r>
-          </a:p>
-        </p:txBody>
-      </p:sp>
-      <p:sp>
-        <p:nvSpPr>
-          <p:cNvPr id="2" name="Title 1"/>
+            <a:r>
+              <a:rPr lang="en-US" dirty="0" smtClean="0"/>
+              <a:t>A </a:t>
+            </a:r>
+            <a:r>
+              <a:rPr lang="en-US" dirty="0"/>
+              <a:t>design pattern is a general reusable solution to a commonly occurring problem within a given context in software design. </a:t>
+            </a:r>
+            <a:endParaRPr lang="en-US" dirty="0" smtClean="0"/>
+          </a:p>
+          <a:p>
+            <a:endParaRPr lang="en-US" dirty="0"/>
+          </a:p>
+          <a:p>
+            <a:r>
+              <a:rPr lang="en-US" dirty="0" smtClean="0"/>
+              <a:t>Get used to this term. Start thinking of everything you do as implementing some pattern. You’re just following a blueprint, filling in the gaps as needed with as little distinction from the standard pattern as possible.</a:t>
+            </a:r>
+          </a:p>
+          <a:p>
+            <a:endParaRPr lang="en-US" dirty="0" smtClean="0"/>
+          </a:p>
+        </p:txBody>
+      </p:sp>
+      <p:sp>
+        <p:nvSpPr>
+          <p:cNvPr id="4" name="Footer Placeholder 3"/>
           <p:cNvSpPr>
             <a:spLocks noGrp="1"/>
           </p:cNvSpPr>
           <p:nvPr>
-            <p:ph type="title"/>
+            <p:ph type="ftr" sz="quarter" idx="3"/>
           </p:nvPr>
         </p:nvSpPr>
         <p:spPr/>
@@ -13070,8 +14308,8 @@
           <a:lstStyle/>
           <a:p>
             <a:r>
-              <a:rPr lang="en-US" dirty="0" smtClean="0"/>
-              <a:t>There’s a lot of data out there…</a:t>
+              <a:rPr lang="en-US" smtClean="0"/>
+              <a:t>Model – View – Controller: A Design Pattern</a:t>
             </a:r>
             <a:endParaRPr lang="en-US" dirty="0"/>
           </a:p>
@@ -13080,7 +14318,7 @@
     </p:spTree>
     <p:extLst>
       <p:ext uri="{BB962C8B-B14F-4D97-AF65-F5344CB8AC3E}">
-        <p14:creationId xmlns:p14="http://schemas.microsoft.com/office/powerpoint/2010/main" val="45111289"/>
+        <p14:creationId xmlns:p14="http://schemas.microsoft.com/office/powerpoint/2010/main" val="1016920212"/>
       </p:ext>
     </p:extLst>
   </p:cSld>
@@ -13116,7 +14354,7 @@
       </p:grpSpPr>
       <p:sp>
         <p:nvSpPr>
-          <p:cNvPr id="2" name="Content Placeholder 1"/>
+          <p:cNvPr id="3" name="Content Placeholder 2"/>
           <p:cNvSpPr>
             <a:spLocks noGrp="1"/>
           </p:cNvSpPr>
@@ -13127,81 +14365,59 @@
         <p:spPr/>
         <p:txBody>
           <a:bodyPr>
-            <a:normAutofit/>
+            <a:noAutofit/>
           </a:bodyPr>
           <a:lstStyle/>
           <a:p>
+            <a:pPr marL="0" indent="0">
+              <a:buNone/>
+            </a:pPr>
             <a:r>
               <a:rPr lang="en-US" sz="2500" dirty="0" smtClean="0"/>
-              <a:t>Does your waiter make your food?</a:t>
-            </a:r>
-          </a:p>
-          <a:p>
-            <a:r>
-              <a:rPr lang="en-US" sz="2500" dirty="0" smtClean="0"/>
-              <a:t>Do they know all the recipes?</a:t>
-            </a:r>
-          </a:p>
-          <a:p>
-            <a:r>
-              <a:rPr lang="en-US" sz="2500" dirty="0" smtClean="0"/>
-              <a:t>Do they run the kitchen?</a:t>
-            </a:r>
-            <a:endParaRPr lang="en-US" sz="2500" dirty="0"/>
-          </a:p>
-          <a:p>
-            <a:r>
-              <a:rPr lang="en-US" sz="2500" dirty="0" smtClean="0"/>
-              <a:t>What </a:t>
-            </a:r>
-            <a:r>
-              <a:rPr lang="en-US" sz="2500" i="1" dirty="0" smtClean="0"/>
-              <a:t>is</a:t>
-            </a:r>
-            <a:r>
-              <a:rPr lang="en-US" sz="2500" dirty="0" smtClean="0"/>
-              <a:t> a waiter responsible for?</a:t>
-            </a:r>
-            <a:endParaRPr lang="en-US" sz="2500" dirty="0"/>
-          </a:p>
-          <a:p>
-            <a:pPr marL="45720" indent="0">
+              <a:t>Sure, you can write all the codes… But where do you put it?</a:t>
+            </a:r>
+          </a:p>
+          <a:p>
+            <a:pPr marL="0" indent="0">
               <a:buNone/>
             </a:pPr>
             <a:endParaRPr lang="en-US" sz="2500" dirty="0" smtClean="0"/>
           </a:p>
           <a:p>
-            <a:pPr marL="45720" indent="0" algn="ctr">
-              <a:buNone/>
-            </a:pPr>
             <a:r>
               <a:rPr lang="en-US" sz="2500" dirty="0" smtClean="0"/>
-              <a:t>Everyone has their own role.</a:t>
-            </a:r>
-          </a:p>
-          <a:p>
-            <a:pPr marL="45720" indent="0" algn="ctr">
-              <a:buNone/>
-            </a:pPr>
+              <a:t>Whose business is it to talk to users?</a:t>
+            </a:r>
+          </a:p>
+          <a:p>
             <a:r>
               <a:rPr lang="en-US" sz="2500" dirty="0" smtClean="0"/>
-              <a:t>If you want a well-run restaurant,</a:t>
-            </a:r>
-          </a:p>
-          <a:p>
-            <a:pPr marL="45720" indent="0" algn="ctr">
-              <a:buNone/>
-            </a:pPr>
+              <a:t>What about displaying output?</a:t>
+            </a:r>
+          </a:p>
+          <a:p>
             <a:r>
               <a:rPr lang="en-US" sz="2500" dirty="0" smtClean="0"/>
-              <a:t>you need to divvy up the work.</a:t>
-            </a:r>
-          </a:p>
-        </p:txBody>
-      </p:sp>
-      <p:sp>
-        <p:nvSpPr>
-          <p:cNvPr id="3" name="Title 2"/>
+              <a:t>Should your classes all know how to parse user input?</a:t>
+            </a:r>
+          </a:p>
+          <a:p>
+            <a:r>
+              <a:rPr lang="en-US" sz="2500" dirty="0" smtClean="0"/>
+              <a:t>Where do heavy algorithms run?</a:t>
+            </a:r>
+          </a:p>
+          <a:p>
+            <a:r>
+              <a:rPr lang="en-US" sz="2500" dirty="0" smtClean="0"/>
+              <a:t>How do you separate 10,000 lines of code into a manageable structure?</a:t>
+            </a:r>
+          </a:p>
+        </p:txBody>
+      </p:sp>
+      <p:sp>
+        <p:nvSpPr>
+          <p:cNvPr id="2" name="Title 1"/>
           <p:cNvSpPr>
             <a:spLocks noGrp="1"/>
           </p:cNvSpPr>
@@ -13216,7 +14432,7 @@
           <a:p>
             <a:r>
               <a:rPr lang="en-US" dirty="0" smtClean="0"/>
-              <a:t>Think about a restaurant.</a:t>
+              <a:t>There’s a lot of data out there…</a:t>
             </a:r>
             <a:endParaRPr lang="en-US" dirty="0"/>
           </a:p>
@@ -13225,7 +14441,7 @@
     </p:spTree>
     <p:extLst>
       <p:ext uri="{BB962C8B-B14F-4D97-AF65-F5344CB8AC3E}">
-        <p14:creationId xmlns:p14="http://schemas.microsoft.com/office/powerpoint/2010/main" val="3412075118"/>
+        <p14:creationId xmlns:p14="http://schemas.microsoft.com/office/powerpoint/2010/main" val="45111289"/>
       </p:ext>
     </p:extLst>
   </p:cSld>
@@ -13269,12 +14485,7 @@
             <p:ph idx="1"/>
           </p:nvPr>
         </p:nvSpPr>
-        <p:spPr>
-          <a:xfrm>
-            <a:off x="380999" y="1719071"/>
-            <a:ext cx="8407893" cy="4760416"/>
-          </a:xfrm>
-        </p:spPr>
+        <p:spPr/>
         <p:txBody>
           <a:bodyPr>
             <a:normAutofit/>
@@ -13283,89 +14494,69 @@
           <a:p>
             <a:r>
               <a:rPr lang="en-US" sz="2500" dirty="0" smtClean="0"/>
-              <a:t>The </a:t>
-            </a:r>
-            <a:r>
-              <a:rPr lang="en-US" sz="2500" dirty="0" smtClean="0">
-                <a:solidFill>
-                  <a:srgbClr val="FF0000"/>
-                </a:solidFill>
-              </a:rPr>
-              <a:t>waiters</a:t>
-            </a:r>
+              <a:t>Does your waiter make your food?</a:t>
+            </a:r>
+          </a:p>
+          <a:p>
             <a:r>
               <a:rPr lang="en-US" sz="2500" dirty="0" smtClean="0"/>
-              <a:t> handle customer interaction</a:t>
+              <a:t>Do they know all the recipes?</a:t>
             </a:r>
           </a:p>
           <a:p>
             <a:r>
               <a:rPr lang="en-US" sz="2500" dirty="0" smtClean="0"/>
-              <a:t>They take your order and deliver your food</a:t>
-            </a:r>
-          </a:p>
-          <a:p>
+              <a:t>Do they run the kitchen?</a:t>
+            </a:r>
+            <a:endParaRPr lang="en-US" sz="2500" dirty="0"/>
+          </a:p>
+          <a:p>
+            <a:r>
+              <a:rPr lang="en-US" sz="2500" dirty="0" smtClean="0"/>
+              <a:t>What </a:t>
+            </a:r>
+            <a:r>
+              <a:rPr lang="en-US" sz="2500" i="1" dirty="0" smtClean="0"/>
+              <a:t>is</a:t>
+            </a:r>
+            <a:r>
+              <a:rPr lang="en-US" sz="2500" dirty="0" smtClean="0"/>
+              <a:t> a waiter responsible for?</a:t>
+            </a:r>
+            <a:endParaRPr lang="en-US" sz="2500" dirty="0"/>
+          </a:p>
+          <a:p>
+            <a:pPr marL="45720" indent="0">
+              <a:buNone/>
+            </a:pPr>
             <a:endParaRPr lang="en-US" sz="2500" dirty="0" smtClean="0"/>
           </a:p>
           <a:p>
+            <a:pPr marL="45720" indent="0" algn="ctr">
+              <a:buNone/>
+            </a:pPr>
             <a:r>
               <a:rPr lang="en-US" sz="2500" dirty="0" smtClean="0"/>
-              <a:t>The </a:t>
-            </a:r>
-            <a:r>
-              <a:rPr lang="en-US" sz="2500" dirty="0" smtClean="0">
-                <a:solidFill>
-                  <a:srgbClr val="FF0000"/>
-                </a:solidFill>
-              </a:rPr>
-              <a:t>Chef</a:t>
-            </a:r>
+              <a:t>Everyone has their own role.</a:t>
+            </a:r>
+          </a:p>
+          <a:p>
+            <a:pPr marL="45720" indent="0" algn="ctr">
+              <a:buNone/>
+            </a:pPr>
             <a:r>
               <a:rPr lang="en-US" sz="2500" dirty="0" smtClean="0"/>
-              <a:t> combines ingredients to make the food</a:t>
-            </a:r>
-          </a:p>
-          <a:p>
+              <a:t>If you want a well-run restaurant,</a:t>
+            </a:r>
+          </a:p>
+          <a:p>
+            <a:pPr marL="45720" indent="0" algn="ctr">
+              <a:buNone/>
+            </a:pPr>
             <a:r>
               <a:rPr lang="en-US" sz="2500" dirty="0" smtClean="0"/>
-              <a:t>They know the recipes and put everything together</a:t>
-            </a:r>
-          </a:p>
-          <a:p>
-            <a:endParaRPr lang="en-US" sz="2500" dirty="0" smtClean="0"/>
-          </a:p>
-          <a:p>
-            <a:r>
-              <a:rPr lang="en-US" sz="2500" dirty="0" smtClean="0"/>
-              <a:t>The </a:t>
-            </a:r>
-            <a:r>
-              <a:rPr lang="en-US" sz="2500" dirty="0" smtClean="0">
-                <a:solidFill>
-                  <a:srgbClr val="FF0000"/>
-                </a:solidFill>
-              </a:rPr>
-              <a:t>kitchen manager </a:t>
-            </a:r>
-            <a:r>
-              <a:rPr lang="en-US" sz="2500" dirty="0" smtClean="0"/>
-              <a:t>manages the whole shebang</a:t>
-            </a:r>
-          </a:p>
-          <a:p>
-            <a:r>
-              <a:rPr lang="en-US" sz="2500" dirty="0" smtClean="0"/>
-              <a:t>They manage the orders coming in, tell the cooks what they need to make, </a:t>
-            </a:r>
-            <a:r>
-              <a:rPr lang="en-US" sz="2500" dirty="0" smtClean="0"/>
-              <a:t>and ensure the orders go to the servers for delivery</a:t>
-            </a:r>
-            <a:r>
-              <a:rPr lang="en-US" sz="2500" dirty="0" smtClean="0"/>
-              <a:t>. </a:t>
-            </a:r>
-            <a:endParaRPr lang="en-US" sz="2500" dirty="0"/>
+              <a:t>you need to divvy up the work.</a:t>
+            </a:r>
           </a:p>
         </p:txBody>
       </p:sp>
@@ -13386,7 +14577,7 @@
           <a:p>
             <a:r>
               <a:rPr lang="en-US" dirty="0" smtClean="0"/>
-              <a:t>WHAT ROLES DO WE NEED?</a:t>
+              <a:t>Think about a restaurant.</a:t>
             </a:r>
             <a:endParaRPr lang="en-US" dirty="0"/>
           </a:p>
@@ -13395,7 +14586,7 @@
     </p:spTree>
     <p:extLst>
       <p:ext uri="{BB962C8B-B14F-4D97-AF65-F5344CB8AC3E}">
-        <p14:creationId xmlns:p14="http://schemas.microsoft.com/office/powerpoint/2010/main" val="1521072834"/>
+        <p14:creationId xmlns:p14="http://schemas.microsoft.com/office/powerpoint/2010/main" val="3412075118"/>
       </p:ext>
     </p:extLst>
   </p:cSld>
@@ -13441,131 +14632,93 @@
         </p:nvSpPr>
         <p:spPr>
           <a:xfrm>
-            <a:off x="175179" y="1310538"/>
-            <a:ext cx="8968821" cy="3877733"/>
+            <a:off x="380999" y="1533574"/>
+            <a:ext cx="8407893" cy="4760416"/>
           </a:xfrm>
         </p:spPr>
         <p:txBody>
           <a:bodyPr>
-            <a:noAutofit/>
+            <a:normAutofit/>
           </a:bodyPr>
           <a:lstStyle/>
           <a:p>
             <a:r>
-              <a:rPr lang="en-US" sz="2300" dirty="0" smtClean="0"/>
+              <a:rPr lang="en-US" sz="2500" dirty="0" smtClean="0"/>
               <a:t>The </a:t>
             </a:r>
             <a:r>
-              <a:rPr lang="en-US" sz="2300" dirty="0" smtClean="0">
+              <a:rPr lang="en-US" sz="2500" dirty="0" smtClean="0">
                 <a:solidFill>
                   <a:srgbClr val="FF0000"/>
                 </a:solidFill>
               </a:rPr>
-              <a:t>view (waiter) </a:t>
-            </a:r>
-            <a:r>
-              <a:rPr lang="en-US" sz="2300" dirty="0" smtClean="0"/>
-              <a:t>handles user interaction</a:t>
-            </a:r>
-          </a:p>
-          <a:p>
-            <a:r>
-              <a:rPr lang="en-US" sz="2300" dirty="0" smtClean="0"/>
-              <a:t>It shows information to the user and gets user input</a:t>
-            </a:r>
-          </a:p>
-          <a:p>
-            <a:endParaRPr lang="en-US" sz="2300" dirty="0"/>
-          </a:p>
-          <a:p>
-            <a:r>
-              <a:rPr lang="en-US" sz="2300" dirty="0" smtClean="0"/>
+              <a:t>waiters</a:t>
+            </a:r>
+            <a:r>
+              <a:rPr lang="en-US" sz="2500" dirty="0" smtClean="0"/>
+              <a:t> handle customer interaction</a:t>
+            </a:r>
+          </a:p>
+          <a:p>
+            <a:r>
+              <a:rPr lang="en-US" sz="2500" dirty="0" smtClean="0"/>
+              <a:t>They take your order and deliver your food</a:t>
+            </a:r>
+          </a:p>
+          <a:p>
+            <a:endParaRPr lang="en-US" sz="2500" dirty="0" smtClean="0"/>
+          </a:p>
+          <a:p>
+            <a:r>
+              <a:rPr lang="en-US" sz="2500" dirty="0" smtClean="0"/>
               <a:t>The </a:t>
             </a:r>
             <a:r>
-              <a:rPr lang="en-US" sz="2300" dirty="0" smtClean="0">
+              <a:rPr lang="en-US" sz="2500" dirty="0" smtClean="0">
                 <a:solidFill>
                   <a:srgbClr val="FF0000"/>
                 </a:solidFill>
               </a:rPr>
-              <a:t>model (chef)</a:t>
-            </a:r>
-            <a:r>
-              <a:rPr lang="en-US" sz="2300" dirty="0" smtClean="0"/>
-              <a:t> handles your data</a:t>
-            </a:r>
-          </a:p>
-          <a:p>
-            <a:r>
-              <a:rPr lang="en-US" sz="2300" dirty="0" smtClean="0"/>
-              <a:t>It interacts with a DB or data store of some kind, crunches the numbers and does the ‘heavy lifting’ in your application.</a:t>
-            </a:r>
-          </a:p>
-          <a:p>
-            <a:endParaRPr lang="en-US" sz="2300" dirty="0"/>
-          </a:p>
-          <a:p>
-            <a:r>
-              <a:rPr lang="en-US" sz="2300" dirty="0" smtClean="0"/>
+              <a:t>Chef</a:t>
+            </a:r>
+            <a:r>
+              <a:rPr lang="en-US" sz="2500" dirty="0" smtClean="0"/>
+              <a:t> combines ingredients to make the food</a:t>
+            </a:r>
+          </a:p>
+          <a:p>
+            <a:r>
+              <a:rPr lang="en-US" sz="2500" dirty="0" smtClean="0"/>
+              <a:t>They know the recipes and put everything together</a:t>
+            </a:r>
+          </a:p>
+          <a:p>
+            <a:endParaRPr lang="en-US" sz="2500" dirty="0" smtClean="0"/>
+          </a:p>
+          <a:p>
+            <a:r>
+              <a:rPr lang="en-US" sz="2500" dirty="0" smtClean="0"/>
               <a:t>The </a:t>
             </a:r>
             <a:r>
-              <a:rPr lang="en-US" sz="2300" dirty="0" smtClean="0">
+              <a:rPr lang="en-US" sz="2500" dirty="0" smtClean="0">
                 <a:solidFill>
                   <a:srgbClr val="FF0000"/>
                 </a:solidFill>
               </a:rPr>
-              <a:t>controller</a:t>
-            </a:r>
-            <a:r>
-              <a:rPr lang="en-US" sz="2300" dirty="0" smtClean="0"/>
-              <a:t> </a:t>
-            </a:r>
-            <a:r>
-              <a:rPr lang="en-US" sz="2300" dirty="0" smtClean="0">
-                <a:solidFill>
-                  <a:srgbClr val="FF0000"/>
-                </a:solidFill>
-              </a:rPr>
-              <a:t>(manager)</a:t>
-            </a:r>
-            <a:r>
-              <a:rPr lang="en-US" sz="2300" dirty="0" smtClean="0"/>
-              <a:t> manages communication between </a:t>
-            </a:r>
-            <a:r>
-              <a:rPr lang="en-US" sz="2300" dirty="0" smtClean="0">
-                <a:solidFill>
-                  <a:srgbClr val="FF0000"/>
-                </a:solidFill>
-              </a:rPr>
-              <a:t>model</a:t>
-            </a:r>
-            <a:r>
-              <a:rPr lang="en-US" sz="2300" dirty="0" smtClean="0"/>
-              <a:t> and </a:t>
-            </a:r>
-            <a:r>
-              <a:rPr lang="en-US" sz="2300" dirty="0" smtClean="0">
-                <a:solidFill>
-                  <a:srgbClr val="FF0000"/>
-                </a:solidFill>
-              </a:rPr>
-              <a:t>view</a:t>
-            </a:r>
-          </a:p>
-          <a:p>
-            <a:r>
-              <a:rPr lang="en-US" sz="2300" dirty="0" smtClean="0"/>
-              <a:t>It parses user input, gets the information it needs from the model, and passes it back to the view.</a:t>
-            </a:r>
-          </a:p>
-          <a:p>
-            <a:r>
-              <a:rPr lang="en-US" sz="2300" dirty="0" smtClean="0"/>
-              <a:t>It runs everything! Controllers are very... CONTROLLING.</a:t>
-            </a:r>
-            <a:endParaRPr lang="en-US" sz="2300" dirty="0"/>
+              <a:t>kitchen manager </a:t>
+            </a:r>
+            <a:r>
+              <a:rPr lang="en-US" sz="2500" dirty="0" smtClean="0"/>
+              <a:t>manages the whole shebang</a:t>
+            </a:r>
+          </a:p>
+          <a:p>
+            <a:r>
+              <a:rPr lang="en-US" sz="2500" dirty="0" smtClean="0"/>
+              <a:t>They manage the orders coming in, tell the cooks what they need to make, and ensure the orders go to the servers for delivery. </a:t>
+            </a:r>
+            <a:endParaRPr lang="en-US" sz="2500" dirty="0"/>
           </a:p>
         </p:txBody>
       </p:sp>
@@ -13586,7 +14739,7 @@
           <a:p>
             <a:r>
               <a:rPr lang="en-US" dirty="0" smtClean="0"/>
-              <a:t>M-V-C Bits:</a:t>
+              <a:t>WHAT ROLES DO WE NEED?</a:t>
             </a:r>
             <a:endParaRPr lang="en-US" dirty="0"/>
           </a:p>
@@ -13595,7 +14748,7 @@
     </p:spTree>
     <p:extLst>
       <p:ext uri="{BB962C8B-B14F-4D97-AF65-F5344CB8AC3E}">
-        <p14:creationId xmlns:p14="http://schemas.microsoft.com/office/powerpoint/2010/main" val="1779732405"/>
+        <p14:creationId xmlns:p14="http://schemas.microsoft.com/office/powerpoint/2010/main" val="1521072834"/>
       </p:ext>
     </p:extLst>
   </p:cSld>

--- a/1phase/ruby-mvc-single-res/HT-MVC.pptx
+++ b/1phase/ruby-mvc-single-res/HT-MVC.pptx
@@ -14,9 +14,9 @@
     <p:sldId id="256" r:id="rId2"/>
     <p:sldId id="288" r:id="rId3"/>
     <p:sldId id="290" r:id="rId4"/>
-    <p:sldId id="293" r:id="rId5"/>
-    <p:sldId id="257" r:id="rId6"/>
-    <p:sldId id="258" r:id="rId7"/>
+    <p:sldId id="257" r:id="rId5"/>
+    <p:sldId id="258" r:id="rId6"/>
+    <p:sldId id="293" r:id="rId7"/>
     <p:sldId id="284" r:id="rId8"/>
     <p:sldId id="285" r:id="rId9"/>
     <p:sldId id="286" r:id="rId10"/>
@@ -10190,10 +10190,15 @@
             <p:ph idx="1"/>
           </p:nvPr>
         </p:nvSpPr>
-        <p:spPr/>
+        <p:spPr>
+          <a:xfrm>
+            <a:off x="171247" y="1719979"/>
+            <a:ext cx="8915669" cy="3877733"/>
+          </a:xfrm>
+        </p:spPr>
         <p:txBody>
           <a:bodyPr>
-            <a:normAutofit/>
+            <a:normAutofit fontScale="92500" lnSpcReduction="10000"/>
           </a:bodyPr>
           <a:lstStyle/>
           <a:p>
@@ -10221,8 +10226,9 @@
           <a:p>
             <a:r>
               <a:rPr lang="en-US" sz="3400" dirty="0" smtClean="0"/>
-              <a:t>They’re just organized in a different way</a:t>
-            </a:r>
+              <a:t>The difference being a pattern of organization which allows us to separate out responsibilities in a standardized way.</a:t>
+            </a:r>
+            <a:endParaRPr lang="en-US" sz="3400" dirty="0" smtClean="0"/>
           </a:p>
           <a:p>
             <a:pPr marL="45720" indent="0">
@@ -13016,20 +13022,8 @@
           <a:lstStyle/>
           <a:p>
             <a:r>
-              <a:rPr lang="en-US" sz="3300" dirty="0"/>
-              <a:t>Everything you need to </a:t>
-            </a:r>
-            <a:r>
               <a:rPr lang="en-US" sz="3300" dirty="0" smtClean="0"/>
-              <a:t>visualize </a:t>
-            </a:r>
-            <a:r>
-              <a:rPr lang="en-US" sz="3300" dirty="0"/>
-              <a:t>the MVC pattern summed up in 1 </a:t>
-            </a:r>
-            <a:r>
-              <a:rPr lang="en-US" sz="3300" dirty="0" smtClean="0"/>
-              <a:t>slide</a:t>
+              <a:t>FIN:</a:t>
             </a:r>
             <a:endParaRPr lang="en-US" dirty="0"/>
           </a:p>
@@ -13055,914 +13049,6 @@
               <a:t>Model – View – Controller: A Design Pattern</a:t>
             </a:r>
             <a:endParaRPr lang="en-US" dirty="0"/>
-          </a:p>
-        </p:txBody>
-      </p:sp>
-      <p:sp>
-        <p:nvSpPr>
-          <p:cNvPr id="4" name="Rectangle 3"/>
-          <p:cNvSpPr/>
-          <p:nvPr/>
-        </p:nvSpPr>
-        <p:spPr>
-          <a:xfrm>
-            <a:off x="512064" y="2723877"/>
-            <a:ext cx="2150017" cy="3058909"/>
-          </a:xfrm>
-          <a:prstGeom prst="rect">
-            <a:avLst/>
-          </a:prstGeom>
-          <a:solidFill>
-            <a:srgbClr val="00A9B9"/>
-          </a:solidFill>
-          <a:ln>
-            <a:noFill/>
-          </a:ln>
-          <a:effectLst/>
-        </p:spPr>
-        <p:style>
-          <a:lnRef idx="1">
-            <a:schemeClr val="accent1"/>
-          </a:lnRef>
-          <a:fillRef idx="3">
-            <a:schemeClr val="accent1"/>
-          </a:fillRef>
-          <a:effectRef idx="2">
-            <a:schemeClr val="accent1"/>
-          </a:effectRef>
-          <a:fontRef idx="minor">
-            <a:schemeClr val="lt1"/>
-          </a:fontRef>
-        </p:style>
-        <p:txBody>
-          <a:bodyPr rtlCol="0" anchor="t"/>
-          <a:lstStyle/>
-          <a:p>
-            <a:endParaRPr lang="en-US" sz="2200" dirty="0">
-              <a:solidFill>
-                <a:schemeClr val="accent1"/>
-              </a:solidFill>
-            </a:endParaRPr>
-          </a:p>
-          <a:p>
-            <a:pPr marL="111125"/>
-            <a:endParaRPr lang="en-US" sz="2200" dirty="0" smtClean="0">
-              <a:solidFill>
-                <a:schemeClr val="accent1"/>
-              </a:solidFill>
-            </a:endParaRPr>
-          </a:p>
-        </p:txBody>
-      </p:sp>
-      <p:sp>
-        <p:nvSpPr>
-          <p:cNvPr id="5" name="Rectangle 4"/>
-          <p:cNvSpPr/>
-          <p:nvPr/>
-        </p:nvSpPr>
-        <p:spPr>
-          <a:xfrm>
-            <a:off x="3493911" y="2668662"/>
-            <a:ext cx="2150017" cy="3058909"/>
-          </a:xfrm>
-          <a:prstGeom prst="rect">
-            <a:avLst/>
-          </a:prstGeom>
-          <a:solidFill>
-            <a:srgbClr val="EA4A3C"/>
-          </a:solidFill>
-          <a:ln>
-            <a:noFill/>
-          </a:ln>
-          <a:effectLst/>
-        </p:spPr>
-        <p:style>
-          <a:lnRef idx="1">
-            <a:schemeClr val="accent1"/>
-          </a:lnRef>
-          <a:fillRef idx="3">
-            <a:schemeClr val="accent1"/>
-          </a:fillRef>
-          <a:effectRef idx="2">
-            <a:schemeClr val="accent1"/>
-          </a:effectRef>
-          <a:fontRef idx="minor">
-            <a:schemeClr val="lt1"/>
-          </a:fontRef>
-        </p:style>
-        <p:txBody>
-          <a:bodyPr rtlCol="0" anchor="t"/>
-          <a:lstStyle/>
-          <a:p>
-            <a:pPr marL="111125"/>
-            <a:endParaRPr lang="en-US" sz="2200" dirty="0" smtClean="0">
-              <a:solidFill>
-                <a:srgbClr val="F8F8F8"/>
-              </a:solidFill>
-            </a:endParaRPr>
-          </a:p>
-          <a:p>
-            <a:pPr marL="111125"/>
-            <a:endParaRPr lang="en-US" sz="2200" dirty="0" smtClean="0">
-              <a:solidFill>
-                <a:srgbClr val="F8F8F8"/>
-              </a:solidFill>
-            </a:endParaRPr>
-          </a:p>
-        </p:txBody>
-      </p:sp>
-      <p:sp>
-        <p:nvSpPr>
-          <p:cNvPr id="6" name="Rectangle 5"/>
-          <p:cNvSpPr/>
-          <p:nvPr/>
-        </p:nvSpPr>
-        <p:spPr>
-          <a:xfrm>
-            <a:off x="6536783" y="2723877"/>
-            <a:ext cx="2150017" cy="3058909"/>
-          </a:xfrm>
-          <a:prstGeom prst="rect">
-            <a:avLst/>
-          </a:prstGeom>
-          <a:solidFill>
-            <a:schemeClr val="accent6"/>
-          </a:solidFill>
-          <a:ln>
-            <a:noFill/>
-          </a:ln>
-          <a:effectLst/>
-        </p:spPr>
-        <p:style>
-          <a:lnRef idx="1">
-            <a:schemeClr val="accent1"/>
-          </a:lnRef>
-          <a:fillRef idx="3">
-            <a:schemeClr val="accent1"/>
-          </a:fillRef>
-          <a:effectRef idx="2">
-            <a:schemeClr val="accent1"/>
-          </a:effectRef>
-          <a:fontRef idx="minor">
-            <a:schemeClr val="lt1"/>
-          </a:fontRef>
-        </p:style>
-        <p:txBody>
-          <a:bodyPr rtlCol="0" anchor="t"/>
-          <a:lstStyle/>
-          <a:p>
-            <a:pPr marL="111125"/>
-            <a:endParaRPr lang="en-US" sz="2200" dirty="0" smtClean="0">
-              <a:solidFill>
-                <a:srgbClr val="F8F8F8"/>
-              </a:solidFill>
-            </a:endParaRPr>
-          </a:p>
-          <a:p>
-            <a:pPr marL="111125"/>
-            <a:endParaRPr lang="en-US" sz="2200" dirty="0" smtClean="0">
-              <a:solidFill>
-                <a:srgbClr val="F8F8F8"/>
-              </a:solidFill>
-            </a:endParaRPr>
-          </a:p>
-        </p:txBody>
-      </p:sp>
-      <p:sp>
-        <p:nvSpPr>
-          <p:cNvPr id="8" name="TextBox 7"/>
-          <p:cNvSpPr txBox="1"/>
-          <p:nvPr/>
-        </p:nvSpPr>
-        <p:spPr>
-          <a:xfrm>
-            <a:off x="457200" y="1865376"/>
-            <a:ext cx="2204881" cy="584776"/>
-          </a:xfrm>
-          <a:prstGeom prst="rect">
-            <a:avLst/>
-          </a:prstGeom>
-          <a:noFill/>
-        </p:spPr>
-        <p:txBody>
-          <a:bodyPr wrap="square" rtlCol="0">
-            <a:spAutoFit/>
-          </a:bodyPr>
-          <a:lstStyle/>
-          <a:p>
-            <a:pPr algn="ctr"/>
-            <a:r>
-              <a:rPr lang="en-US" sz="3200" dirty="0" smtClean="0"/>
-              <a:t>Model</a:t>
-            </a:r>
-            <a:endParaRPr lang="en-US" sz="3200" dirty="0"/>
-          </a:p>
-        </p:txBody>
-      </p:sp>
-      <p:sp>
-        <p:nvSpPr>
-          <p:cNvPr id="10" name="TextBox 9"/>
-          <p:cNvSpPr txBox="1"/>
-          <p:nvPr/>
-        </p:nvSpPr>
-        <p:spPr>
-          <a:xfrm>
-            <a:off x="3493911" y="1865376"/>
-            <a:ext cx="2204881" cy="584776"/>
-          </a:xfrm>
-          <a:prstGeom prst="rect">
-            <a:avLst/>
-          </a:prstGeom>
-          <a:noFill/>
-        </p:spPr>
-        <p:txBody>
-          <a:bodyPr wrap="square" rtlCol="0">
-            <a:spAutoFit/>
-          </a:bodyPr>
-          <a:lstStyle/>
-          <a:p>
-            <a:pPr algn="ctr"/>
-            <a:r>
-              <a:rPr lang="en-US" sz="3200" dirty="0" smtClean="0"/>
-              <a:t>Controller</a:t>
-            </a:r>
-            <a:endParaRPr lang="en-US" sz="3200" dirty="0"/>
-          </a:p>
-        </p:txBody>
-      </p:sp>
-      <p:sp>
-        <p:nvSpPr>
-          <p:cNvPr id="11" name="TextBox 10"/>
-          <p:cNvSpPr txBox="1"/>
-          <p:nvPr/>
-        </p:nvSpPr>
-        <p:spPr>
-          <a:xfrm>
-            <a:off x="6536783" y="1865376"/>
-            <a:ext cx="2204881" cy="584776"/>
-          </a:xfrm>
-          <a:prstGeom prst="rect">
-            <a:avLst/>
-          </a:prstGeom>
-          <a:noFill/>
-        </p:spPr>
-        <p:txBody>
-          <a:bodyPr wrap="square" rtlCol="0">
-            <a:spAutoFit/>
-          </a:bodyPr>
-          <a:lstStyle/>
-          <a:p>
-            <a:pPr algn="ctr"/>
-            <a:r>
-              <a:rPr lang="en-US" sz="3200" dirty="0" smtClean="0"/>
-              <a:t>View</a:t>
-            </a:r>
-            <a:endParaRPr lang="en-US" sz="3200" dirty="0"/>
-          </a:p>
-        </p:txBody>
-      </p:sp>
-      <p:cxnSp>
-        <p:nvCxnSpPr>
-          <p:cNvPr id="12" name="Straight Arrow Connector 11"/>
-          <p:cNvCxnSpPr>
-            <a:stCxn id="7" idx="1"/>
-          </p:cNvCxnSpPr>
-          <p:nvPr/>
-        </p:nvCxnSpPr>
-        <p:spPr>
-          <a:xfrm flipH="1">
-            <a:off x="5537200" y="3132894"/>
-            <a:ext cx="1218407" cy="0"/>
-          </a:xfrm>
-          <a:prstGeom prst="straightConnector1">
-            <a:avLst/>
-          </a:prstGeom>
-          <a:ln w="57150" cmpd="sng">
-            <a:solidFill>
-              <a:schemeClr val="accent2"/>
-            </a:solidFill>
-            <a:headEnd type="none"/>
-            <a:tailEnd type="triangle"/>
-          </a:ln>
-          <a:effectLst/>
-        </p:spPr>
-        <p:style>
-          <a:lnRef idx="2">
-            <a:schemeClr val="accent1"/>
-          </a:lnRef>
-          <a:fillRef idx="0">
-            <a:schemeClr val="accent1"/>
-          </a:fillRef>
-          <a:effectRef idx="1">
-            <a:schemeClr val="accent1"/>
-          </a:effectRef>
-          <a:fontRef idx="minor">
-            <a:schemeClr val="tx1"/>
-          </a:fontRef>
-        </p:style>
-      </p:cxnSp>
-      <p:sp>
-        <p:nvSpPr>
-          <p:cNvPr id="7" name="Rectangle 6"/>
-          <p:cNvSpPr/>
-          <p:nvPr/>
-        </p:nvSpPr>
-        <p:spPr>
-          <a:xfrm>
-            <a:off x="6755607" y="2934560"/>
-            <a:ext cx="1730320" cy="396667"/>
-          </a:xfrm>
-          <a:prstGeom prst="rect">
-            <a:avLst/>
-          </a:prstGeom>
-          <a:solidFill>
-            <a:schemeClr val="accent6"/>
-          </a:solidFill>
-          <a:ln w="28575" cmpd="sng">
-            <a:solidFill>
-              <a:schemeClr val="accent1"/>
-            </a:solidFill>
-          </a:ln>
-          <a:effectLst/>
-        </p:spPr>
-        <p:style>
-          <a:lnRef idx="1">
-            <a:schemeClr val="accent1"/>
-          </a:lnRef>
-          <a:fillRef idx="3">
-            <a:schemeClr val="accent1"/>
-          </a:fillRef>
-          <a:effectRef idx="2">
-            <a:schemeClr val="accent1"/>
-          </a:effectRef>
-          <a:fontRef idx="minor">
-            <a:schemeClr val="lt1"/>
-          </a:fontRef>
-        </p:style>
-        <p:txBody>
-          <a:bodyPr rtlCol="0" anchor="ctr"/>
-          <a:lstStyle/>
-          <a:p>
-            <a:pPr algn="ctr"/>
-            <a:r>
-              <a:rPr lang="en-US" dirty="0" smtClean="0">
-                <a:solidFill>
-                  <a:srgbClr val="F8F8F8"/>
-                </a:solidFill>
-              </a:rPr>
-              <a:t>send input</a:t>
-            </a:r>
-            <a:endParaRPr lang="en-US" dirty="0">
-              <a:solidFill>
-                <a:srgbClr val="F8F8F8"/>
-              </a:solidFill>
-            </a:endParaRPr>
-          </a:p>
-        </p:txBody>
-      </p:sp>
-      <p:cxnSp>
-        <p:nvCxnSpPr>
-          <p:cNvPr id="15" name="Straight Arrow Connector 14"/>
-          <p:cNvCxnSpPr>
-            <a:stCxn id="13" idx="2"/>
-          </p:cNvCxnSpPr>
-          <p:nvPr/>
-        </p:nvCxnSpPr>
-        <p:spPr>
-          <a:xfrm>
-            <a:off x="4565097" y="3331227"/>
-            <a:ext cx="0" cy="614240"/>
-          </a:xfrm>
-          <a:prstGeom prst="straightConnector1">
-            <a:avLst/>
-          </a:prstGeom>
-          <a:ln w="57150" cmpd="sng">
-            <a:solidFill>
-              <a:schemeClr val="accent2"/>
-            </a:solidFill>
-            <a:headEnd type="none"/>
-            <a:tailEnd type="triangle"/>
-          </a:ln>
-          <a:effectLst/>
-        </p:spPr>
-        <p:style>
-          <a:lnRef idx="2">
-            <a:schemeClr val="accent1"/>
-          </a:lnRef>
-          <a:fillRef idx="0">
-            <a:schemeClr val="accent1"/>
-          </a:fillRef>
-          <a:effectRef idx="1">
-            <a:schemeClr val="accent1"/>
-          </a:effectRef>
-          <a:fontRef idx="minor">
-            <a:schemeClr val="tx1"/>
-          </a:fontRef>
-        </p:style>
-      </p:cxnSp>
-      <p:sp>
-        <p:nvSpPr>
-          <p:cNvPr id="13" name="Rectangle 12"/>
-          <p:cNvSpPr/>
-          <p:nvPr/>
-        </p:nvSpPr>
-        <p:spPr>
-          <a:xfrm>
-            <a:off x="3699937" y="2934560"/>
-            <a:ext cx="1730320" cy="396667"/>
-          </a:xfrm>
-          <a:prstGeom prst="rect">
-            <a:avLst/>
-          </a:prstGeom>
-          <a:solidFill>
-            <a:schemeClr val="accent4"/>
-          </a:solidFill>
-          <a:ln w="28575" cmpd="sng">
-            <a:solidFill>
-              <a:schemeClr val="accent1"/>
-            </a:solidFill>
-          </a:ln>
-          <a:effectLst/>
-        </p:spPr>
-        <p:style>
-          <a:lnRef idx="1">
-            <a:schemeClr val="accent1"/>
-          </a:lnRef>
-          <a:fillRef idx="3">
-            <a:schemeClr val="accent1"/>
-          </a:fillRef>
-          <a:effectRef idx="2">
-            <a:schemeClr val="accent1"/>
-          </a:effectRef>
-          <a:fontRef idx="minor">
-            <a:schemeClr val="lt1"/>
-          </a:fontRef>
-        </p:style>
-        <p:txBody>
-          <a:bodyPr rtlCol="0" anchor="ctr"/>
-          <a:lstStyle/>
-          <a:p>
-            <a:pPr algn="ctr"/>
-            <a:r>
-              <a:rPr lang="en-US" dirty="0" smtClean="0">
-                <a:solidFill>
-                  <a:srgbClr val="F8F8F8"/>
-                </a:solidFill>
-              </a:rPr>
-              <a:t>interpret input</a:t>
-            </a:r>
-            <a:endParaRPr lang="en-US" dirty="0">
-              <a:solidFill>
-                <a:srgbClr val="F8F8F8"/>
-              </a:solidFill>
-            </a:endParaRPr>
-          </a:p>
-        </p:txBody>
-      </p:sp>
-      <p:cxnSp>
-        <p:nvCxnSpPr>
-          <p:cNvPr id="17" name="Straight Arrow Connector 16"/>
-          <p:cNvCxnSpPr/>
-          <p:nvPr/>
-        </p:nvCxnSpPr>
-        <p:spPr>
-          <a:xfrm flipH="1">
-            <a:off x="2545030" y="4237794"/>
-            <a:ext cx="1218407" cy="0"/>
-          </a:xfrm>
-          <a:prstGeom prst="straightConnector1">
-            <a:avLst/>
-          </a:prstGeom>
-          <a:ln w="57150" cmpd="sng">
-            <a:solidFill>
-              <a:schemeClr val="accent2"/>
-            </a:solidFill>
-            <a:headEnd type="none"/>
-            <a:tailEnd type="triangle"/>
-          </a:ln>
-          <a:effectLst/>
-        </p:spPr>
-        <p:style>
-          <a:lnRef idx="2">
-            <a:schemeClr val="accent1"/>
-          </a:lnRef>
-          <a:fillRef idx="0">
-            <a:schemeClr val="accent1"/>
-          </a:fillRef>
-          <a:effectRef idx="1">
-            <a:schemeClr val="accent1"/>
-          </a:effectRef>
-          <a:fontRef idx="minor">
-            <a:schemeClr val="tx1"/>
-          </a:fontRef>
-        </p:style>
-      </p:cxnSp>
-      <p:sp>
-        <p:nvSpPr>
-          <p:cNvPr id="14" name="Rectangle 13"/>
-          <p:cNvSpPr/>
-          <p:nvPr/>
-        </p:nvSpPr>
-        <p:spPr>
-          <a:xfrm>
-            <a:off x="3699937" y="4014227"/>
-            <a:ext cx="1730320" cy="396667"/>
-          </a:xfrm>
-          <a:prstGeom prst="rect">
-            <a:avLst/>
-          </a:prstGeom>
-          <a:solidFill>
-            <a:schemeClr val="accent4"/>
-          </a:solidFill>
-          <a:ln w="28575" cmpd="sng">
-            <a:solidFill>
-              <a:schemeClr val="accent1"/>
-            </a:solidFill>
-          </a:ln>
-          <a:effectLst/>
-        </p:spPr>
-        <p:style>
-          <a:lnRef idx="1">
-            <a:schemeClr val="accent1"/>
-          </a:lnRef>
-          <a:fillRef idx="3">
-            <a:schemeClr val="accent1"/>
-          </a:fillRef>
-          <a:effectRef idx="2">
-            <a:schemeClr val="accent1"/>
-          </a:effectRef>
-          <a:fontRef idx="minor">
-            <a:schemeClr val="lt1"/>
-          </a:fontRef>
-        </p:style>
-        <p:txBody>
-          <a:bodyPr rtlCol="0" anchor="ctr"/>
-          <a:lstStyle/>
-          <a:p>
-            <a:pPr algn="ctr"/>
-            <a:r>
-              <a:rPr lang="en-US" dirty="0" smtClean="0">
-                <a:solidFill>
-                  <a:srgbClr val="F8F8F8"/>
-                </a:solidFill>
-              </a:rPr>
-              <a:t>request data</a:t>
-            </a:r>
-            <a:endParaRPr lang="en-US" dirty="0">
-              <a:solidFill>
-                <a:srgbClr val="F8F8F8"/>
-              </a:solidFill>
-            </a:endParaRPr>
-          </a:p>
-        </p:txBody>
-      </p:sp>
-      <p:cxnSp>
-        <p:nvCxnSpPr>
-          <p:cNvPr id="19" name="Straight Arrow Connector 18"/>
-          <p:cNvCxnSpPr/>
-          <p:nvPr/>
-        </p:nvCxnSpPr>
-        <p:spPr>
-          <a:xfrm>
-            <a:off x="1567897" y="4410894"/>
-            <a:ext cx="0" cy="614240"/>
-          </a:xfrm>
-          <a:prstGeom prst="straightConnector1">
-            <a:avLst/>
-          </a:prstGeom>
-          <a:ln w="57150" cmpd="sng">
-            <a:solidFill>
-              <a:schemeClr val="accent2"/>
-            </a:solidFill>
-            <a:headEnd type="none"/>
-            <a:tailEnd type="triangle"/>
-          </a:ln>
-          <a:effectLst/>
-        </p:spPr>
-        <p:style>
-          <a:lnRef idx="2">
-            <a:schemeClr val="accent1"/>
-          </a:lnRef>
-          <a:fillRef idx="0">
-            <a:schemeClr val="accent1"/>
-          </a:fillRef>
-          <a:effectRef idx="1">
-            <a:schemeClr val="accent1"/>
-          </a:effectRef>
-          <a:fontRef idx="minor">
-            <a:schemeClr val="tx1"/>
-          </a:fontRef>
-        </p:style>
-      </p:cxnSp>
-      <p:sp>
-        <p:nvSpPr>
-          <p:cNvPr id="16" name="Rectangle 15"/>
-          <p:cNvSpPr/>
-          <p:nvPr/>
-        </p:nvSpPr>
-        <p:spPr>
-          <a:xfrm>
-            <a:off x="702737" y="4014227"/>
-            <a:ext cx="1730320" cy="396667"/>
-          </a:xfrm>
-          <a:prstGeom prst="rect">
-            <a:avLst/>
-          </a:prstGeom>
-          <a:solidFill>
-            <a:schemeClr val="accent5"/>
-          </a:solidFill>
-          <a:ln w="28575" cmpd="sng">
-            <a:solidFill>
-              <a:schemeClr val="accent1"/>
-            </a:solidFill>
-          </a:ln>
-          <a:effectLst/>
-        </p:spPr>
-        <p:style>
-          <a:lnRef idx="1">
-            <a:schemeClr val="accent1"/>
-          </a:lnRef>
-          <a:fillRef idx="3">
-            <a:schemeClr val="accent1"/>
-          </a:fillRef>
-          <a:effectRef idx="2">
-            <a:schemeClr val="accent1"/>
-          </a:effectRef>
-          <a:fontRef idx="minor">
-            <a:schemeClr val="lt1"/>
-          </a:fontRef>
-        </p:style>
-        <p:txBody>
-          <a:bodyPr rtlCol="0" anchor="ctr"/>
-          <a:lstStyle/>
-          <a:p>
-            <a:pPr algn="ctr"/>
-            <a:r>
-              <a:rPr lang="en-US" dirty="0" smtClean="0">
-                <a:solidFill>
-                  <a:srgbClr val="F8F8F8"/>
-                </a:solidFill>
-              </a:rPr>
-              <a:t>gather data</a:t>
-            </a:r>
-            <a:endParaRPr lang="en-US" dirty="0">
-              <a:solidFill>
-                <a:srgbClr val="F8F8F8"/>
-              </a:solidFill>
-            </a:endParaRPr>
-          </a:p>
-        </p:txBody>
-      </p:sp>
-      <p:cxnSp>
-        <p:nvCxnSpPr>
-          <p:cNvPr id="21" name="Straight Arrow Connector 20"/>
-          <p:cNvCxnSpPr/>
-          <p:nvPr/>
-        </p:nvCxnSpPr>
-        <p:spPr>
-          <a:xfrm>
-            <a:off x="2382257" y="5300588"/>
-            <a:ext cx="1218407" cy="0"/>
-          </a:xfrm>
-          <a:prstGeom prst="straightConnector1">
-            <a:avLst/>
-          </a:prstGeom>
-          <a:ln w="57150" cmpd="sng">
-            <a:solidFill>
-              <a:schemeClr val="accent2"/>
-            </a:solidFill>
-            <a:headEnd type="none"/>
-            <a:tailEnd type="triangle"/>
-          </a:ln>
-          <a:effectLst/>
-        </p:spPr>
-        <p:style>
-          <a:lnRef idx="2">
-            <a:schemeClr val="accent1"/>
-          </a:lnRef>
-          <a:fillRef idx="0">
-            <a:schemeClr val="accent1"/>
-          </a:fillRef>
-          <a:effectRef idx="1">
-            <a:schemeClr val="accent1"/>
-          </a:effectRef>
-          <a:fontRef idx="minor">
-            <a:schemeClr val="tx1"/>
-          </a:fontRef>
-        </p:style>
-      </p:cxnSp>
-      <p:sp>
-        <p:nvSpPr>
-          <p:cNvPr id="18" name="Rectangle 17"/>
-          <p:cNvSpPr/>
-          <p:nvPr/>
-        </p:nvSpPr>
-        <p:spPr>
-          <a:xfrm>
-            <a:off x="702737" y="5093893"/>
-            <a:ext cx="1730320" cy="396667"/>
-          </a:xfrm>
-          <a:prstGeom prst="rect">
-            <a:avLst/>
-          </a:prstGeom>
-          <a:solidFill>
-            <a:schemeClr val="accent5"/>
-          </a:solidFill>
-          <a:ln w="28575" cmpd="sng">
-            <a:solidFill>
-              <a:schemeClr val="accent1"/>
-            </a:solidFill>
-          </a:ln>
-          <a:effectLst/>
-        </p:spPr>
-        <p:style>
-          <a:lnRef idx="1">
-            <a:schemeClr val="accent1"/>
-          </a:lnRef>
-          <a:fillRef idx="3">
-            <a:schemeClr val="accent1"/>
-          </a:fillRef>
-          <a:effectRef idx="2">
-            <a:schemeClr val="accent1"/>
-          </a:effectRef>
-          <a:fontRef idx="minor">
-            <a:schemeClr val="lt1"/>
-          </a:fontRef>
-        </p:style>
-        <p:txBody>
-          <a:bodyPr rtlCol="0" anchor="ctr"/>
-          <a:lstStyle/>
-          <a:p>
-            <a:pPr algn="ctr"/>
-            <a:r>
-              <a:rPr lang="en-US" dirty="0" smtClean="0">
-                <a:solidFill>
-                  <a:srgbClr val="F8F8F8"/>
-                </a:solidFill>
-              </a:rPr>
-              <a:t>return data</a:t>
-            </a:r>
-            <a:endParaRPr lang="en-US" dirty="0">
-              <a:solidFill>
-                <a:srgbClr val="F8F8F8"/>
-              </a:solidFill>
-            </a:endParaRPr>
-          </a:p>
-        </p:txBody>
-      </p:sp>
-      <p:sp>
-        <p:nvSpPr>
-          <p:cNvPr id="22" name="Rectangle 21"/>
-          <p:cNvSpPr/>
-          <p:nvPr/>
-        </p:nvSpPr>
-        <p:spPr>
-          <a:xfrm>
-            <a:off x="6755607" y="5102254"/>
-            <a:ext cx="1730320" cy="396667"/>
-          </a:xfrm>
-          <a:prstGeom prst="rect">
-            <a:avLst/>
-          </a:prstGeom>
-          <a:solidFill>
-            <a:schemeClr val="accent6"/>
-          </a:solidFill>
-          <a:ln w="28575" cmpd="sng">
-            <a:solidFill>
-              <a:schemeClr val="accent1"/>
-            </a:solidFill>
-          </a:ln>
-          <a:effectLst/>
-        </p:spPr>
-        <p:style>
-          <a:lnRef idx="1">
-            <a:schemeClr val="accent1"/>
-          </a:lnRef>
-          <a:fillRef idx="3">
-            <a:schemeClr val="accent1"/>
-          </a:fillRef>
-          <a:effectRef idx="2">
-            <a:schemeClr val="accent1"/>
-          </a:effectRef>
-          <a:fontRef idx="minor">
-            <a:schemeClr val="lt1"/>
-          </a:fontRef>
-        </p:style>
-        <p:txBody>
-          <a:bodyPr rtlCol="0" anchor="ctr"/>
-          <a:lstStyle/>
-          <a:p>
-            <a:pPr algn="ctr"/>
-            <a:r>
-              <a:rPr lang="en-US" dirty="0" smtClean="0">
-                <a:solidFill>
-                  <a:srgbClr val="F8F8F8"/>
-                </a:solidFill>
-              </a:rPr>
-              <a:t>display data</a:t>
-            </a:r>
-            <a:endParaRPr lang="en-US" dirty="0">
-              <a:solidFill>
-                <a:srgbClr val="F8F8F8"/>
-              </a:solidFill>
-            </a:endParaRPr>
-          </a:p>
-        </p:txBody>
-      </p:sp>
-      <p:cxnSp>
-        <p:nvCxnSpPr>
-          <p:cNvPr id="23" name="Straight Arrow Connector 22"/>
-          <p:cNvCxnSpPr/>
-          <p:nvPr/>
-        </p:nvCxnSpPr>
-        <p:spPr>
-          <a:xfrm>
-            <a:off x="5430257" y="5300588"/>
-            <a:ext cx="1218407" cy="0"/>
-          </a:xfrm>
-          <a:prstGeom prst="straightConnector1">
-            <a:avLst/>
-          </a:prstGeom>
-          <a:ln w="57150" cmpd="sng">
-            <a:solidFill>
-              <a:schemeClr val="accent2"/>
-            </a:solidFill>
-            <a:headEnd type="none"/>
-            <a:tailEnd type="triangle"/>
-          </a:ln>
-          <a:effectLst/>
-        </p:spPr>
-        <p:style>
-          <a:lnRef idx="2">
-            <a:schemeClr val="accent1"/>
-          </a:lnRef>
-          <a:fillRef idx="0">
-            <a:schemeClr val="accent1"/>
-          </a:fillRef>
-          <a:effectRef idx="1">
-            <a:schemeClr val="accent1"/>
-          </a:effectRef>
-          <a:fontRef idx="minor">
-            <a:schemeClr val="tx1"/>
-          </a:fontRef>
-        </p:style>
-      </p:cxnSp>
-      <p:sp>
-        <p:nvSpPr>
-          <p:cNvPr id="20" name="Rectangle 19"/>
-          <p:cNvSpPr/>
-          <p:nvPr/>
-        </p:nvSpPr>
-        <p:spPr>
-          <a:xfrm>
-            <a:off x="3699937" y="5093893"/>
-            <a:ext cx="1730320" cy="396667"/>
-          </a:xfrm>
-          <a:prstGeom prst="rect">
-            <a:avLst/>
-          </a:prstGeom>
-          <a:solidFill>
-            <a:schemeClr val="accent4"/>
-          </a:solidFill>
-          <a:ln w="28575" cmpd="sng">
-            <a:solidFill>
-              <a:schemeClr val="accent1"/>
-            </a:solidFill>
-          </a:ln>
-          <a:effectLst/>
-        </p:spPr>
-        <p:style>
-          <a:lnRef idx="1">
-            <a:schemeClr val="accent1"/>
-          </a:lnRef>
-          <a:fillRef idx="3">
-            <a:schemeClr val="accent1"/>
-          </a:fillRef>
-          <a:effectRef idx="2">
-            <a:schemeClr val="accent1"/>
-          </a:effectRef>
-          <a:fontRef idx="minor">
-            <a:schemeClr val="lt1"/>
-          </a:fontRef>
-        </p:style>
-        <p:txBody>
-          <a:bodyPr rtlCol="0" anchor="ctr"/>
-          <a:lstStyle/>
-          <a:p>
-            <a:pPr algn="ctr"/>
-            <a:r>
-              <a:rPr lang="en-US" dirty="0" smtClean="0">
-                <a:solidFill>
-                  <a:srgbClr val="F8F8F8"/>
-                </a:solidFill>
-              </a:rPr>
-              <a:t>forward data</a:t>
-            </a:r>
-            <a:endParaRPr lang="en-US" dirty="0">
-              <a:solidFill>
-                <a:srgbClr val="F8F8F8"/>
-              </a:solidFill>
-            </a:endParaRPr>
           </a:p>
         </p:txBody>
       </p:sp>
@@ -14005,7 +13091,7 @@
       </p:grpSpPr>
       <p:sp>
         <p:nvSpPr>
-          <p:cNvPr id="3" name="Title 2"/>
+          <p:cNvPr id="5" name="Title 4"/>
           <p:cNvSpPr>
             <a:spLocks noGrp="1"/>
           </p:cNvSpPr>
@@ -14020,49 +13106,88 @@
           <a:p>
             <a:r>
               <a:rPr lang="en-US" dirty="0" smtClean="0"/>
-              <a:t>M-V-C </a:t>
-            </a:r>
-            <a:r>
-              <a:rPr lang="en-US" dirty="0" smtClean="0"/>
-              <a:t>Summation: </a:t>
-            </a:r>
-            <a:r>
-              <a:rPr lang="en-US" dirty="0" smtClean="0"/>
-              <a:t>	 </a:t>
+              <a:t>Model – View – Controller</a:t>
             </a:r>
             <a:endParaRPr lang="en-US" dirty="0"/>
           </a:p>
         </p:txBody>
       </p:sp>
-      <p:pic>
-        <p:nvPicPr>
-          <p:cNvPr id="5" name="Content Placeholder 4" descr="MVC.jpg"/>
-          <p:cNvPicPr>
-            <a:picLocks noGrp="1" noChangeAspect="1"/>
-          </p:cNvPicPr>
+      <p:sp>
+        <p:nvSpPr>
+          <p:cNvPr id="6" name="Content Placeholder 5"/>
+          <p:cNvSpPr>
+            <a:spLocks noGrp="1"/>
+          </p:cNvSpPr>
           <p:nvPr>
             <p:ph idx="1"/>
           </p:nvPr>
-        </p:nvPicPr>
-        <p:blipFill>
-          <a:blip r:embed="rId2">
-            <a:extLst>
-              <a:ext uri="{28A0092B-C50C-407E-A947-70E740481C1C}">
-                <a14:useLocalDpi xmlns:a14="http://schemas.microsoft.com/office/drawing/2010/main" val="0"/>
-              </a:ext>
-            </a:extLst>
-          </a:blip>
-          <a:srcRect t="3798" b="3798"/>
-          <a:stretch>
-            <a:fillRect/>
-          </a:stretch>
-        </p:blipFill>
+        </p:nvSpPr>
         <p:spPr/>
-      </p:pic>
+        <p:txBody>
+          <a:bodyPr>
+            <a:normAutofit/>
+          </a:bodyPr>
+          <a:lstStyle/>
+          <a:p>
+            <a:r>
+              <a:rPr lang="en-US" dirty="0" smtClean="0"/>
+              <a:t>What is it?</a:t>
+            </a:r>
+          </a:p>
+          <a:p>
+            <a:r>
+              <a:rPr lang="en-US" dirty="0" smtClean="0"/>
+              <a:t>In short: MVC is a design pattern.</a:t>
+            </a:r>
+          </a:p>
+          <a:p>
+            <a:r>
+              <a:rPr lang="en-US" dirty="0" smtClean="0"/>
+              <a:t>In not so short</a:t>
+            </a:r>
+            <a:r>
+              <a:rPr lang="en-US" dirty="0"/>
+              <a:t>: </a:t>
+            </a:r>
+            <a:r>
+              <a:rPr lang="en-US" sz="2200" dirty="0" smtClean="0"/>
+              <a:t>MVC is </a:t>
+            </a:r>
+            <a:r>
+              <a:rPr lang="en-US" sz="2200" dirty="0"/>
+              <a:t>a software architectural pattern for implementing user interfaces. It divides a given software application into three interconnected parts, so as to separate internal representations of information from the ways that information is presented to or accepted from the user.</a:t>
+            </a:r>
+            <a:endParaRPr lang="en-US" sz="2200" dirty="0" smtClean="0"/>
+          </a:p>
+        </p:txBody>
+      </p:sp>
+      <p:sp>
+        <p:nvSpPr>
+          <p:cNvPr id="4" name="Footer Placeholder 3"/>
+          <p:cNvSpPr>
+            <a:spLocks noGrp="1"/>
+          </p:cNvSpPr>
+          <p:nvPr>
+            <p:ph type="ftr" sz="quarter" idx="3"/>
+          </p:nvPr>
+        </p:nvSpPr>
+        <p:spPr/>
+        <p:txBody>
+          <a:bodyPr/>
+          <a:lstStyle/>
+          <a:p>
+            <a:r>
+              <a:rPr lang="en-US" dirty="0" smtClean="0"/>
+              <a:t>Model – View – Controller: A Design Pattern</a:t>
+            </a:r>
+            <a:endParaRPr lang="en-US" dirty="0"/>
+          </a:p>
+        </p:txBody>
+      </p:sp>
     </p:spTree>
     <p:extLst>
       <p:ext uri="{BB962C8B-B14F-4D97-AF65-F5344CB8AC3E}">
-        <p14:creationId xmlns:p14="http://schemas.microsoft.com/office/powerpoint/2010/main" val="2268475127"/>
+        <p14:creationId xmlns:p14="http://schemas.microsoft.com/office/powerpoint/2010/main" val="1629509482"/>
       </p:ext>
     </p:extLst>
   </p:cSld>
@@ -14098,7 +13223,7 @@
       </p:grpSpPr>
       <p:sp>
         <p:nvSpPr>
-          <p:cNvPr id="5" name="Title 4"/>
+          <p:cNvPr id="2" name="Title 1"/>
           <p:cNvSpPr>
             <a:spLocks noGrp="1"/>
           </p:cNvSpPr>
@@ -14113,7 +13238,7 @@
           <a:p>
             <a:r>
               <a:rPr lang="en-US" dirty="0" smtClean="0"/>
-              <a:t>Model – View – Controller</a:t>
+              <a:t>Design Patterns</a:t>
             </a:r>
             <a:endParaRPr lang="en-US" dirty="0"/>
           </a:p>
@@ -14121,7 +13246,7 @@
       </p:sp>
       <p:sp>
         <p:nvSpPr>
-          <p:cNvPr id="6" name="Content Placeholder 5"/>
+          <p:cNvPr id="3" name="Content Placeholder 2"/>
           <p:cNvSpPr>
             <a:spLocks noGrp="1"/>
           </p:cNvSpPr>
@@ -14132,39 +13257,31 @@
         <p:spPr/>
         <p:txBody>
           <a:bodyPr>
-            <a:normAutofit/>
+            <a:normAutofit fontScale="92500" lnSpcReduction="20000"/>
           </a:bodyPr>
           <a:lstStyle/>
           <a:p>
             <a:r>
               <a:rPr lang="en-US" dirty="0" smtClean="0"/>
-              <a:t>What is it?</a:t>
-            </a:r>
+              <a:t>A </a:t>
+            </a:r>
+            <a:r>
+              <a:rPr lang="en-US" dirty="0"/>
+              <a:t>design pattern is a general reusable solution to a commonly occurring problem within a given context in software design. </a:t>
+            </a:r>
+            <a:endParaRPr lang="en-US" dirty="0" smtClean="0"/>
+          </a:p>
+          <a:p>
+            <a:endParaRPr lang="en-US" dirty="0"/>
           </a:p>
           <a:p>
             <a:r>
               <a:rPr lang="en-US" dirty="0" smtClean="0"/>
-              <a:t>In short: MVC is a design pattern.</a:t>
-            </a:r>
-          </a:p>
-          <a:p>
-            <a:r>
-              <a:rPr lang="en-US" dirty="0" smtClean="0"/>
-              <a:t>In not so short</a:t>
-            </a:r>
-            <a:r>
-              <a:rPr lang="en-US" dirty="0"/>
-              <a:t>: </a:t>
-            </a:r>
-            <a:r>
-              <a:rPr lang="en-US" sz="2200" dirty="0" smtClean="0"/>
-              <a:t>MVC is </a:t>
-            </a:r>
-            <a:r>
-              <a:rPr lang="en-US" sz="2200" dirty="0"/>
-              <a:t>a software architectural pattern for implementing user interfaces. It divides a given software application into three interconnected parts, so as to separate internal representations of information from the ways that information is presented to or accepted from the user.</a:t>
-            </a:r>
-            <a:endParaRPr lang="en-US" sz="2200" dirty="0" smtClean="0"/>
+              <a:t>Get used to this term. Start thinking of everything you do as implementing some pattern. You’re just following a blueprint, filling in the gaps as needed with as little distinction from the standard pattern as possible.</a:t>
+            </a:r>
+          </a:p>
+          <a:p>
+            <a:endParaRPr lang="en-US" dirty="0" smtClean="0"/>
           </a:p>
         </p:txBody>
       </p:sp>
@@ -14184,7 +13301,7 @@
           <a:lstStyle/>
           <a:p>
             <a:r>
-              <a:rPr lang="en-US" dirty="0" smtClean="0"/>
+              <a:rPr lang="en-US" smtClean="0"/>
               <a:t>Model – View – Controller: A Design Pattern</a:t>
             </a:r>
             <a:endParaRPr lang="en-US" dirty="0"/>
@@ -14194,7 +13311,7 @@
     </p:spTree>
     <p:extLst>
       <p:ext uri="{BB962C8B-B14F-4D97-AF65-F5344CB8AC3E}">
-        <p14:creationId xmlns:p14="http://schemas.microsoft.com/office/powerpoint/2010/main" val="1629509482"/>
+        <p14:creationId xmlns:p14="http://schemas.microsoft.com/office/powerpoint/2010/main" val="1016920212"/>
       </p:ext>
     </p:extLst>
   </p:cSld>
@@ -14230,7 +13347,7 @@
       </p:grpSpPr>
       <p:sp>
         <p:nvSpPr>
-          <p:cNvPr id="2" name="Title 1"/>
+          <p:cNvPr id="3" name="Title 2"/>
           <p:cNvSpPr>
             <a:spLocks noGrp="1"/>
           </p:cNvSpPr>
@@ -14245,80 +13362,54 @@
           <a:p>
             <a:r>
               <a:rPr lang="en-US" dirty="0" smtClean="0"/>
-              <a:t>Design Patterns</a:t>
+              <a:t>M-V-C </a:t>
+            </a:r>
+            <a:r>
+              <a:rPr lang="en-US" dirty="0" smtClean="0"/>
+              <a:t>Summation: </a:t>
+            </a:r>
+            <a:r>
+              <a:rPr lang="en-US" dirty="0" smtClean="0"/>
+              <a:t>	 </a:t>
             </a:r>
             <a:endParaRPr lang="en-US" dirty="0"/>
           </a:p>
         </p:txBody>
       </p:sp>
-      <p:sp>
-        <p:nvSpPr>
-          <p:cNvPr id="3" name="Content Placeholder 2"/>
-          <p:cNvSpPr>
-            <a:spLocks noGrp="1"/>
-          </p:cNvSpPr>
+      <p:pic>
+        <p:nvPicPr>
+          <p:cNvPr id="5" name="Content Placeholder 4" descr="MVC.jpg"/>
+          <p:cNvPicPr>
+            <a:picLocks noGrp="1" noChangeAspect="1"/>
+          </p:cNvPicPr>
           <p:nvPr>
             <p:ph idx="1"/>
           </p:nvPr>
-        </p:nvSpPr>
-        <p:spPr/>
-        <p:txBody>
-          <a:bodyPr>
-            <a:normAutofit fontScale="92500" lnSpcReduction="20000"/>
-          </a:bodyPr>
-          <a:lstStyle/>
-          <a:p>
-            <a:r>
-              <a:rPr lang="en-US" dirty="0" smtClean="0"/>
-              <a:t>A </a:t>
-            </a:r>
-            <a:r>
-              <a:rPr lang="en-US" dirty="0"/>
-              <a:t>design pattern is a general reusable solution to a commonly occurring problem within a given context in software design. </a:t>
-            </a:r>
-            <a:endParaRPr lang="en-US" dirty="0" smtClean="0"/>
-          </a:p>
-          <a:p>
-            <a:endParaRPr lang="en-US" dirty="0"/>
-          </a:p>
-          <a:p>
-            <a:r>
-              <a:rPr lang="en-US" dirty="0" smtClean="0"/>
-              <a:t>Get used to this term. Start thinking of everything you do as implementing some pattern. You’re just following a blueprint, filling in the gaps as needed with as little distinction from the standard pattern as possible.</a:t>
-            </a:r>
-          </a:p>
-          <a:p>
-            <a:endParaRPr lang="en-US" dirty="0" smtClean="0"/>
-          </a:p>
-        </p:txBody>
-      </p:sp>
-      <p:sp>
-        <p:nvSpPr>
-          <p:cNvPr id="4" name="Footer Placeholder 3"/>
-          <p:cNvSpPr>
-            <a:spLocks noGrp="1"/>
-          </p:cNvSpPr>
-          <p:nvPr>
-            <p:ph type="ftr" sz="quarter" idx="3"/>
-          </p:nvPr>
-        </p:nvSpPr>
-        <p:spPr/>
-        <p:txBody>
-          <a:bodyPr/>
-          <a:lstStyle/>
-          <a:p>
-            <a:r>
-              <a:rPr lang="en-US" smtClean="0"/>
-              <a:t>Model – View – Controller: A Design Pattern</a:t>
-            </a:r>
-            <a:endParaRPr lang="en-US" dirty="0"/>
-          </a:p>
-        </p:txBody>
-      </p:sp>
+        </p:nvPicPr>
+        <p:blipFill>
+          <a:blip r:embed="rId2">
+            <a:extLst>
+              <a:ext uri="{28A0092B-C50C-407E-A947-70E740481C1C}">
+                <a14:useLocalDpi xmlns:a14="http://schemas.microsoft.com/office/drawing/2010/main" val="0"/>
+              </a:ext>
+            </a:extLst>
+          </a:blip>
+          <a:srcRect l="-843" r="-843"/>
+          <a:stretch>
+            <a:fillRect/>
+          </a:stretch>
+        </p:blipFill>
+        <p:spPr>
+          <a:xfrm>
+            <a:off x="457200" y="1612900"/>
+            <a:ext cx="8229600" cy="4127500"/>
+          </a:xfrm>
+        </p:spPr>
+      </p:pic>
     </p:spTree>
     <p:extLst>
       <p:ext uri="{BB962C8B-B14F-4D97-AF65-F5344CB8AC3E}">
-        <p14:creationId xmlns:p14="http://schemas.microsoft.com/office/powerpoint/2010/main" val="1016920212"/>
+        <p14:creationId xmlns:p14="http://schemas.microsoft.com/office/powerpoint/2010/main" val="2268475127"/>
       </p:ext>
     </p:extLst>
   </p:cSld>

--- a/1phase/ruby-mvc-single-res/HT-MVC.pptx
+++ b/1phase/ruby-mvc-single-res/HT-MVC.pptx
@@ -5,10 +5,10 @@
     <p:sldMasterId id="2147483660" r:id="rId1"/>
   </p:sldMasterIdLst>
   <p:notesMasterIdLst>
-    <p:notesMasterId r:id="rId35"/>
+    <p:notesMasterId r:id="rId38"/>
   </p:notesMasterIdLst>
   <p:handoutMasterIdLst>
-    <p:handoutMasterId r:id="rId36"/>
+    <p:handoutMasterId r:id="rId39"/>
   </p:handoutMasterIdLst>
   <p:sldIdLst>
     <p:sldId id="256" r:id="rId2"/>
@@ -36,14 +36,17 @@
     <p:sldId id="282" r:id="rId24"/>
     <p:sldId id="280" r:id="rId25"/>
     <p:sldId id="291" r:id="rId26"/>
-    <p:sldId id="270" r:id="rId27"/>
-    <p:sldId id="272" r:id="rId28"/>
-    <p:sldId id="273" r:id="rId29"/>
-    <p:sldId id="275" r:id="rId30"/>
-    <p:sldId id="276" r:id="rId31"/>
-    <p:sldId id="277" r:id="rId32"/>
-    <p:sldId id="278" r:id="rId33"/>
-    <p:sldId id="292" r:id="rId34"/>
+    <p:sldId id="303" r:id="rId27"/>
+    <p:sldId id="304" r:id="rId28"/>
+    <p:sldId id="302" r:id="rId29"/>
+    <p:sldId id="298" r:id="rId30"/>
+    <p:sldId id="301" r:id="rId31"/>
+    <p:sldId id="300" r:id="rId32"/>
+    <p:sldId id="299" r:id="rId33"/>
+    <p:sldId id="297" r:id="rId34"/>
+    <p:sldId id="296" r:id="rId35"/>
+    <p:sldId id="305" r:id="rId36"/>
+    <p:sldId id="292" r:id="rId37"/>
   </p:sldIdLst>
   <p:sldSz cx="9144000" cy="6858000" type="screen4x3"/>
   <p:notesSz cx="6858000" cy="9144000"/>
@@ -7980,14 +7983,21 @@
             <p:ph type="title"/>
           </p:nvPr>
         </p:nvSpPr>
-        <p:spPr/>
-        <p:txBody>
-          <a:bodyPr/>
+        <p:spPr>
+          <a:xfrm>
+            <a:off x="285416" y="105308"/>
+            <a:ext cx="8648090" cy="1143000"/>
+          </a:xfrm>
+        </p:spPr>
+        <p:txBody>
+          <a:bodyPr>
+            <a:normAutofit/>
+          </a:bodyPr>
           <a:lstStyle/>
           <a:p>
             <a:r>
               <a:rPr lang="en-US" dirty="0" smtClean="0"/>
-              <a:t>TODO's: List</a:t>
+              <a:t>TODO’s: List</a:t>
             </a:r>
             <a:endParaRPr lang="en-US" dirty="0"/>
           </a:p>
@@ -8281,20 +8291,20 @@
       </p:sp>
       <p:sp>
         <p:nvSpPr>
-          <p:cNvPr id="7" name="Rectangle 6"/>
+          <p:cNvPr id="27" name="Rectangle 26"/>
           <p:cNvSpPr/>
           <p:nvPr/>
         </p:nvSpPr>
         <p:spPr>
           <a:xfrm>
-            <a:off x="6755607" y="2934560"/>
+            <a:off x="3699937" y="2858661"/>
             <a:ext cx="1730320" cy="396667"/>
           </a:xfrm>
           <a:prstGeom prst="rect">
             <a:avLst/>
           </a:prstGeom>
           <a:solidFill>
-            <a:schemeClr val="accent6"/>
+            <a:schemeClr val="accent4"/>
           </a:solidFill>
           <a:ln w="28575" cmpd="sng">
             <a:solidFill>
@@ -8328,7 +8338,7 @@
                   <a:srgbClr val="F8F8F8"/>
                 </a:solidFill>
               </a:rPr>
-              <a:t>send input</a:t>
+              <a:t>Initiate Program</a:t>
             </a:r>
             <a:endParaRPr lang="en-US" dirty="0">
               <a:solidFill>
@@ -8341,7 +8351,7 @@
     </p:spTree>
     <p:extLst>
       <p:ext uri="{BB962C8B-B14F-4D97-AF65-F5344CB8AC3E}">
-        <p14:creationId xmlns:p14="http://schemas.microsoft.com/office/powerpoint/2010/main" val="2744471277"/>
+        <p14:creationId xmlns:p14="http://schemas.microsoft.com/office/powerpoint/2010/main" val="3774287812"/>
       </p:ext>
     </p:extLst>
   </p:cSld>
@@ -8385,14 +8395,21 @@
             <p:ph type="title"/>
           </p:nvPr>
         </p:nvSpPr>
-        <p:spPr/>
-        <p:txBody>
-          <a:bodyPr/>
+        <p:spPr>
+          <a:xfrm>
+            <a:off x="285416" y="105308"/>
+            <a:ext cx="8648090" cy="1143000"/>
+          </a:xfrm>
+        </p:spPr>
+        <p:txBody>
+          <a:bodyPr>
+            <a:normAutofit/>
+          </a:bodyPr>
           <a:lstStyle/>
           <a:p>
             <a:r>
               <a:rPr lang="en-US" dirty="0" smtClean="0"/>
-              <a:t>TODO's: List</a:t>
+              <a:t>TODO’s: List</a:t>
             </a:r>
             <a:endParaRPr lang="en-US" dirty="0"/>
           </a:p>
@@ -8684,15 +8701,120 @@
           </a:p>
         </p:txBody>
       </p:sp>
-      <p:sp>
-        <p:nvSpPr>
-          <p:cNvPr id="15" name="Rectangle 14"/>
+      <p:cxnSp>
+        <p:nvCxnSpPr>
+          <p:cNvPr id="24" name="Straight Arrow Connector 23"/>
+          <p:cNvCxnSpPr/>
+          <p:nvPr/>
+        </p:nvCxnSpPr>
+        <p:spPr>
+          <a:xfrm>
+            <a:off x="5430257" y="3056995"/>
+            <a:ext cx="1325350" cy="0"/>
+          </a:xfrm>
+          <a:prstGeom prst="straightConnector1">
+            <a:avLst/>
+          </a:prstGeom>
+          <a:ln w="57150" cmpd="sng">
+            <a:solidFill>
+              <a:schemeClr val="accent2"/>
+            </a:solidFill>
+            <a:headEnd type="none"/>
+            <a:tailEnd type="triangle"/>
+          </a:ln>
+          <a:effectLst/>
+        </p:spPr>
+        <p:style>
+          <a:lnRef idx="2">
+            <a:schemeClr val="accent1"/>
+          </a:lnRef>
+          <a:fillRef idx="0">
+            <a:schemeClr val="accent1"/>
+          </a:fillRef>
+          <a:effectRef idx="1">
+            <a:schemeClr val="accent1"/>
+          </a:effectRef>
+          <a:fontRef idx="minor">
+            <a:schemeClr val="tx1"/>
+          </a:fontRef>
+        </p:style>
+      </p:cxnSp>
+      <p:sp>
+        <p:nvSpPr>
+          <p:cNvPr id="25" name="Rectangle 24"/>
           <p:cNvSpPr/>
           <p:nvPr/>
         </p:nvSpPr>
         <p:spPr>
           <a:xfrm>
-            <a:off x="3699937" y="2934560"/>
+            <a:off x="6755607" y="2858661"/>
+            <a:ext cx="1730320" cy="396667"/>
+          </a:xfrm>
+          <a:prstGeom prst="rect">
+            <a:avLst/>
+          </a:prstGeom>
+          <a:solidFill>
+            <a:schemeClr val="accent6"/>
+          </a:solidFill>
+          <a:ln w="28575" cmpd="sng">
+            <a:solidFill>
+              <a:schemeClr val="accent1"/>
+            </a:solidFill>
+          </a:ln>
+          <a:effectLst/>
+        </p:spPr>
+        <p:style>
+          <a:lnRef idx="1">
+            <a:schemeClr val="accent1"/>
+          </a:lnRef>
+          <a:fillRef idx="3">
+            <a:schemeClr val="accent1"/>
+          </a:fillRef>
+          <a:effectRef idx="2">
+            <a:schemeClr val="accent1"/>
+          </a:effectRef>
+          <a:fontRef idx="minor">
+            <a:schemeClr val="lt1"/>
+          </a:fontRef>
+        </p:style>
+        <p:txBody>
+          <a:bodyPr rtlCol="0" anchor="ctr"/>
+          <a:lstStyle/>
+          <a:p>
+            <a:pPr algn="ctr"/>
+            <a:r>
+              <a:rPr lang="en-US" dirty="0">
+                <a:solidFill>
+                  <a:srgbClr val="F8F8F8"/>
+                </a:solidFill>
+              </a:rPr>
+              <a:t>p</a:t>
+            </a:r>
+            <a:r>
+              <a:rPr lang="en-US" dirty="0" smtClean="0">
+                <a:solidFill>
+                  <a:srgbClr val="F8F8F8"/>
+                </a:solidFill>
+              </a:rPr>
+              <a:t>rompt user</a:t>
+            </a:r>
+            <a:endParaRPr lang="en-US" dirty="0">
+              <a:solidFill>
+                <a:srgbClr val="F8F8F8"/>
+              </a:solidFill>
+            </a:endParaRPr>
+          </a:p>
+        </p:txBody>
+      </p:sp>
+      <p:sp>
+        <p:nvSpPr>
+          <p:cNvPr id="27" name="Rectangle 26"/>
+          <p:cNvSpPr/>
+          <p:nvPr/>
+        </p:nvSpPr>
+        <p:spPr>
+          <a:xfrm>
+            <a:off x="3699937" y="2858661"/>
             <a:ext cx="1730320" cy="396667"/>
           </a:xfrm>
           <a:prstGeom prst="rect">
@@ -8733,7 +8855,7 @@
                   <a:srgbClr val="F8F8F8"/>
                 </a:solidFill>
               </a:rPr>
-              <a:t>interpret input</a:t>
+              <a:t>Initiate Program</a:t>
             </a:r>
             <a:endParaRPr lang="en-US" dirty="0">
               <a:solidFill>
@@ -8743,60 +8865,22 @@
           </a:p>
         </p:txBody>
       </p:sp>
-      <p:cxnSp>
-        <p:nvCxnSpPr>
-          <p:cNvPr id="16" name="Straight Arrow Connector 15"/>
-          <p:cNvCxnSpPr/>
-          <p:nvPr/>
-        </p:nvCxnSpPr>
-        <p:spPr>
-          <a:xfrm flipH="1">
-            <a:off x="5537200" y="3132894"/>
-            <a:ext cx="1218407" cy="0"/>
-          </a:xfrm>
-          <a:prstGeom prst="straightConnector1">
-            <a:avLst/>
-          </a:prstGeom>
-          <a:ln w="57150" cmpd="sng">
-            <a:solidFill>
-              <a:schemeClr val="accent2"/>
-            </a:solidFill>
-            <a:headEnd type="none"/>
-            <a:tailEnd type="triangle"/>
-          </a:ln>
-          <a:effectLst/>
-        </p:spPr>
-        <p:style>
-          <a:lnRef idx="2">
-            <a:schemeClr val="accent1"/>
-          </a:lnRef>
-          <a:fillRef idx="0">
-            <a:schemeClr val="accent1"/>
-          </a:fillRef>
-          <a:effectRef idx="1">
-            <a:schemeClr val="accent1"/>
-          </a:effectRef>
-          <a:fontRef idx="minor">
-            <a:schemeClr val="tx1"/>
-          </a:fontRef>
-        </p:style>
-      </p:cxnSp>
-      <p:sp>
-        <p:nvSpPr>
-          <p:cNvPr id="7" name="Rectangle 6"/>
+      <p:sp>
+        <p:nvSpPr>
+          <p:cNvPr id="35" name="Rectangle 34"/>
           <p:cNvSpPr/>
           <p:nvPr/>
         </p:nvSpPr>
         <p:spPr>
           <a:xfrm>
-            <a:off x="6755607" y="2934560"/>
+            <a:off x="702737" y="2862107"/>
             <a:ext cx="1730320" cy="396667"/>
           </a:xfrm>
           <a:prstGeom prst="rect">
             <a:avLst/>
           </a:prstGeom>
           <a:solidFill>
-            <a:schemeClr val="accent6"/>
+            <a:schemeClr val="accent5"/>
           </a:solidFill>
           <a:ln w="28575" cmpd="sng">
             <a:solidFill>
@@ -8825,12 +8909,20 @@
           <a:p>
             <a:pPr algn="ctr"/>
             <a:r>
+              <a:rPr lang="en-US" dirty="0">
+                <a:solidFill>
+                  <a:srgbClr val="F8F8F8"/>
+                </a:solidFill>
+              </a:rPr>
+              <a:t>i</a:t>
+            </a:r>
+            <a:r>
               <a:rPr lang="en-US" dirty="0" smtClean="0">
                 <a:solidFill>
                   <a:srgbClr val="F8F8F8"/>
                 </a:solidFill>
               </a:rPr>
-              <a:t>send input</a:t>
+              <a:t>nitiate data </a:t>
             </a:r>
             <a:endParaRPr lang="en-US" dirty="0">
               <a:solidFill>
@@ -8843,7 +8935,7 @@
     </p:spTree>
     <p:extLst>
       <p:ext uri="{BB962C8B-B14F-4D97-AF65-F5344CB8AC3E}">
-        <p14:creationId xmlns:p14="http://schemas.microsoft.com/office/powerpoint/2010/main" val="2992209754"/>
+        <p14:creationId xmlns:p14="http://schemas.microsoft.com/office/powerpoint/2010/main" val="3440086341"/>
       </p:ext>
     </p:extLst>
   </p:cSld>
@@ -8887,14 +8979,21 @@
             <p:ph type="title"/>
           </p:nvPr>
         </p:nvSpPr>
-        <p:spPr/>
-        <p:txBody>
-          <a:bodyPr/>
+        <p:spPr>
+          <a:xfrm>
+            <a:off x="285416" y="105308"/>
+            <a:ext cx="8648090" cy="1143000"/>
+          </a:xfrm>
+        </p:spPr>
+        <p:txBody>
+          <a:bodyPr>
+            <a:normAutofit/>
+          </a:bodyPr>
           <a:lstStyle/>
           <a:p>
             <a:r>
               <a:rPr lang="en-US" dirty="0" smtClean="0"/>
-              <a:t>TODO's: List</a:t>
+              <a:t>TODO’s: List</a:t>
             </a:r>
             <a:endParaRPr lang="en-US" dirty="0"/>
           </a:p>
@@ -9186,46 +9285,6 @@
           </a:p>
         </p:txBody>
       </p:sp>
-      <p:cxnSp>
-        <p:nvCxnSpPr>
-          <p:cNvPr id="12" name="Straight Arrow Connector 11"/>
-          <p:cNvCxnSpPr>
-            <a:stCxn id="7" idx="1"/>
-          </p:cNvCxnSpPr>
-          <p:nvPr/>
-        </p:nvCxnSpPr>
-        <p:spPr>
-          <a:xfrm flipH="1">
-            <a:off x="5537200" y="3132894"/>
-            <a:ext cx="1218407" cy="0"/>
-          </a:xfrm>
-          <a:prstGeom prst="straightConnector1">
-            <a:avLst/>
-          </a:prstGeom>
-          <a:ln w="57150" cmpd="sng">
-            <a:solidFill>
-              <a:schemeClr val="accent2"/>
-            </a:solidFill>
-            <a:headEnd type="none"/>
-            <a:tailEnd type="triangle"/>
-          </a:ln>
-          <a:effectLst/>
-        </p:spPr>
-        <p:style>
-          <a:lnRef idx="2">
-            <a:schemeClr val="accent1"/>
-          </a:lnRef>
-          <a:fillRef idx="0">
-            <a:schemeClr val="accent1"/>
-          </a:fillRef>
-          <a:effectRef idx="1">
-            <a:schemeClr val="accent1"/>
-          </a:effectRef>
-          <a:fontRef idx="minor">
-            <a:schemeClr val="tx1"/>
-          </a:fontRef>
-        </p:style>
-      </p:cxnSp>
       <p:sp>
         <p:nvSpPr>
           <p:cNvPr id="7" name="Rectangle 6"/>
@@ -9234,7 +9293,7 @@
         </p:nvSpPr>
         <p:spPr>
           <a:xfrm>
-            <a:off x="6755607" y="2934560"/>
+            <a:off x="6755607" y="3533858"/>
             <a:ext cx="1730320" cy="396667"/>
           </a:xfrm>
           <a:prstGeom prst="rect">
@@ -9285,15 +9344,158 @@
           </a:p>
         </p:txBody>
       </p:sp>
-      <p:sp>
-        <p:nvSpPr>
-          <p:cNvPr id="14" name="Rectangle 13"/>
+      <p:cxnSp>
+        <p:nvCxnSpPr>
+          <p:cNvPr id="24" name="Straight Arrow Connector 23"/>
+          <p:cNvCxnSpPr/>
+          <p:nvPr/>
+        </p:nvCxnSpPr>
+        <p:spPr>
+          <a:xfrm>
+            <a:off x="5430257" y="3056995"/>
+            <a:ext cx="1325350" cy="0"/>
+          </a:xfrm>
+          <a:prstGeom prst="straightConnector1">
+            <a:avLst/>
+          </a:prstGeom>
+          <a:ln w="57150" cmpd="sng">
+            <a:solidFill>
+              <a:schemeClr val="accent2"/>
+            </a:solidFill>
+            <a:headEnd type="none"/>
+            <a:tailEnd type="triangle"/>
+          </a:ln>
+          <a:effectLst/>
+        </p:spPr>
+        <p:style>
+          <a:lnRef idx="2">
+            <a:schemeClr val="accent1"/>
+          </a:lnRef>
+          <a:fillRef idx="0">
+            <a:schemeClr val="accent1"/>
+          </a:fillRef>
+          <a:effectRef idx="1">
+            <a:schemeClr val="accent1"/>
+          </a:effectRef>
+          <a:fontRef idx="minor">
+            <a:schemeClr val="tx1"/>
+          </a:fontRef>
+        </p:style>
+      </p:cxnSp>
+      <p:cxnSp>
+        <p:nvCxnSpPr>
+          <p:cNvPr id="26" name="Straight Arrow Connector 25"/>
+          <p:cNvCxnSpPr/>
+          <p:nvPr/>
+        </p:nvCxnSpPr>
+        <p:spPr>
+          <a:xfrm>
+            <a:off x="7619091" y="2941410"/>
+            <a:ext cx="0" cy="614240"/>
+          </a:xfrm>
+          <a:prstGeom prst="straightConnector1">
+            <a:avLst/>
+          </a:prstGeom>
+          <a:ln w="57150" cmpd="sng">
+            <a:solidFill>
+              <a:schemeClr val="accent2"/>
+            </a:solidFill>
+            <a:headEnd type="none"/>
+            <a:tailEnd type="triangle"/>
+          </a:ln>
+          <a:effectLst/>
+        </p:spPr>
+        <p:style>
+          <a:lnRef idx="2">
+            <a:schemeClr val="accent1"/>
+          </a:lnRef>
+          <a:fillRef idx="0">
+            <a:schemeClr val="accent1"/>
+          </a:fillRef>
+          <a:effectRef idx="1">
+            <a:schemeClr val="accent1"/>
+          </a:effectRef>
+          <a:fontRef idx="minor">
+            <a:schemeClr val="tx1"/>
+          </a:fontRef>
+        </p:style>
+      </p:cxnSp>
+      <p:sp>
+        <p:nvSpPr>
+          <p:cNvPr id="25" name="Rectangle 24"/>
           <p:cNvSpPr/>
           <p:nvPr/>
         </p:nvSpPr>
         <p:spPr>
           <a:xfrm>
-            <a:off x="3699937" y="4014227"/>
+            <a:off x="6755607" y="2858661"/>
+            <a:ext cx="1730320" cy="396667"/>
+          </a:xfrm>
+          <a:prstGeom prst="rect">
+            <a:avLst/>
+          </a:prstGeom>
+          <a:solidFill>
+            <a:schemeClr val="accent6"/>
+          </a:solidFill>
+          <a:ln w="28575" cmpd="sng">
+            <a:solidFill>
+              <a:schemeClr val="accent1"/>
+            </a:solidFill>
+          </a:ln>
+          <a:effectLst/>
+        </p:spPr>
+        <p:style>
+          <a:lnRef idx="1">
+            <a:schemeClr val="accent1"/>
+          </a:lnRef>
+          <a:fillRef idx="3">
+            <a:schemeClr val="accent1"/>
+          </a:fillRef>
+          <a:effectRef idx="2">
+            <a:schemeClr val="accent1"/>
+          </a:effectRef>
+          <a:fontRef idx="minor">
+            <a:schemeClr val="lt1"/>
+          </a:fontRef>
+        </p:style>
+        <p:txBody>
+          <a:bodyPr rtlCol="0" anchor="ctr"/>
+          <a:lstStyle/>
+          <a:p>
+            <a:pPr algn="ctr"/>
+            <a:r>
+              <a:rPr lang="en-US" dirty="0">
+                <a:solidFill>
+                  <a:srgbClr val="F8F8F8"/>
+                </a:solidFill>
+              </a:rPr>
+              <a:t>p</a:t>
+            </a:r>
+            <a:r>
+              <a:rPr lang="en-US" dirty="0" smtClean="0">
+                <a:solidFill>
+                  <a:srgbClr val="F8F8F8"/>
+                </a:solidFill>
+              </a:rPr>
+              <a:t>rompt user</a:t>
+            </a:r>
+            <a:endParaRPr lang="en-US" dirty="0">
+              <a:solidFill>
+                <a:srgbClr val="F8F8F8"/>
+              </a:solidFill>
+            </a:endParaRPr>
+          </a:p>
+        </p:txBody>
+      </p:sp>
+      <p:sp>
+        <p:nvSpPr>
+          <p:cNvPr id="27" name="Rectangle 26"/>
+          <p:cNvSpPr/>
+          <p:nvPr/>
+        </p:nvSpPr>
+        <p:spPr>
+          <a:xfrm>
+            <a:off x="3699937" y="2858661"/>
             <a:ext cx="1730320" cy="396667"/>
           </a:xfrm>
           <a:prstGeom prst="rect">
@@ -9334,7 +9536,7 @@
                   <a:srgbClr val="F8F8F8"/>
                 </a:solidFill>
               </a:rPr>
-              <a:t>request data</a:t>
+              <a:t>Initiate Program</a:t>
             </a:r>
             <a:endParaRPr lang="en-US" dirty="0">
               <a:solidFill>
@@ -9344,62 +9546,22 @@
           </a:p>
         </p:txBody>
       </p:sp>
-      <p:cxnSp>
-        <p:nvCxnSpPr>
-          <p:cNvPr id="15" name="Straight Arrow Connector 14"/>
-          <p:cNvCxnSpPr>
-            <a:stCxn id="13" idx="2"/>
-          </p:cNvCxnSpPr>
-          <p:nvPr/>
-        </p:nvCxnSpPr>
-        <p:spPr>
-          <a:xfrm>
-            <a:off x="4565097" y="3331227"/>
-            <a:ext cx="0" cy="614240"/>
-          </a:xfrm>
-          <a:prstGeom prst="straightConnector1">
-            <a:avLst/>
-          </a:prstGeom>
-          <a:ln w="57150" cmpd="sng">
-            <a:solidFill>
-              <a:schemeClr val="accent2"/>
-            </a:solidFill>
-            <a:headEnd type="none"/>
-            <a:tailEnd type="triangle"/>
-          </a:ln>
-          <a:effectLst/>
-        </p:spPr>
-        <p:style>
-          <a:lnRef idx="2">
-            <a:schemeClr val="accent1"/>
-          </a:lnRef>
-          <a:fillRef idx="0">
-            <a:schemeClr val="accent1"/>
-          </a:fillRef>
-          <a:effectRef idx="1">
-            <a:schemeClr val="accent1"/>
-          </a:effectRef>
-          <a:fontRef idx="minor">
-            <a:schemeClr val="tx1"/>
-          </a:fontRef>
-        </p:style>
-      </p:cxnSp>
-      <p:sp>
-        <p:nvSpPr>
-          <p:cNvPr id="13" name="Rectangle 12"/>
+      <p:sp>
+        <p:nvSpPr>
+          <p:cNvPr id="35" name="Rectangle 34"/>
           <p:cNvSpPr/>
           <p:nvPr/>
         </p:nvSpPr>
         <p:spPr>
           <a:xfrm>
-            <a:off x="3699937" y="2934560"/>
+            <a:off x="702737" y="2862107"/>
             <a:ext cx="1730320" cy="396667"/>
           </a:xfrm>
           <a:prstGeom prst="rect">
             <a:avLst/>
           </a:prstGeom>
           <a:solidFill>
-            <a:schemeClr val="accent4"/>
+            <a:schemeClr val="accent5"/>
           </a:solidFill>
           <a:ln w="28575" cmpd="sng">
             <a:solidFill>
@@ -9428,12 +9590,20 @@
           <a:p>
             <a:pPr algn="ctr"/>
             <a:r>
+              <a:rPr lang="en-US" dirty="0">
+                <a:solidFill>
+                  <a:srgbClr val="F8F8F8"/>
+                </a:solidFill>
+              </a:rPr>
+              <a:t>i</a:t>
+            </a:r>
+            <a:r>
               <a:rPr lang="en-US" dirty="0" smtClean="0">
                 <a:solidFill>
                   <a:srgbClr val="F8F8F8"/>
                 </a:solidFill>
               </a:rPr>
-              <a:t>interpret input</a:t>
+              <a:t>nitiate data </a:t>
             </a:r>
             <a:endParaRPr lang="en-US" dirty="0">
               <a:solidFill>
@@ -9446,7 +9616,7 @@
     </p:spTree>
     <p:extLst>
       <p:ext uri="{BB962C8B-B14F-4D97-AF65-F5344CB8AC3E}">
-        <p14:creationId xmlns:p14="http://schemas.microsoft.com/office/powerpoint/2010/main" val="2922615046"/>
+        <p14:creationId xmlns:p14="http://schemas.microsoft.com/office/powerpoint/2010/main" val="1766437960"/>
       </p:ext>
     </p:extLst>
   </p:cSld>
@@ -9490,14 +9660,21 @@
             <p:ph type="title"/>
           </p:nvPr>
         </p:nvSpPr>
-        <p:spPr/>
-        <p:txBody>
-          <a:bodyPr/>
+        <p:spPr>
+          <a:xfrm>
+            <a:off x="285416" y="105308"/>
+            <a:ext cx="8648090" cy="1143000"/>
+          </a:xfrm>
+        </p:spPr>
+        <p:txBody>
+          <a:bodyPr>
+            <a:normAutofit/>
+          </a:bodyPr>
           <a:lstStyle/>
           <a:p>
             <a:r>
               <a:rPr lang="en-US" dirty="0" smtClean="0"/>
-              <a:t>TODO's: List</a:t>
+              <a:t>TODO’s: List</a:t>
             </a:r>
             <a:endParaRPr lang="en-US" dirty="0"/>
           </a:p>
@@ -9799,7 +9976,7 @@
         </p:nvCxnSpPr>
         <p:spPr>
           <a:xfrm flipH="1">
-            <a:off x="5537200" y="3132894"/>
+            <a:off x="5537200" y="3732192"/>
             <a:ext cx="1218407" cy="0"/>
           </a:xfrm>
           <a:prstGeom prst="straightConnector1">
@@ -9837,7 +10014,7 @@
         </p:nvSpPr>
         <p:spPr>
           <a:xfrm>
-            <a:off x="6755607" y="2934560"/>
+            <a:off x="6755607" y="3533858"/>
             <a:ext cx="1730320" cy="396667"/>
           </a:xfrm>
           <a:prstGeom prst="rect">
@@ -9888,46 +10065,6 @@
           </a:p>
         </p:txBody>
       </p:sp>
-      <p:cxnSp>
-        <p:nvCxnSpPr>
-          <p:cNvPr id="15" name="Straight Arrow Connector 14"/>
-          <p:cNvCxnSpPr>
-            <a:stCxn id="13" idx="2"/>
-          </p:cNvCxnSpPr>
-          <p:nvPr/>
-        </p:nvCxnSpPr>
-        <p:spPr>
-          <a:xfrm>
-            <a:off x="4565097" y="3331227"/>
-            <a:ext cx="0" cy="614240"/>
-          </a:xfrm>
-          <a:prstGeom prst="straightConnector1">
-            <a:avLst/>
-          </a:prstGeom>
-          <a:ln w="57150" cmpd="sng">
-            <a:solidFill>
-              <a:schemeClr val="accent2"/>
-            </a:solidFill>
-            <a:headEnd type="none"/>
-            <a:tailEnd type="triangle"/>
-          </a:ln>
-          <a:effectLst/>
-        </p:spPr>
-        <p:style>
-          <a:lnRef idx="2">
-            <a:schemeClr val="accent1"/>
-          </a:lnRef>
-          <a:fillRef idx="0">
-            <a:schemeClr val="accent1"/>
-          </a:fillRef>
-          <a:effectRef idx="1">
-            <a:schemeClr val="accent1"/>
-          </a:effectRef>
-          <a:fontRef idx="minor">
-            <a:schemeClr val="tx1"/>
-          </a:fontRef>
-        </p:style>
-      </p:cxnSp>
       <p:sp>
         <p:nvSpPr>
           <p:cNvPr id="13" name="Rectangle 12"/>
@@ -9936,7 +10073,7 @@
         </p:nvSpPr>
         <p:spPr>
           <a:xfrm>
-            <a:off x="3699937" y="2934560"/>
+            <a:off x="3699937" y="3533858"/>
             <a:ext cx="1730320" cy="396667"/>
           </a:xfrm>
           <a:prstGeom prst="rect">
@@ -9987,15 +10124,217 @@
           </a:p>
         </p:txBody>
       </p:sp>
-      <p:sp>
-        <p:nvSpPr>
-          <p:cNvPr id="16" name="Rectangle 15"/>
+      <p:cxnSp>
+        <p:nvCxnSpPr>
+          <p:cNvPr id="24" name="Straight Arrow Connector 23"/>
+          <p:cNvCxnSpPr/>
+          <p:nvPr/>
+        </p:nvCxnSpPr>
+        <p:spPr>
+          <a:xfrm>
+            <a:off x="5430257" y="3056995"/>
+            <a:ext cx="1325350" cy="0"/>
+          </a:xfrm>
+          <a:prstGeom prst="straightConnector1">
+            <a:avLst/>
+          </a:prstGeom>
+          <a:ln w="57150" cmpd="sng">
+            <a:solidFill>
+              <a:schemeClr val="accent2"/>
+            </a:solidFill>
+            <a:headEnd type="none"/>
+            <a:tailEnd type="triangle"/>
+          </a:ln>
+          <a:effectLst/>
+        </p:spPr>
+        <p:style>
+          <a:lnRef idx="2">
+            <a:schemeClr val="accent1"/>
+          </a:lnRef>
+          <a:fillRef idx="0">
+            <a:schemeClr val="accent1"/>
+          </a:fillRef>
+          <a:effectRef idx="1">
+            <a:schemeClr val="accent1"/>
+          </a:effectRef>
+          <a:fontRef idx="minor">
+            <a:schemeClr val="tx1"/>
+          </a:fontRef>
+        </p:style>
+      </p:cxnSp>
+      <p:cxnSp>
+        <p:nvCxnSpPr>
+          <p:cNvPr id="26" name="Straight Arrow Connector 25"/>
+          <p:cNvCxnSpPr/>
+          <p:nvPr/>
+        </p:nvCxnSpPr>
+        <p:spPr>
+          <a:xfrm>
+            <a:off x="7619091" y="2941410"/>
+            <a:ext cx="0" cy="614240"/>
+          </a:xfrm>
+          <a:prstGeom prst="straightConnector1">
+            <a:avLst/>
+          </a:prstGeom>
+          <a:ln w="57150" cmpd="sng">
+            <a:solidFill>
+              <a:schemeClr val="accent2"/>
+            </a:solidFill>
+            <a:headEnd type="none"/>
+            <a:tailEnd type="triangle"/>
+          </a:ln>
+          <a:effectLst/>
+        </p:spPr>
+        <p:style>
+          <a:lnRef idx="2">
+            <a:schemeClr val="accent1"/>
+          </a:lnRef>
+          <a:fillRef idx="0">
+            <a:schemeClr val="accent1"/>
+          </a:fillRef>
+          <a:effectRef idx="1">
+            <a:schemeClr val="accent1"/>
+          </a:effectRef>
+          <a:fontRef idx="minor">
+            <a:schemeClr val="tx1"/>
+          </a:fontRef>
+        </p:style>
+      </p:cxnSp>
+      <p:sp>
+        <p:nvSpPr>
+          <p:cNvPr id="25" name="Rectangle 24"/>
           <p:cNvSpPr/>
           <p:nvPr/>
         </p:nvSpPr>
         <p:spPr>
           <a:xfrm>
-            <a:off x="702737" y="4014227"/>
+            <a:off x="6755607" y="2858661"/>
+            <a:ext cx="1730320" cy="396667"/>
+          </a:xfrm>
+          <a:prstGeom prst="rect">
+            <a:avLst/>
+          </a:prstGeom>
+          <a:solidFill>
+            <a:schemeClr val="accent6"/>
+          </a:solidFill>
+          <a:ln w="28575" cmpd="sng">
+            <a:solidFill>
+              <a:schemeClr val="accent1"/>
+            </a:solidFill>
+          </a:ln>
+          <a:effectLst/>
+        </p:spPr>
+        <p:style>
+          <a:lnRef idx="1">
+            <a:schemeClr val="accent1"/>
+          </a:lnRef>
+          <a:fillRef idx="3">
+            <a:schemeClr val="accent1"/>
+          </a:fillRef>
+          <a:effectRef idx="2">
+            <a:schemeClr val="accent1"/>
+          </a:effectRef>
+          <a:fontRef idx="minor">
+            <a:schemeClr val="lt1"/>
+          </a:fontRef>
+        </p:style>
+        <p:txBody>
+          <a:bodyPr rtlCol="0" anchor="ctr"/>
+          <a:lstStyle/>
+          <a:p>
+            <a:pPr algn="ctr"/>
+            <a:r>
+              <a:rPr lang="en-US" dirty="0">
+                <a:solidFill>
+                  <a:srgbClr val="F8F8F8"/>
+                </a:solidFill>
+              </a:rPr>
+              <a:t>p</a:t>
+            </a:r>
+            <a:r>
+              <a:rPr lang="en-US" dirty="0" smtClean="0">
+                <a:solidFill>
+                  <a:srgbClr val="F8F8F8"/>
+                </a:solidFill>
+              </a:rPr>
+              <a:t>rompt user</a:t>
+            </a:r>
+            <a:endParaRPr lang="en-US" dirty="0">
+              <a:solidFill>
+                <a:srgbClr val="F8F8F8"/>
+              </a:solidFill>
+            </a:endParaRPr>
+          </a:p>
+        </p:txBody>
+      </p:sp>
+      <p:sp>
+        <p:nvSpPr>
+          <p:cNvPr id="27" name="Rectangle 26"/>
+          <p:cNvSpPr/>
+          <p:nvPr/>
+        </p:nvSpPr>
+        <p:spPr>
+          <a:xfrm>
+            <a:off x="3699937" y="2858661"/>
+            <a:ext cx="1730320" cy="396667"/>
+          </a:xfrm>
+          <a:prstGeom prst="rect">
+            <a:avLst/>
+          </a:prstGeom>
+          <a:solidFill>
+            <a:schemeClr val="accent4"/>
+          </a:solidFill>
+          <a:ln w="28575" cmpd="sng">
+            <a:solidFill>
+              <a:schemeClr val="accent1"/>
+            </a:solidFill>
+          </a:ln>
+          <a:effectLst/>
+        </p:spPr>
+        <p:style>
+          <a:lnRef idx="1">
+            <a:schemeClr val="accent1"/>
+          </a:lnRef>
+          <a:fillRef idx="3">
+            <a:schemeClr val="accent1"/>
+          </a:fillRef>
+          <a:effectRef idx="2">
+            <a:schemeClr val="accent1"/>
+          </a:effectRef>
+          <a:fontRef idx="minor">
+            <a:schemeClr val="lt1"/>
+          </a:fontRef>
+        </p:style>
+        <p:txBody>
+          <a:bodyPr rtlCol="0" anchor="ctr"/>
+          <a:lstStyle/>
+          <a:p>
+            <a:pPr algn="ctr"/>
+            <a:r>
+              <a:rPr lang="en-US" dirty="0" smtClean="0">
+                <a:solidFill>
+                  <a:srgbClr val="F8F8F8"/>
+                </a:solidFill>
+              </a:rPr>
+              <a:t>Initiate Program</a:t>
+            </a:r>
+            <a:endParaRPr lang="en-US" dirty="0">
+              <a:solidFill>
+                <a:srgbClr val="F8F8F8"/>
+              </a:solidFill>
+            </a:endParaRPr>
+          </a:p>
+        </p:txBody>
+      </p:sp>
+      <p:sp>
+        <p:nvSpPr>
+          <p:cNvPr id="35" name="Rectangle 34"/>
+          <p:cNvSpPr/>
+          <p:nvPr/>
+        </p:nvSpPr>
+        <p:spPr>
+          <a:xfrm>
+            <a:off x="702737" y="2862107"/>
             <a:ext cx="1730320" cy="396667"/>
           </a:xfrm>
           <a:prstGeom prst="rect">
@@ -10031,109 +10370,20 @@
           <a:p>
             <a:pPr algn="ctr"/>
             <a:r>
+              <a:rPr lang="en-US" dirty="0">
+                <a:solidFill>
+                  <a:srgbClr val="F8F8F8"/>
+                </a:solidFill>
+              </a:rPr>
+              <a:t>i</a:t>
+            </a:r>
+            <a:r>
               <a:rPr lang="en-US" dirty="0" smtClean="0">
                 <a:solidFill>
                   <a:srgbClr val="F8F8F8"/>
                 </a:solidFill>
               </a:rPr>
-              <a:t>gather data</a:t>
-            </a:r>
-            <a:endParaRPr lang="en-US" dirty="0">
-              <a:solidFill>
-                <a:srgbClr val="F8F8F8"/>
-              </a:solidFill>
-            </a:endParaRPr>
-          </a:p>
-        </p:txBody>
-      </p:sp>
-      <p:cxnSp>
-        <p:nvCxnSpPr>
-          <p:cNvPr id="17" name="Straight Arrow Connector 16"/>
-          <p:cNvCxnSpPr/>
-          <p:nvPr/>
-        </p:nvCxnSpPr>
-        <p:spPr>
-          <a:xfrm flipH="1">
-            <a:off x="2557730" y="4237794"/>
-            <a:ext cx="1218407" cy="0"/>
-          </a:xfrm>
-          <a:prstGeom prst="straightConnector1">
-            <a:avLst/>
-          </a:prstGeom>
-          <a:ln w="57150" cmpd="sng">
-            <a:solidFill>
-              <a:schemeClr val="accent2"/>
-            </a:solidFill>
-            <a:headEnd type="none"/>
-            <a:tailEnd type="triangle"/>
-          </a:ln>
-          <a:effectLst/>
-        </p:spPr>
-        <p:style>
-          <a:lnRef idx="2">
-            <a:schemeClr val="accent1"/>
-          </a:lnRef>
-          <a:fillRef idx="0">
-            <a:schemeClr val="accent1"/>
-          </a:fillRef>
-          <a:effectRef idx="1">
-            <a:schemeClr val="accent1"/>
-          </a:effectRef>
-          <a:fontRef idx="minor">
-            <a:schemeClr val="tx1"/>
-          </a:fontRef>
-        </p:style>
-      </p:cxnSp>
-      <p:sp>
-        <p:nvSpPr>
-          <p:cNvPr id="14" name="Rectangle 13"/>
-          <p:cNvSpPr/>
-          <p:nvPr/>
-        </p:nvSpPr>
-        <p:spPr>
-          <a:xfrm>
-            <a:off x="3699937" y="4014227"/>
-            <a:ext cx="1730320" cy="396667"/>
-          </a:xfrm>
-          <a:prstGeom prst="rect">
-            <a:avLst/>
-          </a:prstGeom>
-          <a:solidFill>
-            <a:schemeClr val="accent4"/>
-          </a:solidFill>
-          <a:ln w="28575" cmpd="sng">
-            <a:solidFill>
-              <a:schemeClr val="accent1"/>
-            </a:solidFill>
-          </a:ln>
-          <a:effectLst/>
-        </p:spPr>
-        <p:style>
-          <a:lnRef idx="1">
-            <a:schemeClr val="accent1"/>
-          </a:lnRef>
-          <a:fillRef idx="3">
-            <a:schemeClr val="accent1"/>
-          </a:fillRef>
-          <a:effectRef idx="2">
-            <a:schemeClr val="accent1"/>
-          </a:effectRef>
-          <a:fontRef idx="minor">
-            <a:schemeClr val="lt1"/>
-          </a:fontRef>
-        </p:style>
-        <p:txBody>
-          <a:bodyPr rtlCol="0" anchor="ctr"/>
-          <a:lstStyle/>
-          <a:p>
-            <a:pPr algn="ctr"/>
-            <a:r>
-              <a:rPr lang="en-US" dirty="0" smtClean="0">
-                <a:solidFill>
-                  <a:srgbClr val="F8F8F8"/>
-                </a:solidFill>
-              </a:rPr>
-              <a:t>request data</a:t>
+              <a:t>nitiate data </a:t>
             </a:r>
             <a:endParaRPr lang="en-US" dirty="0">
               <a:solidFill>
@@ -10146,7 +10396,7 @@
     </p:spTree>
     <p:extLst>
       <p:ext uri="{BB962C8B-B14F-4D97-AF65-F5344CB8AC3E}">
-        <p14:creationId xmlns:p14="http://schemas.microsoft.com/office/powerpoint/2010/main" val="200400826"/>
+        <p14:creationId xmlns:p14="http://schemas.microsoft.com/office/powerpoint/2010/main" val="4268115242"/>
       </p:ext>
     </p:extLst>
   </p:cSld>
@@ -10308,14 +10558,21 @@
             <p:ph type="title"/>
           </p:nvPr>
         </p:nvSpPr>
-        <p:spPr/>
-        <p:txBody>
-          <a:bodyPr/>
+        <p:spPr>
+          <a:xfrm>
+            <a:off x="285416" y="105308"/>
+            <a:ext cx="8648090" cy="1143000"/>
+          </a:xfrm>
+        </p:spPr>
+        <p:txBody>
+          <a:bodyPr>
+            <a:normAutofit/>
+          </a:bodyPr>
           <a:lstStyle/>
           <a:p>
             <a:r>
               <a:rPr lang="en-US" dirty="0" smtClean="0"/>
-              <a:t>TODO's: List</a:t>
+              <a:t>TODO’s: List</a:t>
             </a:r>
             <a:endParaRPr lang="en-US" dirty="0"/>
           </a:p>
@@ -10617,7 +10874,7 @@
         </p:nvCxnSpPr>
         <p:spPr>
           <a:xfrm flipH="1">
-            <a:off x="5537200" y="3132894"/>
+            <a:off x="5537200" y="3732192"/>
             <a:ext cx="1218407" cy="0"/>
           </a:xfrm>
           <a:prstGeom prst="straightConnector1">
@@ -10655,7 +10912,7 @@
         </p:nvSpPr>
         <p:spPr>
           <a:xfrm>
-            <a:off x="6755607" y="2934560"/>
+            <a:off x="6755607" y="3533858"/>
             <a:ext cx="1730320" cy="396667"/>
           </a:xfrm>
           <a:prstGeom prst="rect">
@@ -10709,14 +10966,12 @@
       <p:cxnSp>
         <p:nvCxnSpPr>
           <p:cNvPr id="15" name="Straight Arrow Connector 14"/>
-          <p:cNvCxnSpPr>
-            <a:stCxn id="13" idx="2"/>
-          </p:cNvCxnSpPr>
+          <p:cNvCxnSpPr/>
           <p:nvPr/>
         </p:nvCxnSpPr>
         <p:spPr>
           <a:xfrm>
-            <a:off x="4565097" y="3331227"/>
+            <a:off x="4565097" y="3673683"/>
             <a:ext cx="0" cy="614240"/>
           </a:xfrm>
           <a:prstGeom prst="straightConnector1">
@@ -10754,7 +11009,7 @@
         </p:nvSpPr>
         <p:spPr>
           <a:xfrm>
-            <a:off x="3699937" y="2934560"/>
+            <a:off x="3699937" y="3533858"/>
             <a:ext cx="1730320" cy="396667"/>
           </a:xfrm>
           <a:prstGeom prst="rect">
@@ -10805,44 +11060,6 @@
           </a:p>
         </p:txBody>
       </p:sp>
-      <p:cxnSp>
-        <p:nvCxnSpPr>
-          <p:cNvPr id="17" name="Straight Arrow Connector 16"/>
-          <p:cNvCxnSpPr/>
-          <p:nvPr/>
-        </p:nvCxnSpPr>
-        <p:spPr>
-          <a:xfrm flipH="1">
-            <a:off x="2557730" y="4237794"/>
-            <a:ext cx="1218407" cy="0"/>
-          </a:xfrm>
-          <a:prstGeom prst="straightConnector1">
-            <a:avLst/>
-          </a:prstGeom>
-          <a:ln w="57150" cmpd="sng">
-            <a:solidFill>
-              <a:schemeClr val="accent2"/>
-            </a:solidFill>
-            <a:headEnd type="none"/>
-            <a:tailEnd type="triangle"/>
-          </a:ln>
-          <a:effectLst/>
-        </p:spPr>
-        <p:style>
-          <a:lnRef idx="2">
-            <a:schemeClr val="accent1"/>
-          </a:lnRef>
-          <a:fillRef idx="0">
-            <a:schemeClr val="accent1"/>
-          </a:fillRef>
-          <a:effectRef idx="1">
-            <a:schemeClr val="accent1"/>
-          </a:effectRef>
-          <a:fontRef idx="minor">
-            <a:schemeClr val="tx1"/>
-          </a:fontRef>
-        </p:style>
-      </p:cxnSp>
       <p:sp>
         <p:nvSpPr>
           <p:cNvPr id="14" name="Rectangle 13"/>
@@ -10851,7 +11068,7 @@
         </p:nvSpPr>
         <p:spPr>
           <a:xfrm>
-            <a:off x="3699937" y="4014227"/>
+            <a:off x="3699937" y="4285338"/>
             <a:ext cx="1730320" cy="396667"/>
           </a:xfrm>
           <a:prstGeom prst="rect">
@@ -10902,15 +11119,217 @@
           </a:p>
         </p:txBody>
       </p:sp>
-      <p:sp>
-        <p:nvSpPr>
-          <p:cNvPr id="18" name="Rectangle 17"/>
+      <p:cxnSp>
+        <p:nvCxnSpPr>
+          <p:cNvPr id="24" name="Straight Arrow Connector 23"/>
+          <p:cNvCxnSpPr/>
+          <p:nvPr/>
+        </p:nvCxnSpPr>
+        <p:spPr>
+          <a:xfrm>
+            <a:off x="5430257" y="3056995"/>
+            <a:ext cx="1325350" cy="0"/>
+          </a:xfrm>
+          <a:prstGeom prst="straightConnector1">
+            <a:avLst/>
+          </a:prstGeom>
+          <a:ln w="57150" cmpd="sng">
+            <a:solidFill>
+              <a:schemeClr val="accent2"/>
+            </a:solidFill>
+            <a:headEnd type="none"/>
+            <a:tailEnd type="triangle"/>
+          </a:ln>
+          <a:effectLst/>
+        </p:spPr>
+        <p:style>
+          <a:lnRef idx="2">
+            <a:schemeClr val="accent1"/>
+          </a:lnRef>
+          <a:fillRef idx="0">
+            <a:schemeClr val="accent1"/>
+          </a:fillRef>
+          <a:effectRef idx="1">
+            <a:schemeClr val="accent1"/>
+          </a:effectRef>
+          <a:fontRef idx="minor">
+            <a:schemeClr val="tx1"/>
+          </a:fontRef>
+        </p:style>
+      </p:cxnSp>
+      <p:cxnSp>
+        <p:nvCxnSpPr>
+          <p:cNvPr id="26" name="Straight Arrow Connector 25"/>
+          <p:cNvCxnSpPr/>
+          <p:nvPr/>
+        </p:nvCxnSpPr>
+        <p:spPr>
+          <a:xfrm>
+            <a:off x="7619091" y="2941410"/>
+            <a:ext cx="0" cy="614240"/>
+          </a:xfrm>
+          <a:prstGeom prst="straightConnector1">
+            <a:avLst/>
+          </a:prstGeom>
+          <a:ln w="57150" cmpd="sng">
+            <a:solidFill>
+              <a:schemeClr val="accent2"/>
+            </a:solidFill>
+            <a:headEnd type="none"/>
+            <a:tailEnd type="triangle"/>
+          </a:ln>
+          <a:effectLst/>
+        </p:spPr>
+        <p:style>
+          <a:lnRef idx="2">
+            <a:schemeClr val="accent1"/>
+          </a:lnRef>
+          <a:fillRef idx="0">
+            <a:schemeClr val="accent1"/>
+          </a:fillRef>
+          <a:effectRef idx="1">
+            <a:schemeClr val="accent1"/>
+          </a:effectRef>
+          <a:fontRef idx="minor">
+            <a:schemeClr val="tx1"/>
+          </a:fontRef>
+        </p:style>
+      </p:cxnSp>
+      <p:sp>
+        <p:nvSpPr>
+          <p:cNvPr id="25" name="Rectangle 24"/>
           <p:cNvSpPr/>
           <p:nvPr/>
         </p:nvSpPr>
         <p:spPr>
           <a:xfrm>
-            <a:off x="702737" y="5093893"/>
+            <a:off x="6755607" y="2858661"/>
+            <a:ext cx="1730320" cy="396667"/>
+          </a:xfrm>
+          <a:prstGeom prst="rect">
+            <a:avLst/>
+          </a:prstGeom>
+          <a:solidFill>
+            <a:schemeClr val="accent6"/>
+          </a:solidFill>
+          <a:ln w="28575" cmpd="sng">
+            <a:solidFill>
+              <a:schemeClr val="accent1"/>
+            </a:solidFill>
+          </a:ln>
+          <a:effectLst/>
+        </p:spPr>
+        <p:style>
+          <a:lnRef idx="1">
+            <a:schemeClr val="accent1"/>
+          </a:lnRef>
+          <a:fillRef idx="3">
+            <a:schemeClr val="accent1"/>
+          </a:fillRef>
+          <a:effectRef idx="2">
+            <a:schemeClr val="accent1"/>
+          </a:effectRef>
+          <a:fontRef idx="minor">
+            <a:schemeClr val="lt1"/>
+          </a:fontRef>
+        </p:style>
+        <p:txBody>
+          <a:bodyPr rtlCol="0" anchor="ctr"/>
+          <a:lstStyle/>
+          <a:p>
+            <a:pPr algn="ctr"/>
+            <a:r>
+              <a:rPr lang="en-US" dirty="0">
+                <a:solidFill>
+                  <a:srgbClr val="F8F8F8"/>
+                </a:solidFill>
+              </a:rPr>
+              <a:t>p</a:t>
+            </a:r>
+            <a:r>
+              <a:rPr lang="en-US" dirty="0" smtClean="0">
+                <a:solidFill>
+                  <a:srgbClr val="F8F8F8"/>
+                </a:solidFill>
+              </a:rPr>
+              <a:t>rompt user</a:t>
+            </a:r>
+            <a:endParaRPr lang="en-US" dirty="0">
+              <a:solidFill>
+                <a:srgbClr val="F8F8F8"/>
+              </a:solidFill>
+            </a:endParaRPr>
+          </a:p>
+        </p:txBody>
+      </p:sp>
+      <p:sp>
+        <p:nvSpPr>
+          <p:cNvPr id="27" name="Rectangle 26"/>
+          <p:cNvSpPr/>
+          <p:nvPr/>
+        </p:nvSpPr>
+        <p:spPr>
+          <a:xfrm>
+            <a:off x="3699937" y="2858661"/>
+            <a:ext cx="1730320" cy="396667"/>
+          </a:xfrm>
+          <a:prstGeom prst="rect">
+            <a:avLst/>
+          </a:prstGeom>
+          <a:solidFill>
+            <a:schemeClr val="accent4"/>
+          </a:solidFill>
+          <a:ln w="28575" cmpd="sng">
+            <a:solidFill>
+              <a:schemeClr val="accent1"/>
+            </a:solidFill>
+          </a:ln>
+          <a:effectLst/>
+        </p:spPr>
+        <p:style>
+          <a:lnRef idx="1">
+            <a:schemeClr val="accent1"/>
+          </a:lnRef>
+          <a:fillRef idx="3">
+            <a:schemeClr val="accent1"/>
+          </a:fillRef>
+          <a:effectRef idx="2">
+            <a:schemeClr val="accent1"/>
+          </a:effectRef>
+          <a:fontRef idx="minor">
+            <a:schemeClr val="lt1"/>
+          </a:fontRef>
+        </p:style>
+        <p:txBody>
+          <a:bodyPr rtlCol="0" anchor="ctr"/>
+          <a:lstStyle/>
+          <a:p>
+            <a:pPr algn="ctr"/>
+            <a:r>
+              <a:rPr lang="en-US" dirty="0" smtClean="0">
+                <a:solidFill>
+                  <a:srgbClr val="F8F8F8"/>
+                </a:solidFill>
+              </a:rPr>
+              <a:t>Initiate Program</a:t>
+            </a:r>
+            <a:endParaRPr lang="en-US" dirty="0">
+              <a:solidFill>
+                <a:srgbClr val="F8F8F8"/>
+              </a:solidFill>
+            </a:endParaRPr>
+          </a:p>
+        </p:txBody>
+      </p:sp>
+      <p:sp>
+        <p:nvSpPr>
+          <p:cNvPr id="35" name="Rectangle 34"/>
+          <p:cNvSpPr/>
+          <p:nvPr/>
+        </p:nvSpPr>
+        <p:spPr>
+          <a:xfrm>
+            <a:off x="702737" y="2862107"/>
             <a:ext cx="1730320" cy="396667"/>
           </a:xfrm>
           <a:prstGeom prst="rect">
@@ -10946,109 +11365,20 @@
           <a:p>
             <a:pPr algn="ctr"/>
             <a:r>
+              <a:rPr lang="en-US" dirty="0">
+                <a:solidFill>
+                  <a:srgbClr val="F8F8F8"/>
+                </a:solidFill>
+              </a:rPr>
+              <a:t>i</a:t>
+            </a:r>
+            <a:r>
               <a:rPr lang="en-US" dirty="0" smtClean="0">
                 <a:solidFill>
                   <a:srgbClr val="F8F8F8"/>
                 </a:solidFill>
               </a:rPr>
-              <a:t>return data</a:t>
-            </a:r>
-            <a:endParaRPr lang="en-US" dirty="0">
-              <a:solidFill>
-                <a:srgbClr val="F8F8F8"/>
-              </a:solidFill>
-            </a:endParaRPr>
-          </a:p>
-        </p:txBody>
-      </p:sp>
-      <p:cxnSp>
-        <p:nvCxnSpPr>
-          <p:cNvPr id="19" name="Straight Arrow Connector 18"/>
-          <p:cNvCxnSpPr/>
-          <p:nvPr/>
-        </p:nvCxnSpPr>
-        <p:spPr>
-          <a:xfrm>
-            <a:off x="1567897" y="4410894"/>
-            <a:ext cx="0" cy="614240"/>
-          </a:xfrm>
-          <a:prstGeom prst="straightConnector1">
-            <a:avLst/>
-          </a:prstGeom>
-          <a:ln w="57150" cmpd="sng">
-            <a:solidFill>
-              <a:schemeClr val="accent2"/>
-            </a:solidFill>
-            <a:headEnd type="none"/>
-            <a:tailEnd type="triangle"/>
-          </a:ln>
-          <a:effectLst/>
-        </p:spPr>
-        <p:style>
-          <a:lnRef idx="2">
-            <a:schemeClr val="accent1"/>
-          </a:lnRef>
-          <a:fillRef idx="0">
-            <a:schemeClr val="accent1"/>
-          </a:fillRef>
-          <a:effectRef idx="1">
-            <a:schemeClr val="accent1"/>
-          </a:effectRef>
-          <a:fontRef idx="minor">
-            <a:schemeClr val="tx1"/>
-          </a:fontRef>
-        </p:style>
-      </p:cxnSp>
-      <p:sp>
-        <p:nvSpPr>
-          <p:cNvPr id="16" name="Rectangle 15"/>
-          <p:cNvSpPr/>
-          <p:nvPr/>
-        </p:nvSpPr>
-        <p:spPr>
-          <a:xfrm>
-            <a:off x="702737" y="4014227"/>
-            <a:ext cx="1730320" cy="396667"/>
-          </a:xfrm>
-          <a:prstGeom prst="rect">
-            <a:avLst/>
-          </a:prstGeom>
-          <a:solidFill>
-            <a:schemeClr val="accent5"/>
-          </a:solidFill>
-          <a:ln w="28575" cmpd="sng">
-            <a:solidFill>
-              <a:schemeClr val="accent1"/>
-            </a:solidFill>
-          </a:ln>
-          <a:effectLst/>
-        </p:spPr>
-        <p:style>
-          <a:lnRef idx="1">
-            <a:schemeClr val="accent1"/>
-          </a:lnRef>
-          <a:fillRef idx="3">
-            <a:schemeClr val="accent1"/>
-          </a:fillRef>
-          <a:effectRef idx="2">
-            <a:schemeClr val="accent1"/>
-          </a:effectRef>
-          <a:fontRef idx="minor">
-            <a:schemeClr val="lt1"/>
-          </a:fontRef>
-        </p:style>
-        <p:txBody>
-          <a:bodyPr rtlCol="0" anchor="ctr"/>
-          <a:lstStyle/>
-          <a:p>
-            <a:pPr algn="ctr"/>
-            <a:r>
-              <a:rPr lang="en-US" dirty="0" smtClean="0">
-                <a:solidFill>
-                  <a:srgbClr val="F8F8F8"/>
-                </a:solidFill>
-              </a:rPr>
-              <a:t>gather data</a:t>
+              <a:t>nitiate data </a:t>
             </a:r>
             <a:endParaRPr lang="en-US" dirty="0">
               <a:solidFill>
@@ -11061,7 +11391,7 @@
     </p:spTree>
     <p:extLst>
       <p:ext uri="{BB962C8B-B14F-4D97-AF65-F5344CB8AC3E}">
-        <p14:creationId xmlns:p14="http://schemas.microsoft.com/office/powerpoint/2010/main" val="96029311"/>
+        <p14:creationId xmlns:p14="http://schemas.microsoft.com/office/powerpoint/2010/main" val="1228894101"/>
       </p:ext>
     </p:extLst>
   </p:cSld>
@@ -11105,14 +11435,21 @@
             <p:ph type="title"/>
           </p:nvPr>
         </p:nvSpPr>
-        <p:spPr/>
-        <p:txBody>
-          <a:bodyPr/>
+        <p:spPr>
+          <a:xfrm>
+            <a:off x="285416" y="105308"/>
+            <a:ext cx="8648090" cy="1143000"/>
+          </a:xfrm>
+        </p:spPr>
+        <p:txBody>
+          <a:bodyPr>
+            <a:normAutofit/>
+          </a:bodyPr>
           <a:lstStyle/>
           <a:p>
             <a:r>
               <a:rPr lang="en-US" dirty="0" smtClean="0"/>
-              <a:t>TODO's: List</a:t>
+              <a:t>TODO’s: List</a:t>
             </a:r>
             <a:endParaRPr lang="en-US" dirty="0"/>
           </a:p>
@@ -11414,7 +11751,7 @@
         </p:nvCxnSpPr>
         <p:spPr>
           <a:xfrm flipH="1">
-            <a:off x="5537200" y="3132894"/>
+            <a:off x="5537200" y="3732192"/>
             <a:ext cx="1218407" cy="0"/>
           </a:xfrm>
           <a:prstGeom prst="straightConnector1">
@@ -11452,7 +11789,7 @@
         </p:nvSpPr>
         <p:spPr>
           <a:xfrm>
-            <a:off x="6755607" y="2934560"/>
+            <a:off x="6755607" y="3533858"/>
             <a:ext cx="1730320" cy="396667"/>
           </a:xfrm>
           <a:prstGeom prst="rect">
@@ -11506,14 +11843,12 @@
       <p:cxnSp>
         <p:nvCxnSpPr>
           <p:cNvPr id="15" name="Straight Arrow Connector 14"/>
-          <p:cNvCxnSpPr>
-            <a:stCxn id="13" idx="2"/>
-          </p:cNvCxnSpPr>
+          <p:cNvCxnSpPr/>
           <p:nvPr/>
         </p:nvCxnSpPr>
         <p:spPr>
           <a:xfrm>
-            <a:off x="4565097" y="3331227"/>
+            <a:off x="4565097" y="3673683"/>
             <a:ext cx="0" cy="614240"/>
           </a:xfrm>
           <a:prstGeom prst="straightConnector1">
@@ -11551,7 +11886,7 @@
         </p:nvSpPr>
         <p:spPr>
           <a:xfrm>
-            <a:off x="3699937" y="2934560"/>
+            <a:off x="3699937" y="3533858"/>
             <a:ext cx="1730320" cy="396667"/>
           </a:xfrm>
           <a:prstGeom prst="rect">
@@ -11610,7 +11945,7 @@
         </p:nvCxnSpPr>
         <p:spPr>
           <a:xfrm flipH="1">
-            <a:off x="2545030" y="4237794"/>
+            <a:off x="2445133" y="4494636"/>
             <a:ext cx="1218407" cy="0"/>
           </a:xfrm>
           <a:prstGeom prst="straightConnector1">
@@ -11648,7 +11983,7 @@
         </p:nvSpPr>
         <p:spPr>
           <a:xfrm>
-            <a:off x="3699937" y="4014227"/>
+            <a:off x="3699937" y="4285338"/>
             <a:ext cx="1730320" cy="396667"/>
           </a:xfrm>
           <a:prstGeom prst="rect">
@@ -11699,44 +12034,6 @@
           </a:p>
         </p:txBody>
       </p:sp>
-      <p:cxnSp>
-        <p:nvCxnSpPr>
-          <p:cNvPr id="19" name="Straight Arrow Connector 18"/>
-          <p:cNvCxnSpPr/>
-          <p:nvPr/>
-        </p:nvCxnSpPr>
-        <p:spPr>
-          <a:xfrm>
-            <a:off x="1567897" y="4410894"/>
-            <a:ext cx="0" cy="614240"/>
-          </a:xfrm>
-          <a:prstGeom prst="straightConnector1">
-            <a:avLst/>
-          </a:prstGeom>
-          <a:ln w="57150" cmpd="sng">
-            <a:solidFill>
-              <a:schemeClr val="accent2"/>
-            </a:solidFill>
-            <a:headEnd type="none"/>
-            <a:tailEnd type="triangle"/>
-          </a:ln>
-          <a:effectLst/>
-        </p:spPr>
-        <p:style>
-          <a:lnRef idx="2">
-            <a:schemeClr val="accent1"/>
-          </a:lnRef>
-          <a:fillRef idx="0">
-            <a:schemeClr val="accent1"/>
-          </a:fillRef>
-          <a:effectRef idx="1">
-            <a:schemeClr val="accent1"/>
-          </a:effectRef>
-          <a:fontRef idx="minor">
-            <a:schemeClr val="tx1"/>
-          </a:fontRef>
-        </p:style>
-      </p:cxnSp>
       <p:sp>
         <p:nvSpPr>
           <p:cNvPr id="16" name="Rectangle 15"/>
@@ -11745,7 +12042,7 @@
         </p:nvSpPr>
         <p:spPr>
           <a:xfrm>
-            <a:off x="702737" y="4014227"/>
+            <a:off x="702737" y="4285338"/>
             <a:ext cx="1730320" cy="396667"/>
           </a:xfrm>
           <a:prstGeom prst="rect">
@@ -11796,15 +12093,158 @@
           </a:p>
         </p:txBody>
       </p:sp>
-      <p:sp>
-        <p:nvSpPr>
-          <p:cNvPr id="20" name="Rectangle 19"/>
+      <p:cxnSp>
+        <p:nvCxnSpPr>
+          <p:cNvPr id="24" name="Straight Arrow Connector 23"/>
+          <p:cNvCxnSpPr/>
+          <p:nvPr/>
+        </p:nvCxnSpPr>
+        <p:spPr>
+          <a:xfrm>
+            <a:off x="5430257" y="3056995"/>
+            <a:ext cx="1325350" cy="0"/>
+          </a:xfrm>
+          <a:prstGeom prst="straightConnector1">
+            <a:avLst/>
+          </a:prstGeom>
+          <a:ln w="57150" cmpd="sng">
+            <a:solidFill>
+              <a:schemeClr val="accent2"/>
+            </a:solidFill>
+            <a:headEnd type="none"/>
+            <a:tailEnd type="triangle"/>
+          </a:ln>
+          <a:effectLst/>
+        </p:spPr>
+        <p:style>
+          <a:lnRef idx="2">
+            <a:schemeClr val="accent1"/>
+          </a:lnRef>
+          <a:fillRef idx="0">
+            <a:schemeClr val="accent1"/>
+          </a:fillRef>
+          <a:effectRef idx="1">
+            <a:schemeClr val="accent1"/>
+          </a:effectRef>
+          <a:fontRef idx="minor">
+            <a:schemeClr val="tx1"/>
+          </a:fontRef>
+        </p:style>
+      </p:cxnSp>
+      <p:cxnSp>
+        <p:nvCxnSpPr>
+          <p:cNvPr id="26" name="Straight Arrow Connector 25"/>
+          <p:cNvCxnSpPr/>
+          <p:nvPr/>
+        </p:nvCxnSpPr>
+        <p:spPr>
+          <a:xfrm>
+            <a:off x="7619091" y="2941410"/>
+            <a:ext cx="0" cy="614240"/>
+          </a:xfrm>
+          <a:prstGeom prst="straightConnector1">
+            <a:avLst/>
+          </a:prstGeom>
+          <a:ln w="57150" cmpd="sng">
+            <a:solidFill>
+              <a:schemeClr val="accent2"/>
+            </a:solidFill>
+            <a:headEnd type="none"/>
+            <a:tailEnd type="triangle"/>
+          </a:ln>
+          <a:effectLst/>
+        </p:spPr>
+        <p:style>
+          <a:lnRef idx="2">
+            <a:schemeClr val="accent1"/>
+          </a:lnRef>
+          <a:fillRef idx="0">
+            <a:schemeClr val="accent1"/>
+          </a:fillRef>
+          <a:effectRef idx="1">
+            <a:schemeClr val="accent1"/>
+          </a:effectRef>
+          <a:fontRef idx="minor">
+            <a:schemeClr val="tx1"/>
+          </a:fontRef>
+        </p:style>
+      </p:cxnSp>
+      <p:sp>
+        <p:nvSpPr>
+          <p:cNvPr id="25" name="Rectangle 24"/>
           <p:cNvSpPr/>
           <p:nvPr/>
         </p:nvSpPr>
         <p:spPr>
           <a:xfrm>
-            <a:off x="3699937" y="5093893"/>
+            <a:off x="6755607" y="2858661"/>
+            <a:ext cx="1730320" cy="396667"/>
+          </a:xfrm>
+          <a:prstGeom prst="rect">
+            <a:avLst/>
+          </a:prstGeom>
+          <a:solidFill>
+            <a:schemeClr val="accent6"/>
+          </a:solidFill>
+          <a:ln w="28575" cmpd="sng">
+            <a:solidFill>
+              <a:schemeClr val="accent1"/>
+            </a:solidFill>
+          </a:ln>
+          <a:effectLst/>
+        </p:spPr>
+        <p:style>
+          <a:lnRef idx="1">
+            <a:schemeClr val="accent1"/>
+          </a:lnRef>
+          <a:fillRef idx="3">
+            <a:schemeClr val="accent1"/>
+          </a:fillRef>
+          <a:effectRef idx="2">
+            <a:schemeClr val="accent1"/>
+          </a:effectRef>
+          <a:fontRef idx="minor">
+            <a:schemeClr val="lt1"/>
+          </a:fontRef>
+        </p:style>
+        <p:txBody>
+          <a:bodyPr rtlCol="0" anchor="ctr"/>
+          <a:lstStyle/>
+          <a:p>
+            <a:pPr algn="ctr"/>
+            <a:r>
+              <a:rPr lang="en-US" dirty="0">
+                <a:solidFill>
+                  <a:srgbClr val="F8F8F8"/>
+                </a:solidFill>
+              </a:rPr>
+              <a:t>p</a:t>
+            </a:r>
+            <a:r>
+              <a:rPr lang="en-US" dirty="0" smtClean="0">
+                <a:solidFill>
+                  <a:srgbClr val="F8F8F8"/>
+                </a:solidFill>
+              </a:rPr>
+              <a:t>rompt user</a:t>
+            </a:r>
+            <a:endParaRPr lang="en-US" dirty="0">
+              <a:solidFill>
+                <a:srgbClr val="F8F8F8"/>
+              </a:solidFill>
+            </a:endParaRPr>
+          </a:p>
+        </p:txBody>
+      </p:sp>
+      <p:sp>
+        <p:nvSpPr>
+          <p:cNvPr id="27" name="Rectangle 26"/>
+          <p:cNvSpPr/>
+          <p:nvPr/>
+        </p:nvSpPr>
+        <p:spPr>
+          <a:xfrm>
+            <a:off x="3699937" y="2858661"/>
             <a:ext cx="1730320" cy="396667"/>
           </a:xfrm>
           <a:prstGeom prst="rect">
@@ -11845,7 +12285,7 @@
                   <a:srgbClr val="F8F8F8"/>
                 </a:solidFill>
               </a:rPr>
-              <a:t>forward data</a:t>
+              <a:t>Initiate Program</a:t>
             </a:r>
             <a:endParaRPr lang="en-US" dirty="0">
               <a:solidFill>
@@ -11855,53 +12295,15 @@
           </a:p>
         </p:txBody>
       </p:sp>
-      <p:cxnSp>
-        <p:nvCxnSpPr>
-          <p:cNvPr id="21" name="Straight Arrow Connector 20"/>
-          <p:cNvCxnSpPr/>
-          <p:nvPr/>
-        </p:nvCxnSpPr>
-        <p:spPr>
-          <a:xfrm>
-            <a:off x="2382257" y="5300588"/>
-            <a:ext cx="1218407" cy="0"/>
-          </a:xfrm>
-          <a:prstGeom prst="straightConnector1">
-            <a:avLst/>
-          </a:prstGeom>
-          <a:ln w="57150" cmpd="sng">
-            <a:solidFill>
-              <a:schemeClr val="accent2"/>
-            </a:solidFill>
-            <a:headEnd type="none"/>
-            <a:tailEnd type="triangle"/>
-          </a:ln>
-          <a:effectLst/>
-        </p:spPr>
-        <p:style>
-          <a:lnRef idx="2">
-            <a:schemeClr val="accent1"/>
-          </a:lnRef>
-          <a:fillRef idx="0">
-            <a:schemeClr val="accent1"/>
-          </a:fillRef>
-          <a:effectRef idx="1">
-            <a:schemeClr val="accent1"/>
-          </a:effectRef>
-          <a:fontRef idx="minor">
-            <a:schemeClr val="tx1"/>
-          </a:fontRef>
-        </p:style>
-      </p:cxnSp>
-      <p:sp>
-        <p:nvSpPr>
-          <p:cNvPr id="18" name="Rectangle 17"/>
+      <p:sp>
+        <p:nvSpPr>
+          <p:cNvPr id="35" name="Rectangle 34"/>
           <p:cNvSpPr/>
           <p:nvPr/>
         </p:nvSpPr>
         <p:spPr>
           <a:xfrm>
-            <a:off x="702737" y="5093893"/>
+            <a:off x="702737" y="2862107"/>
             <a:ext cx="1730320" cy="396667"/>
           </a:xfrm>
           <a:prstGeom prst="rect">
@@ -11937,12 +12339,20 @@
           <a:p>
             <a:pPr algn="ctr"/>
             <a:r>
+              <a:rPr lang="en-US" dirty="0">
+                <a:solidFill>
+                  <a:srgbClr val="F8F8F8"/>
+                </a:solidFill>
+              </a:rPr>
+              <a:t>i</a:t>
+            </a:r>
+            <a:r>
               <a:rPr lang="en-US" dirty="0" smtClean="0">
                 <a:solidFill>
                   <a:srgbClr val="F8F8F8"/>
                 </a:solidFill>
               </a:rPr>
-              <a:t>return data</a:t>
+              <a:t>nitiate data </a:t>
             </a:r>
             <a:endParaRPr lang="en-US" dirty="0">
               <a:solidFill>
@@ -11955,7 +12365,7 @@
     </p:spTree>
     <p:extLst>
       <p:ext uri="{BB962C8B-B14F-4D97-AF65-F5344CB8AC3E}">
-        <p14:creationId xmlns:p14="http://schemas.microsoft.com/office/powerpoint/2010/main" val="3441382437"/>
+        <p14:creationId xmlns:p14="http://schemas.microsoft.com/office/powerpoint/2010/main" val="1911309529"/>
       </p:ext>
     </p:extLst>
   </p:cSld>
@@ -12012,20 +12422,8 @@
           <a:lstStyle/>
           <a:p>
             <a:r>
-              <a:rPr lang="en-US" sz="3300" dirty="0"/>
-              <a:t>Everything you need to </a:t>
-            </a:r>
-            <a:r>
-              <a:rPr lang="en-US" sz="3300" dirty="0" smtClean="0"/>
-              <a:t>visualize </a:t>
-            </a:r>
-            <a:r>
-              <a:rPr lang="en-US" sz="3300" dirty="0"/>
-              <a:t>the MVC pattern summed up in 1 </a:t>
-            </a:r>
-            <a:r>
-              <a:rPr lang="en-US" sz="3300" dirty="0" smtClean="0"/>
-              <a:t>slide</a:t>
+              <a:rPr lang="en-US" dirty="0" smtClean="0"/>
+              <a:t>TODO’s: List</a:t>
             </a:r>
             <a:endParaRPr lang="en-US" dirty="0"/>
           </a:p>
@@ -12327,7 +12725,7 @@
         </p:nvCxnSpPr>
         <p:spPr>
           <a:xfrm flipH="1">
-            <a:off x="5537200" y="3132894"/>
+            <a:off x="5537200" y="3732192"/>
             <a:ext cx="1218407" cy="0"/>
           </a:xfrm>
           <a:prstGeom prst="straightConnector1">
@@ -12365,7 +12763,7 @@
         </p:nvSpPr>
         <p:spPr>
           <a:xfrm>
-            <a:off x="6755607" y="2934560"/>
+            <a:off x="6755607" y="3533858"/>
             <a:ext cx="1730320" cy="396667"/>
           </a:xfrm>
           <a:prstGeom prst="rect">
@@ -12419,14 +12817,12 @@
       <p:cxnSp>
         <p:nvCxnSpPr>
           <p:cNvPr id="15" name="Straight Arrow Connector 14"/>
-          <p:cNvCxnSpPr>
-            <a:stCxn id="13" idx="2"/>
-          </p:cNvCxnSpPr>
+          <p:cNvCxnSpPr/>
           <p:nvPr/>
         </p:nvCxnSpPr>
         <p:spPr>
           <a:xfrm>
-            <a:off x="4565097" y="3331227"/>
+            <a:off x="4565097" y="3673683"/>
             <a:ext cx="0" cy="614240"/>
           </a:xfrm>
           <a:prstGeom prst="straightConnector1">
@@ -12464,7 +12860,7 @@
         </p:nvSpPr>
         <p:spPr>
           <a:xfrm>
-            <a:off x="3699937" y="2934560"/>
+            <a:off x="3699937" y="3533858"/>
             <a:ext cx="1730320" cy="396667"/>
           </a:xfrm>
           <a:prstGeom prst="rect">
@@ -12523,7 +12919,7 @@
         </p:nvCxnSpPr>
         <p:spPr>
           <a:xfrm flipH="1">
-            <a:off x="2545030" y="4237794"/>
+            <a:off x="2445133" y="4494636"/>
             <a:ext cx="1218407" cy="0"/>
           </a:xfrm>
           <a:prstGeom prst="straightConnector1">
@@ -12561,7 +12957,7 @@
         </p:nvSpPr>
         <p:spPr>
           <a:xfrm>
-            <a:off x="3699937" y="4014227"/>
+            <a:off x="3699937" y="4285338"/>
             <a:ext cx="1730320" cy="396667"/>
           </a:xfrm>
           <a:prstGeom prst="rect">
@@ -12658,7 +13054,7 @@
         </p:nvSpPr>
         <p:spPr>
           <a:xfrm>
-            <a:off x="702737" y="4014227"/>
+            <a:off x="702737" y="4285338"/>
             <a:ext cx="1730320" cy="396667"/>
           </a:xfrm>
           <a:prstGeom prst="rect">
@@ -12709,44 +13105,6 @@
           </a:p>
         </p:txBody>
       </p:sp>
-      <p:cxnSp>
-        <p:nvCxnSpPr>
-          <p:cNvPr id="21" name="Straight Arrow Connector 20"/>
-          <p:cNvCxnSpPr/>
-          <p:nvPr/>
-        </p:nvCxnSpPr>
-        <p:spPr>
-          <a:xfrm>
-            <a:off x="2382257" y="5300588"/>
-            <a:ext cx="1218407" cy="0"/>
-          </a:xfrm>
-          <a:prstGeom prst="straightConnector1">
-            <a:avLst/>
-          </a:prstGeom>
-          <a:ln w="57150" cmpd="sng">
-            <a:solidFill>
-              <a:schemeClr val="accent2"/>
-            </a:solidFill>
-            <a:headEnd type="none"/>
-            <a:tailEnd type="triangle"/>
-          </a:ln>
-          <a:effectLst/>
-        </p:spPr>
-        <p:style>
-          <a:lnRef idx="2">
-            <a:schemeClr val="accent1"/>
-          </a:lnRef>
-          <a:fillRef idx="0">
-            <a:schemeClr val="accent1"/>
-          </a:fillRef>
-          <a:effectRef idx="1">
-            <a:schemeClr val="accent1"/>
-          </a:effectRef>
-          <a:fontRef idx="minor">
-            <a:schemeClr val="tx1"/>
-          </a:fontRef>
-        </p:style>
-      </p:cxnSp>
       <p:sp>
         <p:nvSpPr>
           <p:cNvPr id="18" name="Rectangle 17"/>
@@ -12806,15 +13164,91 @@
           </a:p>
         </p:txBody>
       </p:sp>
-      <p:sp>
-        <p:nvSpPr>
-          <p:cNvPr id="22" name="Rectangle 21"/>
+      <p:cxnSp>
+        <p:nvCxnSpPr>
+          <p:cNvPr id="24" name="Straight Arrow Connector 23"/>
+          <p:cNvCxnSpPr/>
+          <p:nvPr/>
+        </p:nvCxnSpPr>
+        <p:spPr>
+          <a:xfrm>
+            <a:off x="5430257" y="3056995"/>
+            <a:ext cx="1325350" cy="0"/>
+          </a:xfrm>
+          <a:prstGeom prst="straightConnector1">
+            <a:avLst/>
+          </a:prstGeom>
+          <a:ln w="57150" cmpd="sng">
+            <a:solidFill>
+              <a:schemeClr val="accent2"/>
+            </a:solidFill>
+            <a:headEnd type="none"/>
+            <a:tailEnd type="triangle"/>
+          </a:ln>
+          <a:effectLst/>
+        </p:spPr>
+        <p:style>
+          <a:lnRef idx="2">
+            <a:schemeClr val="accent1"/>
+          </a:lnRef>
+          <a:fillRef idx="0">
+            <a:schemeClr val="accent1"/>
+          </a:fillRef>
+          <a:effectRef idx="1">
+            <a:schemeClr val="accent1"/>
+          </a:effectRef>
+          <a:fontRef idx="minor">
+            <a:schemeClr val="tx1"/>
+          </a:fontRef>
+        </p:style>
+      </p:cxnSp>
+      <p:cxnSp>
+        <p:nvCxnSpPr>
+          <p:cNvPr id="26" name="Straight Arrow Connector 25"/>
+          <p:cNvCxnSpPr/>
+          <p:nvPr/>
+        </p:nvCxnSpPr>
+        <p:spPr>
+          <a:xfrm>
+            <a:off x="7619091" y="2941410"/>
+            <a:ext cx="0" cy="614240"/>
+          </a:xfrm>
+          <a:prstGeom prst="straightConnector1">
+            <a:avLst/>
+          </a:prstGeom>
+          <a:ln w="57150" cmpd="sng">
+            <a:solidFill>
+              <a:schemeClr val="accent2"/>
+            </a:solidFill>
+            <a:headEnd type="none"/>
+            <a:tailEnd type="triangle"/>
+          </a:ln>
+          <a:effectLst/>
+        </p:spPr>
+        <p:style>
+          <a:lnRef idx="2">
+            <a:schemeClr val="accent1"/>
+          </a:lnRef>
+          <a:fillRef idx="0">
+            <a:schemeClr val="accent1"/>
+          </a:fillRef>
+          <a:effectRef idx="1">
+            <a:schemeClr val="accent1"/>
+          </a:effectRef>
+          <a:fontRef idx="minor">
+            <a:schemeClr val="tx1"/>
+          </a:fontRef>
+        </p:style>
+      </p:cxnSp>
+      <p:sp>
+        <p:nvSpPr>
+          <p:cNvPr id="25" name="Rectangle 24"/>
           <p:cNvSpPr/>
           <p:nvPr/>
         </p:nvSpPr>
         <p:spPr>
           <a:xfrm>
-            <a:off x="6755607" y="5102254"/>
+            <a:off x="6755607" y="2858661"/>
             <a:ext cx="1730320" cy="396667"/>
           </a:xfrm>
           <a:prstGeom prst="rect">
@@ -12850,12 +13284,20 @@
           <a:p>
             <a:pPr algn="ctr"/>
             <a:r>
+              <a:rPr lang="en-US" dirty="0">
+                <a:solidFill>
+                  <a:srgbClr val="F8F8F8"/>
+                </a:solidFill>
+              </a:rPr>
+              <a:t>p</a:t>
+            </a:r>
+            <a:r>
               <a:rPr lang="en-US" dirty="0" smtClean="0">
                 <a:solidFill>
                   <a:srgbClr val="F8F8F8"/>
                 </a:solidFill>
               </a:rPr>
-              <a:t>display data</a:t>
+              <a:t>rompt user</a:t>
             </a:r>
             <a:endParaRPr lang="en-US" dirty="0">
               <a:solidFill>
@@ -12865,53 +13307,15 @@
           </a:p>
         </p:txBody>
       </p:sp>
-      <p:cxnSp>
-        <p:nvCxnSpPr>
-          <p:cNvPr id="23" name="Straight Arrow Connector 22"/>
-          <p:cNvCxnSpPr/>
-          <p:nvPr/>
-        </p:nvCxnSpPr>
-        <p:spPr>
-          <a:xfrm>
-            <a:off x="5430257" y="5300588"/>
-            <a:ext cx="1218407" cy="0"/>
-          </a:xfrm>
-          <a:prstGeom prst="straightConnector1">
-            <a:avLst/>
-          </a:prstGeom>
-          <a:ln w="57150" cmpd="sng">
-            <a:solidFill>
-              <a:schemeClr val="accent2"/>
-            </a:solidFill>
-            <a:headEnd type="none"/>
-            <a:tailEnd type="triangle"/>
-          </a:ln>
-          <a:effectLst/>
-        </p:spPr>
-        <p:style>
-          <a:lnRef idx="2">
-            <a:schemeClr val="accent1"/>
-          </a:lnRef>
-          <a:fillRef idx="0">
-            <a:schemeClr val="accent1"/>
-          </a:fillRef>
-          <a:effectRef idx="1">
-            <a:schemeClr val="accent1"/>
-          </a:effectRef>
-          <a:fontRef idx="minor">
-            <a:schemeClr val="tx1"/>
-          </a:fontRef>
-        </p:style>
-      </p:cxnSp>
-      <p:sp>
-        <p:nvSpPr>
-          <p:cNvPr id="20" name="Rectangle 19"/>
+      <p:sp>
+        <p:nvSpPr>
+          <p:cNvPr id="27" name="Rectangle 26"/>
           <p:cNvSpPr/>
           <p:nvPr/>
         </p:nvSpPr>
         <p:spPr>
           <a:xfrm>
-            <a:off x="3699937" y="5093893"/>
+            <a:off x="3699937" y="2858661"/>
             <a:ext cx="1730320" cy="396667"/>
           </a:xfrm>
           <a:prstGeom prst="rect">
@@ -12952,7 +13356,74 @@
                   <a:srgbClr val="F8F8F8"/>
                 </a:solidFill>
               </a:rPr>
-              <a:t>forward data</a:t>
+              <a:t>Initiate Program</a:t>
+            </a:r>
+            <a:endParaRPr lang="en-US" dirty="0">
+              <a:solidFill>
+                <a:srgbClr val="F8F8F8"/>
+              </a:solidFill>
+            </a:endParaRPr>
+          </a:p>
+        </p:txBody>
+      </p:sp>
+      <p:sp>
+        <p:nvSpPr>
+          <p:cNvPr id="35" name="Rectangle 34"/>
+          <p:cNvSpPr/>
+          <p:nvPr/>
+        </p:nvSpPr>
+        <p:spPr>
+          <a:xfrm>
+            <a:off x="702737" y="2862107"/>
+            <a:ext cx="1730320" cy="396667"/>
+          </a:xfrm>
+          <a:prstGeom prst="rect">
+            <a:avLst/>
+          </a:prstGeom>
+          <a:solidFill>
+            <a:schemeClr val="accent5"/>
+          </a:solidFill>
+          <a:ln w="28575" cmpd="sng">
+            <a:solidFill>
+              <a:schemeClr val="accent1"/>
+            </a:solidFill>
+          </a:ln>
+          <a:effectLst/>
+        </p:spPr>
+        <p:style>
+          <a:lnRef idx="1">
+            <a:schemeClr val="accent1"/>
+          </a:lnRef>
+          <a:fillRef idx="3">
+            <a:schemeClr val="accent1"/>
+          </a:fillRef>
+          <a:effectRef idx="2">
+            <a:schemeClr val="accent1"/>
+          </a:effectRef>
+          <a:fontRef idx="minor">
+            <a:schemeClr val="lt1"/>
+          </a:fontRef>
+        </p:style>
+        <p:txBody>
+          <a:bodyPr rtlCol="0" anchor="ctr"/>
+          <a:lstStyle/>
+          <a:p>
+            <a:pPr algn="ctr"/>
+            <a:r>
+              <a:rPr lang="en-US" dirty="0">
+                <a:solidFill>
+                  <a:srgbClr val="F8F8F8"/>
+                </a:solidFill>
+              </a:rPr>
+              <a:t>i</a:t>
+            </a:r>
+            <a:r>
+              <a:rPr lang="en-US" dirty="0" smtClean="0">
+                <a:solidFill>
+                  <a:srgbClr val="F8F8F8"/>
+                </a:solidFill>
+              </a:rPr>
+              <a:t>nitiate data </a:t>
             </a:r>
             <a:endParaRPr lang="en-US" dirty="0">
               <a:solidFill>
@@ -12965,7 +13436,7 @@
     </p:spTree>
     <p:extLst>
       <p:ext uri="{BB962C8B-B14F-4D97-AF65-F5344CB8AC3E}">
-        <p14:creationId xmlns:p14="http://schemas.microsoft.com/office/powerpoint/2010/main" val="3901540482"/>
+        <p14:creationId xmlns:p14="http://schemas.microsoft.com/office/powerpoint/2010/main" val="2161236216"/>
       </p:ext>
     </p:extLst>
   </p:cSld>
@@ -12983,6 +13454,3743 @@
 </file>
 
 <file path=ppt/slides/slide33.xml><?xml version="1.0" encoding="utf-8"?>
+<p:sld xmlns:a="http://schemas.openxmlformats.org/drawingml/2006/main" xmlns:r="http://schemas.openxmlformats.org/officeDocument/2006/relationships" xmlns:p="http://schemas.openxmlformats.org/presentationml/2006/main">
+  <p:cSld>
+    <p:spTree>
+      <p:nvGrpSpPr>
+        <p:cNvPr id="1" name=""/>
+        <p:cNvGrpSpPr/>
+        <p:nvPr/>
+      </p:nvGrpSpPr>
+      <p:grpSpPr>
+        <a:xfrm>
+          <a:off x="0" y="0"/>
+          <a:ext cx="0" cy="0"/>
+          <a:chOff x="0" y="0"/>
+          <a:chExt cx="0" cy="0"/>
+        </a:xfrm>
+      </p:grpSpPr>
+      <p:sp>
+        <p:nvSpPr>
+          <p:cNvPr id="2" name="Title 1"/>
+          <p:cNvSpPr>
+            <a:spLocks noGrp="1"/>
+          </p:cNvSpPr>
+          <p:nvPr>
+            <p:ph type="title"/>
+          </p:nvPr>
+        </p:nvSpPr>
+        <p:spPr>
+          <a:xfrm>
+            <a:off x="285416" y="105308"/>
+            <a:ext cx="8648090" cy="1143000"/>
+          </a:xfrm>
+        </p:spPr>
+        <p:txBody>
+          <a:bodyPr>
+            <a:normAutofit/>
+          </a:bodyPr>
+          <a:lstStyle/>
+          <a:p>
+            <a:r>
+              <a:rPr lang="en-US" dirty="0" smtClean="0"/>
+              <a:t>TODO’s: List</a:t>
+            </a:r>
+            <a:endParaRPr lang="en-US" dirty="0"/>
+          </a:p>
+        </p:txBody>
+      </p:sp>
+      <p:sp>
+        <p:nvSpPr>
+          <p:cNvPr id="3" name="Footer Placeholder 2"/>
+          <p:cNvSpPr>
+            <a:spLocks noGrp="1"/>
+          </p:cNvSpPr>
+          <p:nvPr>
+            <p:ph type="ftr" sz="quarter" idx="3"/>
+          </p:nvPr>
+        </p:nvSpPr>
+        <p:spPr/>
+        <p:txBody>
+          <a:bodyPr/>
+          <a:lstStyle/>
+          <a:p>
+            <a:r>
+              <a:rPr lang="en-US" smtClean="0"/>
+              <a:t>Model – View – Controller: A Design Pattern</a:t>
+            </a:r>
+            <a:endParaRPr lang="en-US" dirty="0"/>
+          </a:p>
+        </p:txBody>
+      </p:sp>
+      <p:sp>
+        <p:nvSpPr>
+          <p:cNvPr id="4" name="Rectangle 3"/>
+          <p:cNvSpPr/>
+          <p:nvPr/>
+        </p:nvSpPr>
+        <p:spPr>
+          <a:xfrm>
+            <a:off x="512064" y="2723877"/>
+            <a:ext cx="2150017" cy="3058909"/>
+          </a:xfrm>
+          <a:prstGeom prst="rect">
+            <a:avLst/>
+          </a:prstGeom>
+          <a:solidFill>
+            <a:srgbClr val="00A9B9"/>
+          </a:solidFill>
+          <a:ln>
+            <a:noFill/>
+          </a:ln>
+          <a:effectLst/>
+        </p:spPr>
+        <p:style>
+          <a:lnRef idx="1">
+            <a:schemeClr val="accent1"/>
+          </a:lnRef>
+          <a:fillRef idx="3">
+            <a:schemeClr val="accent1"/>
+          </a:fillRef>
+          <a:effectRef idx="2">
+            <a:schemeClr val="accent1"/>
+          </a:effectRef>
+          <a:fontRef idx="minor">
+            <a:schemeClr val="lt1"/>
+          </a:fontRef>
+        </p:style>
+        <p:txBody>
+          <a:bodyPr rtlCol="0" anchor="t"/>
+          <a:lstStyle/>
+          <a:p>
+            <a:endParaRPr lang="en-US" sz="2200" dirty="0">
+              <a:solidFill>
+                <a:schemeClr val="accent1"/>
+              </a:solidFill>
+            </a:endParaRPr>
+          </a:p>
+          <a:p>
+            <a:pPr marL="111125"/>
+            <a:endParaRPr lang="en-US" sz="2200" dirty="0" smtClean="0">
+              <a:solidFill>
+                <a:schemeClr val="accent1"/>
+              </a:solidFill>
+            </a:endParaRPr>
+          </a:p>
+        </p:txBody>
+      </p:sp>
+      <p:sp>
+        <p:nvSpPr>
+          <p:cNvPr id="5" name="Rectangle 4"/>
+          <p:cNvSpPr/>
+          <p:nvPr/>
+        </p:nvSpPr>
+        <p:spPr>
+          <a:xfrm>
+            <a:off x="3493911" y="2668662"/>
+            <a:ext cx="2150017" cy="3058909"/>
+          </a:xfrm>
+          <a:prstGeom prst="rect">
+            <a:avLst/>
+          </a:prstGeom>
+          <a:solidFill>
+            <a:srgbClr val="EA4A3C"/>
+          </a:solidFill>
+          <a:ln>
+            <a:noFill/>
+          </a:ln>
+          <a:effectLst/>
+        </p:spPr>
+        <p:style>
+          <a:lnRef idx="1">
+            <a:schemeClr val="accent1"/>
+          </a:lnRef>
+          <a:fillRef idx="3">
+            <a:schemeClr val="accent1"/>
+          </a:fillRef>
+          <a:effectRef idx="2">
+            <a:schemeClr val="accent1"/>
+          </a:effectRef>
+          <a:fontRef idx="minor">
+            <a:schemeClr val="lt1"/>
+          </a:fontRef>
+        </p:style>
+        <p:txBody>
+          <a:bodyPr rtlCol="0" anchor="t"/>
+          <a:lstStyle/>
+          <a:p>
+            <a:pPr marL="111125"/>
+            <a:endParaRPr lang="en-US" sz="2200" dirty="0" smtClean="0">
+              <a:solidFill>
+                <a:srgbClr val="F8F8F8"/>
+              </a:solidFill>
+            </a:endParaRPr>
+          </a:p>
+          <a:p>
+            <a:pPr marL="111125"/>
+            <a:endParaRPr lang="en-US" sz="2200" dirty="0" smtClean="0">
+              <a:solidFill>
+                <a:srgbClr val="F8F8F8"/>
+              </a:solidFill>
+            </a:endParaRPr>
+          </a:p>
+        </p:txBody>
+      </p:sp>
+      <p:sp>
+        <p:nvSpPr>
+          <p:cNvPr id="6" name="Rectangle 5"/>
+          <p:cNvSpPr/>
+          <p:nvPr/>
+        </p:nvSpPr>
+        <p:spPr>
+          <a:xfrm>
+            <a:off x="6536783" y="2723877"/>
+            <a:ext cx="2150017" cy="3058909"/>
+          </a:xfrm>
+          <a:prstGeom prst="rect">
+            <a:avLst/>
+          </a:prstGeom>
+          <a:solidFill>
+            <a:schemeClr val="accent6"/>
+          </a:solidFill>
+          <a:ln>
+            <a:noFill/>
+          </a:ln>
+          <a:effectLst/>
+        </p:spPr>
+        <p:style>
+          <a:lnRef idx="1">
+            <a:schemeClr val="accent1"/>
+          </a:lnRef>
+          <a:fillRef idx="3">
+            <a:schemeClr val="accent1"/>
+          </a:fillRef>
+          <a:effectRef idx="2">
+            <a:schemeClr val="accent1"/>
+          </a:effectRef>
+          <a:fontRef idx="minor">
+            <a:schemeClr val="lt1"/>
+          </a:fontRef>
+        </p:style>
+        <p:txBody>
+          <a:bodyPr rtlCol="0" anchor="t"/>
+          <a:lstStyle/>
+          <a:p>
+            <a:pPr marL="111125"/>
+            <a:endParaRPr lang="en-US" sz="2200" dirty="0" smtClean="0">
+              <a:solidFill>
+                <a:srgbClr val="F8F8F8"/>
+              </a:solidFill>
+            </a:endParaRPr>
+          </a:p>
+          <a:p>
+            <a:pPr marL="111125"/>
+            <a:endParaRPr lang="en-US" sz="2200" dirty="0" smtClean="0">
+              <a:solidFill>
+                <a:srgbClr val="F8F8F8"/>
+              </a:solidFill>
+            </a:endParaRPr>
+          </a:p>
+        </p:txBody>
+      </p:sp>
+      <p:sp>
+        <p:nvSpPr>
+          <p:cNvPr id="8" name="TextBox 7"/>
+          <p:cNvSpPr txBox="1"/>
+          <p:nvPr/>
+        </p:nvSpPr>
+        <p:spPr>
+          <a:xfrm>
+            <a:off x="457200" y="1865376"/>
+            <a:ext cx="2204881" cy="584776"/>
+          </a:xfrm>
+          <a:prstGeom prst="rect">
+            <a:avLst/>
+          </a:prstGeom>
+          <a:noFill/>
+        </p:spPr>
+        <p:txBody>
+          <a:bodyPr wrap="square" rtlCol="0">
+            <a:spAutoFit/>
+          </a:bodyPr>
+          <a:lstStyle/>
+          <a:p>
+            <a:pPr algn="ctr"/>
+            <a:r>
+              <a:rPr lang="en-US" sz="3200" dirty="0" smtClean="0"/>
+              <a:t>Model</a:t>
+            </a:r>
+            <a:endParaRPr lang="en-US" sz="3200" dirty="0"/>
+          </a:p>
+        </p:txBody>
+      </p:sp>
+      <p:sp>
+        <p:nvSpPr>
+          <p:cNvPr id="10" name="TextBox 9"/>
+          <p:cNvSpPr txBox="1"/>
+          <p:nvPr/>
+        </p:nvSpPr>
+        <p:spPr>
+          <a:xfrm>
+            <a:off x="3493911" y="1865376"/>
+            <a:ext cx="2204881" cy="584776"/>
+          </a:xfrm>
+          <a:prstGeom prst="rect">
+            <a:avLst/>
+          </a:prstGeom>
+          <a:noFill/>
+        </p:spPr>
+        <p:txBody>
+          <a:bodyPr wrap="square" rtlCol="0">
+            <a:spAutoFit/>
+          </a:bodyPr>
+          <a:lstStyle/>
+          <a:p>
+            <a:pPr algn="ctr"/>
+            <a:r>
+              <a:rPr lang="en-US" sz="3200" dirty="0" smtClean="0"/>
+              <a:t>Controller</a:t>
+            </a:r>
+            <a:endParaRPr lang="en-US" sz="3200" dirty="0"/>
+          </a:p>
+        </p:txBody>
+      </p:sp>
+      <p:sp>
+        <p:nvSpPr>
+          <p:cNvPr id="11" name="TextBox 10"/>
+          <p:cNvSpPr txBox="1"/>
+          <p:nvPr/>
+        </p:nvSpPr>
+        <p:spPr>
+          <a:xfrm>
+            <a:off x="6536783" y="1865376"/>
+            <a:ext cx="2204881" cy="584776"/>
+          </a:xfrm>
+          <a:prstGeom prst="rect">
+            <a:avLst/>
+          </a:prstGeom>
+          <a:noFill/>
+        </p:spPr>
+        <p:txBody>
+          <a:bodyPr wrap="square" rtlCol="0">
+            <a:spAutoFit/>
+          </a:bodyPr>
+          <a:lstStyle/>
+          <a:p>
+            <a:pPr algn="ctr"/>
+            <a:r>
+              <a:rPr lang="en-US" sz="3200" dirty="0" smtClean="0"/>
+              <a:t>View</a:t>
+            </a:r>
+            <a:endParaRPr lang="en-US" sz="3200" dirty="0"/>
+          </a:p>
+        </p:txBody>
+      </p:sp>
+      <p:cxnSp>
+        <p:nvCxnSpPr>
+          <p:cNvPr id="12" name="Straight Arrow Connector 11"/>
+          <p:cNvCxnSpPr>
+            <a:stCxn id="7" idx="1"/>
+          </p:cNvCxnSpPr>
+          <p:nvPr/>
+        </p:nvCxnSpPr>
+        <p:spPr>
+          <a:xfrm flipH="1">
+            <a:off x="5537200" y="3732192"/>
+            <a:ext cx="1218407" cy="0"/>
+          </a:xfrm>
+          <a:prstGeom prst="straightConnector1">
+            <a:avLst/>
+          </a:prstGeom>
+          <a:ln w="57150" cmpd="sng">
+            <a:solidFill>
+              <a:schemeClr val="accent2"/>
+            </a:solidFill>
+            <a:headEnd type="none"/>
+            <a:tailEnd type="triangle"/>
+          </a:ln>
+          <a:effectLst/>
+        </p:spPr>
+        <p:style>
+          <a:lnRef idx="2">
+            <a:schemeClr val="accent1"/>
+          </a:lnRef>
+          <a:fillRef idx="0">
+            <a:schemeClr val="accent1"/>
+          </a:fillRef>
+          <a:effectRef idx="1">
+            <a:schemeClr val="accent1"/>
+          </a:effectRef>
+          <a:fontRef idx="minor">
+            <a:schemeClr val="tx1"/>
+          </a:fontRef>
+        </p:style>
+      </p:cxnSp>
+      <p:sp>
+        <p:nvSpPr>
+          <p:cNvPr id="7" name="Rectangle 6"/>
+          <p:cNvSpPr/>
+          <p:nvPr/>
+        </p:nvSpPr>
+        <p:spPr>
+          <a:xfrm>
+            <a:off x="6755607" y="3533858"/>
+            <a:ext cx="1730320" cy="396667"/>
+          </a:xfrm>
+          <a:prstGeom prst="rect">
+            <a:avLst/>
+          </a:prstGeom>
+          <a:solidFill>
+            <a:schemeClr val="accent6"/>
+          </a:solidFill>
+          <a:ln w="28575" cmpd="sng">
+            <a:solidFill>
+              <a:schemeClr val="accent1"/>
+            </a:solidFill>
+          </a:ln>
+          <a:effectLst/>
+        </p:spPr>
+        <p:style>
+          <a:lnRef idx="1">
+            <a:schemeClr val="accent1"/>
+          </a:lnRef>
+          <a:fillRef idx="3">
+            <a:schemeClr val="accent1"/>
+          </a:fillRef>
+          <a:effectRef idx="2">
+            <a:schemeClr val="accent1"/>
+          </a:effectRef>
+          <a:fontRef idx="minor">
+            <a:schemeClr val="lt1"/>
+          </a:fontRef>
+        </p:style>
+        <p:txBody>
+          <a:bodyPr rtlCol="0" anchor="ctr"/>
+          <a:lstStyle/>
+          <a:p>
+            <a:pPr algn="ctr"/>
+            <a:r>
+              <a:rPr lang="en-US" dirty="0" smtClean="0">
+                <a:solidFill>
+                  <a:srgbClr val="F8F8F8"/>
+                </a:solidFill>
+              </a:rPr>
+              <a:t>send input</a:t>
+            </a:r>
+            <a:endParaRPr lang="en-US" dirty="0">
+              <a:solidFill>
+                <a:srgbClr val="F8F8F8"/>
+              </a:solidFill>
+            </a:endParaRPr>
+          </a:p>
+        </p:txBody>
+      </p:sp>
+      <p:cxnSp>
+        <p:nvCxnSpPr>
+          <p:cNvPr id="15" name="Straight Arrow Connector 14"/>
+          <p:cNvCxnSpPr/>
+          <p:nvPr/>
+        </p:nvCxnSpPr>
+        <p:spPr>
+          <a:xfrm>
+            <a:off x="4565097" y="3673683"/>
+            <a:ext cx="0" cy="614240"/>
+          </a:xfrm>
+          <a:prstGeom prst="straightConnector1">
+            <a:avLst/>
+          </a:prstGeom>
+          <a:ln w="57150" cmpd="sng">
+            <a:solidFill>
+              <a:schemeClr val="accent2"/>
+            </a:solidFill>
+            <a:headEnd type="none"/>
+            <a:tailEnd type="triangle"/>
+          </a:ln>
+          <a:effectLst/>
+        </p:spPr>
+        <p:style>
+          <a:lnRef idx="2">
+            <a:schemeClr val="accent1"/>
+          </a:lnRef>
+          <a:fillRef idx="0">
+            <a:schemeClr val="accent1"/>
+          </a:fillRef>
+          <a:effectRef idx="1">
+            <a:schemeClr val="accent1"/>
+          </a:effectRef>
+          <a:fontRef idx="minor">
+            <a:schemeClr val="tx1"/>
+          </a:fontRef>
+        </p:style>
+      </p:cxnSp>
+      <p:sp>
+        <p:nvSpPr>
+          <p:cNvPr id="13" name="Rectangle 12"/>
+          <p:cNvSpPr/>
+          <p:nvPr/>
+        </p:nvSpPr>
+        <p:spPr>
+          <a:xfrm>
+            <a:off x="3699937" y="3533858"/>
+            <a:ext cx="1730320" cy="396667"/>
+          </a:xfrm>
+          <a:prstGeom prst="rect">
+            <a:avLst/>
+          </a:prstGeom>
+          <a:solidFill>
+            <a:schemeClr val="accent4"/>
+          </a:solidFill>
+          <a:ln w="28575" cmpd="sng">
+            <a:solidFill>
+              <a:schemeClr val="accent1"/>
+            </a:solidFill>
+          </a:ln>
+          <a:effectLst/>
+        </p:spPr>
+        <p:style>
+          <a:lnRef idx="1">
+            <a:schemeClr val="accent1"/>
+          </a:lnRef>
+          <a:fillRef idx="3">
+            <a:schemeClr val="accent1"/>
+          </a:fillRef>
+          <a:effectRef idx="2">
+            <a:schemeClr val="accent1"/>
+          </a:effectRef>
+          <a:fontRef idx="minor">
+            <a:schemeClr val="lt1"/>
+          </a:fontRef>
+        </p:style>
+        <p:txBody>
+          <a:bodyPr rtlCol="0" anchor="ctr"/>
+          <a:lstStyle/>
+          <a:p>
+            <a:pPr algn="ctr"/>
+            <a:r>
+              <a:rPr lang="en-US" dirty="0" smtClean="0">
+                <a:solidFill>
+                  <a:srgbClr val="F8F8F8"/>
+                </a:solidFill>
+              </a:rPr>
+              <a:t>interpret input</a:t>
+            </a:r>
+            <a:endParaRPr lang="en-US" dirty="0">
+              <a:solidFill>
+                <a:srgbClr val="F8F8F8"/>
+              </a:solidFill>
+            </a:endParaRPr>
+          </a:p>
+        </p:txBody>
+      </p:sp>
+      <p:cxnSp>
+        <p:nvCxnSpPr>
+          <p:cNvPr id="17" name="Straight Arrow Connector 16"/>
+          <p:cNvCxnSpPr/>
+          <p:nvPr/>
+        </p:nvCxnSpPr>
+        <p:spPr>
+          <a:xfrm flipH="1">
+            <a:off x="2445133" y="4494636"/>
+            <a:ext cx="1218407" cy="0"/>
+          </a:xfrm>
+          <a:prstGeom prst="straightConnector1">
+            <a:avLst/>
+          </a:prstGeom>
+          <a:ln w="57150" cmpd="sng">
+            <a:solidFill>
+              <a:schemeClr val="accent2"/>
+            </a:solidFill>
+            <a:headEnd type="none"/>
+            <a:tailEnd type="triangle"/>
+          </a:ln>
+          <a:effectLst/>
+        </p:spPr>
+        <p:style>
+          <a:lnRef idx="2">
+            <a:schemeClr val="accent1"/>
+          </a:lnRef>
+          <a:fillRef idx="0">
+            <a:schemeClr val="accent1"/>
+          </a:fillRef>
+          <a:effectRef idx="1">
+            <a:schemeClr val="accent1"/>
+          </a:effectRef>
+          <a:fontRef idx="minor">
+            <a:schemeClr val="tx1"/>
+          </a:fontRef>
+        </p:style>
+      </p:cxnSp>
+      <p:sp>
+        <p:nvSpPr>
+          <p:cNvPr id="14" name="Rectangle 13"/>
+          <p:cNvSpPr/>
+          <p:nvPr/>
+        </p:nvSpPr>
+        <p:spPr>
+          <a:xfrm>
+            <a:off x="3699937" y="4285338"/>
+            <a:ext cx="1730320" cy="396667"/>
+          </a:xfrm>
+          <a:prstGeom prst="rect">
+            <a:avLst/>
+          </a:prstGeom>
+          <a:solidFill>
+            <a:schemeClr val="accent4"/>
+          </a:solidFill>
+          <a:ln w="28575" cmpd="sng">
+            <a:solidFill>
+              <a:schemeClr val="accent1"/>
+            </a:solidFill>
+          </a:ln>
+          <a:effectLst/>
+        </p:spPr>
+        <p:style>
+          <a:lnRef idx="1">
+            <a:schemeClr val="accent1"/>
+          </a:lnRef>
+          <a:fillRef idx="3">
+            <a:schemeClr val="accent1"/>
+          </a:fillRef>
+          <a:effectRef idx="2">
+            <a:schemeClr val="accent1"/>
+          </a:effectRef>
+          <a:fontRef idx="minor">
+            <a:schemeClr val="lt1"/>
+          </a:fontRef>
+        </p:style>
+        <p:txBody>
+          <a:bodyPr rtlCol="0" anchor="ctr"/>
+          <a:lstStyle/>
+          <a:p>
+            <a:pPr algn="ctr"/>
+            <a:r>
+              <a:rPr lang="en-US" dirty="0" smtClean="0">
+                <a:solidFill>
+                  <a:srgbClr val="F8F8F8"/>
+                </a:solidFill>
+              </a:rPr>
+              <a:t>request data</a:t>
+            </a:r>
+            <a:endParaRPr lang="en-US" dirty="0">
+              <a:solidFill>
+                <a:srgbClr val="F8F8F8"/>
+              </a:solidFill>
+            </a:endParaRPr>
+          </a:p>
+        </p:txBody>
+      </p:sp>
+      <p:cxnSp>
+        <p:nvCxnSpPr>
+          <p:cNvPr id="19" name="Straight Arrow Connector 18"/>
+          <p:cNvCxnSpPr/>
+          <p:nvPr/>
+        </p:nvCxnSpPr>
+        <p:spPr>
+          <a:xfrm>
+            <a:off x="1567897" y="4410894"/>
+            <a:ext cx="0" cy="614240"/>
+          </a:xfrm>
+          <a:prstGeom prst="straightConnector1">
+            <a:avLst/>
+          </a:prstGeom>
+          <a:ln w="57150" cmpd="sng">
+            <a:solidFill>
+              <a:schemeClr val="accent2"/>
+            </a:solidFill>
+            <a:headEnd type="none"/>
+            <a:tailEnd type="triangle"/>
+          </a:ln>
+          <a:effectLst/>
+        </p:spPr>
+        <p:style>
+          <a:lnRef idx="2">
+            <a:schemeClr val="accent1"/>
+          </a:lnRef>
+          <a:fillRef idx="0">
+            <a:schemeClr val="accent1"/>
+          </a:fillRef>
+          <a:effectRef idx="1">
+            <a:schemeClr val="accent1"/>
+          </a:effectRef>
+          <a:fontRef idx="minor">
+            <a:schemeClr val="tx1"/>
+          </a:fontRef>
+        </p:style>
+      </p:cxnSp>
+      <p:sp>
+        <p:nvSpPr>
+          <p:cNvPr id="16" name="Rectangle 15"/>
+          <p:cNvSpPr/>
+          <p:nvPr/>
+        </p:nvSpPr>
+        <p:spPr>
+          <a:xfrm>
+            <a:off x="702737" y="4285338"/>
+            <a:ext cx="1730320" cy="396667"/>
+          </a:xfrm>
+          <a:prstGeom prst="rect">
+            <a:avLst/>
+          </a:prstGeom>
+          <a:solidFill>
+            <a:schemeClr val="accent5"/>
+          </a:solidFill>
+          <a:ln w="28575" cmpd="sng">
+            <a:solidFill>
+              <a:schemeClr val="accent1"/>
+            </a:solidFill>
+          </a:ln>
+          <a:effectLst/>
+        </p:spPr>
+        <p:style>
+          <a:lnRef idx="1">
+            <a:schemeClr val="accent1"/>
+          </a:lnRef>
+          <a:fillRef idx="3">
+            <a:schemeClr val="accent1"/>
+          </a:fillRef>
+          <a:effectRef idx="2">
+            <a:schemeClr val="accent1"/>
+          </a:effectRef>
+          <a:fontRef idx="minor">
+            <a:schemeClr val="lt1"/>
+          </a:fontRef>
+        </p:style>
+        <p:txBody>
+          <a:bodyPr rtlCol="0" anchor="ctr"/>
+          <a:lstStyle/>
+          <a:p>
+            <a:pPr algn="ctr"/>
+            <a:r>
+              <a:rPr lang="en-US" dirty="0" smtClean="0">
+                <a:solidFill>
+                  <a:srgbClr val="F8F8F8"/>
+                </a:solidFill>
+              </a:rPr>
+              <a:t>gather data</a:t>
+            </a:r>
+            <a:endParaRPr lang="en-US" dirty="0">
+              <a:solidFill>
+                <a:srgbClr val="F8F8F8"/>
+              </a:solidFill>
+            </a:endParaRPr>
+          </a:p>
+        </p:txBody>
+      </p:sp>
+      <p:cxnSp>
+        <p:nvCxnSpPr>
+          <p:cNvPr id="21" name="Straight Arrow Connector 20"/>
+          <p:cNvCxnSpPr/>
+          <p:nvPr/>
+        </p:nvCxnSpPr>
+        <p:spPr>
+          <a:xfrm>
+            <a:off x="2382257" y="5300588"/>
+            <a:ext cx="1218407" cy="0"/>
+          </a:xfrm>
+          <a:prstGeom prst="straightConnector1">
+            <a:avLst/>
+          </a:prstGeom>
+          <a:ln w="57150" cmpd="sng">
+            <a:solidFill>
+              <a:schemeClr val="accent2"/>
+            </a:solidFill>
+            <a:headEnd type="none"/>
+            <a:tailEnd type="triangle"/>
+          </a:ln>
+          <a:effectLst/>
+        </p:spPr>
+        <p:style>
+          <a:lnRef idx="2">
+            <a:schemeClr val="accent1"/>
+          </a:lnRef>
+          <a:fillRef idx="0">
+            <a:schemeClr val="accent1"/>
+          </a:fillRef>
+          <a:effectRef idx="1">
+            <a:schemeClr val="accent1"/>
+          </a:effectRef>
+          <a:fontRef idx="minor">
+            <a:schemeClr val="tx1"/>
+          </a:fontRef>
+        </p:style>
+      </p:cxnSp>
+      <p:sp>
+        <p:nvSpPr>
+          <p:cNvPr id="18" name="Rectangle 17"/>
+          <p:cNvSpPr/>
+          <p:nvPr/>
+        </p:nvSpPr>
+        <p:spPr>
+          <a:xfrm>
+            <a:off x="702737" y="5093893"/>
+            <a:ext cx="1730320" cy="396667"/>
+          </a:xfrm>
+          <a:prstGeom prst="rect">
+            <a:avLst/>
+          </a:prstGeom>
+          <a:solidFill>
+            <a:schemeClr val="accent5"/>
+          </a:solidFill>
+          <a:ln w="28575" cmpd="sng">
+            <a:solidFill>
+              <a:schemeClr val="accent1"/>
+            </a:solidFill>
+          </a:ln>
+          <a:effectLst/>
+        </p:spPr>
+        <p:style>
+          <a:lnRef idx="1">
+            <a:schemeClr val="accent1"/>
+          </a:lnRef>
+          <a:fillRef idx="3">
+            <a:schemeClr val="accent1"/>
+          </a:fillRef>
+          <a:effectRef idx="2">
+            <a:schemeClr val="accent1"/>
+          </a:effectRef>
+          <a:fontRef idx="minor">
+            <a:schemeClr val="lt1"/>
+          </a:fontRef>
+        </p:style>
+        <p:txBody>
+          <a:bodyPr rtlCol="0" anchor="ctr"/>
+          <a:lstStyle/>
+          <a:p>
+            <a:pPr algn="ctr"/>
+            <a:r>
+              <a:rPr lang="en-US" dirty="0" smtClean="0">
+                <a:solidFill>
+                  <a:srgbClr val="F8F8F8"/>
+                </a:solidFill>
+              </a:rPr>
+              <a:t>return data</a:t>
+            </a:r>
+            <a:endParaRPr lang="en-US" dirty="0">
+              <a:solidFill>
+                <a:srgbClr val="F8F8F8"/>
+              </a:solidFill>
+            </a:endParaRPr>
+          </a:p>
+        </p:txBody>
+      </p:sp>
+      <p:sp>
+        <p:nvSpPr>
+          <p:cNvPr id="20" name="Rectangle 19"/>
+          <p:cNvSpPr/>
+          <p:nvPr/>
+        </p:nvSpPr>
+        <p:spPr>
+          <a:xfrm>
+            <a:off x="3699937" y="5093893"/>
+            <a:ext cx="1730320" cy="396667"/>
+          </a:xfrm>
+          <a:prstGeom prst="rect">
+            <a:avLst/>
+          </a:prstGeom>
+          <a:solidFill>
+            <a:schemeClr val="accent4"/>
+          </a:solidFill>
+          <a:ln w="28575" cmpd="sng">
+            <a:solidFill>
+              <a:schemeClr val="accent1"/>
+            </a:solidFill>
+          </a:ln>
+          <a:effectLst/>
+        </p:spPr>
+        <p:style>
+          <a:lnRef idx="1">
+            <a:schemeClr val="accent1"/>
+          </a:lnRef>
+          <a:fillRef idx="3">
+            <a:schemeClr val="accent1"/>
+          </a:fillRef>
+          <a:effectRef idx="2">
+            <a:schemeClr val="accent1"/>
+          </a:effectRef>
+          <a:fontRef idx="minor">
+            <a:schemeClr val="lt1"/>
+          </a:fontRef>
+        </p:style>
+        <p:txBody>
+          <a:bodyPr rtlCol="0" anchor="ctr"/>
+          <a:lstStyle/>
+          <a:p>
+            <a:pPr algn="ctr"/>
+            <a:r>
+              <a:rPr lang="en-US" dirty="0" smtClean="0">
+                <a:solidFill>
+                  <a:srgbClr val="F8F8F8"/>
+                </a:solidFill>
+              </a:rPr>
+              <a:t>forward data</a:t>
+            </a:r>
+            <a:endParaRPr lang="en-US" dirty="0">
+              <a:solidFill>
+                <a:srgbClr val="F8F8F8"/>
+              </a:solidFill>
+            </a:endParaRPr>
+          </a:p>
+        </p:txBody>
+      </p:sp>
+      <p:cxnSp>
+        <p:nvCxnSpPr>
+          <p:cNvPr id="24" name="Straight Arrow Connector 23"/>
+          <p:cNvCxnSpPr/>
+          <p:nvPr/>
+        </p:nvCxnSpPr>
+        <p:spPr>
+          <a:xfrm>
+            <a:off x="5430257" y="3056995"/>
+            <a:ext cx="1325350" cy="0"/>
+          </a:xfrm>
+          <a:prstGeom prst="straightConnector1">
+            <a:avLst/>
+          </a:prstGeom>
+          <a:ln w="57150" cmpd="sng">
+            <a:solidFill>
+              <a:schemeClr val="accent2"/>
+            </a:solidFill>
+            <a:headEnd type="none"/>
+            <a:tailEnd type="triangle"/>
+          </a:ln>
+          <a:effectLst/>
+        </p:spPr>
+        <p:style>
+          <a:lnRef idx="2">
+            <a:schemeClr val="accent1"/>
+          </a:lnRef>
+          <a:fillRef idx="0">
+            <a:schemeClr val="accent1"/>
+          </a:fillRef>
+          <a:effectRef idx="1">
+            <a:schemeClr val="accent1"/>
+          </a:effectRef>
+          <a:fontRef idx="minor">
+            <a:schemeClr val="tx1"/>
+          </a:fontRef>
+        </p:style>
+      </p:cxnSp>
+      <p:cxnSp>
+        <p:nvCxnSpPr>
+          <p:cNvPr id="26" name="Straight Arrow Connector 25"/>
+          <p:cNvCxnSpPr/>
+          <p:nvPr/>
+        </p:nvCxnSpPr>
+        <p:spPr>
+          <a:xfrm>
+            <a:off x="7619091" y="2941410"/>
+            <a:ext cx="0" cy="614240"/>
+          </a:xfrm>
+          <a:prstGeom prst="straightConnector1">
+            <a:avLst/>
+          </a:prstGeom>
+          <a:ln w="57150" cmpd="sng">
+            <a:solidFill>
+              <a:schemeClr val="accent2"/>
+            </a:solidFill>
+            <a:headEnd type="none"/>
+            <a:tailEnd type="triangle"/>
+          </a:ln>
+          <a:effectLst/>
+        </p:spPr>
+        <p:style>
+          <a:lnRef idx="2">
+            <a:schemeClr val="accent1"/>
+          </a:lnRef>
+          <a:fillRef idx="0">
+            <a:schemeClr val="accent1"/>
+          </a:fillRef>
+          <a:effectRef idx="1">
+            <a:schemeClr val="accent1"/>
+          </a:effectRef>
+          <a:fontRef idx="minor">
+            <a:schemeClr val="tx1"/>
+          </a:fontRef>
+        </p:style>
+      </p:cxnSp>
+      <p:sp>
+        <p:nvSpPr>
+          <p:cNvPr id="25" name="Rectangle 24"/>
+          <p:cNvSpPr/>
+          <p:nvPr/>
+        </p:nvSpPr>
+        <p:spPr>
+          <a:xfrm>
+            <a:off x="6755607" y="2858661"/>
+            <a:ext cx="1730320" cy="396667"/>
+          </a:xfrm>
+          <a:prstGeom prst="rect">
+            <a:avLst/>
+          </a:prstGeom>
+          <a:solidFill>
+            <a:schemeClr val="accent6"/>
+          </a:solidFill>
+          <a:ln w="28575" cmpd="sng">
+            <a:solidFill>
+              <a:schemeClr val="accent1"/>
+            </a:solidFill>
+          </a:ln>
+          <a:effectLst/>
+        </p:spPr>
+        <p:style>
+          <a:lnRef idx="1">
+            <a:schemeClr val="accent1"/>
+          </a:lnRef>
+          <a:fillRef idx="3">
+            <a:schemeClr val="accent1"/>
+          </a:fillRef>
+          <a:effectRef idx="2">
+            <a:schemeClr val="accent1"/>
+          </a:effectRef>
+          <a:fontRef idx="minor">
+            <a:schemeClr val="lt1"/>
+          </a:fontRef>
+        </p:style>
+        <p:txBody>
+          <a:bodyPr rtlCol="0" anchor="ctr"/>
+          <a:lstStyle/>
+          <a:p>
+            <a:pPr algn="ctr"/>
+            <a:r>
+              <a:rPr lang="en-US" dirty="0">
+                <a:solidFill>
+                  <a:srgbClr val="F8F8F8"/>
+                </a:solidFill>
+              </a:rPr>
+              <a:t>p</a:t>
+            </a:r>
+            <a:r>
+              <a:rPr lang="en-US" dirty="0" smtClean="0">
+                <a:solidFill>
+                  <a:srgbClr val="F8F8F8"/>
+                </a:solidFill>
+              </a:rPr>
+              <a:t>rompt user</a:t>
+            </a:r>
+            <a:endParaRPr lang="en-US" dirty="0">
+              <a:solidFill>
+                <a:srgbClr val="F8F8F8"/>
+              </a:solidFill>
+            </a:endParaRPr>
+          </a:p>
+        </p:txBody>
+      </p:sp>
+      <p:sp>
+        <p:nvSpPr>
+          <p:cNvPr id="27" name="Rectangle 26"/>
+          <p:cNvSpPr/>
+          <p:nvPr/>
+        </p:nvSpPr>
+        <p:spPr>
+          <a:xfrm>
+            <a:off x="3699937" y="2858661"/>
+            <a:ext cx="1730320" cy="396667"/>
+          </a:xfrm>
+          <a:prstGeom prst="rect">
+            <a:avLst/>
+          </a:prstGeom>
+          <a:solidFill>
+            <a:schemeClr val="accent4"/>
+          </a:solidFill>
+          <a:ln w="28575" cmpd="sng">
+            <a:solidFill>
+              <a:schemeClr val="accent1"/>
+            </a:solidFill>
+          </a:ln>
+          <a:effectLst/>
+        </p:spPr>
+        <p:style>
+          <a:lnRef idx="1">
+            <a:schemeClr val="accent1"/>
+          </a:lnRef>
+          <a:fillRef idx="3">
+            <a:schemeClr val="accent1"/>
+          </a:fillRef>
+          <a:effectRef idx="2">
+            <a:schemeClr val="accent1"/>
+          </a:effectRef>
+          <a:fontRef idx="minor">
+            <a:schemeClr val="lt1"/>
+          </a:fontRef>
+        </p:style>
+        <p:txBody>
+          <a:bodyPr rtlCol="0" anchor="ctr"/>
+          <a:lstStyle/>
+          <a:p>
+            <a:pPr algn="ctr"/>
+            <a:r>
+              <a:rPr lang="en-US" dirty="0" smtClean="0">
+                <a:solidFill>
+                  <a:srgbClr val="F8F8F8"/>
+                </a:solidFill>
+              </a:rPr>
+              <a:t>Initiate Program</a:t>
+            </a:r>
+            <a:endParaRPr lang="en-US" dirty="0">
+              <a:solidFill>
+                <a:srgbClr val="F8F8F8"/>
+              </a:solidFill>
+            </a:endParaRPr>
+          </a:p>
+        </p:txBody>
+      </p:sp>
+      <p:sp>
+        <p:nvSpPr>
+          <p:cNvPr id="35" name="Rectangle 34"/>
+          <p:cNvSpPr/>
+          <p:nvPr/>
+        </p:nvSpPr>
+        <p:spPr>
+          <a:xfrm>
+            <a:off x="702737" y="2862107"/>
+            <a:ext cx="1730320" cy="396667"/>
+          </a:xfrm>
+          <a:prstGeom prst="rect">
+            <a:avLst/>
+          </a:prstGeom>
+          <a:solidFill>
+            <a:schemeClr val="accent5"/>
+          </a:solidFill>
+          <a:ln w="28575" cmpd="sng">
+            <a:solidFill>
+              <a:schemeClr val="accent1"/>
+            </a:solidFill>
+          </a:ln>
+          <a:effectLst/>
+        </p:spPr>
+        <p:style>
+          <a:lnRef idx="1">
+            <a:schemeClr val="accent1"/>
+          </a:lnRef>
+          <a:fillRef idx="3">
+            <a:schemeClr val="accent1"/>
+          </a:fillRef>
+          <a:effectRef idx="2">
+            <a:schemeClr val="accent1"/>
+          </a:effectRef>
+          <a:fontRef idx="minor">
+            <a:schemeClr val="lt1"/>
+          </a:fontRef>
+        </p:style>
+        <p:txBody>
+          <a:bodyPr rtlCol="0" anchor="ctr"/>
+          <a:lstStyle/>
+          <a:p>
+            <a:pPr algn="ctr"/>
+            <a:r>
+              <a:rPr lang="en-US" dirty="0">
+                <a:solidFill>
+                  <a:srgbClr val="F8F8F8"/>
+                </a:solidFill>
+              </a:rPr>
+              <a:t>i</a:t>
+            </a:r>
+            <a:r>
+              <a:rPr lang="en-US" dirty="0" smtClean="0">
+                <a:solidFill>
+                  <a:srgbClr val="F8F8F8"/>
+                </a:solidFill>
+              </a:rPr>
+              <a:t>nitiate data </a:t>
+            </a:r>
+            <a:endParaRPr lang="en-US" dirty="0">
+              <a:solidFill>
+                <a:srgbClr val="F8F8F8"/>
+              </a:solidFill>
+            </a:endParaRPr>
+          </a:p>
+        </p:txBody>
+      </p:sp>
+    </p:spTree>
+    <p:extLst>
+      <p:ext uri="{BB962C8B-B14F-4D97-AF65-F5344CB8AC3E}">
+        <p14:creationId xmlns:p14="http://schemas.microsoft.com/office/powerpoint/2010/main" val="4197247014"/>
+      </p:ext>
+    </p:extLst>
+  </p:cSld>
+  <p:clrMapOvr>
+    <a:masterClrMapping/>
+  </p:clrMapOvr>
+  <p:timing>
+    <p:tnLst>
+      <p:par>
+        <p:cTn xmlns:p14="http://schemas.microsoft.com/office/powerpoint/2010/main" id="1" dur="indefinite" restart="never" nodeType="tmRoot"/>
+      </p:par>
+    </p:tnLst>
+  </p:timing>
+</p:sld>
+</file>
+
+<file path=ppt/slides/slide34.xml><?xml version="1.0" encoding="utf-8"?>
+<p:sld xmlns:a="http://schemas.openxmlformats.org/drawingml/2006/main" xmlns:r="http://schemas.openxmlformats.org/officeDocument/2006/relationships" xmlns:p="http://schemas.openxmlformats.org/presentationml/2006/main">
+  <p:cSld>
+    <p:spTree>
+      <p:nvGrpSpPr>
+        <p:cNvPr id="1" name=""/>
+        <p:cNvGrpSpPr/>
+        <p:nvPr/>
+      </p:nvGrpSpPr>
+      <p:grpSpPr>
+        <a:xfrm>
+          <a:off x="0" y="0"/>
+          <a:ext cx="0" cy="0"/>
+          <a:chOff x="0" y="0"/>
+          <a:chExt cx="0" cy="0"/>
+        </a:xfrm>
+      </p:grpSpPr>
+      <p:sp>
+        <p:nvSpPr>
+          <p:cNvPr id="2" name="Title 1"/>
+          <p:cNvSpPr>
+            <a:spLocks noGrp="1"/>
+          </p:cNvSpPr>
+          <p:nvPr>
+            <p:ph type="title"/>
+          </p:nvPr>
+        </p:nvSpPr>
+        <p:spPr>
+          <a:xfrm>
+            <a:off x="285416" y="105308"/>
+            <a:ext cx="8648090" cy="1143000"/>
+          </a:xfrm>
+        </p:spPr>
+        <p:txBody>
+          <a:bodyPr>
+            <a:normAutofit/>
+          </a:bodyPr>
+          <a:lstStyle/>
+          <a:p>
+            <a:r>
+              <a:rPr lang="en-US" dirty="0" smtClean="0"/>
+              <a:t>TODO’s: List</a:t>
+            </a:r>
+            <a:endParaRPr lang="en-US" dirty="0"/>
+          </a:p>
+        </p:txBody>
+      </p:sp>
+      <p:sp>
+        <p:nvSpPr>
+          <p:cNvPr id="3" name="Footer Placeholder 2"/>
+          <p:cNvSpPr>
+            <a:spLocks noGrp="1"/>
+          </p:cNvSpPr>
+          <p:nvPr>
+            <p:ph type="ftr" sz="quarter" idx="3"/>
+          </p:nvPr>
+        </p:nvSpPr>
+        <p:spPr/>
+        <p:txBody>
+          <a:bodyPr/>
+          <a:lstStyle/>
+          <a:p>
+            <a:r>
+              <a:rPr lang="en-US" smtClean="0"/>
+              <a:t>Model – View – Controller: A Design Pattern</a:t>
+            </a:r>
+            <a:endParaRPr lang="en-US" dirty="0"/>
+          </a:p>
+        </p:txBody>
+      </p:sp>
+      <p:sp>
+        <p:nvSpPr>
+          <p:cNvPr id="4" name="Rectangle 3"/>
+          <p:cNvSpPr/>
+          <p:nvPr/>
+        </p:nvSpPr>
+        <p:spPr>
+          <a:xfrm>
+            <a:off x="512064" y="2723877"/>
+            <a:ext cx="2150017" cy="3058909"/>
+          </a:xfrm>
+          <a:prstGeom prst="rect">
+            <a:avLst/>
+          </a:prstGeom>
+          <a:solidFill>
+            <a:srgbClr val="00A9B9"/>
+          </a:solidFill>
+          <a:ln>
+            <a:noFill/>
+          </a:ln>
+          <a:effectLst/>
+        </p:spPr>
+        <p:style>
+          <a:lnRef idx="1">
+            <a:schemeClr val="accent1"/>
+          </a:lnRef>
+          <a:fillRef idx="3">
+            <a:schemeClr val="accent1"/>
+          </a:fillRef>
+          <a:effectRef idx="2">
+            <a:schemeClr val="accent1"/>
+          </a:effectRef>
+          <a:fontRef idx="minor">
+            <a:schemeClr val="lt1"/>
+          </a:fontRef>
+        </p:style>
+        <p:txBody>
+          <a:bodyPr rtlCol="0" anchor="t"/>
+          <a:lstStyle/>
+          <a:p>
+            <a:endParaRPr lang="en-US" sz="2200" dirty="0">
+              <a:solidFill>
+                <a:schemeClr val="accent1"/>
+              </a:solidFill>
+            </a:endParaRPr>
+          </a:p>
+          <a:p>
+            <a:pPr marL="111125"/>
+            <a:endParaRPr lang="en-US" sz="2200" dirty="0" smtClean="0">
+              <a:solidFill>
+                <a:schemeClr val="accent1"/>
+              </a:solidFill>
+            </a:endParaRPr>
+          </a:p>
+        </p:txBody>
+      </p:sp>
+      <p:sp>
+        <p:nvSpPr>
+          <p:cNvPr id="5" name="Rectangle 4"/>
+          <p:cNvSpPr/>
+          <p:nvPr/>
+        </p:nvSpPr>
+        <p:spPr>
+          <a:xfrm>
+            <a:off x="3493911" y="2668662"/>
+            <a:ext cx="2150017" cy="3058909"/>
+          </a:xfrm>
+          <a:prstGeom prst="rect">
+            <a:avLst/>
+          </a:prstGeom>
+          <a:solidFill>
+            <a:srgbClr val="EA4A3C"/>
+          </a:solidFill>
+          <a:ln>
+            <a:noFill/>
+          </a:ln>
+          <a:effectLst/>
+        </p:spPr>
+        <p:style>
+          <a:lnRef idx="1">
+            <a:schemeClr val="accent1"/>
+          </a:lnRef>
+          <a:fillRef idx="3">
+            <a:schemeClr val="accent1"/>
+          </a:fillRef>
+          <a:effectRef idx="2">
+            <a:schemeClr val="accent1"/>
+          </a:effectRef>
+          <a:fontRef idx="minor">
+            <a:schemeClr val="lt1"/>
+          </a:fontRef>
+        </p:style>
+        <p:txBody>
+          <a:bodyPr rtlCol="0" anchor="t"/>
+          <a:lstStyle/>
+          <a:p>
+            <a:pPr marL="111125"/>
+            <a:endParaRPr lang="en-US" sz="2200" dirty="0" smtClean="0">
+              <a:solidFill>
+                <a:srgbClr val="F8F8F8"/>
+              </a:solidFill>
+            </a:endParaRPr>
+          </a:p>
+          <a:p>
+            <a:pPr marL="111125"/>
+            <a:endParaRPr lang="en-US" sz="2200" dirty="0" smtClean="0">
+              <a:solidFill>
+                <a:srgbClr val="F8F8F8"/>
+              </a:solidFill>
+            </a:endParaRPr>
+          </a:p>
+        </p:txBody>
+      </p:sp>
+      <p:sp>
+        <p:nvSpPr>
+          <p:cNvPr id="6" name="Rectangle 5"/>
+          <p:cNvSpPr/>
+          <p:nvPr/>
+        </p:nvSpPr>
+        <p:spPr>
+          <a:xfrm>
+            <a:off x="6536783" y="2723877"/>
+            <a:ext cx="2150017" cy="3058909"/>
+          </a:xfrm>
+          <a:prstGeom prst="rect">
+            <a:avLst/>
+          </a:prstGeom>
+          <a:solidFill>
+            <a:schemeClr val="accent6"/>
+          </a:solidFill>
+          <a:ln>
+            <a:noFill/>
+          </a:ln>
+          <a:effectLst/>
+        </p:spPr>
+        <p:style>
+          <a:lnRef idx="1">
+            <a:schemeClr val="accent1"/>
+          </a:lnRef>
+          <a:fillRef idx="3">
+            <a:schemeClr val="accent1"/>
+          </a:fillRef>
+          <a:effectRef idx="2">
+            <a:schemeClr val="accent1"/>
+          </a:effectRef>
+          <a:fontRef idx="minor">
+            <a:schemeClr val="lt1"/>
+          </a:fontRef>
+        </p:style>
+        <p:txBody>
+          <a:bodyPr rtlCol="0" anchor="t"/>
+          <a:lstStyle/>
+          <a:p>
+            <a:pPr marL="111125"/>
+            <a:endParaRPr lang="en-US" sz="2200" dirty="0" smtClean="0">
+              <a:solidFill>
+                <a:srgbClr val="F8F8F8"/>
+              </a:solidFill>
+            </a:endParaRPr>
+          </a:p>
+          <a:p>
+            <a:pPr marL="111125"/>
+            <a:endParaRPr lang="en-US" sz="2200" dirty="0" smtClean="0">
+              <a:solidFill>
+                <a:srgbClr val="F8F8F8"/>
+              </a:solidFill>
+            </a:endParaRPr>
+          </a:p>
+        </p:txBody>
+      </p:sp>
+      <p:sp>
+        <p:nvSpPr>
+          <p:cNvPr id="8" name="TextBox 7"/>
+          <p:cNvSpPr txBox="1"/>
+          <p:nvPr/>
+        </p:nvSpPr>
+        <p:spPr>
+          <a:xfrm>
+            <a:off x="457200" y="1865376"/>
+            <a:ext cx="2204881" cy="584776"/>
+          </a:xfrm>
+          <a:prstGeom prst="rect">
+            <a:avLst/>
+          </a:prstGeom>
+          <a:noFill/>
+        </p:spPr>
+        <p:txBody>
+          <a:bodyPr wrap="square" rtlCol="0">
+            <a:spAutoFit/>
+          </a:bodyPr>
+          <a:lstStyle/>
+          <a:p>
+            <a:pPr algn="ctr"/>
+            <a:r>
+              <a:rPr lang="en-US" sz="3200" dirty="0" smtClean="0"/>
+              <a:t>Model</a:t>
+            </a:r>
+            <a:endParaRPr lang="en-US" sz="3200" dirty="0"/>
+          </a:p>
+        </p:txBody>
+      </p:sp>
+      <p:sp>
+        <p:nvSpPr>
+          <p:cNvPr id="10" name="TextBox 9"/>
+          <p:cNvSpPr txBox="1"/>
+          <p:nvPr/>
+        </p:nvSpPr>
+        <p:spPr>
+          <a:xfrm>
+            <a:off x="3493911" y="1865376"/>
+            <a:ext cx="2204881" cy="584776"/>
+          </a:xfrm>
+          <a:prstGeom prst="rect">
+            <a:avLst/>
+          </a:prstGeom>
+          <a:noFill/>
+        </p:spPr>
+        <p:txBody>
+          <a:bodyPr wrap="square" rtlCol="0">
+            <a:spAutoFit/>
+          </a:bodyPr>
+          <a:lstStyle/>
+          <a:p>
+            <a:pPr algn="ctr"/>
+            <a:r>
+              <a:rPr lang="en-US" sz="3200" dirty="0" smtClean="0"/>
+              <a:t>Controller</a:t>
+            </a:r>
+            <a:endParaRPr lang="en-US" sz="3200" dirty="0"/>
+          </a:p>
+        </p:txBody>
+      </p:sp>
+      <p:sp>
+        <p:nvSpPr>
+          <p:cNvPr id="11" name="TextBox 10"/>
+          <p:cNvSpPr txBox="1"/>
+          <p:nvPr/>
+        </p:nvSpPr>
+        <p:spPr>
+          <a:xfrm>
+            <a:off x="6536783" y="1865376"/>
+            <a:ext cx="2204881" cy="584776"/>
+          </a:xfrm>
+          <a:prstGeom prst="rect">
+            <a:avLst/>
+          </a:prstGeom>
+          <a:noFill/>
+        </p:spPr>
+        <p:txBody>
+          <a:bodyPr wrap="square" rtlCol="0">
+            <a:spAutoFit/>
+          </a:bodyPr>
+          <a:lstStyle/>
+          <a:p>
+            <a:pPr algn="ctr"/>
+            <a:r>
+              <a:rPr lang="en-US" sz="3200" dirty="0" smtClean="0"/>
+              <a:t>View</a:t>
+            </a:r>
+            <a:endParaRPr lang="en-US" sz="3200" dirty="0"/>
+          </a:p>
+        </p:txBody>
+      </p:sp>
+      <p:cxnSp>
+        <p:nvCxnSpPr>
+          <p:cNvPr id="12" name="Straight Arrow Connector 11"/>
+          <p:cNvCxnSpPr>
+            <a:stCxn id="7" idx="1"/>
+          </p:cNvCxnSpPr>
+          <p:nvPr/>
+        </p:nvCxnSpPr>
+        <p:spPr>
+          <a:xfrm flipH="1">
+            <a:off x="5537200" y="3732192"/>
+            <a:ext cx="1218407" cy="0"/>
+          </a:xfrm>
+          <a:prstGeom prst="straightConnector1">
+            <a:avLst/>
+          </a:prstGeom>
+          <a:ln w="57150" cmpd="sng">
+            <a:solidFill>
+              <a:schemeClr val="accent2"/>
+            </a:solidFill>
+            <a:headEnd type="none"/>
+            <a:tailEnd type="triangle"/>
+          </a:ln>
+          <a:effectLst/>
+        </p:spPr>
+        <p:style>
+          <a:lnRef idx="2">
+            <a:schemeClr val="accent1"/>
+          </a:lnRef>
+          <a:fillRef idx="0">
+            <a:schemeClr val="accent1"/>
+          </a:fillRef>
+          <a:effectRef idx="1">
+            <a:schemeClr val="accent1"/>
+          </a:effectRef>
+          <a:fontRef idx="minor">
+            <a:schemeClr val="tx1"/>
+          </a:fontRef>
+        </p:style>
+      </p:cxnSp>
+      <p:sp>
+        <p:nvSpPr>
+          <p:cNvPr id="7" name="Rectangle 6"/>
+          <p:cNvSpPr/>
+          <p:nvPr/>
+        </p:nvSpPr>
+        <p:spPr>
+          <a:xfrm>
+            <a:off x="6755607" y="3533858"/>
+            <a:ext cx="1730320" cy="396667"/>
+          </a:xfrm>
+          <a:prstGeom prst="rect">
+            <a:avLst/>
+          </a:prstGeom>
+          <a:solidFill>
+            <a:schemeClr val="accent6"/>
+          </a:solidFill>
+          <a:ln w="28575" cmpd="sng">
+            <a:solidFill>
+              <a:schemeClr val="accent1"/>
+            </a:solidFill>
+          </a:ln>
+          <a:effectLst/>
+        </p:spPr>
+        <p:style>
+          <a:lnRef idx="1">
+            <a:schemeClr val="accent1"/>
+          </a:lnRef>
+          <a:fillRef idx="3">
+            <a:schemeClr val="accent1"/>
+          </a:fillRef>
+          <a:effectRef idx="2">
+            <a:schemeClr val="accent1"/>
+          </a:effectRef>
+          <a:fontRef idx="minor">
+            <a:schemeClr val="lt1"/>
+          </a:fontRef>
+        </p:style>
+        <p:txBody>
+          <a:bodyPr rtlCol="0" anchor="ctr"/>
+          <a:lstStyle/>
+          <a:p>
+            <a:pPr algn="ctr"/>
+            <a:r>
+              <a:rPr lang="en-US" dirty="0" smtClean="0">
+                <a:solidFill>
+                  <a:srgbClr val="F8F8F8"/>
+                </a:solidFill>
+              </a:rPr>
+              <a:t>send input</a:t>
+            </a:r>
+            <a:endParaRPr lang="en-US" dirty="0">
+              <a:solidFill>
+                <a:srgbClr val="F8F8F8"/>
+              </a:solidFill>
+            </a:endParaRPr>
+          </a:p>
+        </p:txBody>
+      </p:sp>
+      <p:cxnSp>
+        <p:nvCxnSpPr>
+          <p:cNvPr id="15" name="Straight Arrow Connector 14"/>
+          <p:cNvCxnSpPr/>
+          <p:nvPr/>
+        </p:nvCxnSpPr>
+        <p:spPr>
+          <a:xfrm>
+            <a:off x="4565097" y="3673683"/>
+            <a:ext cx="0" cy="614240"/>
+          </a:xfrm>
+          <a:prstGeom prst="straightConnector1">
+            <a:avLst/>
+          </a:prstGeom>
+          <a:ln w="57150" cmpd="sng">
+            <a:solidFill>
+              <a:schemeClr val="accent2"/>
+            </a:solidFill>
+            <a:headEnd type="none"/>
+            <a:tailEnd type="triangle"/>
+          </a:ln>
+          <a:effectLst/>
+        </p:spPr>
+        <p:style>
+          <a:lnRef idx="2">
+            <a:schemeClr val="accent1"/>
+          </a:lnRef>
+          <a:fillRef idx="0">
+            <a:schemeClr val="accent1"/>
+          </a:fillRef>
+          <a:effectRef idx="1">
+            <a:schemeClr val="accent1"/>
+          </a:effectRef>
+          <a:fontRef idx="minor">
+            <a:schemeClr val="tx1"/>
+          </a:fontRef>
+        </p:style>
+      </p:cxnSp>
+      <p:sp>
+        <p:nvSpPr>
+          <p:cNvPr id="13" name="Rectangle 12"/>
+          <p:cNvSpPr/>
+          <p:nvPr/>
+        </p:nvSpPr>
+        <p:spPr>
+          <a:xfrm>
+            <a:off x="3699937" y="3533858"/>
+            <a:ext cx="1730320" cy="396667"/>
+          </a:xfrm>
+          <a:prstGeom prst="rect">
+            <a:avLst/>
+          </a:prstGeom>
+          <a:solidFill>
+            <a:schemeClr val="accent4"/>
+          </a:solidFill>
+          <a:ln w="28575" cmpd="sng">
+            <a:solidFill>
+              <a:schemeClr val="accent1"/>
+            </a:solidFill>
+          </a:ln>
+          <a:effectLst/>
+        </p:spPr>
+        <p:style>
+          <a:lnRef idx="1">
+            <a:schemeClr val="accent1"/>
+          </a:lnRef>
+          <a:fillRef idx="3">
+            <a:schemeClr val="accent1"/>
+          </a:fillRef>
+          <a:effectRef idx="2">
+            <a:schemeClr val="accent1"/>
+          </a:effectRef>
+          <a:fontRef idx="minor">
+            <a:schemeClr val="lt1"/>
+          </a:fontRef>
+        </p:style>
+        <p:txBody>
+          <a:bodyPr rtlCol="0" anchor="ctr"/>
+          <a:lstStyle/>
+          <a:p>
+            <a:pPr algn="ctr"/>
+            <a:r>
+              <a:rPr lang="en-US" dirty="0" smtClean="0">
+                <a:solidFill>
+                  <a:srgbClr val="F8F8F8"/>
+                </a:solidFill>
+              </a:rPr>
+              <a:t>interpret input</a:t>
+            </a:r>
+            <a:endParaRPr lang="en-US" dirty="0">
+              <a:solidFill>
+                <a:srgbClr val="F8F8F8"/>
+              </a:solidFill>
+            </a:endParaRPr>
+          </a:p>
+        </p:txBody>
+      </p:sp>
+      <p:cxnSp>
+        <p:nvCxnSpPr>
+          <p:cNvPr id="17" name="Straight Arrow Connector 16"/>
+          <p:cNvCxnSpPr/>
+          <p:nvPr/>
+        </p:nvCxnSpPr>
+        <p:spPr>
+          <a:xfrm flipH="1">
+            <a:off x="2445133" y="4494636"/>
+            <a:ext cx="1218407" cy="0"/>
+          </a:xfrm>
+          <a:prstGeom prst="straightConnector1">
+            <a:avLst/>
+          </a:prstGeom>
+          <a:ln w="57150" cmpd="sng">
+            <a:solidFill>
+              <a:schemeClr val="accent2"/>
+            </a:solidFill>
+            <a:headEnd type="none"/>
+            <a:tailEnd type="triangle"/>
+          </a:ln>
+          <a:effectLst/>
+        </p:spPr>
+        <p:style>
+          <a:lnRef idx="2">
+            <a:schemeClr val="accent1"/>
+          </a:lnRef>
+          <a:fillRef idx="0">
+            <a:schemeClr val="accent1"/>
+          </a:fillRef>
+          <a:effectRef idx="1">
+            <a:schemeClr val="accent1"/>
+          </a:effectRef>
+          <a:fontRef idx="minor">
+            <a:schemeClr val="tx1"/>
+          </a:fontRef>
+        </p:style>
+      </p:cxnSp>
+      <p:sp>
+        <p:nvSpPr>
+          <p:cNvPr id="14" name="Rectangle 13"/>
+          <p:cNvSpPr/>
+          <p:nvPr/>
+        </p:nvSpPr>
+        <p:spPr>
+          <a:xfrm>
+            <a:off x="3699937" y="4285338"/>
+            <a:ext cx="1730320" cy="396667"/>
+          </a:xfrm>
+          <a:prstGeom prst="rect">
+            <a:avLst/>
+          </a:prstGeom>
+          <a:solidFill>
+            <a:schemeClr val="accent4"/>
+          </a:solidFill>
+          <a:ln w="28575" cmpd="sng">
+            <a:solidFill>
+              <a:schemeClr val="accent1"/>
+            </a:solidFill>
+          </a:ln>
+          <a:effectLst/>
+        </p:spPr>
+        <p:style>
+          <a:lnRef idx="1">
+            <a:schemeClr val="accent1"/>
+          </a:lnRef>
+          <a:fillRef idx="3">
+            <a:schemeClr val="accent1"/>
+          </a:fillRef>
+          <a:effectRef idx="2">
+            <a:schemeClr val="accent1"/>
+          </a:effectRef>
+          <a:fontRef idx="minor">
+            <a:schemeClr val="lt1"/>
+          </a:fontRef>
+        </p:style>
+        <p:txBody>
+          <a:bodyPr rtlCol="0" anchor="ctr"/>
+          <a:lstStyle/>
+          <a:p>
+            <a:pPr algn="ctr"/>
+            <a:r>
+              <a:rPr lang="en-US" dirty="0" smtClean="0">
+                <a:solidFill>
+                  <a:srgbClr val="F8F8F8"/>
+                </a:solidFill>
+              </a:rPr>
+              <a:t>request data</a:t>
+            </a:r>
+            <a:endParaRPr lang="en-US" dirty="0">
+              <a:solidFill>
+                <a:srgbClr val="F8F8F8"/>
+              </a:solidFill>
+            </a:endParaRPr>
+          </a:p>
+        </p:txBody>
+      </p:sp>
+      <p:cxnSp>
+        <p:nvCxnSpPr>
+          <p:cNvPr id="19" name="Straight Arrow Connector 18"/>
+          <p:cNvCxnSpPr/>
+          <p:nvPr/>
+        </p:nvCxnSpPr>
+        <p:spPr>
+          <a:xfrm>
+            <a:off x="1567897" y="4410894"/>
+            <a:ext cx="0" cy="614240"/>
+          </a:xfrm>
+          <a:prstGeom prst="straightConnector1">
+            <a:avLst/>
+          </a:prstGeom>
+          <a:ln w="57150" cmpd="sng">
+            <a:solidFill>
+              <a:schemeClr val="accent2"/>
+            </a:solidFill>
+            <a:headEnd type="none"/>
+            <a:tailEnd type="triangle"/>
+          </a:ln>
+          <a:effectLst/>
+        </p:spPr>
+        <p:style>
+          <a:lnRef idx="2">
+            <a:schemeClr val="accent1"/>
+          </a:lnRef>
+          <a:fillRef idx="0">
+            <a:schemeClr val="accent1"/>
+          </a:fillRef>
+          <a:effectRef idx="1">
+            <a:schemeClr val="accent1"/>
+          </a:effectRef>
+          <a:fontRef idx="minor">
+            <a:schemeClr val="tx1"/>
+          </a:fontRef>
+        </p:style>
+      </p:cxnSp>
+      <p:sp>
+        <p:nvSpPr>
+          <p:cNvPr id="16" name="Rectangle 15"/>
+          <p:cNvSpPr/>
+          <p:nvPr/>
+        </p:nvSpPr>
+        <p:spPr>
+          <a:xfrm>
+            <a:off x="702737" y="4285338"/>
+            <a:ext cx="1730320" cy="396667"/>
+          </a:xfrm>
+          <a:prstGeom prst="rect">
+            <a:avLst/>
+          </a:prstGeom>
+          <a:solidFill>
+            <a:schemeClr val="accent5"/>
+          </a:solidFill>
+          <a:ln w="28575" cmpd="sng">
+            <a:solidFill>
+              <a:schemeClr val="accent1"/>
+            </a:solidFill>
+          </a:ln>
+          <a:effectLst/>
+        </p:spPr>
+        <p:style>
+          <a:lnRef idx="1">
+            <a:schemeClr val="accent1"/>
+          </a:lnRef>
+          <a:fillRef idx="3">
+            <a:schemeClr val="accent1"/>
+          </a:fillRef>
+          <a:effectRef idx="2">
+            <a:schemeClr val="accent1"/>
+          </a:effectRef>
+          <a:fontRef idx="minor">
+            <a:schemeClr val="lt1"/>
+          </a:fontRef>
+        </p:style>
+        <p:txBody>
+          <a:bodyPr rtlCol="0" anchor="ctr"/>
+          <a:lstStyle/>
+          <a:p>
+            <a:pPr algn="ctr"/>
+            <a:r>
+              <a:rPr lang="en-US" dirty="0" smtClean="0">
+                <a:solidFill>
+                  <a:srgbClr val="F8F8F8"/>
+                </a:solidFill>
+              </a:rPr>
+              <a:t>gather data</a:t>
+            </a:r>
+            <a:endParaRPr lang="en-US" dirty="0">
+              <a:solidFill>
+                <a:srgbClr val="F8F8F8"/>
+              </a:solidFill>
+            </a:endParaRPr>
+          </a:p>
+        </p:txBody>
+      </p:sp>
+      <p:cxnSp>
+        <p:nvCxnSpPr>
+          <p:cNvPr id="21" name="Straight Arrow Connector 20"/>
+          <p:cNvCxnSpPr/>
+          <p:nvPr/>
+        </p:nvCxnSpPr>
+        <p:spPr>
+          <a:xfrm>
+            <a:off x="2382257" y="5300588"/>
+            <a:ext cx="1218407" cy="0"/>
+          </a:xfrm>
+          <a:prstGeom prst="straightConnector1">
+            <a:avLst/>
+          </a:prstGeom>
+          <a:ln w="57150" cmpd="sng">
+            <a:solidFill>
+              <a:schemeClr val="accent2"/>
+            </a:solidFill>
+            <a:headEnd type="none"/>
+            <a:tailEnd type="triangle"/>
+          </a:ln>
+          <a:effectLst/>
+        </p:spPr>
+        <p:style>
+          <a:lnRef idx="2">
+            <a:schemeClr val="accent1"/>
+          </a:lnRef>
+          <a:fillRef idx="0">
+            <a:schemeClr val="accent1"/>
+          </a:fillRef>
+          <a:effectRef idx="1">
+            <a:schemeClr val="accent1"/>
+          </a:effectRef>
+          <a:fontRef idx="minor">
+            <a:schemeClr val="tx1"/>
+          </a:fontRef>
+        </p:style>
+      </p:cxnSp>
+      <p:sp>
+        <p:nvSpPr>
+          <p:cNvPr id="18" name="Rectangle 17"/>
+          <p:cNvSpPr/>
+          <p:nvPr/>
+        </p:nvSpPr>
+        <p:spPr>
+          <a:xfrm>
+            <a:off x="702737" y="5093893"/>
+            <a:ext cx="1730320" cy="396667"/>
+          </a:xfrm>
+          <a:prstGeom prst="rect">
+            <a:avLst/>
+          </a:prstGeom>
+          <a:solidFill>
+            <a:schemeClr val="accent5"/>
+          </a:solidFill>
+          <a:ln w="28575" cmpd="sng">
+            <a:solidFill>
+              <a:schemeClr val="accent1"/>
+            </a:solidFill>
+          </a:ln>
+          <a:effectLst/>
+        </p:spPr>
+        <p:style>
+          <a:lnRef idx="1">
+            <a:schemeClr val="accent1"/>
+          </a:lnRef>
+          <a:fillRef idx="3">
+            <a:schemeClr val="accent1"/>
+          </a:fillRef>
+          <a:effectRef idx="2">
+            <a:schemeClr val="accent1"/>
+          </a:effectRef>
+          <a:fontRef idx="minor">
+            <a:schemeClr val="lt1"/>
+          </a:fontRef>
+        </p:style>
+        <p:txBody>
+          <a:bodyPr rtlCol="0" anchor="ctr"/>
+          <a:lstStyle/>
+          <a:p>
+            <a:pPr algn="ctr"/>
+            <a:r>
+              <a:rPr lang="en-US" dirty="0" smtClean="0">
+                <a:solidFill>
+                  <a:srgbClr val="F8F8F8"/>
+                </a:solidFill>
+              </a:rPr>
+              <a:t>return data</a:t>
+            </a:r>
+            <a:endParaRPr lang="en-US" dirty="0">
+              <a:solidFill>
+                <a:srgbClr val="F8F8F8"/>
+              </a:solidFill>
+            </a:endParaRPr>
+          </a:p>
+        </p:txBody>
+      </p:sp>
+      <p:sp>
+        <p:nvSpPr>
+          <p:cNvPr id="22" name="Rectangle 21"/>
+          <p:cNvSpPr/>
+          <p:nvPr/>
+        </p:nvSpPr>
+        <p:spPr>
+          <a:xfrm>
+            <a:off x="6755607" y="5102254"/>
+            <a:ext cx="1730320" cy="396667"/>
+          </a:xfrm>
+          <a:prstGeom prst="rect">
+            <a:avLst/>
+          </a:prstGeom>
+          <a:solidFill>
+            <a:schemeClr val="accent6"/>
+          </a:solidFill>
+          <a:ln w="28575" cmpd="sng">
+            <a:solidFill>
+              <a:schemeClr val="accent1"/>
+            </a:solidFill>
+          </a:ln>
+          <a:effectLst/>
+        </p:spPr>
+        <p:style>
+          <a:lnRef idx="1">
+            <a:schemeClr val="accent1"/>
+          </a:lnRef>
+          <a:fillRef idx="3">
+            <a:schemeClr val="accent1"/>
+          </a:fillRef>
+          <a:effectRef idx="2">
+            <a:schemeClr val="accent1"/>
+          </a:effectRef>
+          <a:fontRef idx="minor">
+            <a:schemeClr val="lt1"/>
+          </a:fontRef>
+        </p:style>
+        <p:txBody>
+          <a:bodyPr rtlCol="0" anchor="ctr"/>
+          <a:lstStyle/>
+          <a:p>
+            <a:pPr algn="ctr"/>
+            <a:r>
+              <a:rPr lang="en-US" dirty="0" smtClean="0">
+                <a:solidFill>
+                  <a:srgbClr val="F8F8F8"/>
+                </a:solidFill>
+              </a:rPr>
+              <a:t>display data</a:t>
+            </a:r>
+            <a:endParaRPr lang="en-US" dirty="0">
+              <a:solidFill>
+                <a:srgbClr val="F8F8F8"/>
+              </a:solidFill>
+            </a:endParaRPr>
+          </a:p>
+        </p:txBody>
+      </p:sp>
+      <p:cxnSp>
+        <p:nvCxnSpPr>
+          <p:cNvPr id="23" name="Straight Arrow Connector 22"/>
+          <p:cNvCxnSpPr/>
+          <p:nvPr/>
+        </p:nvCxnSpPr>
+        <p:spPr>
+          <a:xfrm>
+            <a:off x="5430257" y="5300588"/>
+            <a:ext cx="1218407" cy="0"/>
+          </a:xfrm>
+          <a:prstGeom prst="straightConnector1">
+            <a:avLst/>
+          </a:prstGeom>
+          <a:ln w="57150" cmpd="sng">
+            <a:solidFill>
+              <a:schemeClr val="accent2"/>
+            </a:solidFill>
+            <a:headEnd type="none"/>
+            <a:tailEnd type="triangle"/>
+          </a:ln>
+          <a:effectLst/>
+        </p:spPr>
+        <p:style>
+          <a:lnRef idx="2">
+            <a:schemeClr val="accent1"/>
+          </a:lnRef>
+          <a:fillRef idx="0">
+            <a:schemeClr val="accent1"/>
+          </a:fillRef>
+          <a:effectRef idx="1">
+            <a:schemeClr val="accent1"/>
+          </a:effectRef>
+          <a:fontRef idx="minor">
+            <a:schemeClr val="tx1"/>
+          </a:fontRef>
+        </p:style>
+      </p:cxnSp>
+      <p:sp>
+        <p:nvSpPr>
+          <p:cNvPr id="20" name="Rectangle 19"/>
+          <p:cNvSpPr/>
+          <p:nvPr/>
+        </p:nvSpPr>
+        <p:spPr>
+          <a:xfrm>
+            <a:off x="3699937" y="5093893"/>
+            <a:ext cx="1730320" cy="396667"/>
+          </a:xfrm>
+          <a:prstGeom prst="rect">
+            <a:avLst/>
+          </a:prstGeom>
+          <a:solidFill>
+            <a:schemeClr val="accent4"/>
+          </a:solidFill>
+          <a:ln w="28575" cmpd="sng">
+            <a:solidFill>
+              <a:schemeClr val="accent1"/>
+            </a:solidFill>
+          </a:ln>
+          <a:effectLst/>
+        </p:spPr>
+        <p:style>
+          <a:lnRef idx="1">
+            <a:schemeClr val="accent1"/>
+          </a:lnRef>
+          <a:fillRef idx="3">
+            <a:schemeClr val="accent1"/>
+          </a:fillRef>
+          <a:effectRef idx="2">
+            <a:schemeClr val="accent1"/>
+          </a:effectRef>
+          <a:fontRef idx="minor">
+            <a:schemeClr val="lt1"/>
+          </a:fontRef>
+        </p:style>
+        <p:txBody>
+          <a:bodyPr rtlCol="0" anchor="ctr"/>
+          <a:lstStyle/>
+          <a:p>
+            <a:pPr algn="ctr"/>
+            <a:r>
+              <a:rPr lang="en-US" dirty="0" smtClean="0">
+                <a:solidFill>
+                  <a:srgbClr val="F8F8F8"/>
+                </a:solidFill>
+              </a:rPr>
+              <a:t>forward data</a:t>
+            </a:r>
+            <a:endParaRPr lang="en-US" dirty="0">
+              <a:solidFill>
+                <a:srgbClr val="F8F8F8"/>
+              </a:solidFill>
+            </a:endParaRPr>
+          </a:p>
+        </p:txBody>
+      </p:sp>
+      <p:cxnSp>
+        <p:nvCxnSpPr>
+          <p:cNvPr id="24" name="Straight Arrow Connector 23"/>
+          <p:cNvCxnSpPr/>
+          <p:nvPr/>
+        </p:nvCxnSpPr>
+        <p:spPr>
+          <a:xfrm>
+            <a:off x="5430257" y="3056995"/>
+            <a:ext cx="1325350" cy="0"/>
+          </a:xfrm>
+          <a:prstGeom prst="straightConnector1">
+            <a:avLst/>
+          </a:prstGeom>
+          <a:ln w="57150" cmpd="sng">
+            <a:solidFill>
+              <a:schemeClr val="accent2"/>
+            </a:solidFill>
+            <a:headEnd type="none"/>
+            <a:tailEnd type="triangle"/>
+          </a:ln>
+          <a:effectLst/>
+        </p:spPr>
+        <p:style>
+          <a:lnRef idx="2">
+            <a:schemeClr val="accent1"/>
+          </a:lnRef>
+          <a:fillRef idx="0">
+            <a:schemeClr val="accent1"/>
+          </a:fillRef>
+          <a:effectRef idx="1">
+            <a:schemeClr val="accent1"/>
+          </a:effectRef>
+          <a:fontRef idx="minor">
+            <a:schemeClr val="tx1"/>
+          </a:fontRef>
+        </p:style>
+      </p:cxnSp>
+      <p:cxnSp>
+        <p:nvCxnSpPr>
+          <p:cNvPr id="26" name="Straight Arrow Connector 25"/>
+          <p:cNvCxnSpPr/>
+          <p:nvPr/>
+        </p:nvCxnSpPr>
+        <p:spPr>
+          <a:xfrm>
+            <a:off x="7619091" y="2941410"/>
+            <a:ext cx="0" cy="614240"/>
+          </a:xfrm>
+          <a:prstGeom prst="straightConnector1">
+            <a:avLst/>
+          </a:prstGeom>
+          <a:ln w="57150" cmpd="sng">
+            <a:solidFill>
+              <a:schemeClr val="accent2"/>
+            </a:solidFill>
+            <a:headEnd type="none"/>
+            <a:tailEnd type="triangle"/>
+          </a:ln>
+          <a:effectLst/>
+        </p:spPr>
+        <p:style>
+          <a:lnRef idx="2">
+            <a:schemeClr val="accent1"/>
+          </a:lnRef>
+          <a:fillRef idx="0">
+            <a:schemeClr val="accent1"/>
+          </a:fillRef>
+          <a:effectRef idx="1">
+            <a:schemeClr val="accent1"/>
+          </a:effectRef>
+          <a:fontRef idx="minor">
+            <a:schemeClr val="tx1"/>
+          </a:fontRef>
+        </p:style>
+      </p:cxnSp>
+      <p:sp>
+        <p:nvSpPr>
+          <p:cNvPr id="25" name="Rectangle 24"/>
+          <p:cNvSpPr/>
+          <p:nvPr/>
+        </p:nvSpPr>
+        <p:spPr>
+          <a:xfrm>
+            <a:off x="6755607" y="2858661"/>
+            <a:ext cx="1730320" cy="396667"/>
+          </a:xfrm>
+          <a:prstGeom prst="rect">
+            <a:avLst/>
+          </a:prstGeom>
+          <a:solidFill>
+            <a:schemeClr val="accent6"/>
+          </a:solidFill>
+          <a:ln w="28575" cmpd="sng">
+            <a:solidFill>
+              <a:schemeClr val="accent1"/>
+            </a:solidFill>
+          </a:ln>
+          <a:effectLst/>
+        </p:spPr>
+        <p:style>
+          <a:lnRef idx="1">
+            <a:schemeClr val="accent1"/>
+          </a:lnRef>
+          <a:fillRef idx="3">
+            <a:schemeClr val="accent1"/>
+          </a:fillRef>
+          <a:effectRef idx="2">
+            <a:schemeClr val="accent1"/>
+          </a:effectRef>
+          <a:fontRef idx="minor">
+            <a:schemeClr val="lt1"/>
+          </a:fontRef>
+        </p:style>
+        <p:txBody>
+          <a:bodyPr rtlCol="0" anchor="ctr"/>
+          <a:lstStyle/>
+          <a:p>
+            <a:pPr algn="ctr"/>
+            <a:r>
+              <a:rPr lang="en-US" dirty="0">
+                <a:solidFill>
+                  <a:srgbClr val="F8F8F8"/>
+                </a:solidFill>
+              </a:rPr>
+              <a:t>p</a:t>
+            </a:r>
+            <a:r>
+              <a:rPr lang="en-US" dirty="0" smtClean="0">
+                <a:solidFill>
+                  <a:srgbClr val="F8F8F8"/>
+                </a:solidFill>
+              </a:rPr>
+              <a:t>rompt user</a:t>
+            </a:r>
+            <a:endParaRPr lang="en-US" dirty="0">
+              <a:solidFill>
+                <a:srgbClr val="F8F8F8"/>
+              </a:solidFill>
+            </a:endParaRPr>
+          </a:p>
+        </p:txBody>
+      </p:sp>
+      <p:sp>
+        <p:nvSpPr>
+          <p:cNvPr id="27" name="Rectangle 26"/>
+          <p:cNvSpPr/>
+          <p:nvPr/>
+        </p:nvSpPr>
+        <p:spPr>
+          <a:xfrm>
+            <a:off x="3699937" y="2858661"/>
+            <a:ext cx="1730320" cy="396667"/>
+          </a:xfrm>
+          <a:prstGeom prst="rect">
+            <a:avLst/>
+          </a:prstGeom>
+          <a:solidFill>
+            <a:schemeClr val="accent4"/>
+          </a:solidFill>
+          <a:ln w="28575" cmpd="sng">
+            <a:solidFill>
+              <a:schemeClr val="accent1"/>
+            </a:solidFill>
+          </a:ln>
+          <a:effectLst/>
+        </p:spPr>
+        <p:style>
+          <a:lnRef idx="1">
+            <a:schemeClr val="accent1"/>
+          </a:lnRef>
+          <a:fillRef idx="3">
+            <a:schemeClr val="accent1"/>
+          </a:fillRef>
+          <a:effectRef idx="2">
+            <a:schemeClr val="accent1"/>
+          </a:effectRef>
+          <a:fontRef idx="minor">
+            <a:schemeClr val="lt1"/>
+          </a:fontRef>
+        </p:style>
+        <p:txBody>
+          <a:bodyPr rtlCol="0" anchor="ctr"/>
+          <a:lstStyle/>
+          <a:p>
+            <a:pPr algn="ctr"/>
+            <a:r>
+              <a:rPr lang="en-US" dirty="0" smtClean="0">
+                <a:solidFill>
+                  <a:srgbClr val="F8F8F8"/>
+                </a:solidFill>
+              </a:rPr>
+              <a:t>Initiate Program</a:t>
+            </a:r>
+            <a:endParaRPr lang="en-US" dirty="0">
+              <a:solidFill>
+                <a:srgbClr val="F8F8F8"/>
+              </a:solidFill>
+            </a:endParaRPr>
+          </a:p>
+        </p:txBody>
+      </p:sp>
+      <p:sp>
+        <p:nvSpPr>
+          <p:cNvPr id="35" name="Rectangle 34"/>
+          <p:cNvSpPr/>
+          <p:nvPr/>
+        </p:nvSpPr>
+        <p:spPr>
+          <a:xfrm>
+            <a:off x="702737" y="2862107"/>
+            <a:ext cx="1730320" cy="396667"/>
+          </a:xfrm>
+          <a:prstGeom prst="rect">
+            <a:avLst/>
+          </a:prstGeom>
+          <a:solidFill>
+            <a:schemeClr val="accent5"/>
+          </a:solidFill>
+          <a:ln w="28575" cmpd="sng">
+            <a:solidFill>
+              <a:schemeClr val="accent1"/>
+            </a:solidFill>
+          </a:ln>
+          <a:effectLst/>
+        </p:spPr>
+        <p:style>
+          <a:lnRef idx="1">
+            <a:schemeClr val="accent1"/>
+          </a:lnRef>
+          <a:fillRef idx="3">
+            <a:schemeClr val="accent1"/>
+          </a:fillRef>
+          <a:effectRef idx="2">
+            <a:schemeClr val="accent1"/>
+          </a:effectRef>
+          <a:fontRef idx="minor">
+            <a:schemeClr val="lt1"/>
+          </a:fontRef>
+        </p:style>
+        <p:txBody>
+          <a:bodyPr rtlCol="0" anchor="ctr"/>
+          <a:lstStyle/>
+          <a:p>
+            <a:pPr algn="ctr"/>
+            <a:r>
+              <a:rPr lang="en-US" dirty="0">
+                <a:solidFill>
+                  <a:srgbClr val="F8F8F8"/>
+                </a:solidFill>
+              </a:rPr>
+              <a:t>i</a:t>
+            </a:r>
+            <a:r>
+              <a:rPr lang="en-US" dirty="0" smtClean="0">
+                <a:solidFill>
+                  <a:srgbClr val="F8F8F8"/>
+                </a:solidFill>
+              </a:rPr>
+              <a:t>nitiate data </a:t>
+            </a:r>
+            <a:endParaRPr lang="en-US" dirty="0">
+              <a:solidFill>
+                <a:srgbClr val="F8F8F8"/>
+              </a:solidFill>
+            </a:endParaRPr>
+          </a:p>
+        </p:txBody>
+      </p:sp>
+    </p:spTree>
+    <p:extLst>
+      <p:ext uri="{BB962C8B-B14F-4D97-AF65-F5344CB8AC3E}">
+        <p14:creationId xmlns:p14="http://schemas.microsoft.com/office/powerpoint/2010/main" val="1743989980"/>
+      </p:ext>
+    </p:extLst>
+  </p:cSld>
+  <p:clrMapOvr>
+    <a:masterClrMapping/>
+  </p:clrMapOvr>
+  <p:timing>
+    <p:tnLst>
+      <p:par>
+        <p:cTn xmlns:p14="http://schemas.microsoft.com/office/powerpoint/2010/main" id="1" dur="indefinite" restart="never" nodeType="tmRoot"/>
+      </p:par>
+    </p:tnLst>
+  </p:timing>
+</p:sld>
+</file>
+
+<file path=ppt/slides/slide35.xml><?xml version="1.0" encoding="utf-8"?>
+<p:sld xmlns:a="http://schemas.openxmlformats.org/drawingml/2006/main" xmlns:r="http://schemas.openxmlformats.org/officeDocument/2006/relationships" xmlns:p="http://schemas.openxmlformats.org/presentationml/2006/main">
+  <p:cSld>
+    <p:spTree>
+      <p:nvGrpSpPr>
+        <p:cNvPr id="1" name=""/>
+        <p:cNvGrpSpPr/>
+        <p:nvPr/>
+      </p:nvGrpSpPr>
+      <p:grpSpPr>
+        <a:xfrm>
+          <a:off x="0" y="0"/>
+          <a:ext cx="0" cy="0"/>
+          <a:chOff x="0" y="0"/>
+          <a:chExt cx="0" cy="0"/>
+        </a:xfrm>
+      </p:grpSpPr>
+      <p:sp>
+        <p:nvSpPr>
+          <p:cNvPr id="2" name="Title 1"/>
+          <p:cNvSpPr>
+            <a:spLocks noGrp="1"/>
+          </p:cNvSpPr>
+          <p:nvPr>
+            <p:ph type="title"/>
+          </p:nvPr>
+        </p:nvSpPr>
+        <p:spPr>
+          <a:xfrm>
+            <a:off x="285416" y="105308"/>
+            <a:ext cx="8648090" cy="1143000"/>
+          </a:xfrm>
+        </p:spPr>
+        <p:txBody>
+          <a:bodyPr>
+            <a:normAutofit fontScale="90000"/>
+          </a:bodyPr>
+          <a:lstStyle/>
+          <a:p>
+            <a:r>
+              <a:rPr lang="en-US" dirty="0" smtClean="0"/>
+              <a:t>Everything you need to visualize MVC: </a:t>
+            </a:r>
+            <a:endParaRPr lang="en-US" dirty="0"/>
+          </a:p>
+        </p:txBody>
+      </p:sp>
+      <p:sp>
+        <p:nvSpPr>
+          <p:cNvPr id="3" name="Footer Placeholder 2"/>
+          <p:cNvSpPr>
+            <a:spLocks noGrp="1"/>
+          </p:cNvSpPr>
+          <p:nvPr>
+            <p:ph type="ftr" sz="quarter" idx="3"/>
+          </p:nvPr>
+        </p:nvSpPr>
+        <p:spPr/>
+        <p:txBody>
+          <a:bodyPr/>
+          <a:lstStyle/>
+          <a:p>
+            <a:r>
+              <a:rPr lang="en-US" smtClean="0"/>
+              <a:t>Model – View – Controller: A Design Pattern</a:t>
+            </a:r>
+            <a:endParaRPr lang="en-US" dirty="0"/>
+          </a:p>
+        </p:txBody>
+      </p:sp>
+      <p:sp>
+        <p:nvSpPr>
+          <p:cNvPr id="4" name="Rectangle 3"/>
+          <p:cNvSpPr/>
+          <p:nvPr/>
+        </p:nvSpPr>
+        <p:spPr>
+          <a:xfrm>
+            <a:off x="512064" y="2723877"/>
+            <a:ext cx="2150017" cy="3058909"/>
+          </a:xfrm>
+          <a:prstGeom prst="rect">
+            <a:avLst/>
+          </a:prstGeom>
+          <a:solidFill>
+            <a:srgbClr val="00A9B9"/>
+          </a:solidFill>
+          <a:ln>
+            <a:noFill/>
+          </a:ln>
+          <a:effectLst/>
+        </p:spPr>
+        <p:style>
+          <a:lnRef idx="1">
+            <a:schemeClr val="accent1"/>
+          </a:lnRef>
+          <a:fillRef idx="3">
+            <a:schemeClr val="accent1"/>
+          </a:fillRef>
+          <a:effectRef idx="2">
+            <a:schemeClr val="accent1"/>
+          </a:effectRef>
+          <a:fontRef idx="minor">
+            <a:schemeClr val="lt1"/>
+          </a:fontRef>
+        </p:style>
+        <p:txBody>
+          <a:bodyPr rtlCol="0" anchor="t"/>
+          <a:lstStyle/>
+          <a:p>
+            <a:endParaRPr lang="en-US" sz="2200" dirty="0">
+              <a:solidFill>
+                <a:schemeClr val="accent1"/>
+              </a:solidFill>
+            </a:endParaRPr>
+          </a:p>
+          <a:p>
+            <a:pPr marL="111125"/>
+            <a:endParaRPr lang="en-US" sz="2200" dirty="0" smtClean="0">
+              <a:solidFill>
+                <a:schemeClr val="accent1"/>
+              </a:solidFill>
+            </a:endParaRPr>
+          </a:p>
+        </p:txBody>
+      </p:sp>
+      <p:sp>
+        <p:nvSpPr>
+          <p:cNvPr id="5" name="Rectangle 4"/>
+          <p:cNvSpPr/>
+          <p:nvPr/>
+        </p:nvSpPr>
+        <p:spPr>
+          <a:xfrm>
+            <a:off x="3493911" y="2668662"/>
+            <a:ext cx="2150017" cy="3058909"/>
+          </a:xfrm>
+          <a:prstGeom prst="rect">
+            <a:avLst/>
+          </a:prstGeom>
+          <a:solidFill>
+            <a:srgbClr val="EA4A3C"/>
+          </a:solidFill>
+          <a:ln>
+            <a:noFill/>
+          </a:ln>
+          <a:effectLst/>
+        </p:spPr>
+        <p:style>
+          <a:lnRef idx="1">
+            <a:schemeClr val="accent1"/>
+          </a:lnRef>
+          <a:fillRef idx="3">
+            <a:schemeClr val="accent1"/>
+          </a:fillRef>
+          <a:effectRef idx="2">
+            <a:schemeClr val="accent1"/>
+          </a:effectRef>
+          <a:fontRef idx="minor">
+            <a:schemeClr val="lt1"/>
+          </a:fontRef>
+        </p:style>
+        <p:txBody>
+          <a:bodyPr rtlCol="0" anchor="t"/>
+          <a:lstStyle/>
+          <a:p>
+            <a:pPr marL="111125"/>
+            <a:endParaRPr lang="en-US" sz="2200" dirty="0" smtClean="0">
+              <a:solidFill>
+                <a:srgbClr val="F8F8F8"/>
+              </a:solidFill>
+            </a:endParaRPr>
+          </a:p>
+          <a:p>
+            <a:pPr marL="111125"/>
+            <a:endParaRPr lang="en-US" sz="2200" dirty="0" smtClean="0">
+              <a:solidFill>
+                <a:srgbClr val="F8F8F8"/>
+              </a:solidFill>
+            </a:endParaRPr>
+          </a:p>
+        </p:txBody>
+      </p:sp>
+      <p:sp>
+        <p:nvSpPr>
+          <p:cNvPr id="6" name="Rectangle 5"/>
+          <p:cNvSpPr/>
+          <p:nvPr/>
+        </p:nvSpPr>
+        <p:spPr>
+          <a:xfrm>
+            <a:off x="6536783" y="2723877"/>
+            <a:ext cx="2150017" cy="3058909"/>
+          </a:xfrm>
+          <a:prstGeom prst="rect">
+            <a:avLst/>
+          </a:prstGeom>
+          <a:solidFill>
+            <a:schemeClr val="accent6"/>
+          </a:solidFill>
+          <a:ln>
+            <a:noFill/>
+          </a:ln>
+          <a:effectLst/>
+        </p:spPr>
+        <p:style>
+          <a:lnRef idx="1">
+            <a:schemeClr val="accent1"/>
+          </a:lnRef>
+          <a:fillRef idx="3">
+            <a:schemeClr val="accent1"/>
+          </a:fillRef>
+          <a:effectRef idx="2">
+            <a:schemeClr val="accent1"/>
+          </a:effectRef>
+          <a:fontRef idx="minor">
+            <a:schemeClr val="lt1"/>
+          </a:fontRef>
+        </p:style>
+        <p:txBody>
+          <a:bodyPr rtlCol="0" anchor="t"/>
+          <a:lstStyle/>
+          <a:p>
+            <a:pPr marL="111125"/>
+            <a:endParaRPr lang="en-US" sz="2200" dirty="0" smtClean="0">
+              <a:solidFill>
+                <a:srgbClr val="F8F8F8"/>
+              </a:solidFill>
+            </a:endParaRPr>
+          </a:p>
+          <a:p>
+            <a:pPr marL="111125"/>
+            <a:endParaRPr lang="en-US" sz="2200" dirty="0" smtClean="0">
+              <a:solidFill>
+                <a:srgbClr val="F8F8F8"/>
+              </a:solidFill>
+            </a:endParaRPr>
+          </a:p>
+        </p:txBody>
+      </p:sp>
+      <p:sp>
+        <p:nvSpPr>
+          <p:cNvPr id="8" name="TextBox 7"/>
+          <p:cNvSpPr txBox="1"/>
+          <p:nvPr/>
+        </p:nvSpPr>
+        <p:spPr>
+          <a:xfrm>
+            <a:off x="457200" y="1865376"/>
+            <a:ext cx="2204881" cy="584776"/>
+          </a:xfrm>
+          <a:prstGeom prst="rect">
+            <a:avLst/>
+          </a:prstGeom>
+          <a:noFill/>
+        </p:spPr>
+        <p:txBody>
+          <a:bodyPr wrap="square" rtlCol="0">
+            <a:spAutoFit/>
+          </a:bodyPr>
+          <a:lstStyle/>
+          <a:p>
+            <a:pPr algn="ctr"/>
+            <a:r>
+              <a:rPr lang="en-US" sz="3200" dirty="0" smtClean="0"/>
+              <a:t>Model</a:t>
+            </a:r>
+            <a:endParaRPr lang="en-US" sz="3200" dirty="0"/>
+          </a:p>
+        </p:txBody>
+      </p:sp>
+      <p:sp>
+        <p:nvSpPr>
+          <p:cNvPr id="10" name="TextBox 9"/>
+          <p:cNvSpPr txBox="1"/>
+          <p:nvPr/>
+        </p:nvSpPr>
+        <p:spPr>
+          <a:xfrm>
+            <a:off x="3493911" y="1865376"/>
+            <a:ext cx="2204881" cy="584776"/>
+          </a:xfrm>
+          <a:prstGeom prst="rect">
+            <a:avLst/>
+          </a:prstGeom>
+          <a:noFill/>
+        </p:spPr>
+        <p:txBody>
+          <a:bodyPr wrap="square" rtlCol="0">
+            <a:spAutoFit/>
+          </a:bodyPr>
+          <a:lstStyle/>
+          <a:p>
+            <a:pPr algn="ctr"/>
+            <a:r>
+              <a:rPr lang="en-US" sz="3200" dirty="0" smtClean="0"/>
+              <a:t>Controller</a:t>
+            </a:r>
+            <a:endParaRPr lang="en-US" sz="3200" dirty="0"/>
+          </a:p>
+        </p:txBody>
+      </p:sp>
+      <p:sp>
+        <p:nvSpPr>
+          <p:cNvPr id="11" name="TextBox 10"/>
+          <p:cNvSpPr txBox="1"/>
+          <p:nvPr/>
+        </p:nvSpPr>
+        <p:spPr>
+          <a:xfrm>
+            <a:off x="6536783" y="1865376"/>
+            <a:ext cx="2204881" cy="584776"/>
+          </a:xfrm>
+          <a:prstGeom prst="rect">
+            <a:avLst/>
+          </a:prstGeom>
+          <a:noFill/>
+        </p:spPr>
+        <p:txBody>
+          <a:bodyPr wrap="square" rtlCol="0">
+            <a:spAutoFit/>
+          </a:bodyPr>
+          <a:lstStyle/>
+          <a:p>
+            <a:pPr algn="ctr"/>
+            <a:r>
+              <a:rPr lang="en-US" sz="3200" dirty="0" smtClean="0"/>
+              <a:t>View</a:t>
+            </a:r>
+            <a:endParaRPr lang="en-US" sz="3200" dirty="0"/>
+          </a:p>
+        </p:txBody>
+      </p:sp>
+      <p:cxnSp>
+        <p:nvCxnSpPr>
+          <p:cNvPr id="12" name="Straight Arrow Connector 11"/>
+          <p:cNvCxnSpPr>
+            <a:stCxn id="7" idx="1"/>
+          </p:cNvCxnSpPr>
+          <p:nvPr/>
+        </p:nvCxnSpPr>
+        <p:spPr>
+          <a:xfrm flipH="1">
+            <a:off x="5537200" y="3732192"/>
+            <a:ext cx="1218407" cy="0"/>
+          </a:xfrm>
+          <a:prstGeom prst="straightConnector1">
+            <a:avLst/>
+          </a:prstGeom>
+          <a:ln w="57150" cmpd="sng">
+            <a:solidFill>
+              <a:schemeClr val="accent2"/>
+            </a:solidFill>
+            <a:headEnd type="none"/>
+            <a:tailEnd type="triangle"/>
+          </a:ln>
+          <a:effectLst/>
+        </p:spPr>
+        <p:style>
+          <a:lnRef idx="2">
+            <a:schemeClr val="accent1"/>
+          </a:lnRef>
+          <a:fillRef idx="0">
+            <a:schemeClr val="accent1"/>
+          </a:fillRef>
+          <a:effectRef idx="1">
+            <a:schemeClr val="accent1"/>
+          </a:effectRef>
+          <a:fontRef idx="minor">
+            <a:schemeClr val="tx1"/>
+          </a:fontRef>
+        </p:style>
+      </p:cxnSp>
+      <p:sp>
+        <p:nvSpPr>
+          <p:cNvPr id="7" name="Rectangle 6"/>
+          <p:cNvSpPr/>
+          <p:nvPr/>
+        </p:nvSpPr>
+        <p:spPr>
+          <a:xfrm>
+            <a:off x="6755607" y="3533858"/>
+            <a:ext cx="1730320" cy="396667"/>
+          </a:xfrm>
+          <a:prstGeom prst="rect">
+            <a:avLst/>
+          </a:prstGeom>
+          <a:solidFill>
+            <a:schemeClr val="accent6"/>
+          </a:solidFill>
+          <a:ln w="28575" cmpd="sng">
+            <a:solidFill>
+              <a:schemeClr val="accent1"/>
+            </a:solidFill>
+          </a:ln>
+          <a:effectLst/>
+        </p:spPr>
+        <p:style>
+          <a:lnRef idx="1">
+            <a:schemeClr val="accent1"/>
+          </a:lnRef>
+          <a:fillRef idx="3">
+            <a:schemeClr val="accent1"/>
+          </a:fillRef>
+          <a:effectRef idx="2">
+            <a:schemeClr val="accent1"/>
+          </a:effectRef>
+          <a:fontRef idx="minor">
+            <a:schemeClr val="lt1"/>
+          </a:fontRef>
+        </p:style>
+        <p:txBody>
+          <a:bodyPr rtlCol="0" anchor="ctr"/>
+          <a:lstStyle/>
+          <a:p>
+            <a:pPr algn="ctr"/>
+            <a:r>
+              <a:rPr lang="en-US" dirty="0" smtClean="0">
+                <a:solidFill>
+                  <a:srgbClr val="F8F8F8"/>
+                </a:solidFill>
+              </a:rPr>
+              <a:t>send input</a:t>
+            </a:r>
+            <a:endParaRPr lang="en-US" dirty="0">
+              <a:solidFill>
+                <a:srgbClr val="F8F8F8"/>
+              </a:solidFill>
+            </a:endParaRPr>
+          </a:p>
+        </p:txBody>
+      </p:sp>
+      <p:cxnSp>
+        <p:nvCxnSpPr>
+          <p:cNvPr id="15" name="Straight Arrow Connector 14"/>
+          <p:cNvCxnSpPr/>
+          <p:nvPr/>
+        </p:nvCxnSpPr>
+        <p:spPr>
+          <a:xfrm>
+            <a:off x="4565097" y="3673683"/>
+            <a:ext cx="0" cy="614240"/>
+          </a:xfrm>
+          <a:prstGeom prst="straightConnector1">
+            <a:avLst/>
+          </a:prstGeom>
+          <a:ln w="57150" cmpd="sng">
+            <a:solidFill>
+              <a:schemeClr val="accent2"/>
+            </a:solidFill>
+            <a:headEnd type="none"/>
+            <a:tailEnd type="triangle"/>
+          </a:ln>
+          <a:effectLst/>
+        </p:spPr>
+        <p:style>
+          <a:lnRef idx="2">
+            <a:schemeClr val="accent1"/>
+          </a:lnRef>
+          <a:fillRef idx="0">
+            <a:schemeClr val="accent1"/>
+          </a:fillRef>
+          <a:effectRef idx="1">
+            <a:schemeClr val="accent1"/>
+          </a:effectRef>
+          <a:fontRef idx="minor">
+            <a:schemeClr val="tx1"/>
+          </a:fontRef>
+        </p:style>
+      </p:cxnSp>
+      <p:sp>
+        <p:nvSpPr>
+          <p:cNvPr id="13" name="Rectangle 12"/>
+          <p:cNvSpPr/>
+          <p:nvPr/>
+        </p:nvSpPr>
+        <p:spPr>
+          <a:xfrm>
+            <a:off x="3699937" y="3533858"/>
+            <a:ext cx="1730320" cy="396667"/>
+          </a:xfrm>
+          <a:prstGeom prst="rect">
+            <a:avLst/>
+          </a:prstGeom>
+          <a:solidFill>
+            <a:schemeClr val="accent4"/>
+          </a:solidFill>
+          <a:ln w="28575" cmpd="sng">
+            <a:solidFill>
+              <a:schemeClr val="accent1"/>
+            </a:solidFill>
+          </a:ln>
+          <a:effectLst/>
+        </p:spPr>
+        <p:style>
+          <a:lnRef idx="1">
+            <a:schemeClr val="accent1"/>
+          </a:lnRef>
+          <a:fillRef idx="3">
+            <a:schemeClr val="accent1"/>
+          </a:fillRef>
+          <a:effectRef idx="2">
+            <a:schemeClr val="accent1"/>
+          </a:effectRef>
+          <a:fontRef idx="minor">
+            <a:schemeClr val="lt1"/>
+          </a:fontRef>
+        </p:style>
+        <p:txBody>
+          <a:bodyPr rtlCol="0" anchor="ctr"/>
+          <a:lstStyle/>
+          <a:p>
+            <a:pPr algn="ctr"/>
+            <a:r>
+              <a:rPr lang="en-US" dirty="0" smtClean="0">
+                <a:solidFill>
+                  <a:srgbClr val="F8F8F8"/>
+                </a:solidFill>
+              </a:rPr>
+              <a:t>interpret input</a:t>
+            </a:r>
+            <a:endParaRPr lang="en-US" dirty="0">
+              <a:solidFill>
+                <a:srgbClr val="F8F8F8"/>
+              </a:solidFill>
+            </a:endParaRPr>
+          </a:p>
+        </p:txBody>
+      </p:sp>
+      <p:cxnSp>
+        <p:nvCxnSpPr>
+          <p:cNvPr id="17" name="Straight Arrow Connector 16"/>
+          <p:cNvCxnSpPr/>
+          <p:nvPr/>
+        </p:nvCxnSpPr>
+        <p:spPr>
+          <a:xfrm flipH="1">
+            <a:off x="2445133" y="4494636"/>
+            <a:ext cx="1218407" cy="0"/>
+          </a:xfrm>
+          <a:prstGeom prst="straightConnector1">
+            <a:avLst/>
+          </a:prstGeom>
+          <a:ln w="57150" cmpd="sng">
+            <a:solidFill>
+              <a:schemeClr val="accent2"/>
+            </a:solidFill>
+            <a:headEnd type="none"/>
+            <a:tailEnd type="triangle"/>
+          </a:ln>
+          <a:effectLst/>
+        </p:spPr>
+        <p:style>
+          <a:lnRef idx="2">
+            <a:schemeClr val="accent1"/>
+          </a:lnRef>
+          <a:fillRef idx="0">
+            <a:schemeClr val="accent1"/>
+          </a:fillRef>
+          <a:effectRef idx="1">
+            <a:schemeClr val="accent1"/>
+          </a:effectRef>
+          <a:fontRef idx="minor">
+            <a:schemeClr val="tx1"/>
+          </a:fontRef>
+        </p:style>
+      </p:cxnSp>
+      <p:sp>
+        <p:nvSpPr>
+          <p:cNvPr id="14" name="Rectangle 13"/>
+          <p:cNvSpPr/>
+          <p:nvPr/>
+        </p:nvSpPr>
+        <p:spPr>
+          <a:xfrm>
+            <a:off x="3699937" y="4285338"/>
+            <a:ext cx="1730320" cy="396667"/>
+          </a:xfrm>
+          <a:prstGeom prst="rect">
+            <a:avLst/>
+          </a:prstGeom>
+          <a:solidFill>
+            <a:schemeClr val="accent4"/>
+          </a:solidFill>
+          <a:ln w="28575" cmpd="sng">
+            <a:solidFill>
+              <a:schemeClr val="accent1"/>
+            </a:solidFill>
+          </a:ln>
+          <a:effectLst/>
+        </p:spPr>
+        <p:style>
+          <a:lnRef idx="1">
+            <a:schemeClr val="accent1"/>
+          </a:lnRef>
+          <a:fillRef idx="3">
+            <a:schemeClr val="accent1"/>
+          </a:fillRef>
+          <a:effectRef idx="2">
+            <a:schemeClr val="accent1"/>
+          </a:effectRef>
+          <a:fontRef idx="minor">
+            <a:schemeClr val="lt1"/>
+          </a:fontRef>
+        </p:style>
+        <p:txBody>
+          <a:bodyPr rtlCol="0" anchor="ctr"/>
+          <a:lstStyle/>
+          <a:p>
+            <a:pPr algn="ctr"/>
+            <a:r>
+              <a:rPr lang="en-US" dirty="0" smtClean="0">
+                <a:solidFill>
+                  <a:srgbClr val="F8F8F8"/>
+                </a:solidFill>
+              </a:rPr>
+              <a:t>request data</a:t>
+            </a:r>
+            <a:endParaRPr lang="en-US" dirty="0">
+              <a:solidFill>
+                <a:srgbClr val="F8F8F8"/>
+              </a:solidFill>
+            </a:endParaRPr>
+          </a:p>
+        </p:txBody>
+      </p:sp>
+      <p:cxnSp>
+        <p:nvCxnSpPr>
+          <p:cNvPr id="19" name="Straight Arrow Connector 18"/>
+          <p:cNvCxnSpPr/>
+          <p:nvPr/>
+        </p:nvCxnSpPr>
+        <p:spPr>
+          <a:xfrm>
+            <a:off x="1567897" y="4410894"/>
+            <a:ext cx="0" cy="614240"/>
+          </a:xfrm>
+          <a:prstGeom prst="straightConnector1">
+            <a:avLst/>
+          </a:prstGeom>
+          <a:ln w="57150" cmpd="sng">
+            <a:solidFill>
+              <a:schemeClr val="accent2"/>
+            </a:solidFill>
+            <a:headEnd type="none"/>
+            <a:tailEnd type="triangle"/>
+          </a:ln>
+          <a:effectLst/>
+        </p:spPr>
+        <p:style>
+          <a:lnRef idx="2">
+            <a:schemeClr val="accent1"/>
+          </a:lnRef>
+          <a:fillRef idx="0">
+            <a:schemeClr val="accent1"/>
+          </a:fillRef>
+          <a:effectRef idx="1">
+            <a:schemeClr val="accent1"/>
+          </a:effectRef>
+          <a:fontRef idx="minor">
+            <a:schemeClr val="tx1"/>
+          </a:fontRef>
+        </p:style>
+      </p:cxnSp>
+      <p:sp>
+        <p:nvSpPr>
+          <p:cNvPr id="16" name="Rectangle 15"/>
+          <p:cNvSpPr/>
+          <p:nvPr/>
+        </p:nvSpPr>
+        <p:spPr>
+          <a:xfrm>
+            <a:off x="702737" y="4285338"/>
+            <a:ext cx="1730320" cy="396667"/>
+          </a:xfrm>
+          <a:prstGeom prst="rect">
+            <a:avLst/>
+          </a:prstGeom>
+          <a:solidFill>
+            <a:schemeClr val="accent5"/>
+          </a:solidFill>
+          <a:ln w="28575" cmpd="sng">
+            <a:solidFill>
+              <a:schemeClr val="accent1"/>
+            </a:solidFill>
+          </a:ln>
+          <a:effectLst/>
+        </p:spPr>
+        <p:style>
+          <a:lnRef idx="1">
+            <a:schemeClr val="accent1"/>
+          </a:lnRef>
+          <a:fillRef idx="3">
+            <a:schemeClr val="accent1"/>
+          </a:fillRef>
+          <a:effectRef idx="2">
+            <a:schemeClr val="accent1"/>
+          </a:effectRef>
+          <a:fontRef idx="minor">
+            <a:schemeClr val="lt1"/>
+          </a:fontRef>
+        </p:style>
+        <p:txBody>
+          <a:bodyPr rtlCol="0" anchor="ctr"/>
+          <a:lstStyle/>
+          <a:p>
+            <a:pPr algn="ctr"/>
+            <a:r>
+              <a:rPr lang="en-US" dirty="0" smtClean="0">
+                <a:solidFill>
+                  <a:srgbClr val="F8F8F8"/>
+                </a:solidFill>
+              </a:rPr>
+              <a:t>gather data</a:t>
+            </a:r>
+            <a:endParaRPr lang="en-US" dirty="0">
+              <a:solidFill>
+                <a:srgbClr val="F8F8F8"/>
+              </a:solidFill>
+            </a:endParaRPr>
+          </a:p>
+        </p:txBody>
+      </p:sp>
+      <p:cxnSp>
+        <p:nvCxnSpPr>
+          <p:cNvPr id="21" name="Straight Arrow Connector 20"/>
+          <p:cNvCxnSpPr/>
+          <p:nvPr/>
+        </p:nvCxnSpPr>
+        <p:spPr>
+          <a:xfrm>
+            <a:off x="2382257" y="5300588"/>
+            <a:ext cx="1218407" cy="0"/>
+          </a:xfrm>
+          <a:prstGeom prst="straightConnector1">
+            <a:avLst/>
+          </a:prstGeom>
+          <a:ln w="57150" cmpd="sng">
+            <a:solidFill>
+              <a:schemeClr val="accent2"/>
+            </a:solidFill>
+            <a:headEnd type="none"/>
+            <a:tailEnd type="triangle"/>
+          </a:ln>
+          <a:effectLst/>
+        </p:spPr>
+        <p:style>
+          <a:lnRef idx="2">
+            <a:schemeClr val="accent1"/>
+          </a:lnRef>
+          <a:fillRef idx="0">
+            <a:schemeClr val="accent1"/>
+          </a:fillRef>
+          <a:effectRef idx="1">
+            <a:schemeClr val="accent1"/>
+          </a:effectRef>
+          <a:fontRef idx="minor">
+            <a:schemeClr val="tx1"/>
+          </a:fontRef>
+        </p:style>
+      </p:cxnSp>
+      <p:sp>
+        <p:nvSpPr>
+          <p:cNvPr id="18" name="Rectangle 17"/>
+          <p:cNvSpPr/>
+          <p:nvPr/>
+        </p:nvSpPr>
+        <p:spPr>
+          <a:xfrm>
+            <a:off x="702737" y="5093893"/>
+            <a:ext cx="1730320" cy="396667"/>
+          </a:xfrm>
+          <a:prstGeom prst="rect">
+            <a:avLst/>
+          </a:prstGeom>
+          <a:solidFill>
+            <a:schemeClr val="accent5"/>
+          </a:solidFill>
+          <a:ln w="28575" cmpd="sng">
+            <a:solidFill>
+              <a:schemeClr val="accent1"/>
+            </a:solidFill>
+          </a:ln>
+          <a:effectLst/>
+        </p:spPr>
+        <p:style>
+          <a:lnRef idx="1">
+            <a:schemeClr val="accent1"/>
+          </a:lnRef>
+          <a:fillRef idx="3">
+            <a:schemeClr val="accent1"/>
+          </a:fillRef>
+          <a:effectRef idx="2">
+            <a:schemeClr val="accent1"/>
+          </a:effectRef>
+          <a:fontRef idx="minor">
+            <a:schemeClr val="lt1"/>
+          </a:fontRef>
+        </p:style>
+        <p:txBody>
+          <a:bodyPr rtlCol="0" anchor="ctr"/>
+          <a:lstStyle/>
+          <a:p>
+            <a:pPr algn="ctr"/>
+            <a:r>
+              <a:rPr lang="en-US" dirty="0" smtClean="0">
+                <a:solidFill>
+                  <a:srgbClr val="F8F8F8"/>
+                </a:solidFill>
+              </a:rPr>
+              <a:t>return data</a:t>
+            </a:r>
+            <a:endParaRPr lang="en-US" dirty="0">
+              <a:solidFill>
+                <a:srgbClr val="F8F8F8"/>
+              </a:solidFill>
+            </a:endParaRPr>
+          </a:p>
+        </p:txBody>
+      </p:sp>
+      <p:sp>
+        <p:nvSpPr>
+          <p:cNvPr id="22" name="Rectangle 21"/>
+          <p:cNvSpPr/>
+          <p:nvPr/>
+        </p:nvSpPr>
+        <p:spPr>
+          <a:xfrm>
+            <a:off x="6755607" y="5102254"/>
+            <a:ext cx="1730320" cy="396667"/>
+          </a:xfrm>
+          <a:prstGeom prst="rect">
+            <a:avLst/>
+          </a:prstGeom>
+          <a:solidFill>
+            <a:schemeClr val="accent6"/>
+          </a:solidFill>
+          <a:ln w="28575" cmpd="sng">
+            <a:solidFill>
+              <a:schemeClr val="accent1"/>
+            </a:solidFill>
+          </a:ln>
+          <a:effectLst/>
+        </p:spPr>
+        <p:style>
+          <a:lnRef idx="1">
+            <a:schemeClr val="accent1"/>
+          </a:lnRef>
+          <a:fillRef idx="3">
+            <a:schemeClr val="accent1"/>
+          </a:fillRef>
+          <a:effectRef idx="2">
+            <a:schemeClr val="accent1"/>
+          </a:effectRef>
+          <a:fontRef idx="minor">
+            <a:schemeClr val="lt1"/>
+          </a:fontRef>
+        </p:style>
+        <p:txBody>
+          <a:bodyPr rtlCol="0" anchor="ctr"/>
+          <a:lstStyle/>
+          <a:p>
+            <a:pPr algn="ctr"/>
+            <a:r>
+              <a:rPr lang="en-US" dirty="0" smtClean="0">
+                <a:solidFill>
+                  <a:srgbClr val="F8F8F8"/>
+                </a:solidFill>
+              </a:rPr>
+              <a:t>display data</a:t>
+            </a:r>
+            <a:endParaRPr lang="en-US" dirty="0">
+              <a:solidFill>
+                <a:srgbClr val="F8F8F8"/>
+              </a:solidFill>
+            </a:endParaRPr>
+          </a:p>
+        </p:txBody>
+      </p:sp>
+      <p:cxnSp>
+        <p:nvCxnSpPr>
+          <p:cNvPr id="23" name="Straight Arrow Connector 22"/>
+          <p:cNvCxnSpPr/>
+          <p:nvPr/>
+        </p:nvCxnSpPr>
+        <p:spPr>
+          <a:xfrm>
+            <a:off x="5430257" y="5300588"/>
+            <a:ext cx="1218407" cy="0"/>
+          </a:xfrm>
+          <a:prstGeom prst="straightConnector1">
+            <a:avLst/>
+          </a:prstGeom>
+          <a:ln w="57150" cmpd="sng">
+            <a:solidFill>
+              <a:schemeClr val="accent2"/>
+            </a:solidFill>
+            <a:headEnd type="none"/>
+            <a:tailEnd type="triangle"/>
+          </a:ln>
+          <a:effectLst/>
+        </p:spPr>
+        <p:style>
+          <a:lnRef idx="2">
+            <a:schemeClr val="accent1"/>
+          </a:lnRef>
+          <a:fillRef idx="0">
+            <a:schemeClr val="accent1"/>
+          </a:fillRef>
+          <a:effectRef idx="1">
+            <a:schemeClr val="accent1"/>
+          </a:effectRef>
+          <a:fontRef idx="minor">
+            <a:schemeClr val="tx1"/>
+          </a:fontRef>
+        </p:style>
+      </p:cxnSp>
+      <p:sp>
+        <p:nvSpPr>
+          <p:cNvPr id="20" name="Rectangle 19"/>
+          <p:cNvSpPr/>
+          <p:nvPr/>
+        </p:nvSpPr>
+        <p:spPr>
+          <a:xfrm>
+            <a:off x="3699937" y="5093893"/>
+            <a:ext cx="1730320" cy="396667"/>
+          </a:xfrm>
+          <a:prstGeom prst="rect">
+            <a:avLst/>
+          </a:prstGeom>
+          <a:solidFill>
+            <a:schemeClr val="accent4"/>
+          </a:solidFill>
+          <a:ln w="28575" cmpd="sng">
+            <a:solidFill>
+              <a:schemeClr val="accent1"/>
+            </a:solidFill>
+          </a:ln>
+          <a:effectLst/>
+        </p:spPr>
+        <p:style>
+          <a:lnRef idx="1">
+            <a:schemeClr val="accent1"/>
+          </a:lnRef>
+          <a:fillRef idx="3">
+            <a:schemeClr val="accent1"/>
+          </a:fillRef>
+          <a:effectRef idx="2">
+            <a:schemeClr val="accent1"/>
+          </a:effectRef>
+          <a:fontRef idx="minor">
+            <a:schemeClr val="lt1"/>
+          </a:fontRef>
+        </p:style>
+        <p:txBody>
+          <a:bodyPr rtlCol="0" anchor="ctr"/>
+          <a:lstStyle/>
+          <a:p>
+            <a:pPr algn="ctr"/>
+            <a:r>
+              <a:rPr lang="en-US" dirty="0" smtClean="0">
+                <a:solidFill>
+                  <a:srgbClr val="F8F8F8"/>
+                </a:solidFill>
+              </a:rPr>
+              <a:t>forward data</a:t>
+            </a:r>
+            <a:endParaRPr lang="en-US" dirty="0">
+              <a:solidFill>
+                <a:srgbClr val="F8F8F8"/>
+              </a:solidFill>
+            </a:endParaRPr>
+          </a:p>
+        </p:txBody>
+      </p:sp>
+      <p:cxnSp>
+        <p:nvCxnSpPr>
+          <p:cNvPr id="24" name="Straight Arrow Connector 23"/>
+          <p:cNvCxnSpPr/>
+          <p:nvPr/>
+        </p:nvCxnSpPr>
+        <p:spPr>
+          <a:xfrm>
+            <a:off x="5430257" y="3056995"/>
+            <a:ext cx="1325350" cy="0"/>
+          </a:xfrm>
+          <a:prstGeom prst="straightConnector1">
+            <a:avLst/>
+          </a:prstGeom>
+          <a:ln w="57150" cmpd="sng">
+            <a:solidFill>
+              <a:schemeClr val="accent2"/>
+            </a:solidFill>
+            <a:headEnd type="none"/>
+            <a:tailEnd type="triangle"/>
+          </a:ln>
+          <a:effectLst/>
+        </p:spPr>
+        <p:style>
+          <a:lnRef idx="2">
+            <a:schemeClr val="accent1"/>
+          </a:lnRef>
+          <a:fillRef idx="0">
+            <a:schemeClr val="accent1"/>
+          </a:fillRef>
+          <a:effectRef idx="1">
+            <a:schemeClr val="accent1"/>
+          </a:effectRef>
+          <a:fontRef idx="minor">
+            <a:schemeClr val="tx1"/>
+          </a:fontRef>
+        </p:style>
+      </p:cxnSp>
+      <p:cxnSp>
+        <p:nvCxnSpPr>
+          <p:cNvPr id="26" name="Straight Arrow Connector 25"/>
+          <p:cNvCxnSpPr/>
+          <p:nvPr/>
+        </p:nvCxnSpPr>
+        <p:spPr>
+          <a:xfrm>
+            <a:off x="7619091" y="2941410"/>
+            <a:ext cx="0" cy="614240"/>
+          </a:xfrm>
+          <a:prstGeom prst="straightConnector1">
+            <a:avLst/>
+          </a:prstGeom>
+          <a:ln w="57150" cmpd="sng">
+            <a:solidFill>
+              <a:schemeClr val="accent2"/>
+            </a:solidFill>
+            <a:headEnd type="none"/>
+            <a:tailEnd type="triangle"/>
+          </a:ln>
+          <a:effectLst/>
+        </p:spPr>
+        <p:style>
+          <a:lnRef idx="2">
+            <a:schemeClr val="accent1"/>
+          </a:lnRef>
+          <a:fillRef idx="0">
+            <a:schemeClr val="accent1"/>
+          </a:fillRef>
+          <a:effectRef idx="1">
+            <a:schemeClr val="accent1"/>
+          </a:effectRef>
+          <a:fontRef idx="minor">
+            <a:schemeClr val="tx1"/>
+          </a:fontRef>
+        </p:style>
+      </p:cxnSp>
+      <p:sp>
+        <p:nvSpPr>
+          <p:cNvPr id="25" name="Rectangle 24"/>
+          <p:cNvSpPr/>
+          <p:nvPr/>
+        </p:nvSpPr>
+        <p:spPr>
+          <a:xfrm>
+            <a:off x="6755607" y="2858661"/>
+            <a:ext cx="1730320" cy="396667"/>
+          </a:xfrm>
+          <a:prstGeom prst="rect">
+            <a:avLst/>
+          </a:prstGeom>
+          <a:solidFill>
+            <a:schemeClr val="accent6"/>
+          </a:solidFill>
+          <a:ln w="28575" cmpd="sng">
+            <a:solidFill>
+              <a:schemeClr val="accent1"/>
+            </a:solidFill>
+          </a:ln>
+          <a:effectLst/>
+        </p:spPr>
+        <p:style>
+          <a:lnRef idx="1">
+            <a:schemeClr val="accent1"/>
+          </a:lnRef>
+          <a:fillRef idx="3">
+            <a:schemeClr val="accent1"/>
+          </a:fillRef>
+          <a:effectRef idx="2">
+            <a:schemeClr val="accent1"/>
+          </a:effectRef>
+          <a:fontRef idx="minor">
+            <a:schemeClr val="lt1"/>
+          </a:fontRef>
+        </p:style>
+        <p:txBody>
+          <a:bodyPr rtlCol="0" anchor="ctr"/>
+          <a:lstStyle/>
+          <a:p>
+            <a:pPr algn="ctr"/>
+            <a:r>
+              <a:rPr lang="en-US" dirty="0">
+                <a:solidFill>
+                  <a:srgbClr val="F8F8F8"/>
+                </a:solidFill>
+              </a:rPr>
+              <a:t>p</a:t>
+            </a:r>
+            <a:r>
+              <a:rPr lang="en-US" dirty="0" smtClean="0">
+                <a:solidFill>
+                  <a:srgbClr val="F8F8F8"/>
+                </a:solidFill>
+              </a:rPr>
+              <a:t>rompt user</a:t>
+            </a:r>
+            <a:endParaRPr lang="en-US" dirty="0">
+              <a:solidFill>
+                <a:srgbClr val="F8F8F8"/>
+              </a:solidFill>
+            </a:endParaRPr>
+          </a:p>
+        </p:txBody>
+      </p:sp>
+      <p:sp>
+        <p:nvSpPr>
+          <p:cNvPr id="27" name="Rectangle 26"/>
+          <p:cNvSpPr/>
+          <p:nvPr/>
+        </p:nvSpPr>
+        <p:spPr>
+          <a:xfrm>
+            <a:off x="3699937" y="2858661"/>
+            <a:ext cx="1730320" cy="396667"/>
+          </a:xfrm>
+          <a:prstGeom prst="rect">
+            <a:avLst/>
+          </a:prstGeom>
+          <a:solidFill>
+            <a:schemeClr val="accent4"/>
+          </a:solidFill>
+          <a:ln w="28575" cmpd="sng">
+            <a:solidFill>
+              <a:schemeClr val="accent1"/>
+            </a:solidFill>
+          </a:ln>
+          <a:effectLst/>
+        </p:spPr>
+        <p:style>
+          <a:lnRef idx="1">
+            <a:schemeClr val="accent1"/>
+          </a:lnRef>
+          <a:fillRef idx="3">
+            <a:schemeClr val="accent1"/>
+          </a:fillRef>
+          <a:effectRef idx="2">
+            <a:schemeClr val="accent1"/>
+          </a:effectRef>
+          <a:fontRef idx="minor">
+            <a:schemeClr val="lt1"/>
+          </a:fontRef>
+        </p:style>
+        <p:txBody>
+          <a:bodyPr rtlCol="0" anchor="ctr"/>
+          <a:lstStyle/>
+          <a:p>
+            <a:pPr algn="ctr"/>
+            <a:r>
+              <a:rPr lang="en-US" dirty="0" smtClean="0">
+                <a:solidFill>
+                  <a:srgbClr val="F8F8F8"/>
+                </a:solidFill>
+              </a:rPr>
+              <a:t>Initiate Program</a:t>
+            </a:r>
+            <a:endParaRPr lang="en-US" dirty="0">
+              <a:solidFill>
+                <a:srgbClr val="F8F8F8"/>
+              </a:solidFill>
+            </a:endParaRPr>
+          </a:p>
+        </p:txBody>
+      </p:sp>
+      <p:sp>
+        <p:nvSpPr>
+          <p:cNvPr id="35" name="Rectangle 34"/>
+          <p:cNvSpPr/>
+          <p:nvPr/>
+        </p:nvSpPr>
+        <p:spPr>
+          <a:xfrm>
+            <a:off x="702737" y="2862107"/>
+            <a:ext cx="1730320" cy="396667"/>
+          </a:xfrm>
+          <a:prstGeom prst="rect">
+            <a:avLst/>
+          </a:prstGeom>
+          <a:solidFill>
+            <a:schemeClr val="accent5"/>
+          </a:solidFill>
+          <a:ln w="28575" cmpd="sng">
+            <a:solidFill>
+              <a:schemeClr val="accent1"/>
+            </a:solidFill>
+          </a:ln>
+          <a:effectLst/>
+        </p:spPr>
+        <p:style>
+          <a:lnRef idx="1">
+            <a:schemeClr val="accent1"/>
+          </a:lnRef>
+          <a:fillRef idx="3">
+            <a:schemeClr val="accent1"/>
+          </a:fillRef>
+          <a:effectRef idx="2">
+            <a:schemeClr val="accent1"/>
+          </a:effectRef>
+          <a:fontRef idx="minor">
+            <a:schemeClr val="lt1"/>
+          </a:fontRef>
+        </p:style>
+        <p:txBody>
+          <a:bodyPr rtlCol="0" anchor="ctr"/>
+          <a:lstStyle/>
+          <a:p>
+            <a:pPr algn="ctr"/>
+            <a:r>
+              <a:rPr lang="en-US" dirty="0">
+                <a:solidFill>
+                  <a:srgbClr val="F8F8F8"/>
+                </a:solidFill>
+              </a:rPr>
+              <a:t>i</a:t>
+            </a:r>
+            <a:r>
+              <a:rPr lang="en-US" dirty="0" smtClean="0">
+                <a:solidFill>
+                  <a:srgbClr val="F8F8F8"/>
+                </a:solidFill>
+              </a:rPr>
+              <a:t>nitiate data </a:t>
+            </a:r>
+            <a:endParaRPr lang="en-US" dirty="0">
+              <a:solidFill>
+                <a:srgbClr val="F8F8F8"/>
+              </a:solidFill>
+            </a:endParaRPr>
+          </a:p>
+        </p:txBody>
+      </p:sp>
+      <p:cxnSp>
+        <p:nvCxnSpPr>
+          <p:cNvPr id="28" name="Straight Arrow Connector 27"/>
+          <p:cNvCxnSpPr/>
+          <p:nvPr/>
+        </p:nvCxnSpPr>
+        <p:spPr>
+          <a:xfrm flipV="1">
+            <a:off x="7619091" y="4095180"/>
+            <a:ext cx="0" cy="998714"/>
+          </a:xfrm>
+          <a:prstGeom prst="straightConnector1">
+            <a:avLst/>
+          </a:prstGeom>
+          <a:ln w="57150" cmpd="sng">
+            <a:solidFill>
+              <a:schemeClr val="accent2"/>
+            </a:solidFill>
+            <a:prstDash val="sysDot"/>
+            <a:headEnd type="none"/>
+            <a:tailEnd type="triangle"/>
+          </a:ln>
+          <a:effectLst/>
+        </p:spPr>
+        <p:style>
+          <a:lnRef idx="2">
+            <a:schemeClr val="accent1"/>
+          </a:lnRef>
+          <a:fillRef idx="0">
+            <a:schemeClr val="accent1"/>
+          </a:fillRef>
+          <a:effectRef idx="1">
+            <a:schemeClr val="accent1"/>
+          </a:effectRef>
+          <a:fontRef idx="minor">
+            <a:schemeClr val="tx1"/>
+          </a:fontRef>
+        </p:style>
+      </p:cxnSp>
+    </p:spTree>
+    <p:extLst>
+      <p:ext uri="{BB962C8B-B14F-4D97-AF65-F5344CB8AC3E}">
+        <p14:creationId xmlns:p14="http://schemas.microsoft.com/office/powerpoint/2010/main" val="4269829460"/>
+      </p:ext>
+    </p:extLst>
+  </p:cSld>
+  <p:clrMapOvr>
+    <a:masterClrMapping/>
+  </p:clrMapOvr>
+  <p:timing>
+    <p:tnLst>
+      <p:par>
+        <p:cTn xmlns:p14="http://schemas.microsoft.com/office/powerpoint/2010/main" id="1" dur="indefinite" restart="never" nodeType="tmRoot"/>
+      </p:par>
+    </p:tnLst>
+  </p:timing>
+</p:sld>
+</file>
+
+<file path=ppt/slides/slide36.xml><?xml version="1.0" encoding="utf-8"?>
 <p:sld xmlns:a="http://schemas.openxmlformats.org/drawingml/2006/main" xmlns:r="http://schemas.openxmlformats.org/officeDocument/2006/relationships" xmlns:p="http://schemas.openxmlformats.org/presentationml/2006/main">
   <p:cSld>
     <p:spTree>

--- a/1phase/ruby-mvc-single-res/HT-MVC.pptx
+++ b/1phase/ruby-mvc-single-res/HT-MVC.pptx
@@ -4397,7 +4397,29 @@
                   <a:srgbClr val="F8F8F8"/>
                 </a:solidFill>
               </a:rPr>
-              <a:t>display data from model</a:t>
+              <a:t>display data from </a:t>
+            </a:r>
+            <a:r>
+              <a:rPr lang="en-US" sz="2200" dirty="0" smtClean="0">
+                <a:solidFill>
+                  <a:srgbClr val="F8F8F8"/>
+                </a:solidFill>
+              </a:rPr>
+              <a:t>model</a:t>
+            </a:r>
+          </a:p>
+          <a:p>
+            <a:pPr marL="454025" indent="-342900">
+              <a:buFont typeface="Arial"/>
+              <a:buChar char="•"/>
+            </a:pPr>
+            <a:r>
+              <a:rPr lang="en-US" sz="2200" dirty="0" smtClean="0">
+                <a:solidFill>
+                  <a:srgbClr val="F8F8F8"/>
+                </a:solidFill>
+              </a:rPr>
+              <a:t>HTML</a:t>
             </a:r>
             <a:endParaRPr lang="en-US" sz="2200" dirty="0">
               <a:solidFill>
@@ -4870,7 +4892,29 @@
                   <a:srgbClr val="F8F8F8"/>
                 </a:solidFill>
               </a:rPr>
-              <a:t>display data from model</a:t>
+              <a:t>display data from </a:t>
+            </a:r>
+            <a:r>
+              <a:rPr lang="en-US" sz="2200" dirty="0" smtClean="0">
+                <a:solidFill>
+                  <a:srgbClr val="F8F8F8"/>
+                </a:solidFill>
+              </a:rPr>
+              <a:t>model</a:t>
+            </a:r>
+          </a:p>
+          <a:p>
+            <a:pPr marL="454025" indent="-342900">
+              <a:buFont typeface="Arial"/>
+              <a:buChar char="•"/>
+            </a:pPr>
+            <a:r>
+              <a:rPr lang="en-US" sz="2200" dirty="0" smtClean="0">
+                <a:solidFill>
+                  <a:srgbClr val="F8F8F8"/>
+                </a:solidFill>
+              </a:rPr>
+              <a:t>HTML</a:t>
             </a:r>
             <a:endParaRPr lang="en-US" sz="2200" dirty="0">
               <a:solidFill>
@@ -5401,7 +5445,29 @@
                   <a:srgbClr val="F8F8F8"/>
                 </a:solidFill>
               </a:rPr>
-              <a:t>display data from model</a:t>
+              <a:t>display data from </a:t>
+            </a:r>
+            <a:r>
+              <a:rPr lang="en-US" sz="2200" dirty="0" smtClean="0">
+                <a:solidFill>
+                  <a:srgbClr val="F8F8F8"/>
+                </a:solidFill>
+              </a:rPr>
+              <a:t>model</a:t>
+            </a:r>
+          </a:p>
+          <a:p>
+            <a:pPr marL="454025" indent="-342900">
+              <a:buFont typeface="Arial"/>
+              <a:buChar char="•"/>
+            </a:pPr>
+            <a:r>
+              <a:rPr lang="en-US" sz="2200" dirty="0" smtClean="0">
+                <a:solidFill>
+                  <a:srgbClr val="F8F8F8"/>
+                </a:solidFill>
+              </a:rPr>
+              <a:t>HTML</a:t>
             </a:r>
             <a:endParaRPr lang="en-US" sz="2200" dirty="0">
               <a:solidFill>
@@ -7524,33 +7590,6 @@
             </a:r>
           </a:p>
           <a:p>
-            <a:pPr marL="349250" indent="-238125">
-              <a:buFont typeface="Arial"/>
-              <a:buChar char="•"/>
-            </a:pPr>
-            <a:r>
-              <a:rPr lang="en-US" sz="2200" dirty="0" err="1" smtClean="0">
-                <a:solidFill>
-                  <a:srgbClr val="F8F8F8"/>
-                </a:solidFill>
-              </a:rPr>
-              <a:t>r</a:t>
-            </a:r>
-            <a:r>
-              <a:rPr lang="en-US" sz="2200" dirty="0" err="1" smtClean="0">
-                <a:solidFill>
-                  <a:srgbClr val="F8F8F8"/>
-                </a:solidFill>
-              </a:rPr>
-              <a:t>unner.rb</a:t>
-            </a:r>
-            <a:endParaRPr lang="en-US" sz="2200" dirty="0" smtClean="0">
-              <a:solidFill>
-                <a:srgbClr val="F8F8F8"/>
-              </a:solidFill>
-            </a:endParaRPr>
-          </a:p>
-          <a:p>
             <a:pPr marL="111125"/>
             <a:endParaRPr lang="en-US" sz="2200" dirty="0">
               <a:solidFill>
@@ -7876,7 +7915,7 @@
         </p:nvSpPr>
         <p:spPr>
           <a:xfrm>
-            <a:off x="512064" y="1954842"/>
+            <a:off x="512064" y="1755076"/>
             <a:ext cx="8174737" cy="4031873"/>
           </a:xfrm>
           <a:prstGeom prst="rect">
@@ -17139,8 +17178,8 @@
         </p:nvCxnSpPr>
         <p:spPr>
           <a:xfrm flipV="1">
-            <a:off x="7619091" y="4095180"/>
-            <a:ext cx="0" cy="998714"/>
+            <a:off x="8313171" y="3255328"/>
+            <a:ext cx="0" cy="1838566"/>
           </a:xfrm>
           <a:prstGeom prst="straightConnector1">
             <a:avLst/>
